--- a/GH/Lab3_Diagrams_GH.pptx
+++ b/GH/Lab3_Diagrams_GH.pptx
@@ -131,7 +131,7 @@
 <file path=ppt/revisionInfo.xml><?xml version="1.0" encoding="utf-8"?>
 <p1510:revInfo xmlns:a="http://schemas.openxmlformats.org/drawingml/2006/main" xmlns:r="http://schemas.openxmlformats.org/officeDocument/2006/relationships" xmlns:p1510="http://schemas.microsoft.com/office/powerpoint/2015/10/main">
   <p1510:revLst>
-    <p1510:client id="{743B0715-C183-42DE-B6E5-38E47A36CCC5}" v="95" dt="2021-09-30T16:14:55.265"/>
+    <p1510:client id="{743B0715-C183-42DE-B6E5-38E47A36CCC5}" v="98" dt="2021-09-30T20:01:43.242"/>
   </p1510:revLst>
 </p1510:revInfo>
 </file>
@@ -2053,7 +2053,7 @@
   <pc:docChgLst>
     <pc:chgData name="Graydon Hall" userId="6ad8ef6fe9c5877e" providerId="LiveId" clId="{743B0715-C183-42DE-B6E5-38E47A36CCC5}"/>
     <pc:docChg chg="undo redo custSel addSld modSld sldOrd">
-      <pc:chgData name="Graydon Hall" userId="6ad8ef6fe9c5877e" providerId="LiveId" clId="{743B0715-C183-42DE-B6E5-38E47A36CCC5}" dt="2021-09-30T16:19:51.714" v="3669" actId="207"/>
+      <pc:chgData name="Graydon Hall" userId="6ad8ef6fe9c5877e" providerId="LiveId" clId="{743B0715-C183-42DE-B6E5-38E47A36CCC5}" dt="2021-09-30T20:02:52.623" v="5485" actId="1076"/>
       <pc:docMkLst>
         <pc:docMk/>
       </pc:docMkLst>
@@ -3516,7 +3516,7 @@
         </pc:cxnChg>
       </pc:sldChg>
       <pc:sldChg chg="addSp delSp modSp add mod">
-        <pc:chgData name="Graydon Hall" userId="6ad8ef6fe9c5877e" providerId="LiveId" clId="{743B0715-C183-42DE-B6E5-38E47A36CCC5}" dt="2021-09-30T15:24:08.573" v="1028" actId="20577"/>
+        <pc:chgData name="Graydon Hall" userId="6ad8ef6fe9c5877e" providerId="LiveId" clId="{743B0715-C183-42DE-B6E5-38E47A36CCC5}" dt="2021-09-30T19:01:02.145" v="3791" actId="1076"/>
         <pc:sldMkLst>
           <pc:docMk/>
           <pc:sldMk cId="665027416" sldId="267"/>
@@ -3553,6 +3553,14 @@
             <ac:spMk id="5" creationId="{03DF7978-60AD-4CDE-AE09-356BACC0D746}"/>
           </ac:spMkLst>
         </pc:spChg>
+        <pc:spChg chg="add mod">
+          <ac:chgData name="Graydon Hall" userId="6ad8ef6fe9c5877e" providerId="LiveId" clId="{743B0715-C183-42DE-B6E5-38E47A36CCC5}" dt="2021-09-30T19:00:51.358" v="3788" actId="208"/>
+          <ac:spMkLst>
+            <pc:docMk/>
+            <pc:sldMk cId="665027416" sldId="267"/>
+            <ac:spMk id="10" creationId="{6A13B73C-A4D9-4388-A369-3FD4A51C9DC6}"/>
+          </ac:spMkLst>
+        </pc:spChg>
         <pc:spChg chg="add del mod">
           <ac:chgData name="Graydon Hall" userId="6ad8ef6fe9c5877e" providerId="LiveId" clId="{743B0715-C183-42DE-B6E5-38E47A36CCC5}" dt="2021-09-29T21:11:55.806" v="777" actId="478"/>
           <ac:spMkLst>
@@ -3562,7 +3570,7 @@
           </ac:spMkLst>
         </pc:spChg>
         <pc:spChg chg="mod">
-          <ac:chgData name="Graydon Hall" userId="6ad8ef6fe9c5877e" providerId="LiveId" clId="{743B0715-C183-42DE-B6E5-38E47A36CCC5}" dt="2021-09-29T21:07:26.986" v="763" actId="14100"/>
+          <ac:chgData name="Graydon Hall" userId="6ad8ef6fe9c5877e" providerId="LiveId" clId="{743B0715-C183-42DE-B6E5-38E47A36CCC5}" dt="2021-09-30T18:52:30.362" v="3699" actId="20577"/>
           <ac:spMkLst>
             <pc:docMk/>
             <pc:sldMk cId="665027416" sldId="267"/>
@@ -3823,6 +3831,14 @@
             <pc:docMk/>
             <pc:sldMk cId="665027416" sldId="267"/>
             <ac:spMk id="81" creationId="{E9D4274A-E3E9-4AC0-B99A-4CC0DD026E89}"/>
+          </ac:spMkLst>
+        </pc:spChg>
+        <pc:spChg chg="add mod">
+          <ac:chgData name="Graydon Hall" userId="6ad8ef6fe9c5877e" providerId="LiveId" clId="{743B0715-C183-42DE-B6E5-38E47A36CCC5}" dt="2021-09-30T19:01:02.145" v="3791" actId="1076"/>
+          <ac:spMkLst>
+            <pc:docMk/>
+            <pc:sldMk cId="665027416" sldId="267"/>
+            <ac:spMk id="82" creationId="{3393D78F-D17E-4D5A-87FE-A6C3308EC21C}"/>
           </ac:spMkLst>
         </pc:spChg>
         <pc:grpChg chg="add mod">
@@ -4329,7 +4345,7 @@
         </pc:picChg>
       </pc:sldChg>
       <pc:sldChg chg="addSp delSp modSp new mod addCm">
-        <pc:chgData name="Graydon Hall" userId="6ad8ef6fe9c5877e" providerId="LiveId" clId="{743B0715-C183-42DE-B6E5-38E47A36CCC5}" dt="2021-09-30T16:19:51.714" v="3669" actId="207"/>
+        <pc:chgData name="Graydon Hall" userId="6ad8ef6fe9c5877e" providerId="LiveId" clId="{743B0715-C183-42DE-B6E5-38E47A36CCC5}" dt="2021-09-30T20:02:52.623" v="5485" actId="1076"/>
         <pc:sldMkLst>
           <pc:docMk/>
           <pc:sldMk cId="2983458566" sldId="270"/>
@@ -4343,7 +4359,7 @@
           </ac:spMkLst>
         </pc:spChg>
         <pc:spChg chg="mod">
-          <ac:chgData name="Graydon Hall" userId="6ad8ef6fe9c5877e" providerId="LiveId" clId="{743B0715-C183-42DE-B6E5-38E47A36CCC5}" dt="2021-09-30T16:19:51.714" v="3669" actId="207"/>
+          <ac:chgData name="Graydon Hall" userId="6ad8ef6fe9c5877e" providerId="LiveId" clId="{743B0715-C183-42DE-B6E5-38E47A36CCC5}" dt="2021-09-30T19:50:36.141" v="5379" actId="20577"/>
           <ac:spMkLst>
             <pc:docMk/>
             <pc:sldMk cId="2983458566" sldId="270"/>
@@ -4351,15 +4367,23 @@
           </ac:spMkLst>
         </pc:spChg>
         <pc:spChg chg="add mod">
-          <ac:chgData name="Graydon Hall" userId="6ad8ef6fe9c5877e" providerId="LiveId" clId="{743B0715-C183-42DE-B6E5-38E47A36CCC5}" dt="2021-09-30T15:58:09.215" v="2440" actId="1076"/>
+          <ac:chgData name="Graydon Hall" userId="6ad8ef6fe9c5877e" providerId="LiveId" clId="{743B0715-C183-42DE-B6E5-38E47A36CCC5}" dt="2021-09-30T20:02:43.047" v="5483" actId="1076"/>
           <ac:spMkLst>
             <pc:docMk/>
             <pc:sldMk cId="2983458566" sldId="270"/>
             <ac:spMk id="6" creationId="{CDF078E3-A205-4393-9D38-B21322FF8D87}"/>
           </ac:spMkLst>
         </pc:spChg>
-        <pc:spChg chg="add mod">
-          <ac:chgData name="Graydon Hall" userId="6ad8ef6fe9c5877e" providerId="LiveId" clId="{743B0715-C183-42DE-B6E5-38E47A36CCC5}" dt="2021-09-30T16:03:34.022" v="2820" actId="20577"/>
+        <pc:spChg chg="add del mod">
+          <ac:chgData name="Graydon Hall" userId="6ad8ef6fe9c5877e" providerId="LiveId" clId="{743B0715-C183-42DE-B6E5-38E47A36CCC5}" dt="2021-09-30T20:02:15.644" v="5479" actId="478"/>
+          <ac:spMkLst>
+            <pc:docMk/>
+            <pc:sldMk cId="2983458566" sldId="270"/>
+            <ac:spMk id="7" creationId="{55FB211F-7F24-4091-B517-A46AB3605728}"/>
+          </ac:spMkLst>
+        </pc:spChg>
+        <pc:spChg chg="add del mod">
+          <ac:chgData name="Graydon Hall" userId="6ad8ef6fe9c5877e" providerId="LiveId" clId="{743B0715-C183-42DE-B6E5-38E47A36CCC5}" dt="2021-09-30T20:02:36.522" v="5481" actId="478"/>
           <ac:spMkLst>
             <pc:docMk/>
             <pc:sldMk cId="2983458566" sldId="270"/>
@@ -4367,47 +4391,55 @@
           </ac:spMkLst>
         </pc:spChg>
         <pc:spChg chg="add mod">
-          <ac:chgData name="Graydon Hall" userId="6ad8ef6fe9c5877e" providerId="LiveId" clId="{743B0715-C183-42DE-B6E5-38E47A36CCC5}" dt="2021-09-30T16:13:15.485" v="3200" actId="20577"/>
+          <ac:chgData name="Graydon Hall" userId="6ad8ef6fe9c5877e" providerId="LiveId" clId="{743B0715-C183-42DE-B6E5-38E47A36CCC5}" dt="2021-09-30T20:02:52.623" v="5485" actId="1076"/>
           <ac:spMkLst>
             <pc:docMk/>
             <pc:sldMk cId="2983458566" sldId="270"/>
             <ac:spMk id="18" creationId="{A0EEE247-6E2D-42BB-90AD-C6377E1692D1}"/>
           </ac:spMkLst>
         </pc:spChg>
+        <pc:picChg chg="add del mod">
+          <ac:chgData name="Graydon Hall" userId="6ad8ef6fe9c5877e" providerId="LiveId" clId="{743B0715-C183-42DE-B6E5-38E47A36CCC5}" dt="2021-09-30T20:02:16.981" v="5480" actId="478"/>
+          <ac:picMkLst>
+            <pc:docMk/>
+            <pc:sldMk cId="2983458566" sldId="270"/>
+            <ac:picMk id="4" creationId="{12BCD055-AC38-49C8-9E45-1CA6E0E16B16}"/>
+          </ac:picMkLst>
+        </pc:picChg>
         <pc:picChg chg="add mod">
-          <ac:chgData name="Graydon Hall" userId="6ad8ef6fe9c5877e" providerId="LiveId" clId="{743B0715-C183-42DE-B6E5-38E47A36CCC5}" dt="2021-09-30T15:58:09.215" v="2440" actId="1076"/>
+          <ac:chgData name="Graydon Hall" userId="6ad8ef6fe9c5877e" providerId="LiveId" clId="{743B0715-C183-42DE-B6E5-38E47A36CCC5}" dt="2021-09-30T20:02:43.047" v="5483" actId="1076"/>
           <ac:picMkLst>
             <pc:docMk/>
             <pc:sldMk cId="2983458566" sldId="270"/>
             <ac:picMk id="5" creationId="{91072835-6717-4088-92CE-59186457C105}"/>
           </ac:picMkLst>
         </pc:picChg>
-        <pc:picChg chg="add mod">
-          <ac:chgData name="Graydon Hall" userId="6ad8ef6fe9c5877e" providerId="LiveId" clId="{743B0715-C183-42DE-B6E5-38E47A36CCC5}" dt="2021-09-30T15:58:11.146" v="2441" actId="1076"/>
+        <pc:picChg chg="add del mod">
+          <ac:chgData name="Graydon Hall" userId="6ad8ef6fe9c5877e" providerId="LiveId" clId="{743B0715-C183-42DE-B6E5-38E47A36CCC5}" dt="2021-09-30T20:02:36.522" v="5481" actId="478"/>
           <ac:picMkLst>
             <pc:docMk/>
             <pc:sldMk cId="2983458566" sldId="270"/>
             <ac:picMk id="8" creationId="{AAF35D5C-F7EA-4101-AFB2-58AA3AF80216}"/>
           </ac:picMkLst>
         </pc:picChg>
-        <pc:picChg chg="add mod">
-          <ac:chgData name="Graydon Hall" userId="6ad8ef6fe9c5877e" providerId="LiveId" clId="{743B0715-C183-42DE-B6E5-38E47A36CCC5}" dt="2021-09-30T15:59:18.426" v="2519" actId="14100"/>
+        <pc:picChg chg="add del mod">
+          <ac:chgData name="Graydon Hall" userId="6ad8ef6fe9c5877e" providerId="LiveId" clId="{743B0715-C183-42DE-B6E5-38E47A36CCC5}" dt="2021-09-30T20:02:36.522" v="5481" actId="478"/>
           <ac:picMkLst>
             <pc:docMk/>
             <pc:sldMk cId="2983458566" sldId="270"/>
             <ac:picMk id="11" creationId="{0CBDE164-BC7C-413D-B876-A82081E6216B}"/>
           </ac:picMkLst>
         </pc:picChg>
-        <pc:picChg chg="add mod">
-          <ac:chgData name="Graydon Hall" userId="6ad8ef6fe9c5877e" providerId="LiveId" clId="{743B0715-C183-42DE-B6E5-38E47A36CCC5}" dt="2021-09-30T15:59:58.117" v="2524" actId="1076"/>
+        <pc:picChg chg="add del mod">
+          <ac:chgData name="Graydon Hall" userId="6ad8ef6fe9c5877e" providerId="LiveId" clId="{743B0715-C183-42DE-B6E5-38E47A36CCC5}" dt="2021-09-30T20:02:36.522" v="5481" actId="478"/>
           <ac:picMkLst>
             <pc:docMk/>
             <pc:sldMk cId="2983458566" sldId="270"/>
             <ac:picMk id="13" creationId="{3D224934-5DE7-4AA8-A263-FD343C8EDC8D}"/>
           </ac:picMkLst>
         </pc:picChg>
-        <pc:picChg chg="add mod">
-          <ac:chgData name="Graydon Hall" userId="6ad8ef6fe9c5877e" providerId="LiveId" clId="{743B0715-C183-42DE-B6E5-38E47A36CCC5}" dt="2021-09-30T16:01:19.304" v="2668" actId="14100"/>
+        <pc:picChg chg="add del mod">
+          <ac:chgData name="Graydon Hall" userId="6ad8ef6fe9c5877e" providerId="LiveId" clId="{743B0715-C183-42DE-B6E5-38E47A36CCC5}" dt="2021-09-30T20:02:36.522" v="5481" actId="478"/>
           <ac:picMkLst>
             <pc:docMk/>
             <pc:sldMk cId="2983458566" sldId="270"/>
@@ -4415,7 +4447,7 @@
           </ac:picMkLst>
         </pc:picChg>
         <pc:picChg chg="add mod">
-          <ac:chgData name="Graydon Hall" userId="6ad8ef6fe9c5877e" providerId="LiveId" clId="{743B0715-C183-42DE-B6E5-38E47A36CCC5}" dt="2021-09-30T16:12:34.712" v="3188" actId="1076"/>
+          <ac:chgData name="Graydon Hall" userId="6ad8ef6fe9c5877e" providerId="LiveId" clId="{743B0715-C183-42DE-B6E5-38E47A36CCC5}" dt="2021-09-30T20:02:45.829" v="5484" actId="1076"/>
           <ac:picMkLst>
             <pc:docMk/>
             <pc:sldMk cId="2983458566" sldId="270"/>
@@ -11139,19 +11171,273 @@
             </a:r>
           </a:p>
           <a:p>
+            <a:r>
+              <a:rPr lang="en-CA" sz="900" dirty="0"/>
+              <a:t>In this program, the variable </a:t>
+            </a:r>
+            <a:r>
+              <a:rPr lang="en-CA" sz="900" dirty="0">
+                <a:solidFill>
+                  <a:schemeClr val="tx2"/>
+                </a:solidFill>
+                <a:latin typeface="Consolas" panose="020B0609020204030204" pitchFamily="49" charset="0"/>
+              </a:rPr>
+              <a:t>c</a:t>
+            </a:r>
+            <a:r>
+              <a:rPr lang="en-CA" sz="900" dirty="0"/>
+              <a:t> is set equal to the variable </a:t>
+            </a:r>
+            <a:r>
+              <a:rPr lang="en-CA" sz="900" dirty="0">
+                <a:solidFill>
+                  <a:schemeClr val="tx2"/>
+                </a:solidFill>
+                <a:latin typeface="Consolas" panose="020B0609020204030204" pitchFamily="49" charset="0"/>
+              </a:rPr>
+              <a:t>a</a:t>
+            </a:r>
+            <a:r>
+              <a:rPr lang="en-CA" sz="900" dirty="0"/>
+              <a:t> within an extra pair of curly braces, so the destructor is called for </a:t>
+            </a:r>
+            <a:r>
+              <a:rPr lang="en-CA" sz="900" dirty="0">
+                <a:solidFill>
+                  <a:schemeClr val="tx2"/>
+                </a:solidFill>
+                <a:latin typeface="Consolas" panose="020B0609020204030204" pitchFamily="49" charset="0"/>
+              </a:rPr>
+              <a:t>c</a:t>
+            </a:r>
+            <a:r>
+              <a:rPr lang="en-CA" sz="900" dirty="0">
+                <a:latin typeface="Consolas" panose="020B0609020204030204" pitchFamily="49" charset="0"/>
+              </a:rPr>
+              <a:t> </a:t>
+            </a:r>
+            <a:r>
+              <a:rPr lang="en-CA" sz="900" dirty="0"/>
+              <a:t>after the program exits these extra curly braces (since </a:t>
+            </a:r>
+            <a:r>
+              <a:rPr lang="en-CA" sz="900" dirty="0">
+                <a:solidFill>
+                  <a:schemeClr val="tx2"/>
+                </a:solidFill>
+                <a:latin typeface="Consolas" panose="020B0609020204030204" pitchFamily="49" charset="0"/>
+              </a:rPr>
+              <a:t>c</a:t>
+            </a:r>
+            <a:r>
+              <a:rPr lang="en-CA" sz="900" dirty="0">
+                <a:latin typeface="Consolas" panose="020B0609020204030204" pitchFamily="49" charset="0"/>
+              </a:rPr>
+              <a:t> </a:t>
+            </a:r>
+            <a:r>
+              <a:rPr lang="en-CA" sz="900" dirty="0"/>
+              <a:t>goes out of scope). </a:t>
+            </a:r>
+          </a:p>
+          <a:p>
+            <a:r>
+              <a:rPr lang="en-CA" sz="900" dirty="0"/>
+              <a:t>In the destructor for the </a:t>
+            </a:r>
+            <a:r>
+              <a:rPr lang="en-CA" sz="900" dirty="0" err="1">
+                <a:solidFill>
+                  <a:schemeClr val="tx2"/>
+                </a:solidFill>
+                <a:latin typeface="Consolas" panose="020B0609020204030204" pitchFamily="49" charset="0"/>
+              </a:rPr>
+              <a:t>DynString</a:t>
+            </a:r>
+            <a:r>
+              <a:rPr lang="en-CA" sz="900" dirty="0"/>
+              <a:t> class, the allocated space for </a:t>
+            </a:r>
+            <a:r>
+              <a:rPr lang="en-CA" sz="900" dirty="0" err="1">
+                <a:solidFill>
+                  <a:schemeClr val="tx2"/>
+                </a:solidFill>
+                <a:latin typeface="Consolas" panose="020B0609020204030204" pitchFamily="49" charset="0"/>
+              </a:rPr>
+              <a:t>storageM</a:t>
+            </a:r>
+            <a:r>
+              <a:rPr lang="en-CA" sz="900" dirty="0"/>
+              <a:t> is freed through the line </a:t>
+            </a:r>
+            <a:r>
+              <a:rPr lang="en-CA" sz="900" dirty="0">
+                <a:solidFill>
+                  <a:schemeClr val="tx2"/>
+                </a:solidFill>
+                <a:latin typeface="Consolas" panose="020B0609020204030204" pitchFamily="49" charset="0"/>
+              </a:rPr>
+              <a:t>delete [] </a:t>
+            </a:r>
+            <a:r>
+              <a:rPr lang="en-CA" sz="900" dirty="0" err="1">
+                <a:solidFill>
+                  <a:schemeClr val="tx2"/>
+                </a:solidFill>
+                <a:latin typeface="Consolas" panose="020B0609020204030204" pitchFamily="49" charset="0"/>
+              </a:rPr>
+              <a:t>storageM</a:t>
+            </a:r>
+            <a:r>
+              <a:rPr lang="en-CA" sz="900" dirty="0">
+                <a:solidFill>
+                  <a:schemeClr val="tx2"/>
+                </a:solidFill>
+                <a:latin typeface="Consolas" panose="020B0609020204030204" pitchFamily="49" charset="0"/>
+              </a:rPr>
+              <a:t>;</a:t>
+            </a:r>
+            <a:r>
+              <a:rPr lang="en-CA" sz="900" dirty="0"/>
+              <a:t> but the pointer pointing to that spot is still pointing there. </a:t>
+            </a:r>
+          </a:p>
+          <a:p>
+            <a:r>
+              <a:rPr lang="en-CA" sz="900" dirty="0"/>
+              <a:t>Since </a:t>
+            </a:r>
+            <a:r>
+              <a:rPr lang="en-CA" sz="900" dirty="0">
+                <a:solidFill>
+                  <a:schemeClr val="tx2"/>
+                </a:solidFill>
+                <a:latin typeface="Consolas" panose="020B0609020204030204" pitchFamily="49" charset="0"/>
+              </a:rPr>
+              <a:t>c</a:t>
+            </a:r>
+            <a:r>
+              <a:rPr lang="en-CA" sz="900" dirty="0"/>
+              <a:t> was set equal to </a:t>
+            </a:r>
+            <a:r>
+              <a:rPr lang="en-CA" sz="900" dirty="0">
+                <a:solidFill>
+                  <a:schemeClr val="tx2"/>
+                </a:solidFill>
+                <a:latin typeface="Consolas" panose="020B0609020204030204" pitchFamily="49" charset="0"/>
+              </a:rPr>
+              <a:t>a</a:t>
+            </a:r>
+            <a:r>
+              <a:rPr lang="en-CA" sz="900" dirty="0"/>
+              <a:t>, their </a:t>
+            </a:r>
+            <a:r>
+              <a:rPr lang="en-CA" sz="900" dirty="0" err="1">
+                <a:solidFill>
+                  <a:schemeClr val="tx2"/>
+                </a:solidFill>
+                <a:latin typeface="Consolas" panose="020B0609020204030204" pitchFamily="49" charset="0"/>
+              </a:rPr>
+              <a:t>storageM</a:t>
+            </a:r>
+            <a:r>
+              <a:rPr lang="en-CA" sz="900" dirty="0"/>
+              <a:t> pointer pointed to the same location in heap memory. </a:t>
+            </a:r>
+          </a:p>
+          <a:p>
+            <a:r>
+              <a:rPr lang="en-CA" sz="900" dirty="0"/>
+              <a:t>Therefore, when the destructor for </a:t>
+            </a:r>
+            <a:r>
+              <a:rPr lang="en-CA" sz="900" dirty="0">
+                <a:solidFill>
+                  <a:schemeClr val="tx2"/>
+                </a:solidFill>
+                <a:latin typeface="Consolas" panose="020B0609020204030204" pitchFamily="49" charset="0"/>
+              </a:rPr>
+              <a:t>a</a:t>
+            </a:r>
+            <a:r>
+              <a:rPr lang="en-CA" sz="900" dirty="0"/>
+              <a:t> is called again at the end of the main function, and we try to de-allocate the memory for </a:t>
+            </a:r>
+            <a:r>
+              <a:rPr lang="en-CA" sz="900" dirty="0" err="1">
+                <a:solidFill>
+                  <a:schemeClr val="tx2"/>
+                </a:solidFill>
+                <a:latin typeface="Consolas" panose="020B0609020204030204" pitchFamily="49" charset="0"/>
+              </a:rPr>
+              <a:t>storageM</a:t>
+            </a:r>
+            <a:r>
+              <a:rPr lang="en-CA" sz="900" dirty="0"/>
+              <a:t> that was already de-allocated, we get an error. </a:t>
+            </a:r>
+          </a:p>
+          <a:p>
+            <a:r>
+              <a:rPr lang="en-CA" sz="900" dirty="0"/>
+              <a:t>A way to solve this would be adding </a:t>
+            </a:r>
+            <a:r>
+              <a:rPr lang="en-CA" sz="900" dirty="0" err="1">
+                <a:solidFill>
+                  <a:schemeClr val="tx2"/>
+                </a:solidFill>
+                <a:latin typeface="Consolas" panose="020B0609020204030204" pitchFamily="49" charset="0"/>
+              </a:rPr>
+              <a:t>storageM</a:t>
+            </a:r>
+            <a:r>
+              <a:rPr lang="en-CA" sz="900" dirty="0">
+                <a:solidFill>
+                  <a:schemeClr val="tx2"/>
+                </a:solidFill>
+                <a:latin typeface="Consolas" panose="020B0609020204030204" pitchFamily="49" charset="0"/>
+              </a:rPr>
+              <a:t> = </a:t>
+            </a:r>
+            <a:r>
+              <a:rPr lang="en-CA" sz="900" dirty="0" err="1">
+                <a:solidFill>
+                  <a:schemeClr val="tx2"/>
+                </a:solidFill>
+                <a:latin typeface="Consolas" panose="020B0609020204030204" pitchFamily="49" charset="0"/>
+              </a:rPr>
+              <a:t>nullptr</a:t>
+            </a:r>
+            <a:r>
+              <a:rPr lang="en-CA" sz="900" dirty="0"/>
+              <a:t> within the destructor for the </a:t>
+            </a:r>
+            <a:r>
+              <a:rPr lang="en-CA" sz="900" dirty="0" err="1">
+                <a:solidFill>
+                  <a:schemeClr val="tx2"/>
+                </a:solidFill>
+                <a:latin typeface="Consolas" panose="020B0609020204030204" pitchFamily="49" charset="0"/>
+              </a:rPr>
+              <a:t>DynString</a:t>
+            </a:r>
+            <a:r>
+              <a:rPr lang="en-CA" sz="900" dirty="0"/>
+              <a:t> class.  </a:t>
+            </a:r>
+          </a:p>
+          <a:p>
             <a:pPr marL="0" indent="0">
               <a:buNone/>
             </a:pPr>
             <a:r>
-              <a:rPr lang="en-US" sz="900" dirty="0"/>
-              <a:t>I believe the issue that arises is a result of using the delete statement on b, when b is a pointer. In the class notes, it is stated that you should “not use delete for variables that their space is not allocated by new.”</a:t>
-            </a:r>
-          </a:p>
-          <a:p>
-            <a:pPr marL="0" indent="0">
-              <a:buNone/>
-            </a:pPr>
-            <a:endParaRPr lang="en-CA" sz="900" dirty="0"/>
+              <a:rPr lang="en-CA" sz="900" dirty="0"/>
+              <a:t> </a:t>
+            </a:r>
           </a:p>
         </p:txBody>
       </p:sp>
@@ -11177,7 +11463,7 @@
         </p:blipFill>
         <p:spPr>
           <a:xfrm>
-            <a:off x="7053262" y="9493339"/>
+            <a:off x="7337054" y="6096000"/>
             <a:ext cx="4457894" cy="1733296"/>
           </a:xfrm>
           <a:prstGeom prst="rect">
@@ -11199,7 +11485,7 @@
         </p:nvSpPr>
         <p:spPr>
           <a:xfrm>
-            <a:off x="7053262" y="11220539"/>
+            <a:off x="7337054" y="7823200"/>
             <a:ext cx="4449763" cy="600164"/>
           </a:xfrm>
           <a:prstGeom prst="rect">
@@ -11225,10 +11511,10 @@
       </p:sp>
       <p:pic>
         <p:nvPicPr>
-          <p:cNvPr id="8" name="Picture 7">
-            <a:extLst>
-              <a:ext uri="{FF2B5EF4-FFF2-40B4-BE49-F238E27FC236}">
-                <a16:creationId xmlns:a16="http://schemas.microsoft.com/office/drawing/2014/main" id="{AAF35D5C-F7EA-4101-AFB2-58AA3AF80216}"/>
+          <p:cNvPr id="17" name="Picture 16">
+            <a:extLst>
+              <a:ext uri="{FF2B5EF4-FFF2-40B4-BE49-F238E27FC236}">
+                <a16:creationId xmlns:a16="http://schemas.microsoft.com/office/drawing/2014/main" id="{D6C88F5A-F3A4-4CD9-83B5-3EDE747F749D}"/>
               </a:ext>
             </a:extLst>
           </p:cNvPr>
@@ -11245,8 +11531,8 @@
         </p:blipFill>
         <p:spPr>
           <a:xfrm>
-            <a:off x="7053262" y="7113412"/>
-            <a:ext cx="3291215" cy="914597"/>
+            <a:off x="7720012" y="1477977"/>
+            <a:ext cx="6858000" cy="3754423"/>
           </a:xfrm>
           <a:prstGeom prst="rect">
             <a:avLst/>
@@ -11255,10 +11541,10 @@
       </p:pic>
       <p:sp>
         <p:nvSpPr>
-          <p:cNvPr id="9" name="TextBox 8">
-            <a:extLst>
-              <a:ext uri="{FF2B5EF4-FFF2-40B4-BE49-F238E27FC236}">
-                <a16:creationId xmlns:a16="http://schemas.microsoft.com/office/drawing/2014/main" id="{01F79AFD-649A-4CD1-9506-3F8F8DDAA862}"/>
+          <p:cNvPr id="18" name="TextBox 17">
+            <a:extLst>
+              <a:ext uri="{FF2B5EF4-FFF2-40B4-BE49-F238E27FC236}">
+                <a16:creationId xmlns:a16="http://schemas.microsoft.com/office/drawing/2014/main" id="{A0EEE247-6E2D-42BB-90AD-C6377E1692D1}"/>
               </a:ext>
             </a:extLst>
           </p:cNvPr>
@@ -11267,208 +11553,7 @@
         </p:nvSpPr>
         <p:spPr>
           <a:xfrm>
-            <a:off x="7053262" y="8020050"/>
-            <a:ext cx="3262313" cy="923330"/>
-          </a:xfrm>
-          <a:prstGeom prst="rect">
-            <a:avLst/>
-          </a:prstGeom>
-          <a:noFill/>
-        </p:spPr>
-        <p:txBody>
-          <a:bodyPr wrap="square" rtlCol="0">
-            <a:spAutoFit/>
-          </a:bodyPr>
-          <a:lstStyle/>
-          <a:p>
-            <a:r>
-              <a:rPr lang="en-US" sz="900" dirty="0"/>
-              <a:t>Is the error something to do with not setting </a:t>
-            </a:r>
-            <a:r>
-              <a:rPr lang="en-US" sz="900" dirty="0" err="1"/>
-              <a:t>strageM</a:t>
-            </a:r>
-            <a:r>
-              <a:rPr lang="en-US" sz="900" dirty="0"/>
-              <a:t> = </a:t>
-            </a:r>
-            <a:r>
-              <a:rPr lang="en-US" sz="900" dirty="0" err="1"/>
-              <a:t>nullptr</a:t>
-            </a:r>
-            <a:r>
-              <a:rPr lang="en-US" sz="900" dirty="0"/>
-              <a:t>? Or is it that we use delete on b and b is a pointer? The thing is I don’t actually get an error on my computer</a:t>
-            </a:r>
-          </a:p>
-          <a:p>
-            <a:endParaRPr lang="en-US" sz="900" dirty="0"/>
-          </a:p>
-          <a:p>
-            <a:r>
-              <a:rPr lang="en-US" sz="900" dirty="0"/>
-              <a:t>Honestly </a:t>
-            </a:r>
-            <a:r>
-              <a:rPr lang="en-US" sz="900" dirty="0" err="1"/>
-              <a:t>ya</a:t>
-            </a:r>
-            <a:r>
-              <a:rPr lang="en-US" sz="900" dirty="0"/>
-              <a:t> it seems like 2 issues… shouldn’t use delete on b and should maybe have wrote </a:t>
-            </a:r>
-            <a:r>
-              <a:rPr lang="en-US" sz="900" dirty="0" err="1"/>
-              <a:t>storageM</a:t>
-            </a:r>
-            <a:r>
-              <a:rPr lang="en-US" sz="900" dirty="0"/>
-              <a:t> = </a:t>
-            </a:r>
-            <a:r>
-              <a:rPr lang="en-US" sz="900" dirty="0" err="1"/>
-              <a:t>nullptr</a:t>
-            </a:r>
-            <a:endParaRPr lang="en-CA" sz="900" dirty="0"/>
-          </a:p>
-        </p:txBody>
-      </p:sp>
-      <p:pic>
-        <p:nvPicPr>
-          <p:cNvPr id="11" name="Picture 10">
-            <a:extLst>
-              <a:ext uri="{FF2B5EF4-FFF2-40B4-BE49-F238E27FC236}">
-                <a16:creationId xmlns:a16="http://schemas.microsoft.com/office/drawing/2014/main" id="{0CBDE164-BC7C-413D-B876-A82081E6216B}"/>
-              </a:ext>
-            </a:extLst>
-          </p:cNvPr>
-          <p:cNvPicPr>
-            <a:picLocks noChangeAspect="1"/>
-          </p:cNvPicPr>
-          <p:nvPr/>
-        </p:nvPicPr>
-        <p:blipFill>
-          <a:blip r:embed="rId6"/>
-          <a:stretch>
-            <a:fillRect/>
-          </a:stretch>
-        </p:blipFill>
-        <p:spPr>
-          <a:xfrm>
-            <a:off x="7110739" y="5276850"/>
-            <a:ext cx="4960434" cy="1836562"/>
-          </a:xfrm>
-          <a:prstGeom prst="rect">
-            <a:avLst/>
-          </a:prstGeom>
-        </p:spPr>
-      </p:pic>
-      <p:pic>
-        <p:nvPicPr>
-          <p:cNvPr id="13" name="Picture 12">
-            <a:extLst>
-              <a:ext uri="{FF2B5EF4-FFF2-40B4-BE49-F238E27FC236}">
-                <a16:creationId xmlns:a16="http://schemas.microsoft.com/office/drawing/2014/main" id="{3D224934-5DE7-4AA8-A263-FD343C8EDC8D}"/>
-              </a:ext>
-            </a:extLst>
-          </p:cNvPr>
-          <p:cNvPicPr>
-            <a:picLocks noChangeAspect="1"/>
-          </p:cNvPicPr>
-          <p:nvPr/>
-        </p:nvPicPr>
-        <p:blipFill>
-          <a:blip r:embed="rId7"/>
-          <a:stretch>
-            <a:fillRect/>
-          </a:stretch>
-        </p:blipFill>
-        <p:spPr>
-          <a:xfrm>
-            <a:off x="10373052" y="7080250"/>
-            <a:ext cx="2619482" cy="1879600"/>
-          </a:xfrm>
-          <a:prstGeom prst="rect">
-            <a:avLst/>
-          </a:prstGeom>
-        </p:spPr>
-      </p:pic>
-      <p:pic>
-        <p:nvPicPr>
-          <p:cNvPr id="15" name="Picture 14">
-            <a:extLst>
-              <a:ext uri="{FF2B5EF4-FFF2-40B4-BE49-F238E27FC236}">
-                <a16:creationId xmlns:a16="http://schemas.microsoft.com/office/drawing/2014/main" id="{47B13868-DA25-4272-85A0-CA7C3837098D}"/>
-              </a:ext>
-            </a:extLst>
-          </p:cNvPr>
-          <p:cNvPicPr>
-            <a:picLocks noChangeAspect="1"/>
-          </p:cNvPicPr>
-          <p:nvPr/>
-        </p:nvPicPr>
-        <p:blipFill>
-          <a:blip r:embed="rId8"/>
-          <a:stretch>
-            <a:fillRect/>
-          </a:stretch>
-        </p:blipFill>
-        <p:spPr>
-          <a:xfrm>
-            <a:off x="7121939" y="4502150"/>
-            <a:ext cx="2529276" cy="775428"/>
-          </a:xfrm>
-          <a:prstGeom prst="rect">
-            <a:avLst/>
-          </a:prstGeom>
-        </p:spPr>
-      </p:pic>
-      <p:pic>
-        <p:nvPicPr>
-          <p:cNvPr id="17" name="Picture 16">
-            <a:extLst>
-              <a:ext uri="{FF2B5EF4-FFF2-40B4-BE49-F238E27FC236}">
-                <a16:creationId xmlns:a16="http://schemas.microsoft.com/office/drawing/2014/main" id="{D6C88F5A-F3A4-4CD9-83B5-3EDE747F749D}"/>
-              </a:ext>
-            </a:extLst>
-          </p:cNvPr>
-          <p:cNvPicPr>
-            <a:picLocks noChangeAspect="1"/>
-          </p:cNvPicPr>
-          <p:nvPr/>
-        </p:nvPicPr>
-        <p:blipFill>
-          <a:blip r:embed="rId9"/>
-          <a:stretch>
-            <a:fillRect/>
-          </a:stretch>
-        </p:blipFill>
-        <p:spPr>
-          <a:xfrm>
-            <a:off x="7053262" y="371297"/>
-            <a:ext cx="6858000" cy="3754423"/>
-          </a:xfrm>
-          <a:prstGeom prst="rect">
-            <a:avLst/>
-          </a:prstGeom>
-        </p:spPr>
-      </p:pic>
-      <p:sp>
-        <p:nvSpPr>
-          <p:cNvPr id="18" name="TextBox 17">
-            <a:extLst>
-              <a:ext uri="{FF2B5EF4-FFF2-40B4-BE49-F238E27FC236}">
-                <a16:creationId xmlns:a16="http://schemas.microsoft.com/office/drawing/2014/main" id="{A0EEE247-6E2D-42BB-90AD-C6377E1692D1}"/>
-              </a:ext>
-            </a:extLst>
-          </p:cNvPr>
-          <p:cNvSpPr txBox="1"/>
-          <p:nvPr/>
-        </p:nvSpPr>
-        <p:spPr>
-          <a:xfrm>
-            <a:off x="7053262" y="133350"/>
+            <a:off x="7720012" y="1139423"/>
             <a:ext cx="5939272" cy="338554"/>
           </a:xfrm>
           <a:prstGeom prst="rect">
@@ -21240,7 +21325,7 @@
             <a:pPr algn="ctr"/>
             <a:r>
               <a:rPr lang="en-US" sz="1200" dirty="0"/>
-              <a:t>Exercise D Point 2</a:t>
+              <a:t>Exercise D Point 1 Second Time</a:t>
             </a:r>
           </a:p>
         </p:txBody>
@@ -23997,6 +24082,147 @@
                 <a:srgbClr val="00B050"/>
               </a:solidFill>
             </a:endParaRPr>
+          </a:p>
+        </p:txBody>
+      </p:sp>
+      <p:sp>
+        <p:nvSpPr>
+          <p:cNvPr id="82" name="TextBox 81">
+            <a:extLst>
+              <a:ext uri="{FF2B5EF4-FFF2-40B4-BE49-F238E27FC236}">
+                <a16:creationId xmlns:a16="http://schemas.microsoft.com/office/drawing/2014/main" id="{3393D78F-D17E-4D5A-87FE-A6C3308EC21C}"/>
+              </a:ext>
+            </a:extLst>
+          </p:cNvPr>
+          <p:cNvSpPr txBox="1"/>
+          <p:nvPr/>
+        </p:nvSpPr>
+        <p:spPr>
+          <a:xfrm>
+            <a:off x="7025640" y="5283957"/>
+            <a:ext cx="1178099" cy="900246"/>
+          </a:xfrm>
+          <a:prstGeom prst="rect">
+            <a:avLst/>
+          </a:prstGeom>
+          <a:noFill/>
+          <a:ln>
+            <a:solidFill>
+              <a:srgbClr val="FF0000"/>
+            </a:solidFill>
+          </a:ln>
+        </p:spPr>
+        <p:txBody>
+          <a:bodyPr wrap="square" rtlCol="0">
+            <a:spAutoFit/>
+          </a:bodyPr>
+          <a:lstStyle/>
+          <a:p>
+            <a:r>
+              <a:rPr lang="en-US" sz="1050" dirty="0">
+                <a:solidFill>
+                  <a:srgbClr val="00B050"/>
+                </a:solidFill>
+              </a:rPr>
+              <a:t>Q: Do we omit this arrow since return statement not reached yet in constructor?</a:t>
+            </a:r>
+            <a:endParaRPr lang="en-CA" sz="1050" dirty="0">
+              <a:solidFill>
+                <a:srgbClr val="00B050"/>
+              </a:solidFill>
+            </a:endParaRPr>
+          </a:p>
+        </p:txBody>
+      </p:sp>
+      <p:sp>
+        <p:nvSpPr>
+          <p:cNvPr id="10" name="Freeform: Shape 9">
+            <a:extLst>
+              <a:ext uri="{FF2B5EF4-FFF2-40B4-BE49-F238E27FC236}">
+                <a16:creationId xmlns:a16="http://schemas.microsoft.com/office/drawing/2014/main" id="{6A13B73C-A4D9-4388-A369-3FD4A51C9DC6}"/>
+              </a:ext>
+            </a:extLst>
+          </p:cNvPr>
+          <p:cNvSpPr/>
+          <p:nvPr/>
+        </p:nvSpPr>
+        <p:spPr>
+          <a:xfrm>
+            <a:off x="4505331" y="5715000"/>
+            <a:ext cx="2520309" cy="1196340"/>
+          </a:xfrm>
+          <a:custGeom>
+            <a:avLst/>
+            <a:gdLst>
+              <a:gd name="connsiteX0" fmla="*/ 2520309 w 2520309"/>
+              <a:gd name="connsiteY0" fmla="*/ 0 h 1196340"/>
+              <a:gd name="connsiteX1" fmla="*/ 394329 w 2520309"/>
+              <a:gd name="connsiteY1" fmla="*/ 480060 h 1196340"/>
+              <a:gd name="connsiteX2" fmla="*/ 5709 w 2520309"/>
+              <a:gd name="connsiteY2" fmla="*/ 1196340 h 1196340"/>
+            </a:gdLst>
+            <a:ahLst/>
+            <a:cxnLst>
+              <a:cxn ang="0">
+                <a:pos x="connsiteX0" y="connsiteY0"/>
+              </a:cxn>
+              <a:cxn ang="0">
+                <a:pos x="connsiteX1" y="connsiteY1"/>
+              </a:cxn>
+              <a:cxn ang="0">
+                <a:pos x="connsiteX2" y="connsiteY2"/>
+              </a:cxn>
+            </a:cxnLst>
+            <a:rect l="l" t="t" r="r" b="b"/>
+            <a:pathLst>
+              <a:path w="2520309" h="1196340">
+                <a:moveTo>
+                  <a:pt x="2520309" y="0"/>
+                </a:moveTo>
+                <a:cubicBezTo>
+                  <a:pt x="1666869" y="140335"/>
+                  <a:pt x="813429" y="280670"/>
+                  <a:pt x="394329" y="480060"/>
+                </a:cubicBezTo>
+                <a:cubicBezTo>
+                  <a:pt x="-24771" y="679450"/>
+                  <a:pt x="-9531" y="937895"/>
+                  <a:pt x="5709" y="1196340"/>
+                </a:cubicBezTo>
+              </a:path>
+            </a:pathLst>
+          </a:custGeom>
+          <a:noFill/>
+          <a:ln>
+            <a:solidFill>
+              <a:srgbClr val="FF0000"/>
+            </a:solidFill>
+            <a:headEnd type="oval" w="med" len="med"/>
+            <a:tailEnd type="oval" w="med" len="med"/>
+          </a:ln>
+        </p:spPr>
+        <p:style>
+          <a:lnRef idx="2">
+            <a:schemeClr val="accent1">
+              <a:shade val="50000"/>
+            </a:schemeClr>
+          </a:lnRef>
+          <a:fillRef idx="1">
+            <a:schemeClr val="accent1"/>
+          </a:fillRef>
+          <a:effectRef idx="0">
+            <a:schemeClr val="accent1"/>
+          </a:effectRef>
+          <a:fontRef idx="minor">
+            <a:schemeClr val="lt1"/>
+          </a:fontRef>
+        </p:style>
+        <p:txBody>
+          <a:bodyPr rtlCol="0" anchor="ctr"/>
+          <a:lstStyle/>
+          <a:p>
+            <a:pPr algn="ctr"/>
+            <a:endParaRPr lang="en-CA"/>
           </a:p>
         </p:txBody>
       </p:sp>

--- a/GH/Lab3_Diagrams_GH.pptx
+++ b/GH/Lab3_Diagrams_GH.pptx
@@ -131,7 +131,7 @@
 <file path=ppt/revisionInfo.xml><?xml version="1.0" encoding="utf-8"?>
 <p1510:revInfo xmlns:a="http://schemas.openxmlformats.org/drawingml/2006/main" xmlns:r="http://schemas.openxmlformats.org/officeDocument/2006/relationships" xmlns:p1510="http://schemas.microsoft.com/office/powerpoint/2015/10/main">
   <p1510:revLst>
-    <p1510:client id="{743B0715-C183-42DE-B6E5-38E47A36CCC5}" v="98" dt="2021-09-30T20:01:43.242"/>
+    <p1510:client id="{743B0715-C183-42DE-B6E5-38E47A36CCC5}" v="99" dt="2021-10-01T01:53:25.326"/>
   </p1510:revLst>
 </p1510:revInfo>
 </file>
@@ -13583,10 +13583,9 @@
           <a:p>
             <a:pPr algn="ctr"/>
             <a:r>
-              <a:rPr lang="en-US" sz="675" dirty="0" err="1"/>
+              <a:rPr lang="en-US" sz="675" dirty="0"/>
               <a:t>jupiter</a:t>
             </a:r>
-            <a:endParaRPr lang="en-US" sz="675" dirty="0"/>
           </a:p>
         </p:txBody>
       </p:sp>

--- a/GH/Lab3_Diagrams_GH.pptx
+++ b/GH/Lab3_Diagrams_GH.pptx
@@ -833,6 +833,2413 @@
     </pc:docChg>
   </pc:docChgLst>
   <pc:docChgLst>
+    <pc:chgData name="Graydon Hall" userId="6ad8ef6fe9c5877e" providerId="LiveId" clId="{743B0715-C183-42DE-B6E5-38E47A36CCC5}"/>
+    <pc:docChg chg="undo redo custSel addSld modSld sldOrd">
+      <pc:chgData name="Graydon Hall" userId="6ad8ef6fe9c5877e" providerId="LiveId" clId="{743B0715-C183-42DE-B6E5-38E47A36CCC5}" dt="2021-09-30T20:02:52.623" v="5485" actId="1076"/>
+      <pc:docMkLst>
+        <pc:docMk/>
+      </pc:docMkLst>
+      <pc:sldChg chg="addSp modSp mod">
+        <pc:chgData name="Graydon Hall" userId="6ad8ef6fe9c5877e" providerId="LiveId" clId="{743B0715-C183-42DE-B6E5-38E47A36CCC5}" dt="2021-09-29T03:39:03.859" v="84" actId="20577"/>
+        <pc:sldMkLst>
+          <pc:docMk/>
+          <pc:sldMk cId="3187814692" sldId="261"/>
+        </pc:sldMkLst>
+        <pc:spChg chg="add mod">
+          <ac:chgData name="Graydon Hall" userId="6ad8ef6fe9c5877e" providerId="LiveId" clId="{743B0715-C183-42DE-B6E5-38E47A36CCC5}" dt="2021-09-29T03:39:03.859" v="84" actId="20577"/>
+          <ac:spMkLst>
+            <pc:docMk/>
+            <pc:sldMk cId="3187814692" sldId="261"/>
+            <ac:spMk id="48" creationId="{02EEBBE8-1C4C-48E3-AAAA-BADF40713F80}"/>
+          </ac:spMkLst>
+        </pc:spChg>
+      </pc:sldChg>
+      <pc:sldChg chg="addSp delSp modSp new mod">
+        <pc:chgData name="Graydon Hall" userId="6ad8ef6fe9c5877e" providerId="LiveId" clId="{743B0715-C183-42DE-B6E5-38E47A36CCC5}" dt="2021-09-29T03:54:13.070" v="298" actId="1076"/>
+        <pc:sldMkLst>
+          <pc:docMk/>
+          <pc:sldMk cId="1520747544" sldId="262"/>
+        </pc:sldMkLst>
+        <pc:spChg chg="del">
+          <ac:chgData name="Graydon Hall" userId="6ad8ef6fe9c5877e" providerId="LiveId" clId="{743B0715-C183-42DE-B6E5-38E47A36CCC5}" dt="2021-09-29T03:13:58.899" v="1" actId="478"/>
+          <ac:spMkLst>
+            <pc:docMk/>
+            <pc:sldMk cId="1520747544" sldId="262"/>
+            <ac:spMk id="2" creationId="{B96800AC-0418-4AFE-B862-ABDE1A6C08D8}"/>
+          </ac:spMkLst>
+        </pc:spChg>
+        <pc:spChg chg="del mod">
+          <ac:chgData name="Graydon Hall" userId="6ad8ef6fe9c5877e" providerId="LiveId" clId="{743B0715-C183-42DE-B6E5-38E47A36CCC5}" dt="2021-09-29T03:14:01.378" v="3" actId="478"/>
+          <ac:spMkLst>
+            <pc:docMk/>
+            <pc:sldMk cId="1520747544" sldId="262"/>
+            <ac:spMk id="3" creationId="{7916B284-33FF-4807-A0F1-EFE75871D565}"/>
+          </ac:spMkLst>
+        </pc:spChg>
+        <pc:spChg chg="add mod">
+          <ac:chgData name="Graydon Hall" userId="6ad8ef6fe9c5877e" providerId="LiveId" clId="{743B0715-C183-42DE-B6E5-38E47A36CCC5}" dt="2021-09-29T03:54:13.070" v="298" actId="1076"/>
+          <ac:spMkLst>
+            <pc:docMk/>
+            <pc:sldMk cId="1520747544" sldId="262"/>
+            <ac:spMk id="4" creationId="{69D13A37-6B82-4C78-812F-D9D461CDC672}"/>
+          </ac:spMkLst>
+        </pc:spChg>
+        <pc:spChg chg="add del mod">
+          <ac:chgData name="Graydon Hall" userId="6ad8ef6fe9c5877e" providerId="LiveId" clId="{743B0715-C183-42DE-B6E5-38E47A36CCC5}" dt="2021-09-29T03:50:53.866" v="288" actId="14100"/>
+          <ac:spMkLst>
+            <pc:docMk/>
+            <pc:sldMk cId="1520747544" sldId="262"/>
+            <ac:spMk id="5" creationId="{03DF7978-60AD-4CDE-AE09-356BACC0D746}"/>
+          </ac:spMkLst>
+        </pc:spChg>
+        <pc:spChg chg="add mod">
+          <ac:chgData name="Graydon Hall" userId="6ad8ef6fe9c5877e" providerId="LiveId" clId="{743B0715-C183-42DE-B6E5-38E47A36CCC5}" dt="2021-09-29T03:35:41.959" v="4"/>
+          <ac:spMkLst>
+            <pc:docMk/>
+            <pc:sldMk cId="1520747544" sldId="262"/>
+            <ac:spMk id="6" creationId="{D0C80474-6657-418A-AAF9-A633C8AA8512}"/>
+          </ac:spMkLst>
+        </pc:spChg>
+        <pc:spChg chg="add mod">
+          <ac:chgData name="Graydon Hall" userId="6ad8ef6fe9c5877e" providerId="LiveId" clId="{743B0715-C183-42DE-B6E5-38E47A36CCC5}" dt="2021-09-29T03:35:41.959" v="4"/>
+          <ac:spMkLst>
+            <pc:docMk/>
+            <pc:sldMk cId="1520747544" sldId="262"/>
+            <ac:spMk id="7" creationId="{8CC65CAA-2539-4C2F-AA0D-22449388221A}"/>
+          </ac:spMkLst>
+        </pc:spChg>
+        <pc:spChg chg="add mod">
+          <ac:chgData name="Graydon Hall" userId="6ad8ef6fe9c5877e" providerId="LiveId" clId="{743B0715-C183-42DE-B6E5-38E47A36CCC5}" dt="2021-09-29T03:35:41.959" v="4"/>
+          <ac:spMkLst>
+            <pc:docMk/>
+            <pc:sldMk cId="1520747544" sldId="262"/>
+            <ac:spMk id="8" creationId="{0C3EEB79-1F74-45CC-A601-42B51BB496C7}"/>
+          </ac:spMkLst>
+        </pc:spChg>
+        <pc:spChg chg="add mod">
+          <ac:chgData name="Graydon Hall" userId="6ad8ef6fe9c5877e" providerId="LiveId" clId="{743B0715-C183-42DE-B6E5-38E47A36CCC5}" dt="2021-09-29T03:50:39.468" v="264" actId="1035"/>
+          <ac:spMkLst>
+            <pc:docMk/>
+            <pc:sldMk cId="1520747544" sldId="262"/>
+            <ac:spMk id="9" creationId="{700D8949-7BEC-4E7B-8872-67D2E91315EC}"/>
+          </ac:spMkLst>
+        </pc:spChg>
+        <pc:spChg chg="add del mod">
+          <ac:chgData name="Graydon Hall" userId="6ad8ef6fe9c5877e" providerId="LiveId" clId="{743B0715-C183-42DE-B6E5-38E47A36CCC5}" dt="2021-09-29T03:36:49.364" v="28" actId="478"/>
+          <ac:spMkLst>
+            <pc:docMk/>
+            <pc:sldMk cId="1520747544" sldId="262"/>
+            <ac:spMk id="10" creationId="{01EC3C9B-2A77-4BF7-B267-93537547F115}"/>
+          </ac:spMkLst>
+        </pc:spChg>
+        <pc:spChg chg="add mod">
+          <ac:chgData name="Graydon Hall" userId="6ad8ef6fe9c5877e" providerId="LiveId" clId="{743B0715-C183-42DE-B6E5-38E47A36CCC5}" dt="2021-09-29T03:54:13.070" v="298" actId="1076"/>
+          <ac:spMkLst>
+            <pc:docMk/>
+            <pc:sldMk cId="1520747544" sldId="262"/>
+            <ac:spMk id="11" creationId="{ABE71181-B149-4EE3-8C57-DA344694D6C2}"/>
+          </ac:spMkLst>
+        </pc:spChg>
+        <pc:spChg chg="add del mod">
+          <ac:chgData name="Graydon Hall" userId="6ad8ef6fe9c5877e" providerId="LiveId" clId="{743B0715-C183-42DE-B6E5-38E47A36CCC5}" dt="2021-09-29T03:36:31.956" v="19" actId="478"/>
+          <ac:spMkLst>
+            <pc:docMk/>
+            <pc:sldMk cId="1520747544" sldId="262"/>
+            <ac:spMk id="12" creationId="{BF87B038-24EA-4D6F-AA4A-B5A49E4701F2}"/>
+          </ac:spMkLst>
+        </pc:spChg>
+        <pc:spChg chg="add mod">
+          <ac:chgData name="Graydon Hall" userId="6ad8ef6fe9c5877e" providerId="LiveId" clId="{743B0715-C183-42DE-B6E5-38E47A36CCC5}" dt="2021-09-29T03:50:39.468" v="264" actId="1035"/>
+          <ac:spMkLst>
+            <pc:docMk/>
+            <pc:sldMk cId="1520747544" sldId="262"/>
+            <ac:spMk id="13" creationId="{1485229A-BE5D-445C-A29D-2095B03DF662}"/>
+          </ac:spMkLst>
+        </pc:spChg>
+        <pc:spChg chg="add mod">
+          <ac:chgData name="Graydon Hall" userId="6ad8ef6fe9c5877e" providerId="LiveId" clId="{743B0715-C183-42DE-B6E5-38E47A36CCC5}" dt="2021-09-29T03:50:39.468" v="264" actId="1035"/>
+          <ac:spMkLst>
+            <pc:docMk/>
+            <pc:sldMk cId="1520747544" sldId="262"/>
+            <ac:spMk id="14" creationId="{8E3A9A45-B3AF-48DC-B12C-05C16FE7B083}"/>
+          </ac:spMkLst>
+        </pc:spChg>
+        <pc:spChg chg="add mod">
+          <ac:chgData name="Graydon Hall" userId="6ad8ef6fe9c5877e" providerId="LiveId" clId="{743B0715-C183-42DE-B6E5-38E47A36CCC5}" dt="2021-09-29T03:54:13.070" v="298" actId="1076"/>
+          <ac:spMkLst>
+            <pc:docMk/>
+            <pc:sldMk cId="1520747544" sldId="262"/>
+            <ac:spMk id="15" creationId="{37CEF823-64A2-4803-97BB-DE3BC2A56C3D}"/>
+          </ac:spMkLst>
+        </pc:spChg>
+        <pc:spChg chg="add mod ord">
+          <ac:chgData name="Graydon Hall" userId="6ad8ef6fe9c5877e" providerId="LiveId" clId="{743B0715-C183-42DE-B6E5-38E47A36CCC5}" dt="2021-09-29T03:54:13.070" v="298" actId="1076"/>
+          <ac:spMkLst>
+            <pc:docMk/>
+            <pc:sldMk cId="1520747544" sldId="262"/>
+            <ac:spMk id="16" creationId="{EA2DF13A-E11F-4817-B472-6B40ED9D8414}"/>
+          </ac:spMkLst>
+        </pc:spChg>
+        <pc:spChg chg="add mod">
+          <ac:chgData name="Graydon Hall" userId="6ad8ef6fe9c5877e" providerId="LiveId" clId="{743B0715-C183-42DE-B6E5-38E47A36CCC5}" dt="2021-09-29T03:54:13.070" v="298" actId="1076"/>
+          <ac:spMkLst>
+            <pc:docMk/>
+            <pc:sldMk cId="1520747544" sldId="262"/>
+            <ac:spMk id="17" creationId="{49613BA1-EC39-4C9D-911C-822803A902C7}"/>
+          </ac:spMkLst>
+        </pc:spChg>
+        <pc:spChg chg="add mod">
+          <ac:chgData name="Graydon Hall" userId="6ad8ef6fe9c5877e" providerId="LiveId" clId="{743B0715-C183-42DE-B6E5-38E47A36CCC5}" dt="2021-09-29T03:54:13.070" v="298" actId="1076"/>
+          <ac:spMkLst>
+            <pc:docMk/>
+            <pc:sldMk cId="1520747544" sldId="262"/>
+            <ac:spMk id="18" creationId="{827B7BA2-81B6-42CB-8875-9F2B5C5394A7}"/>
+          </ac:spMkLst>
+        </pc:spChg>
+        <pc:spChg chg="add mod">
+          <ac:chgData name="Graydon Hall" userId="6ad8ef6fe9c5877e" providerId="LiveId" clId="{743B0715-C183-42DE-B6E5-38E47A36CCC5}" dt="2021-09-29T03:54:13.070" v="298" actId="1076"/>
+          <ac:spMkLst>
+            <pc:docMk/>
+            <pc:sldMk cId="1520747544" sldId="262"/>
+            <ac:spMk id="19" creationId="{EB91542B-7DF9-446A-B685-3FF42460CD15}"/>
+          </ac:spMkLst>
+        </pc:spChg>
+        <pc:spChg chg="add del mod ord">
+          <ac:chgData name="Graydon Hall" userId="6ad8ef6fe9c5877e" providerId="LiveId" clId="{743B0715-C183-42DE-B6E5-38E47A36CCC5}" dt="2021-09-29T03:48:14.259" v="195" actId="478"/>
+          <ac:spMkLst>
+            <pc:docMk/>
+            <pc:sldMk cId="1520747544" sldId="262"/>
+            <ac:spMk id="20" creationId="{03D617A6-3605-4403-A00D-192C92BE1038}"/>
+          </ac:spMkLst>
+        </pc:spChg>
+        <pc:spChg chg="add del mod">
+          <ac:chgData name="Graydon Hall" userId="6ad8ef6fe9c5877e" providerId="LiveId" clId="{743B0715-C183-42DE-B6E5-38E47A36CCC5}" dt="2021-09-29T03:36:21.730" v="18" actId="478"/>
+          <ac:spMkLst>
+            <pc:docMk/>
+            <pc:sldMk cId="1520747544" sldId="262"/>
+            <ac:spMk id="21" creationId="{E5DE45E8-EEB8-4482-89CA-29DA67379F18}"/>
+          </ac:spMkLst>
+        </pc:spChg>
+        <pc:spChg chg="add del mod">
+          <ac:chgData name="Graydon Hall" userId="6ad8ef6fe9c5877e" providerId="LiveId" clId="{743B0715-C183-42DE-B6E5-38E47A36CCC5}" dt="2021-09-29T03:36:19.082" v="14" actId="478"/>
+          <ac:spMkLst>
+            <pc:docMk/>
+            <pc:sldMk cId="1520747544" sldId="262"/>
+            <ac:spMk id="22" creationId="{F761A6F5-9B5F-4503-A48B-C066E03B23B0}"/>
+          </ac:spMkLst>
+        </pc:spChg>
+        <pc:spChg chg="add del mod">
+          <ac:chgData name="Graydon Hall" userId="6ad8ef6fe9c5877e" providerId="LiveId" clId="{743B0715-C183-42DE-B6E5-38E47A36CCC5}" dt="2021-09-29T03:36:20.874" v="17" actId="478"/>
+          <ac:spMkLst>
+            <pc:docMk/>
+            <pc:sldMk cId="1520747544" sldId="262"/>
+            <ac:spMk id="23" creationId="{989887C1-A93D-49F2-B8A0-193D9B94E14F}"/>
+          </ac:spMkLst>
+        </pc:spChg>
+        <pc:spChg chg="add mod">
+          <ac:chgData name="Graydon Hall" userId="6ad8ef6fe9c5877e" providerId="LiveId" clId="{743B0715-C183-42DE-B6E5-38E47A36CCC5}" dt="2021-09-29T03:54:13.070" v="298" actId="1076"/>
+          <ac:spMkLst>
+            <pc:docMk/>
+            <pc:sldMk cId="1520747544" sldId="262"/>
+            <ac:spMk id="24" creationId="{FD8706BD-108D-4ECE-80FA-00ED04CF3D8A}"/>
+          </ac:spMkLst>
+        </pc:spChg>
+        <pc:spChg chg="add mod">
+          <ac:chgData name="Graydon Hall" userId="6ad8ef6fe9c5877e" providerId="LiveId" clId="{743B0715-C183-42DE-B6E5-38E47A36CCC5}" dt="2021-09-29T03:54:13.070" v="298" actId="1076"/>
+          <ac:spMkLst>
+            <pc:docMk/>
+            <pc:sldMk cId="1520747544" sldId="262"/>
+            <ac:spMk id="25" creationId="{D874629E-BAB8-48EB-8538-631F7E8F7166}"/>
+          </ac:spMkLst>
+        </pc:spChg>
+        <pc:spChg chg="add mod">
+          <ac:chgData name="Graydon Hall" userId="6ad8ef6fe9c5877e" providerId="LiveId" clId="{743B0715-C183-42DE-B6E5-38E47A36CCC5}" dt="2021-09-29T03:54:13.070" v="298" actId="1076"/>
+          <ac:spMkLst>
+            <pc:docMk/>
+            <pc:sldMk cId="1520747544" sldId="262"/>
+            <ac:spMk id="26" creationId="{D60DACE1-0AE0-4851-B2F0-AFC7BC736D99}"/>
+          </ac:spMkLst>
+        </pc:spChg>
+        <pc:spChg chg="add del mod">
+          <ac:chgData name="Graydon Hall" userId="6ad8ef6fe9c5877e" providerId="LiveId" clId="{743B0715-C183-42DE-B6E5-38E47A36CCC5}" dt="2021-09-29T03:36:15.386" v="11" actId="478"/>
+          <ac:spMkLst>
+            <pc:docMk/>
+            <pc:sldMk cId="1520747544" sldId="262"/>
+            <ac:spMk id="27" creationId="{331319E9-FA3B-4F32-95FC-8CF792132737}"/>
+          </ac:spMkLst>
+        </pc:spChg>
+        <pc:spChg chg="add del mod">
+          <ac:chgData name="Graydon Hall" userId="6ad8ef6fe9c5877e" providerId="LiveId" clId="{743B0715-C183-42DE-B6E5-38E47A36CCC5}" dt="2021-09-29T03:36:19.816" v="15" actId="478"/>
+          <ac:spMkLst>
+            <pc:docMk/>
+            <pc:sldMk cId="1520747544" sldId="262"/>
+            <ac:spMk id="28" creationId="{5C8E1C9E-56A0-4C56-9D23-B7525279507E}"/>
+          </ac:spMkLst>
+        </pc:spChg>
+        <pc:spChg chg="add del mod">
+          <ac:chgData name="Graydon Hall" userId="6ad8ef6fe9c5877e" providerId="LiveId" clId="{743B0715-C183-42DE-B6E5-38E47A36CCC5}" dt="2021-09-29T03:36:20.409" v="16" actId="478"/>
+          <ac:spMkLst>
+            <pc:docMk/>
+            <pc:sldMk cId="1520747544" sldId="262"/>
+            <ac:spMk id="29" creationId="{3CD0DEED-BD3D-4727-8A5B-5BC716E76768}"/>
+          </ac:spMkLst>
+        </pc:spChg>
+        <pc:spChg chg="add mod">
+          <ac:chgData name="Graydon Hall" userId="6ad8ef6fe9c5877e" providerId="LiveId" clId="{743B0715-C183-42DE-B6E5-38E47A36CCC5}" dt="2021-09-29T03:50:39.468" v="264" actId="1035"/>
+          <ac:spMkLst>
+            <pc:docMk/>
+            <pc:sldMk cId="1520747544" sldId="262"/>
+            <ac:spMk id="30" creationId="{EF742BB3-B8CD-4214-A16D-995CA4C3A04F}"/>
+          </ac:spMkLst>
+        </pc:spChg>
+        <pc:spChg chg="add mod">
+          <ac:chgData name="Graydon Hall" userId="6ad8ef6fe9c5877e" providerId="LiveId" clId="{743B0715-C183-42DE-B6E5-38E47A36CCC5}" dt="2021-09-29T03:50:39.468" v="264" actId="1035"/>
+          <ac:spMkLst>
+            <pc:docMk/>
+            <pc:sldMk cId="1520747544" sldId="262"/>
+            <ac:spMk id="31" creationId="{195FFD83-D7D9-4459-9CF3-A18D5A7A4E5B}"/>
+          </ac:spMkLst>
+        </pc:spChg>
+        <pc:spChg chg="add mod">
+          <ac:chgData name="Graydon Hall" userId="6ad8ef6fe9c5877e" providerId="LiveId" clId="{743B0715-C183-42DE-B6E5-38E47A36CCC5}" dt="2021-09-29T03:50:39.468" v="264" actId="1035"/>
+          <ac:spMkLst>
+            <pc:docMk/>
+            <pc:sldMk cId="1520747544" sldId="262"/>
+            <ac:spMk id="32" creationId="{0F9B6971-E396-466B-968F-2B6C71A84C66}"/>
+          </ac:spMkLst>
+        </pc:spChg>
+        <pc:spChg chg="add mod ord">
+          <ac:chgData name="Graydon Hall" userId="6ad8ef6fe9c5877e" providerId="LiveId" clId="{743B0715-C183-42DE-B6E5-38E47A36CCC5}" dt="2021-09-29T03:54:13.070" v="298" actId="1076"/>
+          <ac:spMkLst>
+            <pc:docMk/>
+            <pc:sldMk cId="1520747544" sldId="262"/>
+            <ac:spMk id="33" creationId="{93034171-ED6B-48B6-89E7-6D43497F0D62}"/>
+          </ac:spMkLst>
+        </pc:spChg>
+        <pc:spChg chg="add del mod">
+          <ac:chgData name="Graydon Hall" userId="6ad8ef6fe9c5877e" providerId="LiveId" clId="{743B0715-C183-42DE-B6E5-38E47A36CCC5}" dt="2021-09-29T03:50:51.095" v="287" actId="478"/>
+          <ac:spMkLst>
+            <pc:docMk/>
+            <pc:sldMk cId="1520747544" sldId="262"/>
+            <ac:spMk id="34" creationId="{504E148F-17B4-487A-9380-824A592108EE}"/>
+          </ac:spMkLst>
+        </pc:spChg>
+        <pc:spChg chg="add del mod">
+          <ac:chgData name="Graydon Hall" userId="6ad8ef6fe9c5877e" providerId="LiveId" clId="{743B0715-C183-42DE-B6E5-38E47A36CCC5}" dt="2021-09-29T03:51:11.350" v="292" actId="478"/>
+          <ac:spMkLst>
+            <pc:docMk/>
+            <pc:sldMk cId="1520747544" sldId="262"/>
+            <ac:spMk id="35" creationId="{6789E424-B6B9-4097-AC0D-75D7E2D04051}"/>
+          </ac:spMkLst>
+        </pc:spChg>
+        <pc:spChg chg="add del mod">
+          <ac:chgData name="Graydon Hall" userId="6ad8ef6fe9c5877e" providerId="LiveId" clId="{743B0715-C183-42DE-B6E5-38E47A36CCC5}" dt="2021-09-29T03:51:11.350" v="292" actId="478"/>
+          <ac:spMkLst>
+            <pc:docMk/>
+            <pc:sldMk cId="1520747544" sldId="262"/>
+            <ac:spMk id="36" creationId="{353EC245-78FD-4B1A-8B4C-18445610632B}"/>
+          </ac:spMkLst>
+        </pc:spChg>
+        <pc:spChg chg="add del mod">
+          <ac:chgData name="Graydon Hall" userId="6ad8ef6fe9c5877e" providerId="LiveId" clId="{743B0715-C183-42DE-B6E5-38E47A36CCC5}" dt="2021-09-29T03:51:11.350" v="292" actId="478"/>
+          <ac:spMkLst>
+            <pc:docMk/>
+            <pc:sldMk cId="1520747544" sldId="262"/>
+            <ac:spMk id="37" creationId="{73157DFB-413B-47C5-8D98-374C7DF4B497}"/>
+          </ac:spMkLst>
+        </pc:spChg>
+        <pc:spChg chg="add del mod">
+          <ac:chgData name="Graydon Hall" userId="6ad8ef6fe9c5877e" providerId="LiveId" clId="{743B0715-C183-42DE-B6E5-38E47A36CCC5}" dt="2021-09-29T03:51:11.350" v="292" actId="478"/>
+          <ac:spMkLst>
+            <pc:docMk/>
+            <pc:sldMk cId="1520747544" sldId="262"/>
+            <ac:spMk id="38" creationId="{C5858F6A-2A1F-425D-9D84-23EF51AF084C}"/>
+          </ac:spMkLst>
+        </pc:spChg>
+        <pc:spChg chg="add del mod">
+          <ac:chgData name="Graydon Hall" userId="6ad8ef6fe9c5877e" providerId="LiveId" clId="{743B0715-C183-42DE-B6E5-38E47A36CCC5}" dt="2021-09-29T03:51:11.350" v="292" actId="478"/>
+          <ac:spMkLst>
+            <pc:docMk/>
+            <pc:sldMk cId="1520747544" sldId="262"/>
+            <ac:spMk id="39" creationId="{3BD4D860-3120-4518-B16A-0D50B93E3FC9}"/>
+          </ac:spMkLst>
+        </pc:spChg>
+        <pc:spChg chg="add del mod">
+          <ac:chgData name="Graydon Hall" userId="6ad8ef6fe9c5877e" providerId="LiveId" clId="{743B0715-C183-42DE-B6E5-38E47A36CCC5}" dt="2021-09-29T03:51:11.350" v="292" actId="478"/>
+          <ac:spMkLst>
+            <pc:docMk/>
+            <pc:sldMk cId="1520747544" sldId="262"/>
+            <ac:spMk id="40" creationId="{FEBC4595-2A2E-4D17-8399-378CD0498AAD}"/>
+          </ac:spMkLst>
+        </pc:spChg>
+        <pc:spChg chg="add del mod">
+          <ac:chgData name="Graydon Hall" userId="6ad8ef6fe9c5877e" providerId="LiveId" clId="{743B0715-C183-42DE-B6E5-38E47A36CCC5}" dt="2021-09-29T03:54:12.689" v="297" actId="478"/>
+          <ac:spMkLst>
+            <pc:docMk/>
+            <pc:sldMk cId="1520747544" sldId="262"/>
+            <ac:spMk id="41" creationId="{9F697075-3869-42C5-B2FA-DE2B053F13AC}"/>
+          </ac:spMkLst>
+        </pc:spChg>
+      </pc:sldChg>
+      <pc:sldChg chg="addSp delSp modSp add mod">
+        <pc:chgData name="Graydon Hall" userId="6ad8ef6fe9c5877e" providerId="LiveId" clId="{743B0715-C183-42DE-B6E5-38E47A36CCC5}" dt="2021-09-29T03:56:32.641" v="322"/>
+        <pc:sldMkLst>
+          <pc:docMk/>
+          <pc:sldMk cId="1503291825" sldId="263"/>
+        </pc:sldMkLst>
+        <pc:spChg chg="add">
+          <ac:chgData name="Graydon Hall" userId="6ad8ef6fe9c5877e" providerId="LiveId" clId="{743B0715-C183-42DE-B6E5-38E47A36CCC5}" dt="2021-09-29T03:55:34.344" v="315" actId="11529"/>
+          <ac:spMkLst>
+            <pc:docMk/>
+            <pc:sldMk cId="1503291825" sldId="263"/>
+            <ac:spMk id="2" creationId="{CFB07ECE-B2EE-4E70-B0DB-58855EAF98DE}"/>
+          </ac:spMkLst>
+        </pc:spChg>
+        <pc:spChg chg="add mod">
+          <ac:chgData name="Graydon Hall" userId="6ad8ef6fe9c5877e" providerId="LiveId" clId="{743B0715-C183-42DE-B6E5-38E47A36CCC5}" dt="2021-09-29T03:56:32.641" v="322"/>
+          <ac:spMkLst>
+            <pc:docMk/>
+            <pc:sldMk cId="1503291825" sldId="263"/>
+            <ac:spMk id="3" creationId="{3F7A1947-1946-4153-BCE6-A4B25865D7B6}"/>
+          </ac:spMkLst>
+        </pc:spChg>
+        <pc:spChg chg="mod">
+          <ac:chgData name="Graydon Hall" userId="6ad8ef6fe9c5877e" providerId="LiveId" clId="{743B0715-C183-42DE-B6E5-38E47A36CCC5}" dt="2021-09-29T03:54:33.356" v="303" actId="1076"/>
+          <ac:spMkLst>
+            <pc:docMk/>
+            <pc:sldMk cId="1503291825" sldId="263"/>
+            <ac:spMk id="4" creationId="{69D13A37-6B82-4C78-812F-D9D461CDC672}"/>
+          </ac:spMkLst>
+        </pc:spChg>
+        <pc:spChg chg="mod">
+          <ac:chgData name="Graydon Hall" userId="6ad8ef6fe9c5877e" providerId="LiveId" clId="{743B0715-C183-42DE-B6E5-38E47A36CCC5}" dt="2021-09-29T03:54:33.356" v="303" actId="1076"/>
+          <ac:spMkLst>
+            <pc:docMk/>
+            <pc:sldMk cId="1503291825" sldId="263"/>
+            <ac:spMk id="11" creationId="{ABE71181-B149-4EE3-8C57-DA344694D6C2}"/>
+          </ac:spMkLst>
+        </pc:spChg>
+        <pc:spChg chg="mod">
+          <ac:chgData name="Graydon Hall" userId="6ad8ef6fe9c5877e" providerId="LiveId" clId="{743B0715-C183-42DE-B6E5-38E47A36CCC5}" dt="2021-09-29T03:54:33.356" v="303" actId="1076"/>
+          <ac:spMkLst>
+            <pc:docMk/>
+            <pc:sldMk cId="1503291825" sldId="263"/>
+            <ac:spMk id="15" creationId="{37CEF823-64A2-4803-97BB-DE3BC2A56C3D}"/>
+          </ac:spMkLst>
+        </pc:spChg>
+        <pc:spChg chg="mod">
+          <ac:chgData name="Graydon Hall" userId="6ad8ef6fe9c5877e" providerId="LiveId" clId="{743B0715-C183-42DE-B6E5-38E47A36CCC5}" dt="2021-09-29T03:54:33.356" v="303" actId="1076"/>
+          <ac:spMkLst>
+            <pc:docMk/>
+            <pc:sldMk cId="1503291825" sldId="263"/>
+            <ac:spMk id="16" creationId="{EA2DF13A-E11F-4817-B472-6B40ED9D8414}"/>
+          </ac:spMkLst>
+        </pc:spChg>
+        <pc:spChg chg="mod">
+          <ac:chgData name="Graydon Hall" userId="6ad8ef6fe9c5877e" providerId="LiveId" clId="{743B0715-C183-42DE-B6E5-38E47A36CCC5}" dt="2021-09-29T03:54:41.588" v="305" actId="20577"/>
+          <ac:spMkLst>
+            <pc:docMk/>
+            <pc:sldMk cId="1503291825" sldId="263"/>
+            <ac:spMk id="17" creationId="{49613BA1-EC39-4C9D-911C-822803A902C7}"/>
+          </ac:spMkLst>
+        </pc:spChg>
+        <pc:spChg chg="del mod">
+          <ac:chgData name="Graydon Hall" userId="6ad8ef6fe9c5877e" providerId="LiveId" clId="{743B0715-C183-42DE-B6E5-38E47A36CCC5}" dt="2021-09-29T03:54:43.667" v="306" actId="478"/>
+          <ac:spMkLst>
+            <pc:docMk/>
+            <pc:sldMk cId="1503291825" sldId="263"/>
+            <ac:spMk id="18" creationId="{827B7BA2-81B6-42CB-8875-9F2B5C5394A7}"/>
+          </ac:spMkLst>
+        </pc:spChg>
+        <pc:spChg chg="mod">
+          <ac:chgData name="Graydon Hall" userId="6ad8ef6fe9c5877e" providerId="LiveId" clId="{743B0715-C183-42DE-B6E5-38E47A36CCC5}" dt="2021-09-29T03:54:33.356" v="303" actId="1076"/>
+          <ac:spMkLst>
+            <pc:docMk/>
+            <pc:sldMk cId="1503291825" sldId="263"/>
+            <ac:spMk id="19" creationId="{EB91542B-7DF9-446A-B685-3FF42460CD15}"/>
+          </ac:spMkLst>
+        </pc:spChg>
+        <pc:spChg chg="mod">
+          <ac:chgData name="Graydon Hall" userId="6ad8ef6fe9c5877e" providerId="LiveId" clId="{743B0715-C183-42DE-B6E5-38E47A36CCC5}" dt="2021-09-29T03:54:33.356" v="303" actId="1076"/>
+          <ac:spMkLst>
+            <pc:docMk/>
+            <pc:sldMk cId="1503291825" sldId="263"/>
+            <ac:spMk id="24" creationId="{FD8706BD-108D-4ECE-80FA-00ED04CF3D8A}"/>
+          </ac:spMkLst>
+        </pc:spChg>
+        <pc:spChg chg="mod">
+          <ac:chgData name="Graydon Hall" userId="6ad8ef6fe9c5877e" providerId="LiveId" clId="{743B0715-C183-42DE-B6E5-38E47A36CCC5}" dt="2021-09-29T03:54:33.356" v="303" actId="1076"/>
+          <ac:spMkLst>
+            <pc:docMk/>
+            <pc:sldMk cId="1503291825" sldId="263"/>
+            <ac:spMk id="25" creationId="{D874629E-BAB8-48EB-8538-631F7E8F7166}"/>
+          </ac:spMkLst>
+        </pc:spChg>
+        <pc:spChg chg="mod">
+          <ac:chgData name="Graydon Hall" userId="6ad8ef6fe9c5877e" providerId="LiveId" clId="{743B0715-C183-42DE-B6E5-38E47A36CCC5}" dt="2021-09-29T03:54:33.356" v="303" actId="1076"/>
+          <ac:spMkLst>
+            <pc:docMk/>
+            <pc:sldMk cId="1503291825" sldId="263"/>
+            <ac:spMk id="26" creationId="{D60DACE1-0AE0-4851-B2F0-AFC7BC736D99}"/>
+          </ac:spMkLst>
+        </pc:spChg>
+        <pc:spChg chg="add mod">
+          <ac:chgData name="Graydon Hall" userId="6ad8ef6fe9c5877e" providerId="LiveId" clId="{743B0715-C183-42DE-B6E5-38E47A36CCC5}" dt="2021-09-29T03:54:56.656" v="309" actId="1076"/>
+          <ac:spMkLst>
+            <pc:docMk/>
+            <pc:sldMk cId="1503291825" sldId="263"/>
+            <ac:spMk id="29" creationId="{47CAEDA8-D31E-4441-9798-ACABDF85CE4C}"/>
+          </ac:spMkLst>
+        </pc:spChg>
+        <pc:spChg chg="del mod">
+          <ac:chgData name="Graydon Hall" userId="6ad8ef6fe9c5877e" providerId="LiveId" clId="{743B0715-C183-42DE-B6E5-38E47A36CCC5}" dt="2021-09-29T03:54:47.052" v="307" actId="478"/>
+          <ac:spMkLst>
+            <pc:docMk/>
+            <pc:sldMk cId="1503291825" sldId="263"/>
+            <ac:spMk id="33" creationId="{93034171-ED6B-48B6-89E7-6D43497F0D62}"/>
+          </ac:spMkLst>
+        </pc:spChg>
+        <pc:spChg chg="add mod">
+          <ac:chgData name="Graydon Hall" userId="6ad8ef6fe9c5877e" providerId="LiveId" clId="{743B0715-C183-42DE-B6E5-38E47A36CCC5}" dt="2021-09-29T03:54:56.656" v="309" actId="1076"/>
+          <ac:spMkLst>
+            <pc:docMk/>
+            <pc:sldMk cId="1503291825" sldId="263"/>
+            <ac:spMk id="34" creationId="{B2F16374-3F83-43A2-8906-FFB94AB30597}"/>
+          </ac:spMkLst>
+        </pc:spChg>
+        <pc:spChg chg="del">
+          <ac:chgData name="Graydon Hall" userId="6ad8ef6fe9c5877e" providerId="LiveId" clId="{743B0715-C183-42DE-B6E5-38E47A36CCC5}" dt="2021-09-29T03:54:28.499" v="302" actId="478"/>
+          <ac:spMkLst>
+            <pc:docMk/>
+            <pc:sldMk cId="1503291825" sldId="263"/>
+            <ac:spMk id="35" creationId="{6789E424-B6B9-4097-AC0D-75D7E2D04051}"/>
+          </ac:spMkLst>
+        </pc:spChg>
+        <pc:spChg chg="del">
+          <ac:chgData name="Graydon Hall" userId="6ad8ef6fe9c5877e" providerId="LiveId" clId="{743B0715-C183-42DE-B6E5-38E47A36CCC5}" dt="2021-09-29T03:54:28.499" v="302" actId="478"/>
+          <ac:spMkLst>
+            <pc:docMk/>
+            <pc:sldMk cId="1503291825" sldId="263"/>
+            <ac:spMk id="36" creationId="{353EC245-78FD-4B1A-8B4C-18445610632B}"/>
+          </ac:spMkLst>
+        </pc:spChg>
+        <pc:spChg chg="del">
+          <ac:chgData name="Graydon Hall" userId="6ad8ef6fe9c5877e" providerId="LiveId" clId="{743B0715-C183-42DE-B6E5-38E47A36CCC5}" dt="2021-09-29T03:54:28.499" v="302" actId="478"/>
+          <ac:spMkLst>
+            <pc:docMk/>
+            <pc:sldMk cId="1503291825" sldId="263"/>
+            <ac:spMk id="37" creationId="{73157DFB-413B-47C5-8D98-374C7DF4B497}"/>
+          </ac:spMkLst>
+        </pc:spChg>
+        <pc:spChg chg="del">
+          <ac:chgData name="Graydon Hall" userId="6ad8ef6fe9c5877e" providerId="LiveId" clId="{743B0715-C183-42DE-B6E5-38E47A36CCC5}" dt="2021-09-29T03:54:28.499" v="302" actId="478"/>
+          <ac:spMkLst>
+            <pc:docMk/>
+            <pc:sldMk cId="1503291825" sldId="263"/>
+            <ac:spMk id="38" creationId="{C5858F6A-2A1F-425D-9D84-23EF51AF084C}"/>
+          </ac:spMkLst>
+        </pc:spChg>
+        <pc:spChg chg="del">
+          <ac:chgData name="Graydon Hall" userId="6ad8ef6fe9c5877e" providerId="LiveId" clId="{743B0715-C183-42DE-B6E5-38E47A36CCC5}" dt="2021-09-29T03:54:28.499" v="302" actId="478"/>
+          <ac:spMkLst>
+            <pc:docMk/>
+            <pc:sldMk cId="1503291825" sldId="263"/>
+            <ac:spMk id="39" creationId="{3BD4D860-3120-4518-B16A-0D50B93E3FC9}"/>
+          </ac:spMkLst>
+        </pc:spChg>
+        <pc:spChg chg="del">
+          <ac:chgData name="Graydon Hall" userId="6ad8ef6fe9c5877e" providerId="LiveId" clId="{743B0715-C183-42DE-B6E5-38E47A36CCC5}" dt="2021-09-29T03:54:28.499" v="302" actId="478"/>
+          <ac:spMkLst>
+            <pc:docMk/>
+            <pc:sldMk cId="1503291825" sldId="263"/>
+            <ac:spMk id="40" creationId="{FEBC4595-2A2E-4D17-8399-378CD0498AAD}"/>
+          </ac:spMkLst>
+        </pc:spChg>
+        <pc:spChg chg="add mod">
+          <ac:chgData name="Graydon Hall" userId="6ad8ef6fe9c5877e" providerId="LiveId" clId="{743B0715-C183-42DE-B6E5-38E47A36CCC5}" dt="2021-09-29T03:55:07.494" v="312"/>
+          <ac:spMkLst>
+            <pc:docMk/>
+            <pc:sldMk cId="1503291825" sldId="263"/>
+            <ac:spMk id="41" creationId="{DBF3B9B0-06CB-4339-9F91-A859FAB1956F}"/>
+          </ac:spMkLst>
+        </pc:spChg>
+        <pc:spChg chg="add mod">
+          <ac:chgData name="Graydon Hall" userId="6ad8ef6fe9c5877e" providerId="LiveId" clId="{743B0715-C183-42DE-B6E5-38E47A36CCC5}" dt="2021-09-29T03:54:56.656" v="309" actId="1076"/>
+          <ac:spMkLst>
+            <pc:docMk/>
+            <pc:sldMk cId="1503291825" sldId="263"/>
+            <ac:spMk id="42" creationId="{FB277E18-A725-43A5-A729-8909D4583D5E}"/>
+          </ac:spMkLst>
+        </pc:spChg>
+        <pc:spChg chg="add mod">
+          <ac:chgData name="Graydon Hall" userId="6ad8ef6fe9c5877e" providerId="LiveId" clId="{743B0715-C183-42DE-B6E5-38E47A36CCC5}" dt="2021-09-29T03:55:22.689" v="314" actId="20577"/>
+          <ac:spMkLst>
+            <pc:docMk/>
+            <pc:sldMk cId="1503291825" sldId="263"/>
+            <ac:spMk id="43" creationId="{2970151F-788A-48D6-A891-B1DD457E73EA}"/>
+          </ac:spMkLst>
+        </pc:spChg>
+        <pc:spChg chg="add del mod">
+          <ac:chgData name="Graydon Hall" userId="6ad8ef6fe9c5877e" providerId="LiveId" clId="{743B0715-C183-42DE-B6E5-38E47A36CCC5}" dt="2021-09-29T03:55:15.517" v="313" actId="478"/>
+          <ac:spMkLst>
+            <pc:docMk/>
+            <pc:sldMk cId="1503291825" sldId="263"/>
+            <ac:spMk id="44" creationId="{2B167A58-2A6F-42A3-83D6-8B11291C1983}"/>
+          </ac:spMkLst>
+        </pc:spChg>
+        <pc:spChg chg="add mod">
+          <ac:chgData name="Graydon Hall" userId="6ad8ef6fe9c5877e" providerId="LiveId" clId="{743B0715-C183-42DE-B6E5-38E47A36CCC5}" dt="2021-09-29T03:54:56.656" v="309" actId="1076"/>
+          <ac:spMkLst>
+            <pc:docMk/>
+            <pc:sldMk cId="1503291825" sldId="263"/>
+            <ac:spMk id="45" creationId="{52550F01-2117-470B-81A6-0B103B521802}"/>
+          </ac:spMkLst>
+        </pc:spChg>
+        <pc:spChg chg="add mod">
+          <ac:chgData name="Graydon Hall" userId="6ad8ef6fe9c5877e" providerId="LiveId" clId="{743B0715-C183-42DE-B6E5-38E47A36CCC5}" dt="2021-09-29T03:55:45.920" v="320" actId="207"/>
+          <ac:spMkLst>
+            <pc:docMk/>
+            <pc:sldMk cId="1503291825" sldId="263"/>
+            <ac:spMk id="46" creationId="{CC01F6B5-B11D-47C7-8A80-86751AEF2E34}"/>
+          </ac:spMkLst>
+        </pc:spChg>
+      </pc:sldChg>
+      <pc:sldChg chg="addSp delSp modSp add mod">
+        <pc:chgData name="Graydon Hall" userId="6ad8ef6fe9c5877e" providerId="LiveId" clId="{743B0715-C183-42DE-B6E5-38E47A36CCC5}" dt="2021-09-29T04:03:22.658" v="363" actId="20577"/>
+        <pc:sldMkLst>
+          <pc:docMk/>
+          <pc:sldMk cId="3452070991" sldId="264"/>
+        </pc:sldMkLst>
+        <pc:spChg chg="add mod">
+          <ac:chgData name="Graydon Hall" userId="6ad8ef6fe9c5877e" providerId="LiveId" clId="{743B0715-C183-42DE-B6E5-38E47A36CCC5}" dt="2021-09-29T04:01:24.047" v="349"/>
+          <ac:spMkLst>
+            <pc:docMk/>
+            <pc:sldMk cId="3452070991" sldId="264"/>
+            <ac:spMk id="2" creationId="{4B6CD77E-2848-4F7A-90F1-9D0E81791A95}"/>
+          </ac:spMkLst>
+        </pc:spChg>
+        <pc:spChg chg="mod">
+          <ac:chgData name="Graydon Hall" userId="6ad8ef6fe9c5877e" providerId="LiveId" clId="{743B0715-C183-42DE-B6E5-38E47A36CCC5}" dt="2021-09-29T04:03:22.658" v="363" actId="20577"/>
+          <ac:spMkLst>
+            <pc:docMk/>
+            <pc:sldMk cId="3452070991" sldId="264"/>
+            <ac:spMk id="11" creationId="{ABE71181-B149-4EE3-8C57-DA344694D6C2}"/>
+          </ac:spMkLst>
+        </pc:spChg>
+        <pc:spChg chg="mod">
+          <ac:chgData name="Graydon Hall" userId="6ad8ef6fe9c5877e" providerId="LiveId" clId="{743B0715-C183-42DE-B6E5-38E47A36CCC5}" dt="2021-09-29T03:59:30.762" v="334" actId="20577"/>
+          <ac:spMkLst>
+            <pc:docMk/>
+            <pc:sldMk cId="3452070991" sldId="264"/>
+            <ac:spMk id="17" creationId="{49613BA1-EC39-4C9D-911C-822803A902C7}"/>
+          </ac:spMkLst>
+        </pc:spChg>
+        <pc:spChg chg="mod">
+          <ac:chgData name="Graydon Hall" userId="6ad8ef6fe9c5877e" providerId="LiveId" clId="{743B0715-C183-42DE-B6E5-38E47A36CCC5}" dt="2021-09-29T03:59:50.673" v="342" actId="20577"/>
+          <ac:spMkLst>
+            <pc:docMk/>
+            <pc:sldMk cId="3452070991" sldId="264"/>
+            <ac:spMk id="18" creationId="{827B7BA2-81B6-42CB-8875-9F2B5C5394A7}"/>
+          </ac:spMkLst>
+        </pc:spChg>
+        <pc:spChg chg="mod">
+          <ac:chgData name="Graydon Hall" userId="6ad8ef6fe9c5877e" providerId="LiveId" clId="{743B0715-C183-42DE-B6E5-38E47A36CCC5}" dt="2021-09-29T03:59:40.325" v="335" actId="1076"/>
+          <ac:spMkLst>
+            <pc:docMk/>
+            <pc:sldMk cId="3452070991" sldId="264"/>
+            <ac:spMk id="24" creationId="{FD8706BD-108D-4ECE-80FA-00ED04CF3D8A}"/>
+          </ac:spMkLst>
+        </pc:spChg>
+        <pc:spChg chg="mod">
+          <ac:chgData name="Graydon Hall" userId="6ad8ef6fe9c5877e" providerId="LiveId" clId="{743B0715-C183-42DE-B6E5-38E47A36CCC5}" dt="2021-09-29T03:59:40.325" v="335" actId="1076"/>
+          <ac:spMkLst>
+            <pc:docMk/>
+            <pc:sldMk cId="3452070991" sldId="264"/>
+            <ac:spMk id="25" creationId="{D874629E-BAB8-48EB-8538-631F7E8F7166}"/>
+          </ac:spMkLst>
+        </pc:spChg>
+        <pc:spChg chg="mod">
+          <ac:chgData name="Graydon Hall" userId="6ad8ef6fe9c5877e" providerId="LiveId" clId="{743B0715-C183-42DE-B6E5-38E47A36CCC5}" dt="2021-09-29T03:59:40.325" v="335" actId="1076"/>
+          <ac:spMkLst>
+            <pc:docMk/>
+            <pc:sldMk cId="3452070991" sldId="264"/>
+            <ac:spMk id="26" creationId="{D60DACE1-0AE0-4851-B2F0-AFC7BC736D99}"/>
+          </ac:spMkLst>
+        </pc:spChg>
+        <pc:spChg chg="add mod">
+          <ac:chgData name="Graydon Hall" userId="6ad8ef6fe9c5877e" providerId="LiveId" clId="{743B0715-C183-42DE-B6E5-38E47A36CCC5}" dt="2021-09-29T03:59:54.570" v="347" actId="20577"/>
+          <ac:spMkLst>
+            <pc:docMk/>
+            <pc:sldMk cId="3452070991" sldId="264"/>
+            <ac:spMk id="29" creationId="{4B2BD078-5FAA-4A70-B0D7-F454270B9B12}"/>
+          </ac:spMkLst>
+        </pc:spChg>
+        <pc:spChg chg="mod">
+          <ac:chgData name="Graydon Hall" userId="6ad8ef6fe9c5877e" providerId="LiveId" clId="{743B0715-C183-42DE-B6E5-38E47A36CCC5}" dt="2021-09-29T04:01:38.713" v="352" actId="20577"/>
+          <ac:spMkLst>
+            <pc:docMk/>
+            <pc:sldMk cId="3452070991" sldId="264"/>
+            <ac:spMk id="33" creationId="{93034171-ED6B-48B6-89E7-6D43497F0D62}"/>
+          </ac:spMkLst>
+        </pc:spChg>
+        <pc:spChg chg="add mod">
+          <ac:chgData name="Graydon Hall" userId="6ad8ef6fe9c5877e" providerId="LiveId" clId="{743B0715-C183-42DE-B6E5-38E47A36CCC5}" dt="2021-09-29T04:01:33.073" v="351" actId="20577"/>
+          <ac:spMkLst>
+            <pc:docMk/>
+            <pc:sldMk cId="3452070991" sldId="264"/>
+            <ac:spMk id="34" creationId="{FD9CBD7F-6B57-4C32-B703-0677E0306882}"/>
+          </ac:spMkLst>
+        </pc:spChg>
+        <pc:spChg chg="mod">
+          <ac:chgData name="Graydon Hall" userId="6ad8ef6fe9c5877e" providerId="LiveId" clId="{743B0715-C183-42DE-B6E5-38E47A36CCC5}" dt="2021-09-29T03:59:13.786" v="326" actId="20577"/>
+          <ac:spMkLst>
+            <pc:docMk/>
+            <pc:sldMk cId="3452070991" sldId="264"/>
+            <ac:spMk id="35" creationId="{6789E424-B6B9-4097-AC0D-75D7E2D04051}"/>
+          </ac:spMkLst>
+        </pc:spChg>
+        <pc:spChg chg="mod">
+          <ac:chgData name="Graydon Hall" userId="6ad8ef6fe9c5877e" providerId="LiveId" clId="{743B0715-C183-42DE-B6E5-38E47A36CCC5}" dt="2021-09-29T04:01:50.623" v="355" actId="20577"/>
+          <ac:spMkLst>
+            <pc:docMk/>
+            <pc:sldMk cId="3452070991" sldId="264"/>
+            <ac:spMk id="36" creationId="{353EC245-78FD-4B1A-8B4C-18445610632B}"/>
+          </ac:spMkLst>
+        </pc:spChg>
+        <pc:spChg chg="mod">
+          <ac:chgData name="Graydon Hall" userId="6ad8ef6fe9c5877e" providerId="LiveId" clId="{743B0715-C183-42DE-B6E5-38E47A36CCC5}" dt="2021-09-29T04:01:48.022" v="354" actId="20577"/>
+          <ac:spMkLst>
+            <pc:docMk/>
+            <pc:sldMk cId="3452070991" sldId="264"/>
+            <ac:spMk id="37" creationId="{73157DFB-413B-47C5-8D98-374C7DF4B497}"/>
+          </ac:spMkLst>
+        </pc:spChg>
+        <pc:spChg chg="add del mod">
+          <ac:chgData name="Graydon Hall" userId="6ad8ef6fe9c5877e" providerId="LiveId" clId="{743B0715-C183-42DE-B6E5-38E47A36CCC5}" dt="2021-09-29T04:03:20.743" v="361"/>
+          <ac:spMkLst>
+            <pc:docMk/>
+            <pc:sldMk cId="3452070991" sldId="264"/>
+            <ac:spMk id="41" creationId="{E942651D-9FFB-4F16-934D-7ABCE9858DD5}"/>
+          </ac:spMkLst>
+        </pc:spChg>
+        <pc:spChg chg="add del mod">
+          <ac:chgData name="Graydon Hall" userId="6ad8ef6fe9c5877e" providerId="LiveId" clId="{743B0715-C183-42DE-B6E5-38E47A36CCC5}" dt="2021-09-29T04:03:20.743" v="361"/>
+          <ac:spMkLst>
+            <pc:docMk/>
+            <pc:sldMk cId="3452070991" sldId="264"/>
+            <ac:spMk id="42" creationId="{AF24D77E-B01B-4E14-9C9F-7ADB8E293025}"/>
+          </ac:spMkLst>
+        </pc:spChg>
+      </pc:sldChg>
+      <pc:sldChg chg="addSp delSp modSp add mod">
+        <pc:chgData name="Graydon Hall" userId="6ad8ef6fe9c5877e" providerId="LiveId" clId="{743B0715-C183-42DE-B6E5-38E47A36CCC5}" dt="2021-09-29T04:11:00.285" v="433" actId="20577"/>
+        <pc:sldMkLst>
+          <pc:docMk/>
+          <pc:sldMk cId="475903413" sldId="265"/>
+        </pc:sldMkLst>
+        <pc:spChg chg="del">
+          <ac:chgData name="Graydon Hall" userId="6ad8ef6fe9c5877e" providerId="LiveId" clId="{743B0715-C183-42DE-B6E5-38E47A36CCC5}" dt="2021-09-29T04:07:22.457" v="388" actId="478"/>
+          <ac:spMkLst>
+            <pc:docMk/>
+            <pc:sldMk cId="475903413" sldId="265"/>
+            <ac:spMk id="2" creationId="{4B6CD77E-2848-4F7A-90F1-9D0E81791A95}"/>
+          </ac:spMkLst>
+        </pc:spChg>
+        <pc:spChg chg="add mod">
+          <ac:chgData name="Graydon Hall" userId="6ad8ef6fe9c5877e" providerId="LiveId" clId="{743B0715-C183-42DE-B6E5-38E47A36CCC5}" dt="2021-09-29T04:04:06.051" v="370"/>
+          <ac:spMkLst>
+            <pc:docMk/>
+            <pc:sldMk cId="475903413" sldId="265"/>
+            <ac:spMk id="3" creationId="{50C5154F-1E29-41C9-AB4A-EF30F95A9C34}"/>
+          </ac:spMkLst>
+        </pc:spChg>
+        <pc:spChg chg="add mod">
+          <ac:chgData name="Graydon Hall" userId="6ad8ef6fe9c5877e" providerId="LiveId" clId="{743B0715-C183-42DE-B6E5-38E47A36CCC5}" dt="2021-09-29T04:07:50.355" v="391"/>
+          <ac:spMkLst>
+            <pc:docMk/>
+            <pc:sldMk cId="475903413" sldId="265"/>
+            <ac:spMk id="10" creationId="{BB876968-A14B-4621-AC26-79767253D9BF}"/>
+          </ac:spMkLst>
+        </pc:spChg>
+        <pc:spChg chg="mod">
+          <ac:chgData name="Graydon Hall" userId="6ad8ef6fe9c5877e" providerId="LiveId" clId="{743B0715-C183-42DE-B6E5-38E47A36CCC5}" dt="2021-09-29T04:03:27.098" v="366" actId="20577"/>
+          <ac:spMkLst>
+            <pc:docMk/>
+            <pc:sldMk cId="475903413" sldId="265"/>
+            <ac:spMk id="11" creationId="{ABE71181-B149-4EE3-8C57-DA344694D6C2}"/>
+          </ac:spMkLst>
+        </pc:spChg>
+        <pc:spChg chg="add mod">
+          <ac:chgData name="Graydon Hall" userId="6ad8ef6fe9c5877e" providerId="LiveId" clId="{743B0715-C183-42DE-B6E5-38E47A36CCC5}" dt="2021-09-29T04:09:34.716" v="410"/>
+          <ac:spMkLst>
+            <pc:docMk/>
+            <pc:sldMk cId="475903413" sldId="265"/>
+            <ac:spMk id="12" creationId="{3A7773A3-16BD-4776-84D2-8EE6CDE00FAD}"/>
+          </ac:spMkLst>
+        </pc:spChg>
+        <pc:spChg chg="mod">
+          <ac:chgData name="Graydon Hall" userId="6ad8ef6fe9c5877e" providerId="LiveId" clId="{743B0715-C183-42DE-B6E5-38E47A36CCC5}" dt="2021-09-29T04:06:31.969" v="387" actId="20577"/>
+          <ac:spMkLst>
+            <pc:docMk/>
+            <pc:sldMk cId="475903413" sldId="265"/>
+            <ac:spMk id="17" creationId="{49613BA1-EC39-4C9D-911C-822803A902C7}"/>
+          </ac:spMkLst>
+        </pc:spChg>
+        <pc:spChg chg="mod">
+          <ac:chgData name="Graydon Hall" userId="6ad8ef6fe9c5877e" providerId="LiveId" clId="{743B0715-C183-42DE-B6E5-38E47A36CCC5}" dt="2021-09-29T04:08:09.798" v="396" actId="20577"/>
+          <ac:spMkLst>
+            <pc:docMk/>
+            <pc:sldMk cId="475903413" sldId="265"/>
+            <ac:spMk id="18" creationId="{827B7BA2-81B6-42CB-8875-9F2B5C5394A7}"/>
+          </ac:spMkLst>
+        </pc:spChg>
+        <pc:spChg chg="del">
+          <ac:chgData name="Graydon Hall" userId="6ad8ef6fe9c5877e" providerId="LiveId" clId="{743B0715-C183-42DE-B6E5-38E47A36CCC5}" dt="2021-09-29T04:09:39.031" v="411" actId="478"/>
+          <ac:spMkLst>
+            <pc:docMk/>
+            <pc:sldMk cId="475903413" sldId="265"/>
+            <ac:spMk id="19" creationId="{EB91542B-7DF9-446A-B685-3FF42460CD15}"/>
+          </ac:spMkLst>
+        </pc:spChg>
+        <pc:spChg chg="add del mod">
+          <ac:chgData name="Graydon Hall" userId="6ad8ef6fe9c5877e" providerId="LiveId" clId="{743B0715-C183-42DE-B6E5-38E47A36CCC5}" dt="2021-09-29T04:08:41.736" v="405" actId="478"/>
+          <ac:spMkLst>
+            <pc:docMk/>
+            <pc:sldMk cId="475903413" sldId="265"/>
+            <ac:spMk id="29" creationId="{4B2BD078-5FAA-4A70-B0D7-F454270B9B12}"/>
+          </ac:spMkLst>
+        </pc:spChg>
+        <pc:spChg chg="add del mod">
+          <ac:chgData name="Graydon Hall" userId="6ad8ef6fe9c5877e" providerId="LiveId" clId="{743B0715-C183-42DE-B6E5-38E47A36CCC5}" dt="2021-09-29T04:08:44.824" v="406" actId="6549"/>
+          <ac:spMkLst>
+            <pc:docMk/>
+            <pc:sldMk cId="475903413" sldId="265"/>
+            <ac:spMk id="33" creationId="{93034171-ED6B-48B6-89E7-6D43497F0D62}"/>
+          </ac:spMkLst>
+        </pc:spChg>
+        <pc:spChg chg="add del">
+          <ac:chgData name="Graydon Hall" userId="6ad8ef6fe9c5877e" providerId="LiveId" clId="{743B0715-C183-42DE-B6E5-38E47A36CCC5}" dt="2021-09-29T04:08:40.210" v="403" actId="478"/>
+          <ac:spMkLst>
+            <pc:docMk/>
+            <pc:sldMk cId="475903413" sldId="265"/>
+            <ac:spMk id="34" creationId="{FD9CBD7F-6B57-4C32-B703-0677E0306882}"/>
+          </ac:spMkLst>
+        </pc:spChg>
+        <pc:spChg chg="mod">
+          <ac:chgData name="Graydon Hall" userId="6ad8ef6fe9c5877e" providerId="LiveId" clId="{743B0715-C183-42DE-B6E5-38E47A36CCC5}" dt="2021-09-29T04:05:04.466" v="379" actId="20577"/>
+          <ac:spMkLst>
+            <pc:docMk/>
+            <pc:sldMk cId="475903413" sldId="265"/>
+            <ac:spMk id="36" creationId="{353EC245-78FD-4B1A-8B4C-18445610632B}"/>
+          </ac:spMkLst>
+        </pc:spChg>
+        <pc:spChg chg="mod">
+          <ac:chgData name="Graydon Hall" userId="6ad8ef6fe9c5877e" providerId="LiveId" clId="{743B0715-C183-42DE-B6E5-38E47A36CCC5}" dt="2021-09-29T04:04:56.818" v="374" actId="20577"/>
+          <ac:spMkLst>
+            <pc:docMk/>
+            <pc:sldMk cId="475903413" sldId="265"/>
+            <ac:spMk id="37" creationId="{73157DFB-413B-47C5-8D98-374C7DF4B497}"/>
+          </ac:spMkLst>
+        </pc:spChg>
+        <pc:spChg chg="add mod">
+          <ac:chgData name="Graydon Hall" userId="6ad8ef6fe9c5877e" providerId="LiveId" clId="{743B0715-C183-42DE-B6E5-38E47A36CCC5}" dt="2021-09-29T04:04:10.389" v="371" actId="20577"/>
+          <ac:spMkLst>
+            <pc:docMk/>
+            <pc:sldMk cId="475903413" sldId="265"/>
+            <ac:spMk id="41" creationId="{298F900F-D4C7-438E-9E2C-759376E48C60}"/>
+          </ac:spMkLst>
+        </pc:spChg>
+        <pc:spChg chg="add mod">
+          <ac:chgData name="Graydon Hall" userId="6ad8ef6fe9c5877e" providerId="LiveId" clId="{743B0715-C183-42DE-B6E5-38E47A36CCC5}" dt="2021-09-29T04:03:37.041" v="368" actId="1076"/>
+          <ac:spMkLst>
+            <pc:docMk/>
+            <pc:sldMk cId="475903413" sldId="265"/>
+            <ac:spMk id="42" creationId="{E9144911-3DBE-471D-A0D7-BF3937DD3AE4}"/>
+          </ac:spMkLst>
+        </pc:spChg>
+        <pc:spChg chg="add mod">
+          <ac:chgData name="Graydon Hall" userId="6ad8ef6fe9c5877e" providerId="LiveId" clId="{743B0715-C183-42DE-B6E5-38E47A36CCC5}" dt="2021-09-29T04:03:37.041" v="368" actId="1076"/>
+          <ac:spMkLst>
+            <pc:docMk/>
+            <pc:sldMk cId="475903413" sldId="265"/>
+            <ac:spMk id="43" creationId="{E4C0EE3B-A371-45FF-B428-3DF70DE736DC}"/>
+          </ac:spMkLst>
+        </pc:spChg>
+        <pc:spChg chg="add mod">
+          <ac:chgData name="Graydon Hall" userId="6ad8ef6fe9c5877e" providerId="LiveId" clId="{743B0715-C183-42DE-B6E5-38E47A36CCC5}" dt="2021-09-29T04:08:49.685" v="408" actId="1076"/>
+          <ac:spMkLst>
+            <pc:docMk/>
+            <pc:sldMk cId="475903413" sldId="265"/>
+            <ac:spMk id="44" creationId="{FBBEB1BD-78EA-425E-9160-0B4F52E9B7F8}"/>
+          </ac:spMkLst>
+        </pc:spChg>
+        <pc:spChg chg="add del mod">
+          <ac:chgData name="Graydon Hall" userId="6ad8ef6fe9c5877e" providerId="LiveId" clId="{743B0715-C183-42DE-B6E5-38E47A36CCC5}" dt="2021-09-29T04:09:53.059" v="413"/>
+          <ac:spMkLst>
+            <pc:docMk/>
+            <pc:sldMk cId="475903413" sldId="265"/>
+            <ac:spMk id="45" creationId="{D5EECA03-9ED2-452C-9B09-BD5A87BABB00}"/>
+          </ac:spMkLst>
+        </pc:spChg>
+        <pc:spChg chg="add del mod">
+          <ac:chgData name="Graydon Hall" userId="6ad8ef6fe9c5877e" providerId="LiveId" clId="{743B0715-C183-42DE-B6E5-38E47A36CCC5}" dt="2021-09-29T04:09:53.059" v="413"/>
+          <ac:spMkLst>
+            <pc:docMk/>
+            <pc:sldMk cId="475903413" sldId="265"/>
+            <ac:spMk id="46" creationId="{A4F4AD71-BDA0-45DF-A810-FFF95AC295AA}"/>
+          </ac:spMkLst>
+        </pc:spChg>
+        <pc:spChg chg="add del mod">
+          <ac:chgData name="Graydon Hall" userId="6ad8ef6fe9c5877e" providerId="LiveId" clId="{743B0715-C183-42DE-B6E5-38E47A36CCC5}" dt="2021-09-29T04:10:03.912" v="417"/>
+          <ac:spMkLst>
+            <pc:docMk/>
+            <pc:sldMk cId="475903413" sldId="265"/>
+            <ac:spMk id="47" creationId="{3DC40DED-1442-4273-9E87-C06AF462697F}"/>
+          </ac:spMkLst>
+        </pc:spChg>
+        <pc:spChg chg="add del mod">
+          <ac:chgData name="Graydon Hall" userId="6ad8ef6fe9c5877e" providerId="LiveId" clId="{743B0715-C183-42DE-B6E5-38E47A36CCC5}" dt="2021-09-29T04:10:03.912" v="417"/>
+          <ac:spMkLst>
+            <pc:docMk/>
+            <pc:sldMk cId="475903413" sldId="265"/>
+            <ac:spMk id="48" creationId="{B57C08BC-AB12-4E06-82E5-82DCA481912A}"/>
+          </ac:spMkLst>
+        </pc:spChg>
+        <pc:spChg chg="add del mod">
+          <ac:chgData name="Graydon Hall" userId="6ad8ef6fe9c5877e" providerId="LiveId" clId="{743B0715-C183-42DE-B6E5-38E47A36CCC5}" dt="2021-09-29T04:10:03.912" v="417"/>
+          <ac:spMkLst>
+            <pc:docMk/>
+            <pc:sldMk cId="475903413" sldId="265"/>
+            <ac:spMk id="49" creationId="{D7B69D3F-050B-43FD-A30E-C44FF34A1232}"/>
+          </ac:spMkLst>
+        </pc:spChg>
+        <pc:spChg chg="add del mod">
+          <ac:chgData name="Graydon Hall" userId="6ad8ef6fe9c5877e" providerId="LiveId" clId="{743B0715-C183-42DE-B6E5-38E47A36CCC5}" dt="2021-09-29T04:10:03.912" v="417"/>
+          <ac:spMkLst>
+            <pc:docMk/>
+            <pc:sldMk cId="475903413" sldId="265"/>
+            <ac:spMk id="50" creationId="{F2ECC20C-20C1-4FD8-BA54-B571A78CFBB8}"/>
+          </ac:spMkLst>
+        </pc:spChg>
+        <pc:spChg chg="add del mod">
+          <ac:chgData name="Graydon Hall" userId="6ad8ef6fe9c5877e" providerId="LiveId" clId="{743B0715-C183-42DE-B6E5-38E47A36CCC5}" dt="2021-09-29T04:10:03.912" v="417"/>
+          <ac:spMkLst>
+            <pc:docMk/>
+            <pc:sldMk cId="475903413" sldId="265"/>
+            <ac:spMk id="51" creationId="{C2BBFC46-9F7C-4997-B209-940D9582251B}"/>
+          </ac:spMkLst>
+        </pc:spChg>
+        <pc:spChg chg="add del mod">
+          <ac:chgData name="Graydon Hall" userId="6ad8ef6fe9c5877e" providerId="LiveId" clId="{743B0715-C183-42DE-B6E5-38E47A36CCC5}" dt="2021-09-29T04:10:03.912" v="417"/>
+          <ac:spMkLst>
+            <pc:docMk/>
+            <pc:sldMk cId="475903413" sldId="265"/>
+            <ac:spMk id="52" creationId="{2E27FE5F-0B59-4381-992A-9A925A645D89}"/>
+          </ac:spMkLst>
+        </pc:spChg>
+        <pc:spChg chg="add mod">
+          <ac:chgData name="Graydon Hall" userId="6ad8ef6fe9c5877e" providerId="LiveId" clId="{743B0715-C183-42DE-B6E5-38E47A36CCC5}" dt="2021-09-29T04:10:25.282" v="424" actId="20577"/>
+          <ac:spMkLst>
+            <pc:docMk/>
+            <pc:sldMk cId="475903413" sldId="265"/>
+            <ac:spMk id="53" creationId="{D9F81400-6F37-4C1B-B698-24194E6DF251}"/>
+          </ac:spMkLst>
+        </pc:spChg>
+        <pc:spChg chg="add mod">
+          <ac:chgData name="Graydon Hall" userId="6ad8ef6fe9c5877e" providerId="LiveId" clId="{743B0715-C183-42DE-B6E5-38E47A36CCC5}" dt="2021-09-29T04:10:54.031" v="430" actId="20577"/>
+          <ac:spMkLst>
+            <pc:docMk/>
+            <pc:sldMk cId="475903413" sldId="265"/>
+            <ac:spMk id="54" creationId="{F9950071-B991-41D7-AEB4-7A57109E6914}"/>
+          </ac:spMkLst>
+        </pc:spChg>
+        <pc:spChg chg="add mod">
+          <ac:chgData name="Graydon Hall" userId="6ad8ef6fe9c5877e" providerId="LiveId" clId="{743B0715-C183-42DE-B6E5-38E47A36CCC5}" dt="2021-09-29T04:11:00.285" v="433" actId="20577"/>
+          <ac:spMkLst>
+            <pc:docMk/>
+            <pc:sldMk cId="475903413" sldId="265"/>
+            <ac:spMk id="55" creationId="{2E559632-59E2-494B-852C-4646E7C21BB3}"/>
+          </ac:spMkLst>
+        </pc:spChg>
+        <pc:spChg chg="add mod">
+          <ac:chgData name="Graydon Hall" userId="6ad8ef6fe9c5877e" providerId="LiveId" clId="{743B0715-C183-42DE-B6E5-38E47A36CCC5}" dt="2021-09-29T04:10:20.814" v="419" actId="1076"/>
+          <ac:spMkLst>
+            <pc:docMk/>
+            <pc:sldMk cId="475903413" sldId="265"/>
+            <ac:spMk id="56" creationId="{DE7D82FA-FDBA-45E9-A76D-2AA69F944433}"/>
+          </ac:spMkLst>
+        </pc:spChg>
+        <pc:spChg chg="add mod">
+          <ac:chgData name="Graydon Hall" userId="6ad8ef6fe9c5877e" providerId="LiveId" clId="{743B0715-C183-42DE-B6E5-38E47A36CCC5}" dt="2021-09-29T04:10:20.814" v="419" actId="1076"/>
+          <ac:spMkLst>
+            <pc:docMk/>
+            <pc:sldMk cId="475903413" sldId="265"/>
+            <ac:spMk id="57" creationId="{38D72753-A65A-4383-BBBB-F5970C0947F3}"/>
+          </ac:spMkLst>
+        </pc:spChg>
+        <pc:spChg chg="add mod">
+          <ac:chgData name="Graydon Hall" userId="6ad8ef6fe9c5877e" providerId="LiveId" clId="{743B0715-C183-42DE-B6E5-38E47A36CCC5}" dt="2021-09-29T04:10:20.814" v="419" actId="1076"/>
+          <ac:spMkLst>
+            <pc:docMk/>
+            <pc:sldMk cId="475903413" sldId="265"/>
+            <ac:spMk id="58" creationId="{79D77692-74EE-43F5-BE3C-FA9C83850A5E}"/>
+          </ac:spMkLst>
+        </pc:spChg>
+      </pc:sldChg>
+      <pc:sldChg chg="addSp delSp modSp add mod">
+        <pc:chgData name="Graydon Hall" userId="6ad8ef6fe9c5877e" providerId="LiveId" clId="{743B0715-C183-42DE-B6E5-38E47A36CCC5}" dt="2021-09-29T21:20:11.944" v="863" actId="14100"/>
+        <pc:sldMkLst>
+          <pc:docMk/>
+          <pc:sldMk cId="1926971169" sldId="266"/>
+        </pc:sldMkLst>
+        <pc:spChg chg="add del mod">
+          <ac:chgData name="Graydon Hall" userId="6ad8ef6fe9c5877e" providerId="LiveId" clId="{743B0715-C183-42DE-B6E5-38E47A36CCC5}" dt="2021-09-29T20:43:42.637" v="635" actId="478"/>
+          <ac:spMkLst>
+            <pc:docMk/>
+            <pc:sldMk cId="1926971169" sldId="266"/>
+            <ac:spMk id="2" creationId="{D4A8BE6F-AE52-443C-AB03-E905C606BC40}"/>
+          </ac:spMkLst>
+        </pc:spChg>
+        <pc:spChg chg="del">
+          <ac:chgData name="Graydon Hall" userId="6ad8ef6fe9c5877e" providerId="LiveId" clId="{743B0715-C183-42DE-B6E5-38E47A36CCC5}" dt="2021-09-29T20:26:13.066" v="446" actId="478"/>
+          <ac:spMkLst>
+            <pc:docMk/>
+            <pc:sldMk cId="1926971169" sldId="266"/>
+            <ac:spMk id="3" creationId="{50C5154F-1E29-41C9-AB4A-EF30F95A9C34}"/>
+          </ac:spMkLst>
+        </pc:spChg>
+        <pc:spChg chg="mod">
+          <ac:chgData name="Graydon Hall" userId="6ad8ef6fe9c5877e" providerId="LiveId" clId="{743B0715-C183-42DE-B6E5-38E47A36CCC5}" dt="2021-09-29T21:20:11.944" v="863" actId="14100"/>
+          <ac:spMkLst>
+            <pc:docMk/>
+            <pc:sldMk cId="1926971169" sldId="266"/>
+            <ac:spMk id="4" creationId="{69D13A37-6B82-4C78-812F-D9D461CDC672}"/>
+          </ac:spMkLst>
+        </pc:spChg>
+        <pc:spChg chg="add del mod">
+          <ac:chgData name="Graydon Hall" userId="6ad8ef6fe9c5877e" providerId="LiveId" clId="{743B0715-C183-42DE-B6E5-38E47A36CCC5}" dt="2021-09-29T20:44:22.632" v="680" actId="1037"/>
+          <ac:spMkLst>
+            <pc:docMk/>
+            <pc:sldMk cId="1926971169" sldId="266"/>
+            <ac:spMk id="5" creationId="{03DF7978-60AD-4CDE-AE09-356BACC0D746}"/>
+          </ac:spMkLst>
+        </pc:spChg>
+        <pc:spChg chg="mod">
+          <ac:chgData name="Graydon Hall" userId="6ad8ef6fe9c5877e" providerId="LiveId" clId="{743B0715-C183-42DE-B6E5-38E47A36CCC5}" dt="2021-09-29T20:44:22.632" v="680" actId="1037"/>
+          <ac:spMkLst>
+            <pc:docMk/>
+            <pc:sldMk cId="1926971169" sldId="266"/>
+            <ac:spMk id="6" creationId="{D0C80474-6657-418A-AAF9-A633C8AA8512}"/>
+          </ac:spMkLst>
+        </pc:spChg>
+        <pc:spChg chg="mod">
+          <ac:chgData name="Graydon Hall" userId="6ad8ef6fe9c5877e" providerId="LiveId" clId="{743B0715-C183-42DE-B6E5-38E47A36CCC5}" dt="2021-09-29T20:44:22.632" v="680" actId="1037"/>
+          <ac:spMkLst>
+            <pc:docMk/>
+            <pc:sldMk cId="1926971169" sldId="266"/>
+            <ac:spMk id="7" creationId="{8CC65CAA-2539-4C2F-AA0D-22449388221A}"/>
+          </ac:spMkLst>
+        </pc:spChg>
+        <pc:spChg chg="mod">
+          <ac:chgData name="Graydon Hall" userId="6ad8ef6fe9c5877e" providerId="LiveId" clId="{743B0715-C183-42DE-B6E5-38E47A36CCC5}" dt="2021-09-29T20:44:22.632" v="680" actId="1037"/>
+          <ac:spMkLst>
+            <pc:docMk/>
+            <pc:sldMk cId="1926971169" sldId="266"/>
+            <ac:spMk id="8" creationId="{0C3EEB79-1F74-45CC-A601-42B51BB496C7}"/>
+          </ac:spMkLst>
+        </pc:spChg>
+        <pc:spChg chg="mod">
+          <ac:chgData name="Graydon Hall" userId="6ad8ef6fe9c5877e" providerId="LiveId" clId="{743B0715-C183-42DE-B6E5-38E47A36CCC5}" dt="2021-09-29T20:44:22.632" v="680" actId="1037"/>
+          <ac:spMkLst>
+            <pc:docMk/>
+            <pc:sldMk cId="1926971169" sldId="266"/>
+            <ac:spMk id="9" creationId="{700D8949-7BEC-4E7B-8872-67D2E91315EC}"/>
+          </ac:spMkLst>
+        </pc:spChg>
+        <pc:spChg chg="del">
+          <ac:chgData name="Graydon Hall" userId="6ad8ef6fe9c5877e" providerId="LiveId" clId="{743B0715-C183-42DE-B6E5-38E47A36CCC5}" dt="2021-09-29T20:26:27.825" v="459" actId="478"/>
+          <ac:spMkLst>
+            <pc:docMk/>
+            <pc:sldMk cId="1926971169" sldId="266"/>
+            <ac:spMk id="10" creationId="{BB876968-A14B-4621-AC26-79767253D9BF}"/>
+          </ac:spMkLst>
+        </pc:spChg>
+        <pc:spChg chg="mod">
+          <ac:chgData name="Graydon Hall" userId="6ad8ef6fe9c5877e" providerId="LiveId" clId="{743B0715-C183-42DE-B6E5-38E47A36CCC5}" dt="2021-09-29T21:07:17.823" v="761" actId="14100"/>
+          <ac:spMkLst>
+            <pc:docMk/>
+            <pc:sldMk cId="1926971169" sldId="266"/>
+            <ac:spMk id="11" creationId="{ABE71181-B149-4EE3-8C57-DA344694D6C2}"/>
+          </ac:spMkLst>
+        </pc:spChg>
+        <pc:spChg chg="add del">
+          <ac:chgData name="Graydon Hall" userId="6ad8ef6fe9c5877e" providerId="LiveId" clId="{743B0715-C183-42DE-B6E5-38E47A36CCC5}" dt="2021-09-29T20:26:18.809" v="451" actId="478"/>
+          <ac:spMkLst>
+            <pc:docMk/>
+            <pc:sldMk cId="1926971169" sldId="266"/>
+            <ac:spMk id="12" creationId="{3A7773A3-16BD-4776-84D2-8EE6CDE00FAD}"/>
+          </ac:spMkLst>
+        </pc:spChg>
+        <pc:spChg chg="mod">
+          <ac:chgData name="Graydon Hall" userId="6ad8ef6fe9c5877e" providerId="LiveId" clId="{743B0715-C183-42DE-B6E5-38E47A36CCC5}" dt="2021-09-29T20:44:22.632" v="680" actId="1037"/>
+          <ac:spMkLst>
+            <pc:docMk/>
+            <pc:sldMk cId="1926971169" sldId="266"/>
+            <ac:spMk id="13" creationId="{1485229A-BE5D-445C-A29D-2095B03DF662}"/>
+          </ac:spMkLst>
+        </pc:spChg>
+        <pc:spChg chg="mod">
+          <ac:chgData name="Graydon Hall" userId="6ad8ef6fe9c5877e" providerId="LiveId" clId="{743B0715-C183-42DE-B6E5-38E47A36CCC5}" dt="2021-09-29T20:44:22.632" v="680" actId="1037"/>
+          <ac:spMkLst>
+            <pc:docMk/>
+            <pc:sldMk cId="1926971169" sldId="266"/>
+            <ac:spMk id="14" creationId="{8E3A9A45-B3AF-48DC-B12C-05C16FE7B083}"/>
+          </ac:spMkLst>
+        </pc:spChg>
+        <pc:spChg chg="mod">
+          <ac:chgData name="Graydon Hall" userId="6ad8ef6fe9c5877e" providerId="LiveId" clId="{743B0715-C183-42DE-B6E5-38E47A36CCC5}" dt="2021-09-29T20:44:22.632" v="680" actId="1037"/>
+          <ac:spMkLst>
+            <pc:docMk/>
+            <pc:sldMk cId="1926971169" sldId="266"/>
+            <ac:spMk id="15" creationId="{37CEF823-64A2-4803-97BB-DE3BC2A56C3D}"/>
+          </ac:spMkLst>
+        </pc:spChg>
+        <pc:spChg chg="mod">
+          <ac:chgData name="Graydon Hall" userId="6ad8ef6fe9c5877e" providerId="LiveId" clId="{743B0715-C183-42DE-B6E5-38E47A36CCC5}" dt="2021-09-29T20:44:22.632" v="680" actId="1037"/>
+          <ac:spMkLst>
+            <pc:docMk/>
+            <pc:sldMk cId="1926971169" sldId="266"/>
+            <ac:spMk id="16" creationId="{EA2DF13A-E11F-4817-B472-6B40ED9D8414}"/>
+          </ac:spMkLst>
+        </pc:spChg>
+        <pc:spChg chg="mod">
+          <ac:chgData name="Graydon Hall" userId="6ad8ef6fe9c5877e" providerId="LiveId" clId="{743B0715-C183-42DE-B6E5-38E47A36CCC5}" dt="2021-09-29T20:44:22.632" v="680" actId="1037"/>
+          <ac:spMkLst>
+            <pc:docMk/>
+            <pc:sldMk cId="1926971169" sldId="266"/>
+            <ac:spMk id="17" creationId="{49613BA1-EC39-4C9D-911C-822803A902C7}"/>
+          </ac:spMkLst>
+        </pc:spChg>
+        <pc:spChg chg="mod">
+          <ac:chgData name="Graydon Hall" userId="6ad8ef6fe9c5877e" providerId="LiveId" clId="{743B0715-C183-42DE-B6E5-38E47A36CCC5}" dt="2021-09-29T20:44:22.632" v="680" actId="1037"/>
+          <ac:spMkLst>
+            <pc:docMk/>
+            <pc:sldMk cId="1926971169" sldId="266"/>
+            <ac:spMk id="18" creationId="{827B7BA2-81B6-42CB-8875-9F2B5C5394A7}"/>
+          </ac:spMkLst>
+        </pc:spChg>
+        <pc:spChg chg="add mod">
+          <ac:chgData name="Graydon Hall" userId="6ad8ef6fe9c5877e" providerId="LiveId" clId="{743B0715-C183-42DE-B6E5-38E47A36CCC5}" dt="2021-09-29T20:44:22.632" v="680" actId="1037"/>
+          <ac:spMkLst>
+            <pc:docMk/>
+            <pc:sldMk cId="1926971169" sldId="266"/>
+            <ac:spMk id="19" creationId="{46F5181C-BDBC-4AB8-83A7-972C3E6E24F4}"/>
+          </ac:spMkLst>
+        </pc:spChg>
+        <pc:spChg chg="add del">
+          <ac:chgData name="Graydon Hall" userId="6ad8ef6fe9c5877e" providerId="LiveId" clId="{743B0715-C183-42DE-B6E5-38E47A36CCC5}" dt="2021-09-29T20:34:11.209" v="529" actId="478"/>
+          <ac:spMkLst>
+            <pc:docMk/>
+            <pc:sldMk cId="1926971169" sldId="266"/>
+            <ac:spMk id="20" creationId="{FFADF4CE-54C7-481F-AE31-BE49D855788E}"/>
+          </ac:spMkLst>
+        </pc:spChg>
+        <pc:spChg chg="add del mod">
+          <ac:chgData name="Graydon Hall" userId="6ad8ef6fe9c5877e" providerId="LiveId" clId="{743B0715-C183-42DE-B6E5-38E47A36CCC5}" dt="2021-09-29T20:43:43.485" v="636" actId="478"/>
+          <ac:spMkLst>
+            <pc:docMk/>
+            <pc:sldMk cId="1926971169" sldId="266"/>
+            <ac:spMk id="21" creationId="{0449EE8F-E3D5-4E5E-92CD-4BAAB7C91D6F}"/>
+          </ac:spMkLst>
+        </pc:spChg>
+        <pc:spChg chg="mod">
+          <ac:chgData name="Graydon Hall" userId="6ad8ef6fe9c5877e" providerId="LiveId" clId="{743B0715-C183-42DE-B6E5-38E47A36CCC5}" dt="2021-09-29T20:44:22.632" v="680" actId="1037"/>
+          <ac:spMkLst>
+            <pc:docMk/>
+            <pc:sldMk cId="1926971169" sldId="266"/>
+            <ac:spMk id="24" creationId="{FD8706BD-108D-4ECE-80FA-00ED04CF3D8A}"/>
+          </ac:spMkLst>
+        </pc:spChg>
+        <pc:spChg chg="mod">
+          <ac:chgData name="Graydon Hall" userId="6ad8ef6fe9c5877e" providerId="LiveId" clId="{743B0715-C183-42DE-B6E5-38E47A36CCC5}" dt="2021-09-29T20:44:22.632" v="680" actId="1037"/>
+          <ac:spMkLst>
+            <pc:docMk/>
+            <pc:sldMk cId="1926971169" sldId="266"/>
+            <ac:spMk id="25" creationId="{D874629E-BAB8-48EB-8538-631F7E8F7166}"/>
+          </ac:spMkLst>
+        </pc:spChg>
+        <pc:spChg chg="mod">
+          <ac:chgData name="Graydon Hall" userId="6ad8ef6fe9c5877e" providerId="LiveId" clId="{743B0715-C183-42DE-B6E5-38E47A36CCC5}" dt="2021-09-29T20:44:22.632" v="680" actId="1037"/>
+          <ac:spMkLst>
+            <pc:docMk/>
+            <pc:sldMk cId="1926971169" sldId="266"/>
+            <ac:spMk id="26" creationId="{D60DACE1-0AE0-4851-B2F0-AFC7BC736D99}"/>
+          </ac:spMkLst>
+        </pc:spChg>
+        <pc:spChg chg="add mod">
+          <ac:chgData name="Graydon Hall" userId="6ad8ef6fe9c5877e" providerId="LiveId" clId="{743B0715-C183-42DE-B6E5-38E47A36CCC5}" dt="2021-09-29T20:44:50.259" v="682"/>
+          <ac:spMkLst>
+            <pc:docMk/>
+            <pc:sldMk cId="1926971169" sldId="266"/>
+            <ac:spMk id="29" creationId="{38FB2998-D17F-4C72-9B49-F8CF82A51658}"/>
+          </ac:spMkLst>
+        </pc:spChg>
+        <pc:spChg chg="mod">
+          <ac:chgData name="Graydon Hall" userId="6ad8ef6fe9c5877e" providerId="LiveId" clId="{743B0715-C183-42DE-B6E5-38E47A36CCC5}" dt="2021-09-29T20:44:22.632" v="680" actId="1037"/>
+          <ac:spMkLst>
+            <pc:docMk/>
+            <pc:sldMk cId="1926971169" sldId="266"/>
+            <ac:spMk id="30" creationId="{EF742BB3-B8CD-4214-A16D-995CA4C3A04F}"/>
+          </ac:spMkLst>
+        </pc:spChg>
+        <pc:spChg chg="mod">
+          <ac:chgData name="Graydon Hall" userId="6ad8ef6fe9c5877e" providerId="LiveId" clId="{743B0715-C183-42DE-B6E5-38E47A36CCC5}" dt="2021-09-29T20:44:22.632" v="680" actId="1037"/>
+          <ac:spMkLst>
+            <pc:docMk/>
+            <pc:sldMk cId="1926971169" sldId="266"/>
+            <ac:spMk id="31" creationId="{195FFD83-D7D9-4459-9CF3-A18D5A7A4E5B}"/>
+          </ac:spMkLst>
+        </pc:spChg>
+        <pc:spChg chg="mod">
+          <ac:chgData name="Graydon Hall" userId="6ad8ef6fe9c5877e" providerId="LiveId" clId="{743B0715-C183-42DE-B6E5-38E47A36CCC5}" dt="2021-09-29T20:44:22.632" v="680" actId="1037"/>
+          <ac:spMkLst>
+            <pc:docMk/>
+            <pc:sldMk cId="1926971169" sldId="266"/>
+            <ac:spMk id="32" creationId="{0F9B6971-E396-466B-968F-2B6C71A84C66}"/>
+          </ac:spMkLst>
+        </pc:spChg>
+        <pc:spChg chg="mod">
+          <ac:chgData name="Graydon Hall" userId="6ad8ef6fe9c5877e" providerId="LiveId" clId="{743B0715-C183-42DE-B6E5-38E47A36CCC5}" dt="2021-09-29T20:44:22.632" v="680" actId="1037"/>
+          <ac:spMkLst>
+            <pc:docMk/>
+            <pc:sldMk cId="1926971169" sldId="266"/>
+            <ac:spMk id="33" creationId="{93034171-ED6B-48B6-89E7-6D43497F0D62}"/>
+          </ac:spMkLst>
+        </pc:spChg>
+        <pc:spChg chg="add mod">
+          <ac:chgData name="Graydon Hall" userId="6ad8ef6fe9c5877e" providerId="LiveId" clId="{743B0715-C183-42DE-B6E5-38E47A36CCC5}" dt="2021-09-29T20:45:10.871" v="684"/>
+          <ac:spMkLst>
+            <pc:docMk/>
+            <pc:sldMk cId="1926971169" sldId="266"/>
+            <ac:spMk id="34" creationId="{5B4DDA67-D56E-4B37-A84F-BEF454B9EAA2}"/>
+          </ac:spMkLst>
+        </pc:spChg>
+        <pc:spChg chg="del">
+          <ac:chgData name="Graydon Hall" userId="6ad8ef6fe9c5877e" providerId="LiveId" clId="{743B0715-C183-42DE-B6E5-38E47A36CCC5}" dt="2021-09-29T20:26:26.441" v="458" actId="478"/>
+          <ac:spMkLst>
+            <pc:docMk/>
+            <pc:sldMk cId="1926971169" sldId="266"/>
+            <ac:spMk id="35" creationId="{6789E424-B6B9-4097-AC0D-75D7E2D04051}"/>
+          </ac:spMkLst>
+        </pc:spChg>
+        <pc:spChg chg="del">
+          <ac:chgData name="Graydon Hall" userId="6ad8ef6fe9c5877e" providerId="LiveId" clId="{743B0715-C183-42DE-B6E5-38E47A36CCC5}" dt="2021-09-29T20:26:22.250" v="453" actId="478"/>
+          <ac:spMkLst>
+            <pc:docMk/>
+            <pc:sldMk cId="1926971169" sldId="266"/>
+            <ac:spMk id="36" creationId="{353EC245-78FD-4B1A-8B4C-18445610632B}"/>
+          </ac:spMkLst>
+        </pc:spChg>
+        <pc:spChg chg="del">
+          <ac:chgData name="Graydon Hall" userId="6ad8ef6fe9c5877e" providerId="LiveId" clId="{743B0715-C183-42DE-B6E5-38E47A36CCC5}" dt="2021-09-29T20:26:23.961" v="455" actId="478"/>
+          <ac:spMkLst>
+            <pc:docMk/>
+            <pc:sldMk cId="1926971169" sldId="266"/>
+            <ac:spMk id="37" creationId="{73157DFB-413B-47C5-8D98-374C7DF4B497}"/>
+          </ac:spMkLst>
+        </pc:spChg>
+        <pc:spChg chg="del mod">
+          <ac:chgData name="Graydon Hall" userId="6ad8ef6fe9c5877e" providerId="LiveId" clId="{743B0715-C183-42DE-B6E5-38E47A36CCC5}" dt="2021-09-29T20:26:25.338" v="457" actId="478"/>
+          <ac:spMkLst>
+            <pc:docMk/>
+            <pc:sldMk cId="1926971169" sldId="266"/>
+            <ac:spMk id="38" creationId="{C5858F6A-2A1F-425D-9D84-23EF51AF084C}"/>
+          </ac:spMkLst>
+        </pc:spChg>
+        <pc:spChg chg="del">
+          <ac:chgData name="Graydon Hall" userId="6ad8ef6fe9c5877e" providerId="LiveId" clId="{743B0715-C183-42DE-B6E5-38E47A36CCC5}" dt="2021-09-29T20:26:20.914" v="452" actId="478"/>
+          <ac:spMkLst>
+            <pc:docMk/>
+            <pc:sldMk cId="1926971169" sldId="266"/>
+            <ac:spMk id="39" creationId="{3BD4D860-3120-4518-B16A-0D50B93E3FC9}"/>
+          </ac:spMkLst>
+        </pc:spChg>
+        <pc:spChg chg="del">
+          <ac:chgData name="Graydon Hall" userId="6ad8ef6fe9c5877e" providerId="LiveId" clId="{743B0715-C183-42DE-B6E5-38E47A36CCC5}" dt="2021-09-29T20:26:23.010" v="454" actId="478"/>
+          <ac:spMkLst>
+            <pc:docMk/>
+            <pc:sldMk cId="1926971169" sldId="266"/>
+            <ac:spMk id="40" creationId="{FEBC4595-2A2E-4D17-8399-378CD0498AAD}"/>
+          </ac:spMkLst>
+        </pc:spChg>
+        <pc:spChg chg="del">
+          <ac:chgData name="Graydon Hall" userId="6ad8ef6fe9c5877e" providerId="LiveId" clId="{743B0715-C183-42DE-B6E5-38E47A36CCC5}" dt="2021-09-29T20:26:30.970" v="460" actId="478"/>
+          <ac:spMkLst>
+            <pc:docMk/>
+            <pc:sldMk cId="1926971169" sldId="266"/>
+            <ac:spMk id="41" creationId="{298F900F-D4C7-438E-9E2C-759376E48C60}"/>
+          </ac:spMkLst>
+        </pc:spChg>
+        <pc:spChg chg="del">
+          <ac:chgData name="Graydon Hall" userId="6ad8ef6fe9c5877e" providerId="LiveId" clId="{743B0715-C183-42DE-B6E5-38E47A36CCC5}" dt="2021-09-29T20:26:09.713" v="445" actId="478"/>
+          <ac:spMkLst>
+            <pc:docMk/>
+            <pc:sldMk cId="1926971169" sldId="266"/>
+            <ac:spMk id="42" creationId="{E9144911-3DBE-471D-A0D7-BF3937DD3AE4}"/>
+          </ac:spMkLst>
+        </pc:spChg>
+        <pc:spChg chg="del">
+          <ac:chgData name="Graydon Hall" userId="6ad8ef6fe9c5877e" providerId="LiveId" clId="{743B0715-C183-42DE-B6E5-38E47A36CCC5}" dt="2021-09-29T20:26:06.626" v="444" actId="478"/>
+          <ac:spMkLst>
+            <pc:docMk/>
+            <pc:sldMk cId="1926971169" sldId="266"/>
+            <ac:spMk id="43" creationId="{E4C0EE3B-A371-45FF-B428-3DF70DE736DC}"/>
+          </ac:spMkLst>
+        </pc:spChg>
+        <pc:spChg chg="mod">
+          <ac:chgData name="Graydon Hall" userId="6ad8ef6fe9c5877e" providerId="LiveId" clId="{743B0715-C183-42DE-B6E5-38E47A36CCC5}" dt="2021-09-29T20:44:22.632" v="680" actId="1037"/>
+          <ac:spMkLst>
+            <pc:docMk/>
+            <pc:sldMk cId="1926971169" sldId="266"/>
+            <ac:spMk id="44" creationId="{FBBEB1BD-78EA-425E-9160-0B4F52E9B7F8}"/>
+          </ac:spMkLst>
+        </pc:spChg>
+        <pc:spChg chg="add mod">
+          <ac:chgData name="Graydon Hall" userId="6ad8ef6fe9c5877e" providerId="LiveId" clId="{743B0715-C183-42DE-B6E5-38E47A36CCC5}" dt="2021-09-29T20:44:22.632" v="680" actId="1037"/>
+          <ac:spMkLst>
+            <pc:docMk/>
+            <pc:sldMk cId="1926971169" sldId="266"/>
+            <ac:spMk id="45" creationId="{4C45101B-86CB-4372-B945-F57608A2AA11}"/>
+          </ac:spMkLst>
+        </pc:spChg>
+        <pc:spChg chg="add mod">
+          <ac:chgData name="Graydon Hall" userId="6ad8ef6fe9c5877e" providerId="LiveId" clId="{743B0715-C183-42DE-B6E5-38E47A36CCC5}" dt="2021-09-29T20:43:52.280" v="637" actId="164"/>
+          <ac:spMkLst>
+            <pc:docMk/>
+            <pc:sldMk cId="1926971169" sldId="266"/>
+            <ac:spMk id="46" creationId="{05C9C61F-B640-4679-BE12-3DFCDF58112B}"/>
+          </ac:spMkLst>
+        </pc:spChg>
+        <pc:spChg chg="add mod">
+          <ac:chgData name="Graydon Hall" userId="6ad8ef6fe9c5877e" providerId="LiveId" clId="{743B0715-C183-42DE-B6E5-38E47A36CCC5}" dt="2021-09-29T20:43:52.280" v="637" actId="164"/>
+          <ac:spMkLst>
+            <pc:docMk/>
+            <pc:sldMk cId="1926971169" sldId="266"/>
+            <ac:spMk id="47" creationId="{8115181F-D416-4F87-8CDB-F72C7031F5D7}"/>
+          </ac:spMkLst>
+        </pc:spChg>
+        <pc:spChg chg="add mod">
+          <ac:chgData name="Graydon Hall" userId="6ad8ef6fe9c5877e" providerId="LiveId" clId="{743B0715-C183-42DE-B6E5-38E47A36CCC5}" dt="2021-09-29T20:43:52.280" v="637" actId="164"/>
+          <ac:spMkLst>
+            <pc:docMk/>
+            <pc:sldMk cId="1926971169" sldId="266"/>
+            <ac:spMk id="48" creationId="{A0ED181C-DE1C-426B-BCEC-FE0D0DEC008B}"/>
+          </ac:spMkLst>
+        </pc:spChg>
+        <pc:spChg chg="add mod">
+          <ac:chgData name="Graydon Hall" userId="6ad8ef6fe9c5877e" providerId="LiveId" clId="{743B0715-C183-42DE-B6E5-38E47A36CCC5}" dt="2021-09-29T20:43:52.280" v="637" actId="164"/>
+          <ac:spMkLst>
+            <pc:docMk/>
+            <pc:sldMk cId="1926971169" sldId="266"/>
+            <ac:spMk id="49" creationId="{755C86C8-F3E9-4833-92A9-475500C325BF}"/>
+          </ac:spMkLst>
+        </pc:spChg>
+        <pc:spChg chg="add mod">
+          <ac:chgData name="Graydon Hall" userId="6ad8ef6fe9c5877e" providerId="LiveId" clId="{743B0715-C183-42DE-B6E5-38E47A36CCC5}" dt="2021-09-29T20:43:58.960" v="638" actId="164"/>
+          <ac:spMkLst>
+            <pc:docMk/>
+            <pc:sldMk cId="1926971169" sldId="266"/>
+            <ac:spMk id="50" creationId="{BBBE8330-51ED-4050-AACA-8D1EC6E50002}"/>
+          </ac:spMkLst>
+        </pc:spChg>
+        <pc:spChg chg="add mod">
+          <ac:chgData name="Graydon Hall" userId="6ad8ef6fe9c5877e" providerId="LiveId" clId="{743B0715-C183-42DE-B6E5-38E47A36CCC5}" dt="2021-09-29T20:43:58.960" v="638" actId="164"/>
+          <ac:spMkLst>
+            <pc:docMk/>
+            <pc:sldMk cId="1926971169" sldId="266"/>
+            <ac:spMk id="51" creationId="{7B32BDA2-1B42-4640-8999-5D5B485C1015}"/>
+          </ac:spMkLst>
+        </pc:spChg>
+        <pc:spChg chg="add mod">
+          <ac:chgData name="Graydon Hall" userId="6ad8ef6fe9c5877e" providerId="LiveId" clId="{743B0715-C183-42DE-B6E5-38E47A36CCC5}" dt="2021-09-29T20:43:58.960" v="638" actId="164"/>
+          <ac:spMkLst>
+            <pc:docMk/>
+            <pc:sldMk cId="1926971169" sldId="266"/>
+            <ac:spMk id="52" creationId="{4E427078-5565-496F-A1CA-0938297574EF}"/>
+          </ac:spMkLst>
+        </pc:spChg>
+        <pc:spChg chg="del">
+          <ac:chgData name="Graydon Hall" userId="6ad8ef6fe9c5877e" providerId="LiveId" clId="{743B0715-C183-42DE-B6E5-38E47A36CCC5}" dt="2021-09-29T20:37:10.337" v="570" actId="478"/>
+          <ac:spMkLst>
+            <pc:docMk/>
+            <pc:sldMk cId="1926971169" sldId="266"/>
+            <ac:spMk id="53" creationId="{D9F81400-6F37-4C1B-B698-24194E6DF251}"/>
+          </ac:spMkLst>
+        </pc:spChg>
+        <pc:spChg chg="del">
+          <ac:chgData name="Graydon Hall" userId="6ad8ef6fe9c5877e" providerId="LiveId" clId="{743B0715-C183-42DE-B6E5-38E47A36CCC5}" dt="2021-09-29T20:37:14.191" v="573" actId="478"/>
+          <ac:spMkLst>
+            <pc:docMk/>
+            <pc:sldMk cId="1926971169" sldId="266"/>
+            <ac:spMk id="54" creationId="{F9950071-B991-41D7-AEB4-7A57109E6914}"/>
+          </ac:spMkLst>
+        </pc:spChg>
+        <pc:spChg chg="del">
+          <ac:chgData name="Graydon Hall" userId="6ad8ef6fe9c5877e" providerId="LiveId" clId="{743B0715-C183-42DE-B6E5-38E47A36CCC5}" dt="2021-09-29T20:37:14.911" v="574" actId="478"/>
+          <ac:spMkLst>
+            <pc:docMk/>
+            <pc:sldMk cId="1926971169" sldId="266"/>
+            <ac:spMk id="55" creationId="{2E559632-59E2-494B-852C-4646E7C21BB3}"/>
+          </ac:spMkLst>
+        </pc:spChg>
+        <pc:spChg chg="del mod">
+          <ac:chgData name="Graydon Hall" userId="6ad8ef6fe9c5877e" providerId="LiveId" clId="{743B0715-C183-42DE-B6E5-38E47A36CCC5}" dt="2021-09-29T20:37:16.791" v="576" actId="478"/>
+          <ac:spMkLst>
+            <pc:docMk/>
+            <pc:sldMk cId="1926971169" sldId="266"/>
+            <ac:spMk id="56" creationId="{DE7D82FA-FDBA-45E9-A76D-2AA69F944433}"/>
+          </ac:spMkLst>
+        </pc:spChg>
+        <pc:spChg chg="del">
+          <ac:chgData name="Graydon Hall" userId="6ad8ef6fe9c5877e" providerId="LiveId" clId="{743B0715-C183-42DE-B6E5-38E47A36CCC5}" dt="2021-09-29T20:37:13.584" v="572" actId="478"/>
+          <ac:spMkLst>
+            <pc:docMk/>
+            <pc:sldMk cId="1926971169" sldId="266"/>
+            <ac:spMk id="57" creationId="{38D72753-A65A-4383-BBBB-F5970C0947F3}"/>
+          </ac:spMkLst>
+        </pc:spChg>
+        <pc:spChg chg="del">
+          <ac:chgData name="Graydon Hall" userId="6ad8ef6fe9c5877e" providerId="LiveId" clId="{743B0715-C183-42DE-B6E5-38E47A36CCC5}" dt="2021-09-29T20:37:11.695" v="571" actId="478"/>
+          <ac:spMkLst>
+            <pc:docMk/>
+            <pc:sldMk cId="1926971169" sldId="266"/>
+            <ac:spMk id="58" creationId="{79D77692-74EE-43F5-BE3C-FA9C83850A5E}"/>
+          </ac:spMkLst>
+        </pc:spChg>
+        <pc:spChg chg="add mod">
+          <ac:chgData name="Graydon Hall" userId="6ad8ef6fe9c5877e" providerId="LiveId" clId="{743B0715-C183-42DE-B6E5-38E47A36CCC5}" dt="2021-09-29T20:43:58.960" v="638" actId="164"/>
+          <ac:spMkLst>
+            <pc:docMk/>
+            <pc:sldMk cId="1926971169" sldId="266"/>
+            <ac:spMk id="59" creationId="{6F2A98B4-56A3-4374-8EF8-0B6D1FCB1B8F}"/>
+          </ac:spMkLst>
+        </pc:spChg>
+        <pc:spChg chg="add mod">
+          <ac:chgData name="Graydon Hall" userId="6ad8ef6fe9c5877e" providerId="LiveId" clId="{743B0715-C183-42DE-B6E5-38E47A36CCC5}" dt="2021-09-29T20:43:58.960" v="638" actId="164"/>
+          <ac:spMkLst>
+            <pc:docMk/>
+            <pc:sldMk cId="1926971169" sldId="266"/>
+            <ac:spMk id="60" creationId="{99AEE20E-0EB9-4748-8620-B897086F8DCF}"/>
+          </ac:spMkLst>
+        </pc:spChg>
+        <pc:spChg chg="add mod">
+          <ac:chgData name="Graydon Hall" userId="6ad8ef6fe9c5877e" providerId="LiveId" clId="{743B0715-C183-42DE-B6E5-38E47A36CCC5}" dt="2021-09-29T20:43:52.280" v="637" actId="164"/>
+          <ac:spMkLst>
+            <pc:docMk/>
+            <pc:sldMk cId="1926971169" sldId="266"/>
+            <ac:spMk id="61" creationId="{42FCE60A-0C47-44FD-B094-B4ABECD30FAD}"/>
+          </ac:spMkLst>
+        </pc:spChg>
+        <pc:spChg chg="add mod">
+          <ac:chgData name="Graydon Hall" userId="6ad8ef6fe9c5877e" providerId="LiveId" clId="{743B0715-C183-42DE-B6E5-38E47A36CCC5}" dt="2021-09-29T20:44:22.632" v="680" actId="1037"/>
+          <ac:spMkLst>
+            <pc:docMk/>
+            <pc:sldMk cId="1926971169" sldId="266"/>
+            <ac:spMk id="62" creationId="{08F4FC4F-C543-4D94-9FDC-6413490F35C0}"/>
+          </ac:spMkLst>
+        </pc:spChg>
+        <pc:spChg chg="add mod">
+          <ac:chgData name="Graydon Hall" userId="6ad8ef6fe9c5877e" providerId="LiveId" clId="{743B0715-C183-42DE-B6E5-38E47A36CCC5}" dt="2021-09-29T20:50:10.807" v="726" actId="14100"/>
+          <ac:spMkLst>
+            <pc:docMk/>
+            <pc:sldMk cId="1926971169" sldId="266"/>
+            <ac:spMk id="64" creationId="{E3D9BFA3-15AC-470E-B521-DA6A705C6EE6}"/>
+          </ac:spMkLst>
+        </pc:spChg>
+        <pc:spChg chg="add mod">
+          <ac:chgData name="Graydon Hall" userId="6ad8ef6fe9c5877e" providerId="LiveId" clId="{743B0715-C183-42DE-B6E5-38E47A36CCC5}" dt="2021-09-29T20:44:22.632" v="680" actId="1037"/>
+          <ac:spMkLst>
+            <pc:docMk/>
+            <pc:sldMk cId="1926971169" sldId="266"/>
+            <ac:spMk id="65" creationId="{C3C116B7-ECF0-40C4-AB07-13E60A9F076A}"/>
+          </ac:spMkLst>
+        </pc:spChg>
+        <pc:grpChg chg="add mod">
+          <ac:chgData name="Graydon Hall" userId="6ad8ef6fe9c5877e" providerId="LiveId" clId="{743B0715-C183-42DE-B6E5-38E47A36CCC5}" dt="2021-09-29T20:44:22.632" v="680" actId="1037"/>
+          <ac:grpSpMkLst>
+            <pc:docMk/>
+            <pc:sldMk cId="1926971169" sldId="266"/>
+            <ac:grpSpMk id="27" creationId="{11D2D4C4-A335-4340-B4E2-DFEB0CC5DFA3}"/>
+          </ac:grpSpMkLst>
+        </pc:grpChg>
+        <pc:grpChg chg="add mod">
+          <ac:chgData name="Graydon Hall" userId="6ad8ef6fe9c5877e" providerId="LiveId" clId="{743B0715-C183-42DE-B6E5-38E47A36CCC5}" dt="2021-09-29T20:44:22.632" v="680" actId="1037"/>
+          <ac:grpSpMkLst>
+            <pc:docMk/>
+            <pc:sldMk cId="1926971169" sldId="266"/>
+            <ac:grpSpMk id="28" creationId="{F55E8291-14D0-4A93-8D05-79A67F8C9FA2}"/>
+          </ac:grpSpMkLst>
+        </pc:grpChg>
+        <pc:cxnChg chg="add mod">
+          <ac:chgData name="Graydon Hall" userId="6ad8ef6fe9c5877e" providerId="LiveId" clId="{743B0715-C183-42DE-B6E5-38E47A36CCC5}" dt="2021-09-29T20:44:22.632" v="680" actId="1037"/>
+          <ac:cxnSpMkLst>
+            <pc:docMk/>
+            <pc:sldMk cId="1926971169" sldId="266"/>
+            <ac:cxnSpMk id="23" creationId="{BD2AF247-FA6A-47D0-BFFE-57376CE4A841}"/>
+          </ac:cxnSpMkLst>
+        </pc:cxnChg>
+        <pc:cxnChg chg="add mod">
+          <ac:chgData name="Graydon Hall" userId="6ad8ef6fe9c5877e" providerId="LiveId" clId="{743B0715-C183-42DE-B6E5-38E47A36CCC5}" dt="2021-09-29T20:44:22.632" v="680" actId="1037"/>
+          <ac:cxnSpMkLst>
+            <pc:docMk/>
+            <pc:sldMk cId="1926971169" sldId="266"/>
+            <ac:cxnSpMk id="63" creationId="{C5E59C9E-F31F-45D6-ADE4-E022B9951E87}"/>
+          </ac:cxnSpMkLst>
+        </pc:cxnChg>
+      </pc:sldChg>
+      <pc:sldChg chg="addSp delSp modSp add mod">
+        <pc:chgData name="Graydon Hall" userId="6ad8ef6fe9c5877e" providerId="LiveId" clId="{743B0715-C183-42DE-B6E5-38E47A36CCC5}" dt="2021-09-30T19:01:02.145" v="3791" actId="1076"/>
+        <pc:sldMkLst>
+          <pc:docMk/>
+          <pc:sldMk cId="665027416" sldId="267"/>
+        </pc:sldMkLst>
+        <pc:spChg chg="add mod">
+          <ac:chgData name="Graydon Hall" userId="6ad8ef6fe9c5877e" providerId="LiveId" clId="{743B0715-C183-42DE-B6E5-38E47A36CCC5}" dt="2021-09-30T15:24:08.573" v="1028" actId="20577"/>
+          <ac:spMkLst>
+            <pc:docMk/>
+            <pc:sldMk cId="665027416" sldId="267"/>
+            <ac:spMk id="3" creationId="{41A71E7B-0281-4DFF-8DCB-9EB68AB3A83C}"/>
+          </ac:spMkLst>
+        </pc:spChg>
+        <pc:spChg chg="add del mod">
+          <ac:chgData name="Graydon Hall" userId="6ad8ef6fe9c5877e" providerId="LiveId" clId="{743B0715-C183-42DE-B6E5-38E47A36CCC5}" dt="2021-09-29T21:03:52.374" v="755" actId="478"/>
+          <ac:spMkLst>
+            <pc:docMk/>
+            <pc:sldMk cId="665027416" sldId="267"/>
+            <ac:spMk id="3" creationId="{EEE26ACF-4149-4229-A2B8-A26EBC031B00}"/>
+          </ac:spMkLst>
+        </pc:spChg>
+        <pc:spChg chg="mod">
+          <ac:chgData name="Graydon Hall" userId="6ad8ef6fe9c5877e" providerId="LiveId" clId="{743B0715-C183-42DE-B6E5-38E47A36CCC5}" dt="2021-09-29T21:20:05.013" v="861" actId="14100"/>
+          <ac:spMkLst>
+            <pc:docMk/>
+            <pc:sldMk cId="665027416" sldId="267"/>
+            <ac:spMk id="4" creationId="{69D13A37-6B82-4C78-812F-D9D461CDC672}"/>
+          </ac:spMkLst>
+        </pc:spChg>
+        <pc:spChg chg="mod">
+          <ac:chgData name="Graydon Hall" userId="6ad8ef6fe9c5877e" providerId="LiveId" clId="{743B0715-C183-42DE-B6E5-38E47A36CCC5}" dt="2021-09-29T21:09:34.002" v="765" actId="1076"/>
+          <ac:spMkLst>
+            <pc:docMk/>
+            <pc:sldMk cId="665027416" sldId="267"/>
+            <ac:spMk id="5" creationId="{03DF7978-60AD-4CDE-AE09-356BACC0D746}"/>
+          </ac:spMkLst>
+        </pc:spChg>
+        <pc:spChg chg="add mod">
+          <ac:chgData name="Graydon Hall" userId="6ad8ef6fe9c5877e" providerId="LiveId" clId="{743B0715-C183-42DE-B6E5-38E47A36CCC5}" dt="2021-09-30T19:00:51.358" v="3788" actId="208"/>
+          <ac:spMkLst>
+            <pc:docMk/>
+            <pc:sldMk cId="665027416" sldId="267"/>
+            <ac:spMk id="10" creationId="{6A13B73C-A4D9-4388-A369-3FD4A51C9DC6}"/>
+          </ac:spMkLst>
+        </pc:spChg>
+        <pc:spChg chg="add del mod">
+          <ac:chgData name="Graydon Hall" userId="6ad8ef6fe9c5877e" providerId="LiveId" clId="{743B0715-C183-42DE-B6E5-38E47A36CCC5}" dt="2021-09-29T21:11:55.806" v="777" actId="478"/>
+          <ac:spMkLst>
+            <pc:docMk/>
+            <pc:sldMk cId="665027416" sldId="267"/>
+            <ac:spMk id="10" creationId="{C7323650-FC6D-4288-9B3C-A0D021E9A22B}"/>
+          </ac:spMkLst>
+        </pc:spChg>
+        <pc:spChg chg="mod">
+          <ac:chgData name="Graydon Hall" userId="6ad8ef6fe9c5877e" providerId="LiveId" clId="{743B0715-C183-42DE-B6E5-38E47A36CCC5}" dt="2021-09-30T18:52:30.362" v="3699" actId="20577"/>
+          <ac:spMkLst>
+            <pc:docMk/>
+            <pc:sldMk cId="665027416" sldId="267"/>
+            <ac:spMk id="11" creationId="{ABE71181-B149-4EE3-8C57-DA344694D6C2}"/>
+          </ac:spMkLst>
+        </pc:spChg>
+        <pc:spChg chg="add del mod">
+          <ac:chgData name="Graydon Hall" userId="6ad8ef6fe9c5877e" providerId="LiveId" clId="{743B0715-C183-42DE-B6E5-38E47A36CCC5}" dt="2021-09-29T21:09:42.203" v="767" actId="478"/>
+          <ac:spMkLst>
+            <pc:docMk/>
+            <pc:sldMk cId="665027416" sldId="267"/>
+            <ac:spMk id="12" creationId="{E0063739-BA67-4EBC-85B3-BD7315FE2425}"/>
+          </ac:spMkLst>
+        </pc:spChg>
+        <pc:spChg chg="mod">
+          <ac:chgData name="Graydon Hall" userId="6ad8ef6fe9c5877e" providerId="LiveId" clId="{743B0715-C183-42DE-B6E5-38E47A36CCC5}" dt="2021-09-29T21:02:47.553" v="746" actId="164"/>
+          <ac:spMkLst>
+            <pc:docMk/>
+            <pc:sldMk cId="665027416" sldId="267"/>
+            <ac:spMk id="13" creationId="{1485229A-BE5D-445C-A29D-2095B03DF662}"/>
+          </ac:spMkLst>
+        </pc:spChg>
+        <pc:spChg chg="mod">
+          <ac:chgData name="Graydon Hall" userId="6ad8ef6fe9c5877e" providerId="LiveId" clId="{743B0715-C183-42DE-B6E5-38E47A36CCC5}" dt="2021-09-29T21:02:47.553" v="746" actId="164"/>
+          <ac:spMkLst>
+            <pc:docMk/>
+            <pc:sldMk cId="665027416" sldId="267"/>
+            <ac:spMk id="14" creationId="{8E3A9A45-B3AF-48DC-B12C-05C16FE7B083}"/>
+          </ac:spMkLst>
+        </pc:spChg>
+        <pc:spChg chg="del mod">
+          <ac:chgData name="Graydon Hall" userId="6ad8ef6fe9c5877e" providerId="LiveId" clId="{743B0715-C183-42DE-B6E5-38E47A36CCC5}" dt="2021-09-29T21:03:07.788" v="751" actId="478"/>
+          <ac:spMkLst>
+            <pc:docMk/>
+            <pc:sldMk cId="665027416" sldId="267"/>
+            <ac:spMk id="19" creationId="{46F5181C-BDBC-4AB8-83A7-972C3E6E24F4}"/>
+          </ac:spMkLst>
+        </pc:spChg>
+        <pc:spChg chg="add mod">
+          <ac:chgData name="Graydon Hall" userId="6ad8ef6fe9c5877e" providerId="LiveId" clId="{743B0715-C183-42DE-B6E5-38E47A36CCC5}" dt="2021-09-29T21:10:05.764" v="770"/>
+          <ac:spMkLst>
+            <pc:docMk/>
+            <pc:sldMk cId="665027416" sldId="267"/>
+            <ac:spMk id="20" creationId="{547FE1C0-78F6-4E38-B7FA-BB0544F84C4A}"/>
+          </ac:spMkLst>
+        </pc:spChg>
+        <pc:spChg chg="add mod">
+          <ac:chgData name="Graydon Hall" userId="6ad8ef6fe9c5877e" providerId="LiveId" clId="{743B0715-C183-42DE-B6E5-38E47A36CCC5}" dt="2021-09-29T21:10:56.430" v="776"/>
+          <ac:spMkLst>
+            <pc:docMk/>
+            <pc:sldMk cId="665027416" sldId="267"/>
+            <ac:spMk id="21" creationId="{12A2866F-70E5-49E4-BFF8-F99E0F0959F9}"/>
+          </ac:spMkLst>
+        </pc:spChg>
+        <pc:spChg chg="add del">
+          <ac:chgData name="Graydon Hall" userId="6ad8ef6fe9c5877e" providerId="LiveId" clId="{743B0715-C183-42DE-B6E5-38E47A36CCC5}" dt="2021-09-29T21:12:14.016" v="779" actId="478"/>
+          <ac:spMkLst>
+            <pc:docMk/>
+            <pc:sldMk cId="665027416" sldId="267"/>
+            <ac:spMk id="22" creationId="{38B7A0C4-3A5F-4FC1-8205-205036E04C8C}"/>
+          </ac:spMkLst>
+        </pc:spChg>
+        <pc:spChg chg="mod">
+          <ac:chgData name="Graydon Hall" userId="6ad8ef6fe9c5877e" providerId="LiveId" clId="{743B0715-C183-42DE-B6E5-38E47A36CCC5}" dt="2021-09-29T21:01:38.898" v="742" actId="206"/>
+          <ac:spMkLst>
+            <pc:docMk/>
+            <pc:sldMk cId="665027416" sldId="267"/>
+            <ac:spMk id="29" creationId="{38FB2998-D17F-4C72-9B49-F8CF82A51658}"/>
+          </ac:spMkLst>
+        </pc:spChg>
+        <pc:spChg chg="mod">
+          <ac:chgData name="Graydon Hall" userId="6ad8ef6fe9c5877e" providerId="LiveId" clId="{743B0715-C183-42DE-B6E5-38E47A36CCC5}" dt="2021-09-29T21:02:47.553" v="746" actId="164"/>
+          <ac:spMkLst>
+            <pc:docMk/>
+            <pc:sldMk cId="665027416" sldId="267"/>
+            <ac:spMk id="30" creationId="{EF742BB3-B8CD-4214-A16D-995CA4C3A04F}"/>
+          </ac:spMkLst>
+        </pc:spChg>
+        <pc:spChg chg="mod">
+          <ac:chgData name="Graydon Hall" userId="6ad8ef6fe9c5877e" providerId="LiveId" clId="{743B0715-C183-42DE-B6E5-38E47A36CCC5}" dt="2021-09-29T21:02:47.553" v="746" actId="164"/>
+          <ac:spMkLst>
+            <pc:docMk/>
+            <pc:sldMk cId="665027416" sldId="267"/>
+            <ac:spMk id="31" creationId="{195FFD83-D7D9-4459-9CF3-A18D5A7A4E5B}"/>
+          </ac:spMkLst>
+        </pc:spChg>
+        <pc:spChg chg="mod">
+          <ac:chgData name="Graydon Hall" userId="6ad8ef6fe9c5877e" providerId="LiveId" clId="{743B0715-C183-42DE-B6E5-38E47A36CCC5}" dt="2021-09-29T21:02:47.553" v="746" actId="164"/>
+          <ac:spMkLst>
+            <pc:docMk/>
+            <pc:sldMk cId="665027416" sldId="267"/>
+            <ac:spMk id="32" creationId="{0F9B6971-E396-466B-968F-2B6C71A84C66}"/>
+          </ac:spMkLst>
+        </pc:spChg>
+        <pc:spChg chg="add mod">
+          <ac:chgData name="Graydon Hall" userId="6ad8ef6fe9c5877e" providerId="LiveId" clId="{743B0715-C183-42DE-B6E5-38E47A36CCC5}" dt="2021-09-29T21:12:25.652" v="781"/>
+          <ac:spMkLst>
+            <pc:docMk/>
+            <pc:sldMk cId="665027416" sldId="267"/>
+            <ac:spMk id="35" creationId="{522DF440-990C-4AC7-89A4-F956E42DC1E7}"/>
+          </ac:spMkLst>
+        </pc:spChg>
+        <pc:spChg chg="mod">
+          <ac:chgData name="Graydon Hall" userId="6ad8ef6fe9c5877e" providerId="LiveId" clId="{743B0715-C183-42DE-B6E5-38E47A36CCC5}" dt="2021-09-29T21:02:47.553" v="746" actId="164"/>
+          <ac:spMkLst>
+            <pc:docMk/>
+            <pc:sldMk cId="665027416" sldId="267"/>
+            <ac:spMk id="45" creationId="{4C45101B-86CB-4372-B945-F57608A2AA11}"/>
+          </ac:spMkLst>
+        </pc:spChg>
+        <pc:spChg chg="mod">
+          <ac:chgData name="Graydon Hall" userId="6ad8ef6fe9c5877e" providerId="LiveId" clId="{743B0715-C183-42DE-B6E5-38E47A36CCC5}" dt="2021-09-29T21:01:12.294" v="733" actId="20577"/>
+          <ac:spMkLst>
+            <pc:docMk/>
+            <pc:sldMk cId="665027416" sldId="267"/>
+            <ac:spMk id="54" creationId="{437AF63C-1FCF-4662-BE8B-02BEA81AD64D}"/>
+          </ac:spMkLst>
+        </pc:spChg>
+        <pc:spChg chg="mod">
+          <ac:chgData name="Graydon Hall" userId="6ad8ef6fe9c5877e" providerId="LiveId" clId="{743B0715-C183-42DE-B6E5-38E47A36CCC5}" dt="2021-09-29T21:01:15.741" v="735" actId="20577"/>
+          <ac:spMkLst>
+            <pc:docMk/>
+            <pc:sldMk cId="665027416" sldId="267"/>
+            <ac:spMk id="55" creationId="{548D98DB-3C17-4BCD-B341-41546ECD446A}"/>
+          </ac:spMkLst>
+        </pc:spChg>
+        <pc:spChg chg="mod">
+          <ac:chgData name="Graydon Hall" userId="6ad8ef6fe9c5877e" providerId="LiveId" clId="{743B0715-C183-42DE-B6E5-38E47A36CCC5}" dt="2021-09-29T21:01:18.117" v="737" actId="20577"/>
+          <ac:spMkLst>
+            <pc:docMk/>
+            <pc:sldMk cId="665027416" sldId="267"/>
+            <ac:spMk id="56" creationId="{244774B1-FA94-4568-9E5A-E32B99A9F176}"/>
+          </ac:spMkLst>
+        </pc:spChg>
+        <pc:spChg chg="mod">
+          <ac:chgData name="Graydon Hall" userId="6ad8ef6fe9c5877e" providerId="LiveId" clId="{743B0715-C183-42DE-B6E5-38E47A36CCC5}" dt="2021-09-29T21:01:21.229" v="739" actId="20577"/>
+          <ac:spMkLst>
+            <pc:docMk/>
+            <pc:sldMk cId="665027416" sldId="267"/>
+            <ac:spMk id="57" creationId="{49CFC0C2-98A4-4206-9DD6-12FB60112185}"/>
+          </ac:spMkLst>
+        </pc:spChg>
+        <pc:spChg chg="mod">
+          <ac:chgData name="Graydon Hall" userId="6ad8ef6fe9c5877e" providerId="LiveId" clId="{743B0715-C183-42DE-B6E5-38E47A36CCC5}" dt="2021-09-29T21:01:04.616" v="730"/>
+          <ac:spMkLst>
+            <pc:docMk/>
+            <pc:sldMk cId="665027416" sldId="267"/>
+            <ac:spMk id="58" creationId="{34D83752-1847-4E3E-8619-7C119FBEA7D2}"/>
+          </ac:spMkLst>
+        </pc:spChg>
+        <pc:spChg chg="mod">
+          <ac:chgData name="Graydon Hall" userId="6ad8ef6fe9c5877e" providerId="LiveId" clId="{743B0715-C183-42DE-B6E5-38E47A36CCC5}" dt="2021-09-29T21:01:57.238" v="744"/>
+          <ac:spMkLst>
+            <pc:docMk/>
+            <pc:sldMk cId="665027416" sldId="267"/>
+            <ac:spMk id="67" creationId="{146DA5DC-BB7C-4FE5-A5E6-B598EB02C61A}"/>
+          </ac:spMkLst>
+        </pc:spChg>
+        <pc:spChg chg="mod">
+          <ac:chgData name="Graydon Hall" userId="6ad8ef6fe9c5877e" providerId="LiveId" clId="{743B0715-C183-42DE-B6E5-38E47A36CCC5}" dt="2021-09-29T21:01:57.238" v="744"/>
+          <ac:spMkLst>
+            <pc:docMk/>
+            <pc:sldMk cId="665027416" sldId="267"/>
+            <ac:spMk id="68" creationId="{D21261D9-EECE-4315-88AE-AED2214A6199}"/>
+          </ac:spMkLst>
+        </pc:spChg>
+        <pc:spChg chg="mod">
+          <ac:chgData name="Graydon Hall" userId="6ad8ef6fe9c5877e" providerId="LiveId" clId="{743B0715-C183-42DE-B6E5-38E47A36CCC5}" dt="2021-09-29T21:01:57.238" v="744"/>
+          <ac:spMkLst>
+            <pc:docMk/>
+            <pc:sldMk cId="665027416" sldId="267"/>
+            <ac:spMk id="69" creationId="{61E58199-13D7-4F69-8B73-FE8AF35278DB}"/>
+          </ac:spMkLst>
+        </pc:spChg>
+        <pc:spChg chg="mod">
+          <ac:chgData name="Graydon Hall" userId="6ad8ef6fe9c5877e" providerId="LiveId" clId="{743B0715-C183-42DE-B6E5-38E47A36CCC5}" dt="2021-09-29T21:01:57.238" v="744"/>
+          <ac:spMkLst>
+            <pc:docMk/>
+            <pc:sldMk cId="665027416" sldId="267"/>
+            <ac:spMk id="70" creationId="{B30B8E36-7225-4EDF-8026-C80E0A116A84}"/>
+          </ac:spMkLst>
+        </pc:spChg>
+        <pc:spChg chg="mod">
+          <ac:chgData name="Graydon Hall" userId="6ad8ef6fe9c5877e" providerId="LiveId" clId="{743B0715-C183-42DE-B6E5-38E47A36CCC5}" dt="2021-09-29T21:01:57.238" v="744"/>
+          <ac:spMkLst>
+            <pc:docMk/>
+            <pc:sldMk cId="665027416" sldId="267"/>
+            <ac:spMk id="71" creationId="{CEB3A782-FA41-4E7A-B316-369117333619}"/>
+          </ac:spMkLst>
+        </pc:spChg>
+        <pc:spChg chg="mod">
+          <ac:chgData name="Graydon Hall" userId="6ad8ef6fe9c5877e" providerId="LiveId" clId="{743B0715-C183-42DE-B6E5-38E47A36CCC5}" dt="2021-09-29T21:02:48.065" v="747"/>
+          <ac:spMkLst>
+            <pc:docMk/>
+            <pc:sldMk cId="665027416" sldId="267"/>
+            <ac:spMk id="73" creationId="{82A861FD-FBD5-49C8-87B0-FE67334597E3}"/>
+          </ac:spMkLst>
+        </pc:spChg>
+        <pc:spChg chg="mod">
+          <ac:chgData name="Graydon Hall" userId="6ad8ef6fe9c5877e" providerId="LiveId" clId="{743B0715-C183-42DE-B6E5-38E47A36CCC5}" dt="2021-09-29T21:02:48.065" v="747"/>
+          <ac:spMkLst>
+            <pc:docMk/>
+            <pc:sldMk cId="665027416" sldId="267"/>
+            <ac:spMk id="74" creationId="{DDE27D17-A231-48E3-9D74-DCF951A18017}"/>
+          </ac:spMkLst>
+        </pc:spChg>
+        <pc:spChg chg="mod">
+          <ac:chgData name="Graydon Hall" userId="6ad8ef6fe9c5877e" providerId="LiveId" clId="{743B0715-C183-42DE-B6E5-38E47A36CCC5}" dt="2021-09-29T21:02:48.065" v="747"/>
+          <ac:spMkLst>
+            <pc:docMk/>
+            <pc:sldMk cId="665027416" sldId="267"/>
+            <ac:spMk id="75" creationId="{0FF2EA18-2B27-45D5-A3D3-2D2DAF96B16C}"/>
+          </ac:spMkLst>
+        </pc:spChg>
+        <pc:spChg chg="mod">
+          <ac:chgData name="Graydon Hall" userId="6ad8ef6fe9c5877e" providerId="LiveId" clId="{743B0715-C183-42DE-B6E5-38E47A36CCC5}" dt="2021-09-29T21:02:48.065" v="747"/>
+          <ac:spMkLst>
+            <pc:docMk/>
+            <pc:sldMk cId="665027416" sldId="267"/>
+            <ac:spMk id="76" creationId="{2657631D-C8A0-4D06-B345-B2FD0A455BC2}"/>
+          </ac:spMkLst>
+        </pc:spChg>
+        <pc:spChg chg="mod">
+          <ac:chgData name="Graydon Hall" userId="6ad8ef6fe9c5877e" providerId="LiveId" clId="{743B0715-C183-42DE-B6E5-38E47A36CCC5}" dt="2021-09-29T21:02:48.065" v="747"/>
+          <ac:spMkLst>
+            <pc:docMk/>
+            <pc:sldMk cId="665027416" sldId="267"/>
+            <ac:spMk id="77" creationId="{F11295AA-3C32-4477-97D3-5194ADFA246E}"/>
+          </ac:spMkLst>
+        </pc:spChg>
+        <pc:spChg chg="mod">
+          <ac:chgData name="Graydon Hall" userId="6ad8ef6fe9c5877e" providerId="LiveId" clId="{743B0715-C183-42DE-B6E5-38E47A36CCC5}" dt="2021-09-29T21:02:48.065" v="747"/>
+          <ac:spMkLst>
+            <pc:docMk/>
+            <pc:sldMk cId="665027416" sldId="267"/>
+            <ac:spMk id="78" creationId="{6A84FCC7-9519-4F2A-ABAE-F191991BC136}"/>
+          </ac:spMkLst>
+        </pc:spChg>
+        <pc:spChg chg="add mod">
+          <ac:chgData name="Graydon Hall" userId="6ad8ef6fe9c5877e" providerId="LiveId" clId="{743B0715-C183-42DE-B6E5-38E47A36CCC5}" dt="2021-09-29T21:10:28.875" v="772" actId="1076"/>
+          <ac:spMkLst>
+            <pc:docMk/>
+            <pc:sldMk cId="665027416" sldId="267"/>
+            <ac:spMk id="79" creationId="{48722A1F-ADB0-42CB-9689-559D76D3A782}"/>
+          </ac:spMkLst>
+        </pc:spChg>
+        <pc:spChg chg="add mod">
+          <ac:chgData name="Graydon Hall" userId="6ad8ef6fe9c5877e" providerId="LiveId" clId="{743B0715-C183-42DE-B6E5-38E47A36CCC5}" dt="2021-09-29T21:10:40.060" v="774" actId="1076"/>
+          <ac:spMkLst>
+            <pc:docMk/>
+            <pc:sldMk cId="665027416" sldId="267"/>
+            <ac:spMk id="80" creationId="{0D55B6D6-ED78-4EA2-91B8-1EC83D51C246}"/>
+          </ac:spMkLst>
+        </pc:spChg>
+        <pc:spChg chg="add mod">
+          <ac:chgData name="Graydon Hall" userId="6ad8ef6fe9c5877e" providerId="LiveId" clId="{743B0715-C183-42DE-B6E5-38E47A36CCC5}" dt="2021-09-29T21:12:51.786" v="846" actId="1036"/>
+          <ac:spMkLst>
+            <pc:docMk/>
+            <pc:sldMk cId="665027416" sldId="267"/>
+            <ac:spMk id="81" creationId="{E9D4274A-E3E9-4AC0-B99A-4CC0DD026E89}"/>
+          </ac:spMkLst>
+        </pc:spChg>
+        <pc:spChg chg="add mod">
+          <ac:chgData name="Graydon Hall" userId="6ad8ef6fe9c5877e" providerId="LiveId" clId="{743B0715-C183-42DE-B6E5-38E47A36CCC5}" dt="2021-09-30T19:01:02.145" v="3791" actId="1076"/>
+          <ac:spMkLst>
+            <pc:docMk/>
+            <pc:sldMk cId="665027416" sldId="267"/>
+            <ac:spMk id="82" creationId="{3393D78F-D17E-4D5A-87FE-A6C3308EC21C}"/>
+          </ac:spMkLst>
+        </pc:spChg>
+        <pc:grpChg chg="add mod">
+          <ac:chgData name="Graydon Hall" userId="6ad8ef6fe9c5877e" providerId="LiveId" clId="{743B0715-C183-42DE-B6E5-38E47A36CCC5}" dt="2021-09-29T21:02:47.553" v="746" actId="164"/>
+          <ac:grpSpMkLst>
+            <pc:docMk/>
+            <pc:sldMk cId="665027416" sldId="267"/>
+            <ac:grpSpMk id="2" creationId="{D91AFCC9-FC40-464C-BC3F-E2763F145D0C}"/>
+          </ac:grpSpMkLst>
+        </pc:grpChg>
+        <pc:grpChg chg="mod">
+          <ac:chgData name="Graydon Hall" userId="6ad8ef6fe9c5877e" providerId="LiveId" clId="{743B0715-C183-42DE-B6E5-38E47A36CCC5}" dt="2021-09-29T21:01:41.585" v="743" actId="1076"/>
+          <ac:grpSpMkLst>
+            <pc:docMk/>
+            <pc:sldMk cId="665027416" sldId="267"/>
+            <ac:grpSpMk id="28" creationId="{F55E8291-14D0-4A93-8D05-79A67F8C9FA2}"/>
+          </ac:grpSpMkLst>
+        </pc:grpChg>
+        <pc:grpChg chg="add mod">
+          <ac:chgData name="Graydon Hall" userId="6ad8ef6fe9c5877e" providerId="LiveId" clId="{743B0715-C183-42DE-B6E5-38E47A36CCC5}" dt="2021-09-29T21:01:08.948" v="731" actId="1076"/>
+          <ac:grpSpMkLst>
+            <pc:docMk/>
+            <pc:sldMk cId="665027416" sldId="267"/>
+            <ac:grpSpMk id="53" creationId="{3CD321A8-8E59-45E8-A994-3CE9398DD1EB}"/>
+          </ac:grpSpMkLst>
+        </pc:grpChg>
+        <pc:grpChg chg="add mod">
+          <ac:chgData name="Graydon Hall" userId="6ad8ef6fe9c5877e" providerId="LiveId" clId="{743B0715-C183-42DE-B6E5-38E47A36CCC5}" dt="2021-09-29T21:02:01.467" v="745" actId="1076"/>
+          <ac:grpSpMkLst>
+            <pc:docMk/>
+            <pc:sldMk cId="665027416" sldId="267"/>
+            <ac:grpSpMk id="66" creationId="{75C94FB6-D175-4396-847C-3C7F9E8450EC}"/>
+          </ac:grpSpMkLst>
+        </pc:grpChg>
+        <pc:grpChg chg="add mod">
+          <ac:chgData name="Graydon Hall" userId="6ad8ef6fe9c5877e" providerId="LiveId" clId="{743B0715-C183-42DE-B6E5-38E47A36CCC5}" dt="2021-09-29T21:09:45.732" v="768" actId="1076"/>
+          <ac:grpSpMkLst>
+            <pc:docMk/>
+            <pc:sldMk cId="665027416" sldId="267"/>
+            <ac:grpSpMk id="72" creationId="{AEC6AA4B-B969-46AE-95C3-A0BB61A3ACEE}"/>
+          </ac:grpSpMkLst>
+        </pc:grpChg>
+      </pc:sldChg>
+      <pc:sldChg chg="addSp delSp modSp add mod">
+        <pc:chgData name="Graydon Hall" userId="6ad8ef6fe9c5877e" providerId="LiveId" clId="{743B0715-C183-42DE-B6E5-38E47A36CCC5}" dt="2021-09-30T15:29:01.157" v="1162" actId="20577"/>
+        <pc:sldMkLst>
+          <pc:docMk/>
+          <pc:sldMk cId="2537722862" sldId="268"/>
+        </pc:sldMkLst>
+        <pc:spChg chg="add del mod">
+          <ac:chgData name="Graydon Hall" userId="6ad8ef6fe9c5877e" providerId="LiveId" clId="{743B0715-C183-42DE-B6E5-38E47A36CCC5}" dt="2021-09-30T15:23:11.566" v="947" actId="478"/>
+          <ac:spMkLst>
+            <pc:docMk/>
+            <pc:sldMk cId="2537722862" sldId="268"/>
+            <ac:spMk id="3" creationId="{0D96CE69-933F-4178-85BB-CF05E7BD07AC}"/>
+          </ac:spMkLst>
+        </pc:spChg>
+        <pc:spChg chg="add del mod">
+          <ac:chgData name="Graydon Hall" userId="6ad8ef6fe9c5877e" providerId="LiveId" clId="{743B0715-C183-42DE-B6E5-38E47A36CCC5}" dt="2021-09-29T21:30:40.762" v="882" actId="478"/>
+          <ac:spMkLst>
+            <pc:docMk/>
+            <pc:sldMk cId="2537722862" sldId="268"/>
+            <ac:spMk id="3" creationId="{B9B96A2D-7483-4C9E-9541-FB16F0C38E91}"/>
+          </ac:spMkLst>
+        </pc:spChg>
+        <pc:spChg chg="mod">
+          <ac:chgData name="Graydon Hall" userId="6ad8ef6fe9c5877e" providerId="LiveId" clId="{743B0715-C183-42DE-B6E5-38E47A36CCC5}" dt="2021-09-29T21:19:57.658" v="859" actId="14100"/>
+          <ac:spMkLst>
+            <pc:docMk/>
+            <pc:sldMk cId="2537722862" sldId="268"/>
+            <ac:spMk id="4" creationId="{69D13A37-6B82-4C78-812F-D9D461CDC672}"/>
+          </ac:spMkLst>
+        </pc:spChg>
+        <pc:spChg chg="mod">
+          <ac:chgData name="Graydon Hall" userId="6ad8ef6fe9c5877e" providerId="LiveId" clId="{743B0715-C183-42DE-B6E5-38E47A36CCC5}" dt="2021-09-29T21:22:52.359" v="864" actId="14100"/>
+          <ac:spMkLst>
+            <pc:docMk/>
+            <pc:sldMk cId="2537722862" sldId="268"/>
+            <ac:spMk id="5" creationId="{03DF7978-60AD-4CDE-AE09-356BACC0D746}"/>
+          </ac:spMkLst>
+        </pc:spChg>
+        <pc:spChg chg="mod">
+          <ac:chgData name="Graydon Hall" userId="6ad8ef6fe9c5877e" providerId="LiveId" clId="{743B0715-C183-42DE-B6E5-38E47A36CCC5}" dt="2021-09-29T21:40:49.256" v="885" actId="20577"/>
+          <ac:spMkLst>
+            <pc:docMk/>
+            <pc:sldMk cId="2537722862" sldId="268"/>
+            <ac:spMk id="11" creationId="{ABE71181-B149-4EE3-8C57-DA344694D6C2}"/>
+          </ac:spMkLst>
+        </pc:spChg>
+        <pc:spChg chg="del">
+          <ac:chgData name="Graydon Hall" userId="6ad8ef6fe9c5877e" providerId="LiveId" clId="{743B0715-C183-42DE-B6E5-38E47A36CCC5}" dt="2021-09-29T21:19:42.646" v="850" actId="478"/>
+          <ac:spMkLst>
+            <pc:docMk/>
+            <pc:sldMk cId="2537722862" sldId="268"/>
+            <ac:spMk id="15" creationId="{37CEF823-64A2-4803-97BB-DE3BC2A56C3D}"/>
+          </ac:spMkLst>
+        </pc:spChg>
+        <pc:spChg chg="del">
+          <ac:chgData name="Graydon Hall" userId="6ad8ef6fe9c5877e" providerId="LiveId" clId="{743B0715-C183-42DE-B6E5-38E47A36CCC5}" dt="2021-09-29T21:19:47.923" v="853" actId="478"/>
+          <ac:spMkLst>
+            <pc:docMk/>
+            <pc:sldMk cId="2537722862" sldId="268"/>
+            <ac:spMk id="16" creationId="{EA2DF13A-E11F-4817-B472-6B40ED9D8414}"/>
+          </ac:spMkLst>
+        </pc:spChg>
+        <pc:spChg chg="del mod">
+          <ac:chgData name="Graydon Hall" userId="6ad8ef6fe9c5877e" providerId="LiveId" clId="{743B0715-C183-42DE-B6E5-38E47A36CCC5}" dt="2021-09-29T21:19:49.648" v="855" actId="478"/>
+          <ac:spMkLst>
+            <pc:docMk/>
+            <pc:sldMk cId="2537722862" sldId="268"/>
+            <ac:spMk id="17" creationId="{49613BA1-EC39-4C9D-911C-822803A902C7}"/>
+          </ac:spMkLst>
+        </pc:spChg>
+        <pc:spChg chg="del">
+          <ac:chgData name="Graydon Hall" userId="6ad8ef6fe9c5877e" providerId="LiveId" clId="{743B0715-C183-42DE-B6E5-38E47A36CCC5}" dt="2021-09-29T21:19:45.776" v="851" actId="478"/>
+          <ac:spMkLst>
+            <pc:docMk/>
+            <pc:sldMk cId="2537722862" sldId="268"/>
+            <ac:spMk id="18" creationId="{827B7BA2-81B6-42CB-8875-9F2B5C5394A7}"/>
+          </ac:spMkLst>
+        </pc:spChg>
+        <pc:spChg chg="del">
+          <ac:chgData name="Graydon Hall" userId="6ad8ef6fe9c5877e" providerId="LiveId" clId="{743B0715-C183-42DE-B6E5-38E47A36CCC5}" dt="2021-09-29T21:40:54.312" v="886" actId="478"/>
+          <ac:spMkLst>
+            <pc:docMk/>
+            <pc:sldMk cId="2537722862" sldId="268"/>
+            <ac:spMk id="20" creationId="{547FE1C0-78F6-4E38-B7FA-BB0544F84C4A}"/>
+          </ac:spMkLst>
+        </pc:spChg>
+        <pc:spChg chg="del">
+          <ac:chgData name="Graydon Hall" userId="6ad8ef6fe9c5877e" providerId="LiveId" clId="{743B0715-C183-42DE-B6E5-38E47A36CCC5}" dt="2021-09-29T21:19:45.776" v="851" actId="478"/>
+          <ac:spMkLst>
+            <pc:docMk/>
+            <pc:sldMk cId="2537722862" sldId="268"/>
+            <ac:spMk id="24" creationId="{FD8706BD-108D-4ECE-80FA-00ED04CF3D8A}"/>
+          </ac:spMkLst>
+        </pc:spChg>
+        <pc:spChg chg="del">
+          <ac:chgData name="Graydon Hall" userId="6ad8ef6fe9c5877e" providerId="LiveId" clId="{743B0715-C183-42DE-B6E5-38E47A36CCC5}" dt="2021-09-29T21:19:45.776" v="851" actId="478"/>
+          <ac:spMkLst>
+            <pc:docMk/>
+            <pc:sldMk cId="2537722862" sldId="268"/>
+            <ac:spMk id="25" creationId="{D874629E-BAB8-48EB-8538-631F7E8F7166}"/>
+          </ac:spMkLst>
+        </pc:spChg>
+        <pc:spChg chg="del">
+          <ac:chgData name="Graydon Hall" userId="6ad8ef6fe9c5877e" providerId="LiveId" clId="{743B0715-C183-42DE-B6E5-38E47A36CCC5}" dt="2021-09-29T21:19:45.776" v="851" actId="478"/>
+          <ac:spMkLst>
+            <pc:docMk/>
+            <pc:sldMk cId="2537722862" sldId="268"/>
+            <ac:spMk id="26" creationId="{D60DACE1-0AE0-4851-B2F0-AFC7BC736D99}"/>
+          </ac:spMkLst>
+        </pc:spChg>
+        <pc:spChg chg="del">
+          <ac:chgData name="Graydon Hall" userId="6ad8ef6fe9c5877e" providerId="LiveId" clId="{743B0715-C183-42DE-B6E5-38E47A36CCC5}" dt="2021-09-29T21:19:50.792" v="856" actId="478"/>
+          <ac:spMkLst>
+            <pc:docMk/>
+            <pc:sldMk cId="2537722862" sldId="268"/>
+            <ac:spMk id="29" creationId="{38FB2998-D17F-4C72-9B49-F8CF82A51658}"/>
+          </ac:spMkLst>
+        </pc:spChg>
+        <pc:spChg chg="del">
+          <ac:chgData name="Graydon Hall" userId="6ad8ef6fe9c5877e" providerId="LiveId" clId="{743B0715-C183-42DE-B6E5-38E47A36CCC5}" dt="2021-09-29T21:19:45.776" v="851" actId="478"/>
+          <ac:spMkLst>
+            <pc:docMk/>
+            <pc:sldMk cId="2537722862" sldId="268"/>
+            <ac:spMk id="33" creationId="{93034171-ED6B-48B6-89E7-6D43497F0D62}"/>
+          </ac:spMkLst>
+        </pc:spChg>
+        <pc:spChg chg="del">
+          <ac:chgData name="Graydon Hall" userId="6ad8ef6fe9c5877e" providerId="LiveId" clId="{743B0715-C183-42DE-B6E5-38E47A36CCC5}" dt="2021-09-29T21:19:47.136" v="852" actId="478"/>
+          <ac:spMkLst>
+            <pc:docMk/>
+            <pc:sldMk cId="2537722862" sldId="268"/>
+            <ac:spMk id="35" creationId="{522DF440-990C-4AC7-89A4-F956E42DC1E7}"/>
+          </ac:spMkLst>
+        </pc:spChg>
+        <pc:spChg chg="del">
+          <ac:chgData name="Graydon Hall" userId="6ad8ef6fe9c5877e" providerId="LiveId" clId="{743B0715-C183-42DE-B6E5-38E47A36CCC5}" dt="2021-09-29T21:19:45.776" v="851" actId="478"/>
+          <ac:spMkLst>
+            <pc:docMk/>
+            <pc:sldMk cId="2537722862" sldId="268"/>
+            <ac:spMk id="44" creationId="{FBBEB1BD-78EA-425E-9160-0B4F52E9B7F8}"/>
+          </ac:spMkLst>
+        </pc:spChg>
+        <pc:spChg chg="mod">
+          <ac:chgData name="Graydon Hall" userId="6ad8ef6fe9c5877e" providerId="LiveId" clId="{743B0715-C183-42DE-B6E5-38E47A36CCC5}" dt="2021-09-29T21:26:25.868" v="880" actId="207"/>
+          <ac:spMkLst>
+            <pc:docMk/>
+            <pc:sldMk cId="2537722862" sldId="268"/>
+            <ac:spMk id="46" creationId="{05C9C61F-B640-4679-BE12-3DFCDF58112B}"/>
+          </ac:spMkLst>
+        </pc:spChg>
+        <pc:spChg chg="add mod">
+          <ac:chgData name="Graydon Hall" userId="6ad8ef6fe9c5877e" providerId="LiveId" clId="{743B0715-C183-42DE-B6E5-38E47A36CCC5}" dt="2021-09-30T15:28:40.923" v="1137" actId="20577"/>
+          <ac:spMkLst>
+            <pc:docMk/>
+            <pc:sldMk cId="2537722862" sldId="268"/>
+            <ac:spMk id="65" creationId="{7B0C6561-B429-404B-A0C1-E11EBF4C22EA}"/>
+          </ac:spMkLst>
+        </pc:spChg>
+        <pc:spChg chg="del">
+          <ac:chgData name="Graydon Hall" userId="6ad8ef6fe9c5877e" providerId="LiveId" clId="{743B0715-C183-42DE-B6E5-38E47A36CCC5}" dt="2021-09-29T21:19:51.616" v="857" actId="478"/>
+          <ac:spMkLst>
+            <pc:docMk/>
+            <pc:sldMk cId="2537722862" sldId="268"/>
+            <ac:spMk id="65" creationId="{C3C116B7-ECF0-40C4-AB07-13E60A9F076A}"/>
+          </ac:spMkLst>
+        </pc:spChg>
+        <pc:spChg chg="mod">
+          <ac:chgData name="Graydon Hall" userId="6ad8ef6fe9c5877e" providerId="LiveId" clId="{743B0715-C183-42DE-B6E5-38E47A36CCC5}" dt="2021-09-29T21:22:57.391" v="866" actId="20577"/>
+          <ac:spMkLst>
+            <pc:docMk/>
+            <pc:sldMk cId="2537722862" sldId="268"/>
+            <ac:spMk id="67" creationId="{146DA5DC-BB7C-4FE5-A5E6-B598EB02C61A}"/>
+          </ac:spMkLst>
+        </pc:spChg>
+        <pc:spChg chg="del mod">
+          <ac:chgData name="Graydon Hall" userId="6ad8ef6fe9c5877e" providerId="LiveId" clId="{743B0715-C183-42DE-B6E5-38E47A36CCC5}" dt="2021-09-30T15:23:02.494" v="944" actId="478"/>
+          <ac:spMkLst>
+            <pc:docMk/>
+            <pc:sldMk cId="2537722862" sldId="268"/>
+            <ac:spMk id="73" creationId="{82A861FD-FBD5-49C8-87B0-FE67334597E3}"/>
+          </ac:spMkLst>
+        </pc:spChg>
+        <pc:spChg chg="del mod">
+          <ac:chgData name="Graydon Hall" userId="6ad8ef6fe9c5877e" providerId="LiveId" clId="{743B0715-C183-42DE-B6E5-38E47A36CCC5}" dt="2021-09-30T15:23:04.950" v="945" actId="478"/>
+          <ac:spMkLst>
+            <pc:docMk/>
+            <pc:sldMk cId="2537722862" sldId="268"/>
+            <ac:spMk id="74" creationId="{DDE27D17-A231-48E3-9D74-DCF951A18017}"/>
+          </ac:spMkLst>
+        </pc:spChg>
+        <pc:spChg chg="del topLvl">
+          <ac:chgData name="Graydon Hall" userId="6ad8ef6fe9c5877e" providerId="LiveId" clId="{743B0715-C183-42DE-B6E5-38E47A36CCC5}" dt="2021-09-30T15:23:08.364" v="946" actId="478"/>
+          <ac:spMkLst>
+            <pc:docMk/>
+            <pc:sldMk cId="2537722862" sldId="268"/>
+            <ac:spMk id="75" creationId="{0FF2EA18-2B27-45D5-A3D3-2D2DAF96B16C}"/>
+          </ac:spMkLst>
+        </pc:spChg>
+        <pc:spChg chg="del">
+          <ac:chgData name="Graydon Hall" userId="6ad8ef6fe9c5877e" providerId="LiveId" clId="{743B0715-C183-42DE-B6E5-38E47A36CCC5}" dt="2021-09-30T15:22:59.126" v="943" actId="478"/>
+          <ac:spMkLst>
+            <pc:docMk/>
+            <pc:sldMk cId="2537722862" sldId="268"/>
+            <ac:spMk id="76" creationId="{2657631D-C8A0-4D06-B345-B2FD0A455BC2}"/>
+          </ac:spMkLst>
+        </pc:spChg>
+        <pc:spChg chg="mod topLvl">
+          <ac:chgData name="Graydon Hall" userId="6ad8ef6fe9c5877e" providerId="LiveId" clId="{743B0715-C183-42DE-B6E5-38E47A36CCC5}" dt="2021-09-30T15:29:01.157" v="1162" actId="20577"/>
+          <ac:spMkLst>
+            <pc:docMk/>
+            <pc:sldMk cId="2537722862" sldId="268"/>
+            <ac:spMk id="77" creationId="{F11295AA-3C32-4477-97D3-5194ADFA246E}"/>
+          </ac:spMkLst>
+        </pc:spChg>
+        <pc:spChg chg="del">
+          <ac:chgData name="Graydon Hall" userId="6ad8ef6fe9c5877e" providerId="LiveId" clId="{743B0715-C183-42DE-B6E5-38E47A36CCC5}" dt="2021-09-29T21:40:59.351" v="889" actId="478"/>
+          <ac:spMkLst>
+            <pc:docMk/>
+            <pc:sldMk cId="2537722862" sldId="268"/>
+            <ac:spMk id="78" creationId="{6A84FCC7-9519-4F2A-ABAE-F191991BC136}"/>
+          </ac:spMkLst>
+        </pc:spChg>
+        <pc:spChg chg="add del mod">
+          <ac:chgData name="Graydon Hall" userId="6ad8ef6fe9c5877e" providerId="LiveId" clId="{743B0715-C183-42DE-B6E5-38E47A36CCC5}" dt="2021-09-29T21:30:44.859" v="883" actId="478"/>
+          <ac:spMkLst>
+            <pc:docMk/>
+            <pc:sldMk cId="2537722862" sldId="268"/>
+            <ac:spMk id="82" creationId="{2A57870E-5922-4963-AD18-7F33F6A58053}"/>
+          </ac:spMkLst>
+        </pc:spChg>
+        <pc:spChg chg="mod">
+          <ac:chgData name="Graydon Hall" userId="6ad8ef6fe9c5877e" providerId="LiveId" clId="{743B0715-C183-42DE-B6E5-38E47A36CCC5}" dt="2021-09-29T21:23:05.455" v="867"/>
+          <ac:spMkLst>
+            <pc:docMk/>
+            <pc:sldMk cId="2537722862" sldId="268"/>
+            <ac:spMk id="84" creationId="{2CDC8598-88AC-489B-AAE1-793B07ACD2E7}"/>
+          </ac:spMkLst>
+        </pc:spChg>
+        <pc:spChg chg="mod">
+          <ac:chgData name="Graydon Hall" userId="6ad8ef6fe9c5877e" providerId="LiveId" clId="{743B0715-C183-42DE-B6E5-38E47A36CCC5}" dt="2021-09-29T21:23:05.455" v="867"/>
+          <ac:spMkLst>
+            <pc:docMk/>
+            <pc:sldMk cId="2537722862" sldId="268"/>
+            <ac:spMk id="85" creationId="{521001CA-1A65-456B-96CE-F42BEF1816C9}"/>
+          </ac:spMkLst>
+        </pc:spChg>
+        <pc:spChg chg="mod">
+          <ac:chgData name="Graydon Hall" userId="6ad8ef6fe9c5877e" providerId="LiveId" clId="{743B0715-C183-42DE-B6E5-38E47A36CCC5}" dt="2021-09-29T21:23:05.455" v="867"/>
+          <ac:spMkLst>
+            <pc:docMk/>
+            <pc:sldMk cId="2537722862" sldId="268"/>
+            <ac:spMk id="86" creationId="{9AE6E391-E019-4EB9-A852-C89DCEC146D6}"/>
+          </ac:spMkLst>
+        </pc:spChg>
+        <pc:spChg chg="mod">
+          <ac:chgData name="Graydon Hall" userId="6ad8ef6fe9c5877e" providerId="LiveId" clId="{743B0715-C183-42DE-B6E5-38E47A36CCC5}" dt="2021-09-29T21:23:05.455" v="867"/>
+          <ac:spMkLst>
+            <pc:docMk/>
+            <pc:sldMk cId="2537722862" sldId="268"/>
+            <ac:spMk id="87" creationId="{F4749322-635F-4DA3-BF53-BA9FE3121F0C}"/>
+          </ac:spMkLst>
+        </pc:spChg>
+        <pc:spChg chg="mod">
+          <ac:chgData name="Graydon Hall" userId="6ad8ef6fe9c5877e" providerId="LiveId" clId="{743B0715-C183-42DE-B6E5-38E47A36CCC5}" dt="2021-09-29T21:23:05.455" v="867"/>
+          <ac:spMkLst>
+            <pc:docMk/>
+            <pc:sldMk cId="2537722862" sldId="268"/>
+            <ac:spMk id="88" creationId="{6E3B900F-E415-419E-B83F-569E7BE04A1B}"/>
+          </ac:spMkLst>
+        </pc:spChg>
+        <pc:spChg chg="mod">
+          <ac:chgData name="Graydon Hall" userId="6ad8ef6fe9c5877e" providerId="LiveId" clId="{743B0715-C183-42DE-B6E5-38E47A36CCC5}" dt="2021-09-29T21:23:05.455" v="867"/>
+          <ac:spMkLst>
+            <pc:docMk/>
+            <pc:sldMk cId="2537722862" sldId="268"/>
+            <ac:spMk id="89" creationId="{BCA4A8E5-004E-4972-BC81-822A02B05833}"/>
+          </ac:spMkLst>
+        </pc:spChg>
+        <pc:grpChg chg="del">
+          <ac:chgData name="Graydon Hall" userId="6ad8ef6fe9c5877e" providerId="LiveId" clId="{743B0715-C183-42DE-B6E5-38E47A36CCC5}" dt="2021-09-30T15:23:13.388" v="948" actId="478"/>
+          <ac:grpSpMkLst>
+            <pc:docMk/>
+            <pc:sldMk cId="2537722862" sldId="268"/>
+            <ac:grpSpMk id="66" creationId="{75C94FB6-D175-4396-847C-3C7F9E8450EC}"/>
+          </ac:grpSpMkLst>
+        </pc:grpChg>
+        <pc:grpChg chg="add del">
+          <ac:chgData name="Graydon Hall" userId="6ad8ef6fe9c5877e" providerId="LiveId" clId="{743B0715-C183-42DE-B6E5-38E47A36CCC5}" dt="2021-09-30T15:23:08.364" v="946" actId="478"/>
+          <ac:grpSpMkLst>
+            <pc:docMk/>
+            <pc:sldMk cId="2537722862" sldId="268"/>
+            <ac:grpSpMk id="72" creationId="{AEC6AA4B-B969-46AE-95C3-A0BB61A3ACEE}"/>
+          </ac:grpSpMkLst>
+        </pc:grpChg>
+        <pc:grpChg chg="add del mod">
+          <ac:chgData name="Graydon Hall" userId="6ad8ef6fe9c5877e" providerId="LiveId" clId="{743B0715-C183-42DE-B6E5-38E47A36CCC5}" dt="2021-09-29T21:30:39.098" v="881" actId="478"/>
+          <ac:grpSpMkLst>
+            <pc:docMk/>
+            <pc:sldMk cId="2537722862" sldId="268"/>
+            <ac:grpSpMk id="83" creationId="{1861B19B-8AA8-45D7-A02A-1C439012DC26}"/>
+          </ac:grpSpMkLst>
+        </pc:grpChg>
+      </pc:sldChg>
+      <pc:sldChg chg="addSp delSp modSp add mod ord">
+        <pc:chgData name="Graydon Hall" userId="6ad8ef6fe9c5877e" providerId="LiveId" clId="{743B0715-C183-42DE-B6E5-38E47A36CCC5}" dt="2021-09-30T15:34:47.338" v="1428" actId="1076"/>
+        <pc:sldMkLst>
+          <pc:docMk/>
+          <pc:sldMk cId="943430823" sldId="269"/>
+        </pc:sldMkLst>
+        <pc:spChg chg="del">
+          <ac:chgData name="Graydon Hall" userId="6ad8ef6fe9c5877e" providerId="LiveId" clId="{743B0715-C183-42DE-B6E5-38E47A36CCC5}" dt="2021-09-30T15:20:00.990" v="922" actId="478"/>
+          <ac:spMkLst>
+            <pc:docMk/>
+            <pc:sldMk cId="943430823" sldId="269"/>
+            <ac:spMk id="3" creationId="{0D96CE69-933F-4178-85BB-CF05E7BD07AC}"/>
+          </ac:spMkLst>
+        </pc:spChg>
+        <pc:spChg chg="add mod">
+          <ac:chgData name="Graydon Hall" userId="6ad8ef6fe9c5877e" providerId="LiveId" clId="{743B0715-C183-42DE-B6E5-38E47A36CCC5}" dt="2021-09-30T15:21:19.420" v="938"/>
+          <ac:spMkLst>
+            <pc:docMk/>
+            <pc:sldMk cId="943430823" sldId="269"/>
+            <ac:spMk id="10" creationId="{0CEE2CD9-CADC-4978-A1F5-5C93C4543FAF}"/>
+          </ac:spMkLst>
+        </pc:spChg>
+        <pc:spChg chg="mod">
+          <ac:chgData name="Graydon Hall" userId="6ad8ef6fe9c5877e" providerId="LiveId" clId="{743B0715-C183-42DE-B6E5-38E47A36CCC5}" dt="2021-09-30T15:20:39.727" v="931" actId="20577"/>
+          <ac:spMkLst>
+            <pc:docMk/>
+            <pc:sldMk cId="943430823" sldId="269"/>
+            <ac:spMk id="11" creationId="{ABE71181-B149-4EE3-8C57-DA344694D6C2}"/>
+          </ac:spMkLst>
+        </pc:spChg>
+        <pc:spChg chg="add mod">
+          <ac:chgData name="Graydon Hall" userId="6ad8ef6fe9c5877e" providerId="LiveId" clId="{743B0715-C183-42DE-B6E5-38E47A36CCC5}" dt="2021-09-30T15:21:46.744" v="940"/>
+          <ac:spMkLst>
+            <pc:docMk/>
+            <pc:sldMk cId="943430823" sldId="269"/>
+            <ac:spMk id="12" creationId="{D657F48F-35FE-4319-89B9-FE8065E71109}"/>
+          </ac:spMkLst>
+        </pc:spChg>
+        <pc:spChg chg="add del mod">
+          <ac:chgData name="Graydon Hall" userId="6ad8ef6fe9c5877e" providerId="LiveId" clId="{743B0715-C183-42DE-B6E5-38E47A36CCC5}" dt="2021-09-30T15:22:21.363" v="942" actId="478"/>
+          <ac:spMkLst>
+            <pc:docMk/>
+            <pc:sldMk cId="943430823" sldId="269"/>
+            <ac:spMk id="73" creationId="{82A861FD-FBD5-49C8-87B0-FE67334597E3}"/>
+          </ac:spMkLst>
+        </pc:spChg>
+        <pc:spChg chg="mod">
+          <ac:chgData name="Graydon Hall" userId="6ad8ef6fe9c5877e" providerId="LiveId" clId="{743B0715-C183-42DE-B6E5-38E47A36CCC5}" dt="2021-09-30T15:20:13.318" v="927" actId="20577"/>
+          <ac:spMkLst>
+            <pc:docMk/>
+            <pc:sldMk cId="943430823" sldId="269"/>
+            <ac:spMk id="74" creationId="{DDE27D17-A231-48E3-9D74-DCF951A18017}"/>
+          </ac:spMkLst>
+        </pc:spChg>
+        <pc:spChg chg="mod">
+          <ac:chgData name="Graydon Hall" userId="6ad8ef6fe9c5877e" providerId="LiveId" clId="{743B0715-C183-42DE-B6E5-38E47A36CCC5}" dt="2021-09-30T15:20:30.334" v="928"/>
+          <ac:spMkLst>
+            <pc:docMk/>
+            <pc:sldMk cId="943430823" sldId="269"/>
+            <ac:spMk id="78" creationId="{4D227593-B0EF-4F52-A8E5-F7B7282E13A7}"/>
+          </ac:spMkLst>
+        </pc:spChg>
+        <pc:spChg chg="mod">
+          <ac:chgData name="Graydon Hall" userId="6ad8ef6fe9c5877e" providerId="LiveId" clId="{743B0715-C183-42DE-B6E5-38E47A36CCC5}" dt="2021-09-30T15:20:30.334" v="928"/>
+          <ac:spMkLst>
+            <pc:docMk/>
+            <pc:sldMk cId="943430823" sldId="269"/>
+            <ac:spMk id="82" creationId="{C515D3FE-01CA-4BDA-9147-9C422F358CCF}"/>
+          </ac:spMkLst>
+        </pc:spChg>
+        <pc:spChg chg="mod">
+          <ac:chgData name="Graydon Hall" userId="6ad8ef6fe9c5877e" providerId="LiveId" clId="{743B0715-C183-42DE-B6E5-38E47A36CCC5}" dt="2021-09-30T15:20:30.334" v="928"/>
+          <ac:spMkLst>
+            <pc:docMk/>
+            <pc:sldMk cId="943430823" sldId="269"/>
+            <ac:spMk id="83" creationId="{C6A5EE8F-9B9E-4486-9928-B9E98656AA51}"/>
+          </ac:spMkLst>
+        </pc:spChg>
+        <pc:spChg chg="mod">
+          <ac:chgData name="Graydon Hall" userId="6ad8ef6fe9c5877e" providerId="LiveId" clId="{743B0715-C183-42DE-B6E5-38E47A36CCC5}" dt="2021-09-30T15:20:30.334" v="928"/>
+          <ac:spMkLst>
+            <pc:docMk/>
+            <pc:sldMk cId="943430823" sldId="269"/>
+            <ac:spMk id="84" creationId="{6A0CC5D6-278E-4553-BF24-D3B1795DDA16}"/>
+          </ac:spMkLst>
+        </pc:spChg>
+        <pc:spChg chg="mod">
+          <ac:chgData name="Graydon Hall" userId="6ad8ef6fe9c5877e" providerId="LiveId" clId="{743B0715-C183-42DE-B6E5-38E47A36CCC5}" dt="2021-09-30T15:20:30.334" v="928"/>
+          <ac:spMkLst>
+            <pc:docMk/>
+            <pc:sldMk cId="943430823" sldId="269"/>
+            <ac:spMk id="85" creationId="{5EB4DA39-7DBA-4233-BB34-0DF00C403DEC}"/>
+          </ac:spMkLst>
+        </pc:spChg>
+        <pc:spChg chg="mod">
+          <ac:chgData name="Graydon Hall" userId="6ad8ef6fe9c5877e" providerId="LiveId" clId="{743B0715-C183-42DE-B6E5-38E47A36CCC5}" dt="2021-09-30T15:20:30.334" v="928"/>
+          <ac:spMkLst>
+            <pc:docMk/>
+            <pc:sldMk cId="943430823" sldId="269"/>
+            <ac:spMk id="86" creationId="{B06CD566-F4AE-4FBD-89C2-3EA878DD56C4}"/>
+          </ac:spMkLst>
+        </pc:spChg>
+        <pc:spChg chg="add mod">
+          <ac:chgData name="Graydon Hall" userId="6ad8ef6fe9c5877e" providerId="LiveId" clId="{743B0715-C183-42DE-B6E5-38E47A36CCC5}" dt="2021-09-30T15:20:49.542" v="934" actId="20577"/>
+          <ac:spMkLst>
+            <pc:docMk/>
+            <pc:sldMk cId="943430823" sldId="269"/>
+            <ac:spMk id="87" creationId="{CE0AC06F-6A76-435D-97B0-EFB97F7B3C2E}"/>
+          </ac:spMkLst>
+        </pc:spChg>
+        <pc:spChg chg="add mod">
+          <ac:chgData name="Graydon Hall" userId="6ad8ef6fe9c5877e" providerId="LiveId" clId="{743B0715-C183-42DE-B6E5-38E47A36CCC5}" dt="2021-09-30T15:21:02.087" v="936" actId="1076"/>
+          <ac:spMkLst>
+            <pc:docMk/>
+            <pc:sldMk cId="943430823" sldId="269"/>
+            <ac:spMk id="88" creationId="{02C14616-1D90-4B0E-9C01-A56748D1777F}"/>
+          </ac:spMkLst>
+        </pc:spChg>
+        <pc:spChg chg="add mod">
+          <ac:chgData name="Graydon Hall" userId="6ad8ef6fe9c5877e" providerId="LiveId" clId="{743B0715-C183-42DE-B6E5-38E47A36CCC5}" dt="2021-09-30T15:28:02.345" v="1095" actId="403"/>
+          <ac:spMkLst>
+            <pc:docMk/>
+            <pc:sldMk cId="943430823" sldId="269"/>
+            <ac:spMk id="89" creationId="{D69C803E-BCCF-41A8-BEB7-69676DFC9032}"/>
+          </ac:spMkLst>
+        </pc:spChg>
+        <pc:spChg chg="add mod">
+          <ac:chgData name="Graydon Hall" userId="6ad8ef6fe9c5877e" providerId="LiveId" clId="{743B0715-C183-42DE-B6E5-38E47A36CCC5}" dt="2021-09-30T15:27:56.489" v="1091" actId="1076"/>
+          <ac:spMkLst>
+            <pc:docMk/>
+            <pc:sldMk cId="943430823" sldId="269"/>
+            <ac:spMk id="90" creationId="{32AB8FCD-CC8A-4E10-B53A-81DF365D5417}"/>
+          </ac:spMkLst>
+        </pc:spChg>
+        <pc:spChg chg="add mod">
+          <ac:chgData name="Graydon Hall" userId="6ad8ef6fe9c5877e" providerId="LiveId" clId="{743B0715-C183-42DE-B6E5-38E47A36CCC5}" dt="2021-09-30T15:34:47.338" v="1428" actId="1076"/>
+          <ac:spMkLst>
+            <pc:docMk/>
+            <pc:sldMk cId="943430823" sldId="269"/>
+            <ac:spMk id="91" creationId="{05583C3E-DEA8-42E0-8241-C5F9FAF982EF}"/>
+          </ac:spMkLst>
+        </pc:spChg>
+        <pc:grpChg chg="add mod">
+          <ac:chgData name="Graydon Hall" userId="6ad8ef6fe9c5877e" providerId="LiveId" clId="{743B0715-C183-42DE-B6E5-38E47A36CCC5}" dt="2021-09-30T15:20:34.164" v="929" actId="1076"/>
+          <ac:grpSpMkLst>
+            <pc:docMk/>
+            <pc:sldMk cId="943430823" sldId="269"/>
+            <ac:grpSpMk id="65" creationId="{B9BE67FD-9E62-40C1-BADC-50D456F4E989}"/>
+          </ac:grpSpMkLst>
+        </pc:grpChg>
+        <pc:picChg chg="add mod">
+          <ac:chgData name="Graydon Hall" userId="6ad8ef6fe9c5877e" providerId="LiveId" clId="{743B0715-C183-42DE-B6E5-38E47A36CCC5}" dt="2021-09-30T15:33:28.461" v="1312" actId="1076"/>
+          <ac:picMkLst>
+            <pc:docMk/>
+            <pc:sldMk cId="943430823" sldId="269"/>
+            <ac:picMk id="15" creationId="{AC4A931D-52EB-4C8B-B8D4-FCCF926F46B0}"/>
+          </ac:picMkLst>
+        </pc:picChg>
+      </pc:sldChg>
+      <pc:sldChg chg="addSp delSp modSp new mod addCm">
+        <pc:chgData name="Graydon Hall" userId="6ad8ef6fe9c5877e" providerId="LiveId" clId="{743B0715-C183-42DE-B6E5-38E47A36CCC5}" dt="2021-09-30T20:02:52.623" v="5485" actId="1076"/>
+        <pc:sldMkLst>
+          <pc:docMk/>
+          <pc:sldMk cId="2983458566" sldId="270"/>
+        </pc:sldMkLst>
+        <pc:spChg chg="del">
+          <ac:chgData name="Graydon Hall" userId="6ad8ef6fe9c5877e" providerId="LiveId" clId="{743B0715-C183-42DE-B6E5-38E47A36CCC5}" dt="2021-09-30T15:31:24.022" v="1165" actId="478"/>
+          <ac:spMkLst>
+            <pc:docMk/>
+            <pc:sldMk cId="2983458566" sldId="270"/>
+            <ac:spMk id="2" creationId="{E4BFD17B-2B55-40CE-A4DD-5CCF6810D40A}"/>
+          </ac:spMkLst>
+        </pc:spChg>
+        <pc:spChg chg="mod">
+          <ac:chgData name="Graydon Hall" userId="6ad8ef6fe9c5877e" providerId="LiveId" clId="{743B0715-C183-42DE-B6E5-38E47A36CCC5}" dt="2021-09-30T19:50:36.141" v="5379" actId="20577"/>
+          <ac:spMkLst>
+            <pc:docMk/>
+            <pc:sldMk cId="2983458566" sldId="270"/>
+            <ac:spMk id="3" creationId="{30BB8E97-AB29-487B-B96A-0A9ECC7C5C1F}"/>
+          </ac:spMkLst>
+        </pc:spChg>
+        <pc:spChg chg="add mod">
+          <ac:chgData name="Graydon Hall" userId="6ad8ef6fe9c5877e" providerId="LiveId" clId="{743B0715-C183-42DE-B6E5-38E47A36CCC5}" dt="2021-09-30T20:02:43.047" v="5483" actId="1076"/>
+          <ac:spMkLst>
+            <pc:docMk/>
+            <pc:sldMk cId="2983458566" sldId="270"/>
+            <ac:spMk id="6" creationId="{CDF078E3-A205-4393-9D38-B21322FF8D87}"/>
+          </ac:spMkLst>
+        </pc:spChg>
+        <pc:spChg chg="add del mod">
+          <ac:chgData name="Graydon Hall" userId="6ad8ef6fe9c5877e" providerId="LiveId" clId="{743B0715-C183-42DE-B6E5-38E47A36CCC5}" dt="2021-09-30T20:02:15.644" v="5479" actId="478"/>
+          <ac:spMkLst>
+            <pc:docMk/>
+            <pc:sldMk cId="2983458566" sldId="270"/>
+            <ac:spMk id="7" creationId="{55FB211F-7F24-4091-B517-A46AB3605728}"/>
+          </ac:spMkLst>
+        </pc:spChg>
+        <pc:spChg chg="add del mod">
+          <ac:chgData name="Graydon Hall" userId="6ad8ef6fe9c5877e" providerId="LiveId" clId="{743B0715-C183-42DE-B6E5-38E47A36CCC5}" dt="2021-09-30T20:02:36.522" v="5481" actId="478"/>
+          <ac:spMkLst>
+            <pc:docMk/>
+            <pc:sldMk cId="2983458566" sldId="270"/>
+            <ac:spMk id="9" creationId="{01F79AFD-649A-4CD1-9506-3F8F8DDAA862}"/>
+          </ac:spMkLst>
+        </pc:spChg>
+        <pc:spChg chg="add mod">
+          <ac:chgData name="Graydon Hall" userId="6ad8ef6fe9c5877e" providerId="LiveId" clId="{743B0715-C183-42DE-B6E5-38E47A36CCC5}" dt="2021-09-30T20:02:52.623" v="5485" actId="1076"/>
+          <ac:spMkLst>
+            <pc:docMk/>
+            <pc:sldMk cId="2983458566" sldId="270"/>
+            <ac:spMk id="18" creationId="{A0EEE247-6E2D-42BB-90AD-C6377E1692D1}"/>
+          </ac:spMkLst>
+        </pc:spChg>
+        <pc:picChg chg="add del mod">
+          <ac:chgData name="Graydon Hall" userId="6ad8ef6fe9c5877e" providerId="LiveId" clId="{743B0715-C183-42DE-B6E5-38E47A36CCC5}" dt="2021-09-30T20:02:16.981" v="5480" actId="478"/>
+          <ac:picMkLst>
+            <pc:docMk/>
+            <pc:sldMk cId="2983458566" sldId="270"/>
+            <ac:picMk id="4" creationId="{12BCD055-AC38-49C8-9E45-1CA6E0E16B16}"/>
+          </ac:picMkLst>
+        </pc:picChg>
+        <pc:picChg chg="add mod">
+          <ac:chgData name="Graydon Hall" userId="6ad8ef6fe9c5877e" providerId="LiveId" clId="{743B0715-C183-42DE-B6E5-38E47A36CCC5}" dt="2021-09-30T20:02:43.047" v="5483" actId="1076"/>
+          <ac:picMkLst>
+            <pc:docMk/>
+            <pc:sldMk cId="2983458566" sldId="270"/>
+            <ac:picMk id="5" creationId="{91072835-6717-4088-92CE-59186457C105}"/>
+          </ac:picMkLst>
+        </pc:picChg>
+        <pc:picChg chg="add del mod">
+          <ac:chgData name="Graydon Hall" userId="6ad8ef6fe9c5877e" providerId="LiveId" clId="{743B0715-C183-42DE-B6E5-38E47A36CCC5}" dt="2021-09-30T20:02:36.522" v="5481" actId="478"/>
+          <ac:picMkLst>
+            <pc:docMk/>
+            <pc:sldMk cId="2983458566" sldId="270"/>
+            <ac:picMk id="8" creationId="{AAF35D5C-F7EA-4101-AFB2-58AA3AF80216}"/>
+          </ac:picMkLst>
+        </pc:picChg>
+        <pc:picChg chg="add del mod">
+          <ac:chgData name="Graydon Hall" userId="6ad8ef6fe9c5877e" providerId="LiveId" clId="{743B0715-C183-42DE-B6E5-38E47A36CCC5}" dt="2021-09-30T20:02:36.522" v="5481" actId="478"/>
+          <ac:picMkLst>
+            <pc:docMk/>
+            <pc:sldMk cId="2983458566" sldId="270"/>
+            <ac:picMk id="11" creationId="{0CBDE164-BC7C-413D-B876-A82081E6216B}"/>
+          </ac:picMkLst>
+        </pc:picChg>
+        <pc:picChg chg="add del mod">
+          <ac:chgData name="Graydon Hall" userId="6ad8ef6fe9c5877e" providerId="LiveId" clId="{743B0715-C183-42DE-B6E5-38E47A36CCC5}" dt="2021-09-30T20:02:36.522" v="5481" actId="478"/>
+          <ac:picMkLst>
+            <pc:docMk/>
+            <pc:sldMk cId="2983458566" sldId="270"/>
+            <ac:picMk id="13" creationId="{3D224934-5DE7-4AA8-A263-FD343C8EDC8D}"/>
+          </ac:picMkLst>
+        </pc:picChg>
+        <pc:picChg chg="add del mod">
+          <ac:chgData name="Graydon Hall" userId="6ad8ef6fe9c5877e" providerId="LiveId" clId="{743B0715-C183-42DE-B6E5-38E47A36CCC5}" dt="2021-09-30T20:02:36.522" v="5481" actId="478"/>
+          <ac:picMkLst>
+            <pc:docMk/>
+            <pc:sldMk cId="2983458566" sldId="270"/>
+            <ac:picMk id="15" creationId="{47B13868-DA25-4272-85A0-CA7C3837098D}"/>
+          </ac:picMkLst>
+        </pc:picChg>
+        <pc:picChg chg="add mod">
+          <ac:chgData name="Graydon Hall" userId="6ad8ef6fe9c5877e" providerId="LiveId" clId="{743B0715-C183-42DE-B6E5-38E47A36CCC5}" dt="2021-09-30T20:02:45.829" v="5484" actId="1076"/>
+          <ac:picMkLst>
+            <pc:docMk/>
+            <pc:sldMk cId="2983458566" sldId="270"/>
+            <ac:picMk id="17" creationId="{D6C88F5A-F3A4-4CD9-83B5-3EDE747F749D}"/>
+          </ac:picMkLst>
+        </pc:picChg>
+      </pc:sldChg>
+    </pc:docChg>
+  </pc:docChgLst>
+  <pc:docChgLst>
     <pc:chgData name="Graydon Hall" userId="6ad8ef6fe9c5877e" providerId="LiveId" clId="{C081B4C5-B526-4B70-BE03-1138E1698E66}"/>
     <pc:docChg chg="undo redo custSel addSld delSld modSld">
       <pc:chgData name="Graydon Hall" userId="6ad8ef6fe9c5877e" providerId="LiveId" clId="{C081B4C5-B526-4B70-BE03-1138E1698E66}" dt="2021-09-23T03:00:30.437" v="436" actId="20577"/>
@@ -2047,2413 +4454,6 @@
           <pc:docMk/>
           <pc:sldMk cId="1714682917" sldId="261"/>
         </pc:sldMkLst>
-      </pc:sldChg>
-    </pc:docChg>
-  </pc:docChgLst>
-  <pc:docChgLst>
-    <pc:chgData name="Graydon Hall" userId="6ad8ef6fe9c5877e" providerId="LiveId" clId="{743B0715-C183-42DE-B6E5-38E47A36CCC5}"/>
-    <pc:docChg chg="undo redo custSel addSld modSld sldOrd">
-      <pc:chgData name="Graydon Hall" userId="6ad8ef6fe9c5877e" providerId="LiveId" clId="{743B0715-C183-42DE-B6E5-38E47A36CCC5}" dt="2021-09-30T20:02:52.623" v="5485" actId="1076"/>
-      <pc:docMkLst>
-        <pc:docMk/>
-      </pc:docMkLst>
-      <pc:sldChg chg="addSp modSp mod">
-        <pc:chgData name="Graydon Hall" userId="6ad8ef6fe9c5877e" providerId="LiveId" clId="{743B0715-C183-42DE-B6E5-38E47A36CCC5}" dt="2021-09-29T03:39:03.859" v="84" actId="20577"/>
-        <pc:sldMkLst>
-          <pc:docMk/>
-          <pc:sldMk cId="3187814692" sldId="261"/>
-        </pc:sldMkLst>
-        <pc:spChg chg="add mod">
-          <ac:chgData name="Graydon Hall" userId="6ad8ef6fe9c5877e" providerId="LiveId" clId="{743B0715-C183-42DE-B6E5-38E47A36CCC5}" dt="2021-09-29T03:39:03.859" v="84" actId="20577"/>
-          <ac:spMkLst>
-            <pc:docMk/>
-            <pc:sldMk cId="3187814692" sldId="261"/>
-            <ac:spMk id="48" creationId="{02EEBBE8-1C4C-48E3-AAAA-BADF40713F80}"/>
-          </ac:spMkLst>
-        </pc:spChg>
-      </pc:sldChg>
-      <pc:sldChg chg="addSp delSp modSp new mod">
-        <pc:chgData name="Graydon Hall" userId="6ad8ef6fe9c5877e" providerId="LiveId" clId="{743B0715-C183-42DE-B6E5-38E47A36CCC5}" dt="2021-09-29T03:54:13.070" v="298" actId="1076"/>
-        <pc:sldMkLst>
-          <pc:docMk/>
-          <pc:sldMk cId="1520747544" sldId="262"/>
-        </pc:sldMkLst>
-        <pc:spChg chg="del">
-          <ac:chgData name="Graydon Hall" userId="6ad8ef6fe9c5877e" providerId="LiveId" clId="{743B0715-C183-42DE-B6E5-38E47A36CCC5}" dt="2021-09-29T03:13:58.899" v="1" actId="478"/>
-          <ac:spMkLst>
-            <pc:docMk/>
-            <pc:sldMk cId="1520747544" sldId="262"/>
-            <ac:spMk id="2" creationId="{B96800AC-0418-4AFE-B862-ABDE1A6C08D8}"/>
-          </ac:spMkLst>
-        </pc:spChg>
-        <pc:spChg chg="del mod">
-          <ac:chgData name="Graydon Hall" userId="6ad8ef6fe9c5877e" providerId="LiveId" clId="{743B0715-C183-42DE-B6E5-38E47A36CCC5}" dt="2021-09-29T03:14:01.378" v="3" actId="478"/>
-          <ac:spMkLst>
-            <pc:docMk/>
-            <pc:sldMk cId="1520747544" sldId="262"/>
-            <ac:spMk id="3" creationId="{7916B284-33FF-4807-A0F1-EFE75871D565}"/>
-          </ac:spMkLst>
-        </pc:spChg>
-        <pc:spChg chg="add mod">
-          <ac:chgData name="Graydon Hall" userId="6ad8ef6fe9c5877e" providerId="LiveId" clId="{743B0715-C183-42DE-B6E5-38E47A36CCC5}" dt="2021-09-29T03:54:13.070" v="298" actId="1076"/>
-          <ac:spMkLst>
-            <pc:docMk/>
-            <pc:sldMk cId="1520747544" sldId="262"/>
-            <ac:spMk id="4" creationId="{69D13A37-6B82-4C78-812F-D9D461CDC672}"/>
-          </ac:spMkLst>
-        </pc:spChg>
-        <pc:spChg chg="add del mod">
-          <ac:chgData name="Graydon Hall" userId="6ad8ef6fe9c5877e" providerId="LiveId" clId="{743B0715-C183-42DE-B6E5-38E47A36CCC5}" dt="2021-09-29T03:50:53.866" v="288" actId="14100"/>
-          <ac:spMkLst>
-            <pc:docMk/>
-            <pc:sldMk cId="1520747544" sldId="262"/>
-            <ac:spMk id="5" creationId="{03DF7978-60AD-4CDE-AE09-356BACC0D746}"/>
-          </ac:spMkLst>
-        </pc:spChg>
-        <pc:spChg chg="add mod">
-          <ac:chgData name="Graydon Hall" userId="6ad8ef6fe9c5877e" providerId="LiveId" clId="{743B0715-C183-42DE-B6E5-38E47A36CCC5}" dt="2021-09-29T03:35:41.959" v="4"/>
-          <ac:spMkLst>
-            <pc:docMk/>
-            <pc:sldMk cId="1520747544" sldId="262"/>
-            <ac:spMk id="6" creationId="{D0C80474-6657-418A-AAF9-A633C8AA8512}"/>
-          </ac:spMkLst>
-        </pc:spChg>
-        <pc:spChg chg="add mod">
-          <ac:chgData name="Graydon Hall" userId="6ad8ef6fe9c5877e" providerId="LiveId" clId="{743B0715-C183-42DE-B6E5-38E47A36CCC5}" dt="2021-09-29T03:35:41.959" v="4"/>
-          <ac:spMkLst>
-            <pc:docMk/>
-            <pc:sldMk cId="1520747544" sldId="262"/>
-            <ac:spMk id="7" creationId="{8CC65CAA-2539-4C2F-AA0D-22449388221A}"/>
-          </ac:spMkLst>
-        </pc:spChg>
-        <pc:spChg chg="add mod">
-          <ac:chgData name="Graydon Hall" userId="6ad8ef6fe9c5877e" providerId="LiveId" clId="{743B0715-C183-42DE-B6E5-38E47A36CCC5}" dt="2021-09-29T03:35:41.959" v="4"/>
-          <ac:spMkLst>
-            <pc:docMk/>
-            <pc:sldMk cId="1520747544" sldId="262"/>
-            <ac:spMk id="8" creationId="{0C3EEB79-1F74-45CC-A601-42B51BB496C7}"/>
-          </ac:spMkLst>
-        </pc:spChg>
-        <pc:spChg chg="add mod">
-          <ac:chgData name="Graydon Hall" userId="6ad8ef6fe9c5877e" providerId="LiveId" clId="{743B0715-C183-42DE-B6E5-38E47A36CCC5}" dt="2021-09-29T03:50:39.468" v="264" actId="1035"/>
-          <ac:spMkLst>
-            <pc:docMk/>
-            <pc:sldMk cId="1520747544" sldId="262"/>
-            <ac:spMk id="9" creationId="{700D8949-7BEC-4E7B-8872-67D2E91315EC}"/>
-          </ac:spMkLst>
-        </pc:spChg>
-        <pc:spChg chg="add del mod">
-          <ac:chgData name="Graydon Hall" userId="6ad8ef6fe9c5877e" providerId="LiveId" clId="{743B0715-C183-42DE-B6E5-38E47A36CCC5}" dt="2021-09-29T03:36:49.364" v="28" actId="478"/>
-          <ac:spMkLst>
-            <pc:docMk/>
-            <pc:sldMk cId="1520747544" sldId="262"/>
-            <ac:spMk id="10" creationId="{01EC3C9B-2A77-4BF7-B267-93537547F115}"/>
-          </ac:spMkLst>
-        </pc:spChg>
-        <pc:spChg chg="add mod">
-          <ac:chgData name="Graydon Hall" userId="6ad8ef6fe9c5877e" providerId="LiveId" clId="{743B0715-C183-42DE-B6E5-38E47A36CCC5}" dt="2021-09-29T03:54:13.070" v="298" actId="1076"/>
-          <ac:spMkLst>
-            <pc:docMk/>
-            <pc:sldMk cId="1520747544" sldId="262"/>
-            <ac:spMk id="11" creationId="{ABE71181-B149-4EE3-8C57-DA344694D6C2}"/>
-          </ac:spMkLst>
-        </pc:spChg>
-        <pc:spChg chg="add del mod">
-          <ac:chgData name="Graydon Hall" userId="6ad8ef6fe9c5877e" providerId="LiveId" clId="{743B0715-C183-42DE-B6E5-38E47A36CCC5}" dt="2021-09-29T03:36:31.956" v="19" actId="478"/>
-          <ac:spMkLst>
-            <pc:docMk/>
-            <pc:sldMk cId="1520747544" sldId="262"/>
-            <ac:spMk id="12" creationId="{BF87B038-24EA-4D6F-AA4A-B5A49E4701F2}"/>
-          </ac:spMkLst>
-        </pc:spChg>
-        <pc:spChg chg="add mod">
-          <ac:chgData name="Graydon Hall" userId="6ad8ef6fe9c5877e" providerId="LiveId" clId="{743B0715-C183-42DE-B6E5-38E47A36CCC5}" dt="2021-09-29T03:50:39.468" v="264" actId="1035"/>
-          <ac:spMkLst>
-            <pc:docMk/>
-            <pc:sldMk cId="1520747544" sldId="262"/>
-            <ac:spMk id="13" creationId="{1485229A-BE5D-445C-A29D-2095B03DF662}"/>
-          </ac:spMkLst>
-        </pc:spChg>
-        <pc:spChg chg="add mod">
-          <ac:chgData name="Graydon Hall" userId="6ad8ef6fe9c5877e" providerId="LiveId" clId="{743B0715-C183-42DE-B6E5-38E47A36CCC5}" dt="2021-09-29T03:50:39.468" v="264" actId="1035"/>
-          <ac:spMkLst>
-            <pc:docMk/>
-            <pc:sldMk cId="1520747544" sldId="262"/>
-            <ac:spMk id="14" creationId="{8E3A9A45-B3AF-48DC-B12C-05C16FE7B083}"/>
-          </ac:spMkLst>
-        </pc:spChg>
-        <pc:spChg chg="add mod">
-          <ac:chgData name="Graydon Hall" userId="6ad8ef6fe9c5877e" providerId="LiveId" clId="{743B0715-C183-42DE-B6E5-38E47A36CCC5}" dt="2021-09-29T03:54:13.070" v="298" actId="1076"/>
-          <ac:spMkLst>
-            <pc:docMk/>
-            <pc:sldMk cId="1520747544" sldId="262"/>
-            <ac:spMk id="15" creationId="{37CEF823-64A2-4803-97BB-DE3BC2A56C3D}"/>
-          </ac:spMkLst>
-        </pc:spChg>
-        <pc:spChg chg="add mod ord">
-          <ac:chgData name="Graydon Hall" userId="6ad8ef6fe9c5877e" providerId="LiveId" clId="{743B0715-C183-42DE-B6E5-38E47A36CCC5}" dt="2021-09-29T03:54:13.070" v="298" actId="1076"/>
-          <ac:spMkLst>
-            <pc:docMk/>
-            <pc:sldMk cId="1520747544" sldId="262"/>
-            <ac:spMk id="16" creationId="{EA2DF13A-E11F-4817-B472-6B40ED9D8414}"/>
-          </ac:spMkLst>
-        </pc:spChg>
-        <pc:spChg chg="add mod">
-          <ac:chgData name="Graydon Hall" userId="6ad8ef6fe9c5877e" providerId="LiveId" clId="{743B0715-C183-42DE-B6E5-38E47A36CCC5}" dt="2021-09-29T03:54:13.070" v="298" actId="1076"/>
-          <ac:spMkLst>
-            <pc:docMk/>
-            <pc:sldMk cId="1520747544" sldId="262"/>
-            <ac:spMk id="17" creationId="{49613BA1-EC39-4C9D-911C-822803A902C7}"/>
-          </ac:spMkLst>
-        </pc:spChg>
-        <pc:spChg chg="add mod">
-          <ac:chgData name="Graydon Hall" userId="6ad8ef6fe9c5877e" providerId="LiveId" clId="{743B0715-C183-42DE-B6E5-38E47A36CCC5}" dt="2021-09-29T03:54:13.070" v="298" actId="1076"/>
-          <ac:spMkLst>
-            <pc:docMk/>
-            <pc:sldMk cId="1520747544" sldId="262"/>
-            <ac:spMk id="18" creationId="{827B7BA2-81B6-42CB-8875-9F2B5C5394A7}"/>
-          </ac:spMkLst>
-        </pc:spChg>
-        <pc:spChg chg="add mod">
-          <ac:chgData name="Graydon Hall" userId="6ad8ef6fe9c5877e" providerId="LiveId" clId="{743B0715-C183-42DE-B6E5-38E47A36CCC5}" dt="2021-09-29T03:54:13.070" v="298" actId="1076"/>
-          <ac:spMkLst>
-            <pc:docMk/>
-            <pc:sldMk cId="1520747544" sldId="262"/>
-            <ac:spMk id="19" creationId="{EB91542B-7DF9-446A-B685-3FF42460CD15}"/>
-          </ac:spMkLst>
-        </pc:spChg>
-        <pc:spChg chg="add del mod ord">
-          <ac:chgData name="Graydon Hall" userId="6ad8ef6fe9c5877e" providerId="LiveId" clId="{743B0715-C183-42DE-B6E5-38E47A36CCC5}" dt="2021-09-29T03:48:14.259" v="195" actId="478"/>
-          <ac:spMkLst>
-            <pc:docMk/>
-            <pc:sldMk cId="1520747544" sldId="262"/>
-            <ac:spMk id="20" creationId="{03D617A6-3605-4403-A00D-192C92BE1038}"/>
-          </ac:spMkLst>
-        </pc:spChg>
-        <pc:spChg chg="add del mod">
-          <ac:chgData name="Graydon Hall" userId="6ad8ef6fe9c5877e" providerId="LiveId" clId="{743B0715-C183-42DE-B6E5-38E47A36CCC5}" dt="2021-09-29T03:36:21.730" v="18" actId="478"/>
-          <ac:spMkLst>
-            <pc:docMk/>
-            <pc:sldMk cId="1520747544" sldId="262"/>
-            <ac:spMk id="21" creationId="{E5DE45E8-EEB8-4482-89CA-29DA67379F18}"/>
-          </ac:spMkLst>
-        </pc:spChg>
-        <pc:spChg chg="add del mod">
-          <ac:chgData name="Graydon Hall" userId="6ad8ef6fe9c5877e" providerId="LiveId" clId="{743B0715-C183-42DE-B6E5-38E47A36CCC5}" dt="2021-09-29T03:36:19.082" v="14" actId="478"/>
-          <ac:spMkLst>
-            <pc:docMk/>
-            <pc:sldMk cId="1520747544" sldId="262"/>
-            <ac:spMk id="22" creationId="{F761A6F5-9B5F-4503-A48B-C066E03B23B0}"/>
-          </ac:spMkLst>
-        </pc:spChg>
-        <pc:spChg chg="add del mod">
-          <ac:chgData name="Graydon Hall" userId="6ad8ef6fe9c5877e" providerId="LiveId" clId="{743B0715-C183-42DE-B6E5-38E47A36CCC5}" dt="2021-09-29T03:36:20.874" v="17" actId="478"/>
-          <ac:spMkLst>
-            <pc:docMk/>
-            <pc:sldMk cId="1520747544" sldId="262"/>
-            <ac:spMk id="23" creationId="{989887C1-A93D-49F2-B8A0-193D9B94E14F}"/>
-          </ac:spMkLst>
-        </pc:spChg>
-        <pc:spChg chg="add mod">
-          <ac:chgData name="Graydon Hall" userId="6ad8ef6fe9c5877e" providerId="LiveId" clId="{743B0715-C183-42DE-B6E5-38E47A36CCC5}" dt="2021-09-29T03:54:13.070" v="298" actId="1076"/>
-          <ac:spMkLst>
-            <pc:docMk/>
-            <pc:sldMk cId="1520747544" sldId="262"/>
-            <ac:spMk id="24" creationId="{FD8706BD-108D-4ECE-80FA-00ED04CF3D8A}"/>
-          </ac:spMkLst>
-        </pc:spChg>
-        <pc:spChg chg="add mod">
-          <ac:chgData name="Graydon Hall" userId="6ad8ef6fe9c5877e" providerId="LiveId" clId="{743B0715-C183-42DE-B6E5-38E47A36CCC5}" dt="2021-09-29T03:54:13.070" v="298" actId="1076"/>
-          <ac:spMkLst>
-            <pc:docMk/>
-            <pc:sldMk cId="1520747544" sldId="262"/>
-            <ac:spMk id="25" creationId="{D874629E-BAB8-48EB-8538-631F7E8F7166}"/>
-          </ac:spMkLst>
-        </pc:spChg>
-        <pc:spChg chg="add mod">
-          <ac:chgData name="Graydon Hall" userId="6ad8ef6fe9c5877e" providerId="LiveId" clId="{743B0715-C183-42DE-B6E5-38E47A36CCC5}" dt="2021-09-29T03:54:13.070" v="298" actId="1076"/>
-          <ac:spMkLst>
-            <pc:docMk/>
-            <pc:sldMk cId="1520747544" sldId="262"/>
-            <ac:spMk id="26" creationId="{D60DACE1-0AE0-4851-B2F0-AFC7BC736D99}"/>
-          </ac:spMkLst>
-        </pc:spChg>
-        <pc:spChg chg="add del mod">
-          <ac:chgData name="Graydon Hall" userId="6ad8ef6fe9c5877e" providerId="LiveId" clId="{743B0715-C183-42DE-B6E5-38E47A36CCC5}" dt="2021-09-29T03:36:15.386" v="11" actId="478"/>
-          <ac:spMkLst>
-            <pc:docMk/>
-            <pc:sldMk cId="1520747544" sldId="262"/>
-            <ac:spMk id="27" creationId="{331319E9-FA3B-4F32-95FC-8CF792132737}"/>
-          </ac:spMkLst>
-        </pc:spChg>
-        <pc:spChg chg="add del mod">
-          <ac:chgData name="Graydon Hall" userId="6ad8ef6fe9c5877e" providerId="LiveId" clId="{743B0715-C183-42DE-B6E5-38E47A36CCC5}" dt="2021-09-29T03:36:19.816" v="15" actId="478"/>
-          <ac:spMkLst>
-            <pc:docMk/>
-            <pc:sldMk cId="1520747544" sldId="262"/>
-            <ac:spMk id="28" creationId="{5C8E1C9E-56A0-4C56-9D23-B7525279507E}"/>
-          </ac:spMkLst>
-        </pc:spChg>
-        <pc:spChg chg="add del mod">
-          <ac:chgData name="Graydon Hall" userId="6ad8ef6fe9c5877e" providerId="LiveId" clId="{743B0715-C183-42DE-B6E5-38E47A36CCC5}" dt="2021-09-29T03:36:20.409" v="16" actId="478"/>
-          <ac:spMkLst>
-            <pc:docMk/>
-            <pc:sldMk cId="1520747544" sldId="262"/>
-            <ac:spMk id="29" creationId="{3CD0DEED-BD3D-4727-8A5B-5BC716E76768}"/>
-          </ac:spMkLst>
-        </pc:spChg>
-        <pc:spChg chg="add mod">
-          <ac:chgData name="Graydon Hall" userId="6ad8ef6fe9c5877e" providerId="LiveId" clId="{743B0715-C183-42DE-B6E5-38E47A36CCC5}" dt="2021-09-29T03:50:39.468" v="264" actId="1035"/>
-          <ac:spMkLst>
-            <pc:docMk/>
-            <pc:sldMk cId="1520747544" sldId="262"/>
-            <ac:spMk id="30" creationId="{EF742BB3-B8CD-4214-A16D-995CA4C3A04F}"/>
-          </ac:spMkLst>
-        </pc:spChg>
-        <pc:spChg chg="add mod">
-          <ac:chgData name="Graydon Hall" userId="6ad8ef6fe9c5877e" providerId="LiveId" clId="{743B0715-C183-42DE-B6E5-38E47A36CCC5}" dt="2021-09-29T03:50:39.468" v="264" actId="1035"/>
-          <ac:spMkLst>
-            <pc:docMk/>
-            <pc:sldMk cId="1520747544" sldId="262"/>
-            <ac:spMk id="31" creationId="{195FFD83-D7D9-4459-9CF3-A18D5A7A4E5B}"/>
-          </ac:spMkLst>
-        </pc:spChg>
-        <pc:spChg chg="add mod">
-          <ac:chgData name="Graydon Hall" userId="6ad8ef6fe9c5877e" providerId="LiveId" clId="{743B0715-C183-42DE-B6E5-38E47A36CCC5}" dt="2021-09-29T03:50:39.468" v="264" actId="1035"/>
-          <ac:spMkLst>
-            <pc:docMk/>
-            <pc:sldMk cId="1520747544" sldId="262"/>
-            <ac:spMk id="32" creationId="{0F9B6971-E396-466B-968F-2B6C71A84C66}"/>
-          </ac:spMkLst>
-        </pc:spChg>
-        <pc:spChg chg="add mod ord">
-          <ac:chgData name="Graydon Hall" userId="6ad8ef6fe9c5877e" providerId="LiveId" clId="{743B0715-C183-42DE-B6E5-38E47A36CCC5}" dt="2021-09-29T03:54:13.070" v="298" actId="1076"/>
-          <ac:spMkLst>
-            <pc:docMk/>
-            <pc:sldMk cId="1520747544" sldId="262"/>
-            <ac:spMk id="33" creationId="{93034171-ED6B-48B6-89E7-6D43497F0D62}"/>
-          </ac:spMkLst>
-        </pc:spChg>
-        <pc:spChg chg="add del mod">
-          <ac:chgData name="Graydon Hall" userId="6ad8ef6fe9c5877e" providerId="LiveId" clId="{743B0715-C183-42DE-B6E5-38E47A36CCC5}" dt="2021-09-29T03:50:51.095" v="287" actId="478"/>
-          <ac:spMkLst>
-            <pc:docMk/>
-            <pc:sldMk cId="1520747544" sldId="262"/>
-            <ac:spMk id="34" creationId="{504E148F-17B4-487A-9380-824A592108EE}"/>
-          </ac:spMkLst>
-        </pc:spChg>
-        <pc:spChg chg="add del mod">
-          <ac:chgData name="Graydon Hall" userId="6ad8ef6fe9c5877e" providerId="LiveId" clId="{743B0715-C183-42DE-B6E5-38E47A36CCC5}" dt="2021-09-29T03:51:11.350" v="292" actId="478"/>
-          <ac:spMkLst>
-            <pc:docMk/>
-            <pc:sldMk cId="1520747544" sldId="262"/>
-            <ac:spMk id="35" creationId="{6789E424-B6B9-4097-AC0D-75D7E2D04051}"/>
-          </ac:spMkLst>
-        </pc:spChg>
-        <pc:spChg chg="add del mod">
-          <ac:chgData name="Graydon Hall" userId="6ad8ef6fe9c5877e" providerId="LiveId" clId="{743B0715-C183-42DE-B6E5-38E47A36CCC5}" dt="2021-09-29T03:51:11.350" v="292" actId="478"/>
-          <ac:spMkLst>
-            <pc:docMk/>
-            <pc:sldMk cId="1520747544" sldId="262"/>
-            <ac:spMk id="36" creationId="{353EC245-78FD-4B1A-8B4C-18445610632B}"/>
-          </ac:spMkLst>
-        </pc:spChg>
-        <pc:spChg chg="add del mod">
-          <ac:chgData name="Graydon Hall" userId="6ad8ef6fe9c5877e" providerId="LiveId" clId="{743B0715-C183-42DE-B6E5-38E47A36CCC5}" dt="2021-09-29T03:51:11.350" v="292" actId="478"/>
-          <ac:spMkLst>
-            <pc:docMk/>
-            <pc:sldMk cId="1520747544" sldId="262"/>
-            <ac:spMk id="37" creationId="{73157DFB-413B-47C5-8D98-374C7DF4B497}"/>
-          </ac:spMkLst>
-        </pc:spChg>
-        <pc:spChg chg="add del mod">
-          <ac:chgData name="Graydon Hall" userId="6ad8ef6fe9c5877e" providerId="LiveId" clId="{743B0715-C183-42DE-B6E5-38E47A36CCC5}" dt="2021-09-29T03:51:11.350" v="292" actId="478"/>
-          <ac:spMkLst>
-            <pc:docMk/>
-            <pc:sldMk cId="1520747544" sldId="262"/>
-            <ac:spMk id="38" creationId="{C5858F6A-2A1F-425D-9D84-23EF51AF084C}"/>
-          </ac:spMkLst>
-        </pc:spChg>
-        <pc:spChg chg="add del mod">
-          <ac:chgData name="Graydon Hall" userId="6ad8ef6fe9c5877e" providerId="LiveId" clId="{743B0715-C183-42DE-B6E5-38E47A36CCC5}" dt="2021-09-29T03:51:11.350" v="292" actId="478"/>
-          <ac:spMkLst>
-            <pc:docMk/>
-            <pc:sldMk cId="1520747544" sldId="262"/>
-            <ac:spMk id="39" creationId="{3BD4D860-3120-4518-B16A-0D50B93E3FC9}"/>
-          </ac:spMkLst>
-        </pc:spChg>
-        <pc:spChg chg="add del mod">
-          <ac:chgData name="Graydon Hall" userId="6ad8ef6fe9c5877e" providerId="LiveId" clId="{743B0715-C183-42DE-B6E5-38E47A36CCC5}" dt="2021-09-29T03:51:11.350" v="292" actId="478"/>
-          <ac:spMkLst>
-            <pc:docMk/>
-            <pc:sldMk cId="1520747544" sldId="262"/>
-            <ac:spMk id="40" creationId="{FEBC4595-2A2E-4D17-8399-378CD0498AAD}"/>
-          </ac:spMkLst>
-        </pc:spChg>
-        <pc:spChg chg="add del mod">
-          <ac:chgData name="Graydon Hall" userId="6ad8ef6fe9c5877e" providerId="LiveId" clId="{743B0715-C183-42DE-B6E5-38E47A36CCC5}" dt="2021-09-29T03:54:12.689" v="297" actId="478"/>
-          <ac:spMkLst>
-            <pc:docMk/>
-            <pc:sldMk cId="1520747544" sldId="262"/>
-            <ac:spMk id="41" creationId="{9F697075-3869-42C5-B2FA-DE2B053F13AC}"/>
-          </ac:spMkLst>
-        </pc:spChg>
-      </pc:sldChg>
-      <pc:sldChg chg="addSp delSp modSp add mod">
-        <pc:chgData name="Graydon Hall" userId="6ad8ef6fe9c5877e" providerId="LiveId" clId="{743B0715-C183-42DE-B6E5-38E47A36CCC5}" dt="2021-09-29T03:56:32.641" v="322"/>
-        <pc:sldMkLst>
-          <pc:docMk/>
-          <pc:sldMk cId="1503291825" sldId="263"/>
-        </pc:sldMkLst>
-        <pc:spChg chg="add">
-          <ac:chgData name="Graydon Hall" userId="6ad8ef6fe9c5877e" providerId="LiveId" clId="{743B0715-C183-42DE-B6E5-38E47A36CCC5}" dt="2021-09-29T03:55:34.344" v="315" actId="11529"/>
-          <ac:spMkLst>
-            <pc:docMk/>
-            <pc:sldMk cId="1503291825" sldId="263"/>
-            <ac:spMk id="2" creationId="{CFB07ECE-B2EE-4E70-B0DB-58855EAF98DE}"/>
-          </ac:spMkLst>
-        </pc:spChg>
-        <pc:spChg chg="add mod">
-          <ac:chgData name="Graydon Hall" userId="6ad8ef6fe9c5877e" providerId="LiveId" clId="{743B0715-C183-42DE-B6E5-38E47A36CCC5}" dt="2021-09-29T03:56:32.641" v="322"/>
-          <ac:spMkLst>
-            <pc:docMk/>
-            <pc:sldMk cId="1503291825" sldId="263"/>
-            <ac:spMk id="3" creationId="{3F7A1947-1946-4153-BCE6-A4B25865D7B6}"/>
-          </ac:spMkLst>
-        </pc:spChg>
-        <pc:spChg chg="mod">
-          <ac:chgData name="Graydon Hall" userId="6ad8ef6fe9c5877e" providerId="LiveId" clId="{743B0715-C183-42DE-B6E5-38E47A36CCC5}" dt="2021-09-29T03:54:33.356" v="303" actId="1076"/>
-          <ac:spMkLst>
-            <pc:docMk/>
-            <pc:sldMk cId="1503291825" sldId="263"/>
-            <ac:spMk id="4" creationId="{69D13A37-6B82-4C78-812F-D9D461CDC672}"/>
-          </ac:spMkLst>
-        </pc:spChg>
-        <pc:spChg chg="mod">
-          <ac:chgData name="Graydon Hall" userId="6ad8ef6fe9c5877e" providerId="LiveId" clId="{743B0715-C183-42DE-B6E5-38E47A36CCC5}" dt="2021-09-29T03:54:33.356" v="303" actId="1076"/>
-          <ac:spMkLst>
-            <pc:docMk/>
-            <pc:sldMk cId="1503291825" sldId="263"/>
-            <ac:spMk id="11" creationId="{ABE71181-B149-4EE3-8C57-DA344694D6C2}"/>
-          </ac:spMkLst>
-        </pc:spChg>
-        <pc:spChg chg="mod">
-          <ac:chgData name="Graydon Hall" userId="6ad8ef6fe9c5877e" providerId="LiveId" clId="{743B0715-C183-42DE-B6E5-38E47A36CCC5}" dt="2021-09-29T03:54:33.356" v="303" actId="1076"/>
-          <ac:spMkLst>
-            <pc:docMk/>
-            <pc:sldMk cId="1503291825" sldId="263"/>
-            <ac:spMk id="15" creationId="{37CEF823-64A2-4803-97BB-DE3BC2A56C3D}"/>
-          </ac:spMkLst>
-        </pc:spChg>
-        <pc:spChg chg="mod">
-          <ac:chgData name="Graydon Hall" userId="6ad8ef6fe9c5877e" providerId="LiveId" clId="{743B0715-C183-42DE-B6E5-38E47A36CCC5}" dt="2021-09-29T03:54:33.356" v="303" actId="1076"/>
-          <ac:spMkLst>
-            <pc:docMk/>
-            <pc:sldMk cId="1503291825" sldId="263"/>
-            <ac:spMk id="16" creationId="{EA2DF13A-E11F-4817-B472-6B40ED9D8414}"/>
-          </ac:spMkLst>
-        </pc:spChg>
-        <pc:spChg chg="mod">
-          <ac:chgData name="Graydon Hall" userId="6ad8ef6fe9c5877e" providerId="LiveId" clId="{743B0715-C183-42DE-B6E5-38E47A36CCC5}" dt="2021-09-29T03:54:41.588" v="305" actId="20577"/>
-          <ac:spMkLst>
-            <pc:docMk/>
-            <pc:sldMk cId="1503291825" sldId="263"/>
-            <ac:spMk id="17" creationId="{49613BA1-EC39-4C9D-911C-822803A902C7}"/>
-          </ac:spMkLst>
-        </pc:spChg>
-        <pc:spChg chg="del mod">
-          <ac:chgData name="Graydon Hall" userId="6ad8ef6fe9c5877e" providerId="LiveId" clId="{743B0715-C183-42DE-B6E5-38E47A36CCC5}" dt="2021-09-29T03:54:43.667" v="306" actId="478"/>
-          <ac:spMkLst>
-            <pc:docMk/>
-            <pc:sldMk cId="1503291825" sldId="263"/>
-            <ac:spMk id="18" creationId="{827B7BA2-81B6-42CB-8875-9F2B5C5394A7}"/>
-          </ac:spMkLst>
-        </pc:spChg>
-        <pc:spChg chg="mod">
-          <ac:chgData name="Graydon Hall" userId="6ad8ef6fe9c5877e" providerId="LiveId" clId="{743B0715-C183-42DE-B6E5-38E47A36CCC5}" dt="2021-09-29T03:54:33.356" v="303" actId="1076"/>
-          <ac:spMkLst>
-            <pc:docMk/>
-            <pc:sldMk cId="1503291825" sldId="263"/>
-            <ac:spMk id="19" creationId="{EB91542B-7DF9-446A-B685-3FF42460CD15}"/>
-          </ac:spMkLst>
-        </pc:spChg>
-        <pc:spChg chg="mod">
-          <ac:chgData name="Graydon Hall" userId="6ad8ef6fe9c5877e" providerId="LiveId" clId="{743B0715-C183-42DE-B6E5-38E47A36CCC5}" dt="2021-09-29T03:54:33.356" v="303" actId="1076"/>
-          <ac:spMkLst>
-            <pc:docMk/>
-            <pc:sldMk cId="1503291825" sldId="263"/>
-            <ac:spMk id="24" creationId="{FD8706BD-108D-4ECE-80FA-00ED04CF3D8A}"/>
-          </ac:spMkLst>
-        </pc:spChg>
-        <pc:spChg chg="mod">
-          <ac:chgData name="Graydon Hall" userId="6ad8ef6fe9c5877e" providerId="LiveId" clId="{743B0715-C183-42DE-B6E5-38E47A36CCC5}" dt="2021-09-29T03:54:33.356" v="303" actId="1076"/>
-          <ac:spMkLst>
-            <pc:docMk/>
-            <pc:sldMk cId="1503291825" sldId="263"/>
-            <ac:spMk id="25" creationId="{D874629E-BAB8-48EB-8538-631F7E8F7166}"/>
-          </ac:spMkLst>
-        </pc:spChg>
-        <pc:spChg chg="mod">
-          <ac:chgData name="Graydon Hall" userId="6ad8ef6fe9c5877e" providerId="LiveId" clId="{743B0715-C183-42DE-B6E5-38E47A36CCC5}" dt="2021-09-29T03:54:33.356" v="303" actId="1076"/>
-          <ac:spMkLst>
-            <pc:docMk/>
-            <pc:sldMk cId="1503291825" sldId="263"/>
-            <ac:spMk id="26" creationId="{D60DACE1-0AE0-4851-B2F0-AFC7BC736D99}"/>
-          </ac:spMkLst>
-        </pc:spChg>
-        <pc:spChg chg="add mod">
-          <ac:chgData name="Graydon Hall" userId="6ad8ef6fe9c5877e" providerId="LiveId" clId="{743B0715-C183-42DE-B6E5-38E47A36CCC5}" dt="2021-09-29T03:54:56.656" v="309" actId="1076"/>
-          <ac:spMkLst>
-            <pc:docMk/>
-            <pc:sldMk cId="1503291825" sldId="263"/>
-            <ac:spMk id="29" creationId="{47CAEDA8-D31E-4441-9798-ACABDF85CE4C}"/>
-          </ac:spMkLst>
-        </pc:spChg>
-        <pc:spChg chg="del mod">
-          <ac:chgData name="Graydon Hall" userId="6ad8ef6fe9c5877e" providerId="LiveId" clId="{743B0715-C183-42DE-B6E5-38E47A36CCC5}" dt="2021-09-29T03:54:47.052" v="307" actId="478"/>
-          <ac:spMkLst>
-            <pc:docMk/>
-            <pc:sldMk cId="1503291825" sldId="263"/>
-            <ac:spMk id="33" creationId="{93034171-ED6B-48B6-89E7-6D43497F0D62}"/>
-          </ac:spMkLst>
-        </pc:spChg>
-        <pc:spChg chg="add mod">
-          <ac:chgData name="Graydon Hall" userId="6ad8ef6fe9c5877e" providerId="LiveId" clId="{743B0715-C183-42DE-B6E5-38E47A36CCC5}" dt="2021-09-29T03:54:56.656" v="309" actId="1076"/>
-          <ac:spMkLst>
-            <pc:docMk/>
-            <pc:sldMk cId="1503291825" sldId="263"/>
-            <ac:spMk id="34" creationId="{B2F16374-3F83-43A2-8906-FFB94AB30597}"/>
-          </ac:spMkLst>
-        </pc:spChg>
-        <pc:spChg chg="del">
-          <ac:chgData name="Graydon Hall" userId="6ad8ef6fe9c5877e" providerId="LiveId" clId="{743B0715-C183-42DE-B6E5-38E47A36CCC5}" dt="2021-09-29T03:54:28.499" v="302" actId="478"/>
-          <ac:spMkLst>
-            <pc:docMk/>
-            <pc:sldMk cId="1503291825" sldId="263"/>
-            <ac:spMk id="35" creationId="{6789E424-B6B9-4097-AC0D-75D7E2D04051}"/>
-          </ac:spMkLst>
-        </pc:spChg>
-        <pc:spChg chg="del">
-          <ac:chgData name="Graydon Hall" userId="6ad8ef6fe9c5877e" providerId="LiveId" clId="{743B0715-C183-42DE-B6E5-38E47A36CCC5}" dt="2021-09-29T03:54:28.499" v="302" actId="478"/>
-          <ac:spMkLst>
-            <pc:docMk/>
-            <pc:sldMk cId="1503291825" sldId="263"/>
-            <ac:spMk id="36" creationId="{353EC245-78FD-4B1A-8B4C-18445610632B}"/>
-          </ac:spMkLst>
-        </pc:spChg>
-        <pc:spChg chg="del">
-          <ac:chgData name="Graydon Hall" userId="6ad8ef6fe9c5877e" providerId="LiveId" clId="{743B0715-C183-42DE-B6E5-38E47A36CCC5}" dt="2021-09-29T03:54:28.499" v="302" actId="478"/>
-          <ac:spMkLst>
-            <pc:docMk/>
-            <pc:sldMk cId="1503291825" sldId="263"/>
-            <ac:spMk id="37" creationId="{73157DFB-413B-47C5-8D98-374C7DF4B497}"/>
-          </ac:spMkLst>
-        </pc:spChg>
-        <pc:spChg chg="del">
-          <ac:chgData name="Graydon Hall" userId="6ad8ef6fe9c5877e" providerId="LiveId" clId="{743B0715-C183-42DE-B6E5-38E47A36CCC5}" dt="2021-09-29T03:54:28.499" v="302" actId="478"/>
-          <ac:spMkLst>
-            <pc:docMk/>
-            <pc:sldMk cId="1503291825" sldId="263"/>
-            <ac:spMk id="38" creationId="{C5858F6A-2A1F-425D-9D84-23EF51AF084C}"/>
-          </ac:spMkLst>
-        </pc:spChg>
-        <pc:spChg chg="del">
-          <ac:chgData name="Graydon Hall" userId="6ad8ef6fe9c5877e" providerId="LiveId" clId="{743B0715-C183-42DE-B6E5-38E47A36CCC5}" dt="2021-09-29T03:54:28.499" v="302" actId="478"/>
-          <ac:spMkLst>
-            <pc:docMk/>
-            <pc:sldMk cId="1503291825" sldId="263"/>
-            <ac:spMk id="39" creationId="{3BD4D860-3120-4518-B16A-0D50B93E3FC9}"/>
-          </ac:spMkLst>
-        </pc:spChg>
-        <pc:spChg chg="del">
-          <ac:chgData name="Graydon Hall" userId="6ad8ef6fe9c5877e" providerId="LiveId" clId="{743B0715-C183-42DE-B6E5-38E47A36CCC5}" dt="2021-09-29T03:54:28.499" v="302" actId="478"/>
-          <ac:spMkLst>
-            <pc:docMk/>
-            <pc:sldMk cId="1503291825" sldId="263"/>
-            <ac:spMk id="40" creationId="{FEBC4595-2A2E-4D17-8399-378CD0498AAD}"/>
-          </ac:spMkLst>
-        </pc:spChg>
-        <pc:spChg chg="add mod">
-          <ac:chgData name="Graydon Hall" userId="6ad8ef6fe9c5877e" providerId="LiveId" clId="{743B0715-C183-42DE-B6E5-38E47A36CCC5}" dt="2021-09-29T03:55:07.494" v="312"/>
-          <ac:spMkLst>
-            <pc:docMk/>
-            <pc:sldMk cId="1503291825" sldId="263"/>
-            <ac:spMk id="41" creationId="{DBF3B9B0-06CB-4339-9F91-A859FAB1956F}"/>
-          </ac:spMkLst>
-        </pc:spChg>
-        <pc:spChg chg="add mod">
-          <ac:chgData name="Graydon Hall" userId="6ad8ef6fe9c5877e" providerId="LiveId" clId="{743B0715-C183-42DE-B6E5-38E47A36CCC5}" dt="2021-09-29T03:54:56.656" v="309" actId="1076"/>
-          <ac:spMkLst>
-            <pc:docMk/>
-            <pc:sldMk cId="1503291825" sldId="263"/>
-            <ac:spMk id="42" creationId="{FB277E18-A725-43A5-A729-8909D4583D5E}"/>
-          </ac:spMkLst>
-        </pc:spChg>
-        <pc:spChg chg="add mod">
-          <ac:chgData name="Graydon Hall" userId="6ad8ef6fe9c5877e" providerId="LiveId" clId="{743B0715-C183-42DE-B6E5-38E47A36CCC5}" dt="2021-09-29T03:55:22.689" v="314" actId="20577"/>
-          <ac:spMkLst>
-            <pc:docMk/>
-            <pc:sldMk cId="1503291825" sldId="263"/>
-            <ac:spMk id="43" creationId="{2970151F-788A-48D6-A891-B1DD457E73EA}"/>
-          </ac:spMkLst>
-        </pc:spChg>
-        <pc:spChg chg="add del mod">
-          <ac:chgData name="Graydon Hall" userId="6ad8ef6fe9c5877e" providerId="LiveId" clId="{743B0715-C183-42DE-B6E5-38E47A36CCC5}" dt="2021-09-29T03:55:15.517" v="313" actId="478"/>
-          <ac:spMkLst>
-            <pc:docMk/>
-            <pc:sldMk cId="1503291825" sldId="263"/>
-            <ac:spMk id="44" creationId="{2B167A58-2A6F-42A3-83D6-8B11291C1983}"/>
-          </ac:spMkLst>
-        </pc:spChg>
-        <pc:spChg chg="add mod">
-          <ac:chgData name="Graydon Hall" userId="6ad8ef6fe9c5877e" providerId="LiveId" clId="{743B0715-C183-42DE-B6E5-38E47A36CCC5}" dt="2021-09-29T03:54:56.656" v="309" actId="1076"/>
-          <ac:spMkLst>
-            <pc:docMk/>
-            <pc:sldMk cId="1503291825" sldId="263"/>
-            <ac:spMk id="45" creationId="{52550F01-2117-470B-81A6-0B103B521802}"/>
-          </ac:spMkLst>
-        </pc:spChg>
-        <pc:spChg chg="add mod">
-          <ac:chgData name="Graydon Hall" userId="6ad8ef6fe9c5877e" providerId="LiveId" clId="{743B0715-C183-42DE-B6E5-38E47A36CCC5}" dt="2021-09-29T03:55:45.920" v="320" actId="207"/>
-          <ac:spMkLst>
-            <pc:docMk/>
-            <pc:sldMk cId="1503291825" sldId="263"/>
-            <ac:spMk id="46" creationId="{CC01F6B5-B11D-47C7-8A80-86751AEF2E34}"/>
-          </ac:spMkLst>
-        </pc:spChg>
-      </pc:sldChg>
-      <pc:sldChg chg="addSp delSp modSp add mod">
-        <pc:chgData name="Graydon Hall" userId="6ad8ef6fe9c5877e" providerId="LiveId" clId="{743B0715-C183-42DE-B6E5-38E47A36CCC5}" dt="2021-09-29T04:03:22.658" v="363" actId="20577"/>
-        <pc:sldMkLst>
-          <pc:docMk/>
-          <pc:sldMk cId="3452070991" sldId="264"/>
-        </pc:sldMkLst>
-        <pc:spChg chg="add mod">
-          <ac:chgData name="Graydon Hall" userId="6ad8ef6fe9c5877e" providerId="LiveId" clId="{743B0715-C183-42DE-B6E5-38E47A36CCC5}" dt="2021-09-29T04:01:24.047" v="349"/>
-          <ac:spMkLst>
-            <pc:docMk/>
-            <pc:sldMk cId="3452070991" sldId="264"/>
-            <ac:spMk id="2" creationId="{4B6CD77E-2848-4F7A-90F1-9D0E81791A95}"/>
-          </ac:spMkLst>
-        </pc:spChg>
-        <pc:spChg chg="mod">
-          <ac:chgData name="Graydon Hall" userId="6ad8ef6fe9c5877e" providerId="LiveId" clId="{743B0715-C183-42DE-B6E5-38E47A36CCC5}" dt="2021-09-29T04:03:22.658" v="363" actId="20577"/>
-          <ac:spMkLst>
-            <pc:docMk/>
-            <pc:sldMk cId="3452070991" sldId="264"/>
-            <ac:spMk id="11" creationId="{ABE71181-B149-4EE3-8C57-DA344694D6C2}"/>
-          </ac:spMkLst>
-        </pc:spChg>
-        <pc:spChg chg="mod">
-          <ac:chgData name="Graydon Hall" userId="6ad8ef6fe9c5877e" providerId="LiveId" clId="{743B0715-C183-42DE-B6E5-38E47A36CCC5}" dt="2021-09-29T03:59:30.762" v="334" actId="20577"/>
-          <ac:spMkLst>
-            <pc:docMk/>
-            <pc:sldMk cId="3452070991" sldId="264"/>
-            <ac:spMk id="17" creationId="{49613BA1-EC39-4C9D-911C-822803A902C7}"/>
-          </ac:spMkLst>
-        </pc:spChg>
-        <pc:spChg chg="mod">
-          <ac:chgData name="Graydon Hall" userId="6ad8ef6fe9c5877e" providerId="LiveId" clId="{743B0715-C183-42DE-B6E5-38E47A36CCC5}" dt="2021-09-29T03:59:50.673" v="342" actId="20577"/>
-          <ac:spMkLst>
-            <pc:docMk/>
-            <pc:sldMk cId="3452070991" sldId="264"/>
-            <ac:spMk id="18" creationId="{827B7BA2-81B6-42CB-8875-9F2B5C5394A7}"/>
-          </ac:spMkLst>
-        </pc:spChg>
-        <pc:spChg chg="mod">
-          <ac:chgData name="Graydon Hall" userId="6ad8ef6fe9c5877e" providerId="LiveId" clId="{743B0715-C183-42DE-B6E5-38E47A36CCC5}" dt="2021-09-29T03:59:40.325" v="335" actId="1076"/>
-          <ac:spMkLst>
-            <pc:docMk/>
-            <pc:sldMk cId="3452070991" sldId="264"/>
-            <ac:spMk id="24" creationId="{FD8706BD-108D-4ECE-80FA-00ED04CF3D8A}"/>
-          </ac:spMkLst>
-        </pc:spChg>
-        <pc:spChg chg="mod">
-          <ac:chgData name="Graydon Hall" userId="6ad8ef6fe9c5877e" providerId="LiveId" clId="{743B0715-C183-42DE-B6E5-38E47A36CCC5}" dt="2021-09-29T03:59:40.325" v="335" actId="1076"/>
-          <ac:spMkLst>
-            <pc:docMk/>
-            <pc:sldMk cId="3452070991" sldId="264"/>
-            <ac:spMk id="25" creationId="{D874629E-BAB8-48EB-8538-631F7E8F7166}"/>
-          </ac:spMkLst>
-        </pc:spChg>
-        <pc:spChg chg="mod">
-          <ac:chgData name="Graydon Hall" userId="6ad8ef6fe9c5877e" providerId="LiveId" clId="{743B0715-C183-42DE-B6E5-38E47A36CCC5}" dt="2021-09-29T03:59:40.325" v="335" actId="1076"/>
-          <ac:spMkLst>
-            <pc:docMk/>
-            <pc:sldMk cId="3452070991" sldId="264"/>
-            <ac:spMk id="26" creationId="{D60DACE1-0AE0-4851-B2F0-AFC7BC736D99}"/>
-          </ac:spMkLst>
-        </pc:spChg>
-        <pc:spChg chg="add mod">
-          <ac:chgData name="Graydon Hall" userId="6ad8ef6fe9c5877e" providerId="LiveId" clId="{743B0715-C183-42DE-B6E5-38E47A36CCC5}" dt="2021-09-29T03:59:54.570" v="347" actId="20577"/>
-          <ac:spMkLst>
-            <pc:docMk/>
-            <pc:sldMk cId="3452070991" sldId="264"/>
-            <ac:spMk id="29" creationId="{4B2BD078-5FAA-4A70-B0D7-F454270B9B12}"/>
-          </ac:spMkLst>
-        </pc:spChg>
-        <pc:spChg chg="mod">
-          <ac:chgData name="Graydon Hall" userId="6ad8ef6fe9c5877e" providerId="LiveId" clId="{743B0715-C183-42DE-B6E5-38E47A36CCC5}" dt="2021-09-29T04:01:38.713" v="352" actId="20577"/>
-          <ac:spMkLst>
-            <pc:docMk/>
-            <pc:sldMk cId="3452070991" sldId="264"/>
-            <ac:spMk id="33" creationId="{93034171-ED6B-48B6-89E7-6D43497F0D62}"/>
-          </ac:spMkLst>
-        </pc:spChg>
-        <pc:spChg chg="add mod">
-          <ac:chgData name="Graydon Hall" userId="6ad8ef6fe9c5877e" providerId="LiveId" clId="{743B0715-C183-42DE-B6E5-38E47A36CCC5}" dt="2021-09-29T04:01:33.073" v="351" actId="20577"/>
-          <ac:spMkLst>
-            <pc:docMk/>
-            <pc:sldMk cId="3452070991" sldId="264"/>
-            <ac:spMk id="34" creationId="{FD9CBD7F-6B57-4C32-B703-0677E0306882}"/>
-          </ac:spMkLst>
-        </pc:spChg>
-        <pc:spChg chg="mod">
-          <ac:chgData name="Graydon Hall" userId="6ad8ef6fe9c5877e" providerId="LiveId" clId="{743B0715-C183-42DE-B6E5-38E47A36CCC5}" dt="2021-09-29T03:59:13.786" v="326" actId="20577"/>
-          <ac:spMkLst>
-            <pc:docMk/>
-            <pc:sldMk cId="3452070991" sldId="264"/>
-            <ac:spMk id="35" creationId="{6789E424-B6B9-4097-AC0D-75D7E2D04051}"/>
-          </ac:spMkLst>
-        </pc:spChg>
-        <pc:spChg chg="mod">
-          <ac:chgData name="Graydon Hall" userId="6ad8ef6fe9c5877e" providerId="LiveId" clId="{743B0715-C183-42DE-B6E5-38E47A36CCC5}" dt="2021-09-29T04:01:50.623" v="355" actId="20577"/>
-          <ac:spMkLst>
-            <pc:docMk/>
-            <pc:sldMk cId="3452070991" sldId="264"/>
-            <ac:spMk id="36" creationId="{353EC245-78FD-4B1A-8B4C-18445610632B}"/>
-          </ac:spMkLst>
-        </pc:spChg>
-        <pc:spChg chg="mod">
-          <ac:chgData name="Graydon Hall" userId="6ad8ef6fe9c5877e" providerId="LiveId" clId="{743B0715-C183-42DE-B6E5-38E47A36CCC5}" dt="2021-09-29T04:01:48.022" v="354" actId="20577"/>
-          <ac:spMkLst>
-            <pc:docMk/>
-            <pc:sldMk cId="3452070991" sldId="264"/>
-            <ac:spMk id="37" creationId="{73157DFB-413B-47C5-8D98-374C7DF4B497}"/>
-          </ac:spMkLst>
-        </pc:spChg>
-        <pc:spChg chg="add del mod">
-          <ac:chgData name="Graydon Hall" userId="6ad8ef6fe9c5877e" providerId="LiveId" clId="{743B0715-C183-42DE-B6E5-38E47A36CCC5}" dt="2021-09-29T04:03:20.743" v="361"/>
-          <ac:spMkLst>
-            <pc:docMk/>
-            <pc:sldMk cId="3452070991" sldId="264"/>
-            <ac:spMk id="41" creationId="{E942651D-9FFB-4F16-934D-7ABCE9858DD5}"/>
-          </ac:spMkLst>
-        </pc:spChg>
-        <pc:spChg chg="add del mod">
-          <ac:chgData name="Graydon Hall" userId="6ad8ef6fe9c5877e" providerId="LiveId" clId="{743B0715-C183-42DE-B6E5-38E47A36CCC5}" dt="2021-09-29T04:03:20.743" v="361"/>
-          <ac:spMkLst>
-            <pc:docMk/>
-            <pc:sldMk cId="3452070991" sldId="264"/>
-            <ac:spMk id="42" creationId="{AF24D77E-B01B-4E14-9C9F-7ADB8E293025}"/>
-          </ac:spMkLst>
-        </pc:spChg>
-      </pc:sldChg>
-      <pc:sldChg chg="addSp delSp modSp add mod">
-        <pc:chgData name="Graydon Hall" userId="6ad8ef6fe9c5877e" providerId="LiveId" clId="{743B0715-C183-42DE-B6E5-38E47A36CCC5}" dt="2021-09-29T04:11:00.285" v="433" actId="20577"/>
-        <pc:sldMkLst>
-          <pc:docMk/>
-          <pc:sldMk cId="475903413" sldId="265"/>
-        </pc:sldMkLst>
-        <pc:spChg chg="del">
-          <ac:chgData name="Graydon Hall" userId="6ad8ef6fe9c5877e" providerId="LiveId" clId="{743B0715-C183-42DE-B6E5-38E47A36CCC5}" dt="2021-09-29T04:07:22.457" v="388" actId="478"/>
-          <ac:spMkLst>
-            <pc:docMk/>
-            <pc:sldMk cId="475903413" sldId="265"/>
-            <ac:spMk id="2" creationId="{4B6CD77E-2848-4F7A-90F1-9D0E81791A95}"/>
-          </ac:spMkLst>
-        </pc:spChg>
-        <pc:spChg chg="add mod">
-          <ac:chgData name="Graydon Hall" userId="6ad8ef6fe9c5877e" providerId="LiveId" clId="{743B0715-C183-42DE-B6E5-38E47A36CCC5}" dt="2021-09-29T04:04:06.051" v="370"/>
-          <ac:spMkLst>
-            <pc:docMk/>
-            <pc:sldMk cId="475903413" sldId="265"/>
-            <ac:spMk id="3" creationId="{50C5154F-1E29-41C9-AB4A-EF30F95A9C34}"/>
-          </ac:spMkLst>
-        </pc:spChg>
-        <pc:spChg chg="add mod">
-          <ac:chgData name="Graydon Hall" userId="6ad8ef6fe9c5877e" providerId="LiveId" clId="{743B0715-C183-42DE-B6E5-38E47A36CCC5}" dt="2021-09-29T04:07:50.355" v="391"/>
-          <ac:spMkLst>
-            <pc:docMk/>
-            <pc:sldMk cId="475903413" sldId="265"/>
-            <ac:spMk id="10" creationId="{BB876968-A14B-4621-AC26-79767253D9BF}"/>
-          </ac:spMkLst>
-        </pc:spChg>
-        <pc:spChg chg="mod">
-          <ac:chgData name="Graydon Hall" userId="6ad8ef6fe9c5877e" providerId="LiveId" clId="{743B0715-C183-42DE-B6E5-38E47A36CCC5}" dt="2021-09-29T04:03:27.098" v="366" actId="20577"/>
-          <ac:spMkLst>
-            <pc:docMk/>
-            <pc:sldMk cId="475903413" sldId="265"/>
-            <ac:spMk id="11" creationId="{ABE71181-B149-4EE3-8C57-DA344694D6C2}"/>
-          </ac:spMkLst>
-        </pc:spChg>
-        <pc:spChg chg="add mod">
-          <ac:chgData name="Graydon Hall" userId="6ad8ef6fe9c5877e" providerId="LiveId" clId="{743B0715-C183-42DE-B6E5-38E47A36CCC5}" dt="2021-09-29T04:09:34.716" v="410"/>
-          <ac:spMkLst>
-            <pc:docMk/>
-            <pc:sldMk cId="475903413" sldId="265"/>
-            <ac:spMk id="12" creationId="{3A7773A3-16BD-4776-84D2-8EE6CDE00FAD}"/>
-          </ac:spMkLst>
-        </pc:spChg>
-        <pc:spChg chg="mod">
-          <ac:chgData name="Graydon Hall" userId="6ad8ef6fe9c5877e" providerId="LiveId" clId="{743B0715-C183-42DE-B6E5-38E47A36CCC5}" dt="2021-09-29T04:06:31.969" v="387" actId="20577"/>
-          <ac:spMkLst>
-            <pc:docMk/>
-            <pc:sldMk cId="475903413" sldId="265"/>
-            <ac:spMk id="17" creationId="{49613BA1-EC39-4C9D-911C-822803A902C7}"/>
-          </ac:spMkLst>
-        </pc:spChg>
-        <pc:spChg chg="mod">
-          <ac:chgData name="Graydon Hall" userId="6ad8ef6fe9c5877e" providerId="LiveId" clId="{743B0715-C183-42DE-B6E5-38E47A36CCC5}" dt="2021-09-29T04:08:09.798" v="396" actId="20577"/>
-          <ac:spMkLst>
-            <pc:docMk/>
-            <pc:sldMk cId="475903413" sldId="265"/>
-            <ac:spMk id="18" creationId="{827B7BA2-81B6-42CB-8875-9F2B5C5394A7}"/>
-          </ac:spMkLst>
-        </pc:spChg>
-        <pc:spChg chg="del">
-          <ac:chgData name="Graydon Hall" userId="6ad8ef6fe9c5877e" providerId="LiveId" clId="{743B0715-C183-42DE-B6E5-38E47A36CCC5}" dt="2021-09-29T04:09:39.031" v="411" actId="478"/>
-          <ac:spMkLst>
-            <pc:docMk/>
-            <pc:sldMk cId="475903413" sldId="265"/>
-            <ac:spMk id="19" creationId="{EB91542B-7DF9-446A-B685-3FF42460CD15}"/>
-          </ac:spMkLst>
-        </pc:spChg>
-        <pc:spChg chg="add del mod">
-          <ac:chgData name="Graydon Hall" userId="6ad8ef6fe9c5877e" providerId="LiveId" clId="{743B0715-C183-42DE-B6E5-38E47A36CCC5}" dt="2021-09-29T04:08:41.736" v="405" actId="478"/>
-          <ac:spMkLst>
-            <pc:docMk/>
-            <pc:sldMk cId="475903413" sldId="265"/>
-            <ac:spMk id="29" creationId="{4B2BD078-5FAA-4A70-B0D7-F454270B9B12}"/>
-          </ac:spMkLst>
-        </pc:spChg>
-        <pc:spChg chg="add del mod">
-          <ac:chgData name="Graydon Hall" userId="6ad8ef6fe9c5877e" providerId="LiveId" clId="{743B0715-C183-42DE-B6E5-38E47A36CCC5}" dt="2021-09-29T04:08:44.824" v="406" actId="6549"/>
-          <ac:spMkLst>
-            <pc:docMk/>
-            <pc:sldMk cId="475903413" sldId="265"/>
-            <ac:spMk id="33" creationId="{93034171-ED6B-48B6-89E7-6D43497F0D62}"/>
-          </ac:spMkLst>
-        </pc:spChg>
-        <pc:spChg chg="add del">
-          <ac:chgData name="Graydon Hall" userId="6ad8ef6fe9c5877e" providerId="LiveId" clId="{743B0715-C183-42DE-B6E5-38E47A36CCC5}" dt="2021-09-29T04:08:40.210" v="403" actId="478"/>
-          <ac:spMkLst>
-            <pc:docMk/>
-            <pc:sldMk cId="475903413" sldId="265"/>
-            <ac:spMk id="34" creationId="{FD9CBD7F-6B57-4C32-B703-0677E0306882}"/>
-          </ac:spMkLst>
-        </pc:spChg>
-        <pc:spChg chg="mod">
-          <ac:chgData name="Graydon Hall" userId="6ad8ef6fe9c5877e" providerId="LiveId" clId="{743B0715-C183-42DE-B6E5-38E47A36CCC5}" dt="2021-09-29T04:05:04.466" v="379" actId="20577"/>
-          <ac:spMkLst>
-            <pc:docMk/>
-            <pc:sldMk cId="475903413" sldId="265"/>
-            <ac:spMk id="36" creationId="{353EC245-78FD-4B1A-8B4C-18445610632B}"/>
-          </ac:spMkLst>
-        </pc:spChg>
-        <pc:spChg chg="mod">
-          <ac:chgData name="Graydon Hall" userId="6ad8ef6fe9c5877e" providerId="LiveId" clId="{743B0715-C183-42DE-B6E5-38E47A36CCC5}" dt="2021-09-29T04:04:56.818" v="374" actId="20577"/>
-          <ac:spMkLst>
-            <pc:docMk/>
-            <pc:sldMk cId="475903413" sldId="265"/>
-            <ac:spMk id="37" creationId="{73157DFB-413B-47C5-8D98-374C7DF4B497}"/>
-          </ac:spMkLst>
-        </pc:spChg>
-        <pc:spChg chg="add mod">
-          <ac:chgData name="Graydon Hall" userId="6ad8ef6fe9c5877e" providerId="LiveId" clId="{743B0715-C183-42DE-B6E5-38E47A36CCC5}" dt="2021-09-29T04:04:10.389" v="371" actId="20577"/>
-          <ac:spMkLst>
-            <pc:docMk/>
-            <pc:sldMk cId="475903413" sldId="265"/>
-            <ac:spMk id="41" creationId="{298F900F-D4C7-438E-9E2C-759376E48C60}"/>
-          </ac:spMkLst>
-        </pc:spChg>
-        <pc:spChg chg="add mod">
-          <ac:chgData name="Graydon Hall" userId="6ad8ef6fe9c5877e" providerId="LiveId" clId="{743B0715-C183-42DE-B6E5-38E47A36CCC5}" dt="2021-09-29T04:03:37.041" v="368" actId="1076"/>
-          <ac:spMkLst>
-            <pc:docMk/>
-            <pc:sldMk cId="475903413" sldId="265"/>
-            <ac:spMk id="42" creationId="{E9144911-3DBE-471D-A0D7-BF3937DD3AE4}"/>
-          </ac:spMkLst>
-        </pc:spChg>
-        <pc:spChg chg="add mod">
-          <ac:chgData name="Graydon Hall" userId="6ad8ef6fe9c5877e" providerId="LiveId" clId="{743B0715-C183-42DE-B6E5-38E47A36CCC5}" dt="2021-09-29T04:03:37.041" v="368" actId="1076"/>
-          <ac:spMkLst>
-            <pc:docMk/>
-            <pc:sldMk cId="475903413" sldId="265"/>
-            <ac:spMk id="43" creationId="{E4C0EE3B-A371-45FF-B428-3DF70DE736DC}"/>
-          </ac:spMkLst>
-        </pc:spChg>
-        <pc:spChg chg="add mod">
-          <ac:chgData name="Graydon Hall" userId="6ad8ef6fe9c5877e" providerId="LiveId" clId="{743B0715-C183-42DE-B6E5-38E47A36CCC5}" dt="2021-09-29T04:08:49.685" v="408" actId="1076"/>
-          <ac:spMkLst>
-            <pc:docMk/>
-            <pc:sldMk cId="475903413" sldId="265"/>
-            <ac:spMk id="44" creationId="{FBBEB1BD-78EA-425E-9160-0B4F52E9B7F8}"/>
-          </ac:spMkLst>
-        </pc:spChg>
-        <pc:spChg chg="add del mod">
-          <ac:chgData name="Graydon Hall" userId="6ad8ef6fe9c5877e" providerId="LiveId" clId="{743B0715-C183-42DE-B6E5-38E47A36CCC5}" dt="2021-09-29T04:09:53.059" v="413"/>
-          <ac:spMkLst>
-            <pc:docMk/>
-            <pc:sldMk cId="475903413" sldId="265"/>
-            <ac:spMk id="45" creationId="{D5EECA03-9ED2-452C-9B09-BD5A87BABB00}"/>
-          </ac:spMkLst>
-        </pc:spChg>
-        <pc:spChg chg="add del mod">
-          <ac:chgData name="Graydon Hall" userId="6ad8ef6fe9c5877e" providerId="LiveId" clId="{743B0715-C183-42DE-B6E5-38E47A36CCC5}" dt="2021-09-29T04:09:53.059" v="413"/>
-          <ac:spMkLst>
-            <pc:docMk/>
-            <pc:sldMk cId="475903413" sldId="265"/>
-            <ac:spMk id="46" creationId="{A4F4AD71-BDA0-45DF-A810-FFF95AC295AA}"/>
-          </ac:spMkLst>
-        </pc:spChg>
-        <pc:spChg chg="add del mod">
-          <ac:chgData name="Graydon Hall" userId="6ad8ef6fe9c5877e" providerId="LiveId" clId="{743B0715-C183-42DE-B6E5-38E47A36CCC5}" dt="2021-09-29T04:10:03.912" v="417"/>
-          <ac:spMkLst>
-            <pc:docMk/>
-            <pc:sldMk cId="475903413" sldId="265"/>
-            <ac:spMk id="47" creationId="{3DC40DED-1442-4273-9E87-C06AF462697F}"/>
-          </ac:spMkLst>
-        </pc:spChg>
-        <pc:spChg chg="add del mod">
-          <ac:chgData name="Graydon Hall" userId="6ad8ef6fe9c5877e" providerId="LiveId" clId="{743B0715-C183-42DE-B6E5-38E47A36CCC5}" dt="2021-09-29T04:10:03.912" v="417"/>
-          <ac:spMkLst>
-            <pc:docMk/>
-            <pc:sldMk cId="475903413" sldId="265"/>
-            <ac:spMk id="48" creationId="{B57C08BC-AB12-4E06-82E5-82DCA481912A}"/>
-          </ac:spMkLst>
-        </pc:spChg>
-        <pc:spChg chg="add del mod">
-          <ac:chgData name="Graydon Hall" userId="6ad8ef6fe9c5877e" providerId="LiveId" clId="{743B0715-C183-42DE-B6E5-38E47A36CCC5}" dt="2021-09-29T04:10:03.912" v="417"/>
-          <ac:spMkLst>
-            <pc:docMk/>
-            <pc:sldMk cId="475903413" sldId="265"/>
-            <ac:spMk id="49" creationId="{D7B69D3F-050B-43FD-A30E-C44FF34A1232}"/>
-          </ac:spMkLst>
-        </pc:spChg>
-        <pc:spChg chg="add del mod">
-          <ac:chgData name="Graydon Hall" userId="6ad8ef6fe9c5877e" providerId="LiveId" clId="{743B0715-C183-42DE-B6E5-38E47A36CCC5}" dt="2021-09-29T04:10:03.912" v="417"/>
-          <ac:spMkLst>
-            <pc:docMk/>
-            <pc:sldMk cId="475903413" sldId="265"/>
-            <ac:spMk id="50" creationId="{F2ECC20C-20C1-4FD8-BA54-B571A78CFBB8}"/>
-          </ac:spMkLst>
-        </pc:spChg>
-        <pc:spChg chg="add del mod">
-          <ac:chgData name="Graydon Hall" userId="6ad8ef6fe9c5877e" providerId="LiveId" clId="{743B0715-C183-42DE-B6E5-38E47A36CCC5}" dt="2021-09-29T04:10:03.912" v="417"/>
-          <ac:spMkLst>
-            <pc:docMk/>
-            <pc:sldMk cId="475903413" sldId="265"/>
-            <ac:spMk id="51" creationId="{C2BBFC46-9F7C-4997-B209-940D9582251B}"/>
-          </ac:spMkLst>
-        </pc:spChg>
-        <pc:spChg chg="add del mod">
-          <ac:chgData name="Graydon Hall" userId="6ad8ef6fe9c5877e" providerId="LiveId" clId="{743B0715-C183-42DE-B6E5-38E47A36CCC5}" dt="2021-09-29T04:10:03.912" v="417"/>
-          <ac:spMkLst>
-            <pc:docMk/>
-            <pc:sldMk cId="475903413" sldId="265"/>
-            <ac:spMk id="52" creationId="{2E27FE5F-0B59-4381-992A-9A925A645D89}"/>
-          </ac:spMkLst>
-        </pc:spChg>
-        <pc:spChg chg="add mod">
-          <ac:chgData name="Graydon Hall" userId="6ad8ef6fe9c5877e" providerId="LiveId" clId="{743B0715-C183-42DE-B6E5-38E47A36CCC5}" dt="2021-09-29T04:10:25.282" v="424" actId="20577"/>
-          <ac:spMkLst>
-            <pc:docMk/>
-            <pc:sldMk cId="475903413" sldId="265"/>
-            <ac:spMk id="53" creationId="{D9F81400-6F37-4C1B-B698-24194E6DF251}"/>
-          </ac:spMkLst>
-        </pc:spChg>
-        <pc:spChg chg="add mod">
-          <ac:chgData name="Graydon Hall" userId="6ad8ef6fe9c5877e" providerId="LiveId" clId="{743B0715-C183-42DE-B6E5-38E47A36CCC5}" dt="2021-09-29T04:10:54.031" v="430" actId="20577"/>
-          <ac:spMkLst>
-            <pc:docMk/>
-            <pc:sldMk cId="475903413" sldId="265"/>
-            <ac:spMk id="54" creationId="{F9950071-B991-41D7-AEB4-7A57109E6914}"/>
-          </ac:spMkLst>
-        </pc:spChg>
-        <pc:spChg chg="add mod">
-          <ac:chgData name="Graydon Hall" userId="6ad8ef6fe9c5877e" providerId="LiveId" clId="{743B0715-C183-42DE-B6E5-38E47A36CCC5}" dt="2021-09-29T04:11:00.285" v="433" actId="20577"/>
-          <ac:spMkLst>
-            <pc:docMk/>
-            <pc:sldMk cId="475903413" sldId="265"/>
-            <ac:spMk id="55" creationId="{2E559632-59E2-494B-852C-4646E7C21BB3}"/>
-          </ac:spMkLst>
-        </pc:spChg>
-        <pc:spChg chg="add mod">
-          <ac:chgData name="Graydon Hall" userId="6ad8ef6fe9c5877e" providerId="LiveId" clId="{743B0715-C183-42DE-B6E5-38E47A36CCC5}" dt="2021-09-29T04:10:20.814" v="419" actId="1076"/>
-          <ac:spMkLst>
-            <pc:docMk/>
-            <pc:sldMk cId="475903413" sldId="265"/>
-            <ac:spMk id="56" creationId="{DE7D82FA-FDBA-45E9-A76D-2AA69F944433}"/>
-          </ac:spMkLst>
-        </pc:spChg>
-        <pc:spChg chg="add mod">
-          <ac:chgData name="Graydon Hall" userId="6ad8ef6fe9c5877e" providerId="LiveId" clId="{743B0715-C183-42DE-B6E5-38E47A36CCC5}" dt="2021-09-29T04:10:20.814" v="419" actId="1076"/>
-          <ac:spMkLst>
-            <pc:docMk/>
-            <pc:sldMk cId="475903413" sldId="265"/>
-            <ac:spMk id="57" creationId="{38D72753-A65A-4383-BBBB-F5970C0947F3}"/>
-          </ac:spMkLst>
-        </pc:spChg>
-        <pc:spChg chg="add mod">
-          <ac:chgData name="Graydon Hall" userId="6ad8ef6fe9c5877e" providerId="LiveId" clId="{743B0715-C183-42DE-B6E5-38E47A36CCC5}" dt="2021-09-29T04:10:20.814" v="419" actId="1076"/>
-          <ac:spMkLst>
-            <pc:docMk/>
-            <pc:sldMk cId="475903413" sldId="265"/>
-            <ac:spMk id="58" creationId="{79D77692-74EE-43F5-BE3C-FA9C83850A5E}"/>
-          </ac:spMkLst>
-        </pc:spChg>
-      </pc:sldChg>
-      <pc:sldChg chg="addSp delSp modSp add mod">
-        <pc:chgData name="Graydon Hall" userId="6ad8ef6fe9c5877e" providerId="LiveId" clId="{743B0715-C183-42DE-B6E5-38E47A36CCC5}" dt="2021-09-29T21:20:11.944" v="863" actId="14100"/>
-        <pc:sldMkLst>
-          <pc:docMk/>
-          <pc:sldMk cId="1926971169" sldId="266"/>
-        </pc:sldMkLst>
-        <pc:spChg chg="add del mod">
-          <ac:chgData name="Graydon Hall" userId="6ad8ef6fe9c5877e" providerId="LiveId" clId="{743B0715-C183-42DE-B6E5-38E47A36CCC5}" dt="2021-09-29T20:43:42.637" v="635" actId="478"/>
-          <ac:spMkLst>
-            <pc:docMk/>
-            <pc:sldMk cId="1926971169" sldId="266"/>
-            <ac:spMk id="2" creationId="{D4A8BE6F-AE52-443C-AB03-E905C606BC40}"/>
-          </ac:spMkLst>
-        </pc:spChg>
-        <pc:spChg chg="del">
-          <ac:chgData name="Graydon Hall" userId="6ad8ef6fe9c5877e" providerId="LiveId" clId="{743B0715-C183-42DE-B6E5-38E47A36CCC5}" dt="2021-09-29T20:26:13.066" v="446" actId="478"/>
-          <ac:spMkLst>
-            <pc:docMk/>
-            <pc:sldMk cId="1926971169" sldId="266"/>
-            <ac:spMk id="3" creationId="{50C5154F-1E29-41C9-AB4A-EF30F95A9C34}"/>
-          </ac:spMkLst>
-        </pc:spChg>
-        <pc:spChg chg="mod">
-          <ac:chgData name="Graydon Hall" userId="6ad8ef6fe9c5877e" providerId="LiveId" clId="{743B0715-C183-42DE-B6E5-38E47A36CCC5}" dt="2021-09-29T21:20:11.944" v="863" actId="14100"/>
-          <ac:spMkLst>
-            <pc:docMk/>
-            <pc:sldMk cId="1926971169" sldId="266"/>
-            <ac:spMk id="4" creationId="{69D13A37-6B82-4C78-812F-D9D461CDC672}"/>
-          </ac:spMkLst>
-        </pc:spChg>
-        <pc:spChg chg="add del mod">
-          <ac:chgData name="Graydon Hall" userId="6ad8ef6fe9c5877e" providerId="LiveId" clId="{743B0715-C183-42DE-B6E5-38E47A36CCC5}" dt="2021-09-29T20:44:22.632" v="680" actId="1037"/>
-          <ac:spMkLst>
-            <pc:docMk/>
-            <pc:sldMk cId="1926971169" sldId="266"/>
-            <ac:spMk id="5" creationId="{03DF7978-60AD-4CDE-AE09-356BACC0D746}"/>
-          </ac:spMkLst>
-        </pc:spChg>
-        <pc:spChg chg="mod">
-          <ac:chgData name="Graydon Hall" userId="6ad8ef6fe9c5877e" providerId="LiveId" clId="{743B0715-C183-42DE-B6E5-38E47A36CCC5}" dt="2021-09-29T20:44:22.632" v="680" actId="1037"/>
-          <ac:spMkLst>
-            <pc:docMk/>
-            <pc:sldMk cId="1926971169" sldId="266"/>
-            <ac:spMk id="6" creationId="{D0C80474-6657-418A-AAF9-A633C8AA8512}"/>
-          </ac:spMkLst>
-        </pc:spChg>
-        <pc:spChg chg="mod">
-          <ac:chgData name="Graydon Hall" userId="6ad8ef6fe9c5877e" providerId="LiveId" clId="{743B0715-C183-42DE-B6E5-38E47A36CCC5}" dt="2021-09-29T20:44:22.632" v="680" actId="1037"/>
-          <ac:spMkLst>
-            <pc:docMk/>
-            <pc:sldMk cId="1926971169" sldId="266"/>
-            <ac:spMk id="7" creationId="{8CC65CAA-2539-4C2F-AA0D-22449388221A}"/>
-          </ac:spMkLst>
-        </pc:spChg>
-        <pc:spChg chg="mod">
-          <ac:chgData name="Graydon Hall" userId="6ad8ef6fe9c5877e" providerId="LiveId" clId="{743B0715-C183-42DE-B6E5-38E47A36CCC5}" dt="2021-09-29T20:44:22.632" v="680" actId="1037"/>
-          <ac:spMkLst>
-            <pc:docMk/>
-            <pc:sldMk cId="1926971169" sldId="266"/>
-            <ac:spMk id="8" creationId="{0C3EEB79-1F74-45CC-A601-42B51BB496C7}"/>
-          </ac:spMkLst>
-        </pc:spChg>
-        <pc:spChg chg="mod">
-          <ac:chgData name="Graydon Hall" userId="6ad8ef6fe9c5877e" providerId="LiveId" clId="{743B0715-C183-42DE-B6E5-38E47A36CCC5}" dt="2021-09-29T20:44:22.632" v="680" actId="1037"/>
-          <ac:spMkLst>
-            <pc:docMk/>
-            <pc:sldMk cId="1926971169" sldId="266"/>
-            <ac:spMk id="9" creationId="{700D8949-7BEC-4E7B-8872-67D2E91315EC}"/>
-          </ac:spMkLst>
-        </pc:spChg>
-        <pc:spChg chg="del">
-          <ac:chgData name="Graydon Hall" userId="6ad8ef6fe9c5877e" providerId="LiveId" clId="{743B0715-C183-42DE-B6E5-38E47A36CCC5}" dt="2021-09-29T20:26:27.825" v="459" actId="478"/>
-          <ac:spMkLst>
-            <pc:docMk/>
-            <pc:sldMk cId="1926971169" sldId="266"/>
-            <ac:spMk id="10" creationId="{BB876968-A14B-4621-AC26-79767253D9BF}"/>
-          </ac:spMkLst>
-        </pc:spChg>
-        <pc:spChg chg="mod">
-          <ac:chgData name="Graydon Hall" userId="6ad8ef6fe9c5877e" providerId="LiveId" clId="{743B0715-C183-42DE-B6E5-38E47A36CCC5}" dt="2021-09-29T21:07:17.823" v="761" actId="14100"/>
-          <ac:spMkLst>
-            <pc:docMk/>
-            <pc:sldMk cId="1926971169" sldId="266"/>
-            <ac:spMk id="11" creationId="{ABE71181-B149-4EE3-8C57-DA344694D6C2}"/>
-          </ac:spMkLst>
-        </pc:spChg>
-        <pc:spChg chg="add del">
-          <ac:chgData name="Graydon Hall" userId="6ad8ef6fe9c5877e" providerId="LiveId" clId="{743B0715-C183-42DE-B6E5-38E47A36CCC5}" dt="2021-09-29T20:26:18.809" v="451" actId="478"/>
-          <ac:spMkLst>
-            <pc:docMk/>
-            <pc:sldMk cId="1926971169" sldId="266"/>
-            <ac:spMk id="12" creationId="{3A7773A3-16BD-4776-84D2-8EE6CDE00FAD}"/>
-          </ac:spMkLst>
-        </pc:spChg>
-        <pc:spChg chg="mod">
-          <ac:chgData name="Graydon Hall" userId="6ad8ef6fe9c5877e" providerId="LiveId" clId="{743B0715-C183-42DE-B6E5-38E47A36CCC5}" dt="2021-09-29T20:44:22.632" v="680" actId="1037"/>
-          <ac:spMkLst>
-            <pc:docMk/>
-            <pc:sldMk cId="1926971169" sldId="266"/>
-            <ac:spMk id="13" creationId="{1485229A-BE5D-445C-A29D-2095B03DF662}"/>
-          </ac:spMkLst>
-        </pc:spChg>
-        <pc:spChg chg="mod">
-          <ac:chgData name="Graydon Hall" userId="6ad8ef6fe9c5877e" providerId="LiveId" clId="{743B0715-C183-42DE-B6E5-38E47A36CCC5}" dt="2021-09-29T20:44:22.632" v="680" actId="1037"/>
-          <ac:spMkLst>
-            <pc:docMk/>
-            <pc:sldMk cId="1926971169" sldId="266"/>
-            <ac:spMk id="14" creationId="{8E3A9A45-B3AF-48DC-B12C-05C16FE7B083}"/>
-          </ac:spMkLst>
-        </pc:spChg>
-        <pc:spChg chg="mod">
-          <ac:chgData name="Graydon Hall" userId="6ad8ef6fe9c5877e" providerId="LiveId" clId="{743B0715-C183-42DE-B6E5-38E47A36CCC5}" dt="2021-09-29T20:44:22.632" v="680" actId="1037"/>
-          <ac:spMkLst>
-            <pc:docMk/>
-            <pc:sldMk cId="1926971169" sldId="266"/>
-            <ac:spMk id="15" creationId="{37CEF823-64A2-4803-97BB-DE3BC2A56C3D}"/>
-          </ac:spMkLst>
-        </pc:spChg>
-        <pc:spChg chg="mod">
-          <ac:chgData name="Graydon Hall" userId="6ad8ef6fe9c5877e" providerId="LiveId" clId="{743B0715-C183-42DE-B6E5-38E47A36CCC5}" dt="2021-09-29T20:44:22.632" v="680" actId="1037"/>
-          <ac:spMkLst>
-            <pc:docMk/>
-            <pc:sldMk cId="1926971169" sldId="266"/>
-            <ac:spMk id="16" creationId="{EA2DF13A-E11F-4817-B472-6B40ED9D8414}"/>
-          </ac:spMkLst>
-        </pc:spChg>
-        <pc:spChg chg="mod">
-          <ac:chgData name="Graydon Hall" userId="6ad8ef6fe9c5877e" providerId="LiveId" clId="{743B0715-C183-42DE-B6E5-38E47A36CCC5}" dt="2021-09-29T20:44:22.632" v="680" actId="1037"/>
-          <ac:spMkLst>
-            <pc:docMk/>
-            <pc:sldMk cId="1926971169" sldId="266"/>
-            <ac:spMk id="17" creationId="{49613BA1-EC39-4C9D-911C-822803A902C7}"/>
-          </ac:spMkLst>
-        </pc:spChg>
-        <pc:spChg chg="mod">
-          <ac:chgData name="Graydon Hall" userId="6ad8ef6fe9c5877e" providerId="LiveId" clId="{743B0715-C183-42DE-B6E5-38E47A36CCC5}" dt="2021-09-29T20:44:22.632" v="680" actId="1037"/>
-          <ac:spMkLst>
-            <pc:docMk/>
-            <pc:sldMk cId="1926971169" sldId="266"/>
-            <ac:spMk id="18" creationId="{827B7BA2-81B6-42CB-8875-9F2B5C5394A7}"/>
-          </ac:spMkLst>
-        </pc:spChg>
-        <pc:spChg chg="add mod">
-          <ac:chgData name="Graydon Hall" userId="6ad8ef6fe9c5877e" providerId="LiveId" clId="{743B0715-C183-42DE-B6E5-38E47A36CCC5}" dt="2021-09-29T20:44:22.632" v="680" actId="1037"/>
-          <ac:spMkLst>
-            <pc:docMk/>
-            <pc:sldMk cId="1926971169" sldId="266"/>
-            <ac:spMk id="19" creationId="{46F5181C-BDBC-4AB8-83A7-972C3E6E24F4}"/>
-          </ac:spMkLst>
-        </pc:spChg>
-        <pc:spChg chg="add del">
-          <ac:chgData name="Graydon Hall" userId="6ad8ef6fe9c5877e" providerId="LiveId" clId="{743B0715-C183-42DE-B6E5-38E47A36CCC5}" dt="2021-09-29T20:34:11.209" v="529" actId="478"/>
-          <ac:spMkLst>
-            <pc:docMk/>
-            <pc:sldMk cId="1926971169" sldId="266"/>
-            <ac:spMk id="20" creationId="{FFADF4CE-54C7-481F-AE31-BE49D855788E}"/>
-          </ac:spMkLst>
-        </pc:spChg>
-        <pc:spChg chg="add del mod">
-          <ac:chgData name="Graydon Hall" userId="6ad8ef6fe9c5877e" providerId="LiveId" clId="{743B0715-C183-42DE-B6E5-38E47A36CCC5}" dt="2021-09-29T20:43:43.485" v="636" actId="478"/>
-          <ac:spMkLst>
-            <pc:docMk/>
-            <pc:sldMk cId="1926971169" sldId="266"/>
-            <ac:spMk id="21" creationId="{0449EE8F-E3D5-4E5E-92CD-4BAAB7C91D6F}"/>
-          </ac:spMkLst>
-        </pc:spChg>
-        <pc:spChg chg="mod">
-          <ac:chgData name="Graydon Hall" userId="6ad8ef6fe9c5877e" providerId="LiveId" clId="{743B0715-C183-42DE-B6E5-38E47A36CCC5}" dt="2021-09-29T20:44:22.632" v="680" actId="1037"/>
-          <ac:spMkLst>
-            <pc:docMk/>
-            <pc:sldMk cId="1926971169" sldId="266"/>
-            <ac:spMk id="24" creationId="{FD8706BD-108D-4ECE-80FA-00ED04CF3D8A}"/>
-          </ac:spMkLst>
-        </pc:spChg>
-        <pc:spChg chg="mod">
-          <ac:chgData name="Graydon Hall" userId="6ad8ef6fe9c5877e" providerId="LiveId" clId="{743B0715-C183-42DE-B6E5-38E47A36CCC5}" dt="2021-09-29T20:44:22.632" v="680" actId="1037"/>
-          <ac:spMkLst>
-            <pc:docMk/>
-            <pc:sldMk cId="1926971169" sldId="266"/>
-            <ac:spMk id="25" creationId="{D874629E-BAB8-48EB-8538-631F7E8F7166}"/>
-          </ac:spMkLst>
-        </pc:spChg>
-        <pc:spChg chg="mod">
-          <ac:chgData name="Graydon Hall" userId="6ad8ef6fe9c5877e" providerId="LiveId" clId="{743B0715-C183-42DE-B6E5-38E47A36CCC5}" dt="2021-09-29T20:44:22.632" v="680" actId="1037"/>
-          <ac:spMkLst>
-            <pc:docMk/>
-            <pc:sldMk cId="1926971169" sldId="266"/>
-            <ac:spMk id="26" creationId="{D60DACE1-0AE0-4851-B2F0-AFC7BC736D99}"/>
-          </ac:spMkLst>
-        </pc:spChg>
-        <pc:spChg chg="add mod">
-          <ac:chgData name="Graydon Hall" userId="6ad8ef6fe9c5877e" providerId="LiveId" clId="{743B0715-C183-42DE-B6E5-38E47A36CCC5}" dt="2021-09-29T20:44:50.259" v="682"/>
-          <ac:spMkLst>
-            <pc:docMk/>
-            <pc:sldMk cId="1926971169" sldId="266"/>
-            <ac:spMk id="29" creationId="{38FB2998-D17F-4C72-9B49-F8CF82A51658}"/>
-          </ac:spMkLst>
-        </pc:spChg>
-        <pc:spChg chg="mod">
-          <ac:chgData name="Graydon Hall" userId="6ad8ef6fe9c5877e" providerId="LiveId" clId="{743B0715-C183-42DE-B6E5-38E47A36CCC5}" dt="2021-09-29T20:44:22.632" v="680" actId="1037"/>
-          <ac:spMkLst>
-            <pc:docMk/>
-            <pc:sldMk cId="1926971169" sldId="266"/>
-            <ac:spMk id="30" creationId="{EF742BB3-B8CD-4214-A16D-995CA4C3A04F}"/>
-          </ac:spMkLst>
-        </pc:spChg>
-        <pc:spChg chg="mod">
-          <ac:chgData name="Graydon Hall" userId="6ad8ef6fe9c5877e" providerId="LiveId" clId="{743B0715-C183-42DE-B6E5-38E47A36CCC5}" dt="2021-09-29T20:44:22.632" v="680" actId="1037"/>
-          <ac:spMkLst>
-            <pc:docMk/>
-            <pc:sldMk cId="1926971169" sldId="266"/>
-            <ac:spMk id="31" creationId="{195FFD83-D7D9-4459-9CF3-A18D5A7A4E5B}"/>
-          </ac:spMkLst>
-        </pc:spChg>
-        <pc:spChg chg="mod">
-          <ac:chgData name="Graydon Hall" userId="6ad8ef6fe9c5877e" providerId="LiveId" clId="{743B0715-C183-42DE-B6E5-38E47A36CCC5}" dt="2021-09-29T20:44:22.632" v="680" actId="1037"/>
-          <ac:spMkLst>
-            <pc:docMk/>
-            <pc:sldMk cId="1926971169" sldId="266"/>
-            <ac:spMk id="32" creationId="{0F9B6971-E396-466B-968F-2B6C71A84C66}"/>
-          </ac:spMkLst>
-        </pc:spChg>
-        <pc:spChg chg="mod">
-          <ac:chgData name="Graydon Hall" userId="6ad8ef6fe9c5877e" providerId="LiveId" clId="{743B0715-C183-42DE-B6E5-38E47A36CCC5}" dt="2021-09-29T20:44:22.632" v="680" actId="1037"/>
-          <ac:spMkLst>
-            <pc:docMk/>
-            <pc:sldMk cId="1926971169" sldId="266"/>
-            <ac:spMk id="33" creationId="{93034171-ED6B-48B6-89E7-6D43497F0D62}"/>
-          </ac:spMkLst>
-        </pc:spChg>
-        <pc:spChg chg="add mod">
-          <ac:chgData name="Graydon Hall" userId="6ad8ef6fe9c5877e" providerId="LiveId" clId="{743B0715-C183-42DE-B6E5-38E47A36CCC5}" dt="2021-09-29T20:45:10.871" v="684"/>
-          <ac:spMkLst>
-            <pc:docMk/>
-            <pc:sldMk cId="1926971169" sldId="266"/>
-            <ac:spMk id="34" creationId="{5B4DDA67-D56E-4B37-A84F-BEF454B9EAA2}"/>
-          </ac:spMkLst>
-        </pc:spChg>
-        <pc:spChg chg="del">
-          <ac:chgData name="Graydon Hall" userId="6ad8ef6fe9c5877e" providerId="LiveId" clId="{743B0715-C183-42DE-B6E5-38E47A36CCC5}" dt="2021-09-29T20:26:26.441" v="458" actId="478"/>
-          <ac:spMkLst>
-            <pc:docMk/>
-            <pc:sldMk cId="1926971169" sldId="266"/>
-            <ac:spMk id="35" creationId="{6789E424-B6B9-4097-AC0D-75D7E2D04051}"/>
-          </ac:spMkLst>
-        </pc:spChg>
-        <pc:spChg chg="del">
-          <ac:chgData name="Graydon Hall" userId="6ad8ef6fe9c5877e" providerId="LiveId" clId="{743B0715-C183-42DE-B6E5-38E47A36CCC5}" dt="2021-09-29T20:26:22.250" v="453" actId="478"/>
-          <ac:spMkLst>
-            <pc:docMk/>
-            <pc:sldMk cId="1926971169" sldId="266"/>
-            <ac:spMk id="36" creationId="{353EC245-78FD-4B1A-8B4C-18445610632B}"/>
-          </ac:spMkLst>
-        </pc:spChg>
-        <pc:spChg chg="del">
-          <ac:chgData name="Graydon Hall" userId="6ad8ef6fe9c5877e" providerId="LiveId" clId="{743B0715-C183-42DE-B6E5-38E47A36CCC5}" dt="2021-09-29T20:26:23.961" v="455" actId="478"/>
-          <ac:spMkLst>
-            <pc:docMk/>
-            <pc:sldMk cId="1926971169" sldId="266"/>
-            <ac:spMk id="37" creationId="{73157DFB-413B-47C5-8D98-374C7DF4B497}"/>
-          </ac:spMkLst>
-        </pc:spChg>
-        <pc:spChg chg="del mod">
-          <ac:chgData name="Graydon Hall" userId="6ad8ef6fe9c5877e" providerId="LiveId" clId="{743B0715-C183-42DE-B6E5-38E47A36CCC5}" dt="2021-09-29T20:26:25.338" v="457" actId="478"/>
-          <ac:spMkLst>
-            <pc:docMk/>
-            <pc:sldMk cId="1926971169" sldId="266"/>
-            <ac:spMk id="38" creationId="{C5858F6A-2A1F-425D-9D84-23EF51AF084C}"/>
-          </ac:spMkLst>
-        </pc:spChg>
-        <pc:spChg chg="del">
-          <ac:chgData name="Graydon Hall" userId="6ad8ef6fe9c5877e" providerId="LiveId" clId="{743B0715-C183-42DE-B6E5-38E47A36CCC5}" dt="2021-09-29T20:26:20.914" v="452" actId="478"/>
-          <ac:spMkLst>
-            <pc:docMk/>
-            <pc:sldMk cId="1926971169" sldId="266"/>
-            <ac:spMk id="39" creationId="{3BD4D860-3120-4518-B16A-0D50B93E3FC9}"/>
-          </ac:spMkLst>
-        </pc:spChg>
-        <pc:spChg chg="del">
-          <ac:chgData name="Graydon Hall" userId="6ad8ef6fe9c5877e" providerId="LiveId" clId="{743B0715-C183-42DE-B6E5-38E47A36CCC5}" dt="2021-09-29T20:26:23.010" v="454" actId="478"/>
-          <ac:spMkLst>
-            <pc:docMk/>
-            <pc:sldMk cId="1926971169" sldId="266"/>
-            <ac:spMk id="40" creationId="{FEBC4595-2A2E-4D17-8399-378CD0498AAD}"/>
-          </ac:spMkLst>
-        </pc:spChg>
-        <pc:spChg chg="del">
-          <ac:chgData name="Graydon Hall" userId="6ad8ef6fe9c5877e" providerId="LiveId" clId="{743B0715-C183-42DE-B6E5-38E47A36CCC5}" dt="2021-09-29T20:26:30.970" v="460" actId="478"/>
-          <ac:spMkLst>
-            <pc:docMk/>
-            <pc:sldMk cId="1926971169" sldId="266"/>
-            <ac:spMk id="41" creationId="{298F900F-D4C7-438E-9E2C-759376E48C60}"/>
-          </ac:spMkLst>
-        </pc:spChg>
-        <pc:spChg chg="del">
-          <ac:chgData name="Graydon Hall" userId="6ad8ef6fe9c5877e" providerId="LiveId" clId="{743B0715-C183-42DE-B6E5-38E47A36CCC5}" dt="2021-09-29T20:26:09.713" v="445" actId="478"/>
-          <ac:spMkLst>
-            <pc:docMk/>
-            <pc:sldMk cId="1926971169" sldId="266"/>
-            <ac:spMk id="42" creationId="{E9144911-3DBE-471D-A0D7-BF3937DD3AE4}"/>
-          </ac:spMkLst>
-        </pc:spChg>
-        <pc:spChg chg="del">
-          <ac:chgData name="Graydon Hall" userId="6ad8ef6fe9c5877e" providerId="LiveId" clId="{743B0715-C183-42DE-B6E5-38E47A36CCC5}" dt="2021-09-29T20:26:06.626" v="444" actId="478"/>
-          <ac:spMkLst>
-            <pc:docMk/>
-            <pc:sldMk cId="1926971169" sldId="266"/>
-            <ac:spMk id="43" creationId="{E4C0EE3B-A371-45FF-B428-3DF70DE736DC}"/>
-          </ac:spMkLst>
-        </pc:spChg>
-        <pc:spChg chg="mod">
-          <ac:chgData name="Graydon Hall" userId="6ad8ef6fe9c5877e" providerId="LiveId" clId="{743B0715-C183-42DE-B6E5-38E47A36CCC5}" dt="2021-09-29T20:44:22.632" v="680" actId="1037"/>
-          <ac:spMkLst>
-            <pc:docMk/>
-            <pc:sldMk cId="1926971169" sldId="266"/>
-            <ac:spMk id="44" creationId="{FBBEB1BD-78EA-425E-9160-0B4F52E9B7F8}"/>
-          </ac:spMkLst>
-        </pc:spChg>
-        <pc:spChg chg="add mod">
-          <ac:chgData name="Graydon Hall" userId="6ad8ef6fe9c5877e" providerId="LiveId" clId="{743B0715-C183-42DE-B6E5-38E47A36CCC5}" dt="2021-09-29T20:44:22.632" v="680" actId="1037"/>
-          <ac:spMkLst>
-            <pc:docMk/>
-            <pc:sldMk cId="1926971169" sldId="266"/>
-            <ac:spMk id="45" creationId="{4C45101B-86CB-4372-B945-F57608A2AA11}"/>
-          </ac:spMkLst>
-        </pc:spChg>
-        <pc:spChg chg="add mod">
-          <ac:chgData name="Graydon Hall" userId="6ad8ef6fe9c5877e" providerId="LiveId" clId="{743B0715-C183-42DE-B6E5-38E47A36CCC5}" dt="2021-09-29T20:43:52.280" v="637" actId="164"/>
-          <ac:spMkLst>
-            <pc:docMk/>
-            <pc:sldMk cId="1926971169" sldId="266"/>
-            <ac:spMk id="46" creationId="{05C9C61F-B640-4679-BE12-3DFCDF58112B}"/>
-          </ac:spMkLst>
-        </pc:spChg>
-        <pc:spChg chg="add mod">
-          <ac:chgData name="Graydon Hall" userId="6ad8ef6fe9c5877e" providerId="LiveId" clId="{743B0715-C183-42DE-B6E5-38E47A36CCC5}" dt="2021-09-29T20:43:52.280" v="637" actId="164"/>
-          <ac:spMkLst>
-            <pc:docMk/>
-            <pc:sldMk cId="1926971169" sldId="266"/>
-            <ac:spMk id="47" creationId="{8115181F-D416-4F87-8CDB-F72C7031F5D7}"/>
-          </ac:spMkLst>
-        </pc:spChg>
-        <pc:spChg chg="add mod">
-          <ac:chgData name="Graydon Hall" userId="6ad8ef6fe9c5877e" providerId="LiveId" clId="{743B0715-C183-42DE-B6E5-38E47A36CCC5}" dt="2021-09-29T20:43:52.280" v="637" actId="164"/>
-          <ac:spMkLst>
-            <pc:docMk/>
-            <pc:sldMk cId="1926971169" sldId="266"/>
-            <ac:spMk id="48" creationId="{A0ED181C-DE1C-426B-BCEC-FE0D0DEC008B}"/>
-          </ac:spMkLst>
-        </pc:spChg>
-        <pc:spChg chg="add mod">
-          <ac:chgData name="Graydon Hall" userId="6ad8ef6fe9c5877e" providerId="LiveId" clId="{743B0715-C183-42DE-B6E5-38E47A36CCC5}" dt="2021-09-29T20:43:52.280" v="637" actId="164"/>
-          <ac:spMkLst>
-            <pc:docMk/>
-            <pc:sldMk cId="1926971169" sldId="266"/>
-            <ac:spMk id="49" creationId="{755C86C8-F3E9-4833-92A9-475500C325BF}"/>
-          </ac:spMkLst>
-        </pc:spChg>
-        <pc:spChg chg="add mod">
-          <ac:chgData name="Graydon Hall" userId="6ad8ef6fe9c5877e" providerId="LiveId" clId="{743B0715-C183-42DE-B6E5-38E47A36CCC5}" dt="2021-09-29T20:43:58.960" v="638" actId="164"/>
-          <ac:spMkLst>
-            <pc:docMk/>
-            <pc:sldMk cId="1926971169" sldId="266"/>
-            <ac:spMk id="50" creationId="{BBBE8330-51ED-4050-AACA-8D1EC6E50002}"/>
-          </ac:spMkLst>
-        </pc:spChg>
-        <pc:spChg chg="add mod">
-          <ac:chgData name="Graydon Hall" userId="6ad8ef6fe9c5877e" providerId="LiveId" clId="{743B0715-C183-42DE-B6E5-38E47A36CCC5}" dt="2021-09-29T20:43:58.960" v="638" actId="164"/>
-          <ac:spMkLst>
-            <pc:docMk/>
-            <pc:sldMk cId="1926971169" sldId="266"/>
-            <ac:spMk id="51" creationId="{7B32BDA2-1B42-4640-8999-5D5B485C1015}"/>
-          </ac:spMkLst>
-        </pc:spChg>
-        <pc:spChg chg="add mod">
-          <ac:chgData name="Graydon Hall" userId="6ad8ef6fe9c5877e" providerId="LiveId" clId="{743B0715-C183-42DE-B6E5-38E47A36CCC5}" dt="2021-09-29T20:43:58.960" v="638" actId="164"/>
-          <ac:spMkLst>
-            <pc:docMk/>
-            <pc:sldMk cId="1926971169" sldId="266"/>
-            <ac:spMk id="52" creationId="{4E427078-5565-496F-A1CA-0938297574EF}"/>
-          </ac:spMkLst>
-        </pc:spChg>
-        <pc:spChg chg="del">
-          <ac:chgData name="Graydon Hall" userId="6ad8ef6fe9c5877e" providerId="LiveId" clId="{743B0715-C183-42DE-B6E5-38E47A36CCC5}" dt="2021-09-29T20:37:10.337" v="570" actId="478"/>
-          <ac:spMkLst>
-            <pc:docMk/>
-            <pc:sldMk cId="1926971169" sldId="266"/>
-            <ac:spMk id="53" creationId="{D9F81400-6F37-4C1B-B698-24194E6DF251}"/>
-          </ac:spMkLst>
-        </pc:spChg>
-        <pc:spChg chg="del">
-          <ac:chgData name="Graydon Hall" userId="6ad8ef6fe9c5877e" providerId="LiveId" clId="{743B0715-C183-42DE-B6E5-38E47A36CCC5}" dt="2021-09-29T20:37:14.191" v="573" actId="478"/>
-          <ac:spMkLst>
-            <pc:docMk/>
-            <pc:sldMk cId="1926971169" sldId="266"/>
-            <ac:spMk id="54" creationId="{F9950071-B991-41D7-AEB4-7A57109E6914}"/>
-          </ac:spMkLst>
-        </pc:spChg>
-        <pc:spChg chg="del">
-          <ac:chgData name="Graydon Hall" userId="6ad8ef6fe9c5877e" providerId="LiveId" clId="{743B0715-C183-42DE-B6E5-38E47A36CCC5}" dt="2021-09-29T20:37:14.911" v="574" actId="478"/>
-          <ac:spMkLst>
-            <pc:docMk/>
-            <pc:sldMk cId="1926971169" sldId="266"/>
-            <ac:spMk id="55" creationId="{2E559632-59E2-494B-852C-4646E7C21BB3}"/>
-          </ac:spMkLst>
-        </pc:spChg>
-        <pc:spChg chg="del mod">
-          <ac:chgData name="Graydon Hall" userId="6ad8ef6fe9c5877e" providerId="LiveId" clId="{743B0715-C183-42DE-B6E5-38E47A36CCC5}" dt="2021-09-29T20:37:16.791" v="576" actId="478"/>
-          <ac:spMkLst>
-            <pc:docMk/>
-            <pc:sldMk cId="1926971169" sldId="266"/>
-            <ac:spMk id="56" creationId="{DE7D82FA-FDBA-45E9-A76D-2AA69F944433}"/>
-          </ac:spMkLst>
-        </pc:spChg>
-        <pc:spChg chg="del">
-          <ac:chgData name="Graydon Hall" userId="6ad8ef6fe9c5877e" providerId="LiveId" clId="{743B0715-C183-42DE-B6E5-38E47A36CCC5}" dt="2021-09-29T20:37:13.584" v="572" actId="478"/>
-          <ac:spMkLst>
-            <pc:docMk/>
-            <pc:sldMk cId="1926971169" sldId="266"/>
-            <ac:spMk id="57" creationId="{38D72753-A65A-4383-BBBB-F5970C0947F3}"/>
-          </ac:spMkLst>
-        </pc:spChg>
-        <pc:spChg chg="del">
-          <ac:chgData name="Graydon Hall" userId="6ad8ef6fe9c5877e" providerId="LiveId" clId="{743B0715-C183-42DE-B6E5-38E47A36CCC5}" dt="2021-09-29T20:37:11.695" v="571" actId="478"/>
-          <ac:spMkLst>
-            <pc:docMk/>
-            <pc:sldMk cId="1926971169" sldId="266"/>
-            <ac:spMk id="58" creationId="{79D77692-74EE-43F5-BE3C-FA9C83850A5E}"/>
-          </ac:spMkLst>
-        </pc:spChg>
-        <pc:spChg chg="add mod">
-          <ac:chgData name="Graydon Hall" userId="6ad8ef6fe9c5877e" providerId="LiveId" clId="{743B0715-C183-42DE-B6E5-38E47A36CCC5}" dt="2021-09-29T20:43:58.960" v="638" actId="164"/>
-          <ac:spMkLst>
-            <pc:docMk/>
-            <pc:sldMk cId="1926971169" sldId="266"/>
-            <ac:spMk id="59" creationId="{6F2A98B4-56A3-4374-8EF8-0B6D1FCB1B8F}"/>
-          </ac:spMkLst>
-        </pc:spChg>
-        <pc:spChg chg="add mod">
-          <ac:chgData name="Graydon Hall" userId="6ad8ef6fe9c5877e" providerId="LiveId" clId="{743B0715-C183-42DE-B6E5-38E47A36CCC5}" dt="2021-09-29T20:43:58.960" v="638" actId="164"/>
-          <ac:spMkLst>
-            <pc:docMk/>
-            <pc:sldMk cId="1926971169" sldId="266"/>
-            <ac:spMk id="60" creationId="{99AEE20E-0EB9-4748-8620-B897086F8DCF}"/>
-          </ac:spMkLst>
-        </pc:spChg>
-        <pc:spChg chg="add mod">
-          <ac:chgData name="Graydon Hall" userId="6ad8ef6fe9c5877e" providerId="LiveId" clId="{743B0715-C183-42DE-B6E5-38E47A36CCC5}" dt="2021-09-29T20:43:52.280" v="637" actId="164"/>
-          <ac:spMkLst>
-            <pc:docMk/>
-            <pc:sldMk cId="1926971169" sldId="266"/>
-            <ac:spMk id="61" creationId="{42FCE60A-0C47-44FD-B094-B4ABECD30FAD}"/>
-          </ac:spMkLst>
-        </pc:spChg>
-        <pc:spChg chg="add mod">
-          <ac:chgData name="Graydon Hall" userId="6ad8ef6fe9c5877e" providerId="LiveId" clId="{743B0715-C183-42DE-B6E5-38E47A36CCC5}" dt="2021-09-29T20:44:22.632" v="680" actId="1037"/>
-          <ac:spMkLst>
-            <pc:docMk/>
-            <pc:sldMk cId="1926971169" sldId="266"/>
-            <ac:spMk id="62" creationId="{08F4FC4F-C543-4D94-9FDC-6413490F35C0}"/>
-          </ac:spMkLst>
-        </pc:spChg>
-        <pc:spChg chg="add mod">
-          <ac:chgData name="Graydon Hall" userId="6ad8ef6fe9c5877e" providerId="LiveId" clId="{743B0715-C183-42DE-B6E5-38E47A36CCC5}" dt="2021-09-29T20:50:10.807" v="726" actId="14100"/>
-          <ac:spMkLst>
-            <pc:docMk/>
-            <pc:sldMk cId="1926971169" sldId="266"/>
-            <ac:spMk id="64" creationId="{E3D9BFA3-15AC-470E-B521-DA6A705C6EE6}"/>
-          </ac:spMkLst>
-        </pc:spChg>
-        <pc:spChg chg="add mod">
-          <ac:chgData name="Graydon Hall" userId="6ad8ef6fe9c5877e" providerId="LiveId" clId="{743B0715-C183-42DE-B6E5-38E47A36CCC5}" dt="2021-09-29T20:44:22.632" v="680" actId="1037"/>
-          <ac:spMkLst>
-            <pc:docMk/>
-            <pc:sldMk cId="1926971169" sldId="266"/>
-            <ac:spMk id="65" creationId="{C3C116B7-ECF0-40C4-AB07-13E60A9F076A}"/>
-          </ac:spMkLst>
-        </pc:spChg>
-        <pc:grpChg chg="add mod">
-          <ac:chgData name="Graydon Hall" userId="6ad8ef6fe9c5877e" providerId="LiveId" clId="{743B0715-C183-42DE-B6E5-38E47A36CCC5}" dt="2021-09-29T20:44:22.632" v="680" actId="1037"/>
-          <ac:grpSpMkLst>
-            <pc:docMk/>
-            <pc:sldMk cId="1926971169" sldId="266"/>
-            <ac:grpSpMk id="27" creationId="{11D2D4C4-A335-4340-B4E2-DFEB0CC5DFA3}"/>
-          </ac:grpSpMkLst>
-        </pc:grpChg>
-        <pc:grpChg chg="add mod">
-          <ac:chgData name="Graydon Hall" userId="6ad8ef6fe9c5877e" providerId="LiveId" clId="{743B0715-C183-42DE-B6E5-38E47A36CCC5}" dt="2021-09-29T20:44:22.632" v="680" actId="1037"/>
-          <ac:grpSpMkLst>
-            <pc:docMk/>
-            <pc:sldMk cId="1926971169" sldId="266"/>
-            <ac:grpSpMk id="28" creationId="{F55E8291-14D0-4A93-8D05-79A67F8C9FA2}"/>
-          </ac:grpSpMkLst>
-        </pc:grpChg>
-        <pc:cxnChg chg="add mod">
-          <ac:chgData name="Graydon Hall" userId="6ad8ef6fe9c5877e" providerId="LiveId" clId="{743B0715-C183-42DE-B6E5-38E47A36CCC5}" dt="2021-09-29T20:44:22.632" v="680" actId="1037"/>
-          <ac:cxnSpMkLst>
-            <pc:docMk/>
-            <pc:sldMk cId="1926971169" sldId="266"/>
-            <ac:cxnSpMk id="23" creationId="{BD2AF247-FA6A-47D0-BFFE-57376CE4A841}"/>
-          </ac:cxnSpMkLst>
-        </pc:cxnChg>
-        <pc:cxnChg chg="add mod">
-          <ac:chgData name="Graydon Hall" userId="6ad8ef6fe9c5877e" providerId="LiveId" clId="{743B0715-C183-42DE-B6E5-38E47A36CCC5}" dt="2021-09-29T20:44:22.632" v="680" actId="1037"/>
-          <ac:cxnSpMkLst>
-            <pc:docMk/>
-            <pc:sldMk cId="1926971169" sldId="266"/>
-            <ac:cxnSpMk id="63" creationId="{C5E59C9E-F31F-45D6-ADE4-E022B9951E87}"/>
-          </ac:cxnSpMkLst>
-        </pc:cxnChg>
-      </pc:sldChg>
-      <pc:sldChg chg="addSp delSp modSp add mod">
-        <pc:chgData name="Graydon Hall" userId="6ad8ef6fe9c5877e" providerId="LiveId" clId="{743B0715-C183-42DE-B6E5-38E47A36CCC5}" dt="2021-09-30T19:01:02.145" v="3791" actId="1076"/>
-        <pc:sldMkLst>
-          <pc:docMk/>
-          <pc:sldMk cId="665027416" sldId="267"/>
-        </pc:sldMkLst>
-        <pc:spChg chg="add mod">
-          <ac:chgData name="Graydon Hall" userId="6ad8ef6fe9c5877e" providerId="LiveId" clId="{743B0715-C183-42DE-B6E5-38E47A36CCC5}" dt="2021-09-30T15:24:08.573" v="1028" actId="20577"/>
-          <ac:spMkLst>
-            <pc:docMk/>
-            <pc:sldMk cId="665027416" sldId="267"/>
-            <ac:spMk id="3" creationId="{41A71E7B-0281-4DFF-8DCB-9EB68AB3A83C}"/>
-          </ac:spMkLst>
-        </pc:spChg>
-        <pc:spChg chg="add del mod">
-          <ac:chgData name="Graydon Hall" userId="6ad8ef6fe9c5877e" providerId="LiveId" clId="{743B0715-C183-42DE-B6E5-38E47A36CCC5}" dt="2021-09-29T21:03:52.374" v="755" actId="478"/>
-          <ac:spMkLst>
-            <pc:docMk/>
-            <pc:sldMk cId="665027416" sldId="267"/>
-            <ac:spMk id="3" creationId="{EEE26ACF-4149-4229-A2B8-A26EBC031B00}"/>
-          </ac:spMkLst>
-        </pc:spChg>
-        <pc:spChg chg="mod">
-          <ac:chgData name="Graydon Hall" userId="6ad8ef6fe9c5877e" providerId="LiveId" clId="{743B0715-C183-42DE-B6E5-38E47A36CCC5}" dt="2021-09-29T21:20:05.013" v="861" actId="14100"/>
-          <ac:spMkLst>
-            <pc:docMk/>
-            <pc:sldMk cId="665027416" sldId="267"/>
-            <ac:spMk id="4" creationId="{69D13A37-6B82-4C78-812F-D9D461CDC672}"/>
-          </ac:spMkLst>
-        </pc:spChg>
-        <pc:spChg chg="mod">
-          <ac:chgData name="Graydon Hall" userId="6ad8ef6fe9c5877e" providerId="LiveId" clId="{743B0715-C183-42DE-B6E5-38E47A36CCC5}" dt="2021-09-29T21:09:34.002" v="765" actId="1076"/>
-          <ac:spMkLst>
-            <pc:docMk/>
-            <pc:sldMk cId="665027416" sldId="267"/>
-            <ac:spMk id="5" creationId="{03DF7978-60AD-4CDE-AE09-356BACC0D746}"/>
-          </ac:spMkLst>
-        </pc:spChg>
-        <pc:spChg chg="add mod">
-          <ac:chgData name="Graydon Hall" userId="6ad8ef6fe9c5877e" providerId="LiveId" clId="{743B0715-C183-42DE-B6E5-38E47A36CCC5}" dt="2021-09-30T19:00:51.358" v="3788" actId="208"/>
-          <ac:spMkLst>
-            <pc:docMk/>
-            <pc:sldMk cId="665027416" sldId="267"/>
-            <ac:spMk id="10" creationId="{6A13B73C-A4D9-4388-A369-3FD4A51C9DC6}"/>
-          </ac:spMkLst>
-        </pc:spChg>
-        <pc:spChg chg="add del mod">
-          <ac:chgData name="Graydon Hall" userId="6ad8ef6fe9c5877e" providerId="LiveId" clId="{743B0715-C183-42DE-B6E5-38E47A36CCC5}" dt="2021-09-29T21:11:55.806" v="777" actId="478"/>
-          <ac:spMkLst>
-            <pc:docMk/>
-            <pc:sldMk cId="665027416" sldId="267"/>
-            <ac:spMk id="10" creationId="{C7323650-FC6D-4288-9B3C-A0D021E9A22B}"/>
-          </ac:spMkLst>
-        </pc:spChg>
-        <pc:spChg chg="mod">
-          <ac:chgData name="Graydon Hall" userId="6ad8ef6fe9c5877e" providerId="LiveId" clId="{743B0715-C183-42DE-B6E5-38E47A36CCC5}" dt="2021-09-30T18:52:30.362" v="3699" actId="20577"/>
-          <ac:spMkLst>
-            <pc:docMk/>
-            <pc:sldMk cId="665027416" sldId="267"/>
-            <ac:spMk id="11" creationId="{ABE71181-B149-4EE3-8C57-DA344694D6C2}"/>
-          </ac:spMkLst>
-        </pc:spChg>
-        <pc:spChg chg="add del mod">
-          <ac:chgData name="Graydon Hall" userId="6ad8ef6fe9c5877e" providerId="LiveId" clId="{743B0715-C183-42DE-B6E5-38E47A36CCC5}" dt="2021-09-29T21:09:42.203" v="767" actId="478"/>
-          <ac:spMkLst>
-            <pc:docMk/>
-            <pc:sldMk cId="665027416" sldId="267"/>
-            <ac:spMk id="12" creationId="{E0063739-BA67-4EBC-85B3-BD7315FE2425}"/>
-          </ac:spMkLst>
-        </pc:spChg>
-        <pc:spChg chg="mod">
-          <ac:chgData name="Graydon Hall" userId="6ad8ef6fe9c5877e" providerId="LiveId" clId="{743B0715-C183-42DE-B6E5-38E47A36CCC5}" dt="2021-09-29T21:02:47.553" v="746" actId="164"/>
-          <ac:spMkLst>
-            <pc:docMk/>
-            <pc:sldMk cId="665027416" sldId="267"/>
-            <ac:spMk id="13" creationId="{1485229A-BE5D-445C-A29D-2095B03DF662}"/>
-          </ac:spMkLst>
-        </pc:spChg>
-        <pc:spChg chg="mod">
-          <ac:chgData name="Graydon Hall" userId="6ad8ef6fe9c5877e" providerId="LiveId" clId="{743B0715-C183-42DE-B6E5-38E47A36CCC5}" dt="2021-09-29T21:02:47.553" v="746" actId="164"/>
-          <ac:spMkLst>
-            <pc:docMk/>
-            <pc:sldMk cId="665027416" sldId="267"/>
-            <ac:spMk id="14" creationId="{8E3A9A45-B3AF-48DC-B12C-05C16FE7B083}"/>
-          </ac:spMkLst>
-        </pc:spChg>
-        <pc:spChg chg="del mod">
-          <ac:chgData name="Graydon Hall" userId="6ad8ef6fe9c5877e" providerId="LiveId" clId="{743B0715-C183-42DE-B6E5-38E47A36CCC5}" dt="2021-09-29T21:03:07.788" v="751" actId="478"/>
-          <ac:spMkLst>
-            <pc:docMk/>
-            <pc:sldMk cId="665027416" sldId="267"/>
-            <ac:spMk id="19" creationId="{46F5181C-BDBC-4AB8-83A7-972C3E6E24F4}"/>
-          </ac:spMkLst>
-        </pc:spChg>
-        <pc:spChg chg="add mod">
-          <ac:chgData name="Graydon Hall" userId="6ad8ef6fe9c5877e" providerId="LiveId" clId="{743B0715-C183-42DE-B6E5-38E47A36CCC5}" dt="2021-09-29T21:10:05.764" v="770"/>
-          <ac:spMkLst>
-            <pc:docMk/>
-            <pc:sldMk cId="665027416" sldId="267"/>
-            <ac:spMk id="20" creationId="{547FE1C0-78F6-4E38-B7FA-BB0544F84C4A}"/>
-          </ac:spMkLst>
-        </pc:spChg>
-        <pc:spChg chg="add mod">
-          <ac:chgData name="Graydon Hall" userId="6ad8ef6fe9c5877e" providerId="LiveId" clId="{743B0715-C183-42DE-B6E5-38E47A36CCC5}" dt="2021-09-29T21:10:56.430" v="776"/>
-          <ac:spMkLst>
-            <pc:docMk/>
-            <pc:sldMk cId="665027416" sldId="267"/>
-            <ac:spMk id="21" creationId="{12A2866F-70E5-49E4-BFF8-F99E0F0959F9}"/>
-          </ac:spMkLst>
-        </pc:spChg>
-        <pc:spChg chg="add del">
-          <ac:chgData name="Graydon Hall" userId="6ad8ef6fe9c5877e" providerId="LiveId" clId="{743B0715-C183-42DE-B6E5-38E47A36CCC5}" dt="2021-09-29T21:12:14.016" v="779" actId="478"/>
-          <ac:spMkLst>
-            <pc:docMk/>
-            <pc:sldMk cId="665027416" sldId="267"/>
-            <ac:spMk id="22" creationId="{38B7A0C4-3A5F-4FC1-8205-205036E04C8C}"/>
-          </ac:spMkLst>
-        </pc:spChg>
-        <pc:spChg chg="mod">
-          <ac:chgData name="Graydon Hall" userId="6ad8ef6fe9c5877e" providerId="LiveId" clId="{743B0715-C183-42DE-B6E5-38E47A36CCC5}" dt="2021-09-29T21:01:38.898" v="742" actId="206"/>
-          <ac:spMkLst>
-            <pc:docMk/>
-            <pc:sldMk cId="665027416" sldId="267"/>
-            <ac:spMk id="29" creationId="{38FB2998-D17F-4C72-9B49-F8CF82A51658}"/>
-          </ac:spMkLst>
-        </pc:spChg>
-        <pc:spChg chg="mod">
-          <ac:chgData name="Graydon Hall" userId="6ad8ef6fe9c5877e" providerId="LiveId" clId="{743B0715-C183-42DE-B6E5-38E47A36CCC5}" dt="2021-09-29T21:02:47.553" v="746" actId="164"/>
-          <ac:spMkLst>
-            <pc:docMk/>
-            <pc:sldMk cId="665027416" sldId="267"/>
-            <ac:spMk id="30" creationId="{EF742BB3-B8CD-4214-A16D-995CA4C3A04F}"/>
-          </ac:spMkLst>
-        </pc:spChg>
-        <pc:spChg chg="mod">
-          <ac:chgData name="Graydon Hall" userId="6ad8ef6fe9c5877e" providerId="LiveId" clId="{743B0715-C183-42DE-B6E5-38E47A36CCC5}" dt="2021-09-29T21:02:47.553" v="746" actId="164"/>
-          <ac:spMkLst>
-            <pc:docMk/>
-            <pc:sldMk cId="665027416" sldId="267"/>
-            <ac:spMk id="31" creationId="{195FFD83-D7D9-4459-9CF3-A18D5A7A4E5B}"/>
-          </ac:spMkLst>
-        </pc:spChg>
-        <pc:spChg chg="mod">
-          <ac:chgData name="Graydon Hall" userId="6ad8ef6fe9c5877e" providerId="LiveId" clId="{743B0715-C183-42DE-B6E5-38E47A36CCC5}" dt="2021-09-29T21:02:47.553" v="746" actId="164"/>
-          <ac:spMkLst>
-            <pc:docMk/>
-            <pc:sldMk cId="665027416" sldId="267"/>
-            <ac:spMk id="32" creationId="{0F9B6971-E396-466B-968F-2B6C71A84C66}"/>
-          </ac:spMkLst>
-        </pc:spChg>
-        <pc:spChg chg="add mod">
-          <ac:chgData name="Graydon Hall" userId="6ad8ef6fe9c5877e" providerId="LiveId" clId="{743B0715-C183-42DE-B6E5-38E47A36CCC5}" dt="2021-09-29T21:12:25.652" v="781"/>
-          <ac:spMkLst>
-            <pc:docMk/>
-            <pc:sldMk cId="665027416" sldId="267"/>
-            <ac:spMk id="35" creationId="{522DF440-990C-4AC7-89A4-F956E42DC1E7}"/>
-          </ac:spMkLst>
-        </pc:spChg>
-        <pc:spChg chg="mod">
-          <ac:chgData name="Graydon Hall" userId="6ad8ef6fe9c5877e" providerId="LiveId" clId="{743B0715-C183-42DE-B6E5-38E47A36CCC5}" dt="2021-09-29T21:02:47.553" v="746" actId="164"/>
-          <ac:spMkLst>
-            <pc:docMk/>
-            <pc:sldMk cId="665027416" sldId="267"/>
-            <ac:spMk id="45" creationId="{4C45101B-86CB-4372-B945-F57608A2AA11}"/>
-          </ac:spMkLst>
-        </pc:spChg>
-        <pc:spChg chg="mod">
-          <ac:chgData name="Graydon Hall" userId="6ad8ef6fe9c5877e" providerId="LiveId" clId="{743B0715-C183-42DE-B6E5-38E47A36CCC5}" dt="2021-09-29T21:01:12.294" v="733" actId="20577"/>
-          <ac:spMkLst>
-            <pc:docMk/>
-            <pc:sldMk cId="665027416" sldId="267"/>
-            <ac:spMk id="54" creationId="{437AF63C-1FCF-4662-BE8B-02BEA81AD64D}"/>
-          </ac:spMkLst>
-        </pc:spChg>
-        <pc:spChg chg="mod">
-          <ac:chgData name="Graydon Hall" userId="6ad8ef6fe9c5877e" providerId="LiveId" clId="{743B0715-C183-42DE-B6E5-38E47A36CCC5}" dt="2021-09-29T21:01:15.741" v="735" actId="20577"/>
-          <ac:spMkLst>
-            <pc:docMk/>
-            <pc:sldMk cId="665027416" sldId="267"/>
-            <ac:spMk id="55" creationId="{548D98DB-3C17-4BCD-B341-41546ECD446A}"/>
-          </ac:spMkLst>
-        </pc:spChg>
-        <pc:spChg chg="mod">
-          <ac:chgData name="Graydon Hall" userId="6ad8ef6fe9c5877e" providerId="LiveId" clId="{743B0715-C183-42DE-B6E5-38E47A36CCC5}" dt="2021-09-29T21:01:18.117" v="737" actId="20577"/>
-          <ac:spMkLst>
-            <pc:docMk/>
-            <pc:sldMk cId="665027416" sldId="267"/>
-            <ac:spMk id="56" creationId="{244774B1-FA94-4568-9E5A-E32B99A9F176}"/>
-          </ac:spMkLst>
-        </pc:spChg>
-        <pc:spChg chg="mod">
-          <ac:chgData name="Graydon Hall" userId="6ad8ef6fe9c5877e" providerId="LiveId" clId="{743B0715-C183-42DE-B6E5-38E47A36CCC5}" dt="2021-09-29T21:01:21.229" v="739" actId="20577"/>
-          <ac:spMkLst>
-            <pc:docMk/>
-            <pc:sldMk cId="665027416" sldId="267"/>
-            <ac:spMk id="57" creationId="{49CFC0C2-98A4-4206-9DD6-12FB60112185}"/>
-          </ac:spMkLst>
-        </pc:spChg>
-        <pc:spChg chg="mod">
-          <ac:chgData name="Graydon Hall" userId="6ad8ef6fe9c5877e" providerId="LiveId" clId="{743B0715-C183-42DE-B6E5-38E47A36CCC5}" dt="2021-09-29T21:01:04.616" v="730"/>
-          <ac:spMkLst>
-            <pc:docMk/>
-            <pc:sldMk cId="665027416" sldId="267"/>
-            <ac:spMk id="58" creationId="{34D83752-1847-4E3E-8619-7C119FBEA7D2}"/>
-          </ac:spMkLst>
-        </pc:spChg>
-        <pc:spChg chg="mod">
-          <ac:chgData name="Graydon Hall" userId="6ad8ef6fe9c5877e" providerId="LiveId" clId="{743B0715-C183-42DE-B6E5-38E47A36CCC5}" dt="2021-09-29T21:01:57.238" v="744"/>
-          <ac:spMkLst>
-            <pc:docMk/>
-            <pc:sldMk cId="665027416" sldId="267"/>
-            <ac:spMk id="67" creationId="{146DA5DC-BB7C-4FE5-A5E6-B598EB02C61A}"/>
-          </ac:spMkLst>
-        </pc:spChg>
-        <pc:spChg chg="mod">
-          <ac:chgData name="Graydon Hall" userId="6ad8ef6fe9c5877e" providerId="LiveId" clId="{743B0715-C183-42DE-B6E5-38E47A36CCC5}" dt="2021-09-29T21:01:57.238" v="744"/>
-          <ac:spMkLst>
-            <pc:docMk/>
-            <pc:sldMk cId="665027416" sldId="267"/>
-            <ac:spMk id="68" creationId="{D21261D9-EECE-4315-88AE-AED2214A6199}"/>
-          </ac:spMkLst>
-        </pc:spChg>
-        <pc:spChg chg="mod">
-          <ac:chgData name="Graydon Hall" userId="6ad8ef6fe9c5877e" providerId="LiveId" clId="{743B0715-C183-42DE-B6E5-38E47A36CCC5}" dt="2021-09-29T21:01:57.238" v="744"/>
-          <ac:spMkLst>
-            <pc:docMk/>
-            <pc:sldMk cId="665027416" sldId="267"/>
-            <ac:spMk id="69" creationId="{61E58199-13D7-4F69-8B73-FE8AF35278DB}"/>
-          </ac:spMkLst>
-        </pc:spChg>
-        <pc:spChg chg="mod">
-          <ac:chgData name="Graydon Hall" userId="6ad8ef6fe9c5877e" providerId="LiveId" clId="{743B0715-C183-42DE-B6E5-38E47A36CCC5}" dt="2021-09-29T21:01:57.238" v="744"/>
-          <ac:spMkLst>
-            <pc:docMk/>
-            <pc:sldMk cId="665027416" sldId="267"/>
-            <ac:spMk id="70" creationId="{B30B8E36-7225-4EDF-8026-C80E0A116A84}"/>
-          </ac:spMkLst>
-        </pc:spChg>
-        <pc:spChg chg="mod">
-          <ac:chgData name="Graydon Hall" userId="6ad8ef6fe9c5877e" providerId="LiveId" clId="{743B0715-C183-42DE-B6E5-38E47A36CCC5}" dt="2021-09-29T21:01:57.238" v="744"/>
-          <ac:spMkLst>
-            <pc:docMk/>
-            <pc:sldMk cId="665027416" sldId="267"/>
-            <ac:spMk id="71" creationId="{CEB3A782-FA41-4E7A-B316-369117333619}"/>
-          </ac:spMkLst>
-        </pc:spChg>
-        <pc:spChg chg="mod">
-          <ac:chgData name="Graydon Hall" userId="6ad8ef6fe9c5877e" providerId="LiveId" clId="{743B0715-C183-42DE-B6E5-38E47A36CCC5}" dt="2021-09-29T21:02:48.065" v="747"/>
-          <ac:spMkLst>
-            <pc:docMk/>
-            <pc:sldMk cId="665027416" sldId="267"/>
-            <ac:spMk id="73" creationId="{82A861FD-FBD5-49C8-87B0-FE67334597E3}"/>
-          </ac:spMkLst>
-        </pc:spChg>
-        <pc:spChg chg="mod">
-          <ac:chgData name="Graydon Hall" userId="6ad8ef6fe9c5877e" providerId="LiveId" clId="{743B0715-C183-42DE-B6E5-38E47A36CCC5}" dt="2021-09-29T21:02:48.065" v="747"/>
-          <ac:spMkLst>
-            <pc:docMk/>
-            <pc:sldMk cId="665027416" sldId="267"/>
-            <ac:spMk id="74" creationId="{DDE27D17-A231-48E3-9D74-DCF951A18017}"/>
-          </ac:spMkLst>
-        </pc:spChg>
-        <pc:spChg chg="mod">
-          <ac:chgData name="Graydon Hall" userId="6ad8ef6fe9c5877e" providerId="LiveId" clId="{743B0715-C183-42DE-B6E5-38E47A36CCC5}" dt="2021-09-29T21:02:48.065" v="747"/>
-          <ac:spMkLst>
-            <pc:docMk/>
-            <pc:sldMk cId="665027416" sldId="267"/>
-            <ac:spMk id="75" creationId="{0FF2EA18-2B27-45D5-A3D3-2D2DAF96B16C}"/>
-          </ac:spMkLst>
-        </pc:spChg>
-        <pc:spChg chg="mod">
-          <ac:chgData name="Graydon Hall" userId="6ad8ef6fe9c5877e" providerId="LiveId" clId="{743B0715-C183-42DE-B6E5-38E47A36CCC5}" dt="2021-09-29T21:02:48.065" v="747"/>
-          <ac:spMkLst>
-            <pc:docMk/>
-            <pc:sldMk cId="665027416" sldId="267"/>
-            <ac:spMk id="76" creationId="{2657631D-C8A0-4D06-B345-B2FD0A455BC2}"/>
-          </ac:spMkLst>
-        </pc:spChg>
-        <pc:spChg chg="mod">
-          <ac:chgData name="Graydon Hall" userId="6ad8ef6fe9c5877e" providerId="LiveId" clId="{743B0715-C183-42DE-B6E5-38E47A36CCC5}" dt="2021-09-29T21:02:48.065" v="747"/>
-          <ac:spMkLst>
-            <pc:docMk/>
-            <pc:sldMk cId="665027416" sldId="267"/>
-            <ac:spMk id="77" creationId="{F11295AA-3C32-4477-97D3-5194ADFA246E}"/>
-          </ac:spMkLst>
-        </pc:spChg>
-        <pc:spChg chg="mod">
-          <ac:chgData name="Graydon Hall" userId="6ad8ef6fe9c5877e" providerId="LiveId" clId="{743B0715-C183-42DE-B6E5-38E47A36CCC5}" dt="2021-09-29T21:02:48.065" v="747"/>
-          <ac:spMkLst>
-            <pc:docMk/>
-            <pc:sldMk cId="665027416" sldId="267"/>
-            <ac:spMk id="78" creationId="{6A84FCC7-9519-4F2A-ABAE-F191991BC136}"/>
-          </ac:spMkLst>
-        </pc:spChg>
-        <pc:spChg chg="add mod">
-          <ac:chgData name="Graydon Hall" userId="6ad8ef6fe9c5877e" providerId="LiveId" clId="{743B0715-C183-42DE-B6E5-38E47A36CCC5}" dt="2021-09-29T21:10:28.875" v="772" actId="1076"/>
-          <ac:spMkLst>
-            <pc:docMk/>
-            <pc:sldMk cId="665027416" sldId="267"/>
-            <ac:spMk id="79" creationId="{48722A1F-ADB0-42CB-9689-559D76D3A782}"/>
-          </ac:spMkLst>
-        </pc:spChg>
-        <pc:spChg chg="add mod">
-          <ac:chgData name="Graydon Hall" userId="6ad8ef6fe9c5877e" providerId="LiveId" clId="{743B0715-C183-42DE-B6E5-38E47A36CCC5}" dt="2021-09-29T21:10:40.060" v="774" actId="1076"/>
-          <ac:spMkLst>
-            <pc:docMk/>
-            <pc:sldMk cId="665027416" sldId="267"/>
-            <ac:spMk id="80" creationId="{0D55B6D6-ED78-4EA2-91B8-1EC83D51C246}"/>
-          </ac:spMkLst>
-        </pc:spChg>
-        <pc:spChg chg="add mod">
-          <ac:chgData name="Graydon Hall" userId="6ad8ef6fe9c5877e" providerId="LiveId" clId="{743B0715-C183-42DE-B6E5-38E47A36CCC5}" dt="2021-09-29T21:12:51.786" v="846" actId="1036"/>
-          <ac:spMkLst>
-            <pc:docMk/>
-            <pc:sldMk cId="665027416" sldId="267"/>
-            <ac:spMk id="81" creationId="{E9D4274A-E3E9-4AC0-B99A-4CC0DD026E89}"/>
-          </ac:spMkLst>
-        </pc:spChg>
-        <pc:spChg chg="add mod">
-          <ac:chgData name="Graydon Hall" userId="6ad8ef6fe9c5877e" providerId="LiveId" clId="{743B0715-C183-42DE-B6E5-38E47A36CCC5}" dt="2021-09-30T19:01:02.145" v="3791" actId="1076"/>
-          <ac:spMkLst>
-            <pc:docMk/>
-            <pc:sldMk cId="665027416" sldId="267"/>
-            <ac:spMk id="82" creationId="{3393D78F-D17E-4D5A-87FE-A6C3308EC21C}"/>
-          </ac:spMkLst>
-        </pc:spChg>
-        <pc:grpChg chg="add mod">
-          <ac:chgData name="Graydon Hall" userId="6ad8ef6fe9c5877e" providerId="LiveId" clId="{743B0715-C183-42DE-B6E5-38E47A36CCC5}" dt="2021-09-29T21:02:47.553" v="746" actId="164"/>
-          <ac:grpSpMkLst>
-            <pc:docMk/>
-            <pc:sldMk cId="665027416" sldId="267"/>
-            <ac:grpSpMk id="2" creationId="{D91AFCC9-FC40-464C-BC3F-E2763F145D0C}"/>
-          </ac:grpSpMkLst>
-        </pc:grpChg>
-        <pc:grpChg chg="mod">
-          <ac:chgData name="Graydon Hall" userId="6ad8ef6fe9c5877e" providerId="LiveId" clId="{743B0715-C183-42DE-B6E5-38E47A36CCC5}" dt="2021-09-29T21:01:41.585" v="743" actId="1076"/>
-          <ac:grpSpMkLst>
-            <pc:docMk/>
-            <pc:sldMk cId="665027416" sldId="267"/>
-            <ac:grpSpMk id="28" creationId="{F55E8291-14D0-4A93-8D05-79A67F8C9FA2}"/>
-          </ac:grpSpMkLst>
-        </pc:grpChg>
-        <pc:grpChg chg="add mod">
-          <ac:chgData name="Graydon Hall" userId="6ad8ef6fe9c5877e" providerId="LiveId" clId="{743B0715-C183-42DE-B6E5-38E47A36CCC5}" dt="2021-09-29T21:01:08.948" v="731" actId="1076"/>
-          <ac:grpSpMkLst>
-            <pc:docMk/>
-            <pc:sldMk cId="665027416" sldId="267"/>
-            <ac:grpSpMk id="53" creationId="{3CD321A8-8E59-45E8-A994-3CE9398DD1EB}"/>
-          </ac:grpSpMkLst>
-        </pc:grpChg>
-        <pc:grpChg chg="add mod">
-          <ac:chgData name="Graydon Hall" userId="6ad8ef6fe9c5877e" providerId="LiveId" clId="{743B0715-C183-42DE-B6E5-38E47A36CCC5}" dt="2021-09-29T21:02:01.467" v="745" actId="1076"/>
-          <ac:grpSpMkLst>
-            <pc:docMk/>
-            <pc:sldMk cId="665027416" sldId="267"/>
-            <ac:grpSpMk id="66" creationId="{75C94FB6-D175-4396-847C-3C7F9E8450EC}"/>
-          </ac:grpSpMkLst>
-        </pc:grpChg>
-        <pc:grpChg chg="add mod">
-          <ac:chgData name="Graydon Hall" userId="6ad8ef6fe9c5877e" providerId="LiveId" clId="{743B0715-C183-42DE-B6E5-38E47A36CCC5}" dt="2021-09-29T21:09:45.732" v="768" actId="1076"/>
-          <ac:grpSpMkLst>
-            <pc:docMk/>
-            <pc:sldMk cId="665027416" sldId="267"/>
-            <ac:grpSpMk id="72" creationId="{AEC6AA4B-B969-46AE-95C3-A0BB61A3ACEE}"/>
-          </ac:grpSpMkLst>
-        </pc:grpChg>
-      </pc:sldChg>
-      <pc:sldChg chg="addSp delSp modSp add mod">
-        <pc:chgData name="Graydon Hall" userId="6ad8ef6fe9c5877e" providerId="LiveId" clId="{743B0715-C183-42DE-B6E5-38E47A36CCC5}" dt="2021-09-30T15:29:01.157" v="1162" actId="20577"/>
-        <pc:sldMkLst>
-          <pc:docMk/>
-          <pc:sldMk cId="2537722862" sldId="268"/>
-        </pc:sldMkLst>
-        <pc:spChg chg="add del mod">
-          <ac:chgData name="Graydon Hall" userId="6ad8ef6fe9c5877e" providerId="LiveId" clId="{743B0715-C183-42DE-B6E5-38E47A36CCC5}" dt="2021-09-30T15:23:11.566" v="947" actId="478"/>
-          <ac:spMkLst>
-            <pc:docMk/>
-            <pc:sldMk cId="2537722862" sldId="268"/>
-            <ac:spMk id="3" creationId="{0D96CE69-933F-4178-85BB-CF05E7BD07AC}"/>
-          </ac:spMkLst>
-        </pc:spChg>
-        <pc:spChg chg="add del mod">
-          <ac:chgData name="Graydon Hall" userId="6ad8ef6fe9c5877e" providerId="LiveId" clId="{743B0715-C183-42DE-B6E5-38E47A36CCC5}" dt="2021-09-29T21:30:40.762" v="882" actId="478"/>
-          <ac:spMkLst>
-            <pc:docMk/>
-            <pc:sldMk cId="2537722862" sldId="268"/>
-            <ac:spMk id="3" creationId="{B9B96A2D-7483-4C9E-9541-FB16F0C38E91}"/>
-          </ac:spMkLst>
-        </pc:spChg>
-        <pc:spChg chg="mod">
-          <ac:chgData name="Graydon Hall" userId="6ad8ef6fe9c5877e" providerId="LiveId" clId="{743B0715-C183-42DE-B6E5-38E47A36CCC5}" dt="2021-09-29T21:19:57.658" v="859" actId="14100"/>
-          <ac:spMkLst>
-            <pc:docMk/>
-            <pc:sldMk cId="2537722862" sldId="268"/>
-            <ac:spMk id="4" creationId="{69D13A37-6B82-4C78-812F-D9D461CDC672}"/>
-          </ac:spMkLst>
-        </pc:spChg>
-        <pc:spChg chg="mod">
-          <ac:chgData name="Graydon Hall" userId="6ad8ef6fe9c5877e" providerId="LiveId" clId="{743B0715-C183-42DE-B6E5-38E47A36CCC5}" dt="2021-09-29T21:22:52.359" v="864" actId="14100"/>
-          <ac:spMkLst>
-            <pc:docMk/>
-            <pc:sldMk cId="2537722862" sldId="268"/>
-            <ac:spMk id="5" creationId="{03DF7978-60AD-4CDE-AE09-356BACC0D746}"/>
-          </ac:spMkLst>
-        </pc:spChg>
-        <pc:spChg chg="mod">
-          <ac:chgData name="Graydon Hall" userId="6ad8ef6fe9c5877e" providerId="LiveId" clId="{743B0715-C183-42DE-B6E5-38E47A36CCC5}" dt="2021-09-29T21:40:49.256" v="885" actId="20577"/>
-          <ac:spMkLst>
-            <pc:docMk/>
-            <pc:sldMk cId="2537722862" sldId="268"/>
-            <ac:spMk id="11" creationId="{ABE71181-B149-4EE3-8C57-DA344694D6C2}"/>
-          </ac:spMkLst>
-        </pc:spChg>
-        <pc:spChg chg="del">
-          <ac:chgData name="Graydon Hall" userId="6ad8ef6fe9c5877e" providerId="LiveId" clId="{743B0715-C183-42DE-B6E5-38E47A36CCC5}" dt="2021-09-29T21:19:42.646" v="850" actId="478"/>
-          <ac:spMkLst>
-            <pc:docMk/>
-            <pc:sldMk cId="2537722862" sldId="268"/>
-            <ac:spMk id="15" creationId="{37CEF823-64A2-4803-97BB-DE3BC2A56C3D}"/>
-          </ac:spMkLst>
-        </pc:spChg>
-        <pc:spChg chg="del">
-          <ac:chgData name="Graydon Hall" userId="6ad8ef6fe9c5877e" providerId="LiveId" clId="{743B0715-C183-42DE-B6E5-38E47A36CCC5}" dt="2021-09-29T21:19:47.923" v="853" actId="478"/>
-          <ac:spMkLst>
-            <pc:docMk/>
-            <pc:sldMk cId="2537722862" sldId="268"/>
-            <ac:spMk id="16" creationId="{EA2DF13A-E11F-4817-B472-6B40ED9D8414}"/>
-          </ac:spMkLst>
-        </pc:spChg>
-        <pc:spChg chg="del mod">
-          <ac:chgData name="Graydon Hall" userId="6ad8ef6fe9c5877e" providerId="LiveId" clId="{743B0715-C183-42DE-B6E5-38E47A36CCC5}" dt="2021-09-29T21:19:49.648" v="855" actId="478"/>
-          <ac:spMkLst>
-            <pc:docMk/>
-            <pc:sldMk cId="2537722862" sldId="268"/>
-            <ac:spMk id="17" creationId="{49613BA1-EC39-4C9D-911C-822803A902C7}"/>
-          </ac:spMkLst>
-        </pc:spChg>
-        <pc:spChg chg="del">
-          <ac:chgData name="Graydon Hall" userId="6ad8ef6fe9c5877e" providerId="LiveId" clId="{743B0715-C183-42DE-B6E5-38E47A36CCC5}" dt="2021-09-29T21:19:45.776" v="851" actId="478"/>
-          <ac:spMkLst>
-            <pc:docMk/>
-            <pc:sldMk cId="2537722862" sldId="268"/>
-            <ac:spMk id="18" creationId="{827B7BA2-81B6-42CB-8875-9F2B5C5394A7}"/>
-          </ac:spMkLst>
-        </pc:spChg>
-        <pc:spChg chg="del">
-          <ac:chgData name="Graydon Hall" userId="6ad8ef6fe9c5877e" providerId="LiveId" clId="{743B0715-C183-42DE-B6E5-38E47A36CCC5}" dt="2021-09-29T21:40:54.312" v="886" actId="478"/>
-          <ac:spMkLst>
-            <pc:docMk/>
-            <pc:sldMk cId="2537722862" sldId="268"/>
-            <ac:spMk id="20" creationId="{547FE1C0-78F6-4E38-B7FA-BB0544F84C4A}"/>
-          </ac:spMkLst>
-        </pc:spChg>
-        <pc:spChg chg="del">
-          <ac:chgData name="Graydon Hall" userId="6ad8ef6fe9c5877e" providerId="LiveId" clId="{743B0715-C183-42DE-B6E5-38E47A36CCC5}" dt="2021-09-29T21:19:45.776" v="851" actId="478"/>
-          <ac:spMkLst>
-            <pc:docMk/>
-            <pc:sldMk cId="2537722862" sldId="268"/>
-            <ac:spMk id="24" creationId="{FD8706BD-108D-4ECE-80FA-00ED04CF3D8A}"/>
-          </ac:spMkLst>
-        </pc:spChg>
-        <pc:spChg chg="del">
-          <ac:chgData name="Graydon Hall" userId="6ad8ef6fe9c5877e" providerId="LiveId" clId="{743B0715-C183-42DE-B6E5-38E47A36CCC5}" dt="2021-09-29T21:19:45.776" v="851" actId="478"/>
-          <ac:spMkLst>
-            <pc:docMk/>
-            <pc:sldMk cId="2537722862" sldId="268"/>
-            <ac:spMk id="25" creationId="{D874629E-BAB8-48EB-8538-631F7E8F7166}"/>
-          </ac:spMkLst>
-        </pc:spChg>
-        <pc:spChg chg="del">
-          <ac:chgData name="Graydon Hall" userId="6ad8ef6fe9c5877e" providerId="LiveId" clId="{743B0715-C183-42DE-B6E5-38E47A36CCC5}" dt="2021-09-29T21:19:45.776" v="851" actId="478"/>
-          <ac:spMkLst>
-            <pc:docMk/>
-            <pc:sldMk cId="2537722862" sldId="268"/>
-            <ac:spMk id="26" creationId="{D60DACE1-0AE0-4851-B2F0-AFC7BC736D99}"/>
-          </ac:spMkLst>
-        </pc:spChg>
-        <pc:spChg chg="del">
-          <ac:chgData name="Graydon Hall" userId="6ad8ef6fe9c5877e" providerId="LiveId" clId="{743B0715-C183-42DE-B6E5-38E47A36CCC5}" dt="2021-09-29T21:19:50.792" v="856" actId="478"/>
-          <ac:spMkLst>
-            <pc:docMk/>
-            <pc:sldMk cId="2537722862" sldId="268"/>
-            <ac:spMk id="29" creationId="{38FB2998-D17F-4C72-9B49-F8CF82A51658}"/>
-          </ac:spMkLst>
-        </pc:spChg>
-        <pc:spChg chg="del">
-          <ac:chgData name="Graydon Hall" userId="6ad8ef6fe9c5877e" providerId="LiveId" clId="{743B0715-C183-42DE-B6E5-38E47A36CCC5}" dt="2021-09-29T21:19:45.776" v="851" actId="478"/>
-          <ac:spMkLst>
-            <pc:docMk/>
-            <pc:sldMk cId="2537722862" sldId="268"/>
-            <ac:spMk id="33" creationId="{93034171-ED6B-48B6-89E7-6D43497F0D62}"/>
-          </ac:spMkLst>
-        </pc:spChg>
-        <pc:spChg chg="del">
-          <ac:chgData name="Graydon Hall" userId="6ad8ef6fe9c5877e" providerId="LiveId" clId="{743B0715-C183-42DE-B6E5-38E47A36CCC5}" dt="2021-09-29T21:19:47.136" v="852" actId="478"/>
-          <ac:spMkLst>
-            <pc:docMk/>
-            <pc:sldMk cId="2537722862" sldId="268"/>
-            <ac:spMk id="35" creationId="{522DF440-990C-4AC7-89A4-F956E42DC1E7}"/>
-          </ac:spMkLst>
-        </pc:spChg>
-        <pc:spChg chg="del">
-          <ac:chgData name="Graydon Hall" userId="6ad8ef6fe9c5877e" providerId="LiveId" clId="{743B0715-C183-42DE-B6E5-38E47A36CCC5}" dt="2021-09-29T21:19:45.776" v="851" actId="478"/>
-          <ac:spMkLst>
-            <pc:docMk/>
-            <pc:sldMk cId="2537722862" sldId="268"/>
-            <ac:spMk id="44" creationId="{FBBEB1BD-78EA-425E-9160-0B4F52E9B7F8}"/>
-          </ac:spMkLst>
-        </pc:spChg>
-        <pc:spChg chg="mod">
-          <ac:chgData name="Graydon Hall" userId="6ad8ef6fe9c5877e" providerId="LiveId" clId="{743B0715-C183-42DE-B6E5-38E47A36CCC5}" dt="2021-09-29T21:26:25.868" v="880" actId="207"/>
-          <ac:spMkLst>
-            <pc:docMk/>
-            <pc:sldMk cId="2537722862" sldId="268"/>
-            <ac:spMk id="46" creationId="{05C9C61F-B640-4679-BE12-3DFCDF58112B}"/>
-          </ac:spMkLst>
-        </pc:spChg>
-        <pc:spChg chg="add mod">
-          <ac:chgData name="Graydon Hall" userId="6ad8ef6fe9c5877e" providerId="LiveId" clId="{743B0715-C183-42DE-B6E5-38E47A36CCC5}" dt="2021-09-30T15:28:40.923" v="1137" actId="20577"/>
-          <ac:spMkLst>
-            <pc:docMk/>
-            <pc:sldMk cId="2537722862" sldId="268"/>
-            <ac:spMk id="65" creationId="{7B0C6561-B429-404B-A0C1-E11EBF4C22EA}"/>
-          </ac:spMkLst>
-        </pc:spChg>
-        <pc:spChg chg="del">
-          <ac:chgData name="Graydon Hall" userId="6ad8ef6fe9c5877e" providerId="LiveId" clId="{743B0715-C183-42DE-B6E5-38E47A36CCC5}" dt="2021-09-29T21:19:51.616" v="857" actId="478"/>
-          <ac:spMkLst>
-            <pc:docMk/>
-            <pc:sldMk cId="2537722862" sldId="268"/>
-            <ac:spMk id="65" creationId="{C3C116B7-ECF0-40C4-AB07-13E60A9F076A}"/>
-          </ac:spMkLst>
-        </pc:spChg>
-        <pc:spChg chg="mod">
-          <ac:chgData name="Graydon Hall" userId="6ad8ef6fe9c5877e" providerId="LiveId" clId="{743B0715-C183-42DE-B6E5-38E47A36CCC5}" dt="2021-09-29T21:22:57.391" v="866" actId="20577"/>
-          <ac:spMkLst>
-            <pc:docMk/>
-            <pc:sldMk cId="2537722862" sldId="268"/>
-            <ac:spMk id="67" creationId="{146DA5DC-BB7C-4FE5-A5E6-B598EB02C61A}"/>
-          </ac:spMkLst>
-        </pc:spChg>
-        <pc:spChg chg="del mod">
-          <ac:chgData name="Graydon Hall" userId="6ad8ef6fe9c5877e" providerId="LiveId" clId="{743B0715-C183-42DE-B6E5-38E47A36CCC5}" dt="2021-09-30T15:23:02.494" v="944" actId="478"/>
-          <ac:spMkLst>
-            <pc:docMk/>
-            <pc:sldMk cId="2537722862" sldId="268"/>
-            <ac:spMk id="73" creationId="{82A861FD-FBD5-49C8-87B0-FE67334597E3}"/>
-          </ac:spMkLst>
-        </pc:spChg>
-        <pc:spChg chg="del mod">
-          <ac:chgData name="Graydon Hall" userId="6ad8ef6fe9c5877e" providerId="LiveId" clId="{743B0715-C183-42DE-B6E5-38E47A36CCC5}" dt="2021-09-30T15:23:04.950" v="945" actId="478"/>
-          <ac:spMkLst>
-            <pc:docMk/>
-            <pc:sldMk cId="2537722862" sldId="268"/>
-            <ac:spMk id="74" creationId="{DDE27D17-A231-48E3-9D74-DCF951A18017}"/>
-          </ac:spMkLst>
-        </pc:spChg>
-        <pc:spChg chg="del topLvl">
-          <ac:chgData name="Graydon Hall" userId="6ad8ef6fe9c5877e" providerId="LiveId" clId="{743B0715-C183-42DE-B6E5-38E47A36CCC5}" dt="2021-09-30T15:23:08.364" v="946" actId="478"/>
-          <ac:spMkLst>
-            <pc:docMk/>
-            <pc:sldMk cId="2537722862" sldId="268"/>
-            <ac:spMk id="75" creationId="{0FF2EA18-2B27-45D5-A3D3-2D2DAF96B16C}"/>
-          </ac:spMkLst>
-        </pc:spChg>
-        <pc:spChg chg="del">
-          <ac:chgData name="Graydon Hall" userId="6ad8ef6fe9c5877e" providerId="LiveId" clId="{743B0715-C183-42DE-B6E5-38E47A36CCC5}" dt="2021-09-30T15:22:59.126" v="943" actId="478"/>
-          <ac:spMkLst>
-            <pc:docMk/>
-            <pc:sldMk cId="2537722862" sldId="268"/>
-            <ac:spMk id="76" creationId="{2657631D-C8A0-4D06-B345-B2FD0A455BC2}"/>
-          </ac:spMkLst>
-        </pc:spChg>
-        <pc:spChg chg="mod topLvl">
-          <ac:chgData name="Graydon Hall" userId="6ad8ef6fe9c5877e" providerId="LiveId" clId="{743B0715-C183-42DE-B6E5-38E47A36CCC5}" dt="2021-09-30T15:29:01.157" v="1162" actId="20577"/>
-          <ac:spMkLst>
-            <pc:docMk/>
-            <pc:sldMk cId="2537722862" sldId="268"/>
-            <ac:spMk id="77" creationId="{F11295AA-3C32-4477-97D3-5194ADFA246E}"/>
-          </ac:spMkLst>
-        </pc:spChg>
-        <pc:spChg chg="del">
-          <ac:chgData name="Graydon Hall" userId="6ad8ef6fe9c5877e" providerId="LiveId" clId="{743B0715-C183-42DE-B6E5-38E47A36CCC5}" dt="2021-09-29T21:40:59.351" v="889" actId="478"/>
-          <ac:spMkLst>
-            <pc:docMk/>
-            <pc:sldMk cId="2537722862" sldId="268"/>
-            <ac:spMk id="78" creationId="{6A84FCC7-9519-4F2A-ABAE-F191991BC136}"/>
-          </ac:spMkLst>
-        </pc:spChg>
-        <pc:spChg chg="add del mod">
-          <ac:chgData name="Graydon Hall" userId="6ad8ef6fe9c5877e" providerId="LiveId" clId="{743B0715-C183-42DE-B6E5-38E47A36CCC5}" dt="2021-09-29T21:30:44.859" v="883" actId="478"/>
-          <ac:spMkLst>
-            <pc:docMk/>
-            <pc:sldMk cId="2537722862" sldId="268"/>
-            <ac:spMk id="82" creationId="{2A57870E-5922-4963-AD18-7F33F6A58053}"/>
-          </ac:spMkLst>
-        </pc:spChg>
-        <pc:spChg chg="mod">
-          <ac:chgData name="Graydon Hall" userId="6ad8ef6fe9c5877e" providerId="LiveId" clId="{743B0715-C183-42DE-B6E5-38E47A36CCC5}" dt="2021-09-29T21:23:05.455" v="867"/>
-          <ac:spMkLst>
-            <pc:docMk/>
-            <pc:sldMk cId="2537722862" sldId="268"/>
-            <ac:spMk id="84" creationId="{2CDC8598-88AC-489B-AAE1-793B07ACD2E7}"/>
-          </ac:spMkLst>
-        </pc:spChg>
-        <pc:spChg chg="mod">
-          <ac:chgData name="Graydon Hall" userId="6ad8ef6fe9c5877e" providerId="LiveId" clId="{743B0715-C183-42DE-B6E5-38E47A36CCC5}" dt="2021-09-29T21:23:05.455" v="867"/>
-          <ac:spMkLst>
-            <pc:docMk/>
-            <pc:sldMk cId="2537722862" sldId="268"/>
-            <ac:spMk id="85" creationId="{521001CA-1A65-456B-96CE-F42BEF1816C9}"/>
-          </ac:spMkLst>
-        </pc:spChg>
-        <pc:spChg chg="mod">
-          <ac:chgData name="Graydon Hall" userId="6ad8ef6fe9c5877e" providerId="LiveId" clId="{743B0715-C183-42DE-B6E5-38E47A36CCC5}" dt="2021-09-29T21:23:05.455" v="867"/>
-          <ac:spMkLst>
-            <pc:docMk/>
-            <pc:sldMk cId="2537722862" sldId="268"/>
-            <ac:spMk id="86" creationId="{9AE6E391-E019-4EB9-A852-C89DCEC146D6}"/>
-          </ac:spMkLst>
-        </pc:spChg>
-        <pc:spChg chg="mod">
-          <ac:chgData name="Graydon Hall" userId="6ad8ef6fe9c5877e" providerId="LiveId" clId="{743B0715-C183-42DE-B6E5-38E47A36CCC5}" dt="2021-09-29T21:23:05.455" v="867"/>
-          <ac:spMkLst>
-            <pc:docMk/>
-            <pc:sldMk cId="2537722862" sldId="268"/>
-            <ac:spMk id="87" creationId="{F4749322-635F-4DA3-BF53-BA9FE3121F0C}"/>
-          </ac:spMkLst>
-        </pc:spChg>
-        <pc:spChg chg="mod">
-          <ac:chgData name="Graydon Hall" userId="6ad8ef6fe9c5877e" providerId="LiveId" clId="{743B0715-C183-42DE-B6E5-38E47A36CCC5}" dt="2021-09-29T21:23:05.455" v="867"/>
-          <ac:spMkLst>
-            <pc:docMk/>
-            <pc:sldMk cId="2537722862" sldId="268"/>
-            <ac:spMk id="88" creationId="{6E3B900F-E415-419E-B83F-569E7BE04A1B}"/>
-          </ac:spMkLst>
-        </pc:spChg>
-        <pc:spChg chg="mod">
-          <ac:chgData name="Graydon Hall" userId="6ad8ef6fe9c5877e" providerId="LiveId" clId="{743B0715-C183-42DE-B6E5-38E47A36CCC5}" dt="2021-09-29T21:23:05.455" v="867"/>
-          <ac:spMkLst>
-            <pc:docMk/>
-            <pc:sldMk cId="2537722862" sldId="268"/>
-            <ac:spMk id="89" creationId="{BCA4A8E5-004E-4972-BC81-822A02B05833}"/>
-          </ac:spMkLst>
-        </pc:spChg>
-        <pc:grpChg chg="del">
-          <ac:chgData name="Graydon Hall" userId="6ad8ef6fe9c5877e" providerId="LiveId" clId="{743B0715-C183-42DE-B6E5-38E47A36CCC5}" dt="2021-09-30T15:23:13.388" v="948" actId="478"/>
-          <ac:grpSpMkLst>
-            <pc:docMk/>
-            <pc:sldMk cId="2537722862" sldId="268"/>
-            <ac:grpSpMk id="66" creationId="{75C94FB6-D175-4396-847C-3C7F9E8450EC}"/>
-          </ac:grpSpMkLst>
-        </pc:grpChg>
-        <pc:grpChg chg="add del">
-          <ac:chgData name="Graydon Hall" userId="6ad8ef6fe9c5877e" providerId="LiveId" clId="{743B0715-C183-42DE-B6E5-38E47A36CCC5}" dt="2021-09-30T15:23:08.364" v="946" actId="478"/>
-          <ac:grpSpMkLst>
-            <pc:docMk/>
-            <pc:sldMk cId="2537722862" sldId="268"/>
-            <ac:grpSpMk id="72" creationId="{AEC6AA4B-B969-46AE-95C3-A0BB61A3ACEE}"/>
-          </ac:grpSpMkLst>
-        </pc:grpChg>
-        <pc:grpChg chg="add del mod">
-          <ac:chgData name="Graydon Hall" userId="6ad8ef6fe9c5877e" providerId="LiveId" clId="{743B0715-C183-42DE-B6E5-38E47A36CCC5}" dt="2021-09-29T21:30:39.098" v="881" actId="478"/>
-          <ac:grpSpMkLst>
-            <pc:docMk/>
-            <pc:sldMk cId="2537722862" sldId="268"/>
-            <ac:grpSpMk id="83" creationId="{1861B19B-8AA8-45D7-A02A-1C439012DC26}"/>
-          </ac:grpSpMkLst>
-        </pc:grpChg>
-      </pc:sldChg>
-      <pc:sldChg chg="addSp delSp modSp add mod ord">
-        <pc:chgData name="Graydon Hall" userId="6ad8ef6fe9c5877e" providerId="LiveId" clId="{743B0715-C183-42DE-B6E5-38E47A36CCC5}" dt="2021-09-30T15:34:47.338" v="1428" actId="1076"/>
-        <pc:sldMkLst>
-          <pc:docMk/>
-          <pc:sldMk cId="943430823" sldId="269"/>
-        </pc:sldMkLst>
-        <pc:spChg chg="del">
-          <ac:chgData name="Graydon Hall" userId="6ad8ef6fe9c5877e" providerId="LiveId" clId="{743B0715-C183-42DE-B6E5-38E47A36CCC5}" dt="2021-09-30T15:20:00.990" v="922" actId="478"/>
-          <ac:spMkLst>
-            <pc:docMk/>
-            <pc:sldMk cId="943430823" sldId="269"/>
-            <ac:spMk id="3" creationId="{0D96CE69-933F-4178-85BB-CF05E7BD07AC}"/>
-          </ac:spMkLst>
-        </pc:spChg>
-        <pc:spChg chg="add mod">
-          <ac:chgData name="Graydon Hall" userId="6ad8ef6fe9c5877e" providerId="LiveId" clId="{743B0715-C183-42DE-B6E5-38E47A36CCC5}" dt="2021-09-30T15:21:19.420" v="938"/>
-          <ac:spMkLst>
-            <pc:docMk/>
-            <pc:sldMk cId="943430823" sldId="269"/>
-            <ac:spMk id="10" creationId="{0CEE2CD9-CADC-4978-A1F5-5C93C4543FAF}"/>
-          </ac:spMkLst>
-        </pc:spChg>
-        <pc:spChg chg="mod">
-          <ac:chgData name="Graydon Hall" userId="6ad8ef6fe9c5877e" providerId="LiveId" clId="{743B0715-C183-42DE-B6E5-38E47A36CCC5}" dt="2021-09-30T15:20:39.727" v="931" actId="20577"/>
-          <ac:spMkLst>
-            <pc:docMk/>
-            <pc:sldMk cId="943430823" sldId="269"/>
-            <ac:spMk id="11" creationId="{ABE71181-B149-4EE3-8C57-DA344694D6C2}"/>
-          </ac:spMkLst>
-        </pc:spChg>
-        <pc:spChg chg="add mod">
-          <ac:chgData name="Graydon Hall" userId="6ad8ef6fe9c5877e" providerId="LiveId" clId="{743B0715-C183-42DE-B6E5-38E47A36CCC5}" dt="2021-09-30T15:21:46.744" v="940"/>
-          <ac:spMkLst>
-            <pc:docMk/>
-            <pc:sldMk cId="943430823" sldId="269"/>
-            <ac:spMk id="12" creationId="{D657F48F-35FE-4319-89B9-FE8065E71109}"/>
-          </ac:spMkLst>
-        </pc:spChg>
-        <pc:spChg chg="add del mod">
-          <ac:chgData name="Graydon Hall" userId="6ad8ef6fe9c5877e" providerId="LiveId" clId="{743B0715-C183-42DE-B6E5-38E47A36CCC5}" dt="2021-09-30T15:22:21.363" v="942" actId="478"/>
-          <ac:spMkLst>
-            <pc:docMk/>
-            <pc:sldMk cId="943430823" sldId="269"/>
-            <ac:spMk id="73" creationId="{82A861FD-FBD5-49C8-87B0-FE67334597E3}"/>
-          </ac:spMkLst>
-        </pc:spChg>
-        <pc:spChg chg="mod">
-          <ac:chgData name="Graydon Hall" userId="6ad8ef6fe9c5877e" providerId="LiveId" clId="{743B0715-C183-42DE-B6E5-38E47A36CCC5}" dt="2021-09-30T15:20:13.318" v="927" actId="20577"/>
-          <ac:spMkLst>
-            <pc:docMk/>
-            <pc:sldMk cId="943430823" sldId="269"/>
-            <ac:spMk id="74" creationId="{DDE27D17-A231-48E3-9D74-DCF951A18017}"/>
-          </ac:spMkLst>
-        </pc:spChg>
-        <pc:spChg chg="mod">
-          <ac:chgData name="Graydon Hall" userId="6ad8ef6fe9c5877e" providerId="LiveId" clId="{743B0715-C183-42DE-B6E5-38E47A36CCC5}" dt="2021-09-30T15:20:30.334" v="928"/>
-          <ac:spMkLst>
-            <pc:docMk/>
-            <pc:sldMk cId="943430823" sldId="269"/>
-            <ac:spMk id="78" creationId="{4D227593-B0EF-4F52-A8E5-F7B7282E13A7}"/>
-          </ac:spMkLst>
-        </pc:spChg>
-        <pc:spChg chg="mod">
-          <ac:chgData name="Graydon Hall" userId="6ad8ef6fe9c5877e" providerId="LiveId" clId="{743B0715-C183-42DE-B6E5-38E47A36CCC5}" dt="2021-09-30T15:20:30.334" v="928"/>
-          <ac:spMkLst>
-            <pc:docMk/>
-            <pc:sldMk cId="943430823" sldId="269"/>
-            <ac:spMk id="82" creationId="{C515D3FE-01CA-4BDA-9147-9C422F358CCF}"/>
-          </ac:spMkLst>
-        </pc:spChg>
-        <pc:spChg chg="mod">
-          <ac:chgData name="Graydon Hall" userId="6ad8ef6fe9c5877e" providerId="LiveId" clId="{743B0715-C183-42DE-B6E5-38E47A36CCC5}" dt="2021-09-30T15:20:30.334" v="928"/>
-          <ac:spMkLst>
-            <pc:docMk/>
-            <pc:sldMk cId="943430823" sldId="269"/>
-            <ac:spMk id="83" creationId="{C6A5EE8F-9B9E-4486-9928-B9E98656AA51}"/>
-          </ac:spMkLst>
-        </pc:spChg>
-        <pc:spChg chg="mod">
-          <ac:chgData name="Graydon Hall" userId="6ad8ef6fe9c5877e" providerId="LiveId" clId="{743B0715-C183-42DE-B6E5-38E47A36CCC5}" dt="2021-09-30T15:20:30.334" v="928"/>
-          <ac:spMkLst>
-            <pc:docMk/>
-            <pc:sldMk cId="943430823" sldId="269"/>
-            <ac:spMk id="84" creationId="{6A0CC5D6-278E-4553-BF24-D3B1795DDA16}"/>
-          </ac:spMkLst>
-        </pc:spChg>
-        <pc:spChg chg="mod">
-          <ac:chgData name="Graydon Hall" userId="6ad8ef6fe9c5877e" providerId="LiveId" clId="{743B0715-C183-42DE-B6E5-38E47A36CCC5}" dt="2021-09-30T15:20:30.334" v="928"/>
-          <ac:spMkLst>
-            <pc:docMk/>
-            <pc:sldMk cId="943430823" sldId="269"/>
-            <ac:spMk id="85" creationId="{5EB4DA39-7DBA-4233-BB34-0DF00C403DEC}"/>
-          </ac:spMkLst>
-        </pc:spChg>
-        <pc:spChg chg="mod">
-          <ac:chgData name="Graydon Hall" userId="6ad8ef6fe9c5877e" providerId="LiveId" clId="{743B0715-C183-42DE-B6E5-38E47A36CCC5}" dt="2021-09-30T15:20:30.334" v="928"/>
-          <ac:spMkLst>
-            <pc:docMk/>
-            <pc:sldMk cId="943430823" sldId="269"/>
-            <ac:spMk id="86" creationId="{B06CD566-F4AE-4FBD-89C2-3EA878DD56C4}"/>
-          </ac:spMkLst>
-        </pc:spChg>
-        <pc:spChg chg="add mod">
-          <ac:chgData name="Graydon Hall" userId="6ad8ef6fe9c5877e" providerId="LiveId" clId="{743B0715-C183-42DE-B6E5-38E47A36CCC5}" dt="2021-09-30T15:20:49.542" v="934" actId="20577"/>
-          <ac:spMkLst>
-            <pc:docMk/>
-            <pc:sldMk cId="943430823" sldId="269"/>
-            <ac:spMk id="87" creationId="{CE0AC06F-6A76-435D-97B0-EFB97F7B3C2E}"/>
-          </ac:spMkLst>
-        </pc:spChg>
-        <pc:spChg chg="add mod">
-          <ac:chgData name="Graydon Hall" userId="6ad8ef6fe9c5877e" providerId="LiveId" clId="{743B0715-C183-42DE-B6E5-38E47A36CCC5}" dt="2021-09-30T15:21:02.087" v="936" actId="1076"/>
-          <ac:spMkLst>
-            <pc:docMk/>
-            <pc:sldMk cId="943430823" sldId="269"/>
-            <ac:spMk id="88" creationId="{02C14616-1D90-4B0E-9C01-A56748D1777F}"/>
-          </ac:spMkLst>
-        </pc:spChg>
-        <pc:spChg chg="add mod">
-          <ac:chgData name="Graydon Hall" userId="6ad8ef6fe9c5877e" providerId="LiveId" clId="{743B0715-C183-42DE-B6E5-38E47A36CCC5}" dt="2021-09-30T15:28:02.345" v="1095" actId="403"/>
-          <ac:spMkLst>
-            <pc:docMk/>
-            <pc:sldMk cId="943430823" sldId="269"/>
-            <ac:spMk id="89" creationId="{D69C803E-BCCF-41A8-BEB7-69676DFC9032}"/>
-          </ac:spMkLst>
-        </pc:spChg>
-        <pc:spChg chg="add mod">
-          <ac:chgData name="Graydon Hall" userId="6ad8ef6fe9c5877e" providerId="LiveId" clId="{743B0715-C183-42DE-B6E5-38E47A36CCC5}" dt="2021-09-30T15:27:56.489" v="1091" actId="1076"/>
-          <ac:spMkLst>
-            <pc:docMk/>
-            <pc:sldMk cId="943430823" sldId="269"/>
-            <ac:spMk id="90" creationId="{32AB8FCD-CC8A-4E10-B53A-81DF365D5417}"/>
-          </ac:spMkLst>
-        </pc:spChg>
-        <pc:spChg chg="add mod">
-          <ac:chgData name="Graydon Hall" userId="6ad8ef6fe9c5877e" providerId="LiveId" clId="{743B0715-C183-42DE-B6E5-38E47A36CCC5}" dt="2021-09-30T15:34:47.338" v="1428" actId="1076"/>
-          <ac:spMkLst>
-            <pc:docMk/>
-            <pc:sldMk cId="943430823" sldId="269"/>
-            <ac:spMk id="91" creationId="{05583C3E-DEA8-42E0-8241-C5F9FAF982EF}"/>
-          </ac:spMkLst>
-        </pc:spChg>
-        <pc:grpChg chg="add mod">
-          <ac:chgData name="Graydon Hall" userId="6ad8ef6fe9c5877e" providerId="LiveId" clId="{743B0715-C183-42DE-B6E5-38E47A36CCC5}" dt="2021-09-30T15:20:34.164" v="929" actId="1076"/>
-          <ac:grpSpMkLst>
-            <pc:docMk/>
-            <pc:sldMk cId="943430823" sldId="269"/>
-            <ac:grpSpMk id="65" creationId="{B9BE67FD-9E62-40C1-BADC-50D456F4E989}"/>
-          </ac:grpSpMkLst>
-        </pc:grpChg>
-        <pc:picChg chg="add mod">
-          <ac:chgData name="Graydon Hall" userId="6ad8ef6fe9c5877e" providerId="LiveId" clId="{743B0715-C183-42DE-B6E5-38E47A36CCC5}" dt="2021-09-30T15:33:28.461" v="1312" actId="1076"/>
-          <ac:picMkLst>
-            <pc:docMk/>
-            <pc:sldMk cId="943430823" sldId="269"/>
-            <ac:picMk id="15" creationId="{AC4A931D-52EB-4C8B-B8D4-FCCF926F46B0}"/>
-          </ac:picMkLst>
-        </pc:picChg>
-      </pc:sldChg>
-      <pc:sldChg chg="addSp delSp modSp new mod addCm">
-        <pc:chgData name="Graydon Hall" userId="6ad8ef6fe9c5877e" providerId="LiveId" clId="{743B0715-C183-42DE-B6E5-38E47A36CCC5}" dt="2021-09-30T20:02:52.623" v="5485" actId="1076"/>
-        <pc:sldMkLst>
-          <pc:docMk/>
-          <pc:sldMk cId="2983458566" sldId="270"/>
-        </pc:sldMkLst>
-        <pc:spChg chg="del">
-          <ac:chgData name="Graydon Hall" userId="6ad8ef6fe9c5877e" providerId="LiveId" clId="{743B0715-C183-42DE-B6E5-38E47A36CCC5}" dt="2021-09-30T15:31:24.022" v="1165" actId="478"/>
-          <ac:spMkLst>
-            <pc:docMk/>
-            <pc:sldMk cId="2983458566" sldId="270"/>
-            <ac:spMk id="2" creationId="{E4BFD17B-2B55-40CE-A4DD-5CCF6810D40A}"/>
-          </ac:spMkLst>
-        </pc:spChg>
-        <pc:spChg chg="mod">
-          <ac:chgData name="Graydon Hall" userId="6ad8ef6fe9c5877e" providerId="LiveId" clId="{743B0715-C183-42DE-B6E5-38E47A36CCC5}" dt="2021-09-30T19:50:36.141" v="5379" actId="20577"/>
-          <ac:spMkLst>
-            <pc:docMk/>
-            <pc:sldMk cId="2983458566" sldId="270"/>
-            <ac:spMk id="3" creationId="{30BB8E97-AB29-487B-B96A-0A9ECC7C5C1F}"/>
-          </ac:spMkLst>
-        </pc:spChg>
-        <pc:spChg chg="add mod">
-          <ac:chgData name="Graydon Hall" userId="6ad8ef6fe9c5877e" providerId="LiveId" clId="{743B0715-C183-42DE-B6E5-38E47A36CCC5}" dt="2021-09-30T20:02:43.047" v="5483" actId="1076"/>
-          <ac:spMkLst>
-            <pc:docMk/>
-            <pc:sldMk cId="2983458566" sldId="270"/>
-            <ac:spMk id="6" creationId="{CDF078E3-A205-4393-9D38-B21322FF8D87}"/>
-          </ac:spMkLst>
-        </pc:spChg>
-        <pc:spChg chg="add del mod">
-          <ac:chgData name="Graydon Hall" userId="6ad8ef6fe9c5877e" providerId="LiveId" clId="{743B0715-C183-42DE-B6E5-38E47A36CCC5}" dt="2021-09-30T20:02:15.644" v="5479" actId="478"/>
-          <ac:spMkLst>
-            <pc:docMk/>
-            <pc:sldMk cId="2983458566" sldId="270"/>
-            <ac:spMk id="7" creationId="{55FB211F-7F24-4091-B517-A46AB3605728}"/>
-          </ac:spMkLst>
-        </pc:spChg>
-        <pc:spChg chg="add del mod">
-          <ac:chgData name="Graydon Hall" userId="6ad8ef6fe9c5877e" providerId="LiveId" clId="{743B0715-C183-42DE-B6E5-38E47A36CCC5}" dt="2021-09-30T20:02:36.522" v="5481" actId="478"/>
-          <ac:spMkLst>
-            <pc:docMk/>
-            <pc:sldMk cId="2983458566" sldId="270"/>
-            <ac:spMk id="9" creationId="{01F79AFD-649A-4CD1-9506-3F8F8DDAA862}"/>
-          </ac:spMkLst>
-        </pc:spChg>
-        <pc:spChg chg="add mod">
-          <ac:chgData name="Graydon Hall" userId="6ad8ef6fe9c5877e" providerId="LiveId" clId="{743B0715-C183-42DE-B6E5-38E47A36CCC5}" dt="2021-09-30T20:02:52.623" v="5485" actId="1076"/>
-          <ac:spMkLst>
-            <pc:docMk/>
-            <pc:sldMk cId="2983458566" sldId="270"/>
-            <ac:spMk id="18" creationId="{A0EEE247-6E2D-42BB-90AD-C6377E1692D1}"/>
-          </ac:spMkLst>
-        </pc:spChg>
-        <pc:picChg chg="add del mod">
-          <ac:chgData name="Graydon Hall" userId="6ad8ef6fe9c5877e" providerId="LiveId" clId="{743B0715-C183-42DE-B6E5-38E47A36CCC5}" dt="2021-09-30T20:02:16.981" v="5480" actId="478"/>
-          <ac:picMkLst>
-            <pc:docMk/>
-            <pc:sldMk cId="2983458566" sldId="270"/>
-            <ac:picMk id="4" creationId="{12BCD055-AC38-49C8-9E45-1CA6E0E16B16}"/>
-          </ac:picMkLst>
-        </pc:picChg>
-        <pc:picChg chg="add mod">
-          <ac:chgData name="Graydon Hall" userId="6ad8ef6fe9c5877e" providerId="LiveId" clId="{743B0715-C183-42DE-B6E5-38E47A36CCC5}" dt="2021-09-30T20:02:43.047" v="5483" actId="1076"/>
-          <ac:picMkLst>
-            <pc:docMk/>
-            <pc:sldMk cId="2983458566" sldId="270"/>
-            <ac:picMk id="5" creationId="{91072835-6717-4088-92CE-59186457C105}"/>
-          </ac:picMkLst>
-        </pc:picChg>
-        <pc:picChg chg="add del mod">
-          <ac:chgData name="Graydon Hall" userId="6ad8ef6fe9c5877e" providerId="LiveId" clId="{743B0715-C183-42DE-B6E5-38E47A36CCC5}" dt="2021-09-30T20:02:36.522" v="5481" actId="478"/>
-          <ac:picMkLst>
-            <pc:docMk/>
-            <pc:sldMk cId="2983458566" sldId="270"/>
-            <ac:picMk id="8" creationId="{AAF35D5C-F7EA-4101-AFB2-58AA3AF80216}"/>
-          </ac:picMkLst>
-        </pc:picChg>
-        <pc:picChg chg="add del mod">
-          <ac:chgData name="Graydon Hall" userId="6ad8ef6fe9c5877e" providerId="LiveId" clId="{743B0715-C183-42DE-B6E5-38E47A36CCC5}" dt="2021-09-30T20:02:36.522" v="5481" actId="478"/>
-          <ac:picMkLst>
-            <pc:docMk/>
-            <pc:sldMk cId="2983458566" sldId="270"/>
-            <ac:picMk id="11" creationId="{0CBDE164-BC7C-413D-B876-A82081E6216B}"/>
-          </ac:picMkLst>
-        </pc:picChg>
-        <pc:picChg chg="add del mod">
-          <ac:chgData name="Graydon Hall" userId="6ad8ef6fe9c5877e" providerId="LiveId" clId="{743B0715-C183-42DE-B6E5-38E47A36CCC5}" dt="2021-09-30T20:02:36.522" v="5481" actId="478"/>
-          <ac:picMkLst>
-            <pc:docMk/>
-            <pc:sldMk cId="2983458566" sldId="270"/>
-            <ac:picMk id="13" creationId="{3D224934-5DE7-4AA8-A263-FD343C8EDC8D}"/>
-          </ac:picMkLst>
-        </pc:picChg>
-        <pc:picChg chg="add del mod">
-          <ac:chgData name="Graydon Hall" userId="6ad8ef6fe9c5877e" providerId="LiveId" clId="{743B0715-C183-42DE-B6E5-38E47A36CCC5}" dt="2021-09-30T20:02:36.522" v="5481" actId="478"/>
-          <ac:picMkLst>
-            <pc:docMk/>
-            <pc:sldMk cId="2983458566" sldId="270"/>
-            <ac:picMk id="15" creationId="{47B13868-DA25-4272-85A0-CA7C3837098D}"/>
-          </ac:picMkLst>
-        </pc:picChg>
-        <pc:picChg chg="add mod">
-          <ac:chgData name="Graydon Hall" userId="6ad8ef6fe9c5877e" providerId="LiveId" clId="{743B0715-C183-42DE-B6E5-38E47A36CCC5}" dt="2021-09-30T20:02:45.829" v="5484" actId="1076"/>
-          <ac:picMkLst>
-            <pc:docMk/>
-            <pc:sldMk cId="2983458566" sldId="270"/>
-            <ac:picMk id="17" creationId="{D6C88F5A-F3A4-4CD9-83B5-3EDE747F749D}"/>
-          </ac:picMkLst>
-        </pc:picChg>
       </pc:sldChg>
     </pc:docChg>
   </pc:docChgLst>
@@ -5129,7 +5129,7 @@
           <a:p>
             <a:fld id="{5D00ACFE-6B77-4765-8997-362048E25983}" type="datetimeFigureOut">
               <a:rPr lang="en-CA" smtClean="0"/>
-              <a:t>2021-09-30</a:t>
+              <a:t>2021-10-01</a:t>
             </a:fld>
             <a:endParaRPr lang="en-CA"/>
           </a:p>
@@ -5299,7 +5299,7 @@
           <a:p>
             <a:fld id="{5D00ACFE-6B77-4765-8997-362048E25983}" type="datetimeFigureOut">
               <a:rPr lang="en-CA" smtClean="0"/>
-              <a:t>2021-09-30</a:t>
+              <a:t>2021-10-01</a:t>
             </a:fld>
             <a:endParaRPr lang="en-CA"/>
           </a:p>
@@ -5479,7 +5479,7 @@
           <a:p>
             <a:fld id="{5D00ACFE-6B77-4765-8997-362048E25983}" type="datetimeFigureOut">
               <a:rPr lang="en-CA" smtClean="0"/>
-              <a:t>2021-09-30</a:t>
+              <a:t>2021-10-01</a:t>
             </a:fld>
             <a:endParaRPr lang="en-CA"/>
           </a:p>
@@ -5649,7 +5649,7 @@
           <a:p>
             <a:fld id="{5D00ACFE-6B77-4765-8997-362048E25983}" type="datetimeFigureOut">
               <a:rPr lang="en-CA" smtClean="0"/>
-              <a:t>2021-09-30</a:t>
+              <a:t>2021-10-01</a:t>
             </a:fld>
             <a:endParaRPr lang="en-CA"/>
           </a:p>
@@ -5893,7 +5893,7 @@
           <a:p>
             <a:fld id="{5D00ACFE-6B77-4765-8997-362048E25983}" type="datetimeFigureOut">
               <a:rPr lang="en-CA" smtClean="0"/>
-              <a:t>2021-09-30</a:t>
+              <a:t>2021-10-01</a:t>
             </a:fld>
             <a:endParaRPr lang="en-CA"/>
           </a:p>
@@ -6125,7 +6125,7 @@
           <a:p>
             <a:fld id="{5D00ACFE-6B77-4765-8997-362048E25983}" type="datetimeFigureOut">
               <a:rPr lang="en-CA" smtClean="0"/>
-              <a:t>2021-09-30</a:t>
+              <a:t>2021-10-01</a:t>
             </a:fld>
             <a:endParaRPr lang="en-CA"/>
           </a:p>
@@ -6492,7 +6492,7 @@
           <a:p>
             <a:fld id="{5D00ACFE-6B77-4765-8997-362048E25983}" type="datetimeFigureOut">
               <a:rPr lang="en-CA" smtClean="0"/>
-              <a:t>2021-09-30</a:t>
+              <a:t>2021-10-01</a:t>
             </a:fld>
             <a:endParaRPr lang="en-CA"/>
           </a:p>
@@ -6610,7 +6610,7 @@
           <a:p>
             <a:fld id="{5D00ACFE-6B77-4765-8997-362048E25983}" type="datetimeFigureOut">
               <a:rPr lang="en-CA" smtClean="0"/>
-              <a:t>2021-09-30</a:t>
+              <a:t>2021-10-01</a:t>
             </a:fld>
             <a:endParaRPr lang="en-CA"/>
           </a:p>
@@ -6705,7 +6705,7 @@
           <a:p>
             <a:fld id="{5D00ACFE-6B77-4765-8997-362048E25983}" type="datetimeFigureOut">
               <a:rPr lang="en-CA" smtClean="0"/>
-              <a:t>2021-09-30</a:t>
+              <a:t>2021-10-01</a:t>
             </a:fld>
             <a:endParaRPr lang="en-CA"/>
           </a:p>
@@ -6982,7 +6982,7 @@
           <a:p>
             <a:fld id="{5D00ACFE-6B77-4765-8997-362048E25983}" type="datetimeFigureOut">
               <a:rPr lang="en-CA" smtClean="0"/>
-              <a:t>2021-09-30</a:t>
+              <a:t>2021-10-01</a:t>
             </a:fld>
             <a:endParaRPr lang="en-CA"/>
           </a:p>
@@ -7239,7 +7239,7 @@
           <a:p>
             <a:fld id="{5D00ACFE-6B77-4765-8997-362048E25983}" type="datetimeFigureOut">
               <a:rPr lang="en-CA" smtClean="0"/>
-              <a:t>2021-09-30</a:t>
+              <a:t>2021-10-01</a:t>
             </a:fld>
             <a:endParaRPr lang="en-CA"/>
           </a:p>
@@ -7452,7 +7452,7 @@
           <a:p>
             <a:fld id="{5D00ACFE-6B77-4765-8997-362048E25983}" type="datetimeFigureOut">
               <a:rPr lang="en-CA" smtClean="0"/>
-              <a:t>2021-09-30</a:t>
+              <a:t>2021-10-01</a:t>
             </a:fld>
             <a:endParaRPr lang="en-CA"/>
           </a:p>
@@ -9722,232 +9722,6 @@
       </p:grpSp>
       <p:grpSp>
         <p:nvGrpSpPr>
-          <p:cNvPr id="28" name="Group 27">
-            <a:extLst>
-              <a:ext uri="{FF2B5EF4-FFF2-40B4-BE49-F238E27FC236}">
-                <a16:creationId xmlns:a16="http://schemas.microsoft.com/office/drawing/2014/main" id="{F55E8291-14D0-4A93-8D05-79A67F8C9FA2}"/>
-              </a:ext>
-            </a:extLst>
-          </p:cNvPr>
-          <p:cNvGrpSpPr/>
-          <p:nvPr/>
-        </p:nvGrpSpPr>
-        <p:grpSpPr>
-          <a:xfrm>
-            <a:off x="232756" y="6639808"/>
-            <a:ext cx="1513845" cy="196208"/>
-            <a:chOff x="5088808" y="6660843"/>
-            <a:chExt cx="1513845" cy="196208"/>
-          </a:xfrm>
-        </p:grpSpPr>
-        <p:sp>
-          <p:nvSpPr>
-            <p:cNvPr id="50" name="TextBox 49">
-              <a:extLst>
-                <a:ext uri="{FF2B5EF4-FFF2-40B4-BE49-F238E27FC236}">
-                  <a16:creationId xmlns:a16="http://schemas.microsoft.com/office/drawing/2014/main" id="{BBBE8330-51ED-4050-AACA-8D1EC6E50002}"/>
-                </a:ext>
-              </a:extLst>
-            </p:cNvPr>
-            <p:cNvSpPr txBox="1"/>
-            <p:nvPr/>
-          </p:nvSpPr>
-          <p:spPr>
-            <a:xfrm>
-              <a:off x="5088808" y="6660843"/>
-              <a:ext cx="302769" cy="196208"/>
-            </a:xfrm>
-            <a:prstGeom prst="rect">
-              <a:avLst/>
-            </a:prstGeom>
-            <a:noFill/>
-            <a:ln>
-              <a:solidFill>
-                <a:schemeClr val="tx1"/>
-              </a:solidFill>
-            </a:ln>
-          </p:spPr>
-          <p:txBody>
-            <a:bodyPr wrap="square" rtlCol="0">
-              <a:noAutofit/>
-            </a:bodyPr>
-            <a:lstStyle/>
-            <a:p>
-              <a:pPr algn="ctr"/>
-              <a:r>
-                <a:rPr lang="en-US" sz="675" dirty="0"/>
-                <a:t>‘a’</a:t>
-              </a:r>
-            </a:p>
-          </p:txBody>
-        </p:sp>
-        <p:sp>
-          <p:nvSpPr>
-            <p:cNvPr id="51" name="TextBox 50">
-              <a:extLst>
-                <a:ext uri="{FF2B5EF4-FFF2-40B4-BE49-F238E27FC236}">
-                  <a16:creationId xmlns:a16="http://schemas.microsoft.com/office/drawing/2014/main" id="{7B32BDA2-1B42-4640-8999-5D5B485C1015}"/>
-                </a:ext>
-              </a:extLst>
-            </p:cNvPr>
-            <p:cNvSpPr txBox="1"/>
-            <p:nvPr/>
-          </p:nvSpPr>
-          <p:spPr>
-            <a:xfrm>
-              <a:off x="5391577" y="6660843"/>
-              <a:ext cx="302769" cy="196208"/>
-            </a:xfrm>
-            <a:prstGeom prst="rect">
-              <a:avLst/>
-            </a:prstGeom>
-            <a:noFill/>
-            <a:ln>
-              <a:solidFill>
-                <a:schemeClr val="tx1"/>
-              </a:solidFill>
-            </a:ln>
-          </p:spPr>
-          <p:txBody>
-            <a:bodyPr wrap="square" rtlCol="0">
-              <a:noAutofit/>
-            </a:bodyPr>
-            <a:lstStyle/>
-            <a:p>
-              <a:pPr algn="ctr"/>
-              <a:r>
-                <a:rPr lang="en-US" sz="675" dirty="0"/>
-                <a:t>‘b’</a:t>
-              </a:r>
-            </a:p>
-          </p:txBody>
-        </p:sp>
-        <p:sp>
-          <p:nvSpPr>
-            <p:cNvPr id="52" name="TextBox 51">
-              <a:extLst>
-                <a:ext uri="{FF2B5EF4-FFF2-40B4-BE49-F238E27FC236}">
-                  <a16:creationId xmlns:a16="http://schemas.microsoft.com/office/drawing/2014/main" id="{4E427078-5565-496F-A1CA-0938297574EF}"/>
-                </a:ext>
-              </a:extLst>
-            </p:cNvPr>
-            <p:cNvSpPr txBox="1"/>
-            <p:nvPr/>
-          </p:nvSpPr>
-          <p:spPr>
-            <a:xfrm>
-              <a:off x="5694346" y="6660843"/>
-              <a:ext cx="302769" cy="196208"/>
-            </a:xfrm>
-            <a:prstGeom prst="rect">
-              <a:avLst/>
-            </a:prstGeom>
-            <a:noFill/>
-            <a:ln>
-              <a:solidFill>
-                <a:schemeClr val="tx1"/>
-              </a:solidFill>
-            </a:ln>
-          </p:spPr>
-          <p:txBody>
-            <a:bodyPr wrap="square" rtlCol="0">
-              <a:noAutofit/>
-            </a:bodyPr>
-            <a:lstStyle/>
-            <a:p>
-              <a:pPr algn="ctr"/>
-              <a:r>
-                <a:rPr lang="en-US" sz="675" dirty="0"/>
-                <a:t>‘c’</a:t>
-              </a:r>
-            </a:p>
-          </p:txBody>
-        </p:sp>
-        <p:sp>
-          <p:nvSpPr>
-            <p:cNvPr id="59" name="TextBox 58">
-              <a:extLst>
-                <a:ext uri="{FF2B5EF4-FFF2-40B4-BE49-F238E27FC236}">
-                  <a16:creationId xmlns:a16="http://schemas.microsoft.com/office/drawing/2014/main" id="{6F2A98B4-56A3-4374-8EF8-0B6D1FCB1B8F}"/>
-                </a:ext>
-              </a:extLst>
-            </p:cNvPr>
-            <p:cNvSpPr txBox="1"/>
-            <p:nvPr/>
-          </p:nvSpPr>
-          <p:spPr>
-            <a:xfrm>
-              <a:off x="5997115" y="6660843"/>
-              <a:ext cx="302769" cy="196208"/>
-            </a:xfrm>
-            <a:prstGeom prst="rect">
-              <a:avLst/>
-            </a:prstGeom>
-            <a:noFill/>
-            <a:ln>
-              <a:solidFill>
-                <a:schemeClr val="tx1"/>
-              </a:solidFill>
-            </a:ln>
-          </p:spPr>
-          <p:txBody>
-            <a:bodyPr wrap="square" rtlCol="0">
-              <a:noAutofit/>
-            </a:bodyPr>
-            <a:lstStyle/>
-            <a:p>
-              <a:pPr algn="ctr"/>
-              <a:r>
-                <a:rPr lang="en-US" sz="675" dirty="0"/>
-                <a:t>‘d’</a:t>
-              </a:r>
-            </a:p>
-          </p:txBody>
-        </p:sp>
-        <p:sp>
-          <p:nvSpPr>
-            <p:cNvPr id="60" name="TextBox 59">
-              <a:extLst>
-                <a:ext uri="{FF2B5EF4-FFF2-40B4-BE49-F238E27FC236}">
-                  <a16:creationId xmlns:a16="http://schemas.microsoft.com/office/drawing/2014/main" id="{99AEE20E-0EB9-4748-8620-B897086F8DCF}"/>
-                </a:ext>
-              </a:extLst>
-            </p:cNvPr>
-            <p:cNvSpPr txBox="1"/>
-            <p:nvPr/>
-          </p:nvSpPr>
-          <p:spPr>
-            <a:xfrm>
-              <a:off x="6299884" y="6660843"/>
-              <a:ext cx="302769" cy="196208"/>
-            </a:xfrm>
-            <a:prstGeom prst="rect">
-              <a:avLst/>
-            </a:prstGeom>
-            <a:noFill/>
-            <a:ln>
-              <a:solidFill>
-                <a:schemeClr val="tx1"/>
-              </a:solidFill>
-            </a:ln>
-          </p:spPr>
-          <p:txBody>
-            <a:bodyPr wrap="square" rtlCol="0">
-              <a:noAutofit/>
-            </a:bodyPr>
-            <a:lstStyle/>
-            <a:p>
-              <a:pPr algn="ctr"/>
-              <a:r>
-                <a:rPr lang="en-US" sz="675" dirty="0"/>
-                <a:t>‘/0’</a:t>
-              </a:r>
-            </a:p>
-          </p:txBody>
-        </p:sp>
-      </p:grpSp>
-      <p:grpSp>
-        <p:nvGrpSpPr>
           <p:cNvPr id="27" name="Group 26">
             <a:extLst>
               <a:ext uri="{FF2B5EF4-FFF2-40B4-BE49-F238E27FC236}">
@@ -10426,232 +10200,6 @@
           </a:p>
         </p:txBody>
       </p:sp>
-      <p:grpSp>
-        <p:nvGrpSpPr>
-          <p:cNvPr id="53" name="Group 52">
-            <a:extLst>
-              <a:ext uri="{FF2B5EF4-FFF2-40B4-BE49-F238E27FC236}">
-                <a16:creationId xmlns:a16="http://schemas.microsoft.com/office/drawing/2014/main" id="{3CD321A8-8E59-45E8-A994-3CE9398DD1EB}"/>
-              </a:ext>
-            </a:extLst>
-          </p:cNvPr>
-          <p:cNvGrpSpPr/>
-          <p:nvPr/>
-        </p:nvGrpSpPr>
-        <p:grpSpPr>
-          <a:xfrm>
-            <a:off x="120728" y="7123744"/>
-            <a:ext cx="1513845" cy="196208"/>
-            <a:chOff x="5088808" y="6660843"/>
-            <a:chExt cx="1513845" cy="196208"/>
-          </a:xfrm>
-        </p:grpSpPr>
-        <p:sp>
-          <p:nvSpPr>
-            <p:cNvPr id="54" name="TextBox 53">
-              <a:extLst>
-                <a:ext uri="{FF2B5EF4-FFF2-40B4-BE49-F238E27FC236}">
-                  <a16:creationId xmlns:a16="http://schemas.microsoft.com/office/drawing/2014/main" id="{437AF63C-1FCF-4662-BE8B-02BEA81AD64D}"/>
-                </a:ext>
-              </a:extLst>
-            </p:cNvPr>
-            <p:cNvSpPr txBox="1"/>
-            <p:nvPr/>
-          </p:nvSpPr>
-          <p:spPr>
-            <a:xfrm>
-              <a:off x="5088808" y="6660843"/>
-              <a:ext cx="302769" cy="196208"/>
-            </a:xfrm>
-            <a:prstGeom prst="rect">
-              <a:avLst/>
-            </a:prstGeom>
-            <a:noFill/>
-            <a:ln>
-              <a:solidFill>
-                <a:schemeClr val="tx1"/>
-              </a:solidFill>
-            </a:ln>
-          </p:spPr>
-          <p:txBody>
-            <a:bodyPr wrap="square" rtlCol="0">
-              <a:noAutofit/>
-            </a:bodyPr>
-            <a:lstStyle/>
-            <a:p>
-              <a:pPr algn="ctr"/>
-              <a:r>
-                <a:rPr lang="en-US" sz="675" dirty="0"/>
-                <a:t>‘f’</a:t>
-              </a:r>
-            </a:p>
-          </p:txBody>
-        </p:sp>
-        <p:sp>
-          <p:nvSpPr>
-            <p:cNvPr id="55" name="TextBox 54">
-              <a:extLst>
-                <a:ext uri="{FF2B5EF4-FFF2-40B4-BE49-F238E27FC236}">
-                  <a16:creationId xmlns:a16="http://schemas.microsoft.com/office/drawing/2014/main" id="{548D98DB-3C17-4BCD-B341-41546ECD446A}"/>
-                </a:ext>
-              </a:extLst>
-            </p:cNvPr>
-            <p:cNvSpPr txBox="1"/>
-            <p:nvPr/>
-          </p:nvSpPr>
-          <p:spPr>
-            <a:xfrm>
-              <a:off x="5391577" y="6660843"/>
-              <a:ext cx="302769" cy="196208"/>
-            </a:xfrm>
-            <a:prstGeom prst="rect">
-              <a:avLst/>
-            </a:prstGeom>
-            <a:noFill/>
-            <a:ln>
-              <a:solidFill>
-                <a:schemeClr val="tx1"/>
-              </a:solidFill>
-            </a:ln>
-          </p:spPr>
-          <p:txBody>
-            <a:bodyPr wrap="square" rtlCol="0">
-              <a:noAutofit/>
-            </a:bodyPr>
-            <a:lstStyle/>
-            <a:p>
-              <a:pPr algn="ctr"/>
-              <a:r>
-                <a:rPr lang="en-US" sz="675" dirty="0"/>
-                <a:t>‘i’</a:t>
-              </a:r>
-            </a:p>
-          </p:txBody>
-        </p:sp>
-        <p:sp>
-          <p:nvSpPr>
-            <p:cNvPr id="56" name="TextBox 55">
-              <a:extLst>
-                <a:ext uri="{FF2B5EF4-FFF2-40B4-BE49-F238E27FC236}">
-                  <a16:creationId xmlns:a16="http://schemas.microsoft.com/office/drawing/2014/main" id="{244774B1-FA94-4568-9E5A-E32B99A9F176}"/>
-                </a:ext>
-              </a:extLst>
-            </p:cNvPr>
-            <p:cNvSpPr txBox="1"/>
-            <p:nvPr/>
-          </p:nvSpPr>
-          <p:spPr>
-            <a:xfrm>
-              <a:off x="5694346" y="6660843"/>
-              <a:ext cx="302769" cy="196208"/>
-            </a:xfrm>
-            <a:prstGeom prst="rect">
-              <a:avLst/>
-            </a:prstGeom>
-            <a:noFill/>
-            <a:ln>
-              <a:solidFill>
-                <a:schemeClr val="tx1"/>
-              </a:solidFill>
-            </a:ln>
-          </p:spPr>
-          <p:txBody>
-            <a:bodyPr wrap="square" rtlCol="0">
-              <a:noAutofit/>
-            </a:bodyPr>
-            <a:lstStyle/>
-            <a:p>
-              <a:pPr algn="ctr"/>
-              <a:r>
-                <a:rPr lang="en-US" sz="675" dirty="0"/>
-                <a:t>‘l’</a:t>
-              </a:r>
-            </a:p>
-          </p:txBody>
-        </p:sp>
-        <p:sp>
-          <p:nvSpPr>
-            <p:cNvPr id="57" name="TextBox 56">
-              <a:extLst>
-                <a:ext uri="{FF2B5EF4-FFF2-40B4-BE49-F238E27FC236}">
-                  <a16:creationId xmlns:a16="http://schemas.microsoft.com/office/drawing/2014/main" id="{49CFC0C2-98A4-4206-9DD6-12FB60112185}"/>
-                </a:ext>
-              </a:extLst>
-            </p:cNvPr>
-            <p:cNvSpPr txBox="1"/>
-            <p:nvPr/>
-          </p:nvSpPr>
-          <p:spPr>
-            <a:xfrm>
-              <a:off x="5997115" y="6660843"/>
-              <a:ext cx="302769" cy="196208"/>
-            </a:xfrm>
-            <a:prstGeom prst="rect">
-              <a:avLst/>
-            </a:prstGeom>
-            <a:noFill/>
-            <a:ln>
-              <a:solidFill>
-                <a:schemeClr val="tx1"/>
-              </a:solidFill>
-            </a:ln>
-          </p:spPr>
-          <p:txBody>
-            <a:bodyPr wrap="square" rtlCol="0">
-              <a:noAutofit/>
-            </a:bodyPr>
-            <a:lstStyle/>
-            <a:p>
-              <a:pPr algn="ctr"/>
-              <a:r>
-                <a:rPr lang="en-US" sz="675" dirty="0"/>
-                <a:t>‘m’</a:t>
-              </a:r>
-            </a:p>
-          </p:txBody>
-        </p:sp>
-        <p:sp>
-          <p:nvSpPr>
-            <p:cNvPr id="58" name="TextBox 57">
-              <a:extLst>
-                <a:ext uri="{FF2B5EF4-FFF2-40B4-BE49-F238E27FC236}">
-                  <a16:creationId xmlns:a16="http://schemas.microsoft.com/office/drawing/2014/main" id="{34D83752-1847-4E3E-8619-7C119FBEA7D2}"/>
-                </a:ext>
-              </a:extLst>
-            </p:cNvPr>
-            <p:cNvSpPr txBox="1"/>
-            <p:nvPr/>
-          </p:nvSpPr>
-          <p:spPr>
-            <a:xfrm>
-              <a:off x="6299884" y="6660843"/>
-              <a:ext cx="302769" cy="196208"/>
-            </a:xfrm>
-            <a:prstGeom prst="rect">
-              <a:avLst/>
-            </a:prstGeom>
-            <a:noFill/>
-            <a:ln>
-              <a:solidFill>
-                <a:schemeClr val="tx1"/>
-              </a:solidFill>
-            </a:ln>
-          </p:spPr>
-          <p:txBody>
-            <a:bodyPr wrap="square" rtlCol="0">
-              <a:noAutofit/>
-            </a:bodyPr>
-            <a:lstStyle/>
-            <a:p>
-              <a:pPr algn="ctr"/>
-              <a:r>
-                <a:rPr lang="en-US" sz="675" dirty="0"/>
-                <a:t>‘/0’</a:t>
-              </a:r>
-            </a:p>
-          </p:txBody>
-        </p:sp>
-      </p:grpSp>
       <p:sp>
         <p:nvSpPr>
           <p:cNvPr id="77" name="Rectangle 76">
@@ -10940,52 +10488,6 @@
           </a:p>
         </p:txBody>
       </p:sp>
-      <p:sp>
-        <p:nvSpPr>
-          <p:cNvPr id="65" name="TextBox 64">
-            <a:extLst>
-              <a:ext uri="{FF2B5EF4-FFF2-40B4-BE49-F238E27FC236}">
-                <a16:creationId xmlns:a16="http://schemas.microsoft.com/office/drawing/2014/main" id="{7B0C6561-B429-404B-A0C1-E11EBF4C22EA}"/>
-              </a:ext>
-            </a:extLst>
-          </p:cNvPr>
-          <p:cNvSpPr txBox="1"/>
-          <p:nvPr/>
-        </p:nvSpPr>
-        <p:spPr>
-          <a:xfrm>
-            <a:off x="5320672" y="5738575"/>
-            <a:ext cx="1178099" cy="369332"/>
-          </a:xfrm>
-          <a:prstGeom prst="rect">
-            <a:avLst/>
-          </a:prstGeom>
-          <a:solidFill>
-            <a:schemeClr val="bg1"/>
-          </a:solidFill>
-        </p:spPr>
-        <p:txBody>
-          <a:bodyPr wrap="square" rtlCol="0">
-            <a:spAutoFit/>
-          </a:bodyPr>
-          <a:lstStyle/>
-          <a:p>
-            <a:r>
-              <a:rPr lang="en-US" sz="900" dirty="0">
-                <a:solidFill>
-                  <a:srgbClr val="00B050"/>
-                </a:solidFill>
-              </a:rPr>
-              <a:t>Is this good for after delete b happens?</a:t>
-            </a:r>
-            <a:endParaRPr lang="en-CA" sz="900" dirty="0">
-              <a:solidFill>
-                <a:srgbClr val="00B050"/>
-              </a:solidFill>
-            </a:endParaRPr>
-          </a:p>
-        </p:txBody>
-      </p:sp>
     </p:spTree>
     <p:extLst>
       <p:ext uri="{BB962C8B-B14F-4D97-AF65-F5344CB8AC3E}">
@@ -11063,36 +10565,6 @@
               <a:rPr lang="en-US" sz="900" dirty="0"/>
               <a:t>By the time we get to point 4, the main constructor will have been called 2 times. One time each for the variables a, and b. </a:t>
             </a:r>
-            <a:r>
-              <a:rPr lang="en-US" sz="900" dirty="0">
-                <a:solidFill>
-                  <a:srgbClr val="FF0000"/>
-                </a:solidFill>
-              </a:rPr>
-              <a:t>It should be noted that when variable c is created, the default copy constructor will be called, which C++ creates for us (as discussed here </a:t>
-            </a:r>
-            <a:r>
-              <a:rPr lang="en-US" sz="900" dirty="0"/>
-              <a:t>(</a:t>
-            </a:r>
-            <a:r>
-              <a:rPr lang="en-US" sz="900" dirty="0">
-                <a:hlinkClick r:id="rId3"/>
-              </a:rPr>
-              <a:t>https://www.geeksforgeeks.org/copy-constructor-in-cpp/#:~:text=Copy%20constructor%20is%20called%20when,value%20from%20another%20existing%20object</a:t>
-            </a:r>
-            <a:r>
-              <a:rPr lang="en-US" sz="900" dirty="0"/>
-              <a:t>.)</a:t>
-            </a:r>
-            <a:r>
-              <a:rPr lang="en-US" sz="900" dirty="0">
-                <a:solidFill>
-                  <a:srgbClr val="FF0000"/>
-                </a:solidFill>
-              </a:rPr>
-              <a:t> (ask professor if this answer is correct, and if we should say constructor is called 2 or 3 times)</a:t>
-            </a:r>
           </a:p>
           <a:p>
             <a:pPr marL="0" indent="0">
@@ -11437,145 +10909,6 @@
             <a:r>
               <a:rPr lang="en-CA" sz="900" dirty="0"/>
               <a:t> </a:t>
-            </a:r>
-          </a:p>
-        </p:txBody>
-      </p:sp>
-      <p:pic>
-        <p:nvPicPr>
-          <p:cNvPr id="5" name="Picture 4">
-            <a:extLst>
-              <a:ext uri="{FF2B5EF4-FFF2-40B4-BE49-F238E27FC236}">
-                <a16:creationId xmlns:a16="http://schemas.microsoft.com/office/drawing/2014/main" id="{91072835-6717-4088-92CE-59186457C105}"/>
-              </a:ext>
-            </a:extLst>
-          </p:cNvPr>
-          <p:cNvPicPr>
-            <a:picLocks noChangeAspect="1"/>
-          </p:cNvPicPr>
-          <p:nvPr/>
-        </p:nvPicPr>
-        <p:blipFill>
-          <a:blip r:embed="rId4"/>
-          <a:stretch>
-            <a:fillRect/>
-          </a:stretch>
-        </p:blipFill>
-        <p:spPr>
-          <a:xfrm>
-            <a:off x="7337054" y="6096000"/>
-            <a:ext cx="4457894" cy="1733296"/>
-          </a:xfrm>
-          <a:prstGeom prst="rect">
-            <a:avLst/>
-          </a:prstGeom>
-        </p:spPr>
-      </p:pic>
-      <p:sp>
-        <p:nvSpPr>
-          <p:cNvPr id="6" name="TextBox 5">
-            <a:extLst>
-              <a:ext uri="{FF2B5EF4-FFF2-40B4-BE49-F238E27FC236}">
-                <a16:creationId xmlns:a16="http://schemas.microsoft.com/office/drawing/2014/main" id="{CDF078E3-A205-4393-9D38-B21322FF8D87}"/>
-              </a:ext>
-            </a:extLst>
-          </p:cNvPr>
-          <p:cNvSpPr txBox="1"/>
-          <p:nvPr/>
-        </p:nvSpPr>
-        <p:spPr>
-          <a:xfrm>
-            <a:off x="7337054" y="7823200"/>
-            <a:ext cx="4449763" cy="600164"/>
-          </a:xfrm>
-          <a:prstGeom prst="rect">
-            <a:avLst/>
-          </a:prstGeom>
-          <a:solidFill>
-            <a:schemeClr val="bg1"/>
-          </a:solidFill>
-        </p:spPr>
-        <p:txBody>
-          <a:bodyPr wrap="square" rtlCol="0">
-            <a:spAutoFit/>
-          </a:bodyPr>
-          <a:lstStyle/>
-          <a:p>
-            <a:r>
-              <a:rPr lang="en-US" sz="1100" dirty="0"/>
-              <a:t>When you say the scope of the variable declared between braces ends when program reaches closing brace, what does that mean in the case of b? because b doesn’t seem to be changed after the brace ends…</a:t>
-            </a:r>
-            <a:endParaRPr lang="en-CA" sz="1100" dirty="0"/>
-          </a:p>
-        </p:txBody>
-      </p:sp>
-      <p:pic>
-        <p:nvPicPr>
-          <p:cNvPr id="17" name="Picture 16">
-            <a:extLst>
-              <a:ext uri="{FF2B5EF4-FFF2-40B4-BE49-F238E27FC236}">
-                <a16:creationId xmlns:a16="http://schemas.microsoft.com/office/drawing/2014/main" id="{D6C88F5A-F3A4-4CD9-83B5-3EDE747F749D}"/>
-              </a:ext>
-            </a:extLst>
-          </p:cNvPr>
-          <p:cNvPicPr>
-            <a:picLocks noChangeAspect="1"/>
-          </p:cNvPicPr>
-          <p:nvPr/>
-        </p:nvPicPr>
-        <p:blipFill>
-          <a:blip r:embed="rId5"/>
-          <a:stretch>
-            <a:fillRect/>
-          </a:stretch>
-        </p:blipFill>
-        <p:spPr>
-          <a:xfrm>
-            <a:off x="7720012" y="1477977"/>
-            <a:ext cx="6858000" cy="3754423"/>
-          </a:xfrm>
-          <a:prstGeom prst="rect">
-            <a:avLst/>
-          </a:prstGeom>
-        </p:spPr>
-      </p:pic>
-      <p:sp>
-        <p:nvSpPr>
-          <p:cNvPr id="18" name="TextBox 17">
-            <a:extLst>
-              <a:ext uri="{FF2B5EF4-FFF2-40B4-BE49-F238E27FC236}">
-                <a16:creationId xmlns:a16="http://schemas.microsoft.com/office/drawing/2014/main" id="{A0EEE247-6E2D-42BB-90AD-C6377E1692D1}"/>
-              </a:ext>
-            </a:extLst>
-          </p:cNvPr>
-          <p:cNvSpPr txBox="1"/>
-          <p:nvPr/>
-        </p:nvSpPr>
-        <p:spPr>
-          <a:xfrm>
-            <a:off x="7720012" y="1139423"/>
-            <a:ext cx="5939272" cy="338554"/>
-          </a:xfrm>
-          <a:prstGeom prst="rect">
-            <a:avLst/>
-          </a:prstGeom>
-          <a:noFill/>
-        </p:spPr>
-        <p:txBody>
-          <a:bodyPr wrap="square" rtlCol="0">
-            <a:spAutoFit/>
-          </a:bodyPr>
-          <a:lstStyle/>
-          <a:p>
-            <a:r>
-              <a:rPr lang="en-CA" sz="800" dirty="0">
-                <a:hlinkClick r:id="rId3"/>
-              </a:rPr>
-              <a:t>https://www.geeksforgeeks.org/copy-constructor-in-cpp/#:~:text=Copy%20constructor%20is%20called%20when,value%20from%20another%20existing%20object</a:t>
-            </a:r>
-            <a:r>
-              <a:rPr lang="en-CA" sz="800" dirty="0"/>
-              <a:t>. </a:t>
             </a:r>
           </a:p>
         </p:txBody>
@@ -21994,232 +21327,6 @@
       </p:grpSp>
       <p:grpSp>
         <p:nvGrpSpPr>
-          <p:cNvPr id="28" name="Group 27">
-            <a:extLst>
-              <a:ext uri="{FF2B5EF4-FFF2-40B4-BE49-F238E27FC236}">
-                <a16:creationId xmlns:a16="http://schemas.microsoft.com/office/drawing/2014/main" id="{F55E8291-14D0-4A93-8D05-79A67F8C9FA2}"/>
-              </a:ext>
-            </a:extLst>
-          </p:cNvPr>
-          <p:cNvGrpSpPr/>
-          <p:nvPr/>
-        </p:nvGrpSpPr>
-        <p:grpSpPr>
-          <a:xfrm>
-            <a:off x="232756" y="6639808"/>
-            <a:ext cx="1513845" cy="196208"/>
-            <a:chOff x="5088808" y="6660843"/>
-            <a:chExt cx="1513845" cy="196208"/>
-          </a:xfrm>
-        </p:grpSpPr>
-        <p:sp>
-          <p:nvSpPr>
-            <p:cNvPr id="50" name="TextBox 49">
-              <a:extLst>
-                <a:ext uri="{FF2B5EF4-FFF2-40B4-BE49-F238E27FC236}">
-                  <a16:creationId xmlns:a16="http://schemas.microsoft.com/office/drawing/2014/main" id="{BBBE8330-51ED-4050-AACA-8D1EC6E50002}"/>
-                </a:ext>
-              </a:extLst>
-            </p:cNvPr>
-            <p:cNvSpPr txBox="1"/>
-            <p:nvPr/>
-          </p:nvSpPr>
-          <p:spPr>
-            <a:xfrm>
-              <a:off x="5088808" y="6660843"/>
-              <a:ext cx="302769" cy="196208"/>
-            </a:xfrm>
-            <a:prstGeom prst="rect">
-              <a:avLst/>
-            </a:prstGeom>
-            <a:noFill/>
-            <a:ln>
-              <a:solidFill>
-                <a:schemeClr val="tx1"/>
-              </a:solidFill>
-            </a:ln>
-          </p:spPr>
-          <p:txBody>
-            <a:bodyPr wrap="square" rtlCol="0">
-              <a:noAutofit/>
-            </a:bodyPr>
-            <a:lstStyle/>
-            <a:p>
-              <a:pPr algn="ctr"/>
-              <a:r>
-                <a:rPr lang="en-US" sz="675" dirty="0"/>
-                <a:t>‘a’</a:t>
-              </a:r>
-            </a:p>
-          </p:txBody>
-        </p:sp>
-        <p:sp>
-          <p:nvSpPr>
-            <p:cNvPr id="51" name="TextBox 50">
-              <a:extLst>
-                <a:ext uri="{FF2B5EF4-FFF2-40B4-BE49-F238E27FC236}">
-                  <a16:creationId xmlns:a16="http://schemas.microsoft.com/office/drawing/2014/main" id="{7B32BDA2-1B42-4640-8999-5D5B485C1015}"/>
-                </a:ext>
-              </a:extLst>
-            </p:cNvPr>
-            <p:cNvSpPr txBox="1"/>
-            <p:nvPr/>
-          </p:nvSpPr>
-          <p:spPr>
-            <a:xfrm>
-              <a:off x="5391577" y="6660843"/>
-              <a:ext cx="302769" cy="196208"/>
-            </a:xfrm>
-            <a:prstGeom prst="rect">
-              <a:avLst/>
-            </a:prstGeom>
-            <a:noFill/>
-            <a:ln>
-              <a:solidFill>
-                <a:schemeClr val="tx1"/>
-              </a:solidFill>
-            </a:ln>
-          </p:spPr>
-          <p:txBody>
-            <a:bodyPr wrap="square" rtlCol="0">
-              <a:noAutofit/>
-            </a:bodyPr>
-            <a:lstStyle/>
-            <a:p>
-              <a:pPr algn="ctr"/>
-              <a:r>
-                <a:rPr lang="en-US" sz="675" dirty="0"/>
-                <a:t>‘b’</a:t>
-              </a:r>
-            </a:p>
-          </p:txBody>
-        </p:sp>
-        <p:sp>
-          <p:nvSpPr>
-            <p:cNvPr id="52" name="TextBox 51">
-              <a:extLst>
-                <a:ext uri="{FF2B5EF4-FFF2-40B4-BE49-F238E27FC236}">
-                  <a16:creationId xmlns:a16="http://schemas.microsoft.com/office/drawing/2014/main" id="{4E427078-5565-496F-A1CA-0938297574EF}"/>
-                </a:ext>
-              </a:extLst>
-            </p:cNvPr>
-            <p:cNvSpPr txBox="1"/>
-            <p:nvPr/>
-          </p:nvSpPr>
-          <p:spPr>
-            <a:xfrm>
-              <a:off x="5694346" y="6660843"/>
-              <a:ext cx="302769" cy="196208"/>
-            </a:xfrm>
-            <a:prstGeom prst="rect">
-              <a:avLst/>
-            </a:prstGeom>
-            <a:noFill/>
-            <a:ln>
-              <a:solidFill>
-                <a:schemeClr val="tx1"/>
-              </a:solidFill>
-            </a:ln>
-          </p:spPr>
-          <p:txBody>
-            <a:bodyPr wrap="square" rtlCol="0">
-              <a:noAutofit/>
-            </a:bodyPr>
-            <a:lstStyle/>
-            <a:p>
-              <a:pPr algn="ctr"/>
-              <a:r>
-                <a:rPr lang="en-US" sz="675" dirty="0"/>
-                <a:t>‘c’</a:t>
-              </a:r>
-            </a:p>
-          </p:txBody>
-        </p:sp>
-        <p:sp>
-          <p:nvSpPr>
-            <p:cNvPr id="59" name="TextBox 58">
-              <a:extLst>
-                <a:ext uri="{FF2B5EF4-FFF2-40B4-BE49-F238E27FC236}">
-                  <a16:creationId xmlns:a16="http://schemas.microsoft.com/office/drawing/2014/main" id="{6F2A98B4-56A3-4374-8EF8-0B6D1FCB1B8F}"/>
-                </a:ext>
-              </a:extLst>
-            </p:cNvPr>
-            <p:cNvSpPr txBox="1"/>
-            <p:nvPr/>
-          </p:nvSpPr>
-          <p:spPr>
-            <a:xfrm>
-              <a:off x="5997115" y="6660843"/>
-              <a:ext cx="302769" cy="196208"/>
-            </a:xfrm>
-            <a:prstGeom prst="rect">
-              <a:avLst/>
-            </a:prstGeom>
-            <a:noFill/>
-            <a:ln>
-              <a:solidFill>
-                <a:schemeClr val="tx1"/>
-              </a:solidFill>
-            </a:ln>
-          </p:spPr>
-          <p:txBody>
-            <a:bodyPr wrap="square" rtlCol="0">
-              <a:noAutofit/>
-            </a:bodyPr>
-            <a:lstStyle/>
-            <a:p>
-              <a:pPr algn="ctr"/>
-              <a:r>
-                <a:rPr lang="en-US" sz="675" dirty="0"/>
-                <a:t>‘d’</a:t>
-              </a:r>
-            </a:p>
-          </p:txBody>
-        </p:sp>
-        <p:sp>
-          <p:nvSpPr>
-            <p:cNvPr id="60" name="TextBox 59">
-              <a:extLst>
-                <a:ext uri="{FF2B5EF4-FFF2-40B4-BE49-F238E27FC236}">
-                  <a16:creationId xmlns:a16="http://schemas.microsoft.com/office/drawing/2014/main" id="{99AEE20E-0EB9-4748-8620-B897086F8DCF}"/>
-                </a:ext>
-              </a:extLst>
-            </p:cNvPr>
-            <p:cNvSpPr txBox="1"/>
-            <p:nvPr/>
-          </p:nvSpPr>
-          <p:spPr>
-            <a:xfrm>
-              <a:off x="6299884" y="6660843"/>
-              <a:ext cx="302769" cy="196208"/>
-            </a:xfrm>
-            <a:prstGeom prst="rect">
-              <a:avLst/>
-            </a:prstGeom>
-            <a:noFill/>
-            <a:ln>
-              <a:solidFill>
-                <a:schemeClr val="tx1"/>
-              </a:solidFill>
-            </a:ln>
-          </p:spPr>
-          <p:txBody>
-            <a:bodyPr wrap="square" rtlCol="0">
-              <a:noAutofit/>
-            </a:bodyPr>
-            <a:lstStyle/>
-            <a:p>
-              <a:pPr algn="ctr"/>
-              <a:r>
-                <a:rPr lang="en-US" sz="675" dirty="0"/>
-                <a:t>‘/0’</a:t>
-              </a:r>
-            </a:p>
-          </p:txBody>
-        </p:sp>
-      </p:grpSp>
-      <p:grpSp>
-        <p:nvGrpSpPr>
           <p:cNvPr id="27" name="Group 26">
             <a:extLst>
               <a:ext uri="{FF2B5EF4-FFF2-40B4-BE49-F238E27FC236}">
@@ -24021,207 +23128,6 @@
               <a:rPr lang="en-US" sz="675" dirty="0"/>
               <a:t>b</a:t>
             </a:r>
-          </a:p>
-        </p:txBody>
-      </p:sp>
-      <p:sp>
-        <p:nvSpPr>
-          <p:cNvPr id="3" name="TextBox 2">
-            <a:extLst>
-              <a:ext uri="{FF2B5EF4-FFF2-40B4-BE49-F238E27FC236}">
-                <a16:creationId xmlns:a16="http://schemas.microsoft.com/office/drawing/2014/main" id="{41A71E7B-0281-4DFF-8DCB-9EB68AB3A83C}"/>
-              </a:ext>
-            </a:extLst>
-          </p:cNvPr>
-          <p:cNvSpPr txBox="1"/>
-          <p:nvPr/>
-        </p:nvSpPr>
-        <p:spPr>
-          <a:xfrm>
-            <a:off x="232756" y="7505700"/>
-            <a:ext cx="1178099" cy="900246"/>
-          </a:xfrm>
-          <a:prstGeom prst="rect">
-            <a:avLst/>
-          </a:prstGeom>
-          <a:noFill/>
-        </p:spPr>
-        <p:txBody>
-          <a:bodyPr wrap="square" rtlCol="0">
-            <a:spAutoFit/>
-          </a:bodyPr>
-          <a:lstStyle/>
-          <a:p>
-            <a:r>
-              <a:rPr lang="en-US" sz="1050" dirty="0">
-                <a:solidFill>
-                  <a:srgbClr val="00B050"/>
-                </a:solidFill>
-              </a:rPr>
-              <a:t>Q: Does </a:t>
-            </a:r>
-            <a:r>
-              <a:rPr lang="en-US" sz="1050" dirty="0" err="1">
-                <a:solidFill>
-                  <a:srgbClr val="00B050"/>
-                </a:solidFill>
-              </a:rPr>
-              <a:t>abcd</a:t>
-            </a:r>
-            <a:r>
-              <a:rPr lang="en-US" sz="1050" dirty="0">
-                <a:solidFill>
-                  <a:srgbClr val="00B050"/>
-                </a:solidFill>
-              </a:rPr>
-              <a:t> get deleted here? Or does it just chill till end of program</a:t>
-            </a:r>
-            <a:endParaRPr lang="en-CA" sz="1050" dirty="0">
-              <a:solidFill>
-                <a:srgbClr val="00B050"/>
-              </a:solidFill>
-            </a:endParaRPr>
-          </a:p>
-        </p:txBody>
-      </p:sp>
-      <p:sp>
-        <p:nvSpPr>
-          <p:cNvPr id="82" name="TextBox 81">
-            <a:extLst>
-              <a:ext uri="{FF2B5EF4-FFF2-40B4-BE49-F238E27FC236}">
-                <a16:creationId xmlns:a16="http://schemas.microsoft.com/office/drawing/2014/main" id="{3393D78F-D17E-4D5A-87FE-A6C3308EC21C}"/>
-              </a:ext>
-            </a:extLst>
-          </p:cNvPr>
-          <p:cNvSpPr txBox="1"/>
-          <p:nvPr/>
-        </p:nvSpPr>
-        <p:spPr>
-          <a:xfrm>
-            <a:off x="7025640" y="5283957"/>
-            <a:ext cx="1178099" cy="900246"/>
-          </a:xfrm>
-          <a:prstGeom prst="rect">
-            <a:avLst/>
-          </a:prstGeom>
-          <a:noFill/>
-          <a:ln>
-            <a:solidFill>
-              <a:srgbClr val="FF0000"/>
-            </a:solidFill>
-          </a:ln>
-        </p:spPr>
-        <p:txBody>
-          <a:bodyPr wrap="square" rtlCol="0">
-            <a:spAutoFit/>
-          </a:bodyPr>
-          <a:lstStyle/>
-          <a:p>
-            <a:r>
-              <a:rPr lang="en-US" sz="1050" dirty="0">
-                <a:solidFill>
-                  <a:srgbClr val="00B050"/>
-                </a:solidFill>
-              </a:rPr>
-              <a:t>Q: Do we omit this arrow since return statement not reached yet in constructor?</a:t>
-            </a:r>
-            <a:endParaRPr lang="en-CA" sz="1050" dirty="0">
-              <a:solidFill>
-                <a:srgbClr val="00B050"/>
-              </a:solidFill>
-            </a:endParaRPr>
-          </a:p>
-        </p:txBody>
-      </p:sp>
-      <p:sp>
-        <p:nvSpPr>
-          <p:cNvPr id="10" name="Freeform: Shape 9">
-            <a:extLst>
-              <a:ext uri="{FF2B5EF4-FFF2-40B4-BE49-F238E27FC236}">
-                <a16:creationId xmlns:a16="http://schemas.microsoft.com/office/drawing/2014/main" id="{6A13B73C-A4D9-4388-A369-3FD4A51C9DC6}"/>
-              </a:ext>
-            </a:extLst>
-          </p:cNvPr>
-          <p:cNvSpPr/>
-          <p:nvPr/>
-        </p:nvSpPr>
-        <p:spPr>
-          <a:xfrm>
-            <a:off x="4505331" y="5715000"/>
-            <a:ext cx="2520309" cy="1196340"/>
-          </a:xfrm>
-          <a:custGeom>
-            <a:avLst/>
-            <a:gdLst>
-              <a:gd name="connsiteX0" fmla="*/ 2520309 w 2520309"/>
-              <a:gd name="connsiteY0" fmla="*/ 0 h 1196340"/>
-              <a:gd name="connsiteX1" fmla="*/ 394329 w 2520309"/>
-              <a:gd name="connsiteY1" fmla="*/ 480060 h 1196340"/>
-              <a:gd name="connsiteX2" fmla="*/ 5709 w 2520309"/>
-              <a:gd name="connsiteY2" fmla="*/ 1196340 h 1196340"/>
-            </a:gdLst>
-            <a:ahLst/>
-            <a:cxnLst>
-              <a:cxn ang="0">
-                <a:pos x="connsiteX0" y="connsiteY0"/>
-              </a:cxn>
-              <a:cxn ang="0">
-                <a:pos x="connsiteX1" y="connsiteY1"/>
-              </a:cxn>
-              <a:cxn ang="0">
-                <a:pos x="connsiteX2" y="connsiteY2"/>
-              </a:cxn>
-            </a:cxnLst>
-            <a:rect l="l" t="t" r="r" b="b"/>
-            <a:pathLst>
-              <a:path w="2520309" h="1196340">
-                <a:moveTo>
-                  <a:pt x="2520309" y="0"/>
-                </a:moveTo>
-                <a:cubicBezTo>
-                  <a:pt x="1666869" y="140335"/>
-                  <a:pt x="813429" y="280670"/>
-                  <a:pt x="394329" y="480060"/>
-                </a:cubicBezTo>
-                <a:cubicBezTo>
-                  <a:pt x="-24771" y="679450"/>
-                  <a:pt x="-9531" y="937895"/>
-                  <a:pt x="5709" y="1196340"/>
-                </a:cubicBezTo>
-              </a:path>
-            </a:pathLst>
-          </a:custGeom>
-          <a:noFill/>
-          <a:ln>
-            <a:solidFill>
-              <a:srgbClr val="FF0000"/>
-            </a:solidFill>
-            <a:headEnd type="oval" w="med" len="med"/>
-            <a:tailEnd type="oval" w="med" len="med"/>
-          </a:ln>
-        </p:spPr>
-        <p:style>
-          <a:lnRef idx="2">
-            <a:schemeClr val="accent1">
-              <a:shade val="50000"/>
-            </a:schemeClr>
-          </a:lnRef>
-          <a:fillRef idx="1">
-            <a:schemeClr val="accent1"/>
-          </a:fillRef>
-          <a:effectRef idx="0">
-            <a:schemeClr val="accent1"/>
-          </a:effectRef>
-          <a:fontRef idx="minor">
-            <a:schemeClr val="lt1"/>
-          </a:fontRef>
-        </p:style>
-        <p:txBody>
-          <a:bodyPr rtlCol="0" anchor="ctr"/>
-          <a:lstStyle/>
-          <a:p>
-            <a:pPr algn="ctr"/>
-            <a:endParaRPr lang="en-CA"/>
           </a:p>
         </p:txBody>
       </p:sp>
@@ -24818,232 +23724,6 @@
       </p:grpSp>
       <p:grpSp>
         <p:nvGrpSpPr>
-          <p:cNvPr id="28" name="Group 27">
-            <a:extLst>
-              <a:ext uri="{FF2B5EF4-FFF2-40B4-BE49-F238E27FC236}">
-                <a16:creationId xmlns:a16="http://schemas.microsoft.com/office/drawing/2014/main" id="{F55E8291-14D0-4A93-8D05-79A67F8C9FA2}"/>
-              </a:ext>
-            </a:extLst>
-          </p:cNvPr>
-          <p:cNvGrpSpPr/>
-          <p:nvPr/>
-        </p:nvGrpSpPr>
-        <p:grpSpPr>
-          <a:xfrm>
-            <a:off x="232756" y="6639808"/>
-            <a:ext cx="1513845" cy="196208"/>
-            <a:chOff x="5088808" y="6660843"/>
-            <a:chExt cx="1513845" cy="196208"/>
-          </a:xfrm>
-        </p:grpSpPr>
-        <p:sp>
-          <p:nvSpPr>
-            <p:cNvPr id="50" name="TextBox 49">
-              <a:extLst>
-                <a:ext uri="{FF2B5EF4-FFF2-40B4-BE49-F238E27FC236}">
-                  <a16:creationId xmlns:a16="http://schemas.microsoft.com/office/drawing/2014/main" id="{BBBE8330-51ED-4050-AACA-8D1EC6E50002}"/>
-                </a:ext>
-              </a:extLst>
-            </p:cNvPr>
-            <p:cNvSpPr txBox="1"/>
-            <p:nvPr/>
-          </p:nvSpPr>
-          <p:spPr>
-            <a:xfrm>
-              <a:off x="5088808" y="6660843"/>
-              <a:ext cx="302769" cy="196208"/>
-            </a:xfrm>
-            <a:prstGeom prst="rect">
-              <a:avLst/>
-            </a:prstGeom>
-            <a:noFill/>
-            <a:ln>
-              <a:solidFill>
-                <a:schemeClr val="tx1"/>
-              </a:solidFill>
-            </a:ln>
-          </p:spPr>
-          <p:txBody>
-            <a:bodyPr wrap="square" rtlCol="0">
-              <a:noAutofit/>
-            </a:bodyPr>
-            <a:lstStyle/>
-            <a:p>
-              <a:pPr algn="ctr"/>
-              <a:r>
-                <a:rPr lang="en-US" sz="675" dirty="0"/>
-                <a:t>‘a’</a:t>
-              </a:r>
-            </a:p>
-          </p:txBody>
-        </p:sp>
-        <p:sp>
-          <p:nvSpPr>
-            <p:cNvPr id="51" name="TextBox 50">
-              <a:extLst>
-                <a:ext uri="{FF2B5EF4-FFF2-40B4-BE49-F238E27FC236}">
-                  <a16:creationId xmlns:a16="http://schemas.microsoft.com/office/drawing/2014/main" id="{7B32BDA2-1B42-4640-8999-5D5B485C1015}"/>
-                </a:ext>
-              </a:extLst>
-            </p:cNvPr>
-            <p:cNvSpPr txBox="1"/>
-            <p:nvPr/>
-          </p:nvSpPr>
-          <p:spPr>
-            <a:xfrm>
-              <a:off x="5391577" y="6660843"/>
-              <a:ext cx="302769" cy="196208"/>
-            </a:xfrm>
-            <a:prstGeom prst="rect">
-              <a:avLst/>
-            </a:prstGeom>
-            <a:noFill/>
-            <a:ln>
-              <a:solidFill>
-                <a:schemeClr val="tx1"/>
-              </a:solidFill>
-            </a:ln>
-          </p:spPr>
-          <p:txBody>
-            <a:bodyPr wrap="square" rtlCol="0">
-              <a:noAutofit/>
-            </a:bodyPr>
-            <a:lstStyle/>
-            <a:p>
-              <a:pPr algn="ctr"/>
-              <a:r>
-                <a:rPr lang="en-US" sz="675" dirty="0"/>
-                <a:t>‘b’</a:t>
-              </a:r>
-            </a:p>
-          </p:txBody>
-        </p:sp>
-        <p:sp>
-          <p:nvSpPr>
-            <p:cNvPr id="52" name="TextBox 51">
-              <a:extLst>
-                <a:ext uri="{FF2B5EF4-FFF2-40B4-BE49-F238E27FC236}">
-                  <a16:creationId xmlns:a16="http://schemas.microsoft.com/office/drawing/2014/main" id="{4E427078-5565-496F-A1CA-0938297574EF}"/>
-                </a:ext>
-              </a:extLst>
-            </p:cNvPr>
-            <p:cNvSpPr txBox="1"/>
-            <p:nvPr/>
-          </p:nvSpPr>
-          <p:spPr>
-            <a:xfrm>
-              <a:off x="5694346" y="6660843"/>
-              <a:ext cx="302769" cy="196208"/>
-            </a:xfrm>
-            <a:prstGeom prst="rect">
-              <a:avLst/>
-            </a:prstGeom>
-            <a:noFill/>
-            <a:ln>
-              <a:solidFill>
-                <a:schemeClr val="tx1"/>
-              </a:solidFill>
-            </a:ln>
-          </p:spPr>
-          <p:txBody>
-            <a:bodyPr wrap="square" rtlCol="0">
-              <a:noAutofit/>
-            </a:bodyPr>
-            <a:lstStyle/>
-            <a:p>
-              <a:pPr algn="ctr"/>
-              <a:r>
-                <a:rPr lang="en-US" sz="675" dirty="0"/>
-                <a:t>‘c’</a:t>
-              </a:r>
-            </a:p>
-          </p:txBody>
-        </p:sp>
-        <p:sp>
-          <p:nvSpPr>
-            <p:cNvPr id="59" name="TextBox 58">
-              <a:extLst>
-                <a:ext uri="{FF2B5EF4-FFF2-40B4-BE49-F238E27FC236}">
-                  <a16:creationId xmlns:a16="http://schemas.microsoft.com/office/drawing/2014/main" id="{6F2A98B4-56A3-4374-8EF8-0B6D1FCB1B8F}"/>
-                </a:ext>
-              </a:extLst>
-            </p:cNvPr>
-            <p:cNvSpPr txBox="1"/>
-            <p:nvPr/>
-          </p:nvSpPr>
-          <p:spPr>
-            <a:xfrm>
-              <a:off x="5997115" y="6660843"/>
-              <a:ext cx="302769" cy="196208"/>
-            </a:xfrm>
-            <a:prstGeom prst="rect">
-              <a:avLst/>
-            </a:prstGeom>
-            <a:noFill/>
-            <a:ln>
-              <a:solidFill>
-                <a:schemeClr val="tx1"/>
-              </a:solidFill>
-            </a:ln>
-          </p:spPr>
-          <p:txBody>
-            <a:bodyPr wrap="square" rtlCol="0">
-              <a:noAutofit/>
-            </a:bodyPr>
-            <a:lstStyle/>
-            <a:p>
-              <a:pPr algn="ctr"/>
-              <a:r>
-                <a:rPr lang="en-US" sz="675" dirty="0"/>
-                <a:t>‘d’</a:t>
-              </a:r>
-            </a:p>
-          </p:txBody>
-        </p:sp>
-        <p:sp>
-          <p:nvSpPr>
-            <p:cNvPr id="60" name="TextBox 59">
-              <a:extLst>
-                <a:ext uri="{FF2B5EF4-FFF2-40B4-BE49-F238E27FC236}">
-                  <a16:creationId xmlns:a16="http://schemas.microsoft.com/office/drawing/2014/main" id="{99AEE20E-0EB9-4748-8620-B897086F8DCF}"/>
-                </a:ext>
-              </a:extLst>
-            </p:cNvPr>
-            <p:cNvSpPr txBox="1"/>
-            <p:nvPr/>
-          </p:nvSpPr>
-          <p:spPr>
-            <a:xfrm>
-              <a:off x="6299884" y="6660843"/>
-              <a:ext cx="302769" cy="196208"/>
-            </a:xfrm>
-            <a:prstGeom prst="rect">
-              <a:avLst/>
-            </a:prstGeom>
-            <a:noFill/>
-            <a:ln>
-              <a:solidFill>
-                <a:schemeClr val="tx1"/>
-              </a:solidFill>
-            </a:ln>
-          </p:spPr>
-          <p:txBody>
-            <a:bodyPr wrap="square" rtlCol="0">
-              <a:noAutofit/>
-            </a:bodyPr>
-            <a:lstStyle/>
-            <a:p>
-              <a:pPr algn="ctr"/>
-              <a:r>
-                <a:rPr lang="en-US" sz="675" dirty="0"/>
-                <a:t>‘/0’</a:t>
-              </a:r>
-            </a:p>
-          </p:txBody>
-        </p:sp>
-      </p:grpSp>
-      <p:grpSp>
-        <p:nvGrpSpPr>
           <p:cNvPr id="27" name="Group 26">
             <a:extLst>
               <a:ext uri="{FF2B5EF4-FFF2-40B4-BE49-F238E27FC236}">
@@ -25522,232 +24202,6 @@
           </a:p>
         </p:txBody>
       </p:sp>
-      <p:grpSp>
-        <p:nvGrpSpPr>
-          <p:cNvPr id="53" name="Group 52">
-            <a:extLst>
-              <a:ext uri="{FF2B5EF4-FFF2-40B4-BE49-F238E27FC236}">
-                <a16:creationId xmlns:a16="http://schemas.microsoft.com/office/drawing/2014/main" id="{3CD321A8-8E59-45E8-A994-3CE9398DD1EB}"/>
-              </a:ext>
-            </a:extLst>
-          </p:cNvPr>
-          <p:cNvGrpSpPr/>
-          <p:nvPr/>
-        </p:nvGrpSpPr>
-        <p:grpSpPr>
-          <a:xfrm>
-            <a:off x="120728" y="7123744"/>
-            <a:ext cx="1513845" cy="196208"/>
-            <a:chOff x="5088808" y="6660843"/>
-            <a:chExt cx="1513845" cy="196208"/>
-          </a:xfrm>
-        </p:grpSpPr>
-        <p:sp>
-          <p:nvSpPr>
-            <p:cNvPr id="54" name="TextBox 53">
-              <a:extLst>
-                <a:ext uri="{FF2B5EF4-FFF2-40B4-BE49-F238E27FC236}">
-                  <a16:creationId xmlns:a16="http://schemas.microsoft.com/office/drawing/2014/main" id="{437AF63C-1FCF-4662-BE8B-02BEA81AD64D}"/>
-                </a:ext>
-              </a:extLst>
-            </p:cNvPr>
-            <p:cNvSpPr txBox="1"/>
-            <p:nvPr/>
-          </p:nvSpPr>
-          <p:spPr>
-            <a:xfrm>
-              <a:off x="5088808" y="6660843"/>
-              <a:ext cx="302769" cy="196208"/>
-            </a:xfrm>
-            <a:prstGeom prst="rect">
-              <a:avLst/>
-            </a:prstGeom>
-            <a:noFill/>
-            <a:ln>
-              <a:solidFill>
-                <a:schemeClr val="tx1"/>
-              </a:solidFill>
-            </a:ln>
-          </p:spPr>
-          <p:txBody>
-            <a:bodyPr wrap="square" rtlCol="0">
-              <a:noAutofit/>
-            </a:bodyPr>
-            <a:lstStyle/>
-            <a:p>
-              <a:pPr algn="ctr"/>
-              <a:r>
-                <a:rPr lang="en-US" sz="675" dirty="0"/>
-                <a:t>‘f’</a:t>
-              </a:r>
-            </a:p>
-          </p:txBody>
-        </p:sp>
-        <p:sp>
-          <p:nvSpPr>
-            <p:cNvPr id="55" name="TextBox 54">
-              <a:extLst>
-                <a:ext uri="{FF2B5EF4-FFF2-40B4-BE49-F238E27FC236}">
-                  <a16:creationId xmlns:a16="http://schemas.microsoft.com/office/drawing/2014/main" id="{548D98DB-3C17-4BCD-B341-41546ECD446A}"/>
-                </a:ext>
-              </a:extLst>
-            </p:cNvPr>
-            <p:cNvSpPr txBox="1"/>
-            <p:nvPr/>
-          </p:nvSpPr>
-          <p:spPr>
-            <a:xfrm>
-              <a:off x="5391577" y="6660843"/>
-              <a:ext cx="302769" cy="196208"/>
-            </a:xfrm>
-            <a:prstGeom prst="rect">
-              <a:avLst/>
-            </a:prstGeom>
-            <a:noFill/>
-            <a:ln>
-              <a:solidFill>
-                <a:schemeClr val="tx1"/>
-              </a:solidFill>
-            </a:ln>
-          </p:spPr>
-          <p:txBody>
-            <a:bodyPr wrap="square" rtlCol="0">
-              <a:noAutofit/>
-            </a:bodyPr>
-            <a:lstStyle/>
-            <a:p>
-              <a:pPr algn="ctr"/>
-              <a:r>
-                <a:rPr lang="en-US" sz="675" dirty="0"/>
-                <a:t>‘i’</a:t>
-              </a:r>
-            </a:p>
-          </p:txBody>
-        </p:sp>
-        <p:sp>
-          <p:nvSpPr>
-            <p:cNvPr id="56" name="TextBox 55">
-              <a:extLst>
-                <a:ext uri="{FF2B5EF4-FFF2-40B4-BE49-F238E27FC236}">
-                  <a16:creationId xmlns:a16="http://schemas.microsoft.com/office/drawing/2014/main" id="{244774B1-FA94-4568-9E5A-E32B99A9F176}"/>
-                </a:ext>
-              </a:extLst>
-            </p:cNvPr>
-            <p:cNvSpPr txBox="1"/>
-            <p:nvPr/>
-          </p:nvSpPr>
-          <p:spPr>
-            <a:xfrm>
-              <a:off x="5694346" y="6660843"/>
-              <a:ext cx="302769" cy="196208"/>
-            </a:xfrm>
-            <a:prstGeom prst="rect">
-              <a:avLst/>
-            </a:prstGeom>
-            <a:noFill/>
-            <a:ln>
-              <a:solidFill>
-                <a:schemeClr val="tx1"/>
-              </a:solidFill>
-            </a:ln>
-          </p:spPr>
-          <p:txBody>
-            <a:bodyPr wrap="square" rtlCol="0">
-              <a:noAutofit/>
-            </a:bodyPr>
-            <a:lstStyle/>
-            <a:p>
-              <a:pPr algn="ctr"/>
-              <a:r>
-                <a:rPr lang="en-US" sz="675" dirty="0"/>
-                <a:t>‘l’</a:t>
-              </a:r>
-            </a:p>
-          </p:txBody>
-        </p:sp>
-        <p:sp>
-          <p:nvSpPr>
-            <p:cNvPr id="57" name="TextBox 56">
-              <a:extLst>
-                <a:ext uri="{FF2B5EF4-FFF2-40B4-BE49-F238E27FC236}">
-                  <a16:creationId xmlns:a16="http://schemas.microsoft.com/office/drawing/2014/main" id="{49CFC0C2-98A4-4206-9DD6-12FB60112185}"/>
-                </a:ext>
-              </a:extLst>
-            </p:cNvPr>
-            <p:cNvSpPr txBox="1"/>
-            <p:nvPr/>
-          </p:nvSpPr>
-          <p:spPr>
-            <a:xfrm>
-              <a:off x="5997115" y="6660843"/>
-              <a:ext cx="302769" cy="196208"/>
-            </a:xfrm>
-            <a:prstGeom prst="rect">
-              <a:avLst/>
-            </a:prstGeom>
-            <a:noFill/>
-            <a:ln>
-              <a:solidFill>
-                <a:schemeClr val="tx1"/>
-              </a:solidFill>
-            </a:ln>
-          </p:spPr>
-          <p:txBody>
-            <a:bodyPr wrap="square" rtlCol="0">
-              <a:noAutofit/>
-            </a:bodyPr>
-            <a:lstStyle/>
-            <a:p>
-              <a:pPr algn="ctr"/>
-              <a:r>
-                <a:rPr lang="en-US" sz="675" dirty="0"/>
-                <a:t>‘m’</a:t>
-              </a:r>
-            </a:p>
-          </p:txBody>
-        </p:sp>
-        <p:sp>
-          <p:nvSpPr>
-            <p:cNvPr id="58" name="TextBox 57">
-              <a:extLst>
-                <a:ext uri="{FF2B5EF4-FFF2-40B4-BE49-F238E27FC236}">
-                  <a16:creationId xmlns:a16="http://schemas.microsoft.com/office/drawing/2014/main" id="{34D83752-1847-4E3E-8619-7C119FBEA7D2}"/>
-                </a:ext>
-              </a:extLst>
-            </p:cNvPr>
-            <p:cNvSpPr txBox="1"/>
-            <p:nvPr/>
-          </p:nvSpPr>
-          <p:spPr>
-            <a:xfrm>
-              <a:off x="6299884" y="6660843"/>
-              <a:ext cx="302769" cy="196208"/>
-            </a:xfrm>
-            <a:prstGeom prst="rect">
-              <a:avLst/>
-            </a:prstGeom>
-            <a:noFill/>
-            <a:ln>
-              <a:solidFill>
-                <a:schemeClr val="tx1"/>
-              </a:solidFill>
-            </a:ln>
-          </p:spPr>
-          <p:txBody>
-            <a:bodyPr wrap="square" rtlCol="0">
-              <a:noAutofit/>
-            </a:bodyPr>
-            <a:lstStyle/>
-            <a:p>
-              <a:pPr algn="ctr"/>
-              <a:r>
-                <a:rPr lang="en-US" sz="675" dirty="0"/>
-                <a:t>‘/0’</a:t>
-              </a:r>
-            </a:p>
-          </p:txBody>
-        </p:sp>
-      </p:grpSp>
       <p:grpSp>
         <p:nvGrpSpPr>
           <p:cNvPr id="66" name="Group 65">
@@ -27018,188 +25472,6 @@
           <a:p>
             <a:pPr algn="ctr"/>
             <a:endParaRPr lang="en-CA"/>
-          </a:p>
-        </p:txBody>
-      </p:sp>
-      <p:sp>
-        <p:nvSpPr>
-          <p:cNvPr id="89" name="TextBox 88">
-            <a:extLst>
-              <a:ext uri="{FF2B5EF4-FFF2-40B4-BE49-F238E27FC236}">
-                <a16:creationId xmlns:a16="http://schemas.microsoft.com/office/drawing/2014/main" id="{D69C803E-BCCF-41A8-BEB7-69676DFC9032}"/>
-              </a:ext>
-            </a:extLst>
-          </p:cNvPr>
-          <p:cNvSpPr txBox="1"/>
-          <p:nvPr/>
-        </p:nvSpPr>
-        <p:spPr>
-          <a:xfrm>
-            <a:off x="232756" y="7505700"/>
-            <a:ext cx="1178099" cy="784830"/>
-          </a:xfrm>
-          <a:prstGeom prst="rect">
-            <a:avLst/>
-          </a:prstGeom>
-          <a:noFill/>
-        </p:spPr>
-        <p:txBody>
-          <a:bodyPr wrap="square" rtlCol="0">
-            <a:spAutoFit/>
-          </a:bodyPr>
-          <a:lstStyle/>
-          <a:p>
-            <a:r>
-              <a:rPr lang="en-US" sz="900" dirty="0">
-                <a:solidFill>
-                  <a:srgbClr val="00B050"/>
-                </a:solidFill>
-              </a:rPr>
-              <a:t>Q: Does </a:t>
-            </a:r>
-            <a:r>
-              <a:rPr lang="en-US" sz="900" dirty="0" err="1">
-                <a:solidFill>
-                  <a:srgbClr val="00B050"/>
-                </a:solidFill>
-              </a:rPr>
-              <a:t>abcd</a:t>
-            </a:r>
-            <a:r>
-              <a:rPr lang="en-US" sz="900" dirty="0">
-                <a:solidFill>
-                  <a:srgbClr val="00B050"/>
-                </a:solidFill>
-              </a:rPr>
-              <a:t> and film get deleted here? Or does it just chill till end of program</a:t>
-            </a:r>
-            <a:endParaRPr lang="en-CA" sz="900" dirty="0">
-              <a:solidFill>
-                <a:srgbClr val="00B050"/>
-              </a:solidFill>
-            </a:endParaRPr>
-          </a:p>
-        </p:txBody>
-      </p:sp>
-      <p:sp>
-        <p:nvSpPr>
-          <p:cNvPr id="90" name="TextBox 89">
-            <a:extLst>
-              <a:ext uri="{FF2B5EF4-FFF2-40B4-BE49-F238E27FC236}">
-                <a16:creationId xmlns:a16="http://schemas.microsoft.com/office/drawing/2014/main" id="{32AB8FCD-CC8A-4E10-B53A-81DF365D5417}"/>
-              </a:ext>
-            </a:extLst>
-          </p:cNvPr>
-          <p:cNvSpPr txBox="1"/>
-          <p:nvPr/>
-        </p:nvSpPr>
-        <p:spPr>
-          <a:xfrm>
-            <a:off x="5320672" y="5738575"/>
-            <a:ext cx="1178099" cy="507831"/>
-          </a:xfrm>
-          <a:prstGeom prst="rect">
-            <a:avLst/>
-          </a:prstGeom>
-          <a:solidFill>
-            <a:schemeClr val="bg1"/>
-          </a:solidFill>
-        </p:spPr>
-        <p:txBody>
-          <a:bodyPr wrap="square" rtlCol="0">
-            <a:spAutoFit/>
-          </a:bodyPr>
-          <a:lstStyle/>
-          <a:p>
-            <a:r>
-              <a:rPr lang="en-US" sz="900" dirty="0">
-                <a:solidFill>
-                  <a:srgbClr val="00B050"/>
-                </a:solidFill>
-              </a:rPr>
-              <a:t>Q: is this what happens when we have a = c</a:t>
-            </a:r>
-            <a:endParaRPr lang="en-CA" sz="900" dirty="0">
-              <a:solidFill>
-                <a:srgbClr val="00B050"/>
-              </a:solidFill>
-            </a:endParaRPr>
-          </a:p>
-        </p:txBody>
-      </p:sp>
-      <p:pic>
-        <p:nvPicPr>
-          <p:cNvPr id="15" name="Picture 14">
-            <a:extLst>
-              <a:ext uri="{FF2B5EF4-FFF2-40B4-BE49-F238E27FC236}">
-                <a16:creationId xmlns:a16="http://schemas.microsoft.com/office/drawing/2014/main" id="{AC4A931D-52EB-4C8B-B8D4-FCCF926F46B0}"/>
-              </a:ext>
-            </a:extLst>
-          </p:cNvPr>
-          <p:cNvPicPr>
-            <a:picLocks noChangeAspect="1"/>
-          </p:cNvPicPr>
-          <p:nvPr/>
-        </p:nvPicPr>
-        <p:blipFill>
-          <a:blip r:embed="rId2"/>
-          <a:stretch>
-            <a:fillRect/>
-          </a:stretch>
-        </p:blipFill>
-        <p:spPr>
-          <a:xfrm>
-            <a:off x="5855302" y="9001071"/>
-            <a:ext cx="2735825" cy="1804644"/>
-          </a:xfrm>
-          <a:prstGeom prst="rect">
-            <a:avLst/>
-          </a:prstGeom>
-        </p:spPr>
-      </p:pic>
-      <p:sp>
-        <p:nvSpPr>
-          <p:cNvPr id="91" name="TextBox 90">
-            <a:extLst>
-              <a:ext uri="{FF2B5EF4-FFF2-40B4-BE49-F238E27FC236}">
-                <a16:creationId xmlns:a16="http://schemas.microsoft.com/office/drawing/2014/main" id="{05583C3E-DEA8-42E0-8241-C5F9FAF982EF}"/>
-              </a:ext>
-            </a:extLst>
-          </p:cNvPr>
-          <p:cNvSpPr txBox="1"/>
-          <p:nvPr/>
-        </p:nvSpPr>
-        <p:spPr>
-          <a:xfrm>
-            <a:off x="5855302" y="10739151"/>
-            <a:ext cx="2681405" cy="369332"/>
-          </a:xfrm>
-          <a:prstGeom prst="rect">
-            <a:avLst/>
-          </a:prstGeom>
-          <a:solidFill>
-            <a:schemeClr val="bg1"/>
-          </a:solidFill>
-        </p:spPr>
-        <p:txBody>
-          <a:bodyPr wrap="square" rtlCol="0">
-            <a:spAutoFit/>
-          </a:bodyPr>
-          <a:lstStyle/>
-          <a:p>
-            <a:r>
-              <a:rPr lang="en-US" sz="900" dirty="0">
-                <a:solidFill>
-                  <a:srgbClr val="00B050"/>
-                </a:solidFill>
-              </a:rPr>
-              <a:t>Q: do we have to draw anything on the diagram to account for these braces here? </a:t>
-            </a:r>
-            <a:endParaRPr lang="en-CA" sz="900" dirty="0">
-              <a:solidFill>
-                <a:srgbClr val="00B050"/>
-              </a:solidFill>
-            </a:endParaRPr>
           </a:p>
         </p:txBody>
       </p:sp>

--- a/GH/Lab3_Diagrams_GH.pptx
+++ b/GH/Lab3_Diagrams_GH.pptx
@@ -131,7 +131,7 @@
 <file path=ppt/revisionInfo.xml><?xml version="1.0" encoding="utf-8"?>
 <p1510:revInfo xmlns:a="http://schemas.openxmlformats.org/drawingml/2006/main" xmlns:r="http://schemas.openxmlformats.org/officeDocument/2006/relationships" xmlns:p1510="http://schemas.microsoft.com/office/powerpoint/2015/10/main">
   <p1510:revLst>
-    <p1510:client id="{743B0715-C183-42DE-B6E5-38E47A36CCC5}" v="99" dt="2021-10-01T01:53:25.326"/>
+    <p1510:client id="{743B0715-C183-42DE-B6E5-38E47A36CCC5}" v="101" dt="2021-10-02T21:01:13.818"/>
   </p1510:revLst>
 </p1510:revInfo>
 </file>
@@ -829,2413 +829,6 @@
             <ac:spMk id="8" creationId="{B5455468-9138-4F8C-8180-F837496A55F3}"/>
           </ac:spMkLst>
         </pc:spChg>
-      </pc:sldChg>
-    </pc:docChg>
-  </pc:docChgLst>
-  <pc:docChgLst>
-    <pc:chgData name="Graydon Hall" userId="6ad8ef6fe9c5877e" providerId="LiveId" clId="{743B0715-C183-42DE-B6E5-38E47A36CCC5}"/>
-    <pc:docChg chg="undo redo custSel addSld modSld sldOrd">
-      <pc:chgData name="Graydon Hall" userId="6ad8ef6fe9c5877e" providerId="LiveId" clId="{743B0715-C183-42DE-B6E5-38E47A36CCC5}" dt="2021-09-30T20:02:52.623" v="5485" actId="1076"/>
-      <pc:docMkLst>
-        <pc:docMk/>
-      </pc:docMkLst>
-      <pc:sldChg chg="addSp modSp mod">
-        <pc:chgData name="Graydon Hall" userId="6ad8ef6fe9c5877e" providerId="LiveId" clId="{743B0715-C183-42DE-B6E5-38E47A36CCC5}" dt="2021-09-29T03:39:03.859" v="84" actId="20577"/>
-        <pc:sldMkLst>
-          <pc:docMk/>
-          <pc:sldMk cId="3187814692" sldId="261"/>
-        </pc:sldMkLst>
-        <pc:spChg chg="add mod">
-          <ac:chgData name="Graydon Hall" userId="6ad8ef6fe9c5877e" providerId="LiveId" clId="{743B0715-C183-42DE-B6E5-38E47A36CCC5}" dt="2021-09-29T03:39:03.859" v="84" actId="20577"/>
-          <ac:spMkLst>
-            <pc:docMk/>
-            <pc:sldMk cId="3187814692" sldId="261"/>
-            <ac:spMk id="48" creationId="{02EEBBE8-1C4C-48E3-AAAA-BADF40713F80}"/>
-          </ac:spMkLst>
-        </pc:spChg>
-      </pc:sldChg>
-      <pc:sldChg chg="addSp delSp modSp new mod">
-        <pc:chgData name="Graydon Hall" userId="6ad8ef6fe9c5877e" providerId="LiveId" clId="{743B0715-C183-42DE-B6E5-38E47A36CCC5}" dt="2021-09-29T03:54:13.070" v="298" actId="1076"/>
-        <pc:sldMkLst>
-          <pc:docMk/>
-          <pc:sldMk cId="1520747544" sldId="262"/>
-        </pc:sldMkLst>
-        <pc:spChg chg="del">
-          <ac:chgData name="Graydon Hall" userId="6ad8ef6fe9c5877e" providerId="LiveId" clId="{743B0715-C183-42DE-B6E5-38E47A36CCC5}" dt="2021-09-29T03:13:58.899" v="1" actId="478"/>
-          <ac:spMkLst>
-            <pc:docMk/>
-            <pc:sldMk cId="1520747544" sldId="262"/>
-            <ac:spMk id="2" creationId="{B96800AC-0418-4AFE-B862-ABDE1A6C08D8}"/>
-          </ac:spMkLst>
-        </pc:spChg>
-        <pc:spChg chg="del mod">
-          <ac:chgData name="Graydon Hall" userId="6ad8ef6fe9c5877e" providerId="LiveId" clId="{743B0715-C183-42DE-B6E5-38E47A36CCC5}" dt="2021-09-29T03:14:01.378" v="3" actId="478"/>
-          <ac:spMkLst>
-            <pc:docMk/>
-            <pc:sldMk cId="1520747544" sldId="262"/>
-            <ac:spMk id="3" creationId="{7916B284-33FF-4807-A0F1-EFE75871D565}"/>
-          </ac:spMkLst>
-        </pc:spChg>
-        <pc:spChg chg="add mod">
-          <ac:chgData name="Graydon Hall" userId="6ad8ef6fe9c5877e" providerId="LiveId" clId="{743B0715-C183-42DE-B6E5-38E47A36CCC5}" dt="2021-09-29T03:54:13.070" v="298" actId="1076"/>
-          <ac:spMkLst>
-            <pc:docMk/>
-            <pc:sldMk cId="1520747544" sldId="262"/>
-            <ac:spMk id="4" creationId="{69D13A37-6B82-4C78-812F-D9D461CDC672}"/>
-          </ac:spMkLst>
-        </pc:spChg>
-        <pc:spChg chg="add del mod">
-          <ac:chgData name="Graydon Hall" userId="6ad8ef6fe9c5877e" providerId="LiveId" clId="{743B0715-C183-42DE-B6E5-38E47A36CCC5}" dt="2021-09-29T03:50:53.866" v="288" actId="14100"/>
-          <ac:spMkLst>
-            <pc:docMk/>
-            <pc:sldMk cId="1520747544" sldId="262"/>
-            <ac:spMk id="5" creationId="{03DF7978-60AD-4CDE-AE09-356BACC0D746}"/>
-          </ac:spMkLst>
-        </pc:spChg>
-        <pc:spChg chg="add mod">
-          <ac:chgData name="Graydon Hall" userId="6ad8ef6fe9c5877e" providerId="LiveId" clId="{743B0715-C183-42DE-B6E5-38E47A36CCC5}" dt="2021-09-29T03:35:41.959" v="4"/>
-          <ac:spMkLst>
-            <pc:docMk/>
-            <pc:sldMk cId="1520747544" sldId="262"/>
-            <ac:spMk id="6" creationId="{D0C80474-6657-418A-AAF9-A633C8AA8512}"/>
-          </ac:spMkLst>
-        </pc:spChg>
-        <pc:spChg chg="add mod">
-          <ac:chgData name="Graydon Hall" userId="6ad8ef6fe9c5877e" providerId="LiveId" clId="{743B0715-C183-42DE-B6E5-38E47A36CCC5}" dt="2021-09-29T03:35:41.959" v="4"/>
-          <ac:spMkLst>
-            <pc:docMk/>
-            <pc:sldMk cId="1520747544" sldId="262"/>
-            <ac:spMk id="7" creationId="{8CC65CAA-2539-4C2F-AA0D-22449388221A}"/>
-          </ac:spMkLst>
-        </pc:spChg>
-        <pc:spChg chg="add mod">
-          <ac:chgData name="Graydon Hall" userId="6ad8ef6fe9c5877e" providerId="LiveId" clId="{743B0715-C183-42DE-B6E5-38E47A36CCC5}" dt="2021-09-29T03:35:41.959" v="4"/>
-          <ac:spMkLst>
-            <pc:docMk/>
-            <pc:sldMk cId="1520747544" sldId="262"/>
-            <ac:spMk id="8" creationId="{0C3EEB79-1F74-45CC-A601-42B51BB496C7}"/>
-          </ac:spMkLst>
-        </pc:spChg>
-        <pc:spChg chg="add mod">
-          <ac:chgData name="Graydon Hall" userId="6ad8ef6fe9c5877e" providerId="LiveId" clId="{743B0715-C183-42DE-B6E5-38E47A36CCC5}" dt="2021-09-29T03:50:39.468" v="264" actId="1035"/>
-          <ac:spMkLst>
-            <pc:docMk/>
-            <pc:sldMk cId="1520747544" sldId="262"/>
-            <ac:spMk id="9" creationId="{700D8949-7BEC-4E7B-8872-67D2E91315EC}"/>
-          </ac:spMkLst>
-        </pc:spChg>
-        <pc:spChg chg="add del mod">
-          <ac:chgData name="Graydon Hall" userId="6ad8ef6fe9c5877e" providerId="LiveId" clId="{743B0715-C183-42DE-B6E5-38E47A36CCC5}" dt="2021-09-29T03:36:49.364" v="28" actId="478"/>
-          <ac:spMkLst>
-            <pc:docMk/>
-            <pc:sldMk cId="1520747544" sldId="262"/>
-            <ac:spMk id="10" creationId="{01EC3C9B-2A77-4BF7-B267-93537547F115}"/>
-          </ac:spMkLst>
-        </pc:spChg>
-        <pc:spChg chg="add mod">
-          <ac:chgData name="Graydon Hall" userId="6ad8ef6fe9c5877e" providerId="LiveId" clId="{743B0715-C183-42DE-B6E5-38E47A36CCC5}" dt="2021-09-29T03:54:13.070" v="298" actId="1076"/>
-          <ac:spMkLst>
-            <pc:docMk/>
-            <pc:sldMk cId="1520747544" sldId="262"/>
-            <ac:spMk id="11" creationId="{ABE71181-B149-4EE3-8C57-DA344694D6C2}"/>
-          </ac:spMkLst>
-        </pc:spChg>
-        <pc:spChg chg="add del mod">
-          <ac:chgData name="Graydon Hall" userId="6ad8ef6fe9c5877e" providerId="LiveId" clId="{743B0715-C183-42DE-B6E5-38E47A36CCC5}" dt="2021-09-29T03:36:31.956" v="19" actId="478"/>
-          <ac:spMkLst>
-            <pc:docMk/>
-            <pc:sldMk cId="1520747544" sldId="262"/>
-            <ac:spMk id="12" creationId="{BF87B038-24EA-4D6F-AA4A-B5A49E4701F2}"/>
-          </ac:spMkLst>
-        </pc:spChg>
-        <pc:spChg chg="add mod">
-          <ac:chgData name="Graydon Hall" userId="6ad8ef6fe9c5877e" providerId="LiveId" clId="{743B0715-C183-42DE-B6E5-38E47A36CCC5}" dt="2021-09-29T03:50:39.468" v="264" actId="1035"/>
-          <ac:spMkLst>
-            <pc:docMk/>
-            <pc:sldMk cId="1520747544" sldId="262"/>
-            <ac:spMk id="13" creationId="{1485229A-BE5D-445C-A29D-2095B03DF662}"/>
-          </ac:spMkLst>
-        </pc:spChg>
-        <pc:spChg chg="add mod">
-          <ac:chgData name="Graydon Hall" userId="6ad8ef6fe9c5877e" providerId="LiveId" clId="{743B0715-C183-42DE-B6E5-38E47A36CCC5}" dt="2021-09-29T03:50:39.468" v="264" actId="1035"/>
-          <ac:spMkLst>
-            <pc:docMk/>
-            <pc:sldMk cId="1520747544" sldId="262"/>
-            <ac:spMk id="14" creationId="{8E3A9A45-B3AF-48DC-B12C-05C16FE7B083}"/>
-          </ac:spMkLst>
-        </pc:spChg>
-        <pc:spChg chg="add mod">
-          <ac:chgData name="Graydon Hall" userId="6ad8ef6fe9c5877e" providerId="LiveId" clId="{743B0715-C183-42DE-B6E5-38E47A36CCC5}" dt="2021-09-29T03:54:13.070" v="298" actId="1076"/>
-          <ac:spMkLst>
-            <pc:docMk/>
-            <pc:sldMk cId="1520747544" sldId="262"/>
-            <ac:spMk id="15" creationId="{37CEF823-64A2-4803-97BB-DE3BC2A56C3D}"/>
-          </ac:spMkLst>
-        </pc:spChg>
-        <pc:spChg chg="add mod ord">
-          <ac:chgData name="Graydon Hall" userId="6ad8ef6fe9c5877e" providerId="LiveId" clId="{743B0715-C183-42DE-B6E5-38E47A36CCC5}" dt="2021-09-29T03:54:13.070" v="298" actId="1076"/>
-          <ac:spMkLst>
-            <pc:docMk/>
-            <pc:sldMk cId="1520747544" sldId="262"/>
-            <ac:spMk id="16" creationId="{EA2DF13A-E11F-4817-B472-6B40ED9D8414}"/>
-          </ac:spMkLst>
-        </pc:spChg>
-        <pc:spChg chg="add mod">
-          <ac:chgData name="Graydon Hall" userId="6ad8ef6fe9c5877e" providerId="LiveId" clId="{743B0715-C183-42DE-B6E5-38E47A36CCC5}" dt="2021-09-29T03:54:13.070" v="298" actId="1076"/>
-          <ac:spMkLst>
-            <pc:docMk/>
-            <pc:sldMk cId="1520747544" sldId="262"/>
-            <ac:spMk id="17" creationId="{49613BA1-EC39-4C9D-911C-822803A902C7}"/>
-          </ac:spMkLst>
-        </pc:spChg>
-        <pc:spChg chg="add mod">
-          <ac:chgData name="Graydon Hall" userId="6ad8ef6fe9c5877e" providerId="LiveId" clId="{743B0715-C183-42DE-B6E5-38E47A36CCC5}" dt="2021-09-29T03:54:13.070" v="298" actId="1076"/>
-          <ac:spMkLst>
-            <pc:docMk/>
-            <pc:sldMk cId="1520747544" sldId="262"/>
-            <ac:spMk id="18" creationId="{827B7BA2-81B6-42CB-8875-9F2B5C5394A7}"/>
-          </ac:spMkLst>
-        </pc:spChg>
-        <pc:spChg chg="add mod">
-          <ac:chgData name="Graydon Hall" userId="6ad8ef6fe9c5877e" providerId="LiveId" clId="{743B0715-C183-42DE-B6E5-38E47A36CCC5}" dt="2021-09-29T03:54:13.070" v="298" actId="1076"/>
-          <ac:spMkLst>
-            <pc:docMk/>
-            <pc:sldMk cId="1520747544" sldId="262"/>
-            <ac:spMk id="19" creationId="{EB91542B-7DF9-446A-B685-3FF42460CD15}"/>
-          </ac:spMkLst>
-        </pc:spChg>
-        <pc:spChg chg="add del mod ord">
-          <ac:chgData name="Graydon Hall" userId="6ad8ef6fe9c5877e" providerId="LiveId" clId="{743B0715-C183-42DE-B6E5-38E47A36CCC5}" dt="2021-09-29T03:48:14.259" v="195" actId="478"/>
-          <ac:spMkLst>
-            <pc:docMk/>
-            <pc:sldMk cId="1520747544" sldId="262"/>
-            <ac:spMk id="20" creationId="{03D617A6-3605-4403-A00D-192C92BE1038}"/>
-          </ac:spMkLst>
-        </pc:spChg>
-        <pc:spChg chg="add del mod">
-          <ac:chgData name="Graydon Hall" userId="6ad8ef6fe9c5877e" providerId="LiveId" clId="{743B0715-C183-42DE-B6E5-38E47A36CCC5}" dt="2021-09-29T03:36:21.730" v="18" actId="478"/>
-          <ac:spMkLst>
-            <pc:docMk/>
-            <pc:sldMk cId="1520747544" sldId="262"/>
-            <ac:spMk id="21" creationId="{E5DE45E8-EEB8-4482-89CA-29DA67379F18}"/>
-          </ac:spMkLst>
-        </pc:spChg>
-        <pc:spChg chg="add del mod">
-          <ac:chgData name="Graydon Hall" userId="6ad8ef6fe9c5877e" providerId="LiveId" clId="{743B0715-C183-42DE-B6E5-38E47A36CCC5}" dt="2021-09-29T03:36:19.082" v="14" actId="478"/>
-          <ac:spMkLst>
-            <pc:docMk/>
-            <pc:sldMk cId="1520747544" sldId="262"/>
-            <ac:spMk id="22" creationId="{F761A6F5-9B5F-4503-A48B-C066E03B23B0}"/>
-          </ac:spMkLst>
-        </pc:spChg>
-        <pc:spChg chg="add del mod">
-          <ac:chgData name="Graydon Hall" userId="6ad8ef6fe9c5877e" providerId="LiveId" clId="{743B0715-C183-42DE-B6E5-38E47A36CCC5}" dt="2021-09-29T03:36:20.874" v="17" actId="478"/>
-          <ac:spMkLst>
-            <pc:docMk/>
-            <pc:sldMk cId="1520747544" sldId="262"/>
-            <ac:spMk id="23" creationId="{989887C1-A93D-49F2-B8A0-193D9B94E14F}"/>
-          </ac:spMkLst>
-        </pc:spChg>
-        <pc:spChg chg="add mod">
-          <ac:chgData name="Graydon Hall" userId="6ad8ef6fe9c5877e" providerId="LiveId" clId="{743B0715-C183-42DE-B6E5-38E47A36CCC5}" dt="2021-09-29T03:54:13.070" v="298" actId="1076"/>
-          <ac:spMkLst>
-            <pc:docMk/>
-            <pc:sldMk cId="1520747544" sldId="262"/>
-            <ac:spMk id="24" creationId="{FD8706BD-108D-4ECE-80FA-00ED04CF3D8A}"/>
-          </ac:spMkLst>
-        </pc:spChg>
-        <pc:spChg chg="add mod">
-          <ac:chgData name="Graydon Hall" userId="6ad8ef6fe9c5877e" providerId="LiveId" clId="{743B0715-C183-42DE-B6E5-38E47A36CCC5}" dt="2021-09-29T03:54:13.070" v="298" actId="1076"/>
-          <ac:spMkLst>
-            <pc:docMk/>
-            <pc:sldMk cId="1520747544" sldId="262"/>
-            <ac:spMk id="25" creationId="{D874629E-BAB8-48EB-8538-631F7E8F7166}"/>
-          </ac:spMkLst>
-        </pc:spChg>
-        <pc:spChg chg="add mod">
-          <ac:chgData name="Graydon Hall" userId="6ad8ef6fe9c5877e" providerId="LiveId" clId="{743B0715-C183-42DE-B6E5-38E47A36CCC5}" dt="2021-09-29T03:54:13.070" v="298" actId="1076"/>
-          <ac:spMkLst>
-            <pc:docMk/>
-            <pc:sldMk cId="1520747544" sldId="262"/>
-            <ac:spMk id="26" creationId="{D60DACE1-0AE0-4851-B2F0-AFC7BC736D99}"/>
-          </ac:spMkLst>
-        </pc:spChg>
-        <pc:spChg chg="add del mod">
-          <ac:chgData name="Graydon Hall" userId="6ad8ef6fe9c5877e" providerId="LiveId" clId="{743B0715-C183-42DE-B6E5-38E47A36CCC5}" dt="2021-09-29T03:36:15.386" v="11" actId="478"/>
-          <ac:spMkLst>
-            <pc:docMk/>
-            <pc:sldMk cId="1520747544" sldId="262"/>
-            <ac:spMk id="27" creationId="{331319E9-FA3B-4F32-95FC-8CF792132737}"/>
-          </ac:spMkLst>
-        </pc:spChg>
-        <pc:spChg chg="add del mod">
-          <ac:chgData name="Graydon Hall" userId="6ad8ef6fe9c5877e" providerId="LiveId" clId="{743B0715-C183-42DE-B6E5-38E47A36CCC5}" dt="2021-09-29T03:36:19.816" v="15" actId="478"/>
-          <ac:spMkLst>
-            <pc:docMk/>
-            <pc:sldMk cId="1520747544" sldId="262"/>
-            <ac:spMk id="28" creationId="{5C8E1C9E-56A0-4C56-9D23-B7525279507E}"/>
-          </ac:spMkLst>
-        </pc:spChg>
-        <pc:spChg chg="add del mod">
-          <ac:chgData name="Graydon Hall" userId="6ad8ef6fe9c5877e" providerId="LiveId" clId="{743B0715-C183-42DE-B6E5-38E47A36CCC5}" dt="2021-09-29T03:36:20.409" v="16" actId="478"/>
-          <ac:spMkLst>
-            <pc:docMk/>
-            <pc:sldMk cId="1520747544" sldId="262"/>
-            <ac:spMk id="29" creationId="{3CD0DEED-BD3D-4727-8A5B-5BC716E76768}"/>
-          </ac:spMkLst>
-        </pc:spChg>
-        <pc:spChg chg="add mod">
-          <ac:chgData name="Graydon Hall" userId="6ad8ef6fe9c5877e" providerId="LiveId" clId="{743B0715-C183-42DE-B6E5-38E47A36CCC5}" dt="2021-09-29T03:50:39.468" v="264" actId="1035"/>
-          <ac:spMkLst>
-            <pc:docMk/>
-            <pc:sldMk cId="1520747544" sldId="262"/>
-            <ac:spMk id="30" creationId="{EF742BB3-B8CD-4214-A16D-995CA4C3A04F}"/>
-          </ac:spMkLst>
-        </pc:spChg>
-        <pc:spChg chg="add mod">
-          <ac:chgData name="Graydon Hall" userId="6ad8ef6fe9c5877e" providerId="LiveId" clId="{743B0715-C183-42DE-B6E5-38E47A36CCC5}" dt="2021-09-29T03:50:39.468" v="264" actId="1035"/>
-          <ac:spMkLst>
-            <pc:docMk/>
-            <pc:sldMk cId="1520747544" sldId="262"/>
-            <ac:spMk id="31" creationId="{195FFD83-D7D9-4459-9CF3-A18D5A7A4E5B}"/>
-          </ac:spMkLst>
-        </pc:spChg>
-        <pc:spChg chg="add mod">
-          <ac:chgData name="Graydon Hall" userId="6ad8ef6fe9c5877e" providerId="LiveId" clId="{743B0715-C183-42DE-B6E5-38E47A36CCC5}" dt="2021-09-29T03:50:39.468" v="264" actId="1035"/>
-          <ac:spMkLst>
-            <pc:docMk/>
-            <pc:sldMk cId="1520747544" sldId="262"/>
-            <ac:spMk id="32" creationId="{0F9B6971-E396-466B-968F-2B6C71A84C66}"/>
-          </ac:spMkLst>
-        </pc:spChg>
-        <pc:spChg chg="add mod ord">
-          <ac:chgData name="Graydon Hall" userId="6ad8ef6fe9c5877e" providerId="LiveId" clId="{743B0715-C183-42DE-B6E5-38E47A36CCC5}" dt="2021-09-29T03:54:13.070" v="298" actId="1076"/>
-          <ac:spMkLst>
-            <pc:docMk/>
-            <pc:sldMk cId="1520747544" sldId="262"/>
-            <ac:spMk id="33" creationId="{93034171-ED6B-48B6-89E7-6D43497F0D62}"/>
-          </ac:spMkLst>
-        </pc:spChg>
-        <pc:spChg chg="add del mod">
-          <ac:chgData name="Graydon Hall" userId="6ad8ef6fe9c5877e" providerId="LiveId" clId="{743B0715-C183-42DE-B6E5-38E47A36CCC5}" dt="2021-09-29T03:50:51.095" v="287" actId="478"/>
-          <ac:spMkLst>
-            <pc:docMk/>
-            <pc:sldMk cId="1520747544" sldId="262"/>
-            <ac:spMk id="34" creationId="{504E148F-17B4-487A-9380-824A592108EE}"/>
-          </ac:spMkLst>
-        </pc:spChg>
-        <pc:spChg chg="add del mod">
-          <ac:chgData name="Graydon Hall" userId="6ad8ef6fe9c5877e" providerId="LiveId" clId="{743B0715-C183-42DE-B6E5-38E47A36CCC5}" dt="2021-09-29T03:51:11.350" v="292" actId="478"/>
-          <ac:spMkLst>
-            <pc:docMk/>
-            <pc:sldMk cId="1520747544" sldId="262"/>
-            <ac:spMk id="35" creationId="{6789E424-B6B9-4097-AC0D-75D7E2D04051}"/>
-          </ac:spMkLst>
-        </pc:spChg>
-        <pc:spChg chg="add del mod">
-          <ac:chgData name="Graydon Hall" userId="6ad8ef6fe9c5877e" providerId="LiveId" clId="{743B0715-C183-42DE-B6E5-38E47A36CCC5}" dt="2021-09-29T03:51:11.350" v="292" actId="478"/>
-          <ac:spMkLst>
-            <pc:docMk/>
-            <pc:sldMk cId="1520747544" sldId="262"/>
-            <ac:spMk id="36" creationId="{353EC245-78FD-4B1A-8B4C-18445610632B}"/>
-          </ac:spMkLst>
-        </pc:spChg>
-        <pc:spChg chg="add del mod">
-          <ac:chgData name="Graydon Hall" userId="6ad8ef6fe9c5877e" providerId="LiveId" clId="{743B0715-C183-42DE-B6E5-38E47A36CCC5}" dt="2021-09-29T03:51:11.350" v="292" actId="478"/>
-          <ac:spMkLst>
-            <pc:docMk/>
-            <pc:sldMk cId="1520747544" sldId="262"/>
-            <ac:spMk id="37" creationId="{73157DFB-413B-47C5-8D98-374C7DF4B497}"/>
-          </ac:spMkLst>
-        </pc:spChg>
-        <pc:spChg chg="add del mod">
-          <ac:chgData name="Graydon Hall" userId="6ad8ef6fe9c5877e" providerId="LiveId" clId="{743B0715-C183-42DE-B6E5-38E47A36CCC5}" dt="2021-09-29T03:51:11.350" v="292" actId="478"/>
-          <ac:spMkLst>
-            <pc:docMk/>
-            <pc:sldMk cId="1520747544" sldId="262"/>
-            <ac:spMk id="38" creationId="{C5858F6A-2A1F-425D-9D84-23EF51AF084C}"/>
-          </ac:spMkLst>
-        </pc:spChg>
-        <pc:spChg chg="add del mod">
-          <ac:chgData name="Graydon Hall" userId="6ad8ef6fe9c5877e" providerId="LiveId" clId="{743B0715-C183-42DE-B6E5-38E47A36CCC5}" dt="2021-09-29T03:51:11.350" v="292" actId="478"/>
-          <ac:spMkLst>
-            <pc:docMk/>
-            <pc:sldMk cId="1520747544" sldId="262"/>
-            <ac:spMk id="39" creationId="{3BD4D860-3120-4518-B16A-0D50B93E3FC9}"/>
-          </ac:spMkLst>
-        </pc:spChg>
-        <pc:spChg chg="add del mod">
-          <ac:chgData name="Graydon Hall" userId="6ad8ef6fe9c5877e" providerId="LiveId" clId="{743B0715-C183-42DE-B6E5-38E47A36CCC5}" dt="2021-09-29T03:51:11.350" v="292" actId="478"/>
-          <ac:spMkLst>
-            <pc:docMk/>
-            <pc:sldMk cId="1520747544" sldId="262"/>
-            <ac:spMk id="40" creationId="{FEBC4595-2A2E-4D17-8399-378CD0498AAD}"/>
-          </ac:spMkLst>
-        </pc:spChg>
-        <pc:spChg chg="add del mod">
-          <ac:chgData name="Graydon Hall" userId="6ad8ef6fe9c5877e" providerId="LiveId" clId="{743B0715-C183-42DE-B6E5-38E47A36CCC5}" dt="2021-09-29T03:54:12.689" v="297" actId="478"/>
-          <ac:spMkLst>
-            <pc:docMk/>
-            <pc:sldMk cId="1520747544" sldId="262"/>
-            <ac:spMk id="41" creationId="{9F697075-3869-42C5-B2FA-DE2B053F13AC}"/>
-          </ac:spMkLst>
-        </pc:spChg>
-      </pc:sldChg>
-      <pc:sldChg chg="addSp delSp modSp add mod">
-        <pc:chgData name="Graydon Hall" userId="6ad8ef6fe9c5877e" providerId="LiveId" clId="{743B0715-C183-42DE-B6E5-38E47A36CCC5}" dt="2021-09-29T03:56:32.641" v="322"/>
-        <pc:sldMkLst>
-          <pc:docMk/>
-          <pc:sldMk cId="1503291825" sldId="263"/>
-        </pc:sldMkLst>
-        <pc:spChg chg="add">
-          <ac:chgData name="Graydon Hall" userId="6ad8ef6fe9c5877e" providerId="LiveId" clId="{743B0715-C183-42DE-B6E5-38E47A36CCC5}" dt="2021-09-29T03:55:34.344" v="315" actId="11529"/>
-          <ac:spMkLst>
-            <pc:docMk/>
-            <pc:sldMk cId="1503291825" sldId="263"/>
-            <ac:spMk id="2" creationId="{CFB07ECE-B2EE-4E70-B0DB-58855EAF98DE}"/>
-          </ac:spMkLst>
-        </pc:spChg>
-        <pc:spChg chg="add mod">
-          <ac:chgData name="Graydon Hall" userId="6ad8ef6fe9c5877e" providerId="LiveId" clId="{743B0715-C183-42DE-B6E5-38E47A36CCC5}" dt="2021-09-29T03:56:32.641" v="322"/>
-          <ac:spMkLst>
-            <pc:docMk/>
-            <pc:sldMk cId="1503291825" sldId="263"/>
-            <ac:spMk id="3" creationId="{3F7A1947-1946-4153-BCE6-A4B25865D7B6}"/>
-          </ac:spMkLst>
-        </pc:spChg>
-        <pc:spChg chg="mod">
-          <ac:chgData name="Graydon Hall" userId="6ad8ef6fe9c5877e" providerId="LiveId" clId="{743B0715-C183-42DE-B6E5-38E47A36CCC5}" dt="2021-09-29T03:54:33.356" v="303" actId="1076"/>
-          <ac:spMkLst>
-            <pc:docMk/>
-            <pc:sldMk cId="1503291825" sldId="263"/>
-            <ac:spMk id="4" creationId="{69D13A37-6B82-4C78-812F-D9D461CDC672}"/>
-          </ac:spMkLst>
-        </pc:spChg>
-        <pc:spChg chg="mod">
-          <ac:chgData name="Graydon Hall" userId="6ad8ef6fe9c5877e" providerId="LiveId" clId="{743B0715-C183-42DE-B6E5-38E47A36CCC5}" dt="2021-09-29T03:54:33.356" v="303" actId="1076"/>
-          <ac:spMkLst>
-            <pc:docMk/>
-            <pc:sldMk cId="1503291825" sldId="263"/>
-            <ac:spMk id="11" creationId="{ABE71181-B149-4EE3-8C57-DA344694D6C2}"/>
-          </ac:spMkLst>
-        </pc:spChg>
-        <pc:spChg chg="mod">
-          <ac:chgData name="Graydon Hall" userId="6ad8ef6fe9c5877e" providerId="LiveId" clId="{743B0715-C183-42DE-B6E5-38E47A36CCC5}" dt="2021-09-29T03:54:33.356" v="303" actId="1076"/>
-          <ac:spMkLst>
-            <pc:docMk/>
-            <pc:sldMk cId="1503291825" sldId="263"/>
-            <ac:spMk id="15" creationId="{37CEF823-64A2-4803-97BB-DE3BC2A56C3D}"/>
-          </ac:spMkLst>
-        </pc:spChg>
-        <pc:spChg chg="mod">
-          <ac:chgData name="Graydon Hall" userId="6ad8ef6fe9c5877e" providerId="LiveId" clId="{743B0715-C183-42DE-B6E5-38E47A36CCC5}" dt="2021-09-29T03:54:33.356" v="303" actId="1076"/>
-          <ac:spMkLst>
-            <pc:docMk/>
-            <pc:sldMk cId="1503291825" sldId="263"/>
-            <ac:spMk id="16" creationId="{EA2DF13A-E11F-4817-B472-6B40ED9D8414}"/>
-          </ac:spMkLst>
-        </pc:spChg>
-        <pc:spChg chg="mod">
-          <ac:chgData name="Graydon Hall" userId="6ad8ef6fe9c5877e" providerId="LiveId" clId="{743B0715-C183-42DE-B6E5-38E47A36CCC5}" dt="2021-09-29T03:54:41.588" v="305" actId="20577"/>
-          <ac:spMkLst>
-            <pc:docMk/>
-            <pc:sldMk cId="1503291825" sldId="263"/>
-            <ac:spMk id="17" creationId="{49613BA1-EC39-4C9D-911C-822803A902C7}"/>
-          </ac:spMkLst>
-        </pc:spChg>
-        <pc:spChg chg="del mod">
-          <ac:chgData name="Graydon Hall" userId="6ad8ef6fe9c5877e" providerId="LiveId" clId="{743B0715-C183-42DE-B6E5-38E47A36CCC5}" dt="2021-09-29T03:54:43.667" v="306" actId="478"/>
-          <ac:spMkLst>
-            <pc:docMk/>
-            <pc:sldMk cId="1503291825" sldId="263"/>
-            <ac:spMk id="18" creationId="{827B7BA2-81B6-42CB-8875-9F2B5C5394A7}"/>
-          </ac:spMkLst>
-        </pc:spChg>
-        <pc:spChg chg="mod">
-          <ac:chgData name="Graydon Hall" userId="6ad8ef6fe9c5877e" providerId="LiveId" clId="{743B0715-C183-42DE-B6E5-38E47A36CCC5}" dt="2021-09-29T03:54:33.356" v="303" actId="1076"/>
-          <ac:spMkLst>
-            <pc:docMk/>
-            <pc:sldMk cId="1503291825" sldId="263"/>
-            <ac:spMk id="19" creationId="{EB91542B-7DF9-446A-B685-3FF42460CD15}"/>
-          </ac:spMkLst>
-        </pc:spChg>
-        <pc:spChg chg="mod">
-          <ac:chgData name="Graydon Hall" userId="6ad8ef6fe9c5877e" providerId="LiveId" clId="{743B0715-C183-42DE-B6E5-38E47A36CCC5}" dt="2021-09-29T03:54:33.356" v="303" actId="1076"/>
-          <ac:spMkLst>
-            <pc:docMk/>
-            <pc:sldMk cId="1503291825" sldId="263"/>
-            <ac:spMk id="24" creationId="{FD8706BD-108D-4ECE-80FA-00ED04CF3D8A}"/>
-          </ac:spMkLst>
-        </pc:spChg>
-        <pc:spChg chg="mod">
-          <ac:chgData name="Graydon Hall" userId="6ad8ef6fe9c5877e" providerId="LiveId" clId="{743B0715-C183-42DE-B6E5-38E47A36CCC5}" dt="2021-09-29T03:54:33.356" v="303" actId="1076"/>
-          <ac:spMkLst>
-            <pc:docMk/>
-            <pc:sldMk cId="1503291825" sldId="263"/>
-            <ac:spMk id="25" creationId="{D874629E-BAB8-48EB-8538-631F7E8F7166}"/>
-          </ac:spMkLst>
-        </pc:spChg>
-        <pc:spChg chg="mod">
-          <ac:chgData name="Graydon Hall" userId="6ad8ef6fe9c5877e" providerId="LiveId" clId="{743B0715-C183-42DE-B6E5-38E47A36CCC5}" dt="2021-09-29T03:54:33.356" v="303" actId="1076"/>
-          <ac:spMkLst>
-            <pc:docMk/>
-            <pc:sldMk cId="1503291825" sldId="263"/>
-            <ac:spMk id="26" creationId="{D60DACE1-0AE0-4851-B2F0-AFC7BC736D99}"/>
-          </ac:spMkLst>
-        </pc:spChg>
-        <pc:spChg chg="add mod">
-          <ac:chgData name="Graydon Hall" userId="6ad8ef6fe9c5877e" providerId="LiveId" clId="{743B0715-C183-42DE-B6E5-38E47A36CCC5}" dt="2021-09-29T03:54:56.656" v="309" actId="1076"/>
-          <ac:spMkLst>
-            <pc:docMk/>
-            <pc:sldMk cId="1503291825" sldId="263"/>
-            <ac:spMk id="29" creationId="{47CAEDA8-D31E-4441-9798-ACABDF85CE4C}"/>
-          </ac:spMkLst>
-        </pc:spChg>
-        <pc:spChg chg="del mod">
-          <ac:chgData name="Graydon Hall" userId="6ad8ef6fe9c5877e" providerId="LiveId" clId="{743B0715-C183-42DE-B6E5-38E47A36CCC5}" dt="2021-09-29T03:54:47.052" v="307" actId="478"/>
-          <ac:spMkLst>
-            <pc:docMk/>
-            <pc:sldMk cId="1503291825" sldId="263"/>
-            <ac:spMk id="33" creationId="{93034171-ED6B-48B6-89E7-6D43497F0D62}"/>
-          </ac:spMkLst>
-        </pc:spChg>
-        <pc:spChg chg="add mod">
-          <ac:chgData name="Graydon Hall" userId="6ad8ef6fe9c5877e" providerId="LiveId" clId="{743B0715-C183-42DE-B6E5-38E47A36CCC5}" dt="2021-09-29T03:54:56.656" v="309" actId="1076"/>
-          <ac:spMkLst>
-            <pc:docMk/>
-            <pc:sldMk cId="1503291825" sldId="263"/>
-            <ac:spMk id="34" creationId="{B2F16374-3F83-43A2-8906-FFB94AB30597}"/>
-          </ac:spMkLst>
-        </pc:spChg>
-        <pc:spChg chg="del">
-          <ac:chgData name="Graydon Hall" userId="6ad8ef6fe9c5877e" providerId="LiveId" clId="{743B0715-C183-42DE-B6E5-38E47A36CCC5}" dt="2021-09-29T03:54:28.499" v="302" actId="478"/>
-          <ac:spMkLst>
-            <pc:docMk/>
-            <pc:sldMk cId="1503291825" sldId="263"/>
-            <ac:spMk id="35" creationId="{6789E424-B6B9-4097-AC0D-75D7E2D04051}"/>
-          </ac:spMkLst>
-        </pc:spChg>
-        <pc:spChg chg="del">
-          <ac:chgData name="Graydon Hall" userId="6ad8ef6fe9c5877e" providerId="LiveId" clId="{743B0715-C183-42DE-B6E5-38E47A36CCC5}" dt="2021-09-29T03:54:28.499" v="302" actId="478"/>
-          <ac:spMkLst>
-            <pc:docMk/>
-            <pc:sldMk cId="1503291825" sldId="263"/>
-            <ac:spMk id="36" creationId="{353EC245-78FD-4B1A-8B4C-18445610632B}"/>
-          </ac:spMkLst>
-        </pc:spChg>
-        <pc:spChg chg="del">
-          <ac:chgData name="Graydon Hall" userId="6ad8ef6fe9c5877e" providerId="LiveId" clId="{743B0715-C183-42DE-B6E5-38E47A36CCC5}" dt="2021-09-29T03:54:28.499" v="302" actId="478"/>
-          <ac:spMkLst>
-            <pc:docMk/>
-            <pc:sldMk cId="1503291825" sldId="263"/>
-            <ac:spMk id="37" creationId="{73157DFB-413B-47C5-8D98-374C7DF4B497}"/>
-          </ac:spMkLst>
-        </pc:spChg>
-        <pc:spChg chg="del">
-          <ac:chgData name="Graydon Hall" userId="6ad8ef6fe9c5877e" providerId="LiveId" clId="{743B0715-C183-42DE-B6E5-38E47A36CCC5}" dt="2021-09-29T03:54:28.499" v="302" actId="478"/>
-          <ac:spMkLst>
-            <pc:docMk/>
-            <pc:sldMk cId="1503291825" sldId="263"/>
-            <ac:spMk id="38" creationId="{C5858F6A-2A1F-425D-9D84-23EF51AF084C}"/>
-          </ac:spMkLst>
-        </pc:spChg>
-        <pc:spChg chg="del">
-          <ac:chgData name="Graydon Hall" userId="6ad8ef6fe9c5877e" providerId="LiveId" clId="{743B0715-C183-42DE-B6E5-38E47A36CCC5}" dt="2021-09-29T03:54:28.499" v="302" actId="478"/>
-          <ac:spMkLst>
-            <pc:docMk/>
-            <pc:sldMk cId="1503291825" sldId="263"/>
-            <ac:spMk id="39" creationId="{3BD4D860-3120-4518-B16A-0D50B93E3FC9}"/>
-          </ac:spMkLst>
-        </pc:spChg>
-        <pc:spChg chg="del">
-          <ac:chgData name="Graydon Hall" userId="6ad8ef6fe9c5877e" providerId="LiveId" clId="{743B0715-C183-42DE-B6E5-38E47A36CCC5}" dt="2021-09-29T03:54:28.499" v="302" actId="478"/>
-          <ac:spMkLst>
-            <pc:docMk/>
-            <pc:sldMk cId="1503291825" sldId="263"/>
-            <ac:spMk id="40" creationId="{FEBC4595-2A2E-4D17-8399-378CD0498AAD}"/>
-          </ac:spMkLst>
-        </pc:spChg>
-        <pc:spChg chg="add mod">
-          <ac:chgData name="Graydon Hall" userId="6ad8ef6fe9c5877e" providerId="LiveId" clId="{743B0715-C183-42DE-B6E5-38E47A36CCC5}" dt="2021-09-29T03:55:07.494" v="312"/>
-          <ac:spMkLst>
-            <pc:docMk/>
-            <pc:sldMk cId="1503291825" sldId="263"/>
-            <ac:spMk id="41" creationId="{DBF3B9B0-06CB-4339-9F91-A859FAB1956F}"/>
-          </ac:spMkLst>
-        </pc:spChg>
-        <pc:spChg chg="add mod">
-          <ac:chgData name="Graydon Hall" userId="6ad8ef6fe9c5877e" providerId="LiveId" clId="{743B0715-C183-42DE-B6E5-38E47A36CCC5}" dt="2021-09-29T03:54:56.656" v="309" actId="1076"/>
-          <ac:spMkLst>
-            <pc:docMk/>
-            <pc:sldMk cId="1503291825" sldId="263"/>
-            <ac:spMk id="42" creationId="{FB277E18-A725-43A5-A729-8909D4583D5E}"/>
-          </ac:spMkLst>
-        </pc:spChg>
-        <pc:spChg chg="add mod">
-          <ac:chgData name="Graydon Hall" userId="6ad8ef6fe9c5877e" providerId="LiveId" clId="{743B0715-C183-42DE-B6E5-38E47A36CCC5}" dt="2021-09-29T03:55:22.689" v="314" actId="20577"/>
-          <ac:spMkLst>
-            <pc:docMk/>
-            <pc:sldMk cId="1503291825" sldId="263"/>
-            <ac:spMk id="43" creationId="{2970151F-788A-48D6-A891-B1DD457E73EA}"/>
-          </ac:spMkLst>
-        </pc:spChg>
-        <pc:spChg chg="add del mod">
-          <ac:chgData name="Graydon Hall" userId="6ad8ef6fe9c5877e" providerId="LiveId" clId="{743B0715-C183-42DE-B6E5-38E47A36CCC5}" dt="2021-09-29T03:55:15.517" v="313" actId="478"/>
-          <ac:spMkLst>
-            <pc:docMk/>
-            <pc:sldMk cId="1503291825" sldId="263"/>
-            <ac:spMk id="44" creationId="{2B167A58-2A6F-42A3-83D6-8B11291C1983}"/>
-          </ac:spMkLst>
-        </pc:spChg>
-        <pc:spChg chg="add mod">
-          <ac:chgData name="Graydon Hall" userId="6ad8ef6fe9c5877e" providerId="LiveId" clId="{743B0715-C183-42DE-B6E5-38E47A36CCC5}" dt="2021-09-29T03:54:56.656" v="309" actId="1076"/>
-          <ac:spMkLst>
-            <pc:docMk/>
-            <pc:sldMk cId="1503291825" sldId="263"/>
-            <ac:spMk id="45" creationId="{52550F01-2117-470B-81A6-0B103B521802}"/>
-          </ac:spMkLst>
-        </pc:spChg>
-        <pc:spChg chg="add mod">
-          <ac:chgData name="Graydon Hall" userId="6ad8ef6fe9c5877e" providerId="LiveId" clId="{743B0715-C183-42DE-B6E5-38E47A36CCC5}" dt="2021-09-29T03:55:45.920" v="320" actId="207"/>
-          <ac:spMkLst>
-            <pc:docMk/>
-            <pc:sldMk cId="1503291825" sldId="263"/>
-            <ac:spMk id="46" creationId="{CC01F6B5-B11D-47C7-8A80-86751AEF2E34}"/>
-          </ac:spMkLst>
-        </pc:spChg>
-      </pc:sldChg>
-      <pc:sldChg chg="addSp delSp modSp add mod">
-        <pc:chgData name="Graydon Hall" userId="6ad8ef6fe9c5877e" providerId="LiveId" clId="{743B0715-C183-42DE-B6E5-38E47A36CCC5}" dt="2021-09-29T04:03:22.658" v="363" actId="20577"/>
-        <pc:sldMkLst>
-          <pc:docMk/>
-          <pc:sldMk cId="3452070991" sldId="264"/>
-        </pc:sldMkLst>
-        <pc:spChg chg="add mod">
-          <ac:chgData name="Graydon Hall" userId="6ad8ef6fe9c5877e" providerId="LiveId" clId="{743B0715-C183-42DE-B6E5-38E47A36CCC5}" dt="2021-09-29T04:01:24.047" v="349"/>
-          <ac:spMkLst>
-            <pc:docMk/>
-            <pc:sldMk cId="3452070991" sldId="264"/>
-            <ac:spMk id="2" creationId="{4B6CD77E-2848-4F7A-90F1-9D0E81791A95}"/>
-          </ac:spMkLst>
-        </pc:spChg>
-        <pc:spChg chg="mod">
-          <ac:chgData name="Graydon Hall" userId="6ad8ef6fe9c5877e" providerId="LiveId" clId="{743B0715-C183-42DE-B6E5-38E47A36CCC5}" dt="2021-09-29T04:03:22.658" v="363" actId="20577"/>
-          <ac:spMkLst>
-            <pc:docMk/>
-            <pc:sldMk cId="3452070991" sldId="264"/>
-            <ac:spMk id="11" creationId="{ABE71181-B149-4EE3-8C57-DA344694D6C2}"/>
-          </ac:spMkLst>
-        </pc:spChg>
-        <pc:spChg chg="mod">
-          <ac:chgData name="Graydon Hall" userId="6ad8ef6fe9c5877e" providerId="LiveId" clId="{743B0715-C183-42DE-B6E5-38E47A36CCC5}" dt="2021-09-29T03:59:30.762" v="334" actId="20577"/>
-          <ac:spMkLst>
-            <pc:docMk/>
-            <pc:sldMk cId="3452070991" sldId="264"/>
-            <ac:spMk id="17" creationId="{49613BA1-EC39-4C9D-911C-822803A902C7}"/>
-          </ac:spMkLst>
-        </pc:spChg>
-        <pc:spChg chg="mod">
-          <ac:chgData name="Graydon Hall" userId="6ad8ef6fe9c5877e" providerId="LiveId" clId="{743B0715-C183-42DE-B6E5-38E47A36CCC5}" dt="2021-09-29T03:59:50.673" v="342" actId="20577"/>
-          <ac:spMkLst>
-            <pc:docMk/>
-            <pc:sldMk cId="3452070991" sldId="264"/>
-            <ac:spMk id="18" creationId="{827B7BA2-81B6-42CB-8875-9F2B5C5394A7}"/>
-          </ac:spMkLst>
-        </pc:spChg>
-        <pc:spChg chg="mod">
-          <ac:chgData name="Graydon Hall" userId="6ad8ef6fe9c5877e" providerId="LiveId" clId="{743B0715-C183-42DE-B6E5-38E47A36CCC5}" dt="2021-09-29T03:59:40.325" v="335" actId="1076"/>
-          <ac:spMkLst>
-            <pc:docMk/>
-            <pc:sldMk cId="3452070991" sldId="264"/>
-            <ac:spMk id="24" creationId="{FD8706BD-108D-4ECE-80FA-00ED04CF3D8A}"/>
-          </ac:spMkLst>
-        </pc:spChg>
-        <pc:spChg chg="mod">
-          <ac:chgData name="Graydon Hall" userId="6ad8ef6fe9c5877e" providerId="LiveId" clId="{743B0715-C183-42DE-B6E5-38E47A36CCC5}" dt="2021-09-29T03:59:40.325" v="335" actId="1076"/>
-          <ac:spMkLst>
-            <pc:docMk/>
-            <pc:sldMk cId="3452070991" sldId="264"/>
-            <ac:spMk id="25" creationId="{D874629E-BAB8-48EB-8538-631F7E8F7166}"/>
-          </ac:spMkLst>
-        </pc:spChg>
-        <pc:spChg chg="mod">
-          <ac:chgData name="Graydon Hall" userId="6ad8ef6fe9c5877e" providerId="LiveId" clId="{743B0715-C183-42DE-B6E5-38E47A36CCC5}" dt="2021-09-29T03:59:40.325" v="335" actId="1076"/>
-          <ac:spMkLst>
-            <pc:docMk/>
-            <pc:sldMk cId="3452070991" sldId="264"/>
-            <ac:spMk id="26" creationId="{D60DACE1-0AE0-4851-B2F0-AFC7BC736D99}"/>
-          </ac:spMkLst>
-        </pc:spChg>
-        <pc:spChg chg="add mod">
-          <ac:chgData name="Graydon Hall" userId="6ad8ef6fe9c5877e" providerId="LiveId" clId="{743B0715-C183-42DE-B6E5-38E47A36CCC5}" dt="2021-09-29T03:59:54.570" v="347" actId="20577"/>
-          <ac:spMkLst>
-            <pc:docMk/>
-            <pc:sldMk cId="3452070991" sldId="264"/>
-            <ac:spMk id="29" creationId="{4B2BD078-5FAA-4A70-B0D7-F454270B9B12}"/>
-          </ac:spMkLst>
-        </pc:spChg>
-        <pc:spChg chg="mod">
-          <ac:chgData name="Graydon Hall" userId="6ad8ef6fe9c5877e" providerId="LiveId" clId="{743B0715-C183-42DE-B6E5-38E47A36CCC5}" dt="2021-09-29T04:01:38.713" v="352" actId="20577"/>
-          <ac:spMkLst>
-            <pc:docMk/>
-            <pc:sldMk cId="3452070991" sldId="264"/>
-            <ac:spMk id="33" creationId="{93034171-ED6B-48B6-89E7-6D43497F0D62}"/>
-          </ac:spMkLst>
-        </pc:spChg>
-        <pc:spChg chg="add mod">
-          <ac:chgData name="Graydon Hall" userId="6ad8ef6fe9c5877e" providerId="LiveId" clId="{743B0715-C183-42DE-B6E5-38E47A36CCC5}" dt="2021-09-29T04:01:33.073" v="351" actId="20577"/>
-          <ac:spMkLst>
-            <pc:docMk/>
-            <pc:sldMk cId="3452070991" sldId="264"/>
-            <ac:spMk id="34" creationId="{FD9CBD7F-6B57-4C32-B703-0677E0306882}"/>
-          </ac:spMkLst>
-        </pc:spChg>
-        <pc:spChg chg="mod">
-          <ac:chgData name="Graydon Hall" userId="6ad8ef6fe9c5877e" providerId="LiveId" clId="{743B0715-C183-42DE-B6E5-38E47A36CCC5}" dt="2021-09-29T03:59:13.786" v="326" actId="20577"/>
-          <ac:spMkLst>
-            <pc:docMk/>
-            <pc:sldMk cId="3452070991" sldId="264"/>
-            <ac:spMk id="35" creationId="{6789E424-B6B9-4097-AC0D-75D7E2D04051}"/>
-          </ac:spMkLst>
-        </pc:spChg>
-        <pc:spChg chg="mod">
-          <ac:chgData name="Graydon Hall" userId="6ad8ef6fe9c5877e" providerId="LiveId" clId="{743B0715-C183-42DE-B6E5-38E47A36CCC5}" dt="2021-09-29T04:01:50.623" v="355" actId="20577"/>
-          <ac:spMkLst>
-            <pc:docMk/>
-            <pc:sldMk cId="3452070991" sldId="264"/>
-            <ac:spMk id="36" creationId="{353EC245-78FD-4B1A-8B4C-18445610632B}"/>
-          </ac:spMkLst>
-        </pc:spChg>
-        <pc:spChg chg="mod">
-          <ac:chgData name="Graydon Hall" userId="6ad8ef6fe9c5877e" providerId="LiveId" clId="{743B0715-C183-42DE-B6E5-38E47A36CCC5}" dt="2021-09-29T04:01:48.022" v="354" actId="20577"/>
-          <ac:spMkLst>
-            <pc:docMk/>
-            <pc:sldMk cId="3452070991" sldId="264"/>
-            <ac:spMk id="37" creationId="{73157DFB-413B-47C5-8D98-374C7DF4B497}"/>
-          </ac:spMkLst>
-        </pc:spChg>
-        <pc:spChg chg="add del mod">
-          <ac:chgData name="Graydon Hall" userId="6ad8ef6fe9c5877e" providerId="LiveId" clId="{743B0715-C183-42DE-B6E5-38E47A36CCC5}" dt="2021-09-29T04:03:20.743" v="361"/>
-          <ac:spMkLst>
-            <pc:docMk/>
-            <pc:sldMk cId="3452070991" sldId="264"/>
-            <ac:spMk id="41" creationId="{E942651D-9FFB-4F16-934D-7ABCE9858DD5}"/>
-          </ac:spMkLst>
-        </pc:spChg>
-        <pc:spChg chg="add del mod">
-          <ac:chgData name="Graydon Hall" userId="6ad8ef6fe9c5877e" providerId="LiveId" clId="{743B0715-C183-42DE-B6E5-38E47A36CCC5}" dt="2021-09-29T04:03:20.743" v="361"/>
-          <ac:spMkLst>
-            <pc:docMk/>
-            <pc:sldMk cId="3452070991" sldId="264"/>
-            <ac:spMk id="42" creationId="{AF24D77E-B01B-4E14-9C9F-7ADB8E293025}"/>
-          </ac:spMkLst>
-        </pc:spChg>
-      </pc:sldChg>
-      <pc:sldChg chg="addSp delSp modSp add mod">
-        <pc:chgData name="Graydon Hall" userId="6ad8ef6fe9c5877e" providerId="LiveId" clId="{743B0715-C183-42DE-B6E5-38E47A36CCC5}" dt="2021-09-29T04:11:00.285" v="433" actId="20577"/>
-        <pc:sldMkLst>
-          <pc:docMk/>
-          <pc:sldMk cId="475903413" sldId="265"/>
-        </pc:sldMkLst>
-        <pc:spChg chg="del">
-          <ac:chgData name="Graydon Hall" userId="6ad8ef6fe9c5877e" providerId="LiveId" clId="{743B0715-C183-42DE-B6E5-38E47A36CCC5}" dt="2021-09-29T04:07:22.457" v="388" actId="478"/>
-          <ac:spMkLst>
-            <pc:docMk/>
-            <pc:sldMk cId="475903413" sldId="265"/>
-            <ac:spMk id="2" creationId="{4B6CD77E-2848-4F7A-90F1-9D0E81791A95}"/>
-          </ac:spMkLst>
-        </pc:spChg>
-        <pc:spChg chg="add mod">
-          <ac:chgData name="Graydon Hall" userId="6ad8ef6fe9c5877e" providerId="LiveId" clId="{743B0715-C183-42DE-B6E5-38E47A36CCC5}" dt="2021-09-29T04:04:06.051" v="370"/>
-          <ac:spMkLst>
-            <pc:docMk/>
-            <pc:sldMk cId="475903413" sldId="265"/>
-            <ac:spMk id="3" creationId="{50C5154F-1E29-41C9-AB4A-EF30F95A9C34}"/>
-          </ac:spMkLst>
-        </pc:spChg>
-        <pc:spChg chg="add mod">
-          <ac:chgData name="Graydon Hall" userId="6ad8ef6fe9c5877e" providerId="LiveId" clId="{743B0715-C183-42DE-B6E5-38E47A36CCC5}" dt="2021-09-29T04:07:50.355" v="391"/>
-          <ac:spMkLst>
-            <pc:docMk/>
-            <pc:sldMk cId="475903413" sldId="265"/>
-            <ac:spMk id="10" creationId="{BB876968-A14B-4621-AC26-79767253D9BF}"/>
-          </ac:spMkLst>
-        </pc:spChg>
-        <pc:spChg chg="mod">
-          <ac:chgData name="Graydon Hall" userId="6ad8ef6fe9c5877e" providerId="LiveId" clId="{743B0715-C183-42DE-B6E5-38E47A36CCC5}" dt="2021-09-29T04:03:27.098" v="366" actId="20577"/>
-          <ac:spMkLst>
-            <pc:docMk/>
-            <pc:sldMk cId="475903413" sldId="265"/>
-            <ac:spMk id="11" creationId="{ABE71181-B149-4EE3-8C57-DA344694D6C2}"/>
-          </ac:spMkLst>
-        </pc:spChg>
-        <pc:spChg chg="add mod">
-          <ac:chgData name="Graydon Hall" userId="6ad8ef6fe9c5877e" providerId="LiveId" clId="{743B0715-C183-42DE-B6E5-38E47A36CCC5}" dt="2021-09-29T04:09:34.716" v="410"/>
-          <ac:spMkLst>
-            <pc:docMk/>
-            <pc:sldMk cId="475903413" sldId="265"/>
-            <ac:spMk id="12" creationId="{3A7773A3-16BD-4776-84D2-8EE6CDE00FAD}"/>
-          </ac:spMkLst>
-        </pc:spChg>
-        <pc:spChg chg="mod">
-          <ac:chgData name="Graydon Hall" userId="6ad8ef6fe9c5877e" providerId="LiveId" clId="{743B0715-C183-42DE-B6E5-38E47A36CCC5}" dt="2021-09-29T04:06:31.969" v="387" actId="20577"/>
-          <ac:spMkLst>
-            <pc:docMk/>
-            <pc:sldMk cId="475903413" sldId="265"/>
-            <ac:spMk id="17" creationId="{49613BA1-EC39-4C9D-911C-822803A902C7}"/>
-          </ac:spMkLst>
-        </pc:spChg>
-        <pc:spChg chg="mod">
-          <ac:chgData name="Graydon Hall" userId="6ad8ef6fe9c5877e" providerId="LiveId" clId="{743B0715-C183-42DE-B6E5-38E47A36CCC5}" dt="2021-09-29T04:08:09.798" v="396" actId="20577"/>
-          <ac:spMkLst>
-            <pc:docMk/>
-            <pc:sldMk cId="475903413" sldId="265"/>
-            <ac:spMk id="18" creationId="{827B7BA2-81B6-42CB-8875-9F2B5C5394A7}"/>
-          </ac:spMkLst>
-        </pc:spChg>
-        <pc:spChg chg="del">
-          <ac:chgData name="Graydon Hall" userId="6ad8ef6fe9c5877e" providerId="LiveId" clId="{743B0715-C183-42DE-B6E5-38E47A36CCC5}" dt="2021-09-29T04:09:39.031" v="411" actId="478"/>
-          <ac:spMkLst>
-            <pc:docMk/>
-            <pc:sldMk cId="475903413" sldId="265"/>
-            <ac:spMk id="19" creationId="{EB91542B-7DF9-446A-B685-3FF42460CD15}"/>
-          </ac:spMkLst>
-        </pc:spChg>
-        <pc:spChg chg="add del mod">
-          <ac:chgData name="Graydon Hall" userId="6ad8ef6fe9c5877e" providerId="LiveId" clId="{743B0715-C183-42DE-B6E5-38E47A36CCC5}" dt="2021-09-29T04:08:41.736" v="405" actId="478"/>
-          <ac:spMkLst>
-            <pc:docMk/>
-            <pc:sldMk cId="475903413" sldId="265"/>
-            <ac:spMk id="29" creationId="{4B2BD078-5FAA-4A70-B0D7-F454270B9B12}"/>
-          </ac:spMkLst>
-        </pc:spChg>
-        <pc:spChg chg="add del mod">
-          <ac:chgData name="Graydon Hall" userId="6ad8ef6fe9c5877e" providerId="LiveId" clId="{743B0715-C183-42DE-B6E5-38E47A36CCC5}" dt="2021-09-29T04:08:44.824" v="406" actId="6549"/>
-          <ac:spMkLst>
-            <pc:docMk/>
-            <pc:sldMk cId="475903413" sldId="265"/>
-            <ac:spMk id="33" creationId="{93034171-ED6B-48B6-89E7-6D43497F0D62}"/>
-          </ac:spMkLst>
-        </pc:spChg>
-        <pc:spChg chg="add del">
-          <ac:chgData name="Graydon Hall" userId="6ad8ef6fe9c5877e" providerId="LiveId" clId="{743B0715-C183-42DE-B6E5-38E47A36CCC5}" dt="2021-09-29T04:08:40.210" v="403" actId="478"/>
-          <ac:spMkLst>
-            <pc:docMk/>
-            <pc:sldMk cId="475903413" sldId="265"/>
-            <ac:spMk id="34" creationId="{FD9CBD7F-6B57-4C32-B703-0677E0306882}"/>
-          </ac:spMkLst>
-        </pc:spChg>
-        <pc:spChg chg="mod">
-          <ac:chgData name="Graydon Hall" userId="6ad8ef6fe9c5877e" providerId="LiveId" clId="{743B0715-C183-42DE-B6E5-38E47A36CCC5}" dt="2021-09-29T04:05:04.466" v="379" actId="20577"/>
-          <ac:spMkLst>
-            <pc:docMk/>
-            <pc:sldMk cId="475903413" sldId="265"/>
-            <ac:spMk id="36" creationId="{353EC245-78FD-4B1A-8B4C-18445610632B}"/>
-          </ac:spMkLst>
-        </pc:spChg>
-        <pc:spChg chg="mod">
-          <ac:chgData name="Graydon Hall" userId="6ad8ef6fe9c5877e" providerId="LiveId" clId="{743B0715-C183-42DE-B6E5-38E47A36CCC5}" dt="2021-09-29T04:04:56.818" v="374" actId="20577"/>
-          <ac:spMkLst>
-            <pc:docMk/>
-            <pc:sldMk cId="475903413" sldId="265"/>
-            <ac:spMk id="37" creationId="{73157DFB-413B-47C5-8D98-374C7DF4B497}"/>
-          </ac:spMkLst>
-        </pc:spChg>
-        <pc:spChg chg="add mod">
-          <ac:chgData name="Graydon Hall" userId="6ad8ef6fe9c5877e" providerId="LiveId" clId="{743B0715-C183-42DE-B6E5-38E47A36CCC5}" dt="2021-09-29T04:04:10.389" v="371" actId="20577"/>
-          <ac:spMkLst>
-            <pc:docMk/>
-            <pc:sldMk cId="475903413" sldId="265"/>
-            <ac:spMk id="41" creationId="{298F900F-D4C7-438E-9E2C-759376E48C60}"/>
-          </ac:spMkLst>
-        </pc:spChg>
-        <pc:spChg chg="add mod">
-          <ac:chgData name="Graydon Hall" userId="6ad8ef6fe9c5877e" providerId="LiveId" clId="{743B0715-C183-42DE-B6E5-38E47A36CCC5}" dt="2021-09-29T04:03:37.041" v="368" actId="1076"/>
-          <ac:spMkLst>
-            <pc:docMk/>
-            <pc:sldMk cId="475903413" sldId="265"/>
-            <ac:spMk id="42" creationId="{E9144911-3DBE-471D-A0D7-BF3937DD3AE4}"/>
-          </ac:spMkLst>
-        </pc:spChg>
-        <pc:spChg chg="add mod">
-          <ac:chgData name="Graydon Hall" userId="6ad8ef6fe9c5877e" providerId="LiveId" clId="{743B0715-C183-42DE-B6E5-38E47A36CCC5}" dt="2021-09-29T04:03:37.041" v="368" actId="1076"/>
-          <ac:spMkLst>
-            <pc:docMk/>
-            <pc:sldMk cId="475903413" sldId="265"/>
-            <ac:spMk id="43" creationId="{E4C0EE3B-A371-45FF-B428-3DF70DE736DC}"/>
-          </ac:spMkLst>
-        </pc:spChg>
-        <pc:spChg chg="add mod">
-          <ac:chgData name="Graydon Hall" userId="6ad8ef6fe9c5877e" providerId="LiveId" clId="{743B0715-C183-42DE-B6E5-38E47A36CCC5}" dt="2021-09-29T04:08:49.685" v="408" actId="1076"/>
-          <ac:spMkLst>
-            <pc:docMk/>
-            <pc:sldMk cId="475903413" sldId="265"/>
-            <ac:spMk id="44" creationId="{FBBEB1BD-78EA-425E-9160-0B4F52E9B7F8}"/>
-          </ac:spMkLst>
-        </pc:spChg>
-        <pc:spChg chg="add del mod">
-          <ac:chgData name="Graydon Hall" userId="6ad8ef6fe9c5877e" providerId="LiveId" clId="{743B0715-C183-42DE-B6E5-38E47A36CCC5}" dt="2021-09-29T04:09:53.059" v="413"/>
-          <ac:spMkLst>
-            <pc:docMk/>
-            <pc:sldMk cId="475903413" sldId="265"/>
-            <ac:spMk id="45" creationId="{D5EECA03-9ED2-452C-9B09-BD5A87BABB00}"/>
-          </ac:spMkLst>
-        </pc:spChg>
-        <pc:spChg chg="add del mod">
-          <ac:chgData name="Graydon Hall" userId="6ad8ef6fe9c5877e" providerId="LiveId" clId="{743B0715-C183-42DE-B6E5-38E47A36CCC5}" dt="2021-09-29T04:09:53.059" v="413"/>
-          <ac:spMkLst>
-            <pc:docMk/>
-            <pc:sldMk cId="475903413" sldId="265"/>
-            <ac:spMk id="46" creationId="{A4F4AD71-BDA0-45DF-A810-FFF95AC295AA}"/>
-          </ac:spMkLst>
-        </pc:spChg>
-        <pc:spChg chg="add del mod">
-          <ac:chgData name="Graydon Hall" userId="6ad8ef6fe9c5877e" providerId="LiveId" clId="{743B0715-C183-42DE-B6E5-38E47A36CCC5}" dt="2021-09-29T04:10:03.912" v="417"/>
-          <ac:spMkLst>
-            <pc:docMk/>
-            <pc:sldMk cId="475903413" sldId="265"/>
-            <ac:spMk id="47" creationId="{3DC40DED-1442-4273-9E87-C06AF462697F}"/>
-          </ac:spMkLst>
-        </pc:spChg>
-        <pc:spChg chg="add del mod">
-          <ac:chgData name="Graydon Hall" userId="6ad8ef6fe9c5877e" providerId="LiveId" clId="{743B0715-C183-42DE-B6E5-38E47A36CCC5}" dt="2021-09-29T04:10:03.912" v="417"/>
-          <ac:spMkLst>
-            <pc:docMk/>
-            <pc:sldMk cId="475903413" sldId="265"/>
-            <ac:spMk id="48" creationId="{B57C08BC-AB12-4E06-82E5-82DCA481912A}"/>
-          </ac:spMkLst>
-        </pc:spChg>
-        <pc:spChg chg="add del mod">
-          <ac:chgData name="Graydon Hall" userId="6ad8ef6fe9c5877e" providerId="LiveId" clId="{743B0715-C183-42DE-B6E5-38E47A36CCC5}" dt="2021-09-29T04:10:03.912" v="417"/>
-          <ac:spMkLst>
-            <pc:docMk/>
-            <pc:sldMk cId="475903413" sldId="265"/>
-            <ac:spMk id="49" creationId="{D7B69D3F-050B-43FD-A30E-C44FF34A1232}"/>
-          </ac:spMkLst>
-        </pc:spChg>
-        <pc:spChg chg="add del mod">
-          <ac:chgData name="Graydon Hall" userId="6ad8ef6fe9c5877e" providerId="LiveId" clId="{743B0715-C183-42DE-B6E5-38E47A36CCC5}" dt="2021-09-29T04:10:03.912" v="417"/>
-          <ac:spMkLst>
-            <pc:docMk/>
-            <pc:sldMk cId="475903413" sldId="265"/>
-            <ac:spMk id="50" creationId="{F2ECC20C-20C1-4FD8-BA54-B571A78CFBB8}"/>
-          </ac:spMkLst>
-        </pc:spChg>
-        <pc:spChg chg="add del mod">
-          <ac:chgData name="Graydon Hall" userId="6ad8ef6fe9c5877e" providerId="LiveId" clId="{743B0715-C183-42DE-B6E5-38E47A36CCC5}" dt="2021-09-29T04:10:03.912" v="417"/>
-          <ac:spMkLst>
-            <pc:docMk/>
-            <pc:sldMk cId="475903413" sldId="265"/>
-            <ac:spMk id="51" creationId="{C2BBFC46-9F7C-4997-B209-940D9582251B}"/>
-          </ac:spMkLst>
-        </pc:spChg>
-        <pc:spChg chg="add del mod">
-          <ac:chgData name="Graydon Hall" userId="6ad8ef6fe9c5877e" providerId="LiveId" clId="{743B0715-C183-42DE-B6E5-38E47A36CCC5}" dt="2021-09-29T04:10:03.912" v="417"/>
-          <ac:spMkLst>
-            <pc:docMk/>
-            <pc:sldMk cId="475903413" sldId="265"/>
-            <ac:spMk id="52" creationId="{2E27FE5F-0B59-4381-992A-9A925A645D89}"/>
-          </ac:spMkLst>
-        </pc:spChg>
-        <pc:spChg chg="add mod">
-          <ac:chgData name="Graydon Hall" userId="6ad8ef6fe9c5877e" providerId="LiveId" clId="{743B0715-C183-42DE-B6E5-38E47A36CCC5}" dt="2021-09-29T04:10:25.282" v="424" actId="20577"/>
-          <ac:spMkLst>
-            <pc:docMk/>
-            <pc:sldMk cId="475903413" sldId="265"/>
-            <ac:spMk id="53" creationId="{D9F81400-6F37-4C1B-B698-24194E6DF251}"/>
-          </ac:spMkLst>
-        </pc:spChg>
-        <pc:spChg chg="add mod">
-          <ac:chgData name="Graydon Hall" userId="6ad8ef6fe9c5877e" providerId="LiveId" clId="{743B0715-C183-42DE-B6E5-38E47A36CCC5}" dt="2021-09-29T04:10:54.031" v="430" actId="20577"/>
-          <ac:spMkLst>
-            <pc:docMk/>
-            <pc:sldMk cId="475903413" sldId="265"/>
-            <ac:spMk id="54" creationId="{F9950071-B991-41D7-AEB4-7A57109E6914}"/>
-          </ac:spMkLst>
-        </pc:spChg>
-        <pc:spChg chg="add mod">
-          <ac:chgData name="Graydon Hall" userId="6ad8ef6fe9c5877e" providerId="LiveId" clId="{743B0715-C183-42DE-B6E5-38E47A36CCC5}" dt="2021-09-29T04:11:00.285" v="433" actId="20577"/>
-          <ac:spMkLst>
-            <pc:docMk/>
-            <pc:sldMk cId="475903413" sldId="265"/>
-            <ac:spMk id="55" creationId="{2E559632-59E2-494B-852C-4646E7C21BB3}"/>
-          </ac:spMkLst>
-        </pc:spChg>
-        <pc:spChg chg="add mod">
-          <ac:chgData name="Graydon Hall" userId="6ad8ef6fe9c5877e" providerId="LiveId" clId="{743B0715-C183-42DE-B6E5-38E47A36CCC5}" dt="2021-09-29T04:10:20.814" v="419" actId="1076"/>
-          <ac:spMkLst>
-            <pc:docMk/>
-            <pc:sldMk cId="475903413" sldId="265"/>
-            <ac:spMk id="56" creationId="{DE7D82FA-FDBA-45E9-A76D-2AA69F944433}"/>
-          </ac:spMkLst>
-        </pc:spChg>
-        <pc:spChg chg="add mod">
-          <ac:chgData name="Graydon Hall" userId="6ad8ef6fe9c5877e" providerId="LiveId" clId="{743B0715-C183-42DE-B6E5-38E47A36CCC5}" dt="2021-09-29T04:10:20.814" v="419" actId="1076"/>
-          <ac:spMkLst>
-            <pc:docMk/>
-            <pc:sldMk cId="475903413" sldId="265"/>
-            <ac:spMk id="57" creationId="{38D72753-A65A-4383-BBBB-F5970C0947F3}"/>
-          </ac:spMkLst>
-        </pc:spChg>
-        <pc:spChg chg="add mod">
-          <ac:chgData name="Graydon Hall" userId="6ad8ef6fe9c5877e" providerId="LiveId" clId="{743B0715-C183-42DE-B6E5-38E47A36CCC5}" dt="2021-09-29T04:10:20.814" v="419" actId="1076"/>
-          <ac:spMkLst>
-            <pc:docMk/>
-            <pc:sldMk cId="475903413" sldId="265"/>
-            <ac:spMk id="58" creationId="{79D77692-74EE-43F5-BE3C-FA9C83850A5E}"/>
-          </ac:spMkLst>
-        </pc:spChg>
-      </pc:sldChg>
-      <pc:sldChg chg="addSp delSp modSp add mod">
-        <pc:chgData name="Graydon Hall" userId="6ad8ef6fe9c5877e" providerId="LiveId" clId="{743B0715-C183-42DE-B6E5-38E47A36CCC5}" dt="2021-09-29T21:20:11.944" v="863" actId="14100"/>
-        <pc:sldMkLst>
-          <pc:docMk/>
-          <pc:sldMk cId="1926971169" sldId="266"/>
-        </pc:sldMkLst>
-        <pc:spChg chg="add del mod">
-          <ac:chgData name="Graydon Hall" userId="6ad8ef6fe9c5877e" providerId="LiveId" clId="{743B0715-C183-42DE-B6E5-38E47A36CCC5}" dt="2021-09-29T20:43:42.637" v="635" actId="478"/>
-          <ac:spMkLst>
-            <pc:docMk/>
-            <pc:sldMk cId="1926971169" sldId="266"/>
-            <ac:spMk id="2" creationId="{D4A8BE6F-AE52-443C-AB03-E905C606BC40}"/>
-          </ac:spMkLst>
-        </pc:spChg>
-        <pc:spChg chg="del">
-          <ac:chgData name="Graydon Hall" userId="6ad8ef6fe9c5877e" providerId="LiveId" clId="{743B0715-C183-42DE-B6E5-38E47A36CCC5}" dt="2021-09-29T20:26:13.066" v="446" actId="478"/>
-          <ac:spMkLst>
-            <pc:docMk/>
-            <pc:sldMk cId="1926971169" sldId="266"/>
-            <ac:spMk id="3" creationId="{50C5154F-1E29-41C9-AB4A-EF30F95A9C34}"/>
-          </ac:spMkLst>
-        </pc:spChg>
-        <pc:spChg chg="mod">
-          <ac:chgData name="Graydon Hall" userId="6ad8ef6fe9c5877e" providerId="LiveId" clId="{743B0715-C183-42DE-B6E5-38E47A36CCC5}" dt="2021-09-29T21:20:11.944" v="863" actId="14100"/>
-          <ac:spMkLst>
-            <pc:docMk/>
-            <pc:sldMk cId="1926971169" sldId="266"/>
-            <ac:spMk id="4" creationId="{69D13A37-6B82-4C78-812F-D9D461CDC672}"/>
-          </ac:spMkLst>
-        </pc:spChg>
-        <pc:spChg chg="add del mod">
-          <ac:chgData name="Graydon Hall" userId="6ad8ef6fe9c5877e" providerId="LiveId" clId="{743B0715-C183-42DE-B6E5-38E47A36CCC5}" dt="2021-09-29T20:44:22.632" v="680" actId="1037"/>
-          <ac:spMkLst>
-            <pc:docMk/>
-            <pc:sldMk cId="1926971169" sldId="266"/>
-            <ac:spMk id="5" creationId="{03DF7978-60AD-4CDE-AE09-356BACC0D746}"/>
-          </ac:spMkLst>
-        </pc:spChg>
-        <pc:spChg chg="mod">
-          <ac:chgData name="Graydon Hall" userId="6ad8ef6fe9c5877e" providerId="LiveId" clId="{743B0715-C183-42DE-B6E5-38E47A36CCC5}" dt="2021-09-29T20:44:22.632" v="680" actId="1037"/>
-          <ac:spMkLst>
-            <pc:docMk/>
-            <pc:sldMk cId="1926971169" sldId="266"/>
-            <ac:spMk id="6" creationId="{D0C80474-6657-418A-AAF9-A633C8AA8512}"/>
-          </ac:spMkLst>
-        </pc:spChg>
-        <pc:spChg chg="mod">
-          <ac:chgData name="Graydon Hall" userId="6ad8ef6fe9c5877e" providerId="LiveId" clId="{743B0715-C183-42DE-B6E5-38E47A36CCC5}" dt="2021-09-29T20:44:22.632" v="680" actId="1037"/>
-          <ac:spMkLst>
-            <pc:docMk/>
-            <pc:sldMk cId="1926971169" sldId="266"/>
-            <ac:spMk id="7" creationId="{8CC65CAA-2539-4C2F-AA0D-22449388221A}"/>
-          </ac:spMkLst>
-        </pc:spChg>
-        <pc:spChg chg="mod">
-          <ac:chgData name="Graydon Hall" userId="6ad8ef6fe9c5877e" providerId="LiveId" clId="{743B0715-C183-42DE-B6E5-38E47A36CCC5}" dt="2021-09-29T20:44:22.632" v="680" actId="1037"/>
-          <ac:spMkLst>
-            <pc:docMk/>
-            <pc:sldMk cId="1926971169" sldId="266"/>
-            <ac:spMk id="8" creationId="{0C3EEB79-1F74-45CC-A601-42B51BB496C7}"/>
-          </ac:spMkLst>
-        </pc:spChg>
-        <pc:spChg chg="mod">
-          <ac:chgData name="Graydon Hall" userId="6ad8ef6fe9c5877e" providerId="LiveId" clId="{743B0715-C183-42DE-B6E5-38E47A36CCC5}" dt="2021-09-29T20:44:22.632" v="680" actId="1037"/>
-          <ac:spMkLst>
-            <pc:docMk/>
-            <pc:sldMk cId="1926971169" sldId="266"/>
-            <ac:spMk id="9" creationId="{700D8949-7BEC-4E7B-8872-67D2E91315EC}"/>
-          </ac:spMkLst>
-        </pc:spChg>
-        <pc:spChg chg="del">
-          <ac:chgData name="Graydon Hall" userId="6ad8ef6fe9c5877e" providerId="LiveId" clId="{743B0715-C183-42DE-B6E5-38E47A36CCC5}" dt="2021-09-29T20:26:27.825" v="459" actId="478"/>
-          <ac:spMkLst>
-            <pc:docMk/>
-            <pc:sldMk cId="1926971169" sldId="266"/>
-            <ac:spMk id="10" creationId="{BB876968-A14B-4621-AC26-79767253D9BF}"/>
-          </ac:spMkLst>
-        </pc:spChg>
-        <pc:spChg chg="mod">
-          <ac:chgData name="Graydon Hall" userId="6ad8ef6fe9c5877e" providerId="LiveId" clId="{743B0715-C183-42DE-B6E5-38E47A36CCC5}" dt="2021-09-29T21:07:17.823" v="761" actId="14100"/>
-          <ac:spMkLst>
-            <pc:docMk/>
-            <pc:sldMk cId="1926971169" sldId="266"/>
-            <ac:spMk id="11" creationId="{ABE71181-B149-4EE3-8C57-DA344694D6C2}"/>
-          </ac:spMkLst>
-        </pc:spChg>
-        <pc:spChg chg="add del">
-          <ac:chgData name="Graydon Hall" userId="6ad8ef6fe9c5877e" providerId="LiveId" clId="{743B0715-C183-42DE-B6E5-38E47A36CCC5}" dt="2021-09-29T20:26:18.809" v="451" actId="478"/>
-          <ac:spMkLst>
-            <pc:docMk/>
-            <pc:sldMk cId="1926971169" sldId="266"/>
-            <ac:spMk id="12" creationId="{3A7773A3-16BD-4776-84D2-8EE6CDE00FAD}"/>
-          </ac:spMkLst>
-        </pc:spChg>
-        <pc:spChg chg="mod">
-          <ac:chgData name="Graydon Hall" userId="6ad8ef6fe9c5877e" providerId="LiveId" clId="{743B0715-C183-42DE-B6E5-38E47A36CCC5}" dt="2021-09-29T20:44:22.632" v="680" actId="1037"/>
-          <ac:spMkLst>
-            <pc:docMk/>
-            <pc:sldMk cId="1926971169" sldId="266"/>
-            <ac:spMk id="13" creationId="{1485229A-BE5D-445C-A29D-2095B03DF662}"/>
-          </ac:spMkLst>
-        </pc:spChg>
-        <pc:spChg chg="mod">
-          <ac:chgData name="Graydon Hall" userId="6ad8ef6fe9c5877e" providerId="LiveId" clId="{743B0715-C183-42DE-B6E5-38E47A36CCC5}" dt="2021-09-29T20:44:22.632" v="680" actId="1037"/>
-          <ac:spMkLst>
-            <pc:docMk/>
-            <pc:sldMk cId="1926971169" sldId="266"/>
-            <ac:spMk id="14" creationId="{8E3A9A45-B3AF-48DC-B12C-05C16FE7B083}"/>
-          </ac:spMkLst>
-        </pc:spChg>
-        <pc:spChg chg="mod">
-          <ac:chgData name="Graydon Hall" userId="6ad8ef6fe9c5877e" providerId="LiveId" clId="{743B0715-C183-42DE-B6E5-38E47A36CCC5}" dt="2021-09-29T20:44:22.632" v="680" actId="1037"/>
-          <ac:spMkLst>
-            <pc:docMk/>
-            <pc:sldMk cId="1926971169" sldId="266"/>
-            <ac:spMk id="15" creationId="{37CEF823-64A2-4803-97BB-DE3BC2A56C3D}"/>
-          </ac:spMkLst>
-        </pc:spChg>
-        <pc:spChg chg="mod">
-          <ac:chgData name="Graydon Hall" userId="6ad8ef6fe9c5877e" providerId="LiveId" clId="{743B0715-C183-42DE-B6E5-38E47A36CCC5}" dt="2021-09-29T20:44:22.632" v="680" actId="1037"/>
-          <ac:spMkLst>
-            <pc:docMk/>
-            <pc:sldMk cId="1926971169" sldId="266"/>
-            <ac:spMk id="16" creationId="{EA2DF13A-E11F-4817-B472-6B40ED9D8414}"/>
-          </ac:spMkLst>
-        </pc:spChg>
-        <pc:spChg chg="mod">
-          <ac:chgData name="Graydon Hall" userId="6ad8ef6fe9c5877e" providerId="LiveId" clId="{743B0715-C183-42DE-B6E5-38E47A36CCC5}" dt="2021-09-29T20:44:22.632" v="680" actId="1037"/>
-          <ac:spMkLst>
-            <pc:docMk/>
-            <pc:sldMk cId="1926971169" sldId="266"/>
-            <ac:spMk id="17" creationId="{49613BA1-EC39-4C9D-911C-822803A902C7}"/>
-          </ac:spMkLst>
-        </pc:spChg>
-        <pc:spChg chg="mod">
-          <ac:chgData name="Graydon Hall" userId="6ad8ef6fe9c5877e" providerId="LiveId" clId="{743B0715-C183-42DE-B6E5-38E47A36CCC5}" dt="2021-09-29T20:44:22.632" v="680" actId="1037"/>
-          <ac:spMkLst>
-            <pc:docMk/>
-            <pc:sldMk cId="1926971169" sldId="266"/>
-            <ac:spMk id="18" creationId="{827B7BA2-81B6-42CB-8875-9F2B5C5394A7}"/>
-          </ac:spMkLst>
-        </pc:spChg>
-        <pc:spChg chg="add mod">
-          <ac:chgData name="Graydon Hall" userId="6ad8ef6fe9c5877e" providerId="LiveId" clId="{743B0715-C183-42DE-B6E5-38E47A36CCC5}" dt="2021-09-29T20:44:22.632" v="680" actId="1037"/>
-          <ac:spMkLst>
-            <pc:docMk/>
-            <pc:sldMk cId="1926971169" sldId="266"/>
-            <ac:spMk id="19" creationId="{46F5181C-BDBC-4AB8-83A7-972C3E6E24F4}"/>
-          </ac:spMkLst>
-        </pc:spChg>
-        <pc:spChg chg="add del">
-          <ac:chgData name="Graydon Hall" userId="6ad8ef6fe9c5877e" providerId="LiveId" clId="{743B0715-C183-42DE-B6E5-38E47A36CCC5}" dt="2021-09-29T20:34:11.209" v="529" actId="478"/>
-          <ac:spMkLst>
-            <pc:docMk/>
-            <pc:sldMk cId="1926971169" sldId="266"/>
-            <ac:spMk id="20" creationId="{FFADF4CE-54C7-481F-AE31-BE49D855788E}"/>
-          </ac:spMkLst>
-        </pc:spChg>
-        <pc:spChg chg="add del mod">
-          <ac:chgData name="Graydon Hall" userId="6ad8ef6fe9c5877e" providerId="LiveId" clId="{743B0715-C183-42DE-B6E5-38E47A36CCC5}" dt="2021-09-29T20:43:43.485" v="636" actId="478"/>
-          <ac:spMkLst>
-            <pc:docMk/>
-            <pc:sldMk cId="1926971169" sldId="266"/>
-            <ac:spMk id="21" creationId="{0449EE8F-E3D5-4E5E-92CD-4BAAB7C91D6F}"/>
-          </ac:spMkLst>
-        </pc:spChg>
-        <pc:spChg chg="mod">
-          <ac:chgData name="Graydon Hall" userId="6ad8ef6fe9c5877e" providerId="LiveId" clId="{743B0715-C183-42DE-B6E5-38E47A36CCC5}" dt="2021-09-29T20:44:22.632" v="680" actId="1037"/>
-          <ac:spMkLst>
-            <pc:docMk/>
-            <pc:sldMk cId="1926971169" sldId="266"/>
-            <ac:spMk id="24" creationId="{FD8706BD-108D-4ECE-80FA-00ED04CF3D8A}"/>
-          </ac:spMkLst>
-        </pc:spChg>
-        <pc:spChg chg="mod">
-          <ac:chgData name="Graydon Hall" userId="6ad8ef6fe9c5877e" providerId="LiveId" clId="{743B0715-C183-42DE-B6E5-38E47A36CCC5}" dt="2021-09-29T20:44:22.632" v="680" actId="1037"/>
-          <ac:spMkLst>
-            <pc:docMk/>
-            <pc:sldMk cId="1926971169" sldId="266"/>
-            <ac:spMk id="25" creationId="{D874629E-BAB8-48EB-8538-631F7E8F7166}"/>
-          </ac:spMkLst>
-        </pc:spChg>
-        <pc:spChg chg="mod">
-          <ac:chgData name="Graydon Hall" userId="6ad8ef6fe9c5877e" providerId="LiveId" clId="{743B0715-C183-42DE-B6E5-38E47A36CCC5}" dt="2021-09-29T20:44:22.632" v="680" actId="1037"/>
-          <ac:spMkLst>
-            <pc:docMk/>
-            <pc:sldMk cId="1926971169" sldId="266"/>
-            <ac:spMk id="26" creationId="{D60DACE1-0AE0-4851-B2F0-AFC7BC736D99}"/>
-          </ac:spMkLst>
-        </pc:spChg>
-        <pc:spChg chg="add mod">
-          <ac:chgData name="Graydon Hall" userId="6ad8ef6fe9c5877e" providerId="LiveId" clId="{743B0715-C183-42DE-B6E5-38E47A36CCC5}" dt="2021-09-29T20:44:50.259" v="682"/>
-          <ac:spMkLst>
-            <pc:docMk/>
-            <pc:sldMk cId="1926971169" sldId="266"/>
-            <ac:spMk id="29" creationId="{38FB2998-D17F-4C72-9B49-F8CF82A51658}"/>
-          </ac:spMkLst>
-        </pc:spChg>
-        <pc:spChg chg="mod">
-          <ac:chgData name="Graydon Hall" userId="6ad8ef6fe9c5877e" providerId="LiveId" clId="{743B0715-C183-42DE-B6E5-38E47A36CCC5}" dt="2021-09-29T20:44:22.632" v="680" actId="1037"/>
-          <ac:spMkLst>
-            <pc:docMk/>
-            <pc:sldMk cId="1926971169" sldId="266"/>
-            <ac:spMk id="30" creationId="{EF742BB3-B8CD-4214-A16D-995CA4C3A04F}"/>
-          </ac:spMkLst>
-        </pc:spChg>
-        <pc:spChg chg="mod">
-          <ac:chgData name="Graydon Hall" userId="6ad8ef6fe9c5877e" providerId="LiveId" clId="{743B0715-C183-42DE-B6E5-38E47A36CCC5}" dt="2021-09-29T20:44:22.632" v="680" actId="1037"/>
-          <ac:spMkLst>
-            <pc:docMk/>
-            <pc:sldMk cId="1926971169" sldId="266"/>
-            <ac:spMk id="31" creationId="{195FFD83-D7D9-4459-9CF3-A18D5A7A4E5B}"/>
-          </ac:spMkLst>
-        </pc:spChg>
-        <pc:spChg chg="mod">
-          <ac:chgData name="Graydon Hall" userId="6ad8ef6fe9c5877e" providerId="LiveId" clId="{743B0715-C183-42DE-B6E5-38E47A36CCC5}" dt="2021-09-29T20:44:22.632" v="680" actId="1037"/>
-          <ac:spMkLst>
-            <pc:docMk/>
-            <pc:sldMk cId="1926971169" sldId="266"/>
-            <ac:spMk id="32" creationId="{0F9B6971-E396-466B-968F-2B6C71A84C66}"/>
-          </ac:spMkLst>
-        </pc:spChg>
-        <pc:spChg chg="mod">
-          <ac:chgData name="Graydon Hall" userId="6ad8ef6fe9c5877e" providerId="LiveId" clId="{743B0715-C183-42DE-B6E5-38E47A36CCC5}" dt="2021-09-29T20:44:22.632" v="680" actId="1037"/>
-          <ac:spMkLst>
-            <pc:docMk/>
-            <pc:sldMk cId="1926971169" sldId="266"/>
-            <ac:spMk id="33" creationId="{93034171-ED6B-48B6-89E7-6D43497F0D62}"/>
-          </ac:spMkLst>
-        </pc:spChg>
-        <pc:spChg chg="add mod">
-          <ac:chgData name="Graydon Hall" userId="6ad8ef6fe9c5877e" providerId="LiveId" clId="{743B0715-C183-42DE-B6E5-38E47A36CCC5}" dt="2021-09-29T20:45:10.871" v="684"/>
-          <ac:spMkLst>
-            <pc:docMk/>
-            <pc:sldMk cId="1926971169" sldId="266"/>
-            <ac:spMk id="34" creationId="{5B4DDA67-D56E-4B37-A84F-BEF454B9EAA2}"/>
-          </ac:spMkLst>
-        </pc:spChg>
-        <pc:spChg chg="del">
-          <ac:chgData name="Graydon Hall" userId="6ad8ef6fe9c5877e" providerId="LiveId" clId="{743B0715-C183-42DE-B6E5-38E47A36CCC5}" dt="2021-09-29T20:26:26.441" v="458" actId="478"/>
-          <ac:spMkLst>
-            <pc:docMk/>
-            <pc:sldMk cId="1926971169" sldId="266"/>
-            <ac:spMk id="35" creationId="{6789E424-B6B9-4097-AC0D-75D7E2D04051}"/>
-          </ac:spMkLst>
-        </pc:spChg>
-        <pc:spChg chg="del">
-          <ac:chgData name="Graydon Hall" userId="6ad8ef6fe9c5877e" providerId="LiveId" clId="{743B0715-C183-42DE-B6E5-38E47A36CCC5}" dt="2021-09-29T20:26:22.250" v="453" actId="478"/>
-          <ac:spMkLst>
-            <pc:docMk/>
-            <pc:sldMk cId="1926971169" sldId="266"/>
-            <ac:spMk id="36" creationId="{353EC245-78FD-4B1A-8B4C-18445610632B}"/>
-          </ac:spMkLst>
-        </pc:spChg>
-        <pc:spChg chg="del">
-          <ac:chgData name="Graydon Hall" userId="6ad8ef6fe9c5877e" providerId="LiveId" clId="{743B0715-C183-42DE-B6E5-38E47A36CCC5}" dt="2021-09-29T20:26:23.961" v="455" actId="478"/>
-          <ac:spMkLst>
-            <pc:docMk/>
-            <pc:sldMk cId="1926971169" sldId="266"/>
-            <ac:spMk id="37" creationId="{73157DFB-413B-47C5-8D98-374C7DF4B497}"/>
-          </ac:spMkLst>
-        </pc:spChg>
-        <pc:spChg chg="del mod">
-          <ac:chgData name="Graydon Hall" userId="6ad8ef6fe9c5877e" providerId="LiveId" clId="{743B0715-C183-42DE-B6E5-38E47A36CCC5}" dt="2021-09-29T20:26:25.338" v="457" actId="478"/>
-          <ac:spMkLst>
-            <pc:docMk/>
-            <pc:sldMk cId="1926971169" sldId="266"/>
-            <ac:spMk id="38" creationId="{C5858F6A-2A1F-425D-9D84-23EF51AF084C}"/>
-          </ac:spMkLst>
-        </pc:spChg>
-        <pc:spChg chg="del">
-          <ac:chgData name="Graydon Hall" userId="6ad8ef6fe9c5877e" providerId="LiveId" clId="{743B0715-C183-42DE-B6E5-38E47A36CCC5}" dt="2021-09-29T20:26:20.914" v="452" actId="478"/>
-          <ac:spMkLst>
-            <pc:docMk/>
-            <pc:sldMk cId="1926971169" sldId="266"/>
-            <ac:spMk id="39" creationId="{3BD4D860-3120-4518-B16A-0D50B93E3FC9}"/>
-          </ac:spMkLst>
-        </pc:spChg>
-        <pc:spChg chg="del">
-          <ac:chgData name="Graydon Hall" userId="6ad8ef6fe9c5877e" providerId="LiveId" clId="{743B0715-C183-42DE-B6E5-38E47A36CCC5}" dt="2021-09-29T20:26:23.010" v="454" actId="478"/>
-          <ac:spMkLst>
-            <pc:docMk/>
-            <pc:sldMk cId="1926971169" sldId="266"/>
-            <ac:spMk id="40" creationId="{FEBC4595-2A2E-4D17-8399-378CD0498AAD}"/>
-          </ac:spMkLst>
-        </pc:spChg>
-        <pc:spChg chg="del">
-          <ac:chgData name="Graydon Hall" userId="6ad8ef6fe9c5877e" providerId="LiveId" clId="{743B0715-C183-42DE-B6E5-38E47A36CCC5}" dt="2021-09-29T20:26:30.970" v="460" actId="478"/>
-          <ac:spMkLst>
-            <pc:docMk/>
-            <pc:sldMk cId="1926971169" sldId="266"/>
-            <ac:spMk id="41" creationId="{298F900F-D4C7-438E-9E2C-759376E48C60}"/>
-          </ac:spMkLst>
-        </pc:spChg>
-        <pc:spChg chg="del">
-          <ac:chgData name="Graydon Hall" userId="6ad8ef6fe9c5877e" providerId="LiveId" clId="{743B0715-C183-42DE-B6E5-38E47A36CCC5}" dt="2021-09-29T20:26:09.713" v="445" actId="478"/>
-          <ac:spMkLst>
-            <pc:docMk/>
-            <pc:sldMk cId="1926971169" sldId="266"/>
-            <ac:spMk id="42" creationId="{E9144911-3DBE-471D-A0D7-BF3937DD3AE4}"/>
-          </ac:spMkLst>
-        </pc:spChg>
-        <pc:spChg chg="del">
-          <ac:chgData name="Graydon Hall" userId="6ad8ef6fe9c5877e" providerId="LiveId" clId="{743B0715-C183-42DE-B6E5-38E47A36CCC5}" dt="2021-09-29T20:26:06.626" v="444" actId="478"/>
-          <ac:spMkLst>
-            <pc:docMk/>
-            <pc:sldMk cId="1926971169" sldId="266"/>
-            <ac:spMk id="43" creationId="{E4C0EE3B-A371-45FF-B428-3DF70DE736DC}"/>
-          </ac:spMkLst>
-        </pc:spChg>
-        <pc:spChg chg="mod">
-          <ac:chgData name="Graydon Hall" userId="6ad8ef6fe9c5877e" providerId="LiveId" clId="{743B0715-C183-42DE-B6E5-38E47A36CCC5}" dt="2021-09-29T20:44:22.632" v="680" actId="1037"/>
-          <ac:spMkLst>
-            <pc:docMk/>
-            <pc:sldMk cId="1926971169" sldId="266"/>
-            <ac:spMk id="44" creationId="{FBBEB1BD-78EA-425E-9160-0B4F52E9B7F8}"/>
-          </ac:spMkLst>
-        </pc:spChg>
-        <pc:spChg chg="add mod">
-          <ac:chgData name="Graydon Hall" userId="6ad8ef6fe9c5877e" providerId="LiveId" clId="{743B0715-C183-42DE-B6E5-38E47A36CCC5}" dt="2021-09-29T20:44:22.632" v="680" actId="1037"/>
-          <ac:spMkLst>
-            <pc:docMk/>
-            <pc:sldMk cId="1926971169" sldId="266"/>
-            <ac:spMk id="45" creationId="{4C45101B-86CB-4372-B945-F57608A2AA11}"/>
-          </ac:spMkLst>
-        </pc:spChg>
-        <pc:spChg chg="add mod">
-          <ac:chgData name="Graydon Hall" userId="6ad8ef6fe9c5877e" providerId="LiveId" clId="{743B0715-C183-42DE-B6E5-38E47A36CCC5}" dt="2021-09-29T20:43:52.280" v="637" actId="164"/>
-          <ac:spMkLst>
-            <pc:docMk/>
-            <pc:sldMk cId="1926971169" sldId="266"/>
-            <ac:spMk id="46" creationId="{05C9C61F-B640-4679-BE12-3DFCDF58112B}"/>
-          </ac:spMkLst>
-        </pc:spChg>
-        <pc:spChg chg="add mod">
-          <ac:chgData name="Graydon Hall" userId="6ad8ef6fe9c5877e" providerId="LiveId" clId="{743B0715-C183-42DE-B6E5-38E47A36CCC5}" dt="2021-09-29T20:43:52.280" v="637" actId="164"/>
-          <ac:spMkLst>
-            <pc:docMk/>
-            <pc:sldMk cId="1926971169" sldId="266"/>
-            <ac:spMk id="47" creationId="{8115181F-D416-4F87-8CDB-F72C7031F5D7}"/>
-          </ac:spMkLst>
-        </pc:spChg>
-        <pc:spChg chg="add mod">
-          <ac:chgData name="Graydon Hall" userId="6ad8ef6fe9c5877e" providerId="LiveId" clId="{743B0715-C183-42DE-B6E5-38E47A36CCC5}" dt="2021-09-29T20:43:52.280" v="637" actId="164"/>
-          <ac:spMkLst>
-            <pc:docMk/>
-            <pc:sldMk cId="1926971169" sldId="266"/>
-            <ac:spMk id="48" creationId="{A0ED181C-DE1C-426B-BCEC-FE0D0DEC008B}"/>
-          </ac:spMkLst>
-        </pc:spChg>
-        <pc:spChg chg="add mod">
-          <ac:chgData name="Graydon Hall" userId="6ad8ef6fe9c5877e" providerId="LiveId" clId="{743B0715-C183-42DE-B6E5-38E47A36CCC5}" dt="2021-09-29T20:43:52.280" v="637" actId="164"/>
-          <ac:spMkLst>
-            <pc:docMk/>
-            <pc:sldMk cId="1926971169" sldId="266"/>
-            <ac:spMk id="49" creationId="{755C86C8-F3E9-4833-92A9-475500C325BF}"/>
-          </ac:spMkLst>
-        </pc:spChg>
-        <pc:spChg chg="add mod">
-          <ac:chgData name="Graydon Hall" userId="6ad8ef6fe9c5877e" providerId="LiveId" clId="{743B0715-C183-42DE-B6E5-38E47A36CCC5}" dt="2021-09-29T20:43:58.960" v="638" actId="164"/>
-          <ac:spMkLst>
-            <pc:docMk/>
-            <pc:sldMk cId="1926971169" sldId="266"/>
-            <ac:spMk id="50" creationId="{BBBE8330-51ED-4050-AACA-8D1EC6E50002}"/>
-          </ac:spMkLst>
-        </pc:spChg>
-        <pc:spChg chg="add mod">
-          <ac:chgData name="Graydon Hall" userId="6ad8ef6fe9c5877e" providerId="LiveId" clId="{743B0715-C183-42DE-B6E5-38E47A36CCC5}" dt="2021-09-29T20:43:58.960" v="638" actId="164"/>
-          <ac:spMkLst>
-            <pc:docMk/>
-            <pc:sldMk cId="1926971169" sldId="266"/>
-            <ac:spMk id="51" creationId="{7B32BDA2-1B42-4640-8999-5D5B485C1015}"/>
-          </ac:spMkLst>
-        </pc:spChg>
-        <pc:spChg chg="add mod">
-          <ac:chgData name="Graydon Hall" userId="6ad8ef6fe9c5877e" providerId="LiveId" clId="{743B0715-C183-42DE-B6E5-38E47A36CCC5}" dt="2021-09-29T20:43:58.960" v="638" actId="164"/>
-          <ac:spMkLst>
-            <pc:docMk/>
-            <pc:sldMk cId="1926971169" sldId="266"/>
-            <ac:spMk id="52" creationId="{4E427078-5565-496F-A1CA-0938297574EF}"/>
-          </ac:spMkLst>
-        </pc:spChg>
-        <pc:spChg chg="del">
-          <ac:chgData name="Graydon Hall" userId="6ad8ef6fe9c5877e" providerId="LiveId" clId="{743B0715-C183-42DE-B6E5-38E47A36CCC5}" dt="2021-09-29T20:37:10.337" v="570" actId="478"/>
-          <ac:spMkLst>
-            <pc:docMk/>
-            <pc:sldMk cId="1926971169" sldId="266"/>
-            <ac:spMk id="53" creationId="{D9F81400-6F37-4C1B-B698-24194E6DF251}"/>
-          </ac:spMkLst>
-        </pc:spChg>
-        <pc:spChg chg="del">
-          <ac:chgData name="Graydon Hall" userId="6ad8ef6fe9c5877e" providerId="LiveId" clId="{743B0715-C183-42DE-B6E5-38E47A36CCC5}" dt="2021-09-29T20:37:14.191" v="573" actId="478"/>
-          <ac:spMkLst>
-            <pc:docMk/>
-            <pc:sldMk cId="1926971169" sldId="266"/>
-            <ac:spMk id="54" creationId="{F9950071-B991-41D7-AEB4-7A57109E6914}"/>
-          </ac:spMkLst>
-        </pc:spChg>
-        <pc:spChg chg="del">
-          <ac:chgData name="Graydon Hall" userId="6ad8ef6fe9c5877e" providerId="LiveId" clId="{743B0715-C183-42DE-B6E5-38E47A36CCC5}" dt="2021-09-29T20:37:14.911" v="574" actId="478"/>
-          <ac:spMkLst>
-            <pc:docMk/>
-            <pc:sldMk cId="1926971169" sldId="266"/>
-            <ac:spMk id="55" creationId="{2E559632-59E2-494B-852C-4646E7C21BB3}"/>
-          </ac:spMkLst>
-        </pc:spChg>
-        <pc:spChg chg="del mod">
-          <ac:chgData name="Graydon Hall" userId="6ad8ef6fe9c5877e" providerId="LiveId" clId="{743B0715-C183-42DE-B6E5-38E47A36CCC5}" dt="2021-09-29T20:37:16.791" v="576" actId="478"/>
-          <ac:spMkLst>
-            <pc:docMk/>
-            <pc:sldMk cId="1926971169" sldId="266"/>
-            <ac:spMk id="56" creationId="{DE7D82FA-FDBA-45E9-A76D-2AA69F944433}"/>
-          </ac:spMkLst>
-        </pc:spChg>
-        <pc:spChg chg="del">
-          <ac:chgData name="Graydon Hall" userId="6ad8ef6fe9c5877e" providerId="LiveId" clId="{743B0715-C183-42DE-B6E5-38E47A36CCC5}" dt="2021-09-29T20:37:13.584" v="572" actId="478"/>
-          <ac:spMkLst>
-            <pc:docMk/>
-            <pc:sldMk cId="1926971169" sldId="266"/>
-            <ac:spMk id="57" creationId="{38D72753-A65A-4383-BBBB-F5970C0947F3}"/>
-          </ac:spMkLst>
-        </pc:spChg>
-        <pc:spChg chg="del">
-          <ac:chgData name="Graydon Hall" userId="6ad8ef6fe9c5877e" providerId="LiveId" clId="{743B0715-C183-42DE-B6E5-38E47A36CCC5}" dt="2021-09-29T20:37:11.695" v="571" actId="478"/>
-          <ac:spMkLst>
-            <pc:docMk/>
-            <pc:sldMk cId="1926971169" sldId="266"/>
-            <ac:spMk id="58" creationId="{79D77692-74EE-43F5-BE3C-FA9C83850A5E}"/>
-          </ac:spMkLst>
-        </pc:spChg>
-        <pc:spChg chg="add mod">
-          <ac:chgData name="Graydon Hall" userId="6ad8ef6fe9c5877e" providerId="LiveId" clId="{743B0715-C183-42DE-B6E5-38E47A36CCC5}" dt="2021-09-29T20:43:58.960" v="638" actId="164"/>
-          <ac:spMkLst>
-            <pc:docMk/>
-            <pc:sldMk cId="1926971169" sldId="266"/>
-            <ac:spMk id="59" creationId="{6F2A98B4-56A3-4374-8EF8-0B6D1FCB1B8F}"/>
-          </ac:spMkLst>
-        </pc:spChg>
-        <pc:spChg chg="add mod">
-          <ac:chgData name="Graydon Hall" userId="6ad8ef6fe9c5877e" providerId="LiveId" clId="{743B0715-C183-42DE-B6E5-38E47A36CCC5}" dt="2021-09-29T20:43:58.960" v="638" actId="164"/>
-          <ac:spMkLst>
-            <pc:docMk/>
-            <pc:sldMk cId="1926971169" sldId="266"/>
-            <ac:spMk id="60" creationId="{99AEE20E-0EB9-4748-8620-B897086F8DCF}"/>
-          </ac:spMkLst>
-        </pc:spChg>
-        <pc:spChg chg="add mod">
-          <ac:chgData name="Graydon Hall" userId="6ad8ef6fe9c5877e" providerId="LiveId" clId="{743B0715-C183-42DE-B6E5-38E47A36CCC5}" dt="2021-09-29T20:43:52.280" v="637" actId="164"/>
-          <ac:spMkLst>
-            <pc:docMk/>
-            <pc:sldMk cId="1926971169" sldId="266"/>
-            <ac:spMk id="61" creationId="{42FCE60A-0C47-44FD-B094-B4ABECD30FAD}"/>
-          </ac:spMkLst>
-        </pc:spChg>
-        <pc:spChg chg="add mod">
-          <ac:chgData name="Graydon Hall" userId="6ad8ef6fe9c5877e" providerId="LiveId" clId="{743B0715-C183-42DE-B6E5-38E47A36CCC5}" dt="2021-09-29T20:44:22.632" v="680" actId="1037"/>
-          <ac:spMkLst>
-            <pc:docMk/>
-            <pc:sldMk cId="1926971169" sldId="266"/>
-            <ac:spMk id="62" creationId="{08F4FC4F-C543-4D94-9FDC-6413490F35C0}"/>
-          </ac:spMkLst>
-        </pc:spChg>
-        <pc:spChg chg="add mod">
-          <ac:chgData name="Graydon Hall" userId="6ad8ef6fe9c5877e" providerId="LiveId" clId="{743B0715-C183-42DE-B6E5-38E47A36CCC5}" dt="2021-09-29T20:50:10.807" v="726" actId="14100"/>
-          <ac:spMkLst>
-            <pc:docMk/>
-            <pc:sldMk cId="1926971169" sldId="266"/>
-            <ac:spMk id="64" creationId="{E3D9BFA3-15AC-470E-B521-DA6A705C6EE6}"/>
-          </ac:spMkLst>
-        </pc:spChg>
-        <pc:spChg chg="add mod">
-          <ac:chgData name="Graydon Hall" userId="6ad8ef6fe9c5877e" providerId="LiveId" clId="{743B0715-C183-42DE-B6E5-38E47A36CCC5}" dt="2021-09-29T20:44:22.632" v="680" actId="1037"/>
-          <ac:spMkLst>
-            <pc:docMk/>
-            <pc:sldMk cId="1926971169" sldId="266"/>
-            <ac:spMk id="65" creationId="{C3C116B7-ECF0-40C4-AB07-13E60A9F076A}"/>
-          </ac:spMkLst>
-        </pc:spChg>
-        <pc:grpChg chg="add mod">
-          <ac:chgData name="Graydon Hall" userId="6ad8ef6fe9c5877e" providerId="LiveId" clId="{743B0715-C183-42DE-B6E5-38E47A36CCC5}" dt="2021-09-29T20:44:22.632" v="680" actId="1037"/>
-          <ac:grpSpMkLst>
-            <pc:docMk/>
-            <pc:sldMk cId="1926971169" sldId="266"/>
-            <ac:grpSpMk id="27" creationId="{11D2D4C4-A335-4340-B4E2-DFEB0CC5DFA3}"/>
-          </ac:grpSpMkLst>
-        </pc:grpChg>
-        <pc:grpChg chg="add mod">
-          <ac:chgData name="Graydon Hall" userId="6ad8ef6fe9c5877e" providerId="LiveId" clId="{743B0715-C183-42DE-B6E5-38E47A36CCC5}" dt="2021-09-29T20:44:22.632" v="680" actId="1037"/>
-          <ac:grpSpMkLst>
-            <pc:docMk/>
-            <pc:sldMk cId="1926971169" sldId="266"/>
-            <ac:grpSpMk id="28" creationId="{F55E8291-14D0-4A93-8D05-79A67F8C9FA2}"/>
-          </ac:grpSpMkLst>
-        </pc:grpChg>
-        <pc:cxnChg chg="add mod">
-          <ac:chgData name="Graydon Hall" userId="6ad8ef6fe9c5877e" providerId="LiveId" clId="{743B0715-C183-42DE-B6E5-38E47A36CCC5}" dt="2021-09-29T20:44:22.632" v="680" actId="1037"/>
-          <ac:cxnSpMkLst>
-            <pc:docMk/>
-            <pc:sldMk cId="1926971169" sldId="266"/>
-            <ac:cxnSpMk id="23" creationId="{BD2AF247-FA6A-47D0-BFFE-57376CE4A841}"/>
-          </ac:cxnSpMkLst>
-        </pc:cxnChg>
-        <pc:cxnChg chg="add mod">
-          <ac:chgData name="Graydon Hall" userId="6ad8ef6fe9c5877e" providerId="LiveId" clId="{743B0715-C183-42DE-B6E5-38E47A36CCC5}" dt="2021-09-29T20:44:22.632" v="680" actId="1037"/>
-          <ac:cxnSpMkLst>
-            <pc:docMk/>
-            <pc:sldMk cId="1926971169" sldId="266"/>
-            <ac:cxnSpMk id="63" creationId="{C5E59C9E-F31F-45D6-ADE4-E022B9951E87}"/>
-          </ac:cxnSpMkLst>
-        </pc:cxnChg>
-      </pc:sldChg>
-      <pc:sldChg chg="addSp delSp modSp add mod">
-        <pc:chgData name="Graydon Hall" userId="6ad8ef6fe9c5877e" providerId="LiveId" clId="{743B0715-C183-42DE-B6E5-38E47A36CCC5}" dt="2021-09-30T19:01:02.145" v="3791" actId="1076"/>
-        <pc:sldMkLst>
-          <pc:docMk/>
-          <pc:sldMk cId="665027416" sldId="267"/>
-        </pc:sldMkLst>
-        <pc:spChg chg="add mod">
-          <ac:chgData name="Graydon Hall" userId="6ad8ef6fe9c5877e" providerId="LiveId" clId="{743B0715-C183-42DE-B6E5-38E47A36CCC5}" dt="2021-09-30T15:24:08.573" v="1028" actId="20577"/>
-          <ac:spMkLst>
-            <pc:docMk/>
-            <pc:sldMk cId="665027416" sldId="267"/>
-            <ac:spMk id="3" creationId="{41A71E7B-0281-4DFF-8DCB-9EB68AB3A83C}"/>
-          </ac:spMkLst>
-        </pc:spChg>
-        <pc:spChg chg="add del mod">
-          <ac:chgData name="Graydon Hall" userId="6ad8ef6fe9c5877e" providerId="LiveId" clId="{743B0715-C183-42DE-B6E5-38E47A36CCC5}" dt="2021-09-29T21:03:52.374" v="755" actId="478"/>
-          <ac:spMkLst>
-            <pc:docMk/>
-            <pc:sldMk cId="665027416" sldId="267"/>
-            <ac:spMk id="3" creationId="{EEE26ACF-4149-4229-A2B8-A26EBC031B00}"/>
-          </ac:spMkLst>
-        </pc:spChg>
-        <pc:spChg chg="mod">
-          <ac:chgData name="Graydon Hall" userId="6ad8ef6fe9c5877e" providerId="LiveId" clId="{743B0715-C183-42DE-B6E5-38E47A36CCC5}" dt="2021-09-29T21:20:05.013" v="861" actId="14100"/>
-          <ac:spMkLst>
-            <pc:docMk/>
-            <pc:sldMk cId="665027416" sldId="267"/>
-            <ac:spMk id="4" creationId="{69D13A37-6B82-4C78-812F-D9D461CDC672}"/>
-          </ac:spMkLst>
-        </pc:spChg>
-        <pc:spChg chg="mod">
-          <ac:chgData name="Graydon Hall" userId="6ad8ef6fe9c5877e" providerId="LiveId" clId="{743B0715-C183-42DE-B6E5-38E47A36CCC5}" dt="2021-09-29T21:09:34.002" v="765" actId="1076"/>
-          <ac:spMkLst>
-            <pc:docMk/>
-            <pc:sldMk cId="665027416" sldId="267"/>
-            <ac:spMk id="5" creationId="{03DF7978-60AD-4CDE-AE09-356BACC0D746}"/>
-          </ac:spMkLst>
-        </pc:spChg>
-        <pc:spChg chg="add mod">
-          <ac:chgData name="Graydon Hall" userId="6ad8ef6fe9c5877e" providerId="LiveId" clId="{743B0715-C183-42DE-B6E5-38E47A36CCC5}" dt="2021-09-30T19:00:51.358" v="3788" actId="208"/>
-          <ac:spMkLst>
-            <pc:docMk/>
-            <pc:sldMk cId="665027416" sldId="267"/>
-            <ac:spMk id="10" creationId="{6A13B73C-A4D9-4388-A369-3FD4A51C9DC6}"/>
-          </ac:spMkLst>
-        </pc:spChg>
-        <pc:spChg chg="add del mod">
-          <ac:chgData name="Graydon Hall" userId="6ad8ef6fe9c5877e" providerId="LiveId" clId="{743B0715-C183-42DE-B6E5-38E47A36CCC5}" dt="2021-09-29T21:11:55.806" v="777" actId="478"/>
-          <ac:spMkLst>
-            <pc:docMk/>
-            <pc:sldMk cId="665027416" sldId="267"/>
-            <ac:spMk id="10" creationId="{C7323650-FC6D-4288-9B3C-A0D021E9A22B}"/>
-          </ac:spMkLst>
-        </pc:spChg>
-        <pc:spChg chg="mod">
-          <ac:chgData name="Graydon Hall" userId="6ad8ef6fe9c5877e" providerId="LiveId" clId="{743B0715-C183-42DE-B6E5-38E47A36CCC5}" dt="2021-09-30T18:52:30.362" v="3699" actId="20577"/>
-          <ac:spMkLst>
-            <pc:docMk/>
-            <pc:sldMk cId="665027416" sldId="267"/>
-            <ac:spMk id="11" creationId="{ABE71181-B149-4EE3-8C57-DA344694D6C2}"/>
-          </ac:spMkLst>
-        </pc:spChg>
-        <pc:spChg chg="add del mod">
-          <ac:chgData name="Graydon Hall" userId="6ad8ef6fe9c5877e" providerId="LiveId" clId="{743B0715-C183-42DE-B6E5-38E47A36CCC5}" dt="2021-09-29T21:09:42.203" v="767" actId="478"/>
-          <ac:spMkLst>
-            <pc:docMk/>
-            <pc:sldMk cId="665027416" sldId="267"/>
-            <ac:spMk id="12" creationId="{E0063739-BA67-4EBC-85B3-BD7315FE2425}"/>
-          </ac:spMkLst>
-        </pc:spChg>
-        <pc:spChg chg="mod">
-          <ac:chgData name="Graydon Hall" userId="6ad8ef6fe9c5877e" providerId="LiveId" clId="{743B0715-C183-42DE-B6E5-38E47A36CCC5}" dt="2021-09-29T21:02:47.553" v="746" actId="164"/>
-          <ac:spMkLst>
-            <pc:docMk/>
-            <pc:sldMk cId="665027416" sldId="267"/>
-            <ac:spMk id="13" creationId="{1485229A-BE5D-445C-A29D-2095B03DF662}"/>
-          </ac:spMkLst>
-        </pc:spChg>
-        <pc:spChg chg="mod">
-          <ac:chgData name="Graydon Hall" userId="6ad8ef6fe9c5877e" providerId="LiveId" clId="{743B0715-C183-42DE-B6E5-38E47A36CCC5}" dt="2021-09-29T21:02:47.553" v="746" actId="164"/>
-          <ac:spMkLst>
-            <pc:docMk/>
-            <pc:sldMk cId="665027416" sldId="267"/>
-            <ac:spMk id="14" creationId="{8E3A9A45-B3AF-48DC-B12C-05C16FE7B083}"/>
-          </ac:spMkLst>
-        </pc:spChg>
-        <pc:spChg chg="del mod">
-          <ac:chgData name="Graydon Hall" userId="6ad8ef6fe9c5877e" providerId="LiveId" clId="{743B0715-C183-42DE-B6E5-38E47A36CCC5}" dt="2021-09-29T21:03:07.788" v="751" actId="478"/>
-          <ac:spMkLst>
-            <pc:docMk/>
-            <pc:sldMk cId="665027416" sldId="267"/>
-            <ac:spMk id="19" creationId="{46F5181C-BDBC-4AB8-83A7-972C3E6E24F4}"/>
-          </ac:spMkLst>
-        </pc:spChg>
-        <pc:spChg chg="add mod">
-          <ac:chgData name="Graydon Hall" userId="6ad8ef6fe9c5877e" providerId="LiveId" clId="{743B0715-C183-42DE-B6E5-38E47A36CCC5}" dt="2021-09-29T21:10:05.764" v="770"/>
-          <ac:spMkLst>
-            <pc:docMk/>
-            <pc:sldMk cId="665027416" sldId="267"/>
-            <ac:spMk id="20" creationId="{547FE1C0-78F6-4E38-B7FA-BB0544F84C4A}"/>
-          </ac:spMkLst>
-        </pc:spChg>
-        <pc:spChg chg="add mod">
-          <ac:chgData name="Graydon Hall" userId="6ad8ef6fe9c5877e" providerId="LiveId" clId="{743B0715-C183-42DE-B6E5-38E47A36CCC5}" dt="2021-09-29T21:10:56.430" v="776"/>
-          <ac:spMkLst>
-            <pc:docMk/>
-            <pc:sldMk cId="665027416" sldId="267"/>
-            <ac:spMk id="21" creationId="{12A2866F-70E5-49E4-BFF8-F99E0F0959F9}"/>
-          </ac:spMkLst>
-        </pc:spChg>
-        <pc:spChg chg="add del">
-          <ac:chgData name="Graydon Hall" userId="6ad8ef6fe9c5877e" providerId="LiveId" clId="{743B0715-C183-42DE-B6E5-38E47A36CCC5}" dt="2021-09-29T21:12:14.016" v="779" actId="478"/>
-          <ac:spMkLst>
-            <pc:docMk/>
-            <pc:sldMk cId="665027416" sldId="267"/>
-            <ac:spMk id="22" creationId="{38B7A0C4-3A5F-4FC1-8205-205036E04C8C}"/>
-          </ac:spMkLst>
-        </pc:spChg>
-        <pc:spChg chg="mod">
-          <ac:chgData name="Graydon Hall" userId="6ad8ef6fe9c5877e" providerId="LiveId" clId="{743B0715-C183-42DE-B6E5-38E47A36CCC5}" dt="2021-09-29T21:01:38.898" v="742" actId="206"/>
-          <ac:spMkLst>
-            <pc:docMk/>
-            <pc:sldMk cId="665027416" sldId="267"/>
-            <ac:spMk id="29" creationId="{38FB2998-D17F-4C72-9B49-F8CF82A51658}"/>
-          </ac:spMkLst>
-        </pc:spChg>
-        <pc:spChg chg="mod">
-          <ac:chgData name="Graydon Hall" userId="6ad8ef6fe9c5877e" providerId="LiveId" clId="{743B0715-C183-42DE-B6E5-38E47A36CCC5}" dt="2021-09-29T21:02:47.553" v="746" actId="164"/>
-          <ac:spMkLst>
-            <pc:docMk/>
-            <pc:sldMk cId="665027416" sldId="267"/>
-            <ac:spMk id="30" creationId="{EF742BB3-B8CD-4214-A16D-995CA4C3A04F}"/>
-          </ac:spMkLst>
-        </pc:spChg>
-        <pc:spChg chg="mod">
-          <ac:chgData name="Graydon Hall" userId="6ad8ef6fe9c5877e" providerId="LiveId" clId="{743B0715-C183-42DE-B6E5-38E47A36CCC5}" dt="2021-09-29T21:02:47.553" v="746" actId="164"/>
-          <ac:spMkLst>
-            <pc:docMk/>
-            <pc:sldMk cId="665027416" sldId="267"/>
-            <ac:spMk id="31" creationId="{195FFD83-D7D9-4459-9CF3-A18D5A7A4E5B}"/>
-          </ac:spMkLst>
-        </pc:spChg>
-        <pc:spChg chg="mod">
-          <ac:chgData name="Graydon Hall" userId="6ad8ef6fe9c5877e" providerId="LiveId" clId="{743B0715-C183-42DE-B6E5-38E47A36CCC5}" dt="2021-09-29T21:02:47.553" v="746" actId="164"/>
-          <ac:spMkLst>
-            <pc:docMk/>
-            <pc:sldMk cId="665027416" sldId="267"/>
-            <ac:spMk id="32" creationId="{0F9B6971-E396-466B-968F-2B6C71A84C66}"/>
-          </ac:spMkLst>
-        </pc:spChg>
-        <pc:spChg chg="add mod">
-          <ac:chgData name="Graydon Hall" userId="6ad8ef6fe9c5877e" providerId="LiveId" clId="{743B0715-C183-42DE-B6E5-38E47A36CCC5}" dt="2021-09-29T21:12:25.652" v="781"/>
-          <ac:spMkLst>
-            <pc:docMk/>
-            <pc:sldMk cId="665027416" sldId="267"/>
-            <ac:spMk id="35" creationId="{522DF440-990C-4AC7-89A4-F956E42DC1E7}"/>
-          </ac:spMkLst>
-        </pc:spChg>
-        <pc:spChg chg="mod">
-          <ac:chgData name="Graydon Hall" userId="6ad8ef6fe9c5877e" providerId="LiveId" clId="{743B0715-C183-42DE-B6E5-38E47A36CCC5}" dt="2021-09-29T21:02:47.553" v="746" actId="164"/>
-          <ac:spMkLst>
-            <pc:docMk/>
-            <pc:sldMk cId="665027416" sldId="267"/>
-            <ac:spMk id="45" creationId="{4C45101B-86CB-4372-B945-F57608A2AA11}"/>
-          </ac:spMkLst>
-        </pc:spChg>
-        <pc:spChg chg="mod">
-          <ac:chgData name="Graydon Hall" userId="6ad8ef6fe9c5877e" providerId="LiveId" clId="{743B0715-C183-42DE-B6E5-38E47A36CCC5}" dt="2021-09-29T21:01:12.294" v="733" actId="20577"/>
-          <ac:spMkLst>
-            <pc:docMk/>
-            <pc:sldMk cId="665027416" sldId="267"/>
-            <ac:spMk id="54" creationId="{437AF63C-1FCF-4662-BE8B-02BEA81AD64D}"/>
-          </ac:spMkLst>
-        </pc:spChg>
-        <pc:spChg chg="mod">
-          <ac:chgData name="Graydon Hall" userId="6ad8ef6fe9c5877e" providerId="LiveId" clId="{743B0715-C183-42DE-B6E5-38E47A36CCC5}" dt="2021-09-29T21:01:15.741" v="735" actId="20577"/>
-          <ac:spMkLst>
-            <pc:docMk/>
-            <pc:sldMk cId="665027416" sldId="267"/>
-            <ac:spMk id="55" creationId="{548D98DB-3C17-4BCD-B341-41546ECD446A}"/>
-          </ac:spMkLst>
-        </pc:spChg>
-        <pc:spChg chg="mod">
-          <ac:chgData name="Graydon Hall" userId="6ad8ef6fe9c5877e" providerId="LiveId" clId="{743B0715-C183-42DE-B6E5-38E47A36CCC5}" dt="2021-09-29T21:01:18.117" v="737" actId="20577"/>
-          <ac:spMkLst>
-            <pc:docMk/>
-            <pc:sldMk cId="665027416" sldId="267"/>
-            <ac:spMk id="56" creationId="{244774B1-FA94-4568-9E5A-E32B99A9F176}"/>
-          </ac:spMkLst>
-        </pc:spChg>
-        <pc:spChg chg="mod">
-          <ac:chgData name="Graydon Hall" userId="6ad8ef6fe9c5877e" providerId="LiveId" clId="{743B0715-C183-42DE-B6E5-38E47A36CCC5}" dt="2021-09-29T21:01:21.229" v="739" actId="20577"/>
-          <ac:spMkLst>
-            <pc:docMk/>
-            <pc:sldMk cId="665027416" sldId="267"/>
-            <ac:spMk id="57" creationId="{49CFC0C2-98A4-4206-9DD6-12FB60112185}"/>
-          </ac:spMkLst>
-        </pc:spChg>
-        <pc:spChg chg="mod">
-          <ac:chgData name="Graydon Hall" userId="6ad8ef6fe9c5877e" providerId="LiveId" clId="{743B0715-C183-42DE-B6E5-38E47A36CCC5}" dt="2021-09-29T21:01:04.616" v="730"/>
-          <ac:spMkLst>
-            <pc:docMk/>
-            <pc:sldMk cId="665027416" sldId="267"/>
-            <ac:spMk id="58" creationId="{34D83752-1847-4E3E-8619-7C119FBEA7D2}"/>
-          </ac:spMkLst>
-        </pc:spChg>
-        <pc:spChg chg="mod">
-          <ac:chgData name="Graydon Hall" userId="6ad8ef6fe9c5877e" providerId="LiveId" clId="{743B0715-C183-42DE-B6E5-38E47A36CCC5}" dt="2021-09-29T21:01:57.238" v="744"/>
-          <ac:spMkLst>
-            <pc:docMk/>
-            <pc:sldMk cId="665027416" sldId="267"/>
-            <ac:spMk id="67" creationId="{146DA5DC-BB7C-4FE5-A5E6-B598EB02C61A}"/>
-          </ac:spMkLst>
-        </pc:spChg>
-        <pc:spChg chg="mod">
-          <ac:chgData name="Graydon Hall" userId="6ad8ef6fe9c5877e" providerId="LiveId" clId="{743B0715-C183-42DE-B6E5-38E47A36CCC5}" dt="2021-09-29T21:01:57.238" v="744"/>
-          <ac:spMkLst>
-            <pc:docMk/>
-            <pc:sldMk cId="665027416" sldId="267"/>
-            <ac:spMk id="68" creationId="{D21261D9-EECE-4315-88AE-AED2214A6199}"/>
-          </ac:spMkLst>
-        </pc:spChg>
-        <pc:spChg chg="mod">
-          <ac:chgData name="Graydon Hall" userId="6ad8ef6fe9c5877e" providerId="LiveId" clId="{743B0715-C183-42DE-B6E5-38E47A36CCC5}" dt="2021-09-29T21:01:57.238" v="744"/>
-          <ac:spMkLst>
-            <pc:docMk/>
-            <pc:sldMk cId="665027416" sldId="267"/>
-            <ac:spMk id="69" creationId="{61E58199-13D7-4F69-8B73-FE8AF35278DB}"/>
-          </ac:spMkLst>
-        </pc:spChg>
-        <pc:spChg chg="mod">
-          <ac:chgData name="Graydon Hall" userId="6ad8ef6fe9c5877e" providerId="LiveId" clId="{743B0715-C183-42DE-B6E5-38E47A36CCC5}" dt="2021-09-29T21:01:57.238" v="744"/>
-          <ac:spMkLst>
-            <pc:docMk/>
-            <pc:sldMk cId="665027416" sldId="267"/>
-            <ac:spMk id="70" creationId="{B30B8E36-7225-4EDF-8026-C80E0A116A84}"/>
-          </ac:spMkLst>
-        </pc:spChg>
-        <pc:spChg chg="mod">
-          <ac:chgData name="Graydon Hall" userId="6ad8ef6fe9c5877e" providerId="LiveId" clId="{743B0715-C183-42DE-B6E5-38E47A36CCC5}" dt="2021-09-29T21:01:57.238" v="744"/>
-          <ac:spMkLst>
-            <pc:docMk/>
-            <pc:sldMk cId="665027416" sldId="267"/>
-            <ac:spMk id="71" creationId="{CEB3A782-FA41-4E7A-B316-369117333619}"/>
-          </ac:spMkLst>
-        </pc:spChg>
-        <pc:spChg chg="mod">
-          <ac:chgData name="Graydon Hall" userId="6ad8ef6fe9c5877e" providerId="LiveId" clId="{743B0715-C183-42DE-B6E5-38E47A36CCC5}" dt="2021-09-29T21:02:48.065" v="747"/>
-          <ac:spMkLst>
-            <pc:docMk/>
-            <pc:sldMk cId="665027416" sldId="267"/>
-            <ac:spMk id="73" creationId="{82A861FD-FBD5-49C8-87B0-FE67334597E3}"/>
-          </ac:spMkLst>
-        </pc:spChg>
-        <pc:spChg chg="mod">
-          <ac:chgData name="Graydon Hall" userId="6ad8ef6fe9c5877e" providerId="LiveId" clId="{743B0715-C183-42DE-B6E5-38E47A36CCC5}" dt="2021-09-29T21:02:48.065" v="747"/>
-          <ac:spMkLst>
-            <pc:docMk/>
-            <pc:sldMk cId="665027416" sldId="267"/>
-            <ac:spMk id="74" creationId="{DDE27D17-A231-48E3-9D74-DCF951A18017}"/>
-          </ac:spMkLst>
-        </pc:spChg>
-        <pc:spChg chg="mod">
-          <ac:chgData name="Graydon Hall" userId="6ad8ef6fe9c5877e" providerId="LiveId" clId="{743B0715-C183-42DE-B6E5-38E47A36CCC5}" dt="2021-09-29T21:02:48.065" v="747"/>
-          <ac:spMkLst>
-            <pc:docMk/>
-            <pc:sldMk cId="665027416" sldId="267"/>
-            <ac:spMk id="75" creationId="{0FF2EA18-2B27-45D5-A3D3-2D2DAF96B16C}"/>
-          </ac:spMkLst>
-        </pc:spChg>
-        <pc:spChg chg="mod">
-          <ac:chgData name="Graydon Hall" userId="6ad8ef6fe9c5877e" providerId="LiveId" clId="{743B0715-C183-42DE-B6E5-38E47A36CCC5}" dt="2021-09-29T21:02:48.065" v="747"/>
-          <ac:spMkLst>
-            <pc:docMk/>
-            <pc:sldMk cId="665027416" sldId="267"/>
-            <ac:spMk id="76" creationId="{2657631D-C8A0-4D06-B345-B2FD0A455BC2}"/>
-          </ac:spMkLst>
-        </pc:spChg>
-        <pc:spChg chg="mod">
-          <ac:chgData name="Graydon Hall" userId="6ad8ef6fe9c5877e" providerId="LiveId" clId="{743B0715-C183-42DE-B6E5-38E47A36CCC5}" dt="2021-09-29T21:02:48.065" v="747"/>
-          <ac:spMkLst>
-            <pc:docMk/>
-            <pc:sldMk cId="665027416" sldId="267"/>
-            <ac:spMk id="77" creationId="{F11295AA-3C32-4477-97D3-5194ADFA246E}"/>
-          </ac:spMkLst>
-        </pc:spChg>
-        <pc:spChg chg="mod">
-          <ac:chgData name="Graydon Hall" userId="6ad8ef6fe9c5877e" providerId="LiveId" clId="{743B0715-C183-42DE-B6E5-38E47A36CCC5}" dt="2021-09-29T21:02:48.065" v="747"/>
-          <ac:spMkLst>
-            <pc:docMk/>
-            <pc:sldMk cId="665027416" sldId="267"/>
-            <ac:spMk id="78" creationId="{6A84FCC7-9519-4F2A-ABAE-F191991BC136}"/>
-          </ac:spMkLst>
-        </pc:spChg>
-        <pc:spChg chg="add mod">
-          <ac:chgData name="Graydon Hall" userId="6ad8ef6fe9c5877e" providerId="LiveId" clId="{743B0715-C183-42DE-B6E5-38E47A36CCC5}" dt="2021-09-29T21:10:28.875" v="772" actId="1076"/>
-          <ac:spMkLst>
-            <pc:docMk/>
-            <pc:sldMk cId="665027416" sldId="267"/>
-            <ac:spMk id="79" creationId="{48722A1F-ADB0-42CB-9689-559D76D3A782}"/>
-          </ac:spMkLst>
-        </pc:spChg>
-        <pc:spChg chg="add mod">
-          <ac:chgData name="Graydon Hall" userId="6ad8ef6fe9c5877e" providerId="LiveId" clId="{743B0715-C183-42DE-B6E5-38E47A36CCC5}" dt="2021-09-29T21:10:40.060" v="774" actId="1076"/>
-          <ac:spMkLst>
-            <pc:docMk/>
-            <pc:sldMk cId="665027416" sldId="267"/>
-            <ac:spMk id="80" creationId="{0D55B6D6-ED78-4EA2-91B8-1EC83D51C246}"/>
-          </ac:spMkLst>
-        </pc:spChg>
-        <pc:spChg chg="add mod">
-          <ac:chgData name="Graydon Hall" userId="6ad8ef6fe9c5877e" providerId="LiveId" clId="{743B0715-C183-42DE-B6E5-38E47A36CCC5}" dt="2021-09-29T21:12:51.786" v="846" actId="1036"/>
-          <ac:spMkLst>
-            <pc:docMk/>
-            <pc:sldMk cId="665027416" sldId="267"/>
-            <ac:spMk id="81" creationId="{E9D4274A-E3E9-4AC0-B99A-4CC0DD026E89}"/>
-          </ac:spMkLst>
-        </pc:spChg>
-        <pc:spChg chg="add mod">
-          <ac:chgData name="Graydon Hall" userId="6ad8ef6fe9c5877e" providerId="LiveId" clId="{743B0715-C183-42DE-B6E5-38E47A36CCC5}" dt="2021-09-30T19:01:02.145" v="3791" actId="1076"/>
-          <ac:spMkLst>
-            <pc:docMk/>
-            <pc:sldMk cId="665027416" sldId="267"/>
-            <ac:spMk id="82" creationId="{3393D78F-D17E-4D5A-87FE-A6C3308EC21C}"/>
-          </ac:spMkLst>
-        </pc:spChg>
-        <pc:grpChg chg="add mod">
-          <ac:chgData name="Graydon Hall" userId="6ad8ef6fe9c5877e" providerId="LiveId" clId="{743B0715-C183-42DE-B6E5-38E47A36CCC5}" dt="2021-09-29T21:02:47.553" v="746" actId="164"/>
-          <ac:grpSpMkLst>
-            <pc:docMk/>
-            <pc:sldMk cId="665027416" sldId="267"/>
-            <ac:grpSpMk id="2" creationId="{D91AFCC9-FC40-464C-BC3F-E2763F145D0C}"/>
-          </ac:grpSpMkLst>
-        </pc:grpChg>
-        <pc:grpChg chg="mod">
-          <ac:chgData name="Graydon Hall" userId="6ad8ef6fe9c5877e" providerId="LiveId" clId="{743B0715-C183-42DE-B6E5-38E47A36CCC5}" dt="2021-09-29T21:01:41.585" v="743" actId="1076"/>
-          <ac:grpSpMkLst>
-            <pc:docMk/>
-            <pc:sldMk cId="665027416" sldId="267"/>
-            <ac:grpSpMk id="28" creationId="{F55E8291-14D0-4A93-8D05-79A67F8C9FA2}"/>
-          </ac:grpSpMkLst>
-        </pc:grpChg>
-        <pc:grpChg chg="add mod">
-          <ac:chgData name="Graydon Hall" userId="6ad8ef6fe9c5877e" providerId="LiveId" clId="{743B0715-C183-42DE-B6E5-38E47A36CCC5}" dt="2021-09-29T21:01:08.948" v="731" actId="1076"/>
-          <ac:grpSpMkLst>
-            <pc:docMk/>
-            <pc:sldMk cId="665027416" sldId="267"/>
-            <ac:grpSpMk id="53" creationId="{3CD321A8-8E59-45E8-A994-3CE9398DD1EB}"/>
-          </ac:grpSpMkLst>
-        </pc:grpChg>
-        <pc:grpChg chg="add mod">
-          <ac:chgData name="Graydon Hall" userId="6ad8ef6fe9c5877e" providerId="LiveId" clId="{743B0715-C183-42DE-B6E5-38E47A36CCC5}" dt="2021-09-29T21:02:01.467" v="745" actId="1076"/>
-          <ac:grpSpMkLst>
-            <pc:docMk/>
-            <pc:sldMk cId="665027416" sldId="267"/>
-            <ac:grpSpMk id="66" creationId="{75C94FB6-D175-4396-847C-3C7F9E8450EC}"/>
-          </ac:grpSpMkLst>
-        </pc:grpChg>
-        <pc:grpChg chg="add mod">
-          <ac:chgData name="Graydon Hall" userId="6ad8ef6fe9c5877e" providerId="LiveId" clId="{743B0715-C183-42DE-B6E5-38E47A36CCC5}" dt="2021-09-29T21:09:45.732" v="768" actId="1076"/>
-          <ac:grpSpMkLst>
-            <pc:docMk/>
-            <pc:sldMk cId="665027416" sldId="267"/>
-            <ac:grpSpMk id="72" creationId="{AEC6AA4B-B969-46AE-95C3-A0BB61A3ACEE}"/>
-          </ac:grpSpMkLst>
-        </pc:grpChg>
-      </pc:sldChg>
-      <pc:sldChg chg="addSp delSp modSp add mod">
-        <pc:chgData name="Graydon Hall" userId="6ad8ef6fe9c5877e" providerId="LiveId" clId="{743B0715-C183-42DE-B6E5-38E47A36CCC5}" dt="2021-09-30T15:29:01.157" v="1162" actId="20577"/>
-        <pc:sldMkLst>
-          <pc:docMk/>
-          <pc:sldMk cId="2537722862" sldId="268"/>
-        </pc:sldMkLst>
-        <pc:spChg chg="add del mod">
-          <ac:chgData name="Graydon Hall" userId="6ad8ef6fe9c5877e" providerId="LiveId" clId="{743B0715-C183-42DE-B6E5-38E47A36CCC5}" dt="2021-09-30T15:23:11.566" v="947" actId="478"/>
-          <ac:spMkLst>
-            <pc:docMk/>
-            <pc:sldMk cId="2537722862" sldId="268"/>
-            <ac:spMk id="3" creationId="{0D96CE69-933F-4178-85BB-CF05E7BD07AC}"/>
-          </ac:spMkLst>
-        </pc:spChg>
-        <pc:spChg chg="add del mod">
-          <ac:chgData name="Graydon Hall" userId="6ad8ef6fe9c5877e" providerId="LiveId" clId="{743B0715-C183-42DE-B6E5-38E47A36CCC5}" dt="2021-09-29T21:30:40.762" v="882" actId="478"/>
-          <ac:spMkLst>
-            <pc:docMk/>
-            <pc:sldMk cId="2537722862" sldId="268"/>
-            <ac:spMk id="3" creationId="{B9B96A2D-7483-4C9E-9541-FB16F0C38E91}"/>
-          </ac:spMkLst>
-        </pc:spChg>
-        <pc:spChg chg="mod">
-          <ac:chgData name="Graydon Hall" userId="6ad8ef6fe9c5877e" providerId="LiveId" clId="{743B0715-C183-42DE-B6E5-38E47A36CCC5}" dt="2021-09-29T21:19:57.658" v="859" actId="14100"/>
-          <ac:spMkLst>
-            <pc:docMk/>
-            <pc:sldMk cId="2537722862" sldId="268"/>
-            <ac:spMk id="4" creationId="{69D13A37-6B82-4C78-812F-D9D461CDC672}"/>
-          </ac:spMkLst>
-        </pc:spChg>
-        <pc:spChg chg="mod">
-          <ac:chgData name="Graydon Hall" userId="6ad8ef6fe9c5877e" providerId="LiveId" clId="{743B0715-C183-42DE-B6E5-38E47A36CCC5}" dt="2021-09-29T21:22:52.359" v="864" actId="14100"/>
-          <ac:spMkLst>
-            <pc:docMk/>
-            <pc:sldMk cId="2537722862" sldId="268"/>
-            <ac:spMk id="5" creationId="{03DF7978-60AD-4CDE-AE09-356BACC0D746}"/>
-          </ac:spMkLst>
-        </pc:spChg>
-        <pc:spChg chg="mod">
-          <ac:chgData name="Graydon Hall" userId="6ad8ef6fe9c5877e" providerId="LiveId" clId="{743B0715-C183-42DE-B6E5-38E47A36CCC5}" dt="2021-09-29T21:40:49.256" v="885" actId="20577"/>
-          <ac:spMkLst>
-            <pc:docMk/>
-            <pc:sldMk cId="2537722862" sldId="268"/>
-            <ac:spMk id="11" creationId="{ABE71181-B149-4EE3-8C57-DA344694D6C2}"/>
-          </ac:spMkLst>
-        </pc:spChg>
-        <pc:spChg chg="del">
-          <ac:chgData name="Graydon Hall" userId="6ad8ef6fe9c5877e" providerId="LiveId" clId="{743B0715-C183-42DE-B6E5-38E47A36CCC5}" dt="2021-09-29T21:19:42.646" v="850" actId="478"/>
-          <ac:spMkLst>
-            <pc:docMk/>
-            <pc:sldMk cId="2537722862" sldId="268"/>
-            <ac:spMk id="15" creationId="{37CEF823-64A2-4803-97BB-DE3BC2A56C3D}"/>
-          </ac:spMkLst>
-        </pc:spChg>
-        <pc:spChg chg="del">
-          <ac:chgData name="Graydon Hall" userId="6ad8ef6fe9c5877e" providerId="LiveId" clId="{743B0715-C183-42DE-B6E5-38E47A36CCC5}" dt="2021-09-29T21:19:47.923" v="853" actId="478"/>
-          <ac:spMkLst>
-            <pc:docMk/>
-            <pc:sldMk cId="2537722862" sldId="268"/>
-            <ac:spMk id="16" creationId="{EA2DF13A-E11F-4817-B472-6B40ED9D8414}"/>
-          </ac:spMkLst>
-        </pc:spChg>
-        <pc:spChg chg="del mod">
-          <ac:chgData name="Graydon Hall" userId="6ad8ef6fe9c5877e" providerId="LiveId" clId="{743B0715-C183-42DE-B6E5-38E47A36CCC5}" dt="2021-09-29T21:19:49.648" v="855" actId="478"/>
-          <ac:spMkLst>
-            <pc:docMk/>
-            <pc:sldMk cId="2537722862" sldId="268"/>
-            <ac:spMk id="17" creationId="{49613BA1-EC39-4C9D-911C-822803A902C7}"/>
-          </ac:spMkLst>
-        </pc:spChg>
-        <pc:spChg chg="del">
-          <ac:chgData name="Graydon Hall" userId="6ad8ef6fe9c5877e" providerId="LiveId" clId="{743B0715-C183-42DE-B6E5-38E47A36CCC5}" dt="2021-09-29T21:19:45.776" v="851" actId="478"/>
-          <ac:spMkLst>
-            <pc:docMk/>
-            <pc:sldMk cId="2537722862" sldId="268"/>
-            <ac:spMk id="18" creationId="{827B7BA2-81B6-42CB-8875-9F2B5C5394A7}"/>
-          </ac:spMkLst>
-        </pc:spChg>
-        <pc:spChg chg="del">
-          <ac:chgData name="Graydon Hall" userId="6ad8ef6fe9c5877e" providerId="LiveId" clId="{743B0715-C183-42DE-B6E5-38E47A36CCC5}" dt="2021-09-29T21:40:54.312" v="886" actId="478"/>
-          <ac:spMkLst>
-            <pc:docMk/>
-            <pc:sldMk cId="2537722862" sldId="268"/>
-            <ac:spMk id="20" creationId="{547FE1C0-78F6-4E38-B7FA-BB0544F84C4A}"/>
-          </ac:spMkLst>
-        </pc:spChg>
-        <pc:spChg chg="del">
-          <ac:chgData name="Graydon Hall" userId="6ad8ef6fe9c5877e" providerId="LiveId" clId="{743B0715-C183-42DE-B6E5-38E47A36CCC5}" dt="2021-09-29T21:19:45.776" v="851" actId="478"/>
-          <ac:spMkLst>
-            <pc:docMk/>
-            <pc:sldMk cId="2537722862" sldId="268"/>
-            <ac:spMk id="24" creationId="{FD8706BD-108D-4ECE-80FA-00ED04CF3D8A}"/>
-          </ac:spMkLst>
-        </pc:spChg>
-        <pc:spChg chg="del">
-          <ac:chgData name="Graydon Hall" userId="6ad8ef6fe9c5877e" providerId="LiveId" clId="{743B0715-C183-42DE-B6E5-38E47A36CCC5}" dt="2021-09-29T21:19:45.776" v="851" actId="478"/>
-          <ac:spMkLst>
-            <pc:docMk/>
-            <pc:sldMk cId="2537722862" sldId="268"/>
-            <ac:spMk id="25" creationId="{D874629E-BAB8-48EB-8538-631F7E8F7166}"/>
-          </ac:spMkLst>
-        </pc:spChg>
-        <pc:spChg chg="del">
-          <ac:chgData name="Graydon Hall" userId="6ad8ef6fe9c5877e" providerId="LiveId" clId="{743B0715-C183-42DE-B6E5-38E47A36CCC5}" dt="2021-09-29T21:19:45.776" v="851" actId="478"/>
-          <ac:spMkLst>
-            <pc:docMk/>
-            <pc:sldMk cId="2537722862" sldId="268"/>
-            <ac:spMk id="26" creationId="{D60DACE1-0AE0-4851-B2F0-AFC7BC736D99}"/>
-          </ac:spMkLst>
-        </pc:spChg>
-        <pc:spChg chg="del">
-          <ac:chgData name="Graydon Hall" userId="6ad8ef6fe9c5877e" providerId="LiveId" clId="{743B0715-C183-42DE-B6E5-38E47A36CCC5}" dt="2021-09-29T21:19:50.792" v="856" actId="478"/>
-          <ac:spMkLst>
-            <pc:docMk/>
-            <pc:sldMk cId="2537722862" sldId="268"/>
-            <ac:spMk id="29" creationId="{38FB2998-D17F-4C72-9B49-F8CF82A51658}"/>
-          </ac:spMkLst>
-        </pc:spChg>
-        <pc:spChg chg="del">
-          <ac:chgData name="Graydon Hall" userId="6ad8ef6fe9c5877e" providerId="LiveId" clId="{743B0715-C183-42DE-B6E5-38E47A36CCC5}" dt="2021-09-29T21:19:45.776" v="851" actId="478"/>
-          <ac:spMkLst>
-            <pc:docMk/>
-            <pc:sldMk cId="2537722862" sldId="268"/>
-            <ac:spMk id="33" creationId="{93034171-ED6B-48B6-89E7-6D43497F0D62}"/>
-          </ac:spMkLst>
-        </pc:spChg>
-        <pc:spChg chg="del">
-          <ac:chgData name="Graydon Hall" userId="6ad8ef6fe9c5877e" providerId="LiveId" clId="{743B0715-C183-42DE-B6E5-38E47A36CCC5}" dt="2021-09-29T21:19:47.136" v="852" actId="478"/>
-          <ac:spMkLst>
-            <pc:docMk/>
-            <pc:sldMk cId="2537722862" sldId="268"/>
-            <ac:spMk id="35" creationId="{522DF440-990C-4AC7-89A4-F956E42DC1E7}"/>
-          </ac:spMkLst>
-        </pc:spChg>
-        <pc:spChg chg="del">
-          <ac:chgData name="Graydon Hall" userId="6ad8ef6fe9c5877e" providerId="LiveId" clId="{743B0715-C183-42DE-B6E5-38E47A36CCC5}" dt="2021-09-29T21:19:45.776" v="851" actId="478"/>
-          <ac:spMkLst>
-            <pc:docMk/>
-            <pc:sldMk cId="2537722862" sldId="268"/>
-            <ac:spMk id="44" creationId="{FBBEB1BD-78EA-425E-9160-0B4F52E9B7F8}"/>
-          </ac:spMkLst>
-        </pc:spChg>
-        <pc:spChg chg="mod">
-          <ac:chgData name="Graydon Hall" userId="6ad8ef6fe9c5877e" providerId="LiveId" clId="{743B0715-C183-42DE-B6E5-38E47A36CCC5}" dt="2021-09-29T21:26:25.868" v="880" actId="207"/>
-          <ac:spMkLst>
-            <pc:docMk/>
-            <pc:sldMk cId="2537722862" sldId="268"/>
-            <ac:spMk id="46" creationId="{05C9C61F-B640-4679-BE12-3DFCDF58112B}"/>
-          </ac:spMkLst>
-        </pc:spChg>
-        <pc:spChg chg="add mod">
-          <ac:chgData name="Graydon Hall" userId="6ad8ef6fe9c5877e" providerId="LiveId" clId="{743B0715-C183-42DE-B6E5-38E47A36CCC5}" dt="2021-09-30T15:28:40.923" v="1137" actId="20577"/>
-          <ac:spMkLst>
-            <pc:docMk/>
-            <pc:sldMk cId="2537722862" sldId="268"/>
-            <ac:spMk id="65" creationId="{7B0C6561-B429-404B-A0C1-E11EBF4C22EA}"/>
-          </ac:spMkLst>
-        </pc:spChg>
-        <pc:spChg chg="del">
-          <ac:chgData name="Graydon Hall" userId="6ad8ef6fe9c5877e" providerId="LiveId" clId="{743B0715-C183-42DE-B6E5-38E47A36CCC5}" dt="2021-09-29T21:19:51.616" v="857" actId="478"/>
-          <ac:spMkLst>
-            <pc:docMk/>
-            <pc:sldMk cId="2537722862" sldId="268"/>
-            <ac:spMk id="65" creationId="{C3C116B7-ECF0-40C4-AB07-13E60A9F076A}"/>
-          </ac:spMkLst>
-        </pc:spChg>
-        <pc:spChg chg="mod">
-          <ac:chgData name="Graydon Hall" userId="6ad8ef6fe9c5877e" providerId="LiveId" clId="{743B0715-C183-42DE-B6E5-38E47A36CCC5}" dt="2021-09-29T21:22:57.391" v="866" actId="20577"/>
-          <ac:spMkLst>
-            <pc:docMk/>
-            <pc:sldMk cId="2537722862" sldId="268"/>
-            <ac:spMk id="67" creationId="{146DA5DC-BB7C-4FE5-A5E6-B598EB02C61A}"/>
-          </ac:spMkLst>
-        </pc:spChg>
-        <pc:spChg chg="del mod">
-          <ac:chgData name="Graydon Hall" userId="6ad8ef6fe9c5877e" providerId="LiveId" clId="{743B0715-C183-42DE-B6E5-38E47A36CCC5}" dt="2021-09-30T15:23:02.494" v="944" actId="478"/>
-          <ac:spMkLst>
-            <pc:docMk/>
-            <pc:sldMk cId="2537722862" sldId="268"/>
-            <ac:spMk id="73" creationId="{82A861FD-FBD5-49C8-87B0-FE67334597E3}"/>
-          </ac:spMkLst>
-        </pc:spChg>
-        <pc:spChg chg="del mod">
-          <ac:chgData name="Graydon Hall" userId="6ad8ef6fe9c5877e" providerId="LiveId" clId="{743B0715-C183-42DE-B6E5-38E47A36CCC5}" dt="2021-09-30T15:23:04.950" v="945" actId="478"/>
-          <ac:spMkLst>
-            <pc:docMk/>
-            <pc:sldMk cId="2537722862" sldId="268"/>
-            <ac:spMk id="74" creationId="{DDE27D17-A231-48E3-9D74-DCF951A18017}"/>
-          </ac:spMkLst>
-        </pc:spChg>
-        <pc:spChg chg="del topLvl">
-          <ac:chgData name="Graydon Hall" userId="6ad8ef6fe9c5877e" providerId="LiveId" clId="{743B0715-C183-42DE-B6E5-38E47A36CCC5}" dt="2021-09-30T15:23:08.364" v="946" actId="478"/>
-          <ac:spMkLst>
-            <pc:docMk/>
-            <pc:sldMk cId="2537722862" sldId="268"/>
-            <ac:spMk id="75" creationId="{0FF2EA18-2B27-45D5-A3D3-2D2DAF96B16C}"/>
-          </ac:spMkLst>
-        </pc:spChg>
-        <pc:spChg chg="del">
-          <ac:chgData name="Graydon Hall" userId="6ad8ef6fe9c5877e" providerId="LiveId" clId="{743B0715-C183-42DE-B6E5-38E47A36CCC5}" dt="2021-09-30T15:22:59.126" v="943" actId="478"/>
-          <ac:spMkLst>
-            <pc:docMk/>
-            <pc:sldMk cId="2537722862" sldId="268"/>
-            <ac:spMk id="76" creationId="{2657631D-C8A0-4D06-B345-B2FD0A455BC2}"/>
-          </ac:spMkLst>
-        </pc:spChg>
-        <pc:spChg chg="mod topLvl">
-          <ac:chgData name="Graydon Hall" userId="6ad8ef6fe9c5877e" providerId="LiveId" clId="{743B0715-C183-42DE-B6E5-38E47A36CCC5}" dt="2021-09-30T15:29:01.157" v="1162" actId="20577"/>
-          <ac:spMkLst>
-            <pc:docMk/>
-            <pc:sldMk cId="2537722862" sldId="268"/>
-            <ac:spMk id="77" creationId="{F11295AA-3C32-4477-97D3-5194ADFA246E}"/>
-          </ac:spMkLst>
-        </pc:spChg>
-        <pc:spChg chg="del">
-          <ac:chgData name="Graydon Hall" userId="6ad8ef6fe9c5877e" providerId="LiveId" clId="{743B0715-C183-42DE-B6E5-38E47A36CCC5}" dt="2021-09-29T21:40:59.351" v="889" actId="478"/>
-          <ac:spMkLst>
-            <pc:docMk/>
-            <pc:sldMk cId="2537722862" sldId="268"/>
-            <ac:spMk id="78" creationId="{6A84FCC7-9519-4F2A-ABAE-F191991BC136}"/>
-          </ac:spMkLst>
-        </pc:spChg>
-        <pc:spChg chg="add del mod">
-          <ac:chgData name="Graydon Hall" userId="6ad8ef6fe9c5877e" providerId="LiveId" clId="{743B0715-C183-42DE-B6E5-38E47A36CCC5}" dt="2021-09-29T21:30:44.859" v="883" actId="478"/>
-          <ac:spMkLst>
-            <pc:docMk/>
-            <pc:sldMk cId="2537722862" sldId="268"/>
-            <ac:spMk id="82" creationId="{2A57870E-5922-4963-AD18-7F33F6A58053}"/>
-          </ac:spMkLst>
-        </pc:spChg>
-        <pc:spChg chg="mod">
-          <ac:chgData name="Graydon Hall" userId="6ad8ef6fe9c5877e" providerId="LiveId" clId="{743B0715-C183-42DE-B6E5-38E47A36CCC5}" dt="2021-09-29T21:23:05.455" v="867"/>
-          <ac:spMkLst>
-            <pc:docMk/>
-            <pc:sldMk cId="2537722862" sldId="268"/>
-            <ac:spMk id="84" creationId="{2CDC8598-88AC-489B-AAE1-793B07ACD2E7}"/>
-          </ac:spMkLst>
-        </pc:spChg>
-        <pc:spChg chg="mod">
-          <ac:chgData name="Graydon Hall" userId="6ad8ef6fe9c5877e" providerId="LiveId" clId="{743B0715-C183-42DE-B6E5-38E47A36CCC5}" dt="2021-09-29T21:23:05.455" v="867"/>
-          <ac:spMkLst>
-            <pc:docMk/>
-            <pc:sldMk cId="2537722862" sldId="268"/>
-            <ac:spMk id="85" creationId="{521001CA-1A65-456B-96CE-F42BEF1816C9}"/>
-          </ac:spMkLst>
-        </pc:spChg>
-        <pc:spChg chg="mod">
-          <ac:chgData name="Graydon Hall" userId="6ad8ef6fe9c5877e" providerId="LiveId" clId="{743B0715-C183-42DE-B6E5-38E47A36CCC5}" dt="2021-09-29T21:23:05.455" v="867"/>
-          <ac:spMkLst>
-            <pc:docMk/>
-            <pc:sldMk cId="2537722862" sldId="268"/>
-            <ac:spMk id="86" creationId="{9AE6E391-E019-4EB9-A852-C89DCEC146D6}"/>
-          </ac:spMkLst>
-        </pc:spChg>
-        <pc:spChg chg="mod">
-          <ac:chgData name="Graydon Hall" userId="6ad8ef6fe9c5877e" providerId="LiveId" clId="{743B0715-C183-42DE-B6E5-38E47A36CCC5}" dt="2021-09-29T21:23:05.455" v="867"/>
-          <ac:spMkLst>
-            <pc:docMk/>
-            <pc:sldMk cId="2537722862" sldId="268"/>
-            <ac:spMk id="87" creationId="{F4749322-635F-4DA3-BF53-BA9FE3121F0C}"/>
-          </ac:spMkLst>
-        </pc:spChg>
-        <pc:spChg chg="mod">
-          <ac:chgData name="Graydon Hall" userId="6ad8ef6fe9c5877e" providerId="LiveId" clId="{743B0715-C183-42DE-B6E5-38E47A36CCC5}" dt="2021-09-29T21:23:05.455" v="867"/>
-          <ac:spMkLst>
-            <pc:docMk/>
-            <pc:sldMk cId="2537722862" sldId="268"/>
-            <ac:spMk id="88" creationId="{6E3B900F-E415-419E-B83F-569E7BE04A1B}"/>
-          </ac:spMkLst>
-        </pc:spChg>
-        <pc:spChg chg="mod">
-          <ac:chgData name="Graydon Hall" userId="6ad8ef6fe9c5877e" providerId="LiveId" clId="{743B0715-C183-42DE-B6E5-38E47A36CCC5}" dt="2021-09-29T21:23:05.455" v="867"/>
-          <ac:spMkLst>
-            <pc:docMk/>
-            <pc:sldMk cId="2537722862" sldId="268"/>
-            <ac:spMk id="89" creationId="{BCA4A8E5-004E-4972-BC81-822A02B05833}"/>
-          </ac:spMkLst>
-        </pc:spChg>
-        <pc:grpChg chg="del">
-          <ac:chgData name="Graydon Hall" userId="6ad8ef6fe9c5877e" providerId="LiveId" clId="{743B0715-C183-42DE-B6E5-38E47A36CCC5}" dt="2021-09-30T15:23:13.388" v="948" actId="478"/>
-          <ac:grpSpMkLst>
-            <pc:docMk/>
-            <pc:sldMk cId="2537722862" sldId="268"/>
-            <ac:grpSpMk id="66" creationId="{75C94FB6-D175-4396-847C-3C7F9E8450EC}"/>
-          </ac:grpSpMkLst>
-        </pc:grpChg>
-        <pc:grpChg chg="add del">
-          <ac:chgData name="Graydon Hall" userId="6ad8ef6fe9c5877e" providerId="LiveId" clId="{743B0715-C183-42DE-B6E5-38E47A36CCC5}" dt="2021-09-30T15:23:08.364" v="946" actId="478"/>
-          <ac:grpSpMkLst>
-            <pc:docMk/>
-            <pc:sldMk cId="2537722862" sldId="268"/>
-            <ac:grpSpMk id="72" creationId="{AEC6AA4B-B969-46AE-95C3-A0BB61A3ACEE}"/>
-          </ac:grpSpMkLst>
-        </pc:grpChg>
-        <pc:grpChg chg="add del mod">
-          <ac:chgData name="Graydon Hall" userId="6ad8ef6fe9c5877e" providerId="LiveId" clId="{743B0715-C183-42DE-B6E5-38E47A36CCC5}" dt="2021-09-29T21:30:39.098" v="881" actId="478"/>
-          <ac:grpSpMkLst>
-            <pc:docMk/>
-            <pc:sldMk cId="2537722862" sldId="268"/>
-            <ac:grpSpMk id="83" creationId="{1861B19B-8AA8-45D7-A02A-1C439012DC26}"/>
-          </ac:grpSpMkLst>
-        </pc:grpChg>
-      </pc:sldChg>
-      <pc:sldChg chg="addSp delSp modSp add mod ord">
-        <pc:chgData name="Graydon Hall" userId="6ad8ef6fe9c5877e" providerId="LiveId" clId="{743B0715-C183-42DE-B6E5-38E47A36CCC5}" dt="2021-09-30T15:34:47.338" v="1428" actId="1076"/>
-        <pc:sldMkLst>
-          <pc:docMk/>
-          <pc:sldMk cId="943430823" sldId="269"/>
-        </pc:sldMkLst>
-        <pc:spChg chg="del">
-          <ac:chgData name="Graydon Hall" userId="6ad8ef6fe9c5877e" providerId="LiveId" clId="{743B0715-C183-42DE-B6E5-38E47A36CCC5}" dt="2021-09-30T15:20:00.990" v="922" actId="478"/>
-          <ac:spMkLst>
-            <pc:docMk/>
-            <pc:sldMk cId="943430823" sldId="269"/>
-            <ac:spMk id="3" creationId="{0D96CE69-933F-4178-85BB-CF05E7BD07AC}"/>
-          </ac:spMkLst>
-        </pc:spChg>
-        <pc:spChg chg="add mod">
-          <ac:chgData name="Graydon Hall" userId="6ad8ef6fe9c5877e" providerId="LiveId" clId="{743B0715-C183-42DE-B6E5-38E47A36CCC5}" dt="2021-09-30T15:21:19.420" v="938"/>
-          <ac:spMkLst>
-            <pc:docMk/>
-            <pc:sldMk cId="943430823" sldId="269"/>
-            <ac:spMk id="10" creationId="{0CEE2CD9-CADC-4978-A1F5-5C93C4543FAF}"/>
-          </ac:spMkLst>
-        </pc:spChg>
-        <pc:spChg chg="mod">
-          <ac:chgData name="Graydon Hall" userId="6ad8ef6fe9c5877e" providerId="LiveId" clId="{743B0715-C183-42DE-B6E5-38E47A36CCC5}" dt="2021-09-30T15:20:39.727" v="931" actId="20577"/>
-          <ac:spMkLst>
-            <pc:docMk/>
-            <pc:sldMk cId="943430823" sldId="269"/>
-            <ac:spMk id="11" creationId="{ABE71181-B149-4EE3-8C57-DA344694D6C2}"/>
-          </ac:spMkLst>
-        </pc:spChg>
-        <pc:spChg chg="add mod">
-          <ac:chgData name="Graydon Hall" userId="6ad8ef6fe9c5877e" providerId="LiveId" clId="{743B0715-C183-42DE-B6E5-38E47A36CCC5}" dt="2021-09-30T15:21:46.744" v="940"/>
-          <ac:spMkLst>
-            <pc:docMk/>
-            <pc:sldMk cId="943430823" sldId="269"/>
-            <ac:spMk id="12" creationId="{D657F48F-35FE-4319-89B9-FE8065E71109}"/>
-          </ac:spMkLst>
-        </pc:spChg>
-        <pc:spChg chg="add del mod">
-          <ac:chgData name="Graydon Hall" userId="6ad8ef6fe9c5877e" providerId="LiveId" clId="{743B0715-C183-42DE-B6E5-38E47A36CCC5}" dt="2021-09-30T15:22:21.363" v="942" actId="478"/>
-          <ac:spMkLst>
-            <pc:docMk/>
-            <pc:sldMk cId="943430823" sldId="269"/>
-            <ac:spMk id="73" creationId="{82A861FD-FBD5-49C8-87B0-FE67334597E3}"/>
-          </ac:spMkLst>
-        </pc:spChg>
-        <pc:spChg chg="mod">
-          <ac:chgData name="Graydon Hall" userId="6ad8ef6fe9c5877e" providerId="LiveId" clId="{743B0715-C183-42DE-B6E5-38E47A36CCC5}" dt="2021-09-30T15:20:13.318" v="927" actId="20577"/>
-          <ac:spMkLst>
-            <pc:docMk/>
-            <pc:sldMk cId="943430823" sldId="269"/>
-            <ac:spMk id="74" creationId="{DDE27D17-A231-48E3-9D74-DCF951A18017}"/>
-          </ac:spMkLst>
-        </pc:spChg>
-        <pc:spChg chg="mod">
-          <ac:chgData name="Graydon Hall" userId="6ad8ef6fe9c5877e" providerId="LiveId" clId="{743B0715-C183-42DE-B6E5-38E47A36CCC5}" dt="2021-09-30T15:20:30.334" v="928"/>
-          <ac:spMkLst>
-            <pc:docMk/>
-            <pc:sldMk cId="943430823" sldId="269"/>
-            <ac:spMk id="78" creationId="{4D227593-B0EF-4F52-A8E5-F7B7282E13A7}"/>
-          </ac:spMkLst>
-        </pc:spChg>
-        <pc:spChg chg="mod">
-          <ac:chgData name="Graydon Hall" userId="6ad8ef6fe9c5877e" providerId="LiveId" clId="{743B0715-C183-42DE-B6E5-38E47A36CCC5}" dt="2021-09-30T15:20:30.334" v="928"/>
-          <ac:spMkLst>
-            <pc:docMk/>
-            <pc:sldMk cId="943430823" sldId="269"/>
-            <ac:spMk id="82" creationId="{C515D3FE-01CA-4BDA-9147-9C422F358CCF}"/>
-          </ac:spMkLst>
-        </pc:spChg>
-        <pc:spChg chg="mod">
-          <ac:chgData name="Graydon Hall" userId="6ad8ef6fe9c5877e" providerId="LiveId" clId="{743B0715-C183-42DE-B6E5-38E47A36CCC5}" dt="2021-09-30T15:20:30.334" v="928"/>
-          <ac:spMkLst>
-            <pc:docMk/>
-            <pc:sldMk cId="943430823" sldId="269"/>
-            <ac:spMk id="83" creationId="{C6A5EE8F-9B9E-4486-9928-B9E98656AA51}"/>
-          </ac:spMkLst>
-        </pc:spChg>
-        <pc:spChg chg="mod">
-          <ac:chgData name="Graydon Hall" userId="6ad8ef6fe9c5877e" providerId="LiveId" clId="{743B0715-C183-42DE-B6E5-38E47A36CCC5}" dt="2021-09-30T15:20:30.334" v="928"/>
-          <ac:spMkLst>
-            <pc:docMk/>
-            <pc:sldMk cId="943430823" sldId="269"/>
-            <ac:spMk id="84" creationId="{6A0CC5D6-278E-4553-BF24-D3B1795DDA16}"/>
-          </ac:spMkLst>
-        </pc:spChg>
-        <pc:spChg chg="mod">
-          <ac:chgData name="Graydon Hall" userId="6ad8ef6fe9c5877e" providerId="LiveId" clId="{743B0715-C183-42DE-B6E5-38E47A36CCC5}" dt="2021-09-30T15:20:30.334" v="928"/>
-          <ac:spMkLst>
-            <pc:docMk/>
-            <pc:sldMk cId="943430823" sldId="269"/>
-            <ac:spMk id="85" creationId="{5EB4DA39-7DBA-4233-BB34-0DF00C403DEC}"/>
-          </ac:spMkLst>
-        </pc:spChg>
-        <pc:spChg chg="mod">
-          <ac:chgData name="Graydon Hall" userId="6ad8ef6fe9c5877e" providerId="LiveId" clId="{743B0715-C183-42DE-B6E5-38E47A36CCC5}" dt="2021-09-30T15:20:30.334" v="928"/>
-          <ac:spMkLst>
-            <pc:docMk/>
-            <pc:sldMk cId="943430823" sldId="269"/>
-            <ac:spMk id="86" creationId="{B06CD566-F4AE-4FBD-89C2-3EA878DD56C4}"/>
-          </ac:spMkLst>
-        </pc:spChg>
-        <pc:spChg chg="add mod">
-          <ac:chgData name="Graydon Hall" userId="6ad8ef6fe9c5877e" providerId="LiveId" clId="{743B0715-C183-42DE-B6E5-38E47A36CCC5}" dt="2021-09-30T15:20:49.542" v="934" actId="20577"/>
-          <ac:spMkLst>
-            <pc:docMk/>
-            <pc:sldMk cId="943430823" sldId="269"/>
-            <ac:spMk id="87" creationId="{CE0AC06F-6A76-435D-97B0-EFB97F7B3C2E}"/>
-          </ac:spMkLst>
-        </pc:spChg>
-        <pc:spChg chg="add mod">
-          <ac:chgData name="Graydon Hall" userId="6ad8ef6fe9c5877e" providerId="LiveId" clId="{743B0715-C183-42DE-B6E5-38E47A36CCC5}" dt="2021-09-30T15:21:02.087" v="936" actId="1076"/>
-          <ac:spMkLst>
-            <pc:docMk/>
-            <pc:sldMk cId="943430823" sldId="269"/>
-            <ac:spMk id="88" creationId="{02C14616-1D90-4B0E-9C01-A56748D1777F}"/>
-          </ac:spMkLst>
-        </pc:spChg>
-        <pc:spChg chg="add mod">
-          <ac:chgData name="Graydon Hall" userId="6ad8ef6fe9c5877e" providerId="LiveId" clId="{743B0715-C183-42DE-B6E5-38E47A36CCC5}" dt="2021-09-30T15:28:02.345" v="1095" actId="403"/>
-          <ac:spMkLst>
-            <pc:docMk/>
-            <pc:sldMk cId="943430823" sldId="269"/>
-            <ac:spMk id="89" creationId="{D69C803E-BCCF-41A8-BEB7-69676DFC9032}"/>
-          </ac:spMkLst>
-        </pc:spChg>
-        <pc:spChg chg="add mod">
-          <ac:chgData name="Graydon Hall" userId="6ad8ef6fe9c5877e" providerId="LiveId" clId="{743B0715-C183-42DE-B6E5-38E47A36CCC5}" dt="2021-09-30T15:27:56.489" v="1091" actId="1076"/>
-          <ac:spMkLst>
-            <pc:docMk/>
-            <pc:sldMk cId="943430823" sldId="269"/>
-            <ac:spMk id="90" creationId="{32AB8FCD-CC8A-4E10-B53A-81DF365D5417}"/>
-          </ac:spMkLst>
-        </pc:spChg>
-        <pc:spChg chg="add mod">
-          <ac:chgData name="Graydon Hall" userId="6ad8ef6fe9c5877e" providerId="LiveId" clId="{743B0715-C183-42DE-B6E5-38E47A36CCC5}" dt="2021-09-30T15:34:47.338" v="1428" actId="1076"/>
-          <ac:spMkLst>
-            <pc:docMk/>
-            <pc:sldMk cId="943430823" sldId="269"/>
-            <ac:spMk id="91" creationId="{05583C3E-DEA8-42E0-8241-C5F9FAF982EF}"/>
-          </ac:spMkLst>
-        </pc:spChg>
-        <pc:grpChg chg="add mod">
-          <ac:chgData name="Graydon Hall" userId="6ad8ef6fe9c5877e" providerId="LiveId" clId="{743B0715-C183-42DE-B6E5-38E47A36CCC5}" dt="2021-09-30T15:20:34.164" v="929" actId="1076"/>
-          <ac:grpSpMkLst>
-            <pc:docMk/>
-            <pc:sldMk cId="943430823" sldId="269"/>
-            <ac:grpSpMk id="65" creationId="{B9BE67FD-9E62-40C1-BADC-50D456F4E989}"/>
-          </ac:grpSpMkLst>
-        </pc:grpChg>
-        <pc:picChg chg="add mod">
-          <ac:chgData name="Graydon Hall" userId="6ad8ef6fe9c5877e" providerId="LiveId" clId="{743B0715-C183-42DE-B6E5-38E47A36CCC5}" dt="2021-09-30T15:33:28.461" v="1312" actId="1076"/>
-          <ac:picMkLst>
-            <pc:docMk/>
-            <pc:sldMk cId="943430823" sldId="269"/>
-            <ac:picMk id="15" creationId="{AC4A931D-52EB-4C8B-B8D4-FCCF926F46B0}"/>
-          </ac:picMkLst>
-        </pc:picChg>
-      </pc:sldChg>
-      <pc:sldChg chg="addSp delSp modSp new mod addCm">
-        <pc:chgData name="Graydon Hall" userId="6ad8ef6fe9c5877e" providerId="LiveId" clId="{743B0715-C183-42DE-B6E5-38E47A36CCC5}" dt="2021-09-30T20:02:52.623" v="5485" actId="1076"/>
-        <pc:sldMkLst>
-          <pc:docMk/>
-          <pc:sldMk cId="2983458566" sldId="270"/>
-        </pc:sldMkLst>
-        <pc:spChg chg="del">
-          <ac:chgData name="Graydon Hall" userId="6ad8ef6fe9c5877e" providerId="LiveId" clId="{743B0715-C183-42DE-B6E5-38E47A36CCC5}" dt="2021-09-30T15:31:24.022" v="1165" actId="478"/>
-          <ac:spMkLst>
-            <pc:docMk/>
-            <pc:sldMk cId="2983458566" sldId="270"/>
-            <ac:spMk id="2" creationId="{E4BFD17B-2B55-40CE-A4DD-5CCF6810D40A}"/>
-          </ac:spMkLst>
-        </pc:spChg>
-        <pc:spChg chg="mod">
-          <ac:chgData name="Graydon Hall" userId="6ad8ef6fe9c5877e" providerId="LiveId" clId="{743B0715-C183-42DE-B6E5-38E47A36CCC5}" dt="2021-09-30T19:50:36.141" v="5379" actId="20577"/>
-          <ac:spMkLst>
-            <pc:docMk/>
-            <pc:sldMk cId="2983458566" sldId="270"/>
-            <ac:spMk id="3" creationId="{30BB8E97-AB29-487B-B96A-0A9ECC7C5C1F}"/>
-          </ac:spMkLst>
-        </pc:spChg>
-        <pc:spChg chg="add mod">
-          <ac:chgData name="Graydon Hall" userId="6ad8ef6fe9c5877e" providerId="LiveId" clId="{743B0715-C183-42DE-B6E5-38E47A36CCC5}" dt="2021-09-30T20:02:43.047" v="5483" actId="1076"/>
-          <ac:spMkLst>
-            <pc:docMk/>
-            <pc:sldMk cId="2983458566" sldId="270"/>
-            <ac:spMk id="6" creationId="{CDF078E3-A205-4393-9D38-B21322FF8D87}"/>
-          </ac:spMkLst>
-        </pc:spChg>
-        <pc:spChg chg="add del mod">
-          <ac:chgData name="Graydon Hall" userId="6ad8ef6fe9c5877e" providerId="LiveId" clId="{743B0715-C183-42DE-B6E5-38E47A36CCC5}" dt="2021-09-30T20:02:15.644" v="5479" actId="478"/>
-          <ac:spMkLst>
-            <pc:docMk/>
-            <pc:sldMk cId="2983458566" sldId="270"/>
-            <ac:spMk id="7" creationId="{55FB211F-7F24-4091-B517-A46AB3605728}"/>
-          </ac:spMkLst>
-        </pc:spChg>
-        <pc:spChg chg="add del mod">
-          <ac:chgData name="Graydon Hall" userId="6ad8ef6fe9c5877e" providerId="LiveId" clId="{743B0715-C183-42DE-B6E5-38E47A36CCC5}" dt="2021-09-30T20:02:36.522" v="5481" actId="478"/>
-          <ac:spMkLst>
-            <pc:docMk/>
-            <pc:sldMk cId="2983458566" sldId="270"/>
-            <ac:spMk id="9" creationId="{01F79AFD-649A-4CD1-9506-3F8F8DDAA862}"/>
-          </ac:spMkLst>
-        </pc:spChg>
-        <pc:spChg chg="add mod">
-          <ac:chgData name="Graydon Hall" userId="6ad8ef6fe9c5877e" providerId="LiveId" clId="{743B0715-C183-42DE-B6E5-38E47A36CCC5}" dt="2021-09-30T20:02:52.623" v="5485" actId="1076"/>
-          <ac:spMkLst>
-            <pc:docMk/>
-            <pc:sldMk cId="2983458566" sldId="270"/>
-            <ac:spMk id="18" creationId="{A0EEE247-6E2D-42BB-90AD-C6377E1692D1}"/>
-          </ac:spMkLst>
-        </pc:spChg>
-        <pc:picChg chg="add del mod">
-          <ac:chgData name="Graydon Hall" userId="6ad8ef6fe9c5877e" providerId="LiveId" clId="{743B0715-C183-42DE-B6E5-38E47A36CCC5}" dt="2021-09-30T20:02:16.981" v="5480" actId="478"/>
-          <ac:picMkLst>
-            <pc:docMk/>
-            <pc:sldMk cId="2983458566" sldId="270"/>
-            <ac:picMk id="4" creationId="{12BCD055-AC38-49C8-9E45-1CA6E0E16B16}"/>
-          </ac:picMkLst>
-        </pc:picChg>
-        <pc:picChg chg="add mod">
-          <ac:chgData name="Graydon Hall" userId="6ad8ef6fe9c5877e" providerId="LiveId" clId="{743B0715-C183-42DE-B6E5-38E47A36CCC5}" dt="2021-09-30T20:02:43.047" v="5483" actId="1076"/>
-          <ac:picMkLst>
-            <pc:docMk/>
-            <pc:sldMk cId="2983458566" sldId="270"/>
-            <ac:picMk id="5" creationId="{91072835-6717-4088-92CE-59186457C105}"/>
-          </ac:picMkLst>
-        </pc:picChg>
-        <pc:picChg chg="add del mod">
-          <ac:chgData name="Graydon Hall" userId="6ad8ef6fe9c5877e" providerId="LiveId" clId="{743B0715-C183-42DE-B6E5-38E47A36CCC5}" dt="2021-09-30T20:02:36.522" v="5481" actId="478"/>
-          <ac:picMkLst>
-            <pc:docMk/>
-            <pc:sldMk cId="2983458566" sldId="270"/>
-            <ac:picMk id="8" creationId="{AAF35D5C-F7EA-4101-AFB2-58AA3AF80216}"/>
-          </ac:picMkLst>
-        </pc:picChg>
-        <pc:picChg chg="add del mod">
-          <ac:chgData name="Graydon Hall" userId="6ad8ef6fe9c5877e" providerId="LiveId" clId="{743B0715-C183-42DE-B6E5-38E47A36CCC5}" dt="2021-09-30T20:02:36.522" v="5481" actId="478"/>
-          <ac:picMkLst>
-            <pc:docMk/>
-            <pc:sldMk cId="2983458566" sldId="270"/>
-            <ac:picMk id="11" creationId="{0CBDE164-BC7C-413D-B876-A82081E6216B}"/>
-          </ac:picMkLst>
-        </pc:picChg>
-        <pc:picChg chg="add del mod">
-          <ac:chgData name="Graydon Hall" userId="6ad8ef6fe9c5877e" providerId="LiveId" clId="{743B0715-C183-42DE-B6E5-38E47A36CCC5}" dt="2021-09-30T20:02:36.522" v="5481" actId="478"/>
-          <ac:picMkLst>
-            <pc:docMk/>
-            <pc:sldMk cId="2983458566" sldId="270"/>
-            <ac:picMk id="13" creationId="{3D224934-5DE7-4AA8-A263-FD343C8EDC8D}"/>
-          </ac:picMkLst>
-        </pc:picChg>
-        <pc:picChg chg="add del mod">
-          <ac:chgData name="Graydon Hall" userId="6ad8ef6fe9c5877e" providerId="LiveId" clId="{743B0715-C183-42DE-B6E5-38E47A36CCC5}" dt="2021-09-30T20:02:36.522" v="5481" actId="478"/>
-          <ac:picMkLst>
-            <pc:docMk/>
-            <pc:sldMk cId="2983458566" sldId="270"/>
-            <ac:picMk id="15" creationId="{47B13868-DA25-4272-85A0-CA7C3837098D}"/>
-          </ac:picMkLst>
-        </pc:picChg>
-        <pc:picChg chg="add mod">
-          <ac:chgData name="Graydon Hall" userId="6ad8ef6fe9c5877e" providerId="LiveId" clId="{743B0715-C183-42DE-B6E5-38E47A36CCC5}" dt="2021-09-30T20:02:45.829" v="5484" actId="1076"/>
-          <ac:picMkLst>
-            <pc:docMk/>
-            <pc:sldMk cId="2983458566" sldId="270"/>
-            <ac:picMk id="17" creationId="{D6C88F5A-F3A4-4CD9-83B5-3EDE747F749D}"/>
-          </ac:picMkLst>
-        </pc:picChg>
       </pc:sldChg>
     </pc:docChg>
   </pc:docChgLst>
@@ -4454,6 +2047,2429 @@
           <pc:docMk/>
           <pc:sldMk cId="1714682917" sldId="261"/>
         </pc:sldMkLst>
+      </pc:sldChg>
+    </pc:docChg>
+  </pc:docChgLst>
+  <pc:docChgLst>
+    <pc:chgData name="Graydon Hall" userId="6ad8ef6fe9c5877e" providerId="LiveId" clId="{743B0715-C183-42DE-B6E5-38E47A36CCC5}"/>
+    <pc:docChg chg="undo redo custSel addSld modSld sldOrd">
+      <pc:chgData name="Graydon Hall" userId="6ad8ef6fe9c5877e" providerId="LiveId" clId="{743B0715-C183-42DE-B6E5-38E47A36CCC5}" dt="2021-10-02T21:01:18.390" v="5499" actId="1076"/>
+      <pc:docMkLst>
+        <pc:docMk/>
+      </pc:docMkLst>
+      <pc:sldChg chg="addSp modSp mod">
+        <pc:chgData name="Graydon Hall" userId="6ad8ef6fe9c5877e" providerId="LiveId" clId="{743B0715-C183-42DE-B6E5-38E47A36CCC5}" dt="2021-09-29T03:39:03.859" v="84" actId="20577"/>
+        <pc:sldMkLst>
+          <pc:docMk/>
+          <pc:sldMk cId="3187814692" sldId="261"/>
+        </pc:sldMkLst>
+        <pc:spChg chg="add mod">
+          <ac:chgData name="Graydon Hall" userId="6ad8ef6fe9c5877e" providerId="LiveId" clId="{743B0715-C183-42DE-B6E5-38E47A36CCC5}" dt="2021-09-29T03:39:03.859" v="84" actId="20577"/>
+          <ac:spMkLst>
+            <pc:docMk/>
+            <pc:sldMk cId="3187814692" sldId="261"/>
+            <ac:spMk id="48" creationId="{02EEBBE8-1C4C-48E3-AAAA-BADF40713F80}"/>
+          </ac:spMkLst>
+        </pc:spChg>
+      </pc:sldChg>
+      <pc:sldChg chg="addSp delSp modSp new mod">
+        <pc:chgData name="Graydon Hall" userId="6ad8ef6fe9c5877e" providerId="LiveId" clId="{743B0715-C183-42DE-B6E5-38E47A36CCC5}" dt="2021-09-29T03:54:13.070" v="298" actId="1076"/>
+        <pc:sldMkLst>
+          <pc:docMk/>
+          <pc:sldMk cId="1520747544" sldId="262"/>
+        </pc:sldMkLst>
+        <pc:spChg chg="del">
+          <ac:chgData name="Graydon Hall" userId="6ad8ef6fe9c5877e" providerId="LiveId" clId="{743B0715-C183-42DE-B6E5-38E47A36CCC5}" dt="2021-09-29T03:13:58.899" v="1" actId="478"/>
+          <ac:spMkLst>
+            <pc:docMk/>
+            <pc:sldMk cId="1520747544" sldId="262"/>
+            <ac:spMk id="2" creationId="{B96800AC-0418-4AFE-B862-ABDE1A6C08D8}"/>
+          </ac:spMkLst>
+        </pc:spChg>
+        <pc:spChg chg="del mod">
+          <ac:chgData name="Graydon Hall" userId="6ad8ef6fe9c5877e" providerId="LiveId" clId="{743B0715-C183-42DE-B6E5-38E47A36CCC5}" dt="2021-09-29T03:14:01.378" v="3" actId="478"/>
+          <ac:spMkLst>
+            <pc:docMk/>
+            <pc:sldMk cId="1520747544" sldId="262"/>
+            <ac:spMk id="3" creationId="{7916B284-33FF-4807-A0F1-EFE75871D565}"/>
+          </ac:spMkLst>
+        </pc:spChg>
+        <pc:spChg chg="add mod">
+          <ac:chgData name="Graydon Hall" userId="6ad8ef6fe9c5877e" providerId="LiveId" clId="{743B0715-C183-42DE-B6E5-38E47A36CCC5}" dt="2021-09-29T03:54:13.070" v="298" actId="1076"/>
+          <ac:spMkLst>
+            <pc:docMk/>
+            <pc:sldMk cId="1520747544" sldId="262"/>
+            <ac:spMk id="4" creationId="{69D13A37-6B82-4C78-812F-D9D461CDC672}"/>
+          </ac:spMkLst>
+        </pc:spChg>
+        <pc:spChg chg="add del mod">
+          <ac:chgData name="Graydon Hall" userId="6ad8ef6fe9c5877e" providerId="LiveId" clId="{743B0715-C183-42DE-B6E5-38E47A36CCC5}" dt="2021-09-29T03:50:53.866" v="288" actId="14100"/>
+          <ac:spMkLst>
+            <pc:docMk/>
+            <pc:sldMk cId="1520747544" sldId="262"/>
+            <ac:spMk id="5" creationId="{03DF7978-60AD-4CDE-AE09-356BACC0D746}"/>
+          </ac:spMkLst>
+        </pc:spChg>
+        <pc:spChg chg="add mod">
+          <ac:chgData name="Graydon Hall" userId="6ad8ef6fe9c5877e" providerId="LiveId" clId="{743B0715-C183-42DE-B6E5-38E47A36CCC5}" dt="2021-09-29T03:35:41.959" v="4"/>
+          <ac:spMkLst>
+            <pc:docMk/>
+            <pc:sldMk cId="1520747544" sldId="262"/>
+            <ac:spMk id="6" creationId="{D0C80474-6657-418A-AAF9-A633C8AA8512}"/>
+          </ac:spMkLst>
+        </pc:spChg>
+        <pc:spChg chg="add mod">
+          <ac:chgData name="Graydon Hall" userId="6ad8ef6fe9c5877e" providerId="LiveId" clId="{743B0715-C183-42DE-B6E5-38E47A36CCC5}" dt="2021-09-29T03:35:41.959" v="4"/>
+          <ac:spMkLst>
+            <pc:docMk/>
+            <pc:sldMk cId="1520747544" sldId="262"/>
+            <ac:spMk id="7" creationId="{8CC65CAA-2539-4C2F-AA0D-22449388221A}"/>
+          </ac:spMkLst>
+        </pc:spChg>
+        <pc:spChg chg="add mod">
+          <ac:chgData name="Graydon Hall" userId="6ad8ef6fe9c5877e" providerId="LiveId" clId="{743B0715-C183-42DE-B6E5-38E47A36CCC5}" dt="2021-09-29T03:35:41.959" v="4"/>
+          <ac:spMkLst>
+            <pc:docMk/>
+            <pc:sldMk cId="1520747544" sldId="262"/>
+            <ac:spMk id="8" creationId="{0C3EEB79-1F74-45CC-A601-42B51BB496C7}"/>
+          </ac:spMkLst>
+        </pc:spChg>
+        <pc:spChg chg="add mod">
+          <ac:chgData name="Graydon Hall" userId="6ad8ef6fe9c5877e" providerId="LiveId" clId="{743B0715-C183-42DE-B6E5-38E47A36CCC5}" dt="2021-09-29T03:50:39.468" v="264" actId="1035"/>
+          <ac:spMkLst>
+            <pc:docMk/>
+            <pc:sldMk cId="1520747544" sldId="262"/>
+            <ac:spMk id="9" creationId="{700D8949-7BEC-4E7B-8872-67D2E91315EC}"/>
+          </ac:spMkLst>
+        </pc:spChg>
+        <pc:spChg chg="add del mod">
+          <ac:chgData name="Graydon Hall" userId="6ad8ef6fe9c5877e" providerId="LiveId" clId="{743B0715-C183-42DE-B6E5-38E47A36CCC5}" dt="2021-09-29T03:36:49.364" v="28" actId="478"/>
+          <ac:spMkLst>
+            <pc:docMk/>
+            <pc:sldMk cId="1520747544" sldId="262"/>
+            <ac:spMk id="10" creationId="{01EC3C9B-2A77-4BF7-B267-93537547F115}"/>
+          </ac:spMkLst>
+        </pc:spChg>
+        <pc:spChg chg="add mod">
+          <ac:chgData name="Graydon Hall" userId="6ad8ef6fe9c5877e" providerId="LiveId" clId="{743B0715-C183-42DE-B6E5-38E47A36CCC5}" dt="2021-09-29T03:54:13.070" v="298" actId="1076"/>
+          <ac:spMkLst>
+            <pc:docMk/>
+            <pc:sldMk cId="1520747544" sldId="262"/>
+            <ac:spMk id="11" creationId="{ABE71181-B149-4EE3-8C57-DA344694D6C2}"/>
+          </ac:spMkLst>
+        </pc:spChg>
+        <pc:spChg chg="add del mod">
+          <ac:chgData name="Graydon Hall" userId="6ad8ef6fe9c5877e" providerId="LiveId" clId="{743B0715-C183-42DE-B6E5-38E47A36CCC5}" dt="2021-09-29T03:36:31.956" v="19" actId="478"/>
+          <ac:spMkLst>
+            <pc:docMk/>
+            <pc:sldMk cId="1520747544" sldId="262"/>
+            <ac:spMk id="12" creationId="{BF87B038-24EA-4D6F-AA4A-B5A49E4701F2}"/>
+          </ac:spMkLst>
+        </pc:spChg>
+        <pc:spChg chg="add mod">
+          <ac:chgData name="Graydon Hall" userId="6ad8ef6fe9c5877e" providerId="LiveId" clId="{743B0715-C183-42DE-B6E5-38E47A36CCC5}" dt="2021-09-29T03:50:39.468" v="264" actId="1035"/>
+          <ac:spMkLst>
+            <pc:docMk/>
+            <pc:sldMk cId="1520747544" sldId="262"/>
+            <ac:spMk id="13" creationId="{1485229A-BE5D-445C-A29D-2095B03DF662}"/>
+          </ac:spMkLst>
+        </pc:spChg>
+        <pc:spChg chg="add mod">
+          <ac:chgData name="Graydon Hall" userId="6ad8ef6fe9c5877e" providerId="LiveId" clId="{743B0715-C183-42DE-B6E5-38E47A36CCC5}" dt="2021-09-29T03:50:39.468" v="264" actId="1035"/>
+          <ac:spMkLst>
+            <pc:docMk/>
+            <pc:sldMk cId="1520747544" sldId="262"/>
+            <ac:spMk id="14" creationId="{8E3A9A45-B3AF-48DC-B12C-05C16FE7B083}"/>
+          </ac:spMkLst>
+        </pc:spChg>
+        <pc:spChg chg="add mod">
+          <ac:chgData name="Graydon Hall" userId="6ad8ef6fe9c5877e" providerId="LiveId" clId="{743B0715-C183-42DE-B6E5-38E47A36CCC5}" dt="2021-09-29T03:54:13.070" v="298" actId="1076"/>
+          <ac:spMkLst>
+            <pc:docMk/>
+            <pc:sldMk cId="1520747544" sldId="262"/>
+            <ac:spMk id="15" creationId="{37CEF823-64A2-4803-97BB-DE3BC2A56C3D}"/>
+          </ac:spMkLst>
+        </pc:spChg>
+        <pc:spChg chg="add mod ord">
+          <ac:chgData name="Graydon Hall" userId="6ad8ef6fe9c5877e" providerId="LiveId" clId="{743B0715-C183-42DE-B6E5-38E47A36CCC5}" dt="2021-09-29T03:54:13.070" v="298" actId="1076"/>
+          <ac:spMkLst>
+            <pc:docMk/>
+            <pc:sldMk cId="1520747544" sldId="262"/>
+            <ac:spMk id="16" creationId="{EA2DF13A-E11F-4817-B472-6B40ED9D8414}"/>
+          </ac:spMkLst>
+        </pc:spChg>
+        <pc:spChg chg="add mod">
+          <ac:chgData name="Graydon Hall" userId="6ad8ef6fe9c5877e" providerId="LiveId" clId="{743B0715-C183-42DE-B6E5-38E47A36CCC5}" dt="2021-09-29T03:54:13.070" v="298" actId="1076"/>
+          <ac:spMkLst>
+            <pc:docMk/>
+            <pc:sldMk cId="1520747544" sldId="262"/>
+            <ac:spMk id="17" creationId="{49613BA1-EC39-4C9D-911C-822803A902C7}"/>
+          </ac:spMkLst>
+        </pc:spChg>
+        <pc:spChg chg="add mod">
+          <ac:chgData name="Graydon Hall" userId="6ad8ef6fe9c5877e" providerId="LiveId" clId="{743B0715-C183-42DE-B6E5-38E47A36CCC5}" dt="2021-09-29T03:54:13.070" v="298" actId="1076"/>
+          <ac:spMkLst>
+            <pc:docMk/>
+            <pc:sldMk cId="1520747544" sldId="262"/>
+            <ac:spMk id="18" creationId="{827B7BA2-81B6-42CB-8875-9F2B5C5394A7}"/>
+          </ac:spMkLst>
+        </pc:spChg>
+        <pc:spChg chg="add mod">
+          <ac:chgData name="Graydon Hall" userId="6ad8ef6fe9c5877e" providerId="LiveId" clId="{743B0715-C183-42DE-B6E5-38E47A36CCC5}" dt="2021-09-29T03:54:13.070" v="298" actId="1076"/>
+          <ac:spMkLst>
+            <pc:docMk/>
+            <pc:sldMk cId="1520747544" sldId="262"/>
+            <ac:spMk id="19" creationId="{EB91542B-7DF9-446A-B685-3FF42460CD15}"/>
+          </ac:spMkLst>
+        </pc:spChg>
+        <pc:spChg chg="add del mod ord">
+          <ac:chgData name="Graydon Hall" userId="6ad8ef6fe9c5877e" providerId="LiveId" clId="{743B0715-C183-42DE-B6E5-38E47A36CCC5}" dt="2021-09-29T03:48:14.259" v="195" actId="478"/>
+          <ac:spMkLst>
+            <pc:docMk/>
+            <pc:sldMk cId="1520747544" sldId="262"/>
+            <ac:spMk id="20" creationId="{03D617A6-3605-4403-A00D-192C92BE1038}"/>
+          </ac:spMkLst>
+        </pc:spChg>
+        <pc:spChg chg="add del mod">
+          <ac:chgData name="Graydon Hall" userId="6ad8ef6fe9c5877e" providerId="LiveId" clId="{743B0715-C183-42DE-B6E5-38E47A36CCC5}" dt="2021-09-29T03:36:21.730" v="18" actId="478"/>
+          <ac:spMkLst>
+            <pc:docMk/>
+            <pc:sldMk cId="1520747544" sldId="262"/>
+            <ac:spMk id="21" creationId="{E5DE45E8-EEB8-4482-89CA-29DA67379F18}"/>
+          </ac:spMkLst>
+        </pc:spChg>
+        <pc:spChg chg="add del mod">
+          <ac:chgData name="Graydon Hall" userId="6ad8ef6fe9c5877e" providerId="LiveId" clId="{743B0715-C183-42DE-B6E5-38E47A36CCC5}" dt="2021-09-29T03:36:19.082" v="14" actId="478"/>
+          <ac:spMkLst>
+            <pc:docMk/>
+            <pc:sldMk cId="1520747544" sldId="262"/>
+            <ac:spMk id="22" creationId="{F761A6F5-9B5F-4503-A48B-C066E03B23B0}"/>
+          </ac:spMkLst>
+        </pc:spChg>
+        <pc:spChg chg="add del mod">
+          <ac:chgData name="Graydon Hall" userId="6ad8ef6fe9c5877e" providerId="LiveId" clId="{743B0715-C183-42DE-B6E5-38E47A36CCC5}" dt="2021-09-29T03:36:20.874" v="17" actId="478"/>
+          <ac:spMkLst>
+            <pc:docMk/>
+            <pc:sldMk cId="1520747544" sldId="262"/>
+            <ac:spMk id="23" creationId="{989887C1-A93D-49F2-B8A0-193D9B94E14F}"/>
+          </ac:spMkLst>
+        </pc:spChg>
+        <pc:spChg chg="add mod">
+          <ac:chgData name="Graydon Hall" userId="6ad8ef6fe9c5877e" providerId="LiveId" clId="{743B0715-C183-42DE-B6E5-38E47A36CCC5}" dt="2021-09-29T03:54:13.070" v="298" actId="1076"/>
+          <ac:spMkLst>
+            <pc:docMk/>
+            <pc:sldMk cId="1520747544" sldId="262"/>
+            <ac:spMk id="24" creationId="{FD8706BD-108D-4ECE-80FA-00ED04CF3D8A}"/>
+          </ac:spMkLst>
+        </pc:spChg>
+        <pc:spChg chg="add mod">
+          <ac:chgData name="Graydon Hall" userId="6ad8ef6fe9c5877e" providerId="LiveId" clId="{743B0715-C183-42DE-B6E5-38E47A36CCC5}" dt="2021-09-29T03:54:13.070" v="298" actId="1076"/>
+          <ac:spMkLst>
+            <pc:docMk/>
+            <pc:sldMk cId="1520747544" sldId="262"/>
+            <ac:spMk id="25" creationId="{D874629E-BAB8-48EB-8538-631F7E8F7166}"/>
+          </ac:spMkLst>
+        </pc:spChg>
+        <pc:spChg chg="add mod">
+          <ac:chgData name="Graydon Hall" userId="6ad8ef6fe9c5877e" providerId="LiveId" clId="{743B0715-C183-42DE-B6E5-38E47A36CCC5}" dt="2021-09-29T03:54:13.070" v="298" actId="1076"/>
+          <ac:spMkLst>
+            <pc:docMk/>
+            <pc:sldMk cId="1520747544" sldId="262"/>
+            <ac:spMk id="26" creationId="{D60DACE1-0AE0-4851-B2F0-AFC7BC736D99}"/>
+          </ac:spMkLst>
+        </pc:spChg>
+        <pc:spChg chg="add del mod">
+          <ac:chgData name="Graydon Hall" userId="6ad8ef6fe9c5877e" providerId="LiveId" clId="{743B0715-C183-42DE-B6E5-38E47A36CCC5}" dt="2021-09-29T03:36:15.386" v="11" actId="478"/>
+          <ac:spMkLst>
+            <pc:docMk/>
+            <pc:sldMk cId="1520747544" sldId="262"/>
+            <ac:spMk id="27" creationId="{331319E9-FA3B-4F32-95FC-8CF792132737}"/>
+          </ac:spMkLst>
+        </pc:spChg>
+        <pc:spChg chg="add del mod">
+          <ac:chgData name="Graydon Hall" userId="6ad8ef6fe9c5877e" providerId="LiveId" clId="{743B0715-C183-42DE-B6E5-38E47A36CCC5}" dt="2021-09-29T03:36:19.816" v="15" actId="478"/>
+          <ac:spMkLst>
+            <pc:docMk/>
+            <pc:sldMk cId="1520747544" sldId="262"/>
+            <ac:spMk id="28" creationId="{5C8E1C9E-56A0-4C56-9D23-B7525279507E}"/>
+          </ac:spMkLst>
+        </pc:spChg>
+        <pc:spChg chg="add del mod">
+          <ac:chgData name="Graydon Hall" userId="6ad8ef6fe9c5877e" providerId="LiveId" clId="{743B0715-C183-42DE-B6E5-38E47A36CCC5}" dt="2021-09-29T03:36:20.409" v="16" actId="478"/>
+          <ac:spMkLst>
+            <pc:docMk/>
+            <pc:sldMk cId="1520747544" sldId="262"/>
+            <ac:spMk id="29" creationId="{3CD0DEED-BD3D-4727-8A5B-5BC716E76768}"/>
+          </ac:spMkLst>
+        </pc:spChg>
+        <pc:spChg chg="add mod">
+          <ac:chgData name="Graydon Hall" userId="6ad8ef6fe9c5877e" providerId="LiveId" clId="{743B0715-C183-42DE-B6E5-38E47A36CCC5}" dt="2021-09-29T03:50:39.468" v="264" actId="1035"/>
+          <ac:spMkLst>
+            <pc:docMk/>
+            <pc:sldMk cId="1520747544" sldId="262"/>
+            <ac:spMk id="30" creationId="{EF742BB3-B8CD-4214-A16D-995CA4C3A04F}"/>
+          </ac:spMkLst>
+        </pc:spChg>
+        <pc:spChg chg="add mod">
+          <ac:chgData name="Graydon Hall" userId="6ad8ef6fe9c5877e" providerId="LiveId" clId="{743B0715-C183-42DE-B6E5-38E47A36CCC5}" dt="2021-09-29T03:50:39.468" v="264" actId="1035"/>
+          <ac:spMkLst>
+            <pc:docMk/>
+            <pc:sldMk cId="1520747544" sldId="262"/>
+            <ac:spMk id="31" creationId="{195FFD83-D7D9-4459-9CF3-A18D5A7A4E5B}"/>
+          </ac:spMkLst>
+        </pc:spChg>
+        <pc:spChg chg="add mod">
+          <ac:chgData name="Graydon Hall" userId="6ad8ef6fe9c5877e" providerId="LiveId" clId="{743B0715-C183-42DE-B6E5-38E47A36CCC5}" dt="2021-09-29T03:50:39.468" v="264" actId="1035"/>
+          <ac:spMkLst>
+            <pc:docMk/>
+            <pc:sldMk cId="1520747544" sldId="262"/>
+            <ac:spMk id="32" creationId="{0F9B6971-E396-466B-968F-2B6C71A84C66}"/>
+          </ac:spMkLst>
+        </pc:spChg>
+        <pc:spChg chg="add mod ord">
+          <ac:chgData name="Graydon Hall" userId="6ad8ef6fe9c5877e" providerId="LiveId" clId="{743B0715-C183-42DE-B6E5-38E47A36CCC5}" dt="2021-09-29T03:54:13.070" v="298" actId="1076"/>
+          <ac:spMkLst>
+            <pc:docMk/>
+            <pc:sldMk cId="1520747544" sldId="262"/>
+            <ac:spMk id="33" creationId="{93034171-ED6B-48B6-89E7-6D43497F0D62}"/>
+          </ac:spMkLst>
+        </pc:spChg>
+        <pc:spChg chg="add del mod">
+          <ac:chgData name="Graydon Hall" userId="6ad8ef6fe9c5877e" providerId="LiveId" clId="{743B0715-C183-42DE-B6E5-38E47A36CCC5}" dt="2021-09-29T03:50:51.095" v="287" actId="478"/>
+          <ac:spMkLst>
+            <pc:docMk/>
+            <pc:sldMk cId="1520747544" sldId="262"/>
+            <ac:spMk id="34" creationId="{504E148F-17B4-487A-9380-824A592108EE}"/>
+          </ac:spMkLst>
+        </pc:spChg>
+        <pc:spChg chg="add del mod">
+          <ac:chgData name="Graydon Hall" userId="6ad8ef6fe9c5877e" providerId="LiveId" clId="{743B0715-C183-42DE-B6E5-38E47A36CCC5}" dt="2021-09-29T03:51:11.350" v="292" actId="478"/>
+          <ac:spMkLst>
+            <pc:docMk/>
+            <pc:sldMk cId="1520747544" sldId="262"/>
+            <ac:spMk id="35" creationId="{6789E424-B6B9-4097-AC0D-75D7E2D04051}"/>
+          </ac:spMkLst>
+        </pc:spChg>
+        <pc:spChg chg="add del mod">
+          <ac:chgData name="Graydon Hall" userId="6ad8ef6fe9c5877e" providerId="LiveId" clId="{743B0715-C183-42DE-B6E5-38E47A36CCC5}" dt="2021-09-29T03:51:11.350" v="292" actId="478"/>
+          <ac:spMkLst>
+            <pc:docMk/>
+            <pc:sldMk cId="1520747544" sldId="262"/>
+            <ac:spMk id="36" creationId="{353EC245-78FD-4B1A-8B4C-18445610632B}"/>
+          </ac:spMkLst>
+        </pc:spChg>
+        <pc:spChg chg="add del mod">
+          <ac:chgData name="Graydon Hall" userId="6ad8ef6fe9c5877e" providerId="LiveId" clId="{743B0715-C183-42DE-B6E5-38E47A36CCC5}" dt="2021-09-29T03:51:11.350" v="292" actId="478"/>
+          <ac:spMkLst>
+            <pc:docMk/>
+            <pc:sldMk cId="1520747544" sldId="262"/>
+            <ac:spMk id="37" creationId="{73157DFB-413B-47C5-8D98-374C7DF4B497}"/>
+          </ac:spMkLst>
+        </pc:spChg>
+        <pc:spChg chg="add del mod">
+          <ac:chgData name="Graydon Hall" userId="6ad8ef6fe9c5877e" providerId="LiveId" clId="{743B0715-C183-42DE-B6E5-38E47A36CCC5}" dt="2021-09-29T03:51:11.350" v="292" actId="478"/>
+          <ac:spMkLst>
+            <pc:docMk/>
+            <pc:sldMk cId="1520747544" sldId="262"/>
+            <ac:spMk id="38" creationId="{C5858F6A-2A1F-425D-9D84-23EF51AF084C}"/>
+          </ac:spMkLst>
+        </pc:spChg>
+        <pc:spChg chg="add del mod">
+          <ac:chgData name="Graydon Hall" userId="6ad8ef6fe9c5877e" providerId="LiveId" clId="{743B0715-C183-42DE-B6E5-38E47A36CCC5}" dt="2021-09-29T03:51:11.350" v="292" actId="478"/>
+          <ac:spMkLst>
+            <pc:docMk/>
+            <pc:sldMk cId="1520747544" sldId="262"/>
+            <ac:spMk id="39" creationId="{3BD4D860-3120-4518-B16A-0D50B93E3FC9}"/>
+          </ac:spMkLst>
+        </pc:spChg>
+        <pc:spChg chg="add del mod">
+          <ac:chgData name="Graydon Hall" userId="6ad8ef6fe9c5877e" providerId="LiveId" clId="{743B0715-C183-42DE-B6E5-38E47A36CCC5}" dt="2021-09-29T03:51:11.350" v="292" actId="478"/>
+          <ac:spMkLst>
+            <pc:docMk/>
+            <pc:sldMk cId="1520747544" sldId="262"/>
+            <ac:spMk id="40" creationId="{FEBC4595-2A2E-4D17-8399-378CD0498AAD}"/>
+          </ac:spMkLst>
+        </pc:spChg>
+        <pc:spChg chg="add del mod">
+          <ac:chgData name="Graydon Hall" userId="6ad8ef6fe9c5877e" providerId="LiveId" clId="{743B0715-C183-42DE-B6E5-38E47A36CCC5}" dt="2021-09-29T03:54:12.689" v="297" actId="478"/>
+          <ac:spMkLst>
+            <pc:docMk/>
+            <pc:sldMk cId="1520747544" sldId="262"/>
+            <ac:spMk id="41" creationId="{9F697075-3869-42C5-B2FA-DE2B053F13AC}"/>
+          </ac:spMkLst>
+        </pc:spChg>
+      </pc:sldChg>
+      <pc:sldChg chg="addSp delSp modSp add mod">
+        <pc:chgData name="Graydon Hall" userId="6ad8ef6fe9c5877e" providerId="LiveId" clId="{743B0715-C183-42DE-B6E5-38E47A36CCC5}" dt="2021-09-29T03:56:32.641" v="322"/>
+        <pc:sldMkLst>
+          <pc:docMk/>
+          <pc:sldMk cId="1503291825" sldId="263"/>
+        </pc:sldMkLst>
+        <pc:spChg chg="add">
+          <ac:chgData name="Graydon Hall" userId="6ad8ef6fe9c5877e" providerId="LiveId" clId="{743B0715-C183-42DE-B6E5-38E47A36CCC5}" dt="2021-09-29T03:55:34.344" v="315" actId="11529"/>
+          <ac:spMkLst>
+            <pc:docMk/>
+            <pc:sldMk cId="1503291825" sldId="263"/>
+            <ac:spMk id="2" creationId="{CFB07ECE-B2EE-4E70-B0DB-58855EAF98DE}"/>
+          </ac:spMkLst>
+        </pc:spChg>
+        <pc:spChg chg="add mod">
+          <ac:chgData name="Graydon Hall" userId="6ad8ef6fe9c5877e" providerId="LiveId" clId="{743B0715-C183-42DE-B6E5-38E47A36CCC5}" dt="2021-09-29T03:56:32.641" v="322"/>
+          <ac:spMkLst>
+            <pc:docMk/>
+            <pc:sldMk cId="1503291825" sldId="263"/>
+            <ac:spMk id="3" creationId="{3F7A1947-1946-4153-BCE6-A4B25865D7B6}"/>
+          </ac:spMkLst>
+        </pc:spChg>
+        <pc:spChg chg="mod">
+          <ac:chgData name="Graydon Hall" userId="6ad8ef6fe9c5877e" providerId="LiveId" clId="{743B0715-C183-42DE-B6E5-38E47A36CCC5}" dt="2021-09-29T03:54:33.356" v="303" actId="1076"/>
+          <ac:spMkLst>
+            <pc:docMk/>
+            <pc:sldMk cId="1503291825" sldId="263"/>
+            <ac:spMk id="4" creationId="{69D13A37-6B82-4C78-812F-D9D461CDC672}"/>
+          </ac:spMkLst>
+        </pc:spChg>
+        <pc:spChg chg="mod">
+          <ac:chgData name="Graydon Hall" userId="6ad8ef6fe9c5877e" providerId="LiveId" clId="{743B0715-C183-42DE-B6E5-38E47A36CCC5}" dt="2021-09-29T03:54:33.356" v="303" actId="1076"/>
+          <ac:spMkLst>
+            <pc:docMk/>
+            <pc:sldMk cId="1503291825" sldId="263"/>
+            <ac:spMk id="11" creationId="{ABE71181-B149-4EE3-8C57-DA344694D6C2}"/>
+          </ac:spMkLst>
+        </pc:spChg>
+        <pc:spChg chg="mod">
+          <ac:chgData name="Graydon Hall" userId="6ad8ef6fe9c5877e" providerId="LiveId" clId="{743B0715-C183-42DE-B6E5-38E47A36CCC5}" dt="2021-09-29T03:54:33.356" v="303" actId="1076"/>
+          <ac:spMkLst>
+            <pc:docMk/>
+            <pc:sldMk cId="1503291825" sldId="263"/>
+            <ac:spMk id="15" creationId="{37CEF823-64A2-4803-97BB-DE3BC2A56C3D}"/>
+          </ac:spMkLst>
+        </pc:spChg>
+        <pc:spChg chg="mod">
+          <ac:chgData name="Graydon Hall" userId="6ad8ef6fe9c5877e" providerId="LiveId" clId="{743B0715-C183-42DE-B6E5-38E47A36CCC5}" dt="2021-09-29T03:54:33.356" v="303" actId="1076"/>
+          <ac:spMkLst>
+            <pc:docMk/>
+            <pc:sldMk cId="1503291825" sldId="263"/>
+            <ac:spMk id="16" creationId="{EA2DF13A-E11F-4817-B472-6B40ED9D8414}"/>
+          </ac:spMkLst>
+        </pc:spChg>
+        <pc:spChg chg="mod">
+          <ac:chgData name="Graydon Hall" userId="6ad8ef6fe9c5877e" providerId="LiveId" clId="{743B0715-C183-42DE-B6E5-38E47A36CCC5}" dt="2021-09-29T03:54:41.588" v="305" actId="20577"/>
+          <ac:spMkLst>
+            <pc:docMk/>
+            <pc:sldMk cId="1503291825" sldId="263"/>
+            <ac:spMk id="17" creationId="{49613BA1-EC39-4C9D-911C-822803A902C7}"/>
+          </ac:spMkLst>
+        </pc:spChg>
+        <pc:spChg chg="del mod">
+          <ac:chgData name="Graydon Hall" userId="6ad8ef6fe9c5877e" providerId="LiveId" clId="{743B0715-C183-42DE-B6E5-38E47A36CCC5}" dt="2021-09-29T03:54:43.667" v="306" actId="478"/>
+          <ac:spMkLst>
+            <pc:docMk/>
+            <pc:sldMk cId="1503291825" sldId="263"/>
+            <ac:spMk id="18" creationId="{827B7BA2-81B6-42CB-8875-9F2B5C5394A7}"/>
+          </ac:spMkLst>
+        </pc:spChg>
+        <pc:spChg chg="mod">
+          <ac:chgData name="Graydon Hall" userId="6ad8ef6fe9c5877e" providerId="LiveId" clId="{743B0715-C183-42DE-B6E5-38E47A36CCC5}" dt="2021-09-29T03:54:33.356" v="303" actId="1076"/>
+          <ac:spMkLst>
+            <pc:docMk/>
+            <pc:sldMk cId="1503291825" sldId="263"/>
+            <ac:spMk id="19" creationId="{EB91542B-7DF9-446A-B685-3FF42460CD15}"/>
+          </ac:spMkLst>
+        </pc:spChg>
+        <pc:spChg chg="mod">
+          <ac:chgData name="Graydon Hall" userId="6ad8ef6fe9c5877e" providerId="LiveId" clId="{743B0715-C183-42DE-B6E5-38E47A36CCC5}" dt="2021-09-29T03:54:33.356" v="303" actId="1076"/>
+          <ac:spMkLst>
+            <pc:docMk/>
+            <pc:sldMk cId="1503291825" sldId="263"/>
+            <ac:spMk id="24" creationId="{FD8706BD-108D-4ECE-80FA-00ED04CF3D8A}"/>
+          </ac:spMkLst>
+        </pc:spChg>
+        <pc:spChg chg="mod">
+          <ac:chgData name="Graydon Hall" userId="6ad8ef6fe9c5877e" providerId="LiveId" clId="{743B0715-C183-42DE-B6E5-38E47A36CCC5}" dt="2021-09-29T03:54:33.356" v="303" actId="1076"/>
+          <ac:spMkLst>
+            <pc:docMk/>
+            <pc:sldMk cId="1503291825" sldId="263"/>
+            <ac:spMk id="25" creationId="{D874629E-BAB8-48EB-8538-631F7E8F7166}"/>
+          </ac:spMkLst>
+        </pc:spChg>
+        <pc:spChg chg="mod">
+          <ac:chgData name="Graydon Hall" userId="6ad8ef6fe9c5877e" providerId="LiveId" clId="{743B0715-C183-42DE-B6E5-38E47A36CCC5}" dt="2021-09-29T03:54:33.356" v="303" actId="1076"/>
+          <ac:spMkLst>
+            <pc:docMk/>
+            <pc:sldMk cId="1503291825" sldId="263"/>
+            <ac:spMk id="26" creationId="{D60DACE1-0AE0-4851-B2F0-AFC7BC736D99}"/>
+          </ac:spMkLst>
+        </pc:spChg>
+        <pc:spChg chg="add mod">
+          <ac:chgData name="Graydon Hall" userId="6ad8ef6fe9c5877e" providerId="LiveId" clId="{743B0715-C183-42DE-B6E5-38E47A36CCC5}" dt="2021-09-29T03:54:56.656" v="309" actId="1076"/>
+          <ac:spMkLst>
+            <pc:docMk/>
+            <pc:sldMk cId="1503291825" sldId="263"/>
+            <ac:spMk id="29" creationId="{47CAEDA8-D31E-4441-9798-ACABDF85CE4C}"/>
+          </ac:spMkLst>
+        </pc:spChg>
+        <pc:spChg chg="del mod">
+          <ac:chgData name="Graydon Hall" userId="6ad8ef6fe9c5877e" providerId="LiveId" clId="{743B0715-C183-42DE-B6E5-38E47A36CCC5}" dt="2021-09-29T03:54:47.052" v="307" actId="478"/>
+          <ac:spMkLst>
+            <pc:docMk/>
+            <pc:sldMk cId="1503291825" sldId="263"/>
+            <ac:spMk id="33" creationId="{93034171-ED6B-48B6-89E7-6D43497F0D62}"/>
+          </ac:spMkLst>
+        </pc:spChg>
+        <pc:spChg chg="add mod">
+          <ac:chgData name="Graydon Hall" userId="6ad8ef6fe9c5877e" providerId="LiveId" clId="{743B0715-C183-42DE-B6E5-38E47A36CCC5}" dt="2021-09-29T03:54:56.656" v="309" actId="1076"/>
+          <ac:spMkLst>
+            <pc:docMk/>
+            <pc:sldMk cId="1503291825" sldId="263"/>
+            <ac:spMk id="34" creationId="{B2F16374-3F83-43A2-8906-FFB94AB30597}"/>
+          </ac:spMkLst>
+        </pc:spChg>
+        <pc:spChg chg="del">
+          <ac:chgData name="Graydon Hall" userId="6ad8ef6fe9c5877e" providerId="LiveId" clId="{743B0715-C183-42DE-B6E5-38E47A36CCC5}" dt="2021-09-29T03:54:28.499" v="302" actId="478"/>
+          <ac:spMkLst>
+            <pc:docMk/>
+            <pc:sldMk cId="1503291825" sldId="263"/>
+            <ac:spMk id="35" creationId="{6789E424-B6B9-4097-AC0D-75D7E2D04051}"/>
+          </ac:spMkLst>
+        </pc:spChg>
+        <pc:spChg chg="del">
+          <ac:chgData name="Graydon Hall" userId="6ad8ef6fe9c5877e" providerId="LiveId" clId="{743B0715-C183-42DE-B6E5-38E47A36CCC5}" dt="2021-09-29T03:54:28.499" v="302" actId="478"/>
+          <ac:spMkLst>
+            <pc:docMk/>
+            <pc:sldMk cId="1503291825" sldId="263"/>
+            <ac:spMk id="36" creationId="{353EC245-78FD-4B1A-8B4C-18445610632B}"/>
+          </ac:spMkLst>
+        </pc:spChg>
+        <pc:spChg chg="del">
+          <ac:chgData name="Graydon Hall" userId="6ad8ef6fe9c5877e" providerId="LiveId" clId="{743B0715-C183-42DE-B6E5-38E47A36CCC5}" dt="2021-09-29T03:54:28.499" v="302" actId="478"/>
+          <ac:spMkLst>
+            <pc:docMk/>
+            <pc:sldMk cId="1503291825" sldId="263"/>
+            <ac:spMk id="37" creationId="{73157DFB-413B-47C5-8D98-374C7DF4B497}"/>
+          </ac:spMkLst>
+        </pc:spChg>
+        <pc:spChg chg="del">
+          <ac:chgData name="Graydon Hall" userId="6ad8ef6fe9c5877e" providerId="LiveId" clId="{743B0715-C183-42DE-B6E5-38E47A36CCC5}" dt="2021-09-29T03:54:28.499" v="302" actId="478"/>
+          <ac:spMkLst>
+            <pc:docMk/>
+            <pc:sldMk cId="1503291825" sldId="263"/>
+            <ac:spMk id="38" creationId="{C5858F6A-2A1F-425D-9D84-23EF51AF084C}"/>
+          </ac:spMkLst>
+        </pc:spChg>
+        <pc:spChg chg="del">
+          <ac:chgData name="Graydon Hall" userId="6ad8ef6fe9c5877e" providerId="LiveId" clId="{743B0715-C183-42DE-B6E5-38E47A36CCC5}" dt="2021-09-29T03:54:28.499" v="302" actId="478"/>
+          <ac:spMkLst>
+            <pc:docMk/>
+            <pc:sldMk cId="1503291825" sldId="263"/>
+            <ac:spMk id="39" creationId="{3BD4D860-3120-4518-B16A-0D50B93E3FC9}"/>
+          </ac:spMkLst>
+        </pc:spChg>
+        <pc:spChg chg="del">
+          <ac:chgData name="Graydon Hall" userId="6ad8ef6fe9c5877e" providerId="LiveId" clId="{743B0715-C183-42DE-B6E5-38E47A36CCC5}" dt="2021-09-29T03:54:28.499" v="302" actId="478"/>
+          <ac:spMkLst>
+            <pc:docMk/>
+            <pc:sldMk cId="1503291825" sldId="263"/>
+            <ac:spMk id="40" creationId="{FEBC4595-2A2E-4D17-8399-378CD0498AAD}"/>
+          </ac:spMkLst>
+        </pc:spChg>
+        <pc:spChg chg="add mod">
+          <ac:chgData name="Graydon Hall" userId="6ad8ef6fe9c5877e" providerId="LiveId" clId="{743B0715-C183-42DE-B6E5-38E47A36CCC5}" dt="2021-09-29T03:55:07.494" v="312"/>
+          <ac:spMkLst>
+            <pc:docMk/>
+            <pc:sldMk cId="1503291825" sldId="263"/>
+            <ac:spMk id="41" creationId="{DBF3B9B0-06CB-4339-9F91-A859FAB1956F}"/>
+          </ac:spMkLst>
+        </pc:spChg>
+        <pc:spChg chg="add mod">
+          <ac:chgData name="Graydon Hall" userId="6ad8ef6fe9c5877e" providerId="LiveId" clId="{743B0715-C183-42DE-B6E5-38E47A36CCC5}" dt="2021-09-29T03:54:56.656" v="309" actId="1076"/>
+          <ac:spMkLst>
+            <pc:docMk/>
+            <pc:sldMk cId="1503291825" sldId="263"/>
+            <ac:spMk id="42" creationId="{FB277E18-A725-43A5-A729-8909D4583D5E}"/>
+          </ac:spMkLst>
+        </pc:spChg>
+        <pc:spChg chg="add mod">
+          <ac:chgData name="Graydon Hall" userId="6ad8ef6fe9c5877e" providerId="LiveId" clId="{743B0715-C183-42DE-B6E5-38E47A36CCC5}" dt="2021-09-29T03:55:22.689" v="314" actId="20577"/>
+          <ac:spMkLst>
+            <pc:docMk/>
+            <pc:sldMk cId="1503291825" sldId="263"/>
+            <ac:spMk id="43" creationId="{2970151F-788A-48D6-A891-B1DD457E73EA}"/>
+          </ac:spMkLst>
+        </pc:spChg>
+        <pc:spChg chg="add del mod">
+          <ac:chgData name="Graydon Hall" userId="6ad8ef6fe9c5877e" providerId="LiveId" clId="{743B0715-C183-42DE-B6E5-38E47A36CCC5}" dt="2021-09-29T03:55:15.517" v="313" actId="478"/>
+          <ac:spMkLst>
+            <pc:docMk/>
+            <pc:sldMk cId="1503291825" sldId="263"/>
+            <ac:spMk id="44" creationId="{2B167A58-2A6F-42A3-83D6-8B11291C1983}"/>
+          </ac:spMkLst>
+        </pc:spChg>
+        <pc:spChg chg="add mod">
+          <ac:chgData name="Graydon Hall" userId="6ad8ef6fe9c5877e" providerId="LiveId" clId="{743B0715-C183-42DE-B6E5-38E47A36CCC5}" dt="2021-09-29T03:54:56.656" v="309" actId="1076"/>
+          <ac:spMkLst>
+            <pc:docMk/>
+            <pc:sldMk cId="1503291825" sldId="263"/>
+            <ac:spMk id="45" creationId="{52550F01-2117-470B-81A6-0B103B521802}"/>
+          </ac:spMkLst>
+        </pc:spChg>
+        <pc:spChg chg="add mod">
+          <ac:chgData name="Graydon Hall" userId="6ad8ef6fe9c5877e" providerId="LiveId" clId="{743B0715-C183-42DE-B6E5-38E47A36CCC5}" dt="2021-09-29T03:55:45.920" v="320" actId="207"/>
+          <ac:spMkLst>
+            <pc:docMk/>
+            <pc:sldMk cId="1503291825" sldId="263"/>
+            <ac:spMk id="46" creationId="{CC01F6B5-B11D-47C7-8A80-86751AEF2E34}"/>
+          </ac:spMkLst>
+        </pc:spChg>
+      </pc:sldChg>
+      <pc:sldChg chg="addSp delSp modSp add mod">
+        <pc:chgData name="Graydon Hall" userId="6ad8ef6fe9c5877e" providerId="LiveId" clId="{743B0715-C183-42DE-B6E5-38E47A36CCC5}" dt="2021-10-02T20:48:30.700" v="5493" actId="20577"/>
+        <pc:sldMkLst>
+          <pc:docMk/>
+          <pc:sldMk cId="3452070991" sldId="264"/>
+        </pc:sldMkLst>
+        <pc:spChg chg="add mod">
+          <ac:chgData name="Graydon Hall" userId="6ad8ef6fe9c5877e" providerId="LiveId" clId="{743B0715-C183-42DE-B6E5-38E47A36CCC5}" dt="2021-09-29T04:01:24.047" v="349"/>
+          <ac:spMkLst>
+            <pc:docMk/>
+            <pc:sldMk cId="3452070991" sldId="264"/>
+            <ac:spMk id="2" creationId="{4B6CD77E-2848-4F7A-90F1-9D0E81791A95}"/>
+          </ac:spMkLst>
+        </pc:spChg>
+        <pc:spChg chg="mod">
+          <ac:chgData name="Graydon Hall" userId="6ad8ef6fe9c5877e" providerId="LiveId" clId="{743B0715-C183-42DE-B6E5-38E47A36CCC5}" dt="2021-09-29T04:03:22.658" v="363" actId="20577"/>
+          <ac:spMkLst>
+            <pc:docMk/>
+            <pc:sldMk cId="3452070991" sldId="264"/>
+            <ac:spMk id="11" creationId="{ABE71181-B149-4EE3-8C57-DA344694D6C2}"/>
+          </ac:spMkLst>
+        </pc:spChg>
+        <pc:spChg chg="mod">
+          <ac:chgData name="Graydon Hall" userId="6ad8ef6fe9c5877e" providerId="LiveId" clId="{743B0715-C183-42DE-B6E5-38E47A36CCC5}" dt="2021-09-29T03:59:30.762" v="334" actId="20577"/>
+          <ac:spMkLst>
+            <pc:docMk/>
+            <pc:sldMk cId="3452070991" sldId="264"/>
+            <ac:spMk id="17" creationId="{49613BA1-EC39-4C9D-911C-822803A902C7}"/>
+          </ac:spMkLst>
+        </pc:spChg>
+        <pc:spChg chg="mod">
+          <ac:chgData name="Graydon Hall" userId="6ad8ef6fe9c5877e" providerId="LiveId" clId="{743B0715-C183-42DE-B6E5-38E47A36CCC5}" dt="2021-10-02T20:48:27.444" v="5489" actId="20577"/>
+          <ac:spMkLst>
+            <pc:docMk/>
+            <pc:sldMk cId="3452070991" sldId="264"/>
+            <ac:spMk id="18" creationId="{827B7BA2-81B6-42CB-8875-9F2B5C5394A7}"/>
+          </ac:spMkLst>
+        </pc:spChg>
+        <pc:spChg chg="mod">
+          <ac:chgData name="Graydon Hall" userId="6ad8ef6fe9c5877e" providerId="LiveId" clId="{743B0715-C183-42DE-B6E5-38E47A36CCC5}" dt="2021-09-29T03:59:40.325" v="335" actId="1076"/>
+          <ac:spMkLst>
+            <pc:docMk/>
+            <pc:sldMk cId="3452070991" sldId="264"/>
+            <ac:spMk id="24" creationId="{FD8706BD-108D-4ECE-80FA-00ED04CF3D8A}"/>
+          </ac:spMkLst>
+        </pc:spChg>
+        <pc:spChg chg="mod">
+          <ac:chgData name="Graydon Hall" userId="6ad8ef6fe9c5877e" providerId="LiveId" clId="{743B0715-C183-42DE-B6E5-38E47A36CCC5}" dt="2021-09-29T03:59:40.325" v="335" actId="1076"/>
+          <ac:spMkLst>
+            <pc:docMk/>
+            <pc:sldMk cId="3452070991" sldId="264"/>
+            <ac:spMk id="25" creationId="{D874629E-BAB8-48EB-8538-631F7E8F7166}"/>
+          </ac:spMkLst>
+        </pc:spChg>
+        <pc:spChg chg="mod">
+          <ac:chgData name="Graydon Hall" userId="6ad8ef6fe9c5877e" providerId="LiveId" clId="{743B0715-C183-42DE-B6E5-38E47A36CCC5}" dt="2021-09-29T03:59:40.325" v="335" actId="1076"/>
+          <ac:spMkLst>
+            <pc:docMk/>
+            <pc:sldMk cId="3452070991" sldId="264"/>
+            <ac:spMk id="26" creationId="{D60DACE1-0AE0-4851-B2F0-AFC7BC736D99}"/>
+          </ac:spMkLst>
+        </pc:spChg>
+        <pc:spChg chg="add mod">
+          <ac:chgData name="Graydon Hall" userId="6ad8ef6fe9c5877e" providerId="LiveId" clId="{743B0715-C183-42DE-B6E5-38E47A36CCC5}" dt="2021-10-02T20:48:30.700" v="5493" actId="20577"/>
+          <ac:spMkLst>
+            <pc:docMk/>
+            <pc:sldMk cId="3452070991" sldId="264"/>
+            <ac:spMk id="29" creationId="{4B2BD078-5FAA-4A70-B0D7-F454270B9B12}"/>
+          </ac:spMkLst>
+        </pc:spChg>
+        <pc:spChg chg="mod">
+          <ac:chgData name="Graydon Hall" userId="6ad8ef6fe9c5877e" providerId="LiveId" clId="{743B0715-C183-42DE-B6E5-38E47A36CCC5}" dt="2021-09-29T04:01:38.713" v="352" actId="20577"/>
+          <ac:spMkLst>
+            <pc:docMk/>
+            <pc:sldMk cId="3452070991" sldId="264"/>
+            <ac:spMk id="33" creationId="{93034171-ED6B-48B6-89E7-6D43497F0D62}"/>
+          </ac:spMkLst>
+        </pc:spChg>
+        <pc:spChg chg="add mod">
+          <ac:chgData name="Graydon Hall" userId="6ad8ef6fe9c5877e" providerId="LiveId" clId="{743B0715-C183-42DE-B6E5-38E47A36CCC5}" dt="2021-09-29T04:01:33.073" v="351" actId="20577"/>
+          <ac:spMkLst>
+            <pc:docMk/>
+            <pc:sldMk cId="3452070991" sldId="264"/>
+            <ac:spMk id="34" creationId="{FD9CBD7F-6B57-4C32-B703-0677E0306882}"/>
+          </ac:spMkLst>
+        </pc:spChg>
+        <pc:spChg chg="mod">
+          <ac:chgData name="Graydon Hall" userId="6ad8ef6fe9c5877e" providerId="LiveId" clId="{743B0715-C183-42DE-B6E5-38E47A36CCC5}" dt="2021-09-29T03:59:13.786" v="326" actId="20577"/>
+          <ac:spMkLst>
+            <pc:docMk/>
+            <pc:sldMk cId="3452070991" sldId="264"/>
+            <ac:spMk id="35" creationId="{6789E424-B6B9-4097-AC0D-75D7E2D04051}"/>
+          </ac:spMkLst>
+        </pc:spChg>
+        <pc:spChg chg="mod">
+          <ac:chgData name="Graydon Hall" userId="6ad8ef6fe9c5877e" providerId="LiveId" clId="{743B0715-C183-42DE-B6E5-38E47A36CCC5}" dt="2021-09-29T04:01:50.623" v="355" actId="20577"/>
+          <ac:spMkLst>
+            <pc:docMk/>
+            <pc:sldMk cId="3452070991" sldId="264"/>
+            <ac:spMk id="36" creationId="{353EC245-78FD-4B1A-8B4C-18445610632B}"/>
+          </ac:spMkLst>
+        </pc:spChg>
+        <pc:spChg chg="mod">
+          <ac:chgData name="Graydon Hall" userId="6ad8ef6fe9c5877e" providerId="LiveId" clId="{743B0715-C183-42DE-B6E5-38E47A36CCC5}" dt="2021-09-29T04:01:48.022" v="354" actId="20577"/>
+          <ac:spMkLst>
+            <pc:docMk/>
+            <pc:sldMk cId="3452070991" sldId="264"/>
+            <ac:spMk id="37" creationId="{73157DFB-413B-47C5-8D98-374C7DF4B497}"/>
+          </ac:spMkLst>
+        </pc:spChg>
+        <pc:spChg chg="add del mod">
+          <ac:chgData name="Graydon Hall" userId="6ad8ef6fe9c5877e" providerId="LiveId" clId="{743B0715-C183-42DE-B6E5-38E47A36CCC5}" dt="2021-09-29T04:03:20.743" v="361"/>
+          <ac:spMkLst>
+            <pc:docMk/>
+            <pc:sldMk cId="3452070991" sldId="264"/>
+            <ac:spMk id="41" creationId="{E942651D-9FFB-4F16-934D-7ABCE9858DD5}"/>
+          </ac:spMkLst>
+        </pc:spChg>
+        <pc:spChg chg="add del mod">
+          <ac:chgData name="Graydon Hall" userId="6ad8ef6fe9c5877e" providerId="LiveId" clId="{743B0715-C183-42DE-B6E5-38E47A36CCC5}" dt="2021-09-29T04:03:20.743" v="361"/>
+          <ac:spMkLst>
+            <pc:docMk/>
+            <pc:sldMk cId="3452070991" sldId="264"/>
+            <ac:spMk id="42" creationId="{AF24D77E-B01B-4E14-9C9F-7ADB8E293025}"/>
+          </ac:spMkLst>
+        </pc:spChg>
+      </pc:sldChg>
+      <pc:sldChg chg="addSp delSp modSp add mod">
+        <pc:chgData name="Graydon Hall" userId="6ad8ef6fe9c5877e" providerId="LiveId" clId="{743B0715-C183-42DE-B6E5-38E47A36CCC5}" dt="2021-10-02T20:48:48.204" v="5496" actId="20577"/>
+        <pc:sldMkLst>
+          <pc:docMk/>
+          <pc:sldMk cId="475903413" sldId="265"/>
+        </pc:sldMkLst>
+        <pc:spChg chg="del">
+          <ac:chgData name="Graydon Hall" userId="6ad8ef6fe9c5877e" providerId="LiveId" clId="{743B0715-C183-42DE-B6E5-38E47A36CCC5}" dt="2021-09-29T04:07:22.457" v="388" actId="478"/>
+          <ac:spMkLst>
+            <pc:docMk/>
+            <pc:sldMk cId="475903413" sldId="265"/>
+            <ac:spMk id="2" creationId="{4B6CD77E-2848-4F7A-90F1-9D0E81791A95}"/>
+          </ac:spMkLst>
+        </pc:spChg>
+        <pc:spChg chg="add mod">
+          <ac:chgData name="Graydon Hall" userId="6ad8ef6fe9c5877e" providerId="LiveId" clId="{743B0715-C183-42DE-B6E5-38E47A36CCC5}" dt="2021-09-29T04:04:06.051" v="370"/>
+          <ac:spMkLst>
+            <pc:docMk/>
+            <pc:sldMk cId="475903413" sldId="265"/>
+            <ac:spMk id="3" creationId="{50C5154F-1E29-41C9-AB4A-EF30F95A9C34}"/>
+          </ac:spMkLst>
+        </pc:spChg>
+        <pc:spChg chg="add mod">
+          <ac:chgData name="Graydon Hall" userId="6ad8ef6fe9c5877e" providerId="LiveId" clId="{743B0715-C183-42DE-B6E5-38E47A36CCC5}" dt="2021-09-29T04:07:50.355" v="391"/>
+          <ac:spMkLst>
+            <pc:docMk/>
+            <pc:sldMk cId="475903413" sldId="265"/>
+            <ac:spMk id="10" creationId="{BB876968-A14B-4621-AC26-79767253D9BF}"/>
+          </ac:spMkLst>
+        </pc:spChg>
+        <pc:spChg chg="mod">
+          <ac:chgData name="Graydon Hall" userId="6ad8ef6fe9c5877e" providerId="LiveId" clId="{743B0715-C183-42DE-B6E5-38E47A36CCC5}" dt="2021-09-29T04:03:27.098" v="366" actId="20577"/>
+          <ac:spMkLst>
+            <pc:docMk/>
+            <pc:sldMk cId="475903413" sldId="265"/>
+            <ac:spMk id="11" creationId="{ABE71181-B149-4EE3-8C57-DA344694D6C2}"/>
+          </ac:spMkLst>
+        </pc:spChg>
+        <pc:spChg chg="add mod">
+          <ac:chgData name="Graydon Hall" userId="6ad8ef6fe9c5877e" providerId="LiveId" clId="{743B0715-C183-42DE-B6E5-38E47A36CCC5}" dt="2021-09-29T04:09:34.716" v="410"/>
+          <ac:spMkLst>
+            <pc:docMk/>
+            <pc:sldMk cId="475903413" sldId="265"/>
+            <ac:spMk id="12" creationId="{3A7773A3-16BD-4776-84D2-8EE6CDE00FAD}"/>
+          </ac:spMkLst>
+        </pc:spChg>
+        <pc:spChg chg="mod">
+          <ac:chgData name="Graydon Hall" userId="6ad8ef6fe9c5877e" providerId="LiveId" clId="{743B0715-C183-42DE-B6E5-38E47A36CCC5}" dt="2021-10-02T20:48:48.204" v="5496" actId="20577"/>
+          <ac:spMkLst>
+            <pc:docMk/>
+            <pc:sldMk cId="475903413" sldId="265"/>
+            <ac:spMk id="17" creationId="{49613BA1-EC39-4C9D-911C-822803A902C7}"/>
+          </ac:spMkLst>
+        </pc:spChg>
+        <pc:spChg chg="mod">
+          <ac:chgData name="Graydon Hall" userId="6ad8ef6fe9c5877e" providerId="LiveId" clId="{743B0715-C183-42DE-B6E5-38E47A36CCC5}" dt="2021-09-29T04:08:09.798" v="396" actId="20577"/>
+          <ac:spMkLst>
+            <pc:docMk/>
+            <pc:sldMk cId="475903413" sldId="265"/>
+            <ac:spMk id="18" creationId="{827B7BA2-81B6-42CB-8875-9F2B5C5394A7}"/>
+          </ac:spMkLst>
+        </pc:spChg>
+        <pc:spChg chg="del">
+          <ac:chgData name="Graydon Hall" userId="6ad8ef6fe9c5877e" providerId="LiveId" clId="{743B0715-C183-42DE-B6E5-38E47A36CCC5}" dt="2021-09-29T04:09:39.031" v="411" actId="478"/>
+          <ac:spMkLst>
+            <pc:docMk/>
+            <pc:sldMk cId="475903413" sldId="265"/>
+            <ac:spMk id="19" creationId="{EB91542B-7DF9-446A-B685-3FF42460CD15}"/>
+          </ac:spMkLst>
+        </pc:spChg>
+        <pc:spChg chg="add del mod">
+          <ac:chgData name="Graydon Hall" userId="6ad8ef6fe9c5877e" providerId="LiveId" clId="{743B0715-C183-42DE-B6E5-38E47A36CCC5}" dt="2021-09-29T04:08:41.736" v="405" actId="478"/>
+          <ac:spMkLst>
+            <pc:docMk/>
+            <pc:sldMk cId="475903413" sldId="265"/>
+            <ac:spMk id="29" creationId="{4B2BD078-5FAA-4A70-B0D7-F454270B9B12}"/>
+          </ac:spMkLst>
+        </pc:spChg>
+        <pc:spChg chg="add del mod">
+          <ac:chgData name="Graydon Hall" userId="6ad8ef6fe9c5877e" providerId="LiveId" clId="{743B0715-C183-42DE-B6E5-38E47A36CCC5}" dt="2021-09-29T04:08:44.824" v="406" actId="6549"/>
+          <ac:spMkLst>
+            <pc:docMk/>
+            <pc:sldMk cId="475903413" sldId="265"/>
+            <ac:spMk id="33" creationId="{93034171-ED6B-48B6-89E7-6D43497F0D62}"/>
+          </ac:spMkLst>
+        </pc:spChg>
+        <pc:spChg chg="add del">
+          <ac:chgData name="Graydon Hall" userId="6ad8ef6fe9c5877e" providerId="LiveId" clId="{743B0715-C183-42DE-B6E5-38E47A36CCC5}" dt="2021-09-29T04:08:40.210" v="403" actId="478"/>
+          <ac:spMkLst>
+            <pc:docMk/>
+            <pc:sldMk cId="475903413" sldId="265"/>
+            <ac:spMk id="34" creationId="{FD9CBD7F-6B57-4C32-B703-0677E0306882}"/>
+          </ac:spMkLst>
+        </pc:spChg>
+        <pc:spChg chg="mod">
+          <ac:chgData name="Graydon Hall" userId="6ad8ef6fe9c5877e" providerId="LiveId" clId="{743B0715-C183-42DE-B6E5-38E47A36CCC5}" dt="2021-09-29T04:05:04.466" v="379" actId="20577"/>
+          <ac:spMkLst>
+            <pc:docMk/>
+            <pc:sldMk cId="475903413" sldId="265"/>
+            <ac:spMk id="36" creationId="{353EC245-78FD-4B1A-8B4C-18445610632B}"/>
+          </ac:spMkLst>
+        </pc:spChg>
+        <pc:spChg chg="mod">
+          <ac:chgData name="Graydon Hall" userId="6ad8ef6fe9c5877e" providerId="LiveId" clId="{743B0715-C183-42DE-B6E5-38E47A36CCC5}" dt="2021-09-29T04:04:56.818" v="374" actId="20577"/>
+          <ac:spMkLst>
+            <pc:docMk/>
+            <pc:sldMk cId="475903413" sldId="265"/>
+            <ac:spMk id="37" creationId="{73157DFB-413B-47C5-8D98-374C7DF4B497}"/>
+          </ac:spMkLst>
+        </pc:spChg>
+        <pc:spChg chg="add mod">
+          <ac:chgData name="Graydon Hall" userId="6ad8ef6fe9c5877e" providerId="LiveId" clId="{743B0715-C183-42DE-B6E5-38E47A36CCC5}" dt="2021-09-29T04:04:10.389" v="371" actId="20577"/>
+          <ac:spMkLst>
+            <pc:docMk/>
+            <pc:sldMk cId="475903413" sldId="265"/>
+            <ac:spMk id="41" creationId="{298F900F-D4C7-438E-9E2C-759376E48C60}"/>
+          </ac:spMkLst>
+        </pc:spChg>
+        <pc:spChg chg="add mod">
+          <ac:chgData name="Graydon Hall" userId="6ad8ef6fe9c5877e" providerId="LiveId" clId="{743B0715-C183-42DE-B6E5-38E47A36CCC5}" dt="2021-09-29T04:03:37.041" v="368" actId="1076"/>
+          <ac:spMkLst>
+            <pc:docMk/>
+            <pc:sldMk cId="475903413" sldId="265"/>
+            <ac:spMk id="42" creationId="{E9144911-3DBE-471D-A0D7-BF3937DD3AE4}"/>
+          </ac:spMkLst>
+        </pc:spChg>
+        <pc:spChg chg="add mod">
+          <ac:chgData name="Graydon Hall" userId="6ad8ef6fe9c5877e" providerId="LiveId" clId="{743B0715-C183-42DE-B6E5-38E47A36CCC5}" dt="2021-09-29T04:03:37.041" v="368" actId="1076"/>
+          <ac:spMkLst>
+            <pc:docMk/>
+            <pc:sldMk cId="475903413" sldId="265"/>
+            <ac:spMk id="43" creationId="{E4C0EE3B-A371-45FF-B428-3DF70DE736DC}"/>
+          </ac:spMkLst>
+        </pc:spChg>
+        <pc:spChg chg="add mod">
+          <ac:chgData name="Graydon Hall" userId="6ad8ef6fe9c5877e" providerId="LiveId" clId="{743B0715-C183-42DE-B6E5-38E47A36CCC5}" dt="2021-09-29T04:08:49.685" v="408" actId="1076"/>
+          <ac:spMkLst>
+            <pc:docMk/>
+            <pc:sldMk cId="475903413" sldId="265"/>
+            <ac:spMk id="44" creationId="{FBBEB1BD-78EA-425E-9160-0B4F52E9B7F8}"/>
+          </ac:spMkLst>
+        </pc:spChg>
+        <pc:spChg chg="add del mod">
+          <ac:chgData name="Graydon Hall" userId="6ad8ef6fe9c5877e" providerId="LiveId" clId="{743B0715-C183-42DE-B6E5-38E47A36CCC5}" dt="2021-09-29T04:09:53.059" v="413"/>
+          <ac:spMkLst>
+            <pc:docMk/>
+            <pc:sldMk cId="475903413" sldId="265"/>
+            <ac:spMk id="45" creationId="{D5EECA03-9ED2-452C-9B09-BD5A87BABB00}"/>
+          </ac:spMkLst>
+        </pc:spChg>
+        <pc:spChg chg="add del mod">
+          <ac:chgData name="Graydon Hall" userId="6ad8ef6fe9c5877e" providerId="LiveId" clId="{743B0715-C183-42DE-B6E5-38E47A36CCC5}" dt="2021-09-29T04:09:53.059" v="413"/>
+          <ac:spMkLst>
+            <pc:docMk/>
+            <pc:sldMk cId="475903413" sldId="265"/>
+            <ac:spMk id="46" creationId="{A4F4AD71-BDA0-45DF-A810-FFF95AC295AA}"/>
+          </ac:spMkLst>
+        </pc:spChg>
+        <pc:spChg chg="add del mod">
+          <ac:chgData name="Graydon Hall" userId="6ad8ef6fe9c5877e" providerId="LiveId" clId="{743B0715-C183-42DE-B6E5-38E47A36CCC5}" dt="2021-09-29T04:10:03.912" v="417"/>
+          <ac:spMkLst>
+            <pc:docMk/>
+            <pc:sldMk cId="475903413" sldId="265"/>
+            <ac:spMk id="47" creationId="{3DC40DED-1442-4273-9E87-C06AF462697F}"/>
+          </ac:spMkLst>
+        </pc:spChg>
+        <pc:spChg chg="add del mod">
+          <ac:chgData name="Graydon Hall" userId="6ad8ef6fe9c5877e" providerId="LiveId" clId="{743B0715-C183-42DE-B6E5-38E47A36CCC5}" dt="2021-09-29T04:10:03.912" v="417"/>
+          <ac:spMkLst>
+            <pc:docMk/>
+            <pc:sldMk cId="475903413" sldId="265"/>
+            <ac:spMk id="48" creationId="{B57C08BC-AB12-4E06-82E5-82DCA481912A}"/>
+          </ac:spMkLst>
+        </pc:spChg>
+        <pc:spChg chg="add del mod">
+          <ac:chgData name="Graydon Hall" userId="6ad8ef6fe9c5877e" providerId="LiveId" clId="{743B0715-C183-42DE-B6E5-38E47A36CCC5}" dt="2021-09-29T04:10:03.912" v="417"/>
+          <ac:spMkLst>
+            <pc:docMk/>
+            <pc:sldMk cId="475903413" sldId="265"/>
+            <ac:spMk id="49" creationId="{D7B69D3F-050B-43FD-A30E-C44FF34A1232}"/>
+          </ac:spMkLst>
+        </pc:spChg>
+        <pc:spChg chg="add del mod">
+          <ac:chgData name="Graydon Hall" userId="6ad8ef6fe9c5877e" providerId="LiveId" clId="{743B0715-C183-42DE-B6E5-38E47A36CCC5}" dt="2021-09-29T04:10:03.912" v="417"/>
+          <ac:spMkLst>
+            <pc:docMk/>
+            <pc:sldMk cId="475903413" sldId="265"/>
+            <ac:spMk id="50" creationId="{F2ECC20C-20C1-4FD8-BA54-B571A78CFBB8}"/>
+          </ac:spMkLst>
+        </pc:spChg>
+        <pc:spChg chg="add del mod">
+          <ac:chgData name="Graydon Hall" userId="6ad8ef6fe9c5877e" providerId="LiveId" clId="{743B0715-C183-42DE-B6E5-38E47A36CCC5}" dt="2021-09-29T04:10:03.912" v="417"/>
+          <ac:spMkLst>
+            <pc:docMk/>
+            <pc:sldMk cId="475903413" sldId="265"/>
+            <ac:spMk id="51" creationId="{C2BBFC46-9F7C-4997-B209-940D9582251B}"/>
+          </ac:spMkLst>
+        </pc:spChg>
+        <pc:spChg chg="add del mod">
+          <ac:chgData name="Graydon Hall" userId="6ad8ef6fe9c5877e" providerId="LiveId" clId="{743B0715-C183-42DE-B6E5-38E47A36CCC5}" dt="2021-09-29T04:10:03.912" v="417"/>
+          <ac:spMkLst>
+            <pc:docMk/>
+            <pc:sldMk cId="475903413" sldId="265"/>
+            <ac:spMk id="52" creationId="{2E27FE5F-0B59-4381-992A-9A925A645D89}"/>
+          </ac:spMkLst>
+        </pc:spChg>
+        <pc:spChg chg="add mod">
+          <ac:chgData name="Graydon Hall" userId="6ad8ef6fe9c5877e" providerId="LiveId" clId="{743B0715-C183-42DE-B6E5-38E47A36CCC5}" dt="2021-09-29T04:10:25.282" v="424" actId="20577"/>
+          <ac:spMkLst>
+            <pc:docMk/>
+            <pc:sldMk cId="475903413" sldId="265"/>
+            <ac:spMk id="53" creationId="{D9F81400-6F37-4C1B-B698-24194E6DF251}"/>
+          </ac:spMkLst>
+        </pc:spChg>
+        <pc:spChg chg="add mod">
+          <ac:chgData name="Graydon Hall" userId="6ad8ef6fe9c5877e" providerId="LiveId" clId="{743B0715-C183-42DE-B6E5-38E47A36CCC5}" dt="2021-09-29T04:10:54.031" v="430" actId="20577"/>
+          <ac:spMkLst>
+            <pc:docMk/>
+            <pc:sldMk cId="475903413" sldId="265"/>
+            <ac:spMk id="54" creationId="{F9950071-B991-41D7-AEB4-7A57109E6914}"/>
+          </ac:spMkLst>
+        </pc:spChg>
+        <pc:spChg chg="add mod">
+          <ac:chgData name="Graydon Hall" userId="6ad8ef6fe9c5877e" providerId="LiveId" clId="{743B0715-C183-42DE-B6E5-38E47A36CCC5}" dt="2021-09-29T04:11:00.285" v="433" actId="20577"/>
+          <ac:spMkLst>
+            <pc:docMk/>
+            <pc:sldMk cId="475903413" sldId="265"/>
+            <ac:spMk id="55" creationId="{2E559632-59E2-494B-852C-4646E7C21BB3}"/>
+          </ac:spMkLst>
+        </pc:spChg>
+        <pc:spChg chg="add mod">
+          <ac:chgData name="Graydon Hall" userId="6ad8ef6fe9c5877e" providerId="LiveId" clId="{743B0715-C183-42DE-B6E5-38E47A36CCC5}" dt="2021-09-29T04:10:20.814" v="419" actId="1076"/>
+          <ac:spMkLst>
+            <pc:docMk/>
+            <pc:sldMk cId="475903413" sldId="265"/>
+            <ac:spMk id="56" creationId="{DE7D82FA-FDBA-45E9-A76D-2AA69F944433}"/>
+          </ac:spMkLst>
+        </pc:spChg>
+        <pc:spChg chg="add mod">
+          <ac:chgData name="Graydon Hall" userId="6ad8ef6fe9c5877e" providerId="LiveId" clId="{743B0715-C183-42DE-B6E5-38E47A36CCC5}" dt="2021-09-29T04:10:20.814" v="419" actId="1076"/>
+          <ac:spMkLst>
+            <pc:docMk/>
+            <pc:sldMk cId="475903413" sldId="265"/>
+            <ac:spMk id="57" creationId="{38D72753-A65A-4383-BBBB-F5970C0947F3}"/>
+          </ac:spMkLst>
+        </pc:spChg>
+        <pc:spChg chg="add mod">
+          <ac:chgData name="Graydon Hall" userId="6ad8ef6fe9c5877e" providerId="LiveId" clId="{743B0715-C183-42DE-B6E5-38E47A36CCC5}" dt="2021-09-29T04:10:20.814" v="419" actId="1076"/>
+          <ac:spMkLst>
+            <pc:docMk/>
+            <pc:sldMk cId="475903413" sldId="265"/>
+            <ac:spMk id="58" creationId="{79D77692-74EE-43F5-BE3C-FA9C83850A5E}"/>
+          </ac:spMkLst>
+        </pc:spChg>
+      </pc:sldChg>
+      <pc:sldChg chg="addSp delSp modSp add mod">
+        <pc:chgData name="Graydon Hall" userId="6ad8ef6fe9c5877e" providerId="LiveId" clId="{743B0715-C183-42DE-B6E5-38E47A36CCC5}" dt="2021-09-29T21:20:11.944" v="863" actId="14100"/>
+        <pc:sldMkLst>
+          <pc:docMk/>
+          <pc:sldMk cId="1926971169" sldId="266"/>
+        </pc:sldMkLst>
+        <pc:spChg chg="add del mod">
+          <ac:chgData name="Graydon Hall" userId="6ad8ef6fe9c5877e" providerId="LiveId" clId="{743B0715-C183-42DE-B6E5-38E47A36CCC5}" dt="2021-09-29T20:43:42.637" v="635" actId="478"/>
+          <ac:spMkLst>
+            <pc:docMk/>
+            <pc:sldMk cId="1926971169" sldId="266"/>
+            <ac:spMk id="2" creationId="{D4A8BE6F-AE52-443C-AB03-E905C606BC40}"/>
+          </ac:spMkLst>
+        </pc:spChg>
+        <pc:spChg chg="del">
+          <ac:chgData name="Graydon Hall" userId="6ad8ef6fe9c5877e" providerId="LiveId" clId="{743B0715-C183-42DE-B6E5-38E47A36CCC5}" dt="2021-09-29T20:26:13.066" v="446" actId="478"/>
+          <ac:spMkLst>
+            <pc:docMk/>
+            <pc:sldMk cId="1926971169" sldId="266"/>
+            <ac:spMk id="3" creationId="{50C5154F-1E29-41C9-AB4A-EF30F95A9C34}"/>
+          </ac:spMkLst>
+        </pc:spChg>
+        <pc:spChg chg="mod">
+          <ac:chgData name="Graydon Hall" userId="6ad8ef6fe9c5877e" providerId="LiveId" clId="{743B0715-C183-42DE-B6E5-38E47A36CCC5}" dt="2021-09-29T21:20:11.944" v="863" actId="14100"/>
+          <ac:spMkLst>
+            <pc:docMk/>
+            <pc:sldMk cId="1926971169" sldId="266"/>
+            <ac:spMk id="4" creationId="{69D13A37-6B82-4C78-812F-D9D461CDC672}"/>
+          </ac:spMkLst>
+        </pc:spChg>
+        <pc:spChg chg="add del mod">
+          <ac:chgData name="Graydon Hall" userId="6ad8ef6fe9c5877e" providerId="LiveId" clId="{743B0715-C183-42DE-B6E5-38E47A36CCC5}" dt="2021-09-29T20:44:22.632" v="680" actId="1037"/>
+          <ac:spMkLst>
+            <pc:docMk/>
+            <pc:sldMk cId="1926971169" sldId="266"/>
+            <ac:spMk id="5" creationId="{03DF7978-60AD-4CDE-AE09-356BACC0D746}"/>
+          </ac:spMkLst>
+        </pc:spChg>
+        <pc:spChg chg="mod">
+          <ac:chgData name="Graydon Hall" userId="6ad8ef6fe9c5877e" providerId="LiveId" clId="{743B0715-C183-42DE-B6E5-38E47A36CCC5}" dt="2021-09-29T20:44:22.632" v="680" actId="1037"/>
+          <ac:spMkLst>
+            <pc:docMk/>
+            <pc:sldMk cId="1926971169" sldId="266"/>
+            <ac:spMk id="6" creationId="{D0C80474-6657-418A-AAF9-A633C8AA8512}"/>
+          </ac:spMkLst>
+        </pc:spChg>
+        <pc:spChg chg="mod">
+          <ac:chgData name="Graydon Hall" userId="6ad8ef6fe9c5877e" providerId="LiveId" clId="{743B0715-C183-42DE-B6E5-38E47A36CCC5}" dt="2021-09-29T20:44:22.632" v="680" actId="1037"/>
+          <ac:spMkLst>
+            <pc:docMk/>
+            <pc:sldMk cId="1926971169" sldId="266"/>
+            <ac:spMk id="7" creationId="{8CC65CAA-2539-4C2F-AA0D-22449388221A}"/>
+          </ac:spMkLst>
+        </pc:spChg>
+        <pc:spChg chg="mod">
+          <ac:chgData name="Graydon Hall" userId="6ad8ef6fe9c5877e" providerId="LiveId" clId="{743B0715-C183-42DE-B6E5-38E47A36CCC5}" dt="2021-09-29T20:44:22.632" v="680" actId="1037"/>
+          <ac:spMkLst>
+            <pc:docMk/>
+            <pc:sldMk cId="1926971169" sldId="266"/>
+            <ac:spMk id="8" creationId="{0C3EEB79-1F74-45CC-A601-42B51BB496C7}"/>
+          </ac:spMkLst>
+        </pc:spChg>
+        <pc:spChg chg="mod">
+          <ac:chgData name="Graydon Hall" userId="6ad8ef6fe9c5877e" providerId="LiveId" clId="{743B0715-C183-42DE-B6E5-38E47A36CCC5}" dt="2021-09-29T20:44:22.632" v="680" actId="1037"/>
+          <ac:spMkLst>
+            <pc:docMk/>
+            <pc:sldMk cId="1926971169" sldId="266"/>
+            <ac:spMk id="9" creationId="{700D8949-7BEC-4E7B-8872-67D2E91315EC}"/>
+          </ac:spMkLst>
+        </pc:spChg>
+        <pc:spChg chg="del">
+          <ac:chgData name="Graydon Hall" userId="6ad8ef6fe9c5877e" providerId="LiveId" clId="{743B0715-C183-42DE-B6E5-38E47A36CCC5}" dt="2021-09-29T20:26:27.825" v="459" actId="478"/>
+          <ac:spMkLst>
+            <pc:docMk/>
+            <pc:sldMk cId="1926971169" sldId="266"/>
+            <ac:spMk id="10" creationId="{BB876968-A14B-4621-AC26-79767253D9BF}"/>
+          </ac:spMkLst>
+        </pc:spChg>
+        <pc:spChg chg="mod">
+          <ac:chgData name="Graydon Hall" userId="6ad8ef6fe9c5877e" providerId="LiveId" clId="{743B0715-C183-42DE-B6E5-38E47A36CCC5}" dt="2021-09-29T21:07:17.823" v="761" actId="14100"/>
+          <ac:spMkLst>
+            <pc:docMk/>
+            <pc:sldMk cId="1926971169" sldId="266"/>
+            <ac:spMk id="11" creationId="{ABE71181-B149-4EE3-8C57-DA344694D6C2}"/>
+          </ac:spMkLst>
+        </pc:spChg>
+        <pc:spChg chg="add del">
+          <ac:chgData name="Graydon Hall" userId="6ad8ef6fe9c5877e" providerId="LiveId" clId="{743B0715-C183-42DE-B6E5-38E47A36CCC5}" dt="2021-09-29T20:26:18.809" v="451" actId="478"/>
+          <ac:spMkLst>
+            <pc:docMk/>
+            <pc:sldMk cId="1926971169" sldId="266"/>
+            <ac:spMk id="12" creationId="{3A7773A3-16BD-4776-84D2-8EE6CDE00FAD}"/>
+          </ac:spMkLst>
+        </pc:spChg>
+        <pc:spChg chg="mod">
+          <ac:chgData name="Graydon Hall" userId="6ad8ef6fe9c5877e" providerId="LiveId" clId="{743B0715-C183-42DE-B6E5-38E47A36CCC5}" dt="2021-09-29T20:44:22.632" v="680" actId="1037"/>
+          <ac:spMkLst>
+            <pc:docMk/>
+            <pc:sldMk cId="1926971169" sldId="266"/>
+            <ac:spMk id="13" creationId="{1485229A-BE5D-445C-A29D-2095B03DF662}"/>
+          </ac:spMkLst>
+        </pc:spChg>
+        <pc:spChg chg="mod">
+          <ac:chgData name="Graydon Hall" userId="6ad8ef6fe9c5877e" providerId="LiveId" clId="{743B0715-C183-42DE-B6E5-38E47A36CCC5}" dt="2021-09-29T20:44:22.632" v="680" actId="1037"/>
+          <ac:spMkLst>
+            <pc:docMk/>
+            <pc:sldMk cId="1926971169" sldId="266"/>
+            <ac:spMk id="14" creationId="{8E3A9A45-B3AF-48DC-B12C-05C16FE7B083}"/>
+          </ac:spMkLst>
+        </pc:spChg>
+        <pc:spChg chg="mod">
+          <ac:chgData name="Graydon Hall" userId="6ad8ef6fe9c5877e" providerId="LiveId" clId="{743B0715-C183-42DE-B6E5-38E47A36CCC5}" dt="2021-09-29T20:44:22.632" v="680" actId="1037"/>
+          <ac:spMkLst>
+            <pc:docMk/>
+            <pc:sldMk cId="1926971169" sldId="266"/>
+            <ac:spMk id="15" creationId="{37CEF823-64A2-4803-97BB-DE3BC2A56C3D}"/>
+          </ac:spMkLst>
+        </pc:spChg>
+        <pc:spChg chg="mod">
+          <ac:chgData name="Graydon Hall" userId="6ad8ef6fe9c5877e" providerId="LiveId" clId="{743B0715-C183-42DE-B6E5-38E47A36CCC5}" dt="2021-09-29T20:44:22.632" v="680" actId="1037"/>
+          <ac:spMkLst>
+            <pc:docMk/>
+            <pc:sldMk cId="1926971169" sldId="266"/>
+            <ac:spMk id="16" creationId="{EA2DF13A-E11F-4817-B472-6B40ED9D8414}"/>
+          </ac:spMkLst>
+        </pc:spChg>
+        <pc:spChg chg="mod">
+          <ac:chgData name="Graydon Hall" userId="6ad8ef6fe9c5877e" providerId="LiveId" clId="{743B0715-C183-42DE-B6E5-38E47A36CCC5}" dt="2021-09-29T20:44:22.632" v="680" actId="1037"/>
+          <ac:spMkLst>
+            <pc:docMk/>
+            <pc:sldMk cId="1926971169" sldId="266"/>
+            <ac:spMk id="17" creationId="{49613BA1-EC39-4C9D-911C-822803A902C7}"/>
+          </ac:spMkLst>
+        </pc:spChg>
+        <pc:spChg chg="mod">
+          <ac:chgData name="Graydon Hall" userId="6ad8ef6fe9c5877e" providerId="LiveId" clId="{743B0715-C183-42DE-B6E5-38E47A36CCC5}" dt="2021-09-29T20:44:22.632" v="680" actId="1037"/>
+          <ac:spMkLst>
+            <pc:docMk/>
+            <pc:sldMk cId="1926971169" sldId="266"/>
+            <ac:spMk id="18" creationId="{827B7BA2-81B6-42CB-8875-9F2B5C5394A7}"/>
+          </ac:spMkLst>
+        </pc:spChg>
+        <pc:spChg chg="add mod">
+          <ac:chgData name="Graydon Hall" userId="6ad8ef6fe9c5877e" providerId="LiveId" clId="{743B0715-C183-42DE-B6E5-38E47A36CCC5}" dt="2021-09-29T20:44:22.632" v="680" actId="1037"/>
+          <ac:spMkLst>
+            <pc:docMk/>
+            <pc:sldMk cId="1926971169" sldId="266"/>
+            <ac:spMk id="19" creationId="{46F5181C-BDBC-4AB8-83A7-972C3E6E24F4}"/>
+          </ac:spMkLst>
+        </pc:spChg>
+        <pc:spChg chg="add del">
+          <ac:chgData name="Graydon Hall" userId="6ad8ef6fe9c5877e" providerId="LiveId" clId="{743B0715-C183-42DE-B6E5-38E47A36CCC5}" dt="2021-09-29T20:34:11.209" v="529" actId="478"/>
+          <ac:spMkLst>
+            <pc:docMk/>
+            <pc:sldMk cId="1926971169" sldId="266"/>
+            <ac:spMk id="20" creationId="{FFADF4CE-54C7-481F-AE31-BE49D855788E}"/>
+          </ac:spMkLst>
+        </pc:spChg>
+        <pc:spChg chg="add del mod">
+          <ac:chgData name="Graydon Hall" userId="6ad8ef6fe9c5877e" providerId="LiveId" clId="{743B0715-C183-42DE-B6E5-38E47A36CCC5}" dt="2021-09-29T20:43:43.485" v="636" actId="478"/>
+          <ac:spMkLst>
+            <pc:docMk/>
+            <pc:sldMk cId="1926971169" sldId="266"/>
+            <ac:spMk id="21" creationId="{0449EE8F-E3D5-4E5E-92CD-4BAAB7C91D6F}"/>
+          </ac:spMkLst>
+        </pc:spChg>
+        <pc:spChg chg="mod">
+          <ac:chgData name="Graydon Hall" userId="6ad8ef6fe9c5877e" providerId="LiveId" clId="{743B0715-C183-42DE-B6E5-38E47A36CCC5}" dt="2021-09-29T20:44:22.632" v="680" actId="1037"/>
+          <ac:spMkLst>
+            <pc:docMk/>
+            <pc:sldMk cId="1926971169" sldId="266"/>
+            <ac:spMk id="24" creationId="{FD8706BD-108D-4ECE-80FA-00ED04CF3D8A}"/>
+          </ac:spMkLst>
+        </pc:spChg>
+        <pc:spChg chg="mod">
+          <ac:chgData name="Graydon Hall" userId="6ad8ef6fe9c5877e" providerId="LiveId" clId="{743B0715-C183-42DE-B6E5-38E47A36CCC5}" dt="2021-09-29T20:44:22.632" v="680" actId="1037"/>
+          <ac:spMkLst>
+            <pc:docMk/>
+            <pc:sldMk cId="1926971169" sldId="266"/>
+            <ac:spMk id="25" creationId="{D874629E-BAB8-48EB-8538-631F7E8F7166}"/>
+          </ac:spMkLst>
+        </pc:spChg>
+        <pc:spChg chg="mod">
+          <ac:chgData name="Graydon Hall" userId="6ad8ef6fe9c5877e" providerId="LiveId" clId="{743B0715-C183-42DE-B6E5-38E47A36CCC5}" dt="2021-09-29T20:44:22.632" v="680" actId="1037"/>
+          <ac:spMkLst>
+            <pc:docMk/>
+            <pc:sldMk cId="1926971169" sldId="266"/>
+            <ac:spMk id="26" creationId="{D60DACE1-0AE0-4851-B2F0-AFC7BC736D99}"/>
+          </ac:spMkLst>
+        </pc:spChg>
+        <pc:spChg chg="add mod">
+          <ac:chgData name="Graydon Hall" userId="6ad8ef6fe9c5877e" providerId="LiveId" clId="{743B0715-C183-42DE-B6E5-38E47A36CCC5}" dt="2021-09-29T20:44:50.259" v="682"/>
+          <ac:spMkLst>
+            <pc:docMk/>
+            <pc:sldMk cId="1926971169" sldId="266"/>
+            <ac:spMk id="29" creationId="{38FB2998-D17F-4C72-9B49-F8CF82A51658}"/>
+          </ac:spMkLst>
+        </pc:spChg>
+        <pc:spChg chg="mod">
+          <ac:chgData name="Graydon Hall" userId="6ad8ef6fe9c5877e" providerId="LiveId" clId="{743B0715-C183-42DE-B6E5-38E47A36CCC5}" dt="2021-09-29T20:44:22.632" v="680" actId="1037"/>
+          <ac:spMkLst>
+            <pc:docMk/>
+            <pc:sldMk cId="1926971169" sldId="266"/>
+            <ac:spMk id="30" creationId="{EF742BB3-B8CD-4214-A16D-995CA4C3A04F}"/>
+          </ac:spMkLst>
+        </pc:spChg>
+        <pc:spChg chg="mod">
+          <ac:chgData name="Graydon Hall" userId="6ad8ef6fe9c5877e" providerId="LiveId" clId="{743B0715-C183-42DE-B6E5-38E47A36CCC5}" dt="2021-09-29T20:44:22.632" v="680" actId="1037"/>
+          <ac:spMkLst>
+            <pc:docMk/>
+            <pc:sldMk cId="1926971169" sldId="266"/>
+            <ac:spMk id="31" creationId="{195FFD83-D7D9-4459-9CF3-A18D5A7A4E5B}"/>
+          </ac:spMkLst>
+        </pc:spChg>
+        <pc:spChg chg="mod">
+          <ac:chgData name="Graydon Hall" userId="6ad8ef6fe9c5877e" providerId="LiveId" clId="{743B0715-C183-42DE-B6E5-38E47A36CCC5}" dt="2021-09-29T20:44:22.632" v="680" actId="1037"/>
+          <ac:spMkLst>
+            <pc:docMk/>
+            <pc:sldMk cId="1926971169" sldId="266"/>
+            <ac:spMk id="32" creationId="{0F9B6971-E396-466B-968F-2B6C71A84C66}"/>
+          </ac:spMkLst>
+        </pc:spChg>
+        <pc:spChg chg="mod">
+          <ac:chgData name="Graydon Hall" userId="6ad8ef6fe9c5877e" providerId="LiveId" clId="{743B0715-C183-42DE-B6E5-38E47A36CCC5}" dt="2021-09-29T20:44:22.632" v="680" actId="1037"/>
+          <ac:spMkLst>
+            <pc:docMk/>
+            <pc:sldMk cId="1926971169" sldId="266"/>
+            <ac:spMk id="33" creationId="{93034171-ED6B-48B6-89E7-6D43497F0D62}"/>
+          </ac:spMkLst>
+        </pc:spChg>
+        <pc:spChg chg="add mod">
+          <ac:chgData name="Graydon Hall" userId="6ad8ef6fe9c5877e" providerId="LiveId" clId="{743B0715-C183-42DE-B6E5-38E47A36CCC5}" dt="2021-09-29T20:45:10.871" v="684"/>
+          <ac:spMkLst>
+            <pc:docMk/>
+            <pc:sldMk cId="1926971169" sldId="266"/>
+            <ac:spMk id="34" creationId="{5B4DDA67-D56E-4B37-A84F-BEF454B9EAA2}"/>
+          </ac:spMkLst>
+        </pc:spChg>
+        <pc:spChg chg="del">
+          <ac:chgData name="Graydon Hall" userId="6ad8ef6fe9c5877e" providerId="LiveId" clId="{743B0715-C183-42DE-B6E5-38E47A36CCC5}" dt="2021-09-29T20:26:26.441" v="458" actId="478"/>
+          <ac:spMkLst>
+            <pc:docMk/>
+            <pc:sldMk cId="1926971169" sldId="266"/>
+            <ac:spMk id="35" creationId="{6789E424-B6B9-4097-AC0D-75D7E2D04051}"/>
+          </ac:spMkLst>
+        </pc:spChg>
+        <pc:spChg chg="del">
+          <ac:chgData name="Graydon Hall" userId="6ad8ef6fe9c5877e" providerId="LiveId" clId="{743B0715-C183-42DE-B6E5-38E47A36CCC5}" dt="2021-09-29T20:26:22.250" v="453" actId="478"/>
+          <ac:spMkLst>
+            <pc:docMk/>
+            <pc:sldMk cId="1926971169" sldId="266"/>
+            <ac:spMk id="36" creationId="{353EC245-78FD-4B1A-8B4C-18445610632B}"/>
+          </ac:spMkLst>
+        </pc:spChg>
+        <pc:spChg chg="del">
+          <ac:chgData name="Graydon Hall" userId="6ad8ef6fe9c5877e" providerId="LiveId" clId="{743B0715-C183-42DE-B6E5-38E47A36CCC5}" dt="2021-09-29T20:26:23.961" v="455" actId="478"/>
+          <ac:spMkLst>
+            <pc:docMk/>
+            <pc:sldMk cId="1926971169" sldId="266"/>
+            <ac:spMk id="37" creationId="{73157DFB-413B-47C5-8D98-374C7DF4B497}"/>
+          </ac:spMkLst>
+        </pc:spChg>
+        <pc:spChg chg="del mod">
+          <ac:chgData name="Graydon Hall" userId="6ad8ef6fe9c5877e" providerId="LiveId" clId="{743B0715-C183-42DE-B6E5-38E47A36CCC5}" dt="2021-09-29T20:26:25.338" v="457" actId="478"/>
+          <ac:spMkLst>
+            <pc:docMk/>
+            <pc:sldMk cId="1926971169" sldId="266"/>
+            <ac:spMk id="38" creationId="{C5858F6A-2A1F-425D-9D84-23EF51AF084C}"/>
+          </ac:spMkLst>
+        </pc:spChg>
+        <pc:spChg chg="del">
+          <ac:chgData name="Graydon Hall" userId="6ad8ef6fe9c5877e" providerId="LiveId" clId="{743B0715-C183-42DE-B6E5-38E47A36CCC5}" dt="2021-09-29T20:26:20.914" v="452" actId="478"/>
+          <ac:spMkLst>
+            <pc:docMk/>
+            <pc:sldMk cId="1926971169" sldId="266"/>
+            <ac:spMk id="39" creationId="{3BD4D860-3120-4518-B16A-0D50B93E3FC9}"/>
+          </ac:spMkLst>
+        </pc:spChg>
+        <pc:spChg chg="del">
+          <ac:chgData name="Graydon Hall" userId="6ad8ef6fe9c5877e" providerId="LiveId" clId="{743B0715-C183-42DE-B6E5-38E47A36CCC5}" dt="2021-09-29T20:26:23.010" v="454" actId="478"/>
+          <ac:spMkLst>
+            <pc:docMk/>
+            <pc:sldMk cId="1926971169" sldId="266"/>
+            <ac:spMk id="40" creationId="{FEBC4595-2A2E-4D17-8399-378CD0498AAD}"/>
+          </ac:spMkLst>
+        </pc:spChg>
+        <pc:spChg chg="del">
+          <ac:chgData name="Graydon Hall" userId="6ad8ef6fe9c5877e" providerId="LiveId" clId="{743B0715-C183-42DE-B6E5-38E47A36CCC5}" dt="2021-09-29T20:26:30.970" v="460" actId="478"/>
+          <ac:spMkLst>
+            <pc:docMk/>
+            <pc:sldMk cId="1926971169" sldId="266"/>
+            <ac:spMk id="41" creationId="{298F900F-D4C7-438E-9E2C-759376E48C60}"/>
+          </ac:spMkLst>
+        </pc:spChg>
+        <pc:spChg chg="del">
+          <ac:chgData name="Graydon Hall" userId="6ad8ef6fe9c5877e" providerId="LiveId" clId="{743B0715-C183-42DE-B6E5-38E47A36CCC5}" dt="2021-09-29T20:26:09.713" v="445" actId="478"/>
+          <ac:spMkLst>
+            <pc:docMk/>
+            <pc:sldMk cId="1926971169" sldId="266"/>
+            <ac:spMk id="42" creationId="{E9144911-3DBE-471D-A0D7-BF3937DD3AE4}"/>
+          </ac:spMkLst>
+        </pc:spChg>
+        <pc:spChg chg="del">
+          <ac:chgData name="Graydon Hall" userId="6ad8ef6fe9c5877e" providerId="LiveId" clId="{743B0715-C183-42DE-B6E5-38E47A36CCC5}" dt="2021-09-29T20:26:06.626" v="444" actId="478"/>
+          <ac:spMkLst>
+            <pc:docMk/>
+            <pc:sldMk cId="1926971169" sldId="266"/>
+            <ac:spMk id="43" creationId="{E4C0EE3B-A371-45FF-B428-3DF70DE736DC}"/>
+          </ac:spMkLst>
+        </pc:spChg>
+        <pc:spChg chg="mod">
+          <ac:chgData name="Graydon Hall" userId="6ad8ef6fe9c5877e" providerId="LiveId" clId="{743B0715-C183-42DE-B6E5-38E47A36CCC5}" dt="2021-09-29T20:44:22.632" v="680" actId="1037"/>
+          <ac:spMkLst>
+            <pc:docMk/>
+            <pc:sldMk cId="1926971169" sldId="266"/>
+            <ac:spMk id="44" creationId="{FBBEB1BD-78EA-425E-9160-0B4F52E9B7F8}"/>
+          </ac:spMkLst>
+        </pc:spChg>
+        <pc:spChg chg="add mod">
+          <ac:chgData name="Graydon Hall" userId="6ad8ef6fe9c5877e" providerId="LiveId" clId="{743B0715-C183-42DE-B6E5-38E47A36CCC5}" dt="2021-09-29T20:44:22.632" v="680" actId="1037"/>
+          <ac:spMkLst>
+            <pc:docMk/>
+            <pc:sldMk cId="1926971169" sldId="266"/>
+            <ac:spMk id="45" creationId="{4C45101B-86CB-4372-B945-F57608A2AA11}"/>
+          </ac:spMkLst>
+        </pc:spChg>
+        <pc:spChg chg="add mod">
+          <ac:chgData name="Graydon Hall" userId="6ad8ef6fe9c5877e" providerId="LiveId" clId="{743B0715-C183-42DE-B6E5-38E47A36CCC5}" dt="2021-09-29T20:43:52.280" v="637" actId="164"/>
+          <ac:spMkLst>
+            <pc:docMk/>
+            <pc:sldMk cId="1926971169" sldId="266"/>
+            <ac:spMk id="46" creationId="{05C9C61F-B640-4679-BE12-3DFCDF58112B}"/>
+          </ac:spMkLst>
+        </pc:spChg>
+        <pc:spChg chg="add mod">
+          <ac:chgData name="Graydon Hall" userId="6ad8ef6fe9c5877e" providerId="LiveId" clId="{743B0715-C183-42DE-B6E5-38E47A36CCC5}" dt="2021-09-29T20:43:52.280" v="637" actId="164"/>
+          <ac:spMkLst>
+            <pc:docMk/>
+            <pc:sldMk cId="1926971169" sldId="266"/>
+            <ac:spMk id="47" creationId="{8115181F-D416-4F87-8CDB-F72C7031F5D7}"/>
+          </ac:spMkLst>
+        </pc:spChg>
+        <pc:spChg chg="add mod">
+          <ac:chgData name="Graydon Hall" userId="6ad8ef6fe9c5877e" providerId="LiveId" clId="{743B0715-C183-42DE-B6E5-38E47A36CCC5}" dt="2021-09-29T20:43:52.280" v="637" actId="164"/>
+          <ac:spMkLst>
+            <pc:docMk/>
+            <pc:sldMk cId="1926971169" sldId="266"/>
+            <ac:spMk id="48" creationId="{A0ED181C-DE1C-426B-BCEC-FE0D0DEC008B}"/>
+          </ac:spMkLst>
+        </pc:spChg>
+        <pc:spChg chg="add mod">
+          <ac:chgData name="Graydon Hall" userId="6ad8ef6fe9c5877e" providerId="LiveId" clId="{743B0715-C183-42DE-B6E5-38E47A36CCC5}" dt="2021-09-29T20:43:52.280" v="637" actId="164"/>
+          <ac:spMkLst>
+            <pc:docMk/>
+            <pc:sldMk cId="1926971169" sldId="266"/>
+            <ac:spMk id="49" creationId="{755C86C8-F3E9-4833-92A9-475500C325BF}"/>
+          </ac:spMkLst>
+        </pc:spChg>
+        <pc:spChg chg="add mod">
+          <ac:chgData name="Graydon Hall" userId="6ad8ef6fe9c5877e" providerId="LiveId" clId="{743B0715-C183-42DE-B6E5-38E47A36CCC5}" dt="2021-09-29T20:43:58.960" v="638" actId="164"/>
+          <ac:spMkLst>
+            <pc:docMk/>
+            <pc:sldMk cId="1926971169" sldId="266"/>
+            <ac:spMk id="50" creationId="{BBBE8330-51ED-4050-AACA-8D1EC6E50002}"/>
+          </ac:spMkLst>
+        </pc:spChg>
+        <pc:spChg chg="add mod">
+          <ac:chgData name="Graydon Hall" userId="6ad8ef6fe9c5877e" providerId="LiveId" clId="{743B0715-C183-42DE-B6E5-38E47A36CCC5}" dt="2021-09-29T20:43:58.960" v="638" actId="164"/>
+          <ac:spMkLst>
+            <pc:docMk/>
+            <pc:sldMk cId="1926971169" sldId="266"/>
+            <ac:spMk id="51" creationId="{7B32BDA2-1B42-4640-8999-5D5B485C1015}"/>
+          </ac:spMkLst>
+        </pc:spChg>
+        <pc:spChg chg="add mod">
+          <ac:chgData name="Graydon Hall" userId="6ad8ef6fe9c5877e" providerId="LiveId" clId="{743B0715-C183-42DE-B6E5-38E47A36CCC5}" dt="2021-09-29T20:43:58.960" v="638" actId="164"/>
+          <ac:spMkLst>
+            <pc:docMk/>
+            <pc:sldMk cId="1926971169" sldId="266"/>
+            <ac:spMk id="52" creationId="{4E427078-5565-496F-A1CA-0938297574EF}"/>
+          </ac:spMkLst>
+        </pc:spChg>
+        <pc:spChg chg="del">
+          <ac:chgData name="Graydon Hall" userId="6ad8ef6fe9c5877e" providerId="LiveId" clId="{743B0715-C183-42DE-B6E5-38E47A36CCC5}" dt="2021-09-29T20:37:10.337" v="570" actId="478"/>
+          <ac:spMkLst>
+            <pc:docMk/>
+            <pc:sldMk cId="1926971169" sldId="266"/>
+            <ac:spMk id="53" creationId="{D9F81400-6F37-4C1B-B698-24194E6DF251}"/>
+          </ac:spMkLst>
+        </pc:spChg>
+        <pc:spChg chg="del">
+          <ac:chgData name="Graydon Hall" userId="6ad8ef6fe9c5877e" providerId="LiveId" clId="{743B0715-C183-42DE-B6E5-38E47A36CCC5}" dt="2021-09-29T20:37:14.191" v="573" actId="478"/>
+          <ac:spMkLst>
+            <pc:docMk/>
+            <pc:sldMk cId="1926971169" sldId="266"/>
+            <ac:spMk id="54" creationId="{F9950071-B991-41D7-AEB4-7A57109E6914}"/>
+          </ac:spMkLst>
+        </pc:spChg>
+        <pc:spChg chg="del">
+          <ac:chgData name="Graydon Hall" userId="6ad8ef6fe9c5877e" providerId="LiveId" clId="{743B0715-C183-42DE-B6E5-38E47A36CCC5}" dt="2021-09-29T20:37:14.911" v="574" actId="478"/>
+          <ac:spMkLst>
+            <pc:docMk/>
+            <pc:sldMk cId="1926971169" sldId="266"/>
+            <ac:spMk id="55" creationId="{2E559632-59E2-494B-852C-4646E7C21BB3}"/>
+          </ac:spMkLst>
+        </pc:spChg>
+        <pc:spChg chg="del mod">
+          <ac:chgData name="Graydon Hall" userId="6ad8ef6fe9c5877e" providerId="LiveId" clId="{743B0715-C183-42DE-B6E5-38E47A36CCC5}" dt="2021-09-29T20:37:16.791" v="576" actId="478"/>
+          <ac:spMkLst>
+            <pc:docMk/>
+            <pc:sldMk cId="1926971169" sldId="266"/>
+            <ac:spMk id="56" creationId="{DE7D82FA-FDBA-45E9-A76D-2AA69F944433}"/>
+          </ac:spMkLst>
+        </pc:spChg>
+        <pc:spChg chg="del">
+          <ac:chgData name="Graydon Hall" userId="6ad8ef6fe9c5877e" providerId="LiveId" clId="{743B0715-C183-42DE-B6E5-38E47A36CCC5}" dt="2021-09-29T20:37:13.584" v="572" actId="478"/>
+          <ac:spMkLst>
+            <pc:docMk/>
+            <pc:sldMk cId="1926971169" sldId="266"/>
+            <ac:spMk id="57" creationId="{38D72753-A65A-4383-BBBB-F5970C0947F3}"/>
+          </ac:spMkLst>
+        </pc:spChg>
+        <pc:spChg chg="del">
+          <ac:chgData name="Graydon Hall" userId="6ad8ef6fe9c5877e" providerId="LiveId" clId="{743B0715-C183-42DE-B6E5-38E47A36CCC5}" dt="2021-09-29T20:37:11.695" v="571" actId="478"/>
+          <ac:spMkLst>
+            <pc:docMk/>
+            <pc:sldMk cId="1926971169" sldId="266"/>
+            <ac:spMk id="58" creationId="{79D77692-74EE-43F5-BE3C-FA9C83850A5E}"/>
+          </ac:spMkLst>
+        </pc:spChg>
+        <pc:spChg chg="add mod">
+          <ac:chgData name="Graydon Hall" userId="6ad8ef6fe9c5877e" providerId="LiveId" clId="{743B0715-C183-42DE-B6E5-38E47A36CCC5}" dt="2021-09-29T20:43:58.960" v="638" actId="164"/>
+          <ac:spMkLst>
+            <pc:docMk/>
+            <pc:sldMk cId="1926971169" sldId="266"/>
+            <ac:spMk id="59" creationId="{6F2A98B4-56A3-4374-8EF8-0B6D1FCB1B8F}"/>
+          </ac:spMkLst>
+        </pc:spChg>
+        <pc:spChg chg="add mod">
+          <ac:chgData name="Graydon Hall" userId="6ad8ef6fe9c5877e" providerId="LiveId" clId="{743B0715-C183-42DE-B6E5-38E47A36CCC5}" dt="2021-09-29T20:43:58.960" v="638" actId="164"/>
+          <ac:spMkLst>
+            <pc:docMk/>
+            <pc:sldMk cId="1926971169" sldId="266"/>
+            <ac:spMk id="60" creationId="{99AEE20E-0EB9-4748-8620-B897086F8DCF}"/>
+          </ac:spMkLst>
+        </pc:spChg>
+        <pc:spChg chg="add mod">
+          <ac:chgData name="Graydon Hall" userId="6ad8ef6fe9c5877e" providerId="LiveId" clId="{743B0715-C183-42DE-B6E5-38E47A36CCC5}" dt="2021-09-29T20:43:52.280" v="637" actId="164"/>
+          <ac:spMkLst>
+            <pc:docMk/>
+            <pc:sldMk cId="1926971169" sldId="266"/>
+            <ac:spMk id="61" creationId="{42FCE60A-0C47-44FD-B094-B4ABECD30FAD}"/>
+          </ac:spMkLst>
+        </pc:spChg>
+        <pc:spChg chg="add mod">
+          <ac:chgData name="Graydon Hall" userId="6ad8ef6fe9c5877e" providerId="LiveId" clId="{743B0715-C183-42DE-B6E5-38E47A36CCC5}" dt="2021-09-29T20:44:22.632" v="680" actId="1037"/>
+          <ac:spMkLst>
+            <pc:docMk/>
+            <pc:sldMk cId="1926971169" sldId="266"/>
+            <ac:spMk id="62" creationId="{08F4FC4F-C543-4D94-9FDC-6413490F35C0}"/>
+          </ac:spMkLst>
+        </pc:spChg>
+        <pc:spChg chg="add mod">
+          <ac:chgData name="Graydon Hall" userId="6ad8ef6fe9c5877e" providerId="LiveId" clId="{743B0715-C183-42DE-B6E5-38E47A36CCC5}" dt="2021-09-29T20:50:10.807" v="726" actId="14100"/>
+          <ac:spMkLst>
+            <pc:docMk/>
+            <pc:sldMk cId="1926971169" sldId="266"/>
+            <ac:spMk id="64" creationId="{E3D9BFA3-15AC-470E-B521-DA6A705C6EE6}"/>
+          </ac:spMkLst>
+        </pc:spChg>
+        <pc:spChg chg="add mod">
+          <ac:chgData name="Graydon Hall" userId="6ad8ef6fe9c5877e" providerId="LiveId" clId="{743B0715-C183-42DE-B6E5-38E47A36CCC5}" dt="2021-09-29T20:44:22.632" v="680" actId="1037"/>
+          <ac:spMkLst>
+            <pc:docMk/>
+            <pc:sldMk cId="1926971169" sldId="266"/>
+            <ac:spMk id="65" creationId="{C3C116B7-ECF0-40C4-AB07-13E60A9F076A}"/>
+          </ac:spMkLst>
+        </pc:spChg>
+        <pc:grpChg chg="add mod">
+          <ac:chgData name="Graydon Hall" userId="6ad8ef6fe9c5877e" providerId="LiveId" clId="{743B0715-C183-42DE-B6E5-38E47A36CCC5}" dt="2021-09-29T20:44:22.632" v="680" actId="1037"/>
+          <ac:grpSpMkLst>
+            <pc:docMk/>
+            <pc:sldMk cId="1926971169" sldId="266"/>
+            <ac:grpSpMk id="27" creationId="{11D2D4C4-A335-4340-B4E2-DFEB0CC5DFA3}"/>
+          </ac:grpSpMkLst>
+        </pc:grpChg>
+        <pc:grpChg chg="add mod">
+          <ac:chgData name="Graydon Hall" userId="6ad8ef6fe9c5877e" providerId="LiveId" clId="{743B0715-C183-42DE-B6E5-38E47A36CCC5}" dt="2021-09-29T20:44:22.632" v="680" actId="1037"/>
+          <ac:grpSpMkLst>
+            <pc:docMk/>
+            <pc:sldMk cId="1926971169" sldId="266"/>
+            <ac:grpSpMk id="28" creationId="{F55E8291-14D0-4A93-8D05-79A67F8C9FA2}"/>
+          </ac:grpSpMkLst>
+        </pc:grpChg>
+        <pc:cxnChg chg="add mod">
+          <ac:chgData name="Graydon Hall" userId="6ad8ef6fe9c5877e" providerId="LiveId" clId="{743B0715-C183-42DE-B6E5-38E47A36CCC5}" dt="2021-09-29T20:44:22.632" v="680" actId="1037"/>
+          <ac:cxnSpMkLst>
+            <pc:docMk/>
+            <pc:sldMk cId="1926971169" sldId="266"/>
+            <ac:cxnSpMk id="23" creationId="{BD2AF247-FA6A-47D0-BFFE-57376CE4A841}"/>
+          </ac:cxnSpMkLst>
+        </pc:cxnChg>
+        <pc:cxnChg chg="add mod">
+          <ac:chgData name="Graydon Hall" userId="6ad8ef6fe9c5877e" providerId="LiveId" clId="{743B0715-C183-42DE-B6E5-38E47A36CCC5}" dt="2021-09-29T20:44:22.632" v="680" actId="1037"/>
+          <ac:cxnSpMkLst>
+            <pc:docMk/>
+            <pc:sldMk cId="1926971169" sldId="266"/>
+            <ac:cxnSpMk id="63" creationId="{C5E59C9E-F31F-45D6-ADE4-E022B9951E87}"/>
+          </ac:cxnSpMkLst>
+        </pc:cxnChg>
+      </pc:sldChg>
+      <pc:sldChg chg="addSp delSp modSp add mod">
+        <pc:chgData name="Graydon Hall" userId="6ad8ef6fe9c5877e" providerId="LiveId" clId="{743B0715-C183-42DE-B6E5-38E47A36CCC5}" dt="2021-09-30T19:01:02.145" v="3791" actId="1076"/>
+        <pc:sldMkLst>
+          <pc:docMk/>
+          <pc:sldMk cId="665027416" sldId="267"/>
+        </pc:sldMkLst>
+        <pc:spChg chg="add mod">
+          <ac:chgData name="Graydon Hall" userId="6ad8ef6fe9c5877e" providerId="LiveId" clId="{743B0715-C183-42DE-B6E5-38E47A36CCC5}" dt="2021-09-30T15:24:08.573" v="1028" actId="20577"/>
+          <ac:spMkLst>
+            <pc:docMk/>
+            <pc:sldMk cId="665027416" sldId="267"/>
+            <ac:spMk id="3" creationId="{41A71E7B-0281-4DFF-8DCB-9EB68AB3A83C}"/>
+          </ac:spMkLst>
+        </pc:spChg>
+        <pc:spChg chg="add del mod">
+          <ac:chgData name="Graydon Hall" userId="6ad8ef6fe9c5877e" providerId="LiveId" clId="{743B0715-C183-42DE-B6E5-38E47A36CCC5}" dt="2021-09-29T21:03:52.374" v="755" actId="478"/>
+          <ac:spMkLst>
+            <pc:docMk/>
+            <pc:sldMk cId="665027416" sldId="267"/>
+            <ac:spMk id="3" creationId="{EEE26ACF-4149-4229-A2B8-A26EBC031B00}"/>
+          </ac:spMkLst>
+        </pc:spChg>
+        <pc:spChg chg="mod">
+          <ac:chgData name="Graydon Hall" userId="6ad8ef6fe9c5877e" providerId="LiveId" clId="{743B0715-C183-42DE-B6E5-38E47A36CCC5}" dt="2021-09-29T21:20:05.013" v="861" actId="14100"/>
+          <ac:spMkLst>
+            <pc:docMk/>
+            <pc:sldMk cId="665027416" sldId="267"/>
+            <ac:spMk id="4" creationId="{69D13A37-6B82-4C78-812F-D9D461CDC672}"/>
+          </ac:spMkLst>
+        </pc:spChg>
+        <pc:spChg chg="mod">
+          <ac:chgData name="Graydon Hall" userId="6ad8ef6fe9c5877e" providerId="LiveId" clId="{743B0715-C183-42DE-B6E5-38E47A36CCC5}" dt="2021-09-29T21:09:34.002" v="765" actId="1076"/>
+          <ac:spMkLst>
+            <pc:docMk/>
+            <pc:sldMk cId="665027416" sldId="267"/>
+            <ac:spMk id="5" creationId="{03DF7978-60AD-4CDE-AE09-356BACC0D746}"/>
+          </ac:spMkLst>
+        </pc:spChg>
+        <pc:spChg chg="add mod">
+          <ac:chgData name="Graydon Hall" userId="6ad8ef6fe9c5877e" providerId="LiveId" clId="{743B0715-C183-42DE-B6E5-38E47A36CCC5}" dt="2021-09-30T19:00:51.358" v="3788" actId="208"/>
+          <ac:spMkLst>
+            <pc:docMk/>
+            <pc:sldMk cId="665027416" sldId="267"/>
+            <ac:spMk id="10" creationId="{6A13B73C-A4D9-4388-A369-3FD4A51C9DC6}"/>
+          </ac:spMkLst>
+        </pc:spChg>
+        <pc:spChg chg="add del mod">
+          <ac:chgData name="Graydon Hall" userId="6ad8ef6fe9c5877e" providerId="LiveId" clId="{743B0715-C183-42DE-B6E5-38E47A36CCC5}" dt="2021-09-29T21:11:55.806" v="777" actId="478"/>
+          <ac:spMkLst>
+            <pc:docMk/>
+            <pc:sldMk cId="665027416" sldId="267"/>
+            <ac:spMk id="10" creationId="{C7323650-FC6D-4288-9B3C-A0D021E9A22B}"/>
+          </ac:spMkLst>
+        </pc:spChg>
+        <pc:spChg chg="mod">
+          <ac:chgData name="Graydon Hall" userId="6ad8ef6fe9c5877e" providerId="LiveId" clId="{743B0715-C183-42DE-B6E5-38E47A36CCC5}" dt="2021-09-30T18:52:30.362" v="3699" actId="20577"/>
+          <ac:spMkLst>
+            <pc:docMk/>
+            <pc:sldMk cId="665027416" sldId="267"/>
+            <ac:spMk id="11" creationId="{ABE71181-B149-4EE3-8C57-DA344694D6C2}"/>
+          </ac:spMkLst>
+        </pc:spChg>
+        <pc:spChg chg="add del mod">
+          <ac:chgData name="Graydon Hall" userId="6ad8ef6fe9c5877e" providerId="LiveId" clId="{743B0715-C183-42DE-B6E5-38E47A36CCC5}" dt="2021-09-29T21:09:42.203" v="767" actId="478"/>
+          <ac:spMkLst>
+            <pc:docMk/>
+            <pc:sldMk cId="665027416" sldId="267"/>
+            <ac:spMk id="12" creationId="{E0063739-BA67-4EBC-85B3-BD7315FE2425}"/>
+          </ac:spMkLst>
+        </pc:spChg>
+        <pc:spChg chg="mod">
+          <ac:chgData name="Graydon Hall" userId="6ad8ef6fe9c5877e" providerId="LiveId" clId="{743B0715-C183-42DE-B6E5-38E47A36CCC5}" dt="2021-09-29T21:02:47.553" v="746" actId="164"/>
+          <ac:spMkLst>
+            <pc:docMk/>
+            <pc:sldMk cId="665027416" sldId="267"/>
+            <ac:spMk id="13" creationId="{1485229A-BE5D-445C-A29D-2095B03DF662}"/>
+          </ac:spMkLst>
+        </pc:spChg>
+        <pc:spChg chg="mod">
+          <ac:chgData name="Graydon Hall" userId="6ad8ef6fe9c5877e" providerId="LiveId" clId="{743B0715-C183-42DE-B6E5-38E47A36CCC5}" dt="2021-09-29T21:02:47.553" v="746" actId="164"/>
+          <ac:spMkLst>
+            <pc:docMk/>
+            <pc:sldMk cId="665027416" sldId="267"/>
+            <ac:spMk id="14" creationId="{8E3A9A45-B3AF-48DC-B12C-05C16FE7B083}"/>
+          </ac:spMkLst>
+        </pc:spChg>
+        <pc:spChg chg="del mod">
+          <ac:chgData name="Graydon Hall" userId="6ad8ef6fe9c5877e" providerId="LiveId" clId="{743B0715-C183-42DE-B6E5-38E47A36CCC5}" dt="2021-09-29T21:03:07.788" v="751" actId="478"/>
+          <ac:spMkLst>
+            <pc:docMk/>
+            <pc:sldMk cId="665027416" sldId="267"/>
+            <ac:spMk id="19" creationId="{46F5181C-BDBC-4AB8-83A7-972C3E6E24F4}"/>
+          </ac:spMkLst>
+        </pc:spChg>
+        <pc:spChg chg="add mod">
+          <ac:chgData name="Graydon Hall" userId="6ad8ef6fe9c5877e" providerId="LiveId" clId="{743B0715-C183-42DE-B6E5-38E47A36CCC5}" dt="2021-09-29T21:10:05.764" v="770"/>
+          <ac:spMkLst>
+            <pc:docMk/>
+            <pc:sldMk cId="665027416" sldId="267"/>
+            <ac:spMk id="20" creationId="{547FE1C0-78F6-4E38-B7FA-BB0544F84C4A}"/>
+          </ac:spMkLst>
+        </pc:spChg>
+        <pc:spChg chg="add mod">
+          <ac:chgData name="Graydon Hall" userId="6ad8ef6fe9c5877e" providerId="LiveId" clId="{743B0715-C183-42DE-B6E5-38E47A36CCC5}" dt="2021-09-29T21:10:56.430" v="776"/>
+          <ac:spMkLst>
+            <pc:docMk/>
+            <pc:sldMk cId="665027416" sldId="267"/>
+            <ac:spMk id="21" creationId="{12A2866F-70E5-49E4-BFF8-F99E0F0959F9}"/>
+          </ac:spMkLst>
+        </pc:spChg>
+        <pc:spChg chg="add del">
+          <ac:chgData name="Graydon Hall" userId="6ad8ef6fe9c5877e" providerId="LiveId" clId="{743B0715-C183-42DE-B6E5-38E47A36CCC5}" dt="2021-09-29T21:12:14.016" v="779" actId="478"/>
+          <ac:spMkLst>
+            <pc:docMk/>
+            <pc:sldMk cId="665027416" sldId="267"/>
+            <ac:spMk id="22" creationId="{38B7A0C4-3A5F-4FC1-8205-205036E04C8C}"/>
+          </ac:spMkLst>
+        </pc:spChg>
+        <pc:spChg chg="mod">
+          <ac:chgData name="Graydon Hall" userId="6ad8ef6fe9c5877e" providerId="LiveId" clId="{743B0715-C183-42DE-B6E5-38E47A36CCC5}" dt="2021-09-29T21:01:38.898" v="742" actId="206"/>
+          <ac:spMkLst>
+            <pc:docMk/>
+            <pc:sldMk cId="665027416" sldId="267"/>
+            <ac:spMk id="29" creationId="{38FB2998-D17F-4C72-9B49-F8CF82A51658}"/>
+          </ac:spMkLst>
+        </pc:spChg>
+        <pc:spChg chg="mod">
+          <ac:chgData name="Graydon Hall" userId="6ad8ef6fe9c5877e" providerId="LiveId" clId="{743B0715-C183-42DE-B6E5-38E47A36CCC5}" dt="2021-09-29T21:02:47.553" v="746" actId="164"/>
+          <ac:spMkLst>
+            <pc:docMk/>
+            <pc:sldMk cId="665027416" sldId="267"/>
+            <ac:spMk id="30" creationId="{EF742BB3-B8CD-4214-A16D-995CA4C3A04F}"/>
+          </ac:spMkLst>
+        </pc:spChg>
+        <pc:spChg chg="mod">
+          <ac:chgData name="Graydon Hall" userId="6ad8ef6fe9c5877e" providerId="LiveId" clId="{743B0715-C183-42DE-B6E5-38E47A36CCC5}" dt="2021-09-29T21:02:47.553" v="746" actId="164"/>
+          <ac:spMkLst>
+            <pc:docMk/>
+            <pc:sldMk cId="665027416" sldId="267"/>
+            <ac:spMk id="31" creationId="{195FFD83-D7D9-4459-9CF3-A18D5A7A4E5B}"/>
+          </ac:spMkLst>
+        </pc:spChg>
+        <pc:spChg chg="mod">
+          <ac:chgData name="Graydon Hall" userId="6ad8ef6fe9c5877e" providerId="LiveId" clId="{743B0715-C183-42DE-B6E5-38E47A36CCC5}" dt="2021-09-29T21:02:47.553" v="746" actId="164"/>
+          <ac:spMkLst>
+            <pc:docMk/>
+            <pc:sldMk cId="665027416" sldId="267"/>
+            <ac:spMk id="32" creationId="{0F9B6971-E396-466B-968F-2B6C71A84C66}"/>
+          </ac:spMkLst>
+        </pc:spChg>
+        <pc:spChg chg="add mod">
+          <ac:chgData name="Graydon Hall" userId="6ad8ef6fe9c5877e" providerId="LiveId" clId="{743B0715-C183-42DE-B6E5-38E47A36CCC5}" dt="2021-09-29T21:12:25.652" v="781"/>
+          <ac:spMkLst>
+            <pc:docMk/>
+            <pc:sldMk cId="665027416" sldId="267"/>
+            <ac:spMk id="35" creationId="{522DF440-990C-4AC7-89A4-F956E42DC1E7}"/>
+          </ac:spMkLst>
+        </pc:spChg>
+        <pc:spChg chg="mod">
+          <ac:chgData name="Graydon Hall" userId="6ad8ef6fe9c5877e" providerId="LiveId" clId="{743B0715-C183-42DE-B6E5-38E47A36CCC5}" dt="2021-09-29T21:02:47.553" v="746" actId="164"/>
+          <ac:spMkLst>
+            <pc:docMk/>
+            <pc:sldMk cId="665027416" sldId="267"/>
+            <ac:spMk id="45" creationId="{4C45101B-86CB-4372-B945-F57608A2AA11}"/>
+          </ac:spMkLst>
+        </pc:spChg>
+        <pc:spChg chg="mod">
+          <ac:chgData name="Graydon Hall" userId="6ad8ef6fe9c5877e" providerId="LiveId" clId="{743B0715-C183-42DE-B6E5-38E47A36CCC5}" dt="2021-09-29T21:01:12.294" v="733" actId="20577"/>
+          <ac:spMkLst>
+            <pc:docMk/>
+            <pc:sldMk cId="665027416" sldId="267"/>
+            <ac:spMk id="54" creationId="{437AF63C-1FCF-4662-BE8B-02BEA81AD64D}"/>
+          </ac:spMkLst>
+        </pc:spChg>
+        <pc:spChg chg="mod">
+          <ac:chgData name="Graydon Hall" userId="6ad8ef6fe9c5877e" providerId="LiveId" clId="{743B0715-C183-42DE-B6E5-38E47A36CCC5}" dt="2021-09-29T21:01:15.741" v="735" actId="20577"/>
+          <ac:spMkLst>
+            <pc:docMk/>
+            <pc:sldMk cId="665027416" sldId="267"/>
+            <ac:spMk id="55" creationId="{548D98DB-3C17-4BCD-B341-41546ECD446A}"/>
+          </ac:spMkLst>
+        </pc:spChg>
+        <pc:spChg chg="mod">
+          <ac:chgData name="Graydon Hall" userId="6ad8ef6fe9c5877e" providerId="LiveId" clId="{743B0715-C183-42DE-B6E5-38E47A36CCC5}" dt="2021-09-29T21:01:18.117" v="737" actId="20577"/>
+          <ac:spMkLst>
+            <pc:docMk/>
+            <pc:sldMk cId="665027416" sldId="267"/>
+            <ac:spMk id="56" creationId="{244774B1-FA94-4568-9E5A-E32B99A9F176}"/>
+          </ac:spMkLst>
+        </pc:spChg>
+        <pc:spChg chg="mod">
+          <ac:chgData name="Graydon Hall" userId="6ad8ef6fe9c5877e" providerId="LiveId" clId="{743B0715-C183-42DE-B6E5-38E47A36CCC5}" dt="2021-09-29T21:01:21.229" v="739" actId="20577"/>
+          <ac:spMkLst>
+            <pc:docMk/>
+            <pc:sldMk cId="665027416" sldId="267"/>
+            <ac:spMk id="57" creationId="{49CFC0C2-98A4-4206-9DD6-12FB60112185}"/>
+          </ac:spMkLst>
+        </pc:spChg>
+        <pc:spChg chg="mod">
+          <ac:chgData name="Graydon Hall" userId="6ad8ef6fe9c5877e" providerId="LiveId" clId="{743B0715-C183-42DE-B6E5-38E47A36CCC5}" dt="2021-09-29T21:01:04.616" v="730"/>
+          <ac:spMkLst>
+            <pc:docMk/>
+            <pc:sldMk cId="665027416" sldId="267"/>
+            <ac:spMk id="58" creationId="{34D83752-1847-4E3E-8619-7C119FBEA7D2}"/>
+          </ac:spMkLst>
+        </pc:spChg>
+        <pc:spChg chg="mod">
+          <ac:chgData name="Graydon Hall" userId="6ad8ef6fe9c5877e" providerId="LiveId" clId="{743B0715-C183-42DE-B6E5-38E47A36CCC5}" dt="2021-09-29T21:01:57.238" v="744"/>
+          <ac:spMkLst>
+            <pc:docMk/>
+            <pc:sldMk cId="665027416" sldId="267"/>
+            <ac:spMk id="67" creationId="{146DA5DC-BB7C-4FE5-A5E6-B598EB02C61A}"/>
+          </ac:spMkLst>
+        </pc:spChg>
+        <pc:spChg chg="mod">
+          <ac:chgData name="Graydon Hall" userId="6ad8ef6fe9c5877e" providerId="LiveId" clId="{743B0715-C183-42DE-B6E5-38E47A36CCC5}" dt="2021-09-29T21:01:57.238" v="744"/>
+          <ac:spMkLst>
+            <pc:docMk/>
+            <pc:sldMk cId="665027416" sldId="267"/>
+            <ac:spMk id="68" creationId="{D21261D9-EECE-4315-88AE-AED2214A6199}"/>
+          </ac:spMkLst>
+        </pc:spChg>
+        <pc:spChg chg="mod">
+          <ac:chgData name="Graydon Hall" userId="6ad8ef6fe9c5877e" providerId="LiveId" clId="{743B0715-C183-42DE-B6E5-38E47A36CCC5}" dt="2021-09-29T21:01:57.238" v="744"/>
+          <ac:spMkLst>
+            <pc:docMk/>
+            <pc:sldMk cId="665027416" sldId="267"/>
+            <ac:spMk id="69" creationId="{61E58199-13D7-4F69-8B73-FE8AF35278DB}"/>
+          </ac:spMkLst>
+        </pc:spChg>
+        <pc:spChg chg="mod">
+          <ac:chgData name="Graydon Hall" userId="6ad8ef6fe9c5877e" providerId="LiveId" clId="{743B0715-C183-42DE-B6E5-38E47A36CCC5}" dt="2021-09-29T21:01:57.238" v="744"/>
+          <ac:spMkLst>
+            <pc:docMk/>
+            <pc:sldMk cId="665027416" sldId="267"/>
+            <ac:spMk id="70" creationId="{B30B8E36-7225-4EDF-8026-C80E0A116A84}"/>
+          </ac:spMkLst>
+        </pc:spChg>
+        <pc:spChg chg="mod">
+          <ac:chgData name="Graydon Hall" userId="6ad8ef6fe9c5877e" providerId="LiveId" clId="{743B0715-C183-42DE-B6E5-38E47A36CCC5}" dt="2021-09-29T21:01:57.238" v="744"/>
+          <ac:spMkLst>
+            <pc:docMk/>
+            <pc:sldMk cId="665027416" sldId="267"/>
+            <ac:spMk id="71" creationId="{CEB3A782-FA41-4E7A-B316-369117333619}"/>
+          </ac:spMkLst>
+        </pc:spChg>
+        <pc:spChg chg="mod">
+          <ac:chgData name="Graydon Hall" userId="6ad8ef6fe9c5877e" providerId="LiveId" clId="{743B0715-C183-42DE-B6E5-38E47A36CCC5}" dt="2021-09-29T21:02:48.065" v="747"/>
+          <ac:spMkLst>
+            <pc:docMk/>
+            <pc:sldMk cId="665027416" sldId="267"/>
+            <ac:spMk id="73" creationId="{82A861FD-FBD5-49C8-87B0-FE67334597E3}"/>
+          </ac:spMkLst>
+        </pc:spChg>
+        <pc:spChg chg="mod">
+          <ac:chgData name="Graydon Hall" userId="6ad8ef6fe9c5877e" providerId="LiveId" clId="{743B0715-C183-42DE-B6E5-38E47A36CCC5}" dt="2021-09-29T21:02:48.065" v="747"/>
+          <ac:spMkLst>
+            <pc:docMk/>
+            <pc:sldMk cId="665027416" sldId="267"/>
+            <ac:spMk id="74" creationId="{DDE27D17-A231-48E3-9D74-DCF951A18017}"/>
+          </ac:spMkLst>
+        </pc:spChg>
+        <pc:spChg chg="mod">
+          <ac:chgData name="Graydon Hall" userId="6ad8ef6fe9c5877e" providerId="LiveId" clId="{743B0715-C183-42DE-B6E5-38E47A36CCC5}" dt="2021-09-29T21:02:48.065" v="747"/>
+          <ac:spMkLst>
+            <pc:docMk/>
+            <pc:sldMk cId="665027416" sldId="267"/>
+            <ac:spMk id="75" creationId="{0FF2EA18-2B27-45D5-A3D3-2D2DAF96B16C}"/>
+          </ac:spMkLst>
+        </pc:spChg>
+        <pc:spChg chg="mod">
+          <ac:chgData name="Graydon Hall" userId="6ad8ef6fe9c5877e" providerId="LiveId" clId="{743B0715-C183-42DE-B6E5-38E47A36CCC5}" dt="2021-09-29T21:02:48.065" v="747"/>
+          <ac:spMkLst>
+            <pc:docMk/>
+            <pc:sldMk cId="665027416" sldId="267"/>
+            <ac:spMk id="76" creationId="{2657631D-C8A0-4D06-B345-B2FD0A455BC2}"/>
+          </ac:spMkLst>
+        </pc:spChg>
+        <pc:spChg chg="mod">
+          <ac:chgData name="Graydon Hall" userId="6ad8ef6fe9c5877e" providerId="LiveId" clId="{743B0715-C183-42DE-B6E5-38E47A36CCC5}" dt="2021-09-29T21:02:48.065" v="747"/>
+          <ac:spMkLst>
+            <pc:docMk/>
+            <pc:sldMk cId="665027416" sldId="267"/>
+            <ac:spMk id="77" creationId="{F11295AA-3C32-4477-97D3-5194ADFA246E}"/>
+          </ac:spMkLst>
+        </pc:spChg>
+        <pc:spChg chg="mod">
+          <ac:chgData name="Graydon Hall" userId="6ad8ef6fe9c5877e" providerId="LiveId" clId="{743B0715-C183-42DE-B6E5-38E47A36CCC5}" dt="2021-09-29T21:02:48.065" v="747"/>
+          <ac:spMkLst>
+            <pc:docMk/>
+            <pc:sldMk cId="665027416" sldId="267"/>
+            <ac:spMk id="78" creationId="{6A84FCC7-9519-4F2A-ABAE-F191991BC136}"/>
+          </ac:spMkLst>
+        </pc:spChg>
+        <pc:spChg chg="add mod">
+          <ac:chgData name="Graydon Hall" userId="6ad8ef6fe9c5877e" providerId="LiveId" clId="{743B0715-C183-42DE-B6E5-38E47A36CCC5}" dt="2021-09-29T21:10:28.875" v="772" actId="1076"/>
+          <ac:spMkLst>
+            <pc:docMk/>
+            <pc:sldMk cId="665027416" sldId="267"/>
+            <ac:spMk id="79" creationId="{48722A1F-ADB0-42CB-9689-559D76D3A782}"/>
+          </ac:spMkLst>
+        </pc:spChg>
+        <pc:spChg chg="add mod">
+          <ac:chgData name="Graydon Hall" userId="6ad8ef6fe9c5877e" providerId="LiveId" clId="{743B0715-C183-42DE-B6E5-38E47A36CCC5}" dt="2021-09-29T21:10:40.060" v="774" actId="1076"/>
+          <ac:spMkLst>
+            <pc:docMk/>
+            <pc:sldMk cId="665027416" sldId="267"/>
+            <ac:spMk id="80" creationId="{0D55B6D6-ED78-4EA2-91B8-1EC83D51C246}"/>
+          </ac:spMkLst>
+        </pc:spChg>
+        <pc:spChg chg="add mod">
+          <ac:chgData name="Graydon Hall" userId="6ad8ef6fe9c5877e" providerId="LiveId" clId="{743B0715-C183-42DE-B6E5-38E47A36CCC5}" dt="2021-09-29T21:12:51.786" v="846" actId="1036"/>
+          <ac:spMkLst>
+            <pc:docMk/>
+            <pc:sldMk cId="665027416" sldId="267"/>
+            <ac:spMk id="81" creationId="{E9D4274A-E3E9-4AC0-B99A-4CC0DD026E89}"/>
+          </ac:spMkLst>
+        </pc:spChg>
+        <pc:spChg chg="add mod">
+          <ac:chgData name="Graydon Hall" userId="6ad8ef6fe9c5877e" providerId="LiveId" clId="{743B0715-C183-42DE-B6E5-38E47A36CCC5}" dt="2021-09-30T19:01:02.145" v="3791" actId="1076"/>
+          <ac:spMkLst>
+            <pc:docMk/>
+            <pc:sldMk cId="665027416" sldId="267"/>
+            <ac:spMk id="82" creationId="{3393D78F-D17E-4D5A-87FE-A6C3308EC21C}"/>
+          </ac:spMkLst>
+        </pc:spChg>
+        <pc:grpChg chg="add mod">
+          <ac:chgData name="Graydon Hall" userId="6ad8ef6fe9c5877e" providerId="LiveId" clId="{743B0715-C183-42DE-B6E5-38E47A36CCC5}" dt="2021-09-29T21:02:47.553" v="746" actId="164"/>
+          <ac:grpSpMkLst>
+            <pc:docMk/>
+            <pc:sldMk cId="665027416" sldId="267"/>
+            <ac:grpSpMk id="2" creationId="{D91AFCC9-FC40-464C-BC3F-E2763F145D0C}"/>
+          </ac:grpSpMkLst>
+        </pc:grpChg>
+        <pc:grpChg chg="mod">
+          <ac:chgData name="Graydon Hall" userId="6ad8ef6fe9c5877e" providerId="LiveId" clId="{743B0715-C183-42DE-B6E5-38E47A36CCC5}" dt="2021-09-29T21:01:41.585" v="743" actId="1076"/>
+          <ac:grpSpMkLst>
+            <pc:docMk/>
+            <pc:sldMk cId="665027416" sldId="267"/>
+            <ac:grpSpMk id="28" creationId="{F55E8291-14D0-4A93-8D05-79A67F8C9FA2}"/>
+          </ac:grpSpMkLst>
+        </pc:grpChg>
+        <pc:grpChg chg="add mod">
+          <ac:chgData name="Graydon Hall" userId="6ad8ef6fe9c5877e" providerId="LiveId" clId="{743B0715-C183-42DE-B6E5-38E47A36CCC5}" dt="2021-09-29T21:01:08.948" v="731" actId="1076"/>
+          <ac:grpSpMkLst>
+            <pc:docMk/>
+            <pc:sldMk cId="665027416" sldId="267"/>
+            <ac:grpSpMk id="53" creationId="{3CD321A8-8E59-45E8-A994-3CE9398DD1EB}"/>
+          </ac:grpSpMkLst>
+        </pc:grpChg>
+        <pc:grpChg chg="add mod">
+          <ac:chgData name="Graydon Hall" userId="6ad8ef6fe9c5877e" providerId="LiveId" clId="{743B0715-C183-42DE-B6E5-38E47A36CCC5}" dt="2021-09-29T21:02:01.467" v="745" actId="1076"/>
+          <ac:grpSpMkLst>
+            <pc:docMk/>
+            <pc:sldMk cId="665027416" sldId="267"/>
+            <ac:grpSpMk id="66" creationId="{75C94FB6-D175-4396-847C-3C7F9E8450EC}"/>
+          </ac:grpSpMkLst>
+        </pc:grpChg>
+        <pc:grpChg chg="add mod">
+          <ac:chgData name="Graydon Hall" userId="6ad8ef6fe9c5877e" providerId="LiveId" clId="{743B0715-C183-42DE-B6E5-38E47A36CCC5}" dt="2021-09-29T21:09:45.732" v="768" actId="1076"/>
+          <ac:grpSpMkLst>
+            <pc:docMk/>
+            <pc:sldMk cId="665027416" sldId="267"/>
+            <ac:grpSpMk id="72" creationId="{AEC6AA4B-B969-46AE-95C3-A0BB61A3ACEE}"/>
+          </ac:grpSpMkLst>
+        </pc:grpChg>
+      </pc:sldChg>
+      <pc:sldChg chg="addSp delSp modSp add mod">
+        <pc:chgData name="Graydon Hall" userId="6ad8ef6fe9c5877e" providerId="LiveId" clId="{743B0715-C183-42DE-B6E5-38E47A36CCC5}" dt="2021-10-02T21:01:18.390" v="5499" actId="1076"/>
+        <pc:sldMkLst>
+          <pc:docMk/>
+          <pc:sldMk cId="2537722862" sldId="268"/>
+        </pc:sldMkLst>
+        <pc:spChg chg="add del mod">
+          <ac:chgData name="Graydon Hall" userId="6ad8ef6fe9c5877e" providerId="LiveId" clId="{743B0715-C183-42DE-B6E5-38E47A36CCC5}" dt="2021-09-30T15:23:11.566" v="947" actId="478"/>
+          <ac:spMkLst>
+            <pc:docMk/>
+            <pc:sldMk cId="2537722862" sldId="268"/>
+            <ac:spMk id="3" creationId="{0D96CE69-933F-4178-85BB-CF05E7BD07AC}"/>
+          </ac:spMkLst>
+        </pc:spChg>
+        <pc:spChg chg="add del mod">
+          <ac:chgData name="Graydon Hall" userId="6ad8ef6fe9c5877e" providerId="LiveId" clId="{743B0715-C183-42DE-B6E5-38E47A36CCC5}" dt="2021-09-29T21:30:40.762" v="882" actId="478"/>
+          <ac:spMkLst>
+            <pc:docMk/>
+            <pc:sldMk cId="2537722862" sldId="268"/>
+            <ac:spMk id="3" creationId="{B9B96A2D-7483-4C9E-9541-FB16F0C38E91}"/>
+          </ac:spMkLst>
+        </pc:spChg>
+        <pc:spChg chg="mod">
+          <ac:chgData name="Graydon Hall" userId="6ad8ef6fe9c5877e" providerId="LiveId" clId="{743B0715-C183-42DE-B6E5-38E47A36CCC5}" dt="2021-09-29T21:19:57.658" v="859" actId="14100"/>
+          <ac:spMkLst>
+            <pc:docMk/>
+            <pc:sldMk cId="2537722862" sldId="268"/>
+            <ac:spMk id="4" creationId="{69D13A37-6B82-4C78-812F-D9D461CDC672}"/>
+          </ac:spMkLst>
+        </pc:spChg>
+        <pc:spChg chg="mod">
+          <ac:chgData name="Graydon Hall" userId="6ad8ef6fe9c5877e" providerId="LiveId" clId="{743B0715-C183-42DE-B6E5-38E47A36CCC5}" dt="2021-09-29T21:22:52.359" v="864" actId="14100"/>
+          <ac:spMkLst>
+            <pc:docMk/>
+            <pc:sldMk cId="2537722862" sldId="268"/>
+            <ac:spMk id="5" creationId="{03DF7978-60AD-4CDE-AE09-356BACC0D746}"/>
+          </ac:spMkLst>
+        </pc:spChg>
+        <pc:spChg chg="mod">
+          <ac:chgData name="Graydon Hall" userId="6ad8ef6fe9c5877e" providerId="LiveId" clId="{743B0715-C183-42DE-B6E5-38E47A36CCC5}" dt="2021-09-29T21:40:49.256" v="885" actId="20577"/>
+          <ac:spMkLst>
+            <pc:docMk/>
+            <pc:sldMk cId="2537722862" sldId="268"/>
+            <ac:spMk id="11" creationId="{ABE71181-B149-4EE3-8C57-DA344694D6C2}"/>
+          </ac:spMkLst>
+        </pc:spChg>
+        <pc:spChg chg="del">
+          <ac:chgData name="Graydon Hall" userId="6ad8ef6fe9c5877e" providerId="LiveId" clId="{743B0715-C183-42DE-B6E5-38E47A36CCC5}" dt="2021-09-29T21:19:42.646" v="850" actId="478"/>
+          <ac:spMkLst>
+            <pc:docMk/>
+            <pc:sldMk cId="2537722862" sldId="268"/>
+            <ac:spMk id="15" creationId="{37CEF823-64A2-4803-97BB-DE3BC2A56C3D}"/>
+          </ac:spMkLst>
+        </pc:spChg>
+        <pc:spChg chg="del">
+          <ac:chgData name="Graydon Hall" userId="6ad8ef6fe9c5877e" providerId="LiveId" clId="{743B0715-C183-42DE-B6E5-38E47A36CCC5}" dt="2021-09-29T21:19:47.923" v="853" actId="478"/>
+          <ac:spMkLst>
+            <pc:docMk/>
+            <pc:sldMk cId="2537722862" sldId="268"/>
+            <ac:spMk id="16" creationId="{EA2DF13A-E11F-4817-B472-6B40ED9D8414}"/>
+          </ac:spMkLst>
+        </pc:spChg>
+        <pc:spChg chg="del mod">
+          <ac:chgData name="Graydon Hall" userId="6ad8ef6fe9c5877e" providerId="LiveId" clId="{743B0715-C183-42DE-B6E5-38E47A36CCC5}" dt="2021-09-29T21:19:49.648" v="855" actId="478"/>
+          <ac:spMkLst>
+            <pc:docMk/>
+            <pc:sldMk cId="2537722862" sldId="268"/>
+            <ac:spMk id="17" creationId="{49613BA1-EC39-4C9D-911C-822803A902C7}"/>
+          </ac:spMkLst>
+        </pc:spChg>
+        <pc:spChg chg="del">
+          <ac:chgData name="Graydon Hall" userId="6ad8ef6fe9c5877e" providerId="LiveId" clId="{743B0715-C183-42DE-B6E5-38E47A36CCC5}" dt="2021-09-29T21:19:45.776" v="851" actId="478"/>
+          <ac:spMkLst>
+            <pc:docMk/>
+            <pc:sldMk cId="2537722862" sldId="268"/>
+            <ac:spMk id="18" creationId="{827B7BA2-81B6-42CB-8875-9F2B5C5394A7}"/>
+          </ac:spMkLst>
+        </pc:spChg>
+        <pc:spChg chg="del">
+          <ac:chgData name="Graydon Hall" userId="6ad8ef6fe9c5877e" providerId="LiveId" clId="{743B0715-C183-42DE-B6E5-38E47A36CCC5}" dt="2021-09-29T21:40:54.312" v="886" actId="478"/>
+          <ac:spMkLst>
+            <pc:docMk/>
+            <pc:sldMk cId="2537722862" sldId="268"/>
+            <ac:spMk id="20" creationId="{547FE1C0-78F6-4E38-B7FA-BB0544F84C4A}"/>
+          </ac:spMkLst>
+        </pc:spChg>
+        <pc:spChg chg="del">
+          <ac:chgData name="Graydon Hall" userId="6ad8ef6fe9c5877e" providerId="LiveId" clId="{743B0715-C183-42DE-B6E5-38E47A36CCC5}" dt="2021-09-29T21:19:45.776" v="851" actId="478"/>
+          <ac:spMkLst>
+            <pc:docMk/>
+            <pc:sldMk cId="2537722862" sldId="268"/>
+            <ac:spMk id="24" creationId="{FD8706BD-108D-4ECE-80FA-00ED04CF3D8A}"/>
+          </ac:spMkLst>
+        </pc:spChg>
+        <pc:spChg chg="del">
+          <ac:chgData name="Graydon Hall" userId="6ad8ef6fe9c5877e" providerId="LiveId" clId="{743B0715-C183-42DE-B6E5-38E47A36CCC5}" dt="2021-09-29T21:19:45.776" v="851" actId="478"/>
+          <ac:spMkLst>
+            <pc:docMk/>
+            <pc:sldMk cId="2537722862" sldId="268"/>
+            <ac:spMk id="25" creationId="{D874629E-BAB8-48EB-8538-631F7E8F7166}"/>
+          </ac:spMkLst>
+        </pc:spChg>
+        <pc:spChg chg="del">
+          <ac:chgData name="Graydon Hall" userId="6ad8ef6fe9c5877e" providerId="LiveId" clId="{743B0715-C183-42DE-B6E5-38E47A36CCC5}" dt="2021-09-29T21:19:45.776" v="851" actId="478"/>
+          <ac:spMkLst>
+            <pc:docMk/>
+            <pc:sldMk cId="2537722862" sldId="268"/>
+            <ac:spMk id="26" creationId="{D60DACE1-0AE0-4851-B2F0-AFC7BC736D99}"/>
+          </ac:spMkLst>
+        </pc:spChg>
+        <pc:spChg chg="del">
+          <ac:chgData name="Graydon Hall" userId="6ad8ef6fe9c5877e" providerId="LiveId" clId="{743B0715-C183-42DE-B6E5-38E47A36CCC5}" dt="2021-09-29T21:19:50.792" v="856" actId="478"/>
+          <ac:spMkLst>
+            <pc:docMk/>
+            <pc:sldMk cId="2537722862" sldId="268"/>
+            <ac:spMk id="29" creationId="{38FB2998-D17F-4C72-9B49-F8CF82A51658}"/>
+          </ac:spMkLst>
+        </pc:spChg>
+        <pc:spChg chg="del">
+          <ac:chgData name="Graydon Hall" userId="6ad8ef6fe9c5877e" providerId="LiveId" clId="{743B0715-C183-42DE-B6E5-38E47A36CCC5}" dt="2021-09-29T21:19:45.776" v="851" actId="478"/>
+          <ac:spMkLst>
+            <pc:docMk/>
+            <pc:sldMk cId="2537722862" sldId="268"/>
+            <ac:spMk id="33" creationId="{93034171-ED6B-48B6-89E7-6D43497F0D62}"/>
+          </ac:spMkLst>
+        </pc:spChg>
+        <pc:spChg chg="add mod">
+          <ac:chgData name="Graydon Hall" userId="6ad8ef6fe9c5877e" providerId="LiveId" clId="{743B0715-C183-42DE-B6E5-38E47A36CCC5}" dt="2021-10-02T21:01:18.390" v="5499" actId="1076"/>
+          <ac:spMkLst>
+            <pc:docMk/>
+            <pc:sldMk cId="2537722862" sldId="268"/>
+            <ac:spMk id="33" creationId="{B57447BF-21A0-4756-B72D-1BA244BF6762}"/>
+          </ac:spMkLst>
+        </pc:spChg>
+        <pc:spChg chg="del">
+          <ac:chgData name="Graydon Hall" userId="6ad8ef6fe9c5877e" providerId="LiveId" clId="{743B0715-C183-42DE-B6E5-38E47A36CCC5}" dt="2021-09-29T21:19:47.136" v="852" actId="478"/>
+          <ac:spMkLst>
+            <pc:docMk/>
+            <pc:sldMk cId="2537722862" sldId="268"/>
+            <ac:spMk id="35" creationId="{522DF440-990C-4AC7-89A4-F956E42DC1E7}"/>
+          </ac:spMkLst>
+        </pc:spChg>
+        <pc:spChg chg="del">
+          <ac:chgData name="Graydon Hall" userId="6ad8ef6fe9c5877e" providerId="LiveId" clId="{743B0715-C183-42DE-B6E5-38E47A36CCC5}" dt="2021-09-29T21:19:45.776" v="851" actId="478"/>
+          <ac:spMkLst>
+            <pc:docMk/>
+            <pc:sldMk cId="2537722862" sldId="268"/>
+            <ac:spMk id="44" creationId="{FBBEB1BD-78EA-425E-9160-0B4F52E9B7F8}"/>
+          </ac:spMkLst>
+        </pc:spChg>
+        <pc:spChg chg="mod">
+          <ac:chgData name="Graydon Hall" userId="6ad8ef6fe9c5877e" providerId="LiveId" clId="{743B0715-C183-42DE-B6E5-38E47A36CCC5}" dt="2021-09-29T21:26:25.868" v="880" actId="207"/>
+          <ac:spMkLst>
+            <pc:docMk/>
+            <pc:sldMk cId="2537722862" sldId="268"/>
+            <ac:spMk id="46" creationId="{05C9C61F-B640-4679-BE12-3DFCDF58112B}"/>
+          </ac:spMkLst>
+        </pc:spChg>
+        <pc:spChg chg="add mod">
+          <ac:chgData name="Graydon Hall" userId="6ad8ef6fe9c5877e" providerId="LiveId" clId="{743B0715-C183-42DE-B6E5-38E47A36CCC5}" dt="2021-09-30T15:28:40.923" v="1137" actId="20577"/>
+          <ac:spMkLst>
+            <pc:docMk/>
+            <pc:sldMk cId="2537722862" sldId="268"/>
+            <ac:spMk id="65" creationId="{7B0C6561-B429-404B-A0C1-E11EBF4C22EA}"/>
+          </ac:spMkLst>
+        </pc:spChg>
+        <pc:spChg chg="del">
+          <ac:chgData name="Graydon Hall" userId="6ad8ef6fe9c5877e" providerId="LiveId" clId="{743B0715-C183-42DE-B6E5-38E47A36CCC5}" dt="2021-09-29T21:19:51.616" v="857" actId="478"/>
+          <ac:spMkLst>
+            <pc:docMk/>
+            <pc:sldMk cId="2537722862" sldId="268"/>
+            <ac:spMk id="65" creationId="{C3C116B7-ECF0-40C4-AB07-13E60A9F076A}"/>
+          </ac:spMkLst>
+        </pc:spChg>
+        <pc:spChg chg="mod">
+          <ac:chgData name="Graydon Hall" userId="6ad8ef6fe9c5877e" providerId="LiveId" clId="{743B0715-C183-42DE-B6E5-38E47A36CCC5}" dt="2021-09-29T21:22:57.391" v="866" actId="20577"/>
+          <ac:spMkLst>
+            <pc:docMk/>
+            <pc:sldMk cId="2537722862" sldId="268"/>
+            <ac:spMk id="67" creationId="{146DA5DC-BB7C-4FE5-A5E6-B598EB02C61A}"/>
+          </ac:spMkLst>
+        </pc:spChg>
+        <pc:spChg chg="del mod">
+          <ac:chgData name="Graydon Hall" userId="6ad8ef6fe9c5877e" providerId="LiveId" clId="{743B0715-C183-42DE-B6E5-38E47A36CCC5}" dt="2021-09-30T15:23:02.494" v="944" actId="478"/>
+          <ac:spMkLst>
+            <pc:docMk/>
+            <pc:sldMk cId="2537722862" sldId="268"/>
+            <ac:spMk id="73" creationId="{82A861FD-FBD5-49C8-87B0-FE67334597E3}"/>
+          </ac:spMkLst>
+        </pc:spChg>
+        <pc:spChg chg="del mod">
+          <ac:chgData name="Graydon Hall" userId="6ad8ef6fe9c5877e" providerId="LiveId" clId="{743B0715-C183-42DE-B6E5-38E47A36CCC5}" dt="2021-09-30T15:23:04.950" v="945" actId="478"/>
+          <ac:spMkLst>
+            <pc:docMk/>
+            <pc:sldMk cId="2537722862" sldId="268"/>
+            <ac:spMk id="74" creationId="{DDE27D17-A231-48E3-9D74-DCF951A18017}"/>
+          </ac:spMkLst>
+        </pc:spChg>
+        <pc:spChg chg="del topLvl">
+          <ac:chgData name="Graydon Hall" userId="6ad8ef6fe9c5877e" providerId="LiveId" clId="{743B0715-C183-42DE-B6E5-38E47A36CCC5}" dt="2021-09-30T15:23:08.364" v="946" actId="478"/>
+          <ac:spMkLst>
+            <pc:docMk/>
+            <pc:sldMk cId="2537722862" sldId="268"/>
+            <ac:spMk id="75" creationId="{0FF2EA18-2B27-45D5-A3D3-2D2DAF96B16C}"/>
+          </ac:spMkLst>
+        </pc:spChg>
+        <pc:spChg chg="del">
+          <ac:chgData name="Graydon Hall" userId="6ad8ef6fe9c5877e" providerId="LiveId" clId="{743B0715-C183-42DE-B6E5-38E47A36CCC5}" dt="2021-09-30T15:22:59.126" v="943" actId="478"/>
+          <ac:spMkLst>
+            <pc:docMk/>
+            <pc:sldMk cId="2537722862" sldId="268"/>
+            <ac:spMk id="76" creationId="{2657631D-C8A0-4D06-B345-B2FD0A455BC2}"/>
+          </ac:spMkLst>
+        </pc:spChg>
+        <pc:spChg chg="mod topLvl">
+          <ac:chgData name="Graydon Hall" userId="6ad8ef6fe9c5877e" providerId="LiveId" clId="{743B0715-C183-42DE-B6E5-38E47A36CCC5}" dt="2021-09-30T15:29:01.157" v="1162" actId="20577"/>
+          <ac:spMkLst>
+            <pc:docMk/>
+            <pc:sldMk cId="2537722862" sldId="268"/>
+            <ac:spMk id="77" creationId="{F11295AA-3C32-4477-97D3-5194ADFA246E}"/>
+          </ac:spMkLst>
+        </pc:spChg>
+        <pc:spChg chg="del">
+          <ac:chgData name="Graydon Hall" userId="6ad8ef6fe9c5877e" providerId="LiveId" clId="{743B0715-C183-42DE-B6E5-38E47A36CCC5}" dt="2021-09-29T21:40:59.351" v="889" actId="478"/>
+          <ac:spMkLst>
+            <pc:docMk/>
+            <pc:sldMk cId="2537722862" sldId="268"/>
+            <ac:spMk id="78" creationId="{6A84FCC7-9519-4F2A-ABAE-F191991BC136}"/>
+          </ac:spMkLst>
+        </pc:spChg>
+        <pc:spChg chg="add del mod">
+          <ac:chgData name="Graydon Hall" userId="6ad8ef6fe9c5877e" providerId="LiveId" clId="{743B0715-C183-42DE-B6E5-38E47A36CCC5}" dt="2021-09-29T21:30:44.859" v="883" actId="478"/>
+          <ac:spMkLst>
+            <pc:docMk/>
+            <pc:sldMk cId="2537722862" sldId="268"/>
+            <ac:spMk id="82" creationId="{2A57870E-5922-4963-AD18-7F33F6A58053}"/>
+          </ac:spMkLst>
+        </pc:spChg>
+        <pc:spChg chg="mod">
+          <ac:chgData name="Graydon Hall" userId="6ad8ef6fe9c5877e" providerId="LiveId" clId="{743B0715-C183-42DE-B6E5-38E47A36CCC5}" dt="2021-09-29T21:23:05.455" v="867"/>
+          <ac:spMkLst>
+            <pc:docMk/>
+            <pc:sldMk cId="2537722862" sldId="268"/>
+            <ac:spMk id="84" creationId="{2CDC8598-88AC-489B-AAE1-793B07ACD2E7}"/>
+          </ac:spMkLst>
+        </pc:spChg>
+        <pc:spChg chg="mod">
+          <ac:chgData name="Graydon Hall" userId="6ad8ef6fe9c5877e" providerId="LiveId" clId="{743B0715-C183-42DE-B6E5-38E47A36CCC5}" dt="2021-09-29T21:23:05.455" v="867"/>
+          <ac:spMkLst>
+            <pc:docMk/>
+            <pc:sldMk cId="2537722862" sldId="268"/>
+            <ac:spMk id="85" creationId="{521001CA-1A65-456B-96CE-F42BEF1816C9}"/>
+          </ac:spMkLst>
+        </pc:spChg>
+        <pc:spChg chg="mod">
+          <ac:chgData name="Graydon Hall" userId="6ad8ef6fe9c5877e" providerId="LiveId" clId="{743B0715-C183-42DE-B6E5-38E47A36CCC5}" dt="2021-09-29T21:23:05.455" v="867"/>
+          <ac:spMkLst>
+            <pc:docMk/>
+            <pc:sldMk cId="2537722862" sldId="268"/>
+            <ac:spMk id="86" creationId="{9AE6E391-E019-4EB9-A852-C89DCEC146D6}"/>
+          </ac:spMkLst>
+        </pc:spChg>
+        <pc:spChg chg="mod">
+          <ac:chgData name="Graydon Hall" userId="6ad8ef6fe9c5877e" providerId="LiveId" clId="{743B0715-C183-42DE-B6E5-38E47A36CCC5}" dt="2021-09-29T21:23:05.455" v="867"/>
+          <ac:spMkLst>
+            <pc:docMk/>
+            <pc:sldMk cId="2537722862" sldId="268"/>
+            <ac:spMk id="87" creationId="{F4749322-635F-4DA3-BF53-BA9FE3121F0C}"/>
+          </ac:spMkLst>
+        </pc:spChg>
+        <pc:spChg chg="mod">
+          <ac:chgData name="Graydon Hall" userId="6ad8ef6fe9c5877e" providerId="LiveId" clId="{743B0715-C183-42DE-B6E5-38E47A36CCC5}" dt="2021-09-29T21:23:05.455" v="867"/>
+          <ac:spMkLst>
+            <pc:docMk/>
+            <pc:sldMk cId="2537722862" sldId="268"/>
+            <ac:spMk id="88" creationId="{6E3B900F-E415-419E-B83F-569E7BE04A1B}"/>
+          </ac:spMkLst>
+        </pc:spChg>
+        <pc:spChg chg="mod">
+          <ac:chgData name="Graydon Hall" userId="6ad8ef6fe9c5877e" providerId="LiveId" clId="{743B0715-C183-42DE-B6E5-38E47A36CCC5}" dt="2021-09-29T21:23:05.455" v="867"/>
+          <ac:spMkLst>
+            <pc:docMk/>
+            <pc:sldMk cId="2537722862" sldId="268"/>
+            <ac:spMk id="89" creationId="{BCA4A8E5-004E-4972-BC81-822A02B05833}"/>
+          </ac:spMkLst>
+        </pc:spChg>
+        <pc:grpChg chg="del">
+          <ac:chgData name="Graydon Hall" userId="6ad8ef6fe9c5877e" providerId="LiveId" clId="{743B0715-C183-42DE-B6E5-38E47A36CCC5}" dt="2021-10-02T21:01:13.233" v="5497" actId="478"/>
+          <ac:grpSpMkLst>
+            <pc:docMk/>
+            <pc:sldMk cId="2537722862" sldId="268"/>
+            <ac:grpSpMk id="27" creationId="{11D2D4C4-A335-4340-B4E2-DFEB0CC5DFA3}"/>
+          </ac:grpSpMkLst>
+        </pc:grpChg>
+        <pc:grpChg chg="del">
+          <ac:chgData name="Graydon Hall" userId="6ad8ef6fe9c5877e" providerId="LiveId" clId="{743B0715-C183-42DE-B6E5-38E47A36CCC5}" dt="2021-09-30T15:23:13.388" v="948" actId="478"/>
+          <ac:grpSpMkLst>
+            <pc:docMk/>
+            <pc:sldMk cId="2537722862" sldId="268"/>
+            <ac:grpSpMk id="66" creationId="{75C94FB6-D175-4396-847C-3C7F9E8450EC}"/>
+          </ac:grpSpMkLst>
+        </pc:grpChg>
+        <pc:grpChg chg="add del">
+          <ac:chgData name="Graydon Hall" userId="6ad8ef6fe9c5877e" providerId="LiveId" clId="{743B0715-C183-42DE-B6E5-38E47A36CCC5}" dt="2021-09-30T15:23:08.364" v="946" actId="478"/>
+          <ac:grpSpMkLst>
+            <pc:docMk/>
+            <pc:sldMk cId="2537722862" sldId="268"/>
+            <ac:grpSpMk id="72" creationId="{AEC6AA4B-B969-46AE-95C3-A0BB61A3ACEE}"/>
+          </ac:grpSpMkLst>
+        </pc:grpChg>
+        <pc:grpChg chg="add del mod">
+          <ac:chgData name="Graydon Hall" userId="6ad8ef6fe9c5877e" providerId="LiveId" clId="{743B0715-C183-42DE-B6E5-38E47A36CCC5}" dt="2021-09-29T21:30:39.098" v="881" actId="478"/>
+          <ac:grpSpMkLst>
+            <pc:docMk/>
+            <pc:sldMk cId="2537722862" sldId="268"/>
+            <ac:grpSpMk id="83" creationId="{1861B19B-8AA8-45D7-A02A-1C439012DC26}"/>
+          </ac:grpSpMkLst>
+        </pc:grpChg>
+      </pc:sldChg>
+      <pc:sldChg chg="addSp delSp modSp add mod ord">
+        <pc:chgData name="Graydon Hall" userId="6ad8ef6fe9c5877e" providerId="LiveId" clId="{743B0715-C183-42DE-B6E5-38E47A36CCC5}" dt="2021-09-30T15:34:47.338" v="1428" actId="1076"/>
+        <pc:sldMkLst>
+          <pc:docMk/>
+          <pc:sldMk cId="943430823" sldId="269"/>
+        </pc:sldMkLst>
+        <pc:spChg chg="del">
+          <ac:chgData name="Graydon Hall" userId="6ad8ef6fe9c5877e" providerId="LiveId" clId="{743B0715-C183-42DE-B6E5-38E47A36CCC5}" dt="2021-09-30T15:20:00.990" v="922" actId="478"/>
+          <ac:spMkLst>
+            <pc:docMk/>
+            <pc:sldMk cId="943430823" sldId="269"/>
+            <ac:spMk id="3" creationId="{0D96CE69-933F-4178-85BB-CF05E7BD07AC}"/>
+          </ac:spMkLst>
+        </pc:spChg>
+        <pc:spChg chg="add mod">
+          <ac:chgData name="Graydon Hall" userId="6ad8ef6fe9c5877e" providerId="LiveId" clId="{743B0715-C183-42DE-B6E5-38E47A36CCC5}" dt="2021-09-30T15:21:19.420" v="938"/>
+          <ac:spMkLst>
+            <pc:docMk/>
+            <pc:sldMk cId="943430823" sldId="269"/>
+            <ac:spMk id="10" creationId="{0CEE2CD9-CADC-4978-A1F5-5C93C4543FAF}"/>
+          </ac:spMkLst>
+        </pc:spChg>
+        <pc:spChg chg="mod">
+          <ac:chgData name="Graydon Hall" userId="6ad8ef6fe9c5877e" providerId="LiveId" clId="{743B0715-C183-42DE-B6E5-38E47A36CCC5}" dt="2021-09-30T15:20:39.727" v="931" actId="20577"/>
+          <ac:spMkLst>
+            <pc:docMk/>
+            <pc:sldMk cId="943430823" sldId="269"/>
+            <ac:spMk id="11" creationId="{ABE71181-B149-4EE3-8C57-DA344694D6C2}"/>
+          </ac:spMkLst>
+        </pc:spChg>
+        <pc:spChg chg="add mod">
+          <ac:chgData name="Graydon Hall" userId="6ad8ef6fe9c5877e" providerId="LiveId" clId="{743B0715-C183-42DE-B6E5-38E47A36CCC5}" dt="2021-09-30T15:21:46.744" v="940"/>
+          <ac:spMkLst>
+            <pc:docMk/>
+            <pc:sldMk cId="943430823" sldId="269"/>
+            <ac:spMk id="12" creationId="{D657F48F-35FE-4319-89B9-FE8065E71109}"/>
+          </ac:spMkLst>
+        </pc:spChg>
+        <pc:spChg chg="add del mod">
+          <ac:chgData name="Graydon Hall" userId="6ad8ef6fe9c5877e" providerId="LiveId" clId="{743B0715-C183-42DE-B6E5-38E47A36CCC5}" dt="2021-09-30T15:22:21.363" v="942" actId="478"/>
+          <ac:spMkLst>
+            <pc:docMk/>
+            <pc:sldMk cId="943430823" sldId="269"/>
+            <ac:spMk id="73" creationId="{82A861FD-FBD5-49C8-87B0-FE67334597E3}"/>
+          </ac:spMkLst>
+        </pc:spChg>
+        <pc:spChg chg="mod">
+          <ac:chgData name="Graydon Hall" userId="6ad8ef6fe9c5877e" providerId="LiveId" clId="{743B0715-C183-42DE-B6E5-38E47A36CCC5}" dt="2021-09-30T15:20:13.318" v="927" actId="20577"/>
+          <ac:spMkLst>
+            <pc:docMk/>
+            <pc:sldMk cId="943430823" sldId="269"/>
+            <ac:spMk id="74" creationId="{DDE27D17-A231-48E3-9D74-DCF951A18017}"/>
+          </ac:spMkLst>
+        </pc:spChg>
+        <pc:spChg chg="mod">
+          <ac:chgData name="Graydon Hall" userId="6ad8ef6fe9c5877e" providerId="LiveId" clId="{743B0715-C183-42DE-B6E5-38E47A36CCC5}" dt="2021-09-30T15:20:30.334" v="928"/>
+          <ac:spMkLst>
+            <pc:docMk/>
+            <pc:sldMk cId="943430823" sldId="269"/>
+            <ac:spMk id="78" creationId="{4D227593-B0EF-4F52-A8E5-F7B7282E13A7}"/>
+          </ac:spMkLst>
+        </pc:spChg>
+        <pc:spChg chg="mod">
+          <ac:chgData name="Graydon Hall" userId="6ad8ef6fe9c5877e" providerId="LiveId" clId="{743B0715-C183-42DE-B6E5-38E47A36CCC5}" dt="2021-09-30T15:20:30.334" v="928"/>
+          <ac:spMkLst>
+            <pc:docMk/>
+            <pc:sldMk cId="943430823" sldId="269"/>
+            <ac:spMk id="82" creationId="{C515D3FE-01CA-4BDA-9147-9C422F358CCF}"/>
+          </ac:spMkLst>
+        </pc:spChg>
+        <pc:spChg chg="mod">
+          <ac:chgData name="Graydon Hall" userId="6ad8ef6fe9c5877e" providerId="LiveId" clId="{743B0715-C183-42DE-B6E5-38E47A36CCC5}" dt="2021-09-30T15:20:30.334" v="928"/>
+          <ac:spMkLst>
+            <pc:docMk/>
+            <pc:sldMk cId="943430823" sldId="269"/>
+            <ac:spMk id="83" creationId="{C6A5EE8F-9B9E-4486-9928-B9E98656AA51}"/>
+          </ac:spMkLst>
+        </pc:spChg>
+        <pc:spChg chg="mod">
+          <ac:chgData name="Graydon Hall" userId="6ad8ef6fe9c5877e" providerId="LiveId" clId="{743B0715-C183-42DE-B6E5-38E47A36CCC5}" dt="2021-09-30T15:20:30.334" v="928"/>
+          <ac:spMkLst>
+            <pc:docMk/>
+            <pc:sldMk cId="943430823" sldId="269"/>
+            <ac:spMk id="84" creationId="{6A0CC5D6-278E-4553-BF24-D3B1795DDA16}"/>
+          </ac:spMkLst>
+        </pc:spChg>
+        <pc:spChg chg="mod">
+          <ac:chgData name="Graydon Hall" userId="6ad8ef6fe9c5877e" providerId="LiveId" clId="{743B0715-C183-42DE-B6E5-38E47A36CCC5}" dt="2021-09-30T15:20:30.334" v="928"/>
+          <ac:spMkLst>
+            <pc:docMk/>
+            <pc:sldMk cId="943430823" sldId="269"/>
+            <ac:spMk id="85" creationId="{5EB4DA39-7DBA-4233-BB34-0DF00C403DEC}"/>
+          </ac:spMkLst>
+        </pc:spChg>
+        <pc:spChg chg="mod">
+          <ac:chgData name="Graydon Hall" userId="6ad8ef6fe9c5877e" providerId="LiveId" clId="{743B0715-C183-42DE-B6E5-38E47A36CCC5}" dt="2021-09-30T15:20:30.334" v="928"/>
+          <ac:spMkLst>
+            <pc:docMk/>
+            <pc:sldMk cId="943430823" sldId="269"/>
+            <ac:spMk id="86" creationId="{B06CD566-F4AE-4FBD-89C2-3EA878DD56C4}"/>
+          </ac:spMkLst>
+        </pc:spChg>
+        <pc:spChg chg="add mod">
+          <ac:chgData name="Graydon Hall" userId="6ad8ef6fe9c5877e" providerId="LiveId" clId="{743B0715-C183-42DE-B6E5-38E47A36CCC5}" dt="2021-09-30T15:20:49.542" v="934" actId="20577"/>
+          <ac:spMkLst>
+            <pc:docMk/>
+            <pc:sldMk cId="943430823" sldId="269"/>
+            <ac:spMk id="87" creationId="{CE0AC06F-6A76-435D-97B0-EFB97F7B3C2E}"/>
+          </ac:spMkLst>
+        </pc:spChg>
+        <pc:spChg chg="add mod">
+          <ac:chgData name="Graydon Hall" userId="6ad8ef6fe9c5877e" providerId="LiveId" clId="{743B0715-C183-42DE-B6E5-38E47A36CCC5}" dt="2021-09-30T15:21:02.087" v="936" actId="1076"/>
+          <ac:spMkLst>
+            <pc:docMk/>
+            <pc:sldMk cId="943430823" sldId="269"/>
+            <ac:spMk id="88" creationId="{02C14616-1D90-4B0E-9C01-A56748D1777F}"/>
+          </ac:spMkLst>
+        </pc:spChg>
+        <pc:spChg chg="add mod">
+          <ac:chgData name="Graydon Hall" userId="6ad8ef6fe9c5877e" providerId="LiveId" clId="{743B0715-C183-42DE-B6E5-38E47A36CCC5}" dt="2021-09-30T15:28:02.345" v="1095" actId="403"/>
+          <ac:spMkLst>
+            <pc:docMk/>
+            <pc:sldMk cId="943430823" sldId="269"/>
+            <ac:spMk id="89" creationId="{D69C803E-BCCF-41A8-BEB7-69676DFC9032}"/>
+          </ac:spMkLst>
+        </pc:spChg>
+        <pc:spChg chg="add mod">
+          <ac:chgData name="Graydon Hall" userId="6ad8ef6fe9c5877e" providerId="LiveId" clId="{743B0715-C183-42DE-B6E5-38E47A36CCC5}" dt="2021-09-30T15:27:56.489" v="1091" actId="1076"/>
+          <ac:spMkLst>
+            <pc:docMk/>
+            <pc:sldMk cId="943430823" sldId="269"/>
+            <ac:spMk id="90" creationId="{32AB8FCD-CC8A-4E10-B53A-81DF365D5417}"/>
+          </ac:spMkLst>
+        </pc:spChg>
+        <pc:spChg chg="add mod">
+          <ac:chgData name="Graydon Hall" userId="6ad8ef6fe9c5877e" providerId="LiveId" clId="{743B0715-C183-42DE-B6E5-38E47A36CCC5}" dt="2021-09-30T15:34:47.338" v="1428" actId="1076"/>
+          <ac:spMkLst>
+            <pc:docMk/>
+            <pc:sldMk cId="943430823" sldId="269"/>
+            <ac:spMk id="91" creationId="{05583C3E-DEA8-42E0-8241-C5F9FAF982EF}"/>
+          </ac:spMkLst>
+        </pc:spChg>
+        <pc:grpChg chg="add mod">
+          <ac:chgData name="Graydon Hall" userId="6ad8ef6fe9c5877e" providerId="LiveId" clId="{743B0715-C183-42DE-B6E5-38E47A36CCC5}" dt="2021-09-30T15:20:34.164" v="929" actId="1076"/>
+          <ac:grpSpMkLst>
+            <pc:docMk/>
+            <pc:sldMk cId="943430823" sldId="269"/>
+            <ac:grpSpMk id="65" creationId="{B9BE67FD-9E62-40C1-BADC-50D456F4E989}"/>
+          </ac:grpSpMkLst>
+        </pc:grpChg>
+        <pc:picChg chg="add mod">
+          <ac:chgData name="Graydon Hall" userId="6ad8ef6fe9c5877e" providerId="LiveId" clId="{743B0715-C183-42DE-B6E5-38E47A36CCC5}" dt="2021-09-30T15:33:28.461" v="1312" actId="1076"/>
+          <ac:picMkLst>
+            <pc:docMk/>
+            <pc:sldMk cId="943430823" sldId="269"/>
+            <ac:picMk id="15" creationId="{AC4A931D-52EB-4C8B-B8D4-FCCF926F46B0}"/>
+          </ac:picMkLst>
+        </pc:picChg>
+      </pc:sldChg>
+      <pc:sldChg chg="addSp delSp modSp new mod addCm">
+        <pc:chgData name="Graydon Hall" userId="6ad8ef6fe9c5877e" providerId="LiveId" clId="{743B0715-C183-42DE-B6E5-38E47A36CCC5}" dt="2021-09-30T20:02:52.623" v="5485" actId="1076"/>
+        <pc:sldMkLst>
+          <pc:docMk/>
+          <pc:sldMk cId="2983458566" sldId="270"/>
+        </pc:sldMkLst>
+        <pc:spChg chg="del">
+          <ac:chgData name="Graydon Hall" userId="6ad8ef6fe9c5877e" providerId="LiveId" clId="{743B0715-C183-42DE-B6E5-38E47A36CCC5}" dt="2021-09-30T15:31:24.022" v="1165" actId="478"/>
+          <ac:spMkLst>
+            <pc:docMk/>
+            <pc:sldMk cId="2983458566" sldId="270"/>
+            <ac:spMk id="2" creationId="{E4BFD17B-2B55-40CE-A4DD-5CCF6810D40A}"/>
+          </ac:spMkLst>
+        </pc:spChg>
+        <pc:spChg chg="mod">
+          <ac:chgData name="Graydon Hall" userId="6ad8ef6fe9c5877e" providerId="LiveId" clId="{743B0715-C183-42DE-B6E5-38E47A36CCC5}" dt="2021-09-30T19:50:36.141" v="5379" actId="20577"/>
+          <ac:spMkLst>
+            <pc:docMk/>
+            <pc:sldMk cId="2983458566" sldId="270"/>
+            <ac:spMk id="3" creationId="{30BB8E97-AB29-487B-B96A-0A9ECC7C5C1F}"/>
+          </ac:spMkLst>
+        </pc:spChg>
+        <pc:spChg chg="add mod">
+          <ac:chgData name="Graydon Hall" userId="6ad8ef6fe9c5877e" providerId="LiveId" clId="{743B0715-C183-42DE-B6E5-38E47A36CCC5}" dt="2021-09-30T20:02:43.047" v="5483" actId="1076"/>
+          <ac:spMkLst>
+            <pc:docMk/>
+            <pc:sldMk cId="2983458566" sldId="270"/>
+            <ac:spMk id="6" creationId="{CDF078E3-A205-4393-9D38-B21322FF8D87}"/>
+          </ac:spMkLst>
+        </pc:spChg>
+        <pc:spChg chg="add del mod">
+          <ac:chgData name="Graydon Hall" userId="6ad8ef6fe9c5877e" providerId="LiveId" clId="{743B0715-C183-42DE-B6E5-38E47A36CCC5}" dt="2021-09-30T20:02:15.644" v="5479" actId="478"/>
+          <ac:spMkLst>
+            <pc:docMk/>
+            <pc:sldMk cId="2983458566" sldId="270"/>
+            <ac:spMk id="7" creationId="{55FB211F-7F24-4091-B517-A46AB3605728}"/>
+          </ac:spMkLst>
+        </pc:spChg>
+        <pc:spChg chg="add del mod">
+          <ac:chgData name="Graydon Hall" userId="6ad8ef6fe9c5877e" providerId="LiveId" clId="{743B0715-C183-42DE-B6E5-38E47A36CCC5}" dt="2021-09-30T20:02:36.522" v="5481" actId="478"/>
+          <ac:spMkLst>
+            <pc:docMk/>
+            <pc:sldMk cId="2983458566" sldId="270"/>
+            <ac:spMk id="9" creationId="{01F79AFD-649A-4CD1-9506-3F8F8DDAA862}"/>
+          </ac:spMkLst>
+        </pc:spChg>
+        <pc:spChg chg="add mod">
+          <ac:chgData name="Graydon Hall" userId="6ad8ef6fe9c5877e" providerId="LiveId" clId="{743B0715-C183-42DE-B6E5-38E47A36CCC5}" dt="2021-09-30T20:02:52.623" v="5485" actId="1076"/>
+          <ac:spMkLst>
+            <pc:docMk/>
+            <pc:sldMk cId="2983458566" sldId="270"/>
+            <ac:spMk id="18" creationId="{A0EEE247-6E2D-42BB-90AD-C6377E1692D1}"/>
+          </ac:spMkLst>
+        </pc:spChg>
+        <pc:picChg chg="add del mod">
+          <ac:chgData name="Graydon Hall" userId="6ad8ef6fe9c5877e" providerId="LiveId" clId="{743B0715-C183-42DE-B6E5-38E47A36CCC5}" dt="2021-09-30T20:02:16.981" v="5480" actId="478"/>
+          <ac:picMkLst>
+            <pc:docMk/>
+            <pc:sldMk cId="2983458566" sldId="270"/>
+            <ac:picMk id="4" creationId="{12BCD055-AC38-49C8-9E45-1CA6E0E16B16}"/>
+          </ac:picMkLst>
+        </pc:picChg>
+        <pc:picChg chg="add mod">
+          <ac:chgData name="Graydon Hall" userId="6ad8ef6fe9c5877e" providerId="LiveId" clId="{743B0715-C183-42DE-B6E5-38E47A36CCC5}" dt="2021-09-30T20:02:43.047" v="5483" actId="1076"/>
+          <ac:picMkLst>
+            <pc:docMk/>
+            <pc:sldMk cId="2983458566" sldId="270"/>
+            <ac:picMk id="5" creationId="{91072835-6717-4088-92CE-59186457C105}"/>
+          </ac:picMkLst>
+        </pc:picChg>
+        <pc:picChg chg="add del mod">
+          <ac:chgData name="Graydon Hall" userId="6ad8ef6fe9c5877e" providerId="LiveId" clId="{743B0715-C183-42DE-B6E5-38E47A36CCC5}" dt="2021-09-30T20:02:36.522" v="5481" actId="478"/>
+          <ac:picMkLst>
+            <pc:docMk/>
+            <pc:sldMk cId="2983458566" sldId="270"/>
+            <ac:picMk id="8" creationId="{AAF35D5C-F7EA-4101-AFB2-58AA3AF80216}"/>
+          </ac:picMkLst>
+        </pc:picChg>
+        <pc:picChg chg="add del mod">
+          <ac:chgData name="Graydon Hall" userId="6ad8ef6fe9c5877e" providerId="LiveId" clId="{743B0715-C183-42DE-B6E5-38E47A36CCC5}" dt="2021-09-30T20:02:36.522" v="5481" actId="478"/>
+          <ac:picMkLst>
+            <pc:docMk/>
+            <pc:sldMk cId="2983458566" sldId="270"/>
+            <ac:picMk id="11" creationId="{0CBDE164-BC7C-413D-B876-A82081E6216B}"/>
+          </ac:picMkLst>
+        </pc:picChg>
+        <pc:picChg chg="add del mod">
+          <ac:chgData name="Graydon Hall" userId="6ad8ef6fe9c5877e" providerId="LiveId" clId="{743B0715-C183-42DE-B6E5-38E47A36CCC5}" dt="2021-09-30T20:02:36.522" v="5481" actId="478"/>
+          <ac:picMkLst>
+            <pc:docMk/>
+            <pc:sldMk cId="2983458566" sldId="270"/>
+            <ac:picMk id="13" creationId="{3D224934-5DE7-4AA8-A263-FD343C8EDC8D}"/>
+          </ac:picMkLst>
+        </pc:picChg>
+        <pc:picChg chg="add del mod">
+          <ac:chgData name="Graydon Hall" userId="6ad8ef6fe9c5877e" providerId="LiveId" clId="{743B0715-C183-42DE-B6E5-38E47A36CCC5}" dt="2021-09-30T20:02:36.522" v="5481" actId="478"/>
+          <ac:picMkLst>
+            <pc:docMk/>
+            <pc:sldMk cId="2983458566" sldId="270"/>
+            <ac:picMk id="15" creationId="{47B13868-DA25-4272-85A0-CA7C3837098D}"/>
+          </ac:picMkLst>
+        </pc:picChg>
+        <pc:picChg chg="add mod">
+          <ac:chgData name="Graydon Hall" userId="6ad8ef6fe9c5877e" providerId="LiveId" clId="{743B0715-C183-42DE-B6E5-38E47A36CCC5}" dt="2021-09-30T20:02:45.829" v="5484" actId="1076"/>
+          <ac:picMkLst>
+            <pc:docMk/>
+            <pc:sldMk cId="2983458566" sldId="270"/>
+            <ac:picMk id="17" creationId="{D6C88F5A-F3A4-4CD9-83B5-3EDE747F749D}"/>
+          </ac:picMkLst>
+        </pc:picChg>
       </pc:sldChg>
     </pc:docChg>
   </pc:docChgLst>
@@ -5129,7 +5145,7 @@
           <a:p>
             <a:fld id="{5D00ACFE-6B77-4765-8997-362048E25983}" type="datetimeFigureOut">
               <a:rPr lang="en-CA" smtClean="0"/>
-              <a:t>2021-10-01</a:t>
+              <a:t>2021-10-02</a:t>
             </a:fld>
             <a:endParaRPr lang="en-CA"/>
           </a:p>
@@ -5299,7 +5315,7 @@
           <a:p>
             <a:fld id="{5D00ACFE-6B77-4765-8997-362048E25983}" type="datetimeFigureOut">
               <a:rPr lang="en-CA" smtClean="0"/>
-              <a:t>2021-10-01</a:t>
+              <a:t>2021-10-02</a:t>
             </a:fld>
             <a:endParaRPr lang="en-CA"/>
           </a:p>
@@ -5479,7 +5495,7 @@
           <a:p>
             <a:fld id="{5D00ACFE-6B77-4765-8997-362048E25983}" type="datetimeFigureOut">
               <a:rPr lang="en-CA" smtClean="0"/>
-              <a:t>2021-10-01</a:t>
+              <a:t>2021-10-02</a:t>
             </a:fld>
             <a:endParaRPr lang="en-CA"/>
           </a:p>
@@ -5649,7 +5665,7 @@
           <a:p>
             <a:fld id="{5D00ACFE-6B77-4765-8997-362048E25983}" type="datetimeFigureOut">
               <a:rPr lang="en-CA" smtClean="0"/>
-              <a:t>2021-10-01</a:t>
+              <a:t>2021-10-02</a:t>
             </a:fld>
             <a:endParaRPr lang="en-CA"/>
           </a:p>
@@ -5893,7 +5909,7 @@
           <a:p>
             <a:fld id="{5D00ACFE-6B77-4765-8997-362048E25983}" type="datetimeFigureOut">
               <a:rPr lang="en-CA" smtClean="0"/>
-              <a:t>2021-10-01</a:t>
+              <a:t>2021-10-02</a:t>
             </a:fld>
             <a:endParaRPr lang="en-CA"/>
           </a:p>
@@ -6125,7 +6141,7 @@
           <a:p>
             <a:fld id="{5D00ACFE-6B77-4765-8997-362048E25983}" type="datetimeFigureOut">
               <a:rPr lang="en-CA" smtClean="0"/>
-              <a:t>2021-10-01</a:t>
+              <a:t>2021-10-02</a:t>
             </a:fld>
             <a:endParaRPr lang="en-CA"/>
           </a:p>
@@ -6492,7 +6508,7 @@
           <a:p>
             <a:fld id="{5D00ACFE-6B77-4765-8997-362048E25983}" type="datetimeFigureOut">
               <a:rPr lang="en-CA" smtClean="0"/>
-              <a:t>2021-10-01</a:t>
+              <a:t>2021-10-02</a:t>
             </a:fld>
             <a:endParaRPr lang="en-CA"/>
           </a:p>
@@ -6610,7 +6626,7 @@
           <a:p>
             <a:fld id="{5D00ACFE-6B77-4765-8997-362048E25983}" type="datetimeFigureOut">
               <a:rPr lang="en-CA" smtClean="0"/>
-              <a:t>2021-10-01</a:t>
+              <a:t>2021-10-02</a:t>
             </a:fld>
             <a:endParaRPr lang="en-CA"/>
           </a:p>
@@ -6705,7 +6721,7 @@
           <a:p>
             <a:fld id="{5D00ACFE-6B77-4765-8997-362048E25983}" type="datetimeFigureOut">
               <a:rPr lang="en-CA" smtClean="0"/>
-              <a:t>2021-10-01</a:t>
+              <a:t>2021-10-02</a:t>
             </a:fld>
             <a:endParaRPr lang="en-CA"/>
           </a:p>
@@ -6982,7 +6998,7 @@
           <a:p>
             <a:fld id="{5D00ACFE-6B77-4765-8997-362048E25983}" type="datetimeFigureOut">
               <a:rPr lang="en-CA" smtClean="0"/>
-              <a:t>2021-10-01</a:t>
+              <a:t>2021-10-02</a:t>
             </a:fld>
             <a:endParaRPr lang="en-CA"/>
           </a:p>
@@ -7239,7 +7255,7 @@
           <a:p>
             <a:fld id="{5D00ACFE-6B77-4765-8997-362048E25983}" type="datetimeFigureOut">
               <a:rPr lang="en-CA" smtClean="0"/>
-              <a:t>2021-10-01</a:t>
+              <a:t>2021-10-02</a:t>
             </a:fld>
             <a:endParaRPr lang="en-CA"/>
           </a:p>
@@ -7452,7 +7468,7 @@
           <a:p>
             <a:fld id="{5D00ACFE-6B77-4765-8997-362048E25983}" type="datetimeFigureOut">
               <a:rPr lang="en-CA" smtClean="0"/>
-              <a:t>2021-10-01</a:t>
+              <a:t>2021-10-02</a:t>
             </a:fld>
             <a:endParaRPr lang="en-CA"/>
           </a:p>
@@ -9720,234 +9736,6 @@
           </p:txBody>
         </p:sp>
       </p:grpSp>
-      <p:grpSp>
-        <p:nvGrpSpPr>
-          <p:cNvPr id="27" name="Group 26">
-            <a:extLst>
-              <a:ext uri="{FF2B5EF4-FFF2-40B4-BE49-F238E27FC236}">
-                <a16:creationId xmlns:a16="http://schemas.microsoft.com/office/drawing/2014/main" id="{11D2D4C4-A335-4340-B4E2-DFEB0CC5DFA3}"/>
-              </a:ext>
-            </a:extLst>
-          </p:cNvPr>
-          <p:cNvGrpSpPr/>
-          <p:nvPr/>
-        </p:nvGrpSpPr>
-        <p:grpSpPr>
-          <a:xfrm>
-            <a:off x="5259001" y="8177382"/>
-            <a:ext cx="1513845" cy="196208"/>
-            <a:chOff x="5088808" y="8177382"/>
-            <a:chExt cx="1513845" cy="196208"/>
-          </a:xfrm>
-        </p:grpSpPr>
-        <p:sp>
-          <p:nvSpPr>
-            <p:cNvPr id="46" name="TextBox 45">
-              <a:extLst>
-                <a:ext uri="{FF2B5EF4-FFF2-40B4-BE49-F238E27FC236}">
-                  <a16:creationId xmlns:a16="http://schemas.microsoft.com/office/drawing/2014/main" id="{05C9C61F-B640-4679-BE12-3DFCDF58112B}"/>
-                </a:ext>
-              </a:extLst>
-            </p:cNvPr>
-            <p:cNvSpPr txBox="1"/>
-            <p:nvPr/>
-          </p:nvSpPr>
-          <p:spPr>
-            <a:xfrm>
-              <a:off x="5088808" y="8177382"/>
-              <a:ext cx="302769" cy="196208"/>
-            </a:xfrm>
-            <a:prstGeom prst="rect">
-              <a:avLst/>
-            </a:prstGeom>
-            <a:solidFill>
-              <a:schemeClr val="bg1"/>
-            </a:solidFill>
-            <a:ln>
-              <a:solidFill>
-                <a:schemeClr val="tx1"/>
-              </a:solidFill>
-            </a:ln>
-          </p:spPr>
-          <p:txBody>
-            <a:bodyPr wrap="square" rtlCol="0">
-              <a:noAutofit/>
-            </a:bodyPr>
-            <a:lstStyle/>
-            <a:p>
-              <a:pPr algn="ctr"/>
-              <a:r>
-                <a:rPr lang="en-US" sz="675" dirty="0"/>
-                <a:t>‘a’</a:t>
-              </a:r>
-            </a:p>
-          </p:txBody>
-        </p:sp>
-        <p:sp>
-          <p:nvSpPr>
-            <p:cNvPr id="47" name="TextBox 46">
-              <a:extLst>
-                <a:ext uri="{FF2B5EF4-FFF2-40B4-BE49-F238E27FC236}">
-                  <a16:creationId xmlns:a16="http://schemas.microsoft.com/office/drawing/2014/main" id="{8115181F-D416-4F87-8CDB-F72C7031F5D7}"/>
-                </a:ext>
-              </a:extLst>
-            </p:cNvPr>
-            <p:cNvSpPr txBox="1"/>
-            <p:nvPr/>
-          </p:nvSpPr>
-          <p:spPr>
-            <a:xfrm>
-              <a:off x="5391577" y="8177382"/>
-              <a:ext cx="302769" cy="196208"/>
-            </a:xfrm>
-            <a:prstGeom prst="rect">
-              <a:avLst/>
-            </a:prstGeom>
-            <a:noFill/>
-            <a:ln>
-              <a:solidFill>
-                <a:schemeClr val="tx1"/>
-              </a:solidFill>
-            </a:ln>
-          </p:spPr>
-          <p:txBody>
-            <a:bodyPr wrap="square" rtlCol="0">
-              <a:noAutofit/>
-            </a:bodyPr>
-            <a:lstStyle/>
-            <a:p>
-              <a:pPr algn="ctr"/>
-              <a:r>
-                <a:rPr lang="en-US" sz="675" dirty="0"/>
-                <a:t>‘b’</a:t>
-              </a:r>
-            </a:p>
-          </p:txBody>
-        </p:sp>
-        <p:sp>
-          <p:nvSpPr>
-            <p:cNvPr id="48" name="TextBox 47">
-              <a:extLst>
-                <a:ext uri="{FF2B5EF4-FFF2-40B4-BE49-F238E27FC236}">
-                  <a16:creationId xmlns:a16="http://schemas.microsoft.com/office/drawing/2014/main" id="{A0ED181C-DE1C-426B-BCEC-FE0D0DEC008B}"/>
-                </a:ext>
-              </a:extLst>
-            </p:cNvPr>
-            <p:cNvSpPr txBox="1"/>
-            <p:nvPr/>
-          </p:nvSpPr>
-          <p:spPr>
-            <a:xfrm>
-              <a:off x="5694346" y="8177382"/>
-              <a:ext cx="302769" cy="196208"/>
-            </a:xfrm>
-            <a:prstGeom prst="rect">
-              <a:avLst/>
-            </a:prstGeom>
-            <a:noFill/>
-            <a:ln>
-              <a:solidFill>
-                <a:schemeClr val="tx1"/>
-              </a:solidFill>
-            </a:ln>
-          </p:spPr>
-          <p:txBody>
-            <a:bodyPr wrap="square" rtlCol="0">
-              <a:noAutofit/>
-            </a:bodyPr>
-            <a:lstStyle/>
-            <a:p>
-              <a:pPr algn="ctr"/>
-              <a:r>
-                <a:rPr lang="en-US" sz="675" dirty="0"/>
-                <a:t>‘c’</a:t>
-              </a:r>
-            </a:p>
-          </p:txBody>
-        </p:sp>
-        <p:sp>
-          <p:nvSpPr>
-            <p:cNvPr id="49" name="TextBox 48">
-              <a:extLst>
-                <a:ext uri="{FF2B5EF4-FFF2-40B4-BE49-F238E27FC236}">
-                  <a16:creationId xmlns:a16="http://schemas.microsoft.com/office/drawing/2014/main" id="{755C86C8-F3E9-4833-92A9-475500C325BF}"/>
-                </a:ext>
-              </a:extLst>
-            </p:cNvPr>
-            <p:cNvSpPr txBox="1"/>
-            <p:nvPr/>
-          </p:nvSpPr>
-          <p:spPr>
-            <a:xfrm>
-              <a:off x="5997115" y="8177382"/>
-              <a:ext cx="302769" cy="196208"/>
-            </a:xfrm>
-            <a:prstGeom prst="rect">
-              <a:avLst/>
-            </a:prstGeom>
-            <a:noFill/>
-            <a:ln>
-              <a:solidFill>
-                <a:schemeClr val="tx1"/>
-              </a:solidFill>
-            </a:ln>
-          </p:spPr>
-          <p:txBody>
-            <a:bodyPr wrap="square" rtlCol="0">
-              <a:noAutofit/>
-            </a:bodyPr>
-            <a:lstStyle/>
-            <a:p>
-              <a:pPr algn="ctr"/>
-              <a:r>
-                <a:rPr lang="en-US" sz="675" dirty="0"/>
-                <a:t>‘d’</a:t>
-              </a:r>
-            </a:p>
-          </p:txBody>
-        </p:sp>
-        <p:sp>
-          <p:nvSpPr>
-            <p:cNvPr id="61" name="TextBox 60">
-              <a:extLst>
-                <a:ext uri="{FF2B5EF4-FFF2-40B4-BE49-F238E27FC236}">
-                  <a16:creationId xmlns:a16="http://schemas.microsoft.com/office/drawing/2014/main" id="{42FCE60A-0C47-44FD-B094-B4ABECD30FAD}"/>
-                </a:ext>
-              </a:extLst>
-            </p:cNvPr>
-            <p:cNvSpPr txBox="1"/>
-            <p:nvPr/>
-          </p:nvSpPr>
-          <p:spPr>
-            <a:xfrm>
-              <a:off x="6299884" y="8177382"/>
-              <a:ext cx="302769" cy="196208"/>
-            </a:xfrm>
-            <a:prstGeom prst="rect">
-              <a:avLst/>
-            </a:prstGeom>
-            <a:noFill/>
-            <a:ln>
-              <a:solidFill>
-                <a:schemeClr val="tx1"/>
-              </a:solidFill>
-            </a:ln>
-          </p:spPr>
-          <p:txBody>
-            <a:bodyPr wrap="square" rtlCol="0">
-              <a:noAutofit/>
-            </a:bodyPr>
-            <a:lstStyle/>
-            <a:p>
-              <a:pPr algn="ctr"/>
-              <a:r>
-                <a:rPr lang="en-US" sz="675" dirty="0"/>
-                <a:t>‘/0’</a:t>
-              </a:r>
-            </a:p>
-          </p:txBody>
-        </p:sp>
-      </p:grpSp>
       <p:sp>
         <p:nvSpPr>
           <p:cNvPr id="62" name="TextBox 61">
@@ -10485,6 +10273,70 @@
               <a:rPr lang="en-US" sz="675" dirty="0"/>
               <a:t>b</a:t>
             </a:r>
+          </a:p>
+        </p:txBody>
+      </p:sp>
+      <p:sp>
+        <p:nvSpPr>
+          <p:cNvPr id="33" name="Rectangle 32">
+            <a:extLst>
+              <a:ext uri="{FF2B5EF4-FFF2-40B4-BE49-F238E27FC236}">
+                <a16:creationId xmlns:a16="http://schemas.microsoft.com/office/drawing/2014/main" id="{B57447BF-21A0-4756-B72D-1BA244BF6762}"/>
+              </a:ext>
+            </a:extLst>
+          </p:cNvPr>
+          <p:cNvSpPr/>
+          <p:nvPr/>
+        </p:nvSpPr>
+        <p:spPr>
+          <a:xfrm>
+            <a:off x="5257800" y="7836316"/>
+            <a:ext cx="862924" cy="656510"/>
+          </a:xfrm>
+          <a:prstGeom prst="rect">
+            <a:avLst/>
+          </a:prstGeom>
+          <a:noFill/>
+          <a:ln>
+            <a:solidFill>
+              <a:schemeClr val="tx1"/>
+            </a:solidFill>
+          </a:ln>
+        </p:spPr>
+        <p:style>
+          <a:lnRef idx="2">
+            <a:schemeClr val="accent1">
+              <a:shade val="50000"/>
+            </a:schemeClr>
+          </a:lnRef>
+          <a:fillRef idx="1">
+            <a:schemeClr val="accent1"/>
+          </a:fillRef>
+          <a:effectRef idx="0">
+            <a:schemeClr val="accent1"/>
+          </a:effectRef>
+          <a:fontRef idx="minor">
+            <a:schemeClr val="lt1"/>
+          </a:fontRef>
+        </p:style>
+        <p:txBody>
+          <a:bodyPr rtlCol="0" anchor="ctr"/>
+          <a:lstStyle/>
+          <a:p>
+            <a:pPr algn="ctr"/>
+            <a:r>
+              <a:rPr lang="en-US" sz="900" dirty="0">
+                <a:solidFill>
+                  <a:srgbClr val="FF0000"/>
+                </a:solidFill>
+              </a:rPr>
+              <a:t>Unsafe Memory</a:t>
+            </a:r>
+            <a:endParaRPr lang="en-CA" sz="900" dirty="0">
+              <a:solidFill>
+                <a:srgbClr val="FF0000"/>
+              </a:solidFill>
+            </a:endParaRPr>
           </a:p>
         </p:txBody>
       </p:sp>
@@ -15814,7 +15666,7 @@
             <a:pPr algn="ctr"/>
             <a:r>
               <a:rPr lang="en-US" sz="675" dirty="0"/>
-              <a:t>realM</a:t>
+              <a:t>real</a:t>
             </a:r>
           </a:p>
         </p:txBody>
@@ -16437,7 +16289,7 @@
             <a:pPr algn="ctr"/>
             <a:r>
               <a:rPr lang="en-US" sz="675" dirty="0"/>
-              <a:t>imagM</a:t>
+              <a:t>imag</a:t>
             </a:r>
           </a:p>
         </p:txBody>
@@ -17107,13 +16959,8 @@
             <a:pPr algn="ctr"/>
             <a:r>
               <a:rPr lang="en-US" sz="675" dirty="0"/>
-              <a:t>Cplx::</a:t>
-            </a:r>
-            <a:r>
-              <a:rPr lang="en-US" sz="675" dirty="0" err="1"/>
-              <a:t>Subract</a:t>
-            </a:r>
-            <a:endParaRPr lang="en-US" sz="675" dirty="0"/>
+              <a:t>Cplx::Subtract</a:t>
+            </a:r>
           </a:p>
         </p:txBody>
       </p:sp>
